--- a/Poster Rough Draft.pptx
+++ b/Poster Rough Draft.pptx
@@ -286,14 +286,14 @@
           <a:effectLst/>
           <a:extLst>
             <a:ext uri="{909E8E84-426E-40dd-AFC4-6F175D3DCCD1}">
-              <a14:hiddenFill xmlns:a14="http://schemas.microsoft.com/office/drawing/2010/main" xmlns="">
+              <a14:hiddenFill xmlns="" xmlns:a14="http://schemas.microsoft.com/office/drawing/2010/main">
                 <a:solidFill>
                   <a:schemeClr val="accent1"/>
                 </a:solidFill>
               </a14:hiddenFill>
             </a:ext>
             <a:ext uri="{91240B29-F687-4f45-9708-019B960494DF}">
-              <a14:hiddenLine xmlns:a14="http://schemas.microsoft.com/office/drawing/2010/main" xmlns="" w="9525">
+              <a14:hiddenLine xmlns="" xmlns:a14="http://schemas.microsoft.com/office/drawing/2010/main" w="9525">
                 <a:solidFill>
                   <a:schemeClr val="tx1"/>
                 </a:solidFill>
@@ -303,7 +303,7 @@
               </a14:hiddenLine>
             </a:ext>
             <a:ext uri="{AF507438-7753-43e0-B8FC-AC1667EBCBE1}">
-              <a14:hiddenEffects xmlns:a14="http://schemas.microsoft.com/office/drawing/2010/main" xmlns="">
+              <a14:hiddenEffects xmlns="" xmlns:a14="http://schemas.microsoft.com/office/drawing/2010/main">
                 <a:effectLst>
                   <a:outerShdw dist="35921" dir="2700000" algn="ctr" rotWithShape="0">
                     <a:schemeClr val="bg2"/>
@@ -356,14 +356,14 @@
           <a:effectLst/>
           <a:extLst>
             <a:ext uri="{909E8E84-426E-40dd-AFC4-6F175D3DCCD1}">
-              <a14:hiddenFill xmlns:a14="http://schemas.microsoft.com/office/drawing/2010/main" xmlns="">
+              <a14:hiddenFill xmlns="" xmlns:a14="http://schemas.microsoft.com/office/drawing/2010/main">
                 <a:solidFill>
                   <a:schemeClr val="accent1"/>
                 </a:solidFill>
               </a14:hiddenFill>
             </a:ext>
             <a:ext uri="{91240B29-F687-4f45-9708-019B960494DF}">
-              <a14:hiddenLine xmlns:a14="http://schemas.microsoft.com/office/drawing/2010/main" xmlns="" w="9525">
+              <a14:hiddenLine xmlns="" xmlns:a14="http://schemas.microsoft.com/office/drawing/2010/main" w="9525">
                 <a:solidFill>
                   <a:schemeClr val="tx1"/>
                 </a:solidFill>
@@ -373,7 +373,7 @@
               </a14:hiddenLine>
             </a:ext>
             <a:ext uri="{AF507438-7753-43e0-B8FC-AC1667EBCBE1}">
-              <a14:hiddenEffects xmlns:a14="http://schemas.microsoft.com/office/drawing/2010/main" xmlns="">
+              <a14:hiddenEffects xmlns="" xmlns:a14="http://schemas.microsoft.com/office/drawing/2010/main">
                 <a:effectLst>
                   <a:outerShdw dist="35921" dir="2700000" algn="ctr" rotWithShape="0">
                     <a:schemeClr val="bg2"/>
@@ -426,14 +426,14 @@
           <a:effectLst/>
           <a:extLst>
             <a:ext uri="{909E8E84-426E-40dd-AFC4-6F175D3DCCD1}">
-              <a14:hiddenFill xmlns:a14="http://schemas.microsoft.com/office/drawing/2010/main" xmlns="">
+              <a14:hiddenFill xmlns="" xmlns:a14="http://schemas.microsoft.com/office/drawing/2010/main">
                 <a:solidFill>
                   <a:schemeClr val="accent1"/>
                 </a:solidFill>
               </a14:hiddenFill>
             </a:ext>
             <a:ext uri="{91240B29-F687-4f45-9708-019B960494DF}">
-              <a14:hiddenLine xmlns:a14="http://schemas.microsoft.com/office/drawing/2010/main" xmlns="" w="9525">
+              <a14:hiddenLine xmlns="" xmlns:a14="http://schemas.microsoft.com/office/drawing/2010/main" w="9525">
                 <a:solidFill>
                   <a:schemeClr val="tx1"/>
                 </a:solidFill>
@@ -443,7 +443,7 @@
               </a14:hiddenLine>
             </a:ext>
             <a:ext uri="{AF507438-7753-43e0-B8FC-AC1667EBCBE1}">
-              <a14:hiddenEffects xmlns:a14="http://schemas.microsoft.com/office/drawing/2010/main" xmlns="">
+              <a14:hiddenEffects xmlns="" xmlns:a14="http://schemas.microsoft.com/office/drawing/2010/main">
                 <a:effectLst>
                   <a:outerShdw dist="35921" dir="2700000" algn="ctr" rotWithShape="0">
                     <a:schemeClr val="bg2"/>
@@ -496,14 +496,14 @@
           <a:effectLst/>
           <a:extLst>
             <a:ext uri="{909E8E84-426E-40dd-AFC4-6F175D3DCCD1}">
-              <a14:hiddenFill xmlns:a14="http://schemas.microsoft.com/office/drawing/2010/main" xmlns="">
+              <a14:hiddenFill xmlns="" xmlns:a14="http://schemas.microsoft.com/office/drawing/2010/main">
                 <a:solidFill>
                   <a:schemeClr val="accent1"/>
                 </a:solidFill>
               </a14:hiddenFill>
             </a:ext>
             <a:ext uri="{91240B29-F687-4f45-9708-019B960494DF}">
-              <a14:hiddenLine xmlns:a14="http://schemas.microsoft.com/office/drawing/2010/main" xmlns="" w="9525">
+              <a14:hiddenLine xmlns="" xmlns:a14="http://schemas.microsoft.com/office/drawing/2010/main" w="9525">
                 <a:solidFill>
                   <a:schemeClr val="tx1"/>
                 </a:solidFill>
@@ -513,7 +513,7 @@
               </a14:hiddenLine>
             </a:ext>
             <a:ext uri="{AF507438-7753-43e0-B8FC-AC1667EBCBE1}">
-              <a14:hiddenEffects xmlns:a14="http://schemas.microsoft.com/office/drawing/2010/main" xmlns="">
+              <a14:hiddenEffects xmlns="" xmlns:a14="http://schemas.microsoft.com/office/drawing/2010/main">
                 <a:effectLst>
                   <a:outerShdw dist="35921" dir="2700000" algn="ctr" rotWithShape="0">
                     <a:schemeClr val="bg2"/>
@@ -607,14 +607,14 @@
           <a:effectLst/>
           <a:extLst>
             <a:ext uri="{909E8E84-426E-40dd-AFC4-6F175D3DCCD1}">
-              <a14:hiddenFill xmlns:a14="http://schemas.microsoft.com/office/drawing/2010/main" xmlns="">
+              <a14:hiddenFill xmlns="" xmlns:a14="http://schemas.microsoft.com/office/drawing/2010/main">
                 <a:solidFill>
                   <a:schemeClr val="accent1"/>
                 </a:solidFill>
               </a14:hiddenFill>
             </a:ext>
             <a:ext uri="{91240B29-F687-4f45-9708-019B960494DF}">
-              <a14:hiddenLine xmlns:a14="http://schemas.microsoft.com/office/drawing/2010/main" xmlns="" w="9525">
+              <a14:hiddenLine xmlns="" xmlns:a14="http://schemas.microsoft.com/office/drawing/2010/main" w="9525">
                 <a:solidFill>
                   <a:schemeClr val="tx1"/>
                 </a:solidFill>
@@ -624,7 +624,7 @@
               </a14:hiddenLine>
             </a:ext>
             <a:ext uri="{AF507438-7753-43e0-B8FC-AC1667EBCBE1}">
-              <a14:hiddenEffects xmlns:a14="http://schemas.microsoft.com/office/drawing/2010/main" xmlns="">
+              <a14:hiddenEffects xmlns="" xmlns:a14="http://schemas.microsoft.com/office/drawing/2010/main">
                 <a:effectLst>
                   <a:outerShdw dist="35921" dir="2700000" algn="ctr" rotWithShape="0">
                     <a:schemeClr val="bg2"/>
@@ -677,14 +677,14 @@
           <a:effectLst/>
           <a:extLst>
             <a:ext uri="{909E8E84-426E-40dd-AFC4-6F175D3DCCD1}">
-              <a14:hiddenFill xmlns:a14="http://schemas.microsoft.com/office/drawing/2010/main" xmlns="">
+              <a14:hiddenFill xmlns="" xmlns:a14="http://schemas.microsoft.com/office/drawing/2010/main">
                 <a:solidFill>
                   <a:schemeClr val="accent1"/>
                 </a:solidFill>
               </a14:hiddenFill>
             </a:ext>
             <a:ext uri="{91240B29-F687-4f45-9708-019B960494DF}">
-              <a14:hiddenLine xmlns:a14="http://schemas.microsoft.com/office/drawing/2010/main" xmlns="" w="9525">
+              <a14:hiddenLine xmlns="" xmlns:a14="http://schemas.microsoft.com/office/drawing/2010/main" w="9525">
                 <a:solidFill>
                   <a:schemeClr val="tx1"/>
                 </a:solidFill>
@@ -694,7 +694,7 @@
               </a14:hiddenLine>
             </a:ext>
             <a:ext uri="{AF507438-7753-43e0-B8FC-AC1667EBCBE1}">
-              <a14:hiddenEffects xmlns:a14="http://schemas.microsoft.com/office/drawing/2010/main" xmlns="">
+              <a14:hiddenEffects xmlns="" xmlns:a14="http://schemas.microsoft.com/office/drawing/2010/main">
                 <a:effectLst>
                   <a:outerShdw dist="35921" dir="2700000" algn="ctr" rotWithShape="0">
                     <a:schemeClr val="bg2"/>
@@ -752,14 +752,14 @@
           <a:effectLst/>
           <a:extLst>
             <a:ext uri="{909E8E84-426E-40dd-AFC4-6F175D3DCCD1}">
-              <a14:hiddenFill xmlns:a14="http://schemas.microsoft.com/office/drawing/2010/main" xmlns="">
+              <a14:hiddenFill xmlns="" xmlns:a14="http://schemas.microsoft.com/office/drawing/2010/main">
                 <a:solidFill>
                   <a:srgbClr val="FFFFFF"/>
                 </a:solidFill>
               </a14:hiddenFill>
             </a:ext>
             <a:ext uri="{AF507438-7753-43e0-B8FC-AC1667EBCBE1}">
-              <a14:hiddenEffects xmlns:a14="http://schemas.microsoft.com/office/drawing/2010/main" xmlns="">
+              <a14:hiddenEffects xmlns="" xmlns:a14="http://schemas.microsoft.com/office/drawing/2010/main">
                 <a:effectLst>
                   <a:outerShdw dist="35921" dir="2700000" algn="ctr" rotWithShape="0">
                     <a:srgbClr val="808080"/>
@@ -768,7 +768,7 @@
               </a14:hiddenEffects>
             </a:ext>
             <a:ext uri="{53640926-AAD7-44d8-BBD7-CCE9431645EC}">
-              <a14:shadowObscured xmlns:a14="http://schemas.microsoft.com/office/drawing/2010/main" xmlns="" val="1"/>
+              <a14:shadowObscured xmlns="" xmlns:a14="http://schemas.microsoft.com/office/drawing/2010/main" val="1"/>
             </a:ext>
           </a:extLst>
         </p:spPr>
@@ -798,14 +798,14 @@
           <a:effectLst/>
           <a:extLst>
             <a:ext uri="{909E8E84-426E-40dd-AFC4-6F175D3DCCD1}">
-              <a14:hiddenFill xmlns:a14="http://schemas.microsoft.com/office/drawing/2010/main" xmlns="">
+              <a14:hiddenFill xmlns="" xmlns:a14="http://schemas.microsoft.com/office/drawing/2010/main">
                 <a:solidFill>
                   <a:schemeClr val="accent1"/>
                 </a:solidFill>
               </a14:hiddenFill>
             </a:ext>
             <a:ext uri="{91240B29-F687-4f45-9708-019B960494DF}">
-              <a14:hiddenLine xmlns:a14="http://schemas.microsoft.com/office/drawing/2010/main" xmlns="" w="9525">
+              <a14:hiddenLine xmlns="" xmlns:a14="http://schemas.microsoft.com/office/drawing/2010/main" w="9525">
                 <a:solidFill>
                   <a:schemeClr val="tx1"/>
                 </a:solidFill>
@@ -815,7 +815,7 @@
               </a14:hiddenLine>
             </a:ext>
             <a:ext uri="{AF507438-7753-43e0-B8FC-AC1667EBCBE1}">
-              <a14:hiddenEffects xmlns:a14="http://schemas.microsoft.com/office/drawing/2010/main" xmlns="">
+              <a14:hiddenEffects xmlns="" xmlns:a14="http://schemas.microsoft.com/office/drawing/2010/main">
                 <a:effectLst>
                   <a:outerShdw dist="35921" dir="2700000" algn="ctr" rotWithShape="0">
                     <a:schemeClr val="bg2"/>
@@ -894,14 +894,14 @@
           <a:effectLst/>
           <a:extLst>
             <a:ext uri="{909E8E84-426E-40dd-AFC4-6F175D3DCCD1}">
-              <a14:hiddenFill xmlns:a14="http://schemas.microsoft.com/office/drawing/2010/main" xmlns="">
+              <a14:hiddenFill xmlns="" xmlns:a14="http://schemas.microsoft.com/office/drawing/2010/main">
                 <a:solidFill>
                   <a:schemeClr val="accent1"/>
                 </a:solidFill>
               </a14:hiddenFill>
             </a:ext>
             <a:ext uri="{91240B29-F687-4f45-9708-019B960494DF}">
-              <a14:hiddenLine xmlns:a14="http://schemas.microsoft.com/office/drawing/2010/main" xmlns="" w="9525">
+              <a14:hiddenLine xmlns="" xmlns:a14="http://schemas.microsoft.com/office/drawing/2010/main" w="9525">
                 <a:solidFill>
                   <a:schemeClr val="tx1"/>
                 </a:solidFill>
@@ -911,7 +911,7 @@
               </a14:hiddenLine>
             </a:ext>
             <a:ext uri="{AF507438-7753-43e0-B8FC-AC1667EBCBE1}">
-              <a14:hiddenEffects xmlns:a14="http://schemas.microsoft.com/office/drawing/2010/main" xmlns="">
+              <a14:hiddenEffects xmlns="" xmlns:a14="http://schemas.microsoft.com/office/drawing/2010/main">
                 <a:effectLst>
                   <a:outerShdw dist="35921" dir="2700000" algn="ctr" rotWithShape="0">
                     <a:schemeClr val="bg2"/>
@@ -964,14 +964,14 @@
           <a:effectLst/>
           <a:extLst>
             <a:ext uri="{909E8E84-426E-40dd-AFC4-6F175D3DCCD1}">
-              <a14:hiddenFill xmlns:a14="http://schemas.microsoft.com/office/drawing/2010/main" xmlns="">
+              <a14:hiddenFill xmlns="" xmlns:a14="http://schemas.microsoft.com/office/drawing/2010/main">
                 <a:solidFill>
                   <a:schemeClr val="accent1"/>
                 </a:solidFill>
               </a14:hiddenFill>
             </a:ext>
             <a:ext uri="{91240B29-F687-4f45-9708-019B960494DF}">
-              <a14:hiddenLine xmlns:a14="http://schemas.microsoft.com/office/drawing/2010/main" xmlns="" w="9525">
+              <a14:hiddenLine xmlns="" xmlns:a14="http://schemas.microsoft.com/office/drawing/2010/main" w="9525">
                 <a:solidFill>
                   <a:schemeClr val="tx1"/>
                 </a:solidFill>
@@ -981,7 +981,7 @@
               </a14:hiddenLine>
             </a:ext>
             <a:ext uri="{AF507438-7753-43e0-B8FC-AC1667EBCBE1}">
-              <a14:hiddenEffects xmlns:a14="http://schemas.microsoft.com/office/drawing/2010/main" xmlns="">
+              <a14:hiddenEffects xmlns="" xmlns:a14="http://schemas.microsoft.com/office/drawing/2010/main">
                 <a:effectLst>
                   <a:outerShdw dist="35921" dir="2700000" algn="ctr" rotWithShape="0">
                     <a:schemeClr val="bg2"/>
@@ -3497,9 +3497,18 @@
         <a:gradFill rotWithShape="0">
           <a:gsLst>
             <a:gs pos="0">
+              <a:srgbClr val="DADEE5"/>
+            </a:gs>
+            <a:gs pos="52000">
+              <a:srgbClr val="DADEE5"/>
+            </a:gs>
+            <a:gs pos="100000">
+              <a:srgbClr val="EDEFF2"/>
+            </a:gs>
+            <a:gs pos="71000">
               <a:schemeClr val="bg1"/>
             </a:gs>
-            <a:gs pos="100000">
+            <a:gs pos="25000">
               <a:schemeClr val="tx2">
                 <a:lumMod val="40000"/>
                 <a:lumOff val="60000"/>
@@ -3849,14 +3858,14 @@
           <a:effectLst/>
           <a:extLst>
             <a:ext uri="{909E8E84-426E-40dd-AFC4-6F175D3DCCD1}">
-              <a14:hiddenFill xmlns:a14="http://schemas.microsoft.com/office/drawing/2010/main" xmlns="">
+              <a14:hiddenFill xmlns="" xmlns:a14="http://schemas.microsoft.com/office/drawing/2010/main">
                 <a:solidFill>
                   <a:srgbClr val="000000"/>
                 </a:solidFill>
               </a14:hiddenFill>
             </a:ext>
             <a:ext uri="{91240B29-F687-4f45-9708-019B960494DF}">
-              <a14:hiddenLine xmlns:a14="http://schemas.microsoft.com/office/drawing/2010/main" xmlns="" w="9525">
+              <a14:hiddenLine xmlns="" xmlns:a14="http://schemas.microsoft.com/office/drawing/2010/main" w="9525">
                 <a:solidFill>
                   <a:schemeClr val="tx1"/>
                 </a:solidFill>
@@ -3866,7 +3875,7 @@
               </a14:hiddenLine>
             </a:ext>
             <a:ext uri="{AF507438-7753-43e0-B8FC-AC1667EBCBE1}">
-              <a14:hiddenEffects xmlns:a14="http://schemas.microsoft.com/office/drawing/2010/main" xmlns="">
+              <a14:hiddenEffects xmlns="" xmlns:a14="http://schemas.microsoft.com/office/drawing/2010/main">
                 <a:effectLst>
                   <a:outerShdw dist="35921" dir="2700000" algn="ctr" rotWithShape="0">
                     <a:srgbClr val="FFBF0B"/>
@@ -3979,7 +3988,7 @@
           <a:p>
             <a:pPr algn="ctr"/>
             <a:r>
-              <a:rPr lang="en-US" altLang="zh-CN" sz="7200" b="1" dirty="0">
+              <a:rPr lang="en-US" altLang="zh-CN" sz="7200" b="1" dirty="0" smtClean="0">
                 <a:solidFill>
                   <a:schemeClr val="bg1"/>
                 </a:solidFill>
@@ -3988,8 +3997,17 @@
                 <a:ea typeface="SimSun" pitchFamily="2" charset="-122"/>
                 <a:cs typeface="Lucida Sans" pitchFamily="34" charset="0"/>
               </a:rPr>
-              <a:t>INSERT YOUR POSTER TITLE ON THIS LINE HERE</a:t>
+              <a:t>Sonic Signatures: Do Shakespeare’s Characters Have Distinct Speech Qualities? </a:t>
             </a:r>
+            <a:endParaRPr lang="en-US" altLang="zh-CN" sz="7200" b="1" dirty="0">
+              <a:solidFill>
+                <a:schemeClr val="bg1"/>
+              </a:solidFill>
+              <a:effectLst/>
+              <a:latin typeface="Lucida Sans" pitchFamily="34" charset="0"/>
+              <a:ea typeface="SimSun" pitchFamily="2" charset="-122"/>
+              <a:cs typeface="Lucida Sans" pitchFamily="34" charset="0"/>
+            </a:endParaRPr>
           </a:p>
           <a:p>
             <a:pPr algn="ctr">
@@ -3998,7 +4016,7 @@
               </a:spcBef>
             </a:pPr>
             <a:r>
-              <a:rPr lang="en-US" altLang="zh-CN" sz="5600" b="1" dirty="0">
+              <a:rPr lang="en-US" altLang="zh-CN" sz="5600" b="1" smtClean="0">
                 <a:solidFill>
                   <a:schemeClr val="bg1"/>
                 </a:solidFill>
@@ -4007,13 +4025,10 @@
                 <a:ea typeface="SimSun" pitchFamily="2" charset="-122"/>
                 <a:cs typeface="Lucida Sans" pitchFamily="34" charset="0"/>
               </a:rPr>
-              <a:t>Name of Author</a:t>
+              <a:t>Eric Alexander, Estelle </a:t>
             </a:r>
-          </a:p>
-          <a:p>
-            <a:pPr algn="ctr"/>
             <a:r>
-              <a:rPr lang="en-US" altLang="zh-CN" sz="4200" b="1" dirty="0">
+              <a:rPr lang="en-US" altLang="zh-CN" sz="5600" b="1" dirty="0" smtClean="0">
                 <a:solidFill>
                   <a:schemeClr val="bg1"/>
                 </a:solidFill>
@@ -4022,230 +4037,40 @@
                 <a:ea typeface="SimSun" pitchFamily="2" charset="-122"/>
                 <a:cs typeface="Lucida Sans" pitchFamily="34" charset="0"/>
               </a:rPr>
-              <a:t>Department Name and Institution Name can go here</a:t>
+              <a:t>Bayer, Liz Nichols</a:t>
             </a:r>
-          </a:p>
-        </p:txBody>
-      </p:sp>
-      <p:sp>
-        <p:nvSpPr>
-          <p:cNvPr id="37" name="Text Box 242"/>
-          <p:cNvSpPr txBox="1">
-            <a:spLocks noChangeArrowheads="1"/>
-          </p:cNvSpPr>
-          <p:nvPr/>
-        </p:nvSpPr>
-        <p:spPr bwMode="auto">
-          <a:xfrm>
-            <a:off x="1218766" y="6820489"/>
-            <a:ext cx="18288433" cy="2862322"/>
-          </a:xfrm>
-          <a:prstGeom prst="rect">
-            <a:avLst/>
-          </a:prstGeom>
-          <a:solidFill>
-            <a:schemeClr val="bg1"/>
-          </a:solidFill>
-          <a:ln w="57150" cmpd="thinThick">
-            <a:noFill/>
-            <a:miter lim="800000"/>
-            <a:headEnd/>
-            <a:tailEnd/>
-          </a:ln>
-          <a:effectLst/>
-          <a:extLst>
-            <a:ext uri="{AF507438-7753-43e0-B8FC-AC1667EBCBE1}">
-              <a14:hiddenEffects xmlns:a14="http://schemas.microsoft.com/office/drawing/2010/main" xmlns="">
-                <a:effectLst>
-                  <a:outerShdw dist="35921" dir="2700000" algn="ctr" rotWithShape="0">
-                    <a:schemeClr val="bg2"/>
-                  </a:outerShdw>
-                </a:effectLst>
-              </a14:hiddenEffects>
-            </a:ext>
-          </a:extLst>
-        </p:spPr>
-        <p:txBody>
-          <a:bodyPr wrap="square" lIns="182880" tIns="91440" rIns="182880" bIns="182880">
-            <a:spAutoFit/>
-          </a:bodyPr>
-          <a:lstStyle>
-            <a:lvl1pPr marL="228600" indent="-228600" defTabSz="612775">
-              <a:defRPr sz="2400">
-                <a:solidFill>
-                  <a:schemeClr val="tx1"/>
-                </a:solidFill>
-                <a:latin typeface="Times New Roman" pitchFamily="18" charset="0"/>
-              </a:defRPr>
-            </a:lvl1pPr>
-            <a:lvl2pPr marL="742950" indent="-285750" defTabSz="612775">
-              <a:defRPr sz="2400">
-                <a:solidFill>
-                  <a:schemeClr val="tx1"/>
-                </a:solidFill>
-                <a:latin typeface="Times New Roman" pitchFamily="18" charset="0"/>
-              </a:defRPr>
-            </a:lvl2pPr>
-            <a:lvl3pPr marL="1143000" indent="-228600" defTabSz="612775">
-              <a:defRPr sz="2400">
-                <a:solidFill>
-                  <a:schemeClr val="tx1"/>
-                </a:solidFill>
-                <a:latin typeface="Times New Roman" pitchFamily="18" charset="0"/>
-              </a:defRPr>
-            </a:lvl3pPr>
-            <a:lvl4pPr marL="1600200" indent="-228600" defTabSz="612775">
-              <a:defRPr sz="2400">
-                <a:solidFill>
-                  <a:schemeClr val="tx1"/>
-                </a:solidFill>
-                <a:latin typeface="Times New Roman" pitchFamily="18" charset="0"/>
-              </a:defRPr>
-            </a:lvl4pPr>
-            <a:lvl5pPr marL="2057400" indent="-228600" defTabSz="612775">
-              <a:defRPr sz="2400">
-                <a:solidFill>
-                  <a:schemeClr val="tx1"/>
-                </a:solidFill>
-                <a:latin typeface="Times New Roman" pitchFamily="18" charset="0"/>
-              </a:defRPr>
-            </a:lvl5pPr>
-            <a:lvl6pPr marL="2514600" indent="-228600" defTabSz="612775" eaLnBrk="0" fontAlgn="base" hangingPunct="0">
-              <a:spcBef>
-                <a:spcPct val="0"/>
-              </a:spcBef>
-              <a:spcAft>
-                <a:spcPct val="0"/>
-              </a:spcAft>
-              <a:defRPr sz="2400">
-                <a:solidFill>
-                  <a:schemeClr val="tx1"/>
-                </a:solidFill>
-                <a:latin typeface="Times New Roman" pitchFamily="18" charset="0"/>
-              </a:defRPr>
-            </a:lvl6pPr>
-            <a:lvl7pPr marL="2971800" indent="-228600" defTabSz="612775" eaLnBrk="0" fontAlgn="base" hangingPunct="0">
-              <a:spcBef>
-                <a:spcPct val="0"/>
-              </a:spcBef>
-              <a:spcAft>
-                <a:spcPct val="0"/>
-              </a:spcAft>
-              <a:defRPr sz="2400">
-                <a:solidFill>
-                  <a:schemeClr val="tx1"/>
-                </a:solidFill>
-                <a:latin typeface="Times New Roman" pitchFamily="18" charset="0"/>
-              </a:defRPr>
-            </a:lvl7pPr>
-            <a:lvl8pPr marL="3429000" indent="-228600" defTabSz="612775" eaLnBrk="0" fontAlgn="base" hangingPunct="0">
-              <a:spcBef>
-                <a:spcPct val="0"/>
-              </a:spcBef>
-              <a:spcAft>
-                <a:spcPct val="0"/>
-              </a:spcAft>
-              <a:defRPr sz="2400">
-                <a:solidFill>
-                  <a:schemeClr val="tx1"/>
-                </a:solidFill>
-                <a:latin typeface="Times New Roman" pitchFamily="18" charset="0"/>
-              </a:defRPr>
-            </a:lvl8pPr>
-            <a:lvl9pPr marL="3886200" indent="-228600" defTabSz="612775" eaLnBrk="0" fontAlgn="base" hangingPunct="0">
-              <a:spcBef>
-                <a:spcPct val="0"/>
-              </a:spcBef>
-              <a:spcAft>
-                <a:spcPct val="0"/>
-              </a:spcAft>
-              <a:defRPr sz="2400">
-                <a:solidFill>
-                  <a:schemeClr val="tx1"/>
-                </a:solidFill>
-                <a:latin typeface="Times New Roman" pitchFamily="18" charset="0"/>
-              </a:defRPr>
-            </a:lvl9pPr>
-          </a:lstStyle>
-          <a:p>
-            <a:pPr algn="just">
-              <a:lnSpc>
-                <a:spcPct val="120000"/>
-              </a:lnSpc>
-              <a:buFontTx/>
-              <a:buChar char="•"/>
-            </a:pPr>
-            <a:r>
-              <a:rPr lang="en-US" altLang="ja-JP" sz="2800" dirty="0">
-                <a:solidFill>
-                  <a:schemeClr val="tx1">
-                    <a:lumMod val="75000"/>
-                    <a:lumOff val="25000"/>
-                  </a:schemeClr>
-                </a:solidFill>
-                <a:effectLst/>
-                <a:ea typeface="ＭＳ Ｐゴシック" charset="-128"/>
-              </a:rPr>
-              <a:t>Insert your text here.  You can change the font size to fit your text.  </a:t>
-            </a:r>
-          </a:p>
-          <a:p>
-            <a:pPr algn="just">
-              <a:lnSpc>
-                <a:spcPct val="120000"/>
-              </a:lnSpc>
-              <a:buFontTx/>
-              <a:buChar char="•"/>
-            </a:pPr>
-            <a:endParaRPr lang="en-US" altLang="ja-JP" sz="2800" dirty="0">
+            <a:endParaRPr lang="en-US" altLang="zh-CN" sz="5600" b="1" dirty="0">
               <a:solidFill>
-                <a:schemeClr val="tx1">
-                  <a:lumMod val="75000"/>
-                  <a:lumOff val="25000"/>
-                </a:schemeClr>
+                <a:schemeClr val="bg1"/>
               </a:solidFill>
               <a:effectLst/>
-              <a:ea typeface="ＭＳ Ｐゴシック" charset="-128"/>
+              <a:latin typeface="Lucida Sans" pitchFamily="34" charset="0"/>
+              <a:ea typeface="SimSun" pitchFamily="2" charset="-122"/>
+              <a:cs typeface="Lucida Sans" pitchFamily="34" charset="0"/>
             </a:endParaRPr>
           </a:p>
           <a:p>
-            <a:pPr algn="just">
-              <a:lnSpc>
-                <a:spcPct val="120000"/>
-              </a:lnSpc>
-              <a:buFontTx/>
-              <a:buChar char="•"/>
-            </a:pPr>
+            <a:pPr algn="ctr"/>
             <a:r>
-              <a:rPr lang="en-AU" sz="2800" dirty="0">
-                <a:solidFill>
-                  <a:schemeClr val="tx1">
-                    <a:lumMod val="75000"/>
-                    <a:lumOff val="25000"/>
-                  </a:schemeClr>
+              <a:rPr lang="en-US" altLang="zh-CN" sz="4200" b="1" dirty="0" smtClean="0">
+                <a:solidFill>
+                  <a:schemeClr val="bg1"/>
                 </a:solidFill>
                 <a:effectLst/>
+                <a:latin typeface="Lucida Sans" pitchFamily="34" charset="0"/>
+                <a:ea typeface="SimSun" pitchFamily="2" charset="-122"/>
+                <a:cs typeface="Lucida Sans" pitchFamily="34" charset="0"/>
               </a:rPr>
-              <a:t>You can also make this box shrink or grow with the amount of text.  Simply double click this text box, go to the “Text Box” tab, and check the option “Resize AutoShape to fit text”.</a:t>
+              <a:t>Computer Science, Carleton College</a:t>
             </a:r>
-          </a:p>
-          <a:p>
-            <a:pPr algn="just">
-              <a:lnSpc>
-                <a:spcPct val="120000"/>
-              </a:lnSpc>
-              <a:buFontTx/>
-              <a:buChar char="•"/>
-            </a:pPr>
-            <a:endParaRPr lang="en-US" altLang="ja-JP" sz="2800" dirty="0">
+            <a:endParaRPr lang="en-US" altLang="zh-CN" sz="4200" b="1" dirty="0">
               <a:solidFill>
-                <a:schemeClr val="tx1">
-                  <a:lumMod val="75000"/>
-                  <a:lumOff val="25000"/>
-                </a:schemeClr>
+                <a:schemeClr val="bg1"/>
               </a:solidFill>
               <a:effectLst/>
-              <a:ea typeface="ＭＳ Ｐゴシック" charset="-128"/>
+              <a:latin typeface="Lucida Sans" pitchFamily="34" charset="0"/>
+              <a:ea typeface="SimSun" pitchFamily="2" charset="-122"/>
+              <a:cs typeface="Lucida Sans" pitchFamily="34" charset="0"/>
             </a:endParaRPr>
           </a:p>
         </p:txBody>
@@ -4964,182 +4789,6 @@
       </p:grpSp>
       <p:sp>
         <p:nvSpPr>
-          <p:cNvPr id="56" name="Text Box 255"/>
-          <p:cNvSpPr txBox="1">
-            <a:spLocks noChangeArrowheads="1"/>
-          </p:cNvSpPr>
-          <p:nvPr/>
-        </p:nvSpPr>
-        <p:spPr bwMode="auto">
-          <a:xfrm>
-            <a:off x="30708600" y="32350146"/>
-            <a:ext cx="11963400" cy="519112"/>
-          </a:xfrm>
-          <a:prstGeom prst="rect">
-            <a:avLst/>
-          </a:prstGeom>
-          <a:noFill/>
-          <a:ln>
-            <a:noFill/>
-          </a:ln>
-          <a:effectLst/>
-          <a:extLst>
-            <a:ext uri="{909E8E84-426E-40dd-AFC4-6F175D3DCCD1}">
-              <a14:hiddenFill xmlns:a14="http://schemas.microsoft.com/office/drawing/2010/main" xmlns="">
-                <a:solidFill>
-                  <a:schemeClr val="accent1"/>
-                </a:solidFill>
-              </a14:hiddenFill>
-            </a:ext>
-            <a:ext uri="{91240B29-F687-4f45-9708-019B960494DF}">
-              <a14:hiddenLine xmlns:a14="http://schemas.microsoft.com/office/drawing/2010/main" xmlns="" w="9525">
-                <a:solidFill>
-                  <a:schemeClr val="tx1"/>
-                </a:solidFill>
-                <a:miter lim="800000"/>
-                <a:headEnd/>
-                <a:tailEnd/>
-              </a14:hiddenLine>
-            </a:ext>
-            <a:ext uri="{AF507438-7753-43e0-B8FC-AC1667EBCBE1}">
-              <a14:hiddenEffects xmlns:a14="http://schemas.microsoft.com/office/drawing/2010/main" xmlns="">
-                <a:effectLst>
-                  <a:outerShdw dist="35921" dir="2700000" algn="ctr" rotWithShape="0">
-                    <a:schemeClr val="bg2"/>
-                  </a:outerShdw>
-                </a:effectLst>
-              </a14:hiddenEffects>
-            </a:ext>
-          </a:extLst>
-        </p:spPr>
-        <p:txBody>
-          <a:bodyPr>
-            <a:spAutoFit/>
-          </a:bodyPr>
-          <a:lstStyle>
-            <a:lvl1pPr>
-              <a:defRPr sz="2400">
-                <a:solidFill>
-                  <a:schemeClr val="tx1"/>
-                </a:solidFill>
-                <a:latin typeface="Times New Roman" pitchFamily="18" charset="0"/>
-              </a:defRPr>
-            </a:lvl1pPr>
-            <a:lvl2pPr marL="742950" indent="-285750">
-              <a:defRPr sz="2400">
-                <a:solidFill>
-                  <a:schemeClr val="tx1"/>
-                </a:solidFill>
-                <a:latin typeface="Times New Roman" pitchFamily="18" charset="0"/>
-              </a:defRPr>
-            </a:lvl2pPr>
-            <a:lvl3pPr marL="1143000" indent="-228600">
-              <a:defRPr sz="2400">
-                <a:solidFill>
-                  <a:schemeClr val="tx1"/>
-                </a:solidFill>
-                <a:latin typeface="Times New Roman" pitchFamily="18" charset="0"/>
-              </a:defRPr>
-            </a:lvl3pPr>
-            <a:lvl4pPr marL="1600200" indent="-228600">
-              <a:defRPr sz="2400">
-                <a:solidFill>
-                  <a:schemeClr val="tx1"/>
-                </a:solidFill>
-                <a:latin typeface="Times New Roman" pitchFamily="18" charset="0"/>
-              </a:defRPr>
-            </a:lvl4pPr>
-            <a:lvl5pPr marL="2057400" indent="-228600">
-              <a:defRPr sz="2400">
-                <a:solidFill>
-                  <a:schemeClr val="tx1"/>
-                </a:solidFill>
-                <a:latin typeface="Times New Roman" pitchFamily="18" charset="0"/>
-              </a:defRPr>
-            </a:lvl5pPr>
-            <a:lvl6pPr marL="2514600" indent="-228600" eaLnBrk="0" fontAlgn="base" hangingPunct="0">
-              <a:spcBef>
-                <a:spcPct val="0"/>
-              </a:spcBef>
-              <a:spcAft>
-                <a:spcPct val="0"/>
-              </a:spcAft>
-              <a:defRPr sz="2400">
-                <a:solidFill>
-                  <a:schemeClr val="tx1"/>
-                </a:solidFill>
-                <a:latin typeface="Times New Roman" pitchFamily="18" charset="0"/>
-              </a:defRPr>
-            </a:lvl6pPr>
-            <a:lvl7pPr marL="2971800" indent="-228600" eaLnBrk="0" fontAlgn="base" hangingPunct="0">
-              <a:spcBef>
-                <a:spcPct val="0"/>
-              </a:spcBef>
-              <a:spcAft>
-                <a:spcPct val="0"/>
-              </a:spcAft>
-              <a:defRPr sz="2400">
-                <a:solidFill>
-                  <a:schemeClr val="tx1"/>
-                </a:solidFill>
-                <a:latin typeface="Times New Roman" pitchFamily="18" charset="0"/>
-              </a:defRPr>
-            </a:lvl7pPr>
-            <a:lvl8pPr marL="3429000" indent="-228600" eaLnBrk="0" fontAlgn="base" hangingPunct="0">
-              <a:spcBef>
-                <a:spcPct val="0"/>
-              </a:spcBef>
-              <a:spcAft>
-                <a:spcPct val="0"/>
-              </a:spcAft>
-              <a:defRPr sz="2400">
-                <a:solidFill>
-                  <a:schemeClr val="tx1"/>
-                </a:solidFill>
-                <a:latin typeface="Times New Roman" pitchFamily="18" charset="0"/>
-              </a:defRPr>
-            </a:lvl8pPr>
-            <a:lvl9pPr marL="3886200" indent="-228600" eaLnBrk="0" fontAlgn="base" hangingPunct="0">
-              <a:spcBef>
-                <a:spcPct val="0"/>
-              </a:spcBef>
-              <a:spcAft>
-                <a:spcPct val="0"/>
-              </a:spcAft>
-              <a:defRPr sz="2400">
-                <a:solidFill>
-                  <a:schemeClr val="tx1"/>
-                </a:solidFill>
-                <a:latin typeface="Times New Roman" pitchFamily="18" charset="0"/>
-              </a:defRPr>
-            </a:lvl9pPr>
-          </a:lstStyle>
-          <a:p>
-            <a:pPr algn="r"/>
-            <a:r>
-              <a:rPr lang="en-US" altLang="zh-CN" sz="2800" dirty="0">
-                <a:effectLst>
-                  <a:outerShdw blurRad="38100" dist="38100" dir="2700000" algn="tl">
-                    <a:srgbClr val="C0C0C0"/>
-                  </a:outerShdw>
-                </a:effectLst>
-                <a:ea typeface="SimSun" pitchFamily="2" charset="-122"/>
-              </a:rPr>
-              <a:t>Insert your acknowledgements  here.  This research supported by…</a:t>
-            </a:r>
-            <a:endParaRPr lang="zh-CN" altLang="en-US" sz="2800" dirty="0">
-              <a:effectLst>
-                <a:outerShdw blurRad="38100" dist="38100" dir="2700000" algn="tl">
-                  <a:srgbClr val="C0C0C0"/>
-                </a:outerShdw>
-              </a:effectLst>
-              <a:ea typeface="SimSun" pitchFamily="2" charset="-122"/>
-            </a:endParaRPr>
-          </a:p>
-        </p:txBody>
-      </p:sp>
-      <p:sp>
-        <p:nvSpPr>
           <p:cNvPr id="57" name="Text Box 263"/>
           <p:cNvSpPr txBox="1">
             <a:spLocks noChangeArrowheads="1"/>
@@ -5148,8 +4797,8 @@
         </p:nvSpPr>
         <p:spPr bwMode="auto">
           <a:xfrm>
-            <a:off x="20295747" y="6584995"/>
-            <a:ext cx="11098441" cy="6201698"/>
+            <a:off x="20242298" y="6584994"/>
+            <a:ext cx="11098441" cy="765081"/>
           </a:xfrm>
           <a:prstGeom prst="rect">
             <a:avLst/>
@@ -5277,86 +4926,6 @@
                 <a:spcPct val="125000"/>
               </a:lnSpc>
             </a:pPr>
-            <a:r>
-              <a:rPr lang="en-US" altLang="ja-JP" sz="2800" b="1" dirty="0">
-                <a:effectLst/>
-                <a:ea typeface="ＭＳ Ｐゴシック" charset="-128"/>
-              </a:rPr>
-              <a:t>Title Here</a:t>
-            </a:r>
-          </a:p>
-          <a:p>
-            <a:pPr>
-              <a:lnSpc>
-                <a:spcPct val="125000"/>
-              </a:lnSpc>
-            </a:pPr>
-            <a:r>
-              <a:rPr lang="en-US" altLang="ja-JP" sz="2800" dirty="0">
-                <a:effectLst/>
-                <a:ea typeface="ＭＳ Ｐゴシック" charset="-128"/>
-              </a:rPr>
-              <a:t>Insert your text here.  You can change the font size to fit your text.   </a:t>
-            </a:r>
-            <a:r>
-              <a:rPr lang="en-AU" sz="2800" dirty="0">
-                <a:effectLst/>
-              </a:rPr>
-              <a:t>You can also make this box shrink or grow with the amount of text.  Simply double click this text box, go to the “Text Box” tab, and check the option “Resize AutoShape to fit text”.  </a:t>
-            </a:r>
-          </a:p>
-          <a:p>
-            <a:pPr lvl="1">
-              <a:lnSpc>
-                <a:spcPct val="125000"/>
-              </a:lnSpc>
-              <a:buFontTx/>
-              <a:buChar char="•"/>
-            </a:pPr>
-            <a:r>
-              <a:rPr lang="en-US" altLang="ja-JP" sz="2800" dirty="0">
-                <a:effectLst/>
-                <a:ea typeface="ＭＳ Ｐゴシック" charset="-128"/>
-              </a:rPr>
-              <a:t>The background of this template may appear blue on your screen, but it does print lavender.  Insert your text here.  </a:t>
-            </a:r>
-          </a:p>
-          <a:p>
-            <a:pPr lvl="1">
-              <a:lnSpc>
-                <a:spcPct val="125000"/>
-              </a:lnSpc>
-              <a:buFontTx/>
-              <a:buChar char="•"/>
-            </a:pPr>
-            <a:r>
-              <a:rPr lang="en-US" altLang="ja-JP" sz="2800" dirty="0">
-                <a:effectLst/>
-                <a:ea typeface="ＭＳ Ｐゴシック" charset="-128"/>
-              </a:rPr>
-              <a:t>You can change the font size to fit your text.   </a:t>
-            </a:r>
-          </a:p>
-          <a:p>
-            <a:pPr lvl="1">
-              <a:lnSpc>
-                <a:spcPct val="125000"/>
-              </a:lnSpc>
-              <a:buFontTx/>
-              <a:buChar char="•"/>
-            </a:pPr>
-            <a:r>
-              <a:rPr lang="en-AU" sz="2800" dirty="0">
-                <a:effectLst/>
-              </a:rPr>
-              <a:t>You can also make this box shrink or grow with the amount of text.  Simply double click this text box, go to the “Text Box” tab, and check the option “Resize AutoShape to fit text</a:t>
-            </a:r>
-            <a:r>
-              <a:rPr lang="en-AU" sz="2800" dirty="0" smtClean="0">
-                <a:effectLst/>
-              </a:rPr>
-              <a:t>”</a:t>
-            </a:r>
             <a:endParaRPr lang="en-US" altLang="zh-CN" sz="2800" dirty="0">
               <a:effectLst/>
               <a:ea typeface="SimSun" pitchFamily="2" charset="-122"/>
@@ -6440,7 +6009,7 @@
         </p:nvGrpSpPr>
         <p:grpSpPr>
           <a:xfrm>
-            <a:off x="1066799" y="11931210"/>
+            <a:off x="1036496" y="11959598"/>
             <a:ext cx="18440401" cy="946293"/>
             <a:chOff x="1066799" y="5958162"/>
             <a:chExt cx="11007725" cy="946293"/>
@@ -6798,8 +6367,8 @@
         </p:nvSpPr>
         <p:spPr bwMode="auto">
           <a:xfrm>
-            <a:off x="1070810" y="12942788"/>
-            <a:ext cx="18436390" cy="2862322"/>
+            <a:off x="-19583400" y="-3539594"/>
+            <a:ext cx="18436390" cy="3905877"/>
           </a:xfrm>
           <a:prstGeom prst="rect">
             <a:avLst/>
@@ -6816,7 +6385,7 @@
           <a:effectLst/>
           <a:extLst>
             <a:ext uri="{AF507438-7753-43e0-B8FC-AC1667EBCBE1}">
-              <a14:hiddenEffects xmlns:a14="http://schemas.microsoft.com/office/drawing/2010/main" xmlns="">
+              <a14:hiddenEffects xmlns="" xmlns:a14="http://schemas.microsoft.com/office/drawing/2010/main">
                 <a:effectLst>
                   <a:outerShdw dist="35921" dir="2700000" algn="ctr" rotWithShape="0">
                     <a:schemeClr val="bg2"/>
@@ -6937,7 +6506,7 @@
               <a:buChar char="•"/>
             </a:pPr>
             <a:r>
-              <a:rPr lang="en-US" altLang="ja-JP" sz="2800" dirty="0">
+              <a:rPr lang="en-US" altLang="ja-JP" sz="4000" dirty="0" smtClean="0">
                 <a:solidFill>
                   <a:schemeClr val="tx1">
                     <a:lumMod val="75000"/>
@@ -6947,18 +6516,22 @@
                 <a:effectLst/>
                 <a:ea typeface="ＭＳ Ｐゴシック" charset="-128"/>
               </a:rPr>
-              <a:t>Insert your text here.  You can change the font size to fit your text.  </a:t>
+              <a:t>In any language, words break down into a set of fundamental elements called </a:t>
             </a:r>
-          </a:p>
-          <a:p>
-            <a:pPr algn="just">
-              <a:lnSpc>
-                <a:spcPct val="120000"/>
-              </a:lnSpc>
-              <a:buFontTx/>
-              <a:buChar char="•"/>
-            </a:pPr>
-            <a:endParaRPr lang="en-US" altLang="ja-JP" sz="2800" dirty="0">
+            <a:r>
+              <a:rPr lang="en-US" altLang="ja-JP" sz="4000" b="1" dirty="0" smtClean="0">
+                <a:solidFill>
+                  <a:schemeClr val="tx1">
+                    <a:lumMod val="75000"/>
+                    <a:lumOff val="25000"/>
+                  </a:schemeClr>
+                </a:solidFill>
+                <a:effectLst/>
+                <a:ea typeface="ＭＳ Ｐゴシック" charset="-128"/>
+              </a:rPr>
+              <a:t>phonemes</a:t>
+            </a:r>
+            <a:endParaRPr lang="en-US" altLang="ja-JP" sz="4000" dirty="0" smtClean="0">
               <a:solidFill>
                 <a:schemeClr val="tx1">
                   <a:lumMod val="75000"/>
@@ -6978,7 +6551,7 @@
               <a:buChar char="•"/>
             </a:pPr>
             <a:r>
-              <a:rPr lang="en-AU" sz="2800" dirty="0">
+              <a:rPr lang="en-US" altLang="ja-JP" sz="4000" dirty="0" smtClean="0">
                 <a:solidFill>
                   <a:schemeClr val="tx1">
                     <a:lumMod val="75000"/>
@@ -6986,8 +6559,9 @@
                   </a:schemeClr>
                 </a:solidFill>
                 <a:effectLst/>
+                <a:ea typeface="ＭＳ Ｐゴシック" charset="-128"/>
               </a:rPr>
-              <a:t>You can also make this box shrink or grow with the amount of text.  Simply double click this text box, go to the “Text Box” tab, and check the option “Resize AutoShape to fit text”.</a:t>
+              <a:t>Phonemes are defined by the physical processes necessary to produce them (e.g. air flow, tongue position)</a:t>
             </a:r>
           </a:p>
           <a:p>
@@ -6998,169 +6572,8 @@
               <a:buFontTx/>
               <a:buChar char="•"/>
             </a:pPr>
-            <a:endParaRPr lang="en-US" altLang="ja-JP" sz="2800" dirty="0">
-              <a:solidFill>
-                <a:schemeClr val="tx1">
-                  <a:lumMod val="75000"/>
-                  <a:lumOff val="25000"/>
-                </a:schemeClr>
-              </a:solidFill>
-              <a:effectLst/>
-              <a:ea typeface="ＭＳ Ｐゴシック" charset="-128"/>
-            </a:endParaRPr>
-          </a:p>
-        </p:txBody>
-      </p:sp>
-      <p:sp>
-        <p:nvSpPr>
-          <p:cNvPr id="79" name="Text Box 242"/>
-          <p:cNvSpPr txBox="1">
-            <a:spLocks noChangeArrowheads="1"/>
-          </p:cNvSpPr>
-          <p:nvPr/>
-        </p:nvSpPr>
-        <p:spPr bwMode="auto">
-          <a:xfrm>
-            <a:off x="1218767" y="6820489"/>
-            <a:ext cx="18102276" cy="2862322"/>
-          </a:xfrm>
-          <a:prstGeom prst="rect">
-            <a:avLst/>
-          </a:prstGeom>
-          <a:solidFill>
-            <a:schemeClr val="bg1"/>
-          </a:solidFill>
-          <a:ln w="57150" cmpd="thinThick">
-            <a:noFill/>
-            <a:miter lim="800000"/>
-            <a:headEnd/>
-            <a:tailEnd/>
-          </a:ln>
-          <a:effectLst/>
-          <a:extLst>
-            <a:ext uri="{AF507438-7753-43e0-B8FC-AC1667EBCBE1}">
-              <a14:hiddenEffects xmlns:a14="http://schemas.microsoft.com/office/drawing/2010/main" xmlns="">
-                <a:effectLst>
-                  <a:outerShdw dist="35921" dir="2700000" algn="ctr" rotWithShape="0">
-                    <a:schemeClr val="bg2"/>
-                  </a:outerShdw>
-                </a:effectLst>
-              </a14:hiddenEffects>
-            </a:ext>
-          </a:extLst>
-        </p:spPr>
-        <p:txBody>
-          <a:bodyPr wrap="square" lIns="182880" tIns="91440" rIns="182880" bIns="182880">
-            <a:spAutoFit/>
-          </a:bodyPr>
-          <a:lstStyle>
-            <a:lvl1pPr marL="228600" indent="-228600" defTabSz="612775">
-              <a:defRPr sz="2400">
-                <a:solidFill>
-                  <a:schemeClr val="tx1"/>
-                </a:solidFill>
-                <a:latin typeface="Times New Roman" pitchFamily="18" charset="0"/>
-              </a:defRPr>
-            </a:lvl1pPr>
-            <a:lvl2pPr marL="742950" indent="-285750" defTabSz="612775">
-              <a:defRPr sz="2400">
-                <a:solidFill>
-                  <a:schemeClr val="tx1"/>
-                </a:solidFill>
-                <a:latin typeface="Times New Roman" pitchFamily="18" charset="0"/>
-              </a:defRPr>
-            </a:lvl2pPr>
-            <a:lvl3pPr marL="1143000" indent="-228600" defTabSz="612775">
-              <a:defRPr sz="2400">
-                <a:solidFill>
-                  <a:schemeClr val="tx1"/>
-                </a:solidFill>
-                <a:latin typeface="Times New Roman" pitchFamily="18" charset="0"/>
-              </a:defRPr>
-            </a:lvl3pPr>
-            <a:lvl4pPr marL="1600200" indent="-228600" defTabSz="612775">
-              <a:defRPr sz="2400">
-                <a:solidFill>
-                  <a:schemeClr val="tx1"/>
-                </a:solidFill>
-                <a:latin typeface="Times New Roman" pitchFamily="18" charset="0"/>
-              </a:defRPr>
-            </a:lvl4pPr>
-            <a:lvl5pPr marL="2057400" indent="-228600" defTabSz="612775">
-              <a:defRPr sz="2400">
-                <a:solidFill>
-                  <a:schemeClr val="tx1"/>
-                </a:solidFill>
-                <a:latin typeface="Times New Roman" pitchFamily="18" charset="0"/>
-              </a:defRPr>
-            </a:lvl5pPr>
-            <a:lvl6pPr marL="2514600" indent="-228600" defTabSz="612775" eaLnBrk="0" fontAlgn="base" hangingPunct="0">
-              <a:spcBef>
-                <a:spcPct val="0"/>
-              </a:spcBef>
-              <a:spcAft>
-                <a:spcPct val="0"/>
-              </a:spcAft>
-              <a:defRPr sz="2400">
-                <a:solidFill>
-                  <a:schemeClr val="tx1"/>
-                </a:solidFill>
-                <a:latin typeface="Times New Roman" pitchFamily="18" charset="0"/>
-              </a:defRPr>
-            </a:lvl6pPr>
-            <a:lvl7pPr marL="2971800" indent="-228600" defTabSz="612775" eaLnBrk="0" fontAlgn="base" hangingPunct="0">
-              <a:spcBef>
-                <a:spcPct val="0"/>
-              </a:spcBef>
-              <a:spcAft>
-                <a:spcPct val="0"/>
-              </a:spcAft>
-              <a:defRPr sz="2400">
-                <a:solidFill>
-                  <a:schemeClr val="tx1"/>
-                </a:solidFill>
-                <a:latin typeface="Times New Roman" pitchFamily="18" charset="0"/>
-              </a:defRPr>
-            </a:lvl7pPr>
-            <a:lvl8pPr marL="3429000" indent="-228600" defTabSz="612775" eaLnBrk="0" fontAlgn="base" hangingPunct="0">
-              <a:spcBef>
-                <a:spcPct val="0"/>
-              </a:spcBef>
-              <a:spcAft>
-                <a:spcPct val="0"/>
-              </a:spcAft>
-              <a:defRPr sz="2400">
-                <a:solidFill>
-                  <a:schemeClr val="tx1"/>
-                </a:solidFill>
-                <a:latin typeface="Times New Roman" pitchFamily="18" charset="0"/>
-              </a:defRPr>
-            </a:lvl8pPr>
-            <a:lvl9pPr marL="3886200" indent="-228600" defTabSz="612775" eaLnBrk="0" fontAlgn="base" hangingPunct="0">
-              <a:spcBef>
-                <a:spcPct val="0"/>
-              </a:spcBef>
-              <a:spcAft>
-                <a:spcPct val="0"/>
-              </a:spcAft>
-              <a:defRPr sz="2400">
-                <a:solidFill>
-                  <a:schemeClr val="tx1"/>
-                </a:solidFill>
-                <a:latin typeface="Times New Roman" pitchFamily="18" charset="0"/>
-              </a:defRPr>
-            </a:lvl9pPr>
-          </a:lstStyle>
-          <a:p>
-            <a:pPr algn="just">
-              <a:lnSpc>
-                <a:spcPct val="120000"/>
-              </a:lnSpc>
-              <a:buFontTx/>
-              <a:buChar char="•"/>
-            </a:pPr>
             <a:r>
-              <a:rPr lang="en-US" altLang="ja-JP" sz="2800" dirty="0">
+              <a:rPr lang="en-US" altLang="ja-JP" sz="4000" dirty="0" smtClean="0">
                 <a:solidFill>
                   <a:schemeClr val="tx1">
                     <a:lumMod val="75000"/>
@@ -7170,58 +6583,9 @@
                 <a:effectLst/>
                 <a:ea typeface="ＭＳ Ｐゴシック" charset="-128"/>
               </a:rPr>
-              <a:t>Insert your text here.  You can change the font size to fit your text.  </a:t>
+              <a:t>Most English sounds can be qualified distinctly using only a handful of features</a:t>
             </a:r>
-          </a:p>
-          <a:p>
-            <a:pPr algn="just">
-              <a:lnSpc>
-                <a:spcPct val="120000"/>
-              </a:lnSpc>
-              <a:buFontTx/>
-              <a:buChar char="•"/>
-            </a:pPr>
-            <a:endParaRPr lang="en-US" altLang="ja-JP" sz="2800" dirty="0">
-              <a:solidFill>
-                <a:schemeClr val="tx1">
-                  <a:lumMod val="75000"/>
-                  <a:lumOff val="25000"/>
-                </a:schemeClr>
-              </a:solidFill>
-              <a:effectLst/>
-              <a:ea typeface="ＭＳ Ｐゴシック" charset="-128"/>
-            </a:endParaRPr>
-          </a:p>
-          <a:p>
-            <a:pPr algn="just">
-              <a:lnSpc>
-                <a:spcPct val="120000"/>
-              </a:lnSpc>
-              <a:buFontTx/>
-              <a:buChar char="•"/>
-            </a:pPr>
-            <a:r>
-              <a:rPr lang="en-AU" sz="2800" dirty="0">
-                <a:solidFill>
-                  <a:schemeClr val="tx1">
-                    <a:lumMod val="75000"/>
-                    <a:lumOff val="25000"/>
-                  </a:schemeClr>
-                </a:solidFill>
-                <a:effectLst/>
-              </a:rPr>
-              <a:t>You can also make this box shrink or grow with the amount of text.  Simply double click this text box, go to the “Text Box” tab, and check the option “Resize AutoShape to fit text”.</a:t>
-            </a:r>
-          </a:p>
-          <a:p>
-            <a:pPr algn="just">
-              <a:lnSpc>
-                <a:spcPct val="120000"/>
-              </a:lnSpc>
-              <a:buFontTx/>
-              <a:buChar char="•"/>
-            </a:pPr>
-            <a:endParaRPr lang="en-US" altLang="ja-JP" sz="2800" dirty="0">
+            <a:endParaRPr lang="en-US" altLang="ja-JP" sz="4000" dirty="0">
               <a:solidFill>
                 <a:schemeClr val="tx1">
                   <a:lumMod val="75000"/>
@@ -7244,8 +6608,8 @@
         </p:nvSpPr>
         <p:spPr bwMode="auto">
           <a:xfrm>
-            <a:off x="20242298" y="13837510"/>
-            <a:ext cx="11006953" cy="6201698"/>
+            <a:off x="20242298" y="14112985"/>
+            <a:ext cx="11006953" cy="765081"/>
           </a:xfrm>
           <a:prstGeom prst="rect">
             <a:avLst/>
@@ -7373,86 +6737,6 @@
                 <a:spcPct val="125000"/>
               </a:lnSpc>
             </a:pPr>
-            <a:r>
-              <a:rPr lang="en-US" altLang="ja-JP" sz="2800" b="1" dirty="0">
-                <a:effectLst/>
-                <a:ea typeface="ＭＳ Ｐゴシック" charset="-128"/>
-              </a:rPr>
-              <a:t>Title Here</a:t>
-            </a:r>
-          </a:p>
-          <a:p>
-            <a:pPr>
-              <a:lnSpc>
-                <a:spcPct val="125000"/>
-              </a:lnSpc>
-            </a:pPr>
-            <a:r>
-              <a:rPr lang="en-US" altLang="ja-JP" sz="2800" dirty="0">
-                <a:effectLst/>
-                <a:ea typeface="ＭＳ Ｐゴシック" charset="-128"/>
-              </a:rPr>
-              <a:t>Insert your text here.  You can change the font size to fit your text.   </a:t>
-            </a:r>
-            <a:r>
-              <a:rPr lang="en-AU" sz="2800" dirty="0">
-                <a:effectLst/>
-              </a:rPr>
-              <a:t>You can also make this box shrink or grow with the amount of text.  Simply double click this text box, go to the “Text Box” tab, and check the option “Resize AutoShape to fit text”.  </a:t>
-            </a:r>
-          </a:p>
-          <a:p>
-            <a:pPr lvl="1">
-              <a:lnSpc>
-                <a:spcPct val="125000"/>
-              </a:lnSpc>
-              <a:buFontTx/>
-              <a:buChar char="•"/>
-            </a:pPr>
-            <a:r>
-              <a:rPr lang="en-US" altLang="ja-JP" sz="2800" dirty="0">
-                <a:effectLst/>
-                <a:ea typeface="ＭＳ Ｐゴシック" charset="-128"/>
-              </a:rPr>
-              <a:t>The background of this template may appear blue on your screen, but it does print lavender.  Insert your text here.  </a:t>
-            </a:r>
-          </a:p>
-          <a:p>
-            <a:pPr lvl="1">
-              <a:lnSpc>
-                <a:spcPct val="125000"/>
-              </a:lnSpc>
-              <a:buFontTx/>
-              <a:buChar char="•"/>
-            </a:pPr>
-            <a:r>
-              <a:rPr lang="en-US" altLang="ja-JP" sz="2800" dirty="0">
-                <a:effectLst/>
-                <a:ea typeface="ＭＳ Ｐゴシック" charset="-128"/>
-              </a:rPr>
-              <a:t>You can change the font size to fit your text.   </a:t>
-            </a:r>
-          </a:p>
-          <a:p>
-            <a:pPr lvl="1">
-              <a:lnSpc>
-                <a:spcPct val="125000"/>
-              </a:lnSpc>
-              <a:buFontTx/>
-              <a:buChar char="•"/>
-            </a:pPr>
-            <a:r>
-              <a:rPr lang="en-AU" sz="2800" dirty="0">
-                <a:effectLst/>
-              </a:rPr>
-              <a:t>You can also make this box shrink or grow with the amount of text.  Simply double click this text box, go to the “Text Box” tab, and check the option “Resize AutoShape to fit text</a:t>
-            </a:r>
-            <a:r>
-              <a:rPr lang="en-AU" sz="2800" dirty="0" smtClean="0">
-                <a:effectLst/>
-              </a:rPr>
-              <a:t>”</a:t>
-            </a:r>
             <a:endParaRPr lang="en-AU" sz="2800" dirty="0">
               <a:effectLst/>
             </a:endParaRPr>
@@ -7469,8 +6753,8 @@
         </p:nvSpPr>
         <p:spPr bwMode="auto">
           <a:xfrm>
-            <a:off x="20242298" y="21049524"/>
-            <a:ext cx="10954629" cy="6201698"/>
+            <a:off x="20242298" y="21114158"/>
+            <a:ext cx="10954629" cy="765081"/>
           </a:xfrm>
           <a:prstGeom prst="rect">
             <a:avLst/>
@@ -7598,86 +6882,6 @@
                 <a:spcPct val="125000"/>
               </a:lnSpc>
             </a:pPr>
-            <a:r>
-              <a:rPr lang="en-US" altLang="ja-JP" sz="2800" b="1" dirty="0">
-                <a:effectLst/>
-                <a:ea typeface="ＭＳ Ｐゴシック" charset="-128"/>
-              </a:rPr>
-              <a:t>Title Here</a:t>
-            </a:r>
-          </a:p>
-          <a:p>
-            <a:pPr>
-              <a:lnSpc>
-                <a:spcPct val="125000"/>
-              </a:lnSpc>
-            </a:pPr>
-            <a:r>
-              <a:rPr lang="en-US" altLang="ja-JP" sz="2800" dirty="0">
-                <a:effectLst/>
-                <a:ea typeface="ＭＳ Ｐゴシック" charset="-128"/>
-              </a:rPr>
-              <a:t>Insert your text here.  You can change the font size to fit your text.   </a:t>
-            </a:r>
-            <a:r>
-              <a:rPr lang="en-AU" sz="2800" dirty="0">
-                <a:effectLst/>
-              </a:rPr>
-              <a:t>You can also make this box shrink or grow with the amount of text.  Simply double click this text box, go to the “Text Box” tab, and check the option “Resize AutoShape to fit text”.  </a:t>
-            </a:r>
-          </a:p>
-          <a:p>
-            <a:pPr lvl="1">
-              <a:lnSpc>
-                <a:spcPct val="125000"/>
-              </a:lnSpc>
-              <a:buFontTx/>
-              <a:buChar char="•"/>
-            </a:pPr>
-            <a:r>
-              <a:rPr lang="en-US" altLang="ja-JP" sz="2800" dirty="0">
-                <a:effectLst/>
-                <a:ea typeface="ＭＳ Ｐゴシック" charset="-128"/>
-              </a:rPr>
-              <a:t>The background of this template may appear blue on your screen, but it does print lavender.  Insert your text here.  </a:t>
-            </a:r>
-          </a:p>
-          <a:p>
-            <a:pPr lvl="1">
-              <a:lnSpc>
-                <a:spcPct val="125000"/>
-              </a:lnSpc>
-              <a:buFontTx/>
-              <a:buChar char="•"/>
-            </a:pPr>
-            <a:r>
-              <a:rPr lang="en-US" altLang="ja-JP" sz="2800" dirty="0">
-                <a:effectLst/>
-                <a:ea typeface="ＭＳ Ｐゴシック" charset="-128"/>
-              </a:rPr>
-              <a:t>You can change the font size to fit your text.   </a:t>
-            </a:r>
-          </a:p>
-          <a:p>
-            <a:pPr lvl="1">
-              <a:lnSpc>
-                <a:spcPct val="125000"/>
-              </a:lnSpc>
-              <a:buFontTx/>
-              <a:buChar char="•"/>
-            </a:pPr>
-            <a:r>
-              <a:rPr lang="en-AU" sz="2800" dirty="0">
-                <a:effectLst/>
-              </a:rPr>
-              <a:t>You can also make this box shrink or grow with the amount of text.  Simply double click this text box, go to the “Text Box” tab, and check the option “Resize AutoShape to fit text</a:t>
-            </a:r>
-            <a:r>
-              <a:rPr lang="en-AU" sz="2800" dirty="0" smtClean="0">
-                <a:effectLst/>
-              </a:rPr>
-              <a:t>”.</a:t>
-            </a:r>
             <a:endParaRPr lang="en-AU" sz="2800" dirty="0">
               <a:effectLst/>
             </a:endParaRPr>
@@ -8378,6 +7582,809 @@
           </p:txBody>
         </p:sp>
       </p:grpSp>
+      <p:sp>
+        <p:nvSpPr>
+          <p:cNvPr id="38" name="Text Box 242"/>
+          <p:cNvSpPr txBox="1">
+            <a:spLocks noChangeArrowheads="1"/>
+          </p:cNvSpPr>
+          <p:nvPr/>
+        </p:nvSpPr>
+        <p:spPr bwMode="auto">
+          <a:xfrm>
+            <a:off x="879424" y="18820692"/>
+            <a:ext cx="18436390" cy="748923"/>
+          </a:xfrm>
+          <a:prstGeom prst="rect">
+            <a:avLst/>
+          </a:prstGeom>
+          <a:solidFill>
+            <a:schemeClr val="bg1"/>
+          </a:solidFill>
+          <a:ln w="57150" cmpd="thinThick">
+            <a:noFill/>
+            <a:miter lim="800000"/>
+            <a:headEnd/>
+            <a:tailEnd/>
+          </a:ln>
+          <a:effectLst/>
+          <a:extLst>
+            <a:ext uri="{AF507438-7753-43e0-B8FC-AC1667EBCBE1}">
+              <a14:hiddenEffects xmlns="" xmlns:a14="http://schemas.microsoft.com/office/drawing/2010/main">
+                <a:effectLst>
+                  <a:outerShdw dist="35921" dir="2700000" algn="ctr" rotWithShape="0">
+                    <a:schemeClr val="bg2"/>
+                  </a:outerShdw>
+                </a:effectLst>
+              </a14:hiddenEffects>
+            </a:ext>
+          </a:extLst>
+        </p:spPr>
+        <p:txBody>
+          <a:bodyPr wrap="square" lIns="182880" tIns="91440" rIns="182880" bIns="182880">
+            <a:spAutoFit/>
+          </a:bodyPr>
+          <a:lstStyle>
+            <a:lvl1pPr marL="228600" indent="-228600" defTabSz="612775">
+              <a:defRPr sz="2400">
+                <a:solidFill>
+                  <a:schemeClr val="tx1"/>
+                </a:solidFill>
+                <a:latin typeface="Times New Roman" pitchFamily="18" charset="0"/>
+              </a:defRPr>
+            </a:lvl1pPr>
+            <a:lvl2pPr marL="742950" indent="-285750" defTabSz="612775">
+              <a:defRPr sz="2400">
+                <a:solidFill>
+                  <a:schemeClr val="tx1"/>
+                </a:solidFill>
+                <a:latin typeface="Times New Roman" pitchFamily="18" charset="0"/>
+              </a:defRPr>
+            </a:lvl2pPr>
+            <a:lvl3pPr marL="1143000" indent="-228600" defTabSz="612775">
+              <a:defRPr sz="2400">
+                <a:solidFill>
+                  <a:schemeClr val="tx1"/>
+                </a:solidFill>
+                <a:latin typeface="Times New Roman" pitchFamily="18" charset="0"/>
+              </a:defRPr>
+            </a:lvl3pPr>
+            <a:lvl4pPr marL="1600200" indent="-228600" defTabSz="612775">
+              <a:defRPr sz="2400">
+                <a:solidFill>
+                  <a:schemeClr val="tx1"/>
+                </a:solidFill>
+                <a:latin typeface="Times New Roman" pitchFamily="18" charset="0"/>
+              </a:defRPr>
+            </a:lvl4pPr>
+            <a:lvl5pPr marL="2057400" indent="-228600" defTabSz="612775">
+              <a:defRPr sz="2400">
+                <a:solidFill>
+                  <a:schemeClr val="tx1"/>
+                </a:solidFill>
+                <a:latin typeface="Times New Roman" pitchFamily="18" charset="0"/>
+              </a:defRPr>
+            </a:lvl5pPr>
+            <a:lvl6pPr marL="2514600" indent="-228600" defTabSz="612775" eaLnBrk="0" fontAlgn="base" hangingPunct="0">
+              <a:spcBef>
+                <a:spcPct val="0"/>
+              </a:spcBef>
+              <a:spcAft>
+                <a:spcPct val="0"/>
+              </a:spcAft>
+              <a:defRPr sz="2400">
+                <a:solidFill>
+                  <a:schemeClr val="tx1"/>
+                </a:solidFill>
+                <a:latin typeface="Times New Roman" pitchFamily="18" charset="0"/>
+              </a:defRPr>
+            </a:lvl6pPr>
+            <a:lvl7pPr marL="2971800" indent="-228600" defTabSz="612775" eaLnBrk="0" fontAlgn="base" hangingPunct="0">
+              <a:spcBef>
+                <a:spcPct val="0"/>
+              </a:spcBef>
+              <a:spcAft>
+                <a:spcPct val="0"/>
+              </a:spcAft>
+              <a:defRPr sz="2400">
+                <a:solidFill>
+                  <a:schemeClr val="tx1"/>
+                </a:solidFill>
+                <a:latin typeface="Times New Roman" pitchFamily="18" charset="0"/>
+              </a:defRPr>
+            </a:lvl7pPr>
+            <a:lvl8pPr marL="3429000" indent="-228600" defTabSz="612775" eaLnBrk="0" fontAlgn="base" hangingPunct="0">
+              <a:spcBef>
+                <a:spcPct val="0"/>
+              </a:spcBef>
+              <a:spcAft>
+                <a:spcPct val="0"/>
+              </a:spcAft>
+              <a:defRPr sz="2400">
+                <a:solidFill>
+                  <a:schemeClr val="tx1"/>
+                </a:solidFill>
+                <a:latin typeface="Times New Roman" pitchFamily="18" charset="0"/>
+              </a:defRPr>
+            </a:lvl8pPr>
+            <a:lvl9pPr marL="3886200" indent="-228600" defTabSz="612775" eaLnBrk="0" fontAlgn="base" hangingPunct="0">
+              <a:spcBef>
+                <a:spcPct val="0"/>
+              </a:spcBef>
+              <a:spcAft>
+                <a:spcPct val="0"/>
+              </a:spcAft>
+              <a:defRPr sz="2400">
+                <a:solidFill>
+                  <a:schemeClr val="tx1"/>
+                </a:solidFill>
+                <a:latin typeface="Times New Roman" pitchFamily="18" charset="0"/>
+              </a:defRPr>
+            </a:lvl9pPr>
+          </a:lstStyle>
+          <a:p>
+            <a:pPr algn="just">
+              <a:lnSpc>
+                <a:spcPct val="120000"/>
+              </a:lnSpc>
+              <a:buFontTx/>
+              <a:buChar char="•"/>
+            </a:pPr>
+            <a:endParaRPr lang="en-US" altLang="ja-JP" sz="2800" dirty="0">
+              <a:solidFill>
+                <a:schemeClr val="tx1">
+                  <a:lumMod val="75000"/>
+                  <a:lumOff val="25000"/>
+                </a:schemeClr>
+              </a:solidFill>
+              <a:effectLst/>
+              <a:ea typeface="ＭＳ Ｐゴシック" charset="-128"/>
+            </a:endParaRPr>
+          </a:p>
+        </p:txBody>
+      </p:sp>
+      <p:sp>
+        <p:nvSpPr>
+          <p:cNvPr id="45" name="Text Box 263"/>
+          <p:cNvSpPr txBox="1">
+            <a:spLocks noChangeArrowheads="1"/>
+          </p:cNvSpPr>
+          <p:nvPr/>
+        </p:nvSpPr>
+        <p:spPr bwMode="auto">
+          <a:xfrm>
+            <a:off x="20370635" y="28803598"/>
+            <a:ext cx="11025483" cy="838202"/>
+          </a:xfrm>
+          <a:prstGeom prst="rect">
+            <a:avLst/>
+          </a:prstGeom>
+          <a:solidFill>
+            <a:schemeClr val="accent3">
+              <a:lumMod val="40000"/>
+              <a:lumOff val="60000"/>
+            </a:schemeClr>
+          </a:solidFill>
+          <a:ln w="57150" cmpd="thinThick">
+            <a:noFill/>
+            <a:miter lim="800000"/>
+            <a:headEnd/>
+            <a:tailEnd/>
+          </a:ln>
+          <a:effectLst/>
+          <a:extLst/>
+        </p:spPr>
+        <p:txBody>
+          <a:bodyPr wrap="square" lIns="182880" tIns="91440" rIns="182880" bIns="182880">
+            <a:spAutoFit/>
+          </a:bodyPr>
+          <a:lstStyle>
+            <a:lvl1pPr>
+              <a:defRPr sz="2400">
+                <a:solidFill>
+                  <a:schemeClr val="tx1"/>
+                </a:solidFill>
+                <a:latin typeface="Times New Roman" pitchFamily="18" charset="0"/>
+              </a:defRPr>
+            </a:lvl1pPr>
+            <a:lvl2pPr marL="685800" indent="-228600">
+              <a:defRPr sz="2400">
+                <a:solidFill>
+                  <a:schemeClr val="tx1"/>
+                </a:solidFill>
+                <a:latin typeface="Times New Roman" pitchFamily="18" charset="0"/>
+              </a:defRPr>
+            </a:lvl2pPr>
+            <a:lvl3pPr marL="1143000" indent="-228600">
+              <a:defRPr sz="2400">
+                <a:solidFill>
+                  <a:schemeClr val="tx1"/>
+                </a:solidFill>
+                <a:latin typeface="Times New Roman" pitchFamily="18" charset="0"/>
+              </a:defRPr>
+            </a:lvl3pPr>
+            <a:lvl4pPr marL="1600200" indent="-228600">
+              <a:defRPr sz="2400">
+                <a:solidFill>
+                  <a:schemeClr val="tx1"/>
+                </a:solidFill>
+                <a:latin typeface="Times New Roman" pitchFamily="18" charset="0"/>
+              </a:defRPr>
+            </a:lvl4pPr>
+            <a:lvl5pPr marL="2057400" indent="-228600">
+              <a:defRPr sz="2400">
+                <a:solidFill>
+                  <a:schemeClr val="tx1"/>
+                </a:solidFill>
+                <a:latin typeface="Times New Roman" pitchFamily="18" charset="0"/>
+              </a:defRPr>
+            </a:lvl5pPr>
+            <a:lvl6pPr marL="2514600" indent="-228600" eaLnBrk="0" fontAlgn="base" hangingPunct="0">
+              <a:spcBef>
+                <a:spcPct val="0"/>
+              </a:spcBef>
+              <a:spcAft>
+                <a:spcPct val="0"/>
+              </a:spcAft>
+              <a:defRPr sz="2400">
+                <a:solidFill>
+                  <a:schemeClr val="tx1"/>
+                </a:solidFill>
+                <a:latin typeface="Times New Roman" pitchFamily="18" charset="0"/>
+              </a:defRPr>
+            </a:lvl6pPr>
+            <a:lvl7pPr marL="2971800" indent="-228600" eaLnBrk="0" fontAlgn="base" hangingPunct="0">
+              <a:spcBef>
+                <a:spcPct val="0"/>
+              </a:spcBef>
+              <a:spcAft>
+                <a:spcPct val="0"/>
+              </a:spcAft>
+              <a:defRPr sz="2400">
+                <a:solidFill>
+                  <a:schemeClr val="tx1"/>
+                </a:solidFill>
+                <a:latin typeface="Times New Roman" pitchFamily="18" charset="0"/>
+              </a:defRPr>
+            </a:lvl7pPr>
+            <a:lvl8pPr marL="3429000" indent="-228600" eaLnBrk="0" fontAlgn="base" hangingPunct="0">
+              <a:spcBef>
+                <a:spcPct val="0"/>
+              </a:spcBef>
+              <a:spcAft>
+                <a:spcPct val="0"/>
+              </a:spcAft>
+              <a:defRPr sz="2400">
+                <a:solidFill>
+                  <a:schemeClr val="tx1"/>
+                </a:solidFill>
+                <a:latin typeface="Times New Roman" pitchFamily="18" charset="0"/>
+              </a:defRPr>
+            </a:lvl8pPr>
+            <a:lvl9pPr marL="3886200" indent="-228600" eaLnBrk="0" fontAlgn="base" hangingPunct="0">
+              <a:spcBef>
+                <a:spcPct val="0"/>
+              </a:spcBef>
+              <a:spcAft>
+                <a:spcPct val="0"/>
+              </a:spcAft>
+              <a:defRPr sz="2400">
+                <a:solidFill>
+                  <a:schemeClr val="tx1"/>
+                </a:solidFill>
+                <a:latin typeface="Times New Roman" pitchFamily="18" charset="0"/>
+              </a:defRPr>
+            </a:lvl9pPr>
+          </a:lstStyle>
+          <a:p>
+            <a:pPr>
+              <a:lnSpc>
+                <a:spcPct val="125000"/>
+              </a:lnSpc>
+            </a:pPr>
+            <a:endParaRPr lang="en-AU" sz="2800" dirty="0">
+              <a:effectLst/>
+            </a:endParaRPr>
+          </a:p>
+        </p:txBody>
+      </p:sp>
+      <p:sp>
+        <p:nvSpPr>
+          <p:cNvPr id="46" name="Text Box 263"/>
+          <p:cNvSpPr txBox="1">
+            <a:spLocks noChangeArrowheads="1"/>
+          </p:cNvSpPr>
+          <p:nvPr/>
+        </p:nvSpPr>
+        <p:spPr bwMode="auto">
+          <a:xfrm>
+            <a:off x="32433161" y="28803598"/>
+            <a:ext cx="11025483" cy="838202"/>
+          </a:xfrm>
+          <a:prstGeom prst="rect">
+            <a:avLst/>
+          </a:prstGeom>
+          <a:solidFill>
+            <a:schemeClr val="accent3">
+              <a:lumMod val="40000"/>
+              <a:lumOff val="60000"/>
+            </a:schemeClr>
+          </a:solidFill>
+          <a:ln w="57150" cmpd="thinThick">
+            <a:noFill/>
+            <a:miter lim="800000"/>
+            <a:headEnd/>
+            <a:tailEnd/>
+          </a:ln>
+          <a:effectLst/>
+          <a:extLst/>
+        </p:spPr>
+        <p:txBody>
+          <a:bodyPr wrap="square" lIns="182880" tIns="91440" rIns="182880" bIns="182880">
+            <a:spAutoFit/>
+          </a:bodyPr>
+          <a:lstStyle>
+            <a:lvl1pPr>
+              <a:defRPr sz="2400">
+                <a:solidFill>
+                  <a:schemeClr val="tx1"/>
+                </a:solidFill>
+                <a:latin typeface="Times New Roman" pitchFamily="18" charset="0"/>
+              </a:defRPr>
+            </a:lvl1pPr>
+            <a:lvl2pPr marL="685800" indent="-228600">
+              <a:defRPr sz="2400">
+                <a:solidFill>
+                  <a:schemeClr val="tx1"/>
+                </a:solidFill>
+                <a:latin typeface="Times New Roman" pitchFamily="18" charset="0"/>
+              </a:defRPr>
+            </a:lvl2pPr>
+            <a:lvl3pPr marL="1143000" indent="-228600">
+              <a:defRPr sz="2400">
+                <a:solidFill>
+                  <a:schemeClr val="tx1"/>
+                </a:solidFill>
+                <a:latin typeface="Times New Roman" pitchFamily="18" charset="0"/>
+              </a:defRPr>
+            </a:lvl3pPr>
+            <a:lvl4pPr marL="1600200" indent="-228600">
+              <a:defRPr sz="2400">
+                <a:solidFill>
+                  <a:schemeClr val="tx1"/>
+                </a:solidFill>
+                <a:latin typeface="Times New Roman" pitchFamily="18" charset="0"/>
+              </a:defRPr>
+            </a:lvl4pPr>
+            <a:lvl5pPr marL="2057400" indent="-228600">
+              <a:defRPr sz="2400">
+                <a:solidFill>
+                  <a:schemeClr val="tx1"/>
+                </a:solidFill>
+                <a:latin typeface="Times New Roman" pitchFamily="18" charset="0"/>
+              </a:defRPr>
+            </a:lvl5pPr>
+            <a:lvl6pPr marL="2514600" indent="-228600" eaLnBrk="0" fontAlgn="base" hangingPunct="0">
+              <a:spcBef>
+                <a:spcPct val="0"/>
+              </a:spcBef>
+              <a:spcAft>
+                <a:spcPct val="0"/>
+              </a:spcAft>
+              <a:defRPr sz="2400">
+                <a:solidFill>
+                  <a:schemeClr val="tx1"/>
+                </a:solidFill>
+                <a:latin typeface="Times New Roman" pitchFamily="18" charset="0"/>
+              </a:defRPr>
+            </a:lvl6pPr>
+            <a:lvl7pPr marL="2971800" indent="-228600" eaLnBrk="0" fontAlgn="base" hangingPunct="0">
+              <a:spcBef>
+                <a:spcPct val="0"/>
+              </a:spcBef>
+              <a:spcAft>
+                <a:spcPct val="0"/>
+              </a:spcAft>
+              <a:defRPr sz="2400">
+                <a:solidFill>
+                  <a:schemeClr val="tx1"/>
+                </a:solidFill>
+                <a:latin typeface="Times New Roman" pitchFamily="18" charset="0"/>
+              </a:defRPr>
+            </a:lvl7pPr>
+            <a:lvl8pPr marL="3429000" indent="-228600" eaLnBrk="0" fontAlgn="base" hangingPunct="0">
+              <a:spcBef>
+                <a:spcPct val="0"/>
+              </a:spcBef>
+              <a:spcAft>
+                <a:spcPct val="0"/>
+              </a:spcAft>
+              <a:defRPr sz="2400">
+                <a:solidFill>
+                  <a:schemeClr val="tx1"/>
+                </a:solidFill>
+                <a:latin typeface="Times New Roman" pitchFamily="18" charset="0"/>
+              </a:defRPr>
+            </a:lvl8pPr>
+            <a:lvl9pPr marL="3886200" indent="-228600" eaLnBrk="0" fontAlgn="base" hangingPunct="0">
+              <a:spcBef>
+                <a:spcPct val="0"/>
+              </a:spcBef>
+              <a:spcAft>
+                <a:spcPct val="0"/>
+              </a:spcAft>
+              <a:defRPr sz="2400">
+                <a:solidFill>
+                  <a:schemeClr val="tx1"/>
+                </a:solidFill>
+                <a:latin typeface="Times New Roman" pitchFamily="18" charset="0"/>
+              </a:defRPr>
+            </a:lvl9pPr>
+          </a:lstStyle>
+          <a:p>
+            <a:pPr>
+              <a:lnSpc>
+                <a:spcPct val="125000"/>
+              </a:lnSpc>
+            </a:pPr>
+            <a:endParaRPr lang="en-AU" sz="2800" dirty="0">
+              <a:effectLst/>
+            </a:endParaRPr>
+          </a:p>
+        </p:txBody>
+      </p:sp>
+      <p:graphicFrame>
+        <p:nvGraphicFramePr>
+          <p:cNvPr id="3" name="Table 2"/>
+          <p:cNvGraphicFramePr>
+            <a:graphicFrameLocks noGrp="1"/>
+          </p:cNvGraphicFramePr>
+          <p:nvPr>
+            <p:extLst>
+              <p:ext uri="{D42A27DB-BD31-4B8C-83A1-F6EECF244321}">
+                <p14:modId xmlns:p14="http://schemas.microsoft.com/office/powerpoint/2010/main" val="656202401"/>
+              </p:ext>
+            </p:extLst>
+          </p:nvPr>
+        </p:nvGraphicFramePr>
+        <p:xfrm>
+          <a:off x="1066799" y="12934280"/>
+          <a:ext cx="18440400" cy="4226107"/>
+        </p:xfrm>
+        <a:graphic>
+          <a:graphicData uri="http://schemas.openxmlformats.org/drawingml/2006/table">
+            <a:tbl>
+              <a:tblPr firstRow="1" bandRow="1">
+                <a:tableStyleId>{306799F8-075E-4A3A-A7F6-7FBC6576F1A4}</a:tableStyleId>
+              </a:tblPr>
+              <a:tblGrid>
+                <a:gridCol w="4610100"/>
+                <a:gridCol w="4610100"/>
+                <a:gridCol w="4610100"/>
+                <a:gridCol w="4610100"/>
+              </a:tblGrid>
+              <a:tr h="4226107">
+                <a:tc>
+                  <a:txBody>
+                    <a:bodyPr/>
+                    <a:lstStyle/>
+                    <a:p>
+                      <a:pPr algn="l">
+                        <a:lnSpc>
+                          <a:spcPct val="120000"/>
+                        </a:lnSpc>
+                        <a:buFontTx/>
+                        <a:buNone/>
+                      </a:pPr>
+                      <a:r>
+                        <a:rPr lang="en-US" altLang="ja-JP" sz="3600" b="0" dirty="0" smtClean="0">
+                          <a:solidFill>
+                            <a:schemeClr val="bg1"/>
+                          </a:solidFill>
+                          <a:effectLst/>
+                          <a:ea typeface="ＭＳ Ｐゴシック" charset="-128"/>
+                        </a:rPr>
+                        <a:t>In any language, words break down into a set of fundamental elements called </a:t>
+                      </a:r>
+                      <a:r>
+                        <a:rPr lang="en-US" altLang="ja-JP" sz="3600" b="1" dirty="0" smtClean="0">
+                          <a:solidFill>
+                            <a:schemeClr val="accent2">
+                              <a:lumMod val="50000"/>
+                            </a:schemeClr>
+                          </a:solidFill>
+                          <a:effectLst/>
+                          <a:ea typeface="ＭＳ Ｐゴシック" charset="-128"/>
+                        </a:rPr>
+                        <a:t>phonemes</a:t>
+                      </a:r>
+                      <a:endParaRPr lang="en-US" altLang="ja-JP" sz="3600" dirty="0" smtClean="0">
+                        <a:solidFill>
+                          <a:schemeClr val="accent2">
+                            <a:lumMod val="50000"/>
+                          </a:schemeClr>
+                        </a:solidFill>
+                        <a:effectLst/>
+                        <a:ea typeface="ＭＳ Ｐゴシック" charset="-128"/>
+                      </a:endParaRPr>
+                    </a:p>
+                  </a:txBody>
+                  <a:tcPr/>
+                </a:tc>
+                <a:tc>
+                  <a:txBody>
+                    <a:bodyPr/>
+                    <a:lstStyle/>
+                    <a:p>
+                      <a:pPr marL="0" marR="0" indent="0" algn="l" defTabSz="914400" rtl="0" eaLnBrk="1" fontAlgn="auto" latinLnBrk="0" hangingPunct="1">
+                        <a:lnSpc>
+                          <a:spcPct val="100000"/>
+                        </a:lnSpc>
+                        <a:spcBef>
+                          <a:spcPts val="0"/>
+                        </a:spcBef>
+                        <a:spcAft>
+                          <a:spcPts val="0"/>
+                        </a:spcAft>
+                        <a:buClrTx/>
+                        <a:buSzTx/>
+                        <a:buFontTx/>
+                        <a:buNone/>
+                        <a:tabLst/>
+                        <a:defRPr/>
+                      </a:pPr>
+                      <a:r>
+                        <a:rPr lang="en-US" sz="3600" b="0" dirty="0" smtClean="0"/>
+                        <a:t>The</a:t>
+                      </a:r>
+                      <a:r>
+                        <a:rPr lang="en-US" sz="3600" b="0" baseline="0" dirty="0" smtClean="0"/>
+                        <a:t> </a:t>
+                      </a:r>
+                      <a:r>
+                        <a:rPr lang="en-US" sz="3600" b="1" baseline="0" dirty="0" smtClean="0">
+                          <a:solidFill>
+                            <a:schemeClr val="accent2">
+                              <a:lumMod val="40000"/>
+                              <a:lumOff val="60000"/>
+                            </a:schemeClr>
+                          </a:solidFill>
+                        </a:rPr>
+                        <a:t>features</a:t>
+                      </a:r>
+                      <a:r>
+                        <a:rPr lang="en-US" sz="3600" b="1" baseline="0" dirty="0" smtClean="0">
+                          <a:solidFill>
+                            <a:schemeClr val="accent2">
+                              <a:lumMod val="20000"/>
+                              <a:lumOff val="80000"/>
+                            </a:schemeClr>
+                          </a:solidFill>
+                        </a:rPr>
+                        <a:t> </a:t>
+                      </a:r>
+                      <a:r>
+                        <a:rPr lang="en-US" sz="3600" b="0" baseline="0" dirty="0" smtClean="0">
+                          <a:solidFill>
+                            <a:schemeClr val="bg1"/>
+                          </a:solidFill>
+                        </a:rPr>
+                        <a:t>of a phoneme describe the physical processes used to produce it</a:t>
+                      </a:r>
+                    </a:p>
+                    <a:p>
+                      <a:endParaRPr lang="en-US" dirty="0"/>
+                    </a:p>
+                  </a:txBody>
+                  <a:tcPr/>
+                </a:tc>
+                <a:tc>
+                  <a:txBody>
+                    <a:bodyPr/>
+                    <a:lstStyle/>
+                    <a:p>
+                      <a:r>
+                        <a:rPr lang="en-US" sz="3600" b="0" i="0" u="none" strike="noStrike" kern="1200" dirty="0" smtClean="0">
+                          <a:solidFill>
+                            <a:schemeClr val="lt1"/>
+                          </a:solidFill>
+                          <a:effectLst/>
+                          <a:latin typeface="+mn-lt"/>
+                          <a:ea typeface="+mn-ea"/>
+                          <a:cs typeface="+mn-cs"/>
+                        </a:rPr>
+                        <a:t>We analyzed characters for both the types of sounds they tended to make, and the specific sounds they made</a:t>
+                      </a:r>
+                      <a:endParaRPr lang="en-US" sz="3600" b="1" dirty="0">
+                        <a:solidFill>
+                          <a:schemeClr val="accent2">
+                            <a:lumMod val="50000"/>
+                          </a:schemeClr>
+                        </a:solidFill>
+                      </a:endParaRPr>
+                    </a:p>
+                  </a:txBody>
+                  <a:tcPr/>
+                </a:tc>
+                <a:tc>
+                  <a:txBody>
+                    <a:bodyPr/>
+                    <a:lstStyle/>
+                    <a:p>
+                      <a:endParaRPr lang="en-US" dirty="0"/>
+                    </a:p>
+                  </a:txBody>
+                  <a:tcPr/>
+                </a:tc>
+              </a:tr>
+            </a:tbl>
+          </a:graphicData>
+        </a:graphic>
+      </p:graphicFrame>
+      <p:graphicFrame>
+        <p:nvGraphicFramePr>
+          <p:cNvPr id="47" name="Table 46"/>
+          <p:cNvGraphicFramePr>
+            <a:graphicFrameLocks noGrp="1"/>
+          </p:cNvGraphicFramePr>
+          <p:nvPr>
+            <p:extLst>
+              <p:ext uri="{D42A27DB-BD31-4B8C-83A1-F6EECF244321}">
+                <p14:modId xmlns:p14="http://schemas.microsoft.com/office/powerpoint/2010/main" val="1801247129"/>
+              </p:ext>
+            </p:extLst>
+          </p:nvPr>
+        </p:nvGraphicFramePr>
+        <p:xfrm>
+          <a:off x="1066800" y="6896141"/>
+          <a:ext cx="18410096" cy="3848059"/>
+        </p:xfrm>
+        <a:graphic>
+          <a:graphicData uri="http://schemas.openxmlformats.org/drawingml/2006/table">
+            <a:tbl>
+              <a:tblPr firstRow="1" bandRow="1">
+                <a:tableStyleId>{306799F8-075E-4A3A-A7F6-7FBC6576F1A4}</a:tableStyleId>
+              </a:tblPr>
+              <a:tblGrid>
+                <a:gridCol w="4579796"/>
+                <a:gridCol w="4610100"/>
+                <a:gridCol w="4610100"/>
+                <a:gridCol w="4610100"/>
+              </a:tblGrid>
+              <a:tr h="3848059">
+                <a:tc>
+                  <a:txBody>
+                    <a:bodyPr/>
+                    <a:lstStyle/>
+                    <a:p>
+                      <a:pPr marL="0" indent="0" rtl="0">
+                        <a:buFont typeface="Arial" charset="0"/>
+                        <a:buNone/>
+                      </a:pPr>
+                      <a:r>
+                        <a:rPr lang="en-US" sz="1800" b="0" i="0" u="none" strike="noStrike" kern="1200" smtClean="0">
+                          <a:solidFill>
+                            <a:schemeClr val="lt1"/>
+                          </a:solidFill>
+                          <a:effectLst/>
+                          <a:latin typeface="+mn-lt"/>
+                          <a:ea typeface="+mn-ea"/>
+                          <a:cs typeface="+mn-cs"/>
+                        </a:rPr>
+                        <a:t>The sounds that make up a word are thought to have meaning. </a:t>
+                      </a:r>
+                      <a:endParaRPr lang="en-US" sz="3600" b="0" i="0" u="none" strike="noStrike" kern="1200" smtClean="0">
+                        <a:solidFill>
+                          <a:schemeClr val="lt1"/>
+                        </a:solidFill>
+                        <a:effectLst/>
+                        <a:latin typeface="+mn-lt"/>
+                        <a:ea typeface="+mn-ea"/>
+                        <a:cs typeface="+mn-cs"/>
+                      </a:endParaRPr>
+                    </a:p>
+                    <a:p>
+                      <a:pPr marL="0" indent="0" rtl="0">
+                        <a:buFont typeface="Arial" charset="0"/>
+                        <a:buNone/>
+                      </a:pPr>
+                      <a:r>
+                        <a:rPr lang="en-US" sz="3600" b="0" smtClean="0">
+                          <a:effectLst/>
+                        </a:rPr>
+                        <a:t/>
+                      </a:r>
+                      <a:br>
+                        <a:rPr lang="en-US" sz="3600" b="0" smtClean="0">
+                          <a:effectLst/>
+                        </a:rPr>
+                      </a:br>
+                      <a:r>
+                        <a:rPr lang="en-US" sz="1800" b="0" i="0" u="none" strike="noStrike" kern="1200" smtClean="0">
+                          <a:solidFill>
+                            <a:schemeClr val="lt1"/>
+                          </a:solidFill>
+                          <a:effectLst/>
+                          <a:latin typeface="+mn-lt"/>
+                          <a:ea typeface="+mn-ea"/>
+                          <a:cs typeface="+mn-cs"/>
+                        </a:rPr>
+                        <a:t>When researchers make up gibberish words for objects, people tend to agree on which gibberish words should refer to small and large objects. </a:t>
+                      </a:r>
+                      <a:endParaRPr lang="en-US" sz="3600" b="0" smtClean="0">
+                        <a:effectLst/>
+                      </a:endParaRPr>
+                    </a:p>
+                    <a:p>
+                      <a:pPr marL="0" indent="0" rtl="0">
+                        <a:buFont typeface="Arial" charset="0"/>
+                        <a:buNone/>
+                      </a:pPr>
+                      <a:r>
+                        <a:rPr lang="en-US" sz="3600" b="0" smtClean="0">
+                          <a:effectLst/>
+                        </a:rPr>
+                        <a:t/>
+                      </a:r>
+                      <a:br>
+                        <a:rPr lang="en-US" sz="3600" b="0" smtClean="0">
+                          <a:effectLst/>
+                        </a:rPr>
+                      </a:br>
+                      <a:r>
+                        <a:rPr lang="en-US" sz="1800" b="0" i="0" u="none" strike="noStrike" kern="1200" smtClean="0">
+                          <a:solidFill>
+                            <a:schemeClr val="lt1"/>
+                          </a:solidFill>
+                          <a:effectLst/>
+                          <a:latin typeface="+mn-lt"/>
+                          <a:ea typeface="+mn-ea"/>
+                          <a:cs typeface="+mn-cs"/>
+                        </a:rPr>
+                        <a:t>When close reading a poem, readers pay attention to assonance and consonance and draw meaning from the repetition of sounds.</a:t>
+                      </a:r>
+                      <a:endParaRPr lang="en-US" sz="3600" b="0" smtClean="0">
+                        <a:effectLst/>
+                      </a:endParaRPr>
+                    </a:p>
+                  </a:txBody>
+                  <a:tcPr/>
+                </a:tc>
+                <a:tc>
+                  <a:txBody>
+                    <a:bodyPr/>
+                    <a:lstStyle/>
+                    <a:p>
+                      <a:endParaRPr lang="en-US" dirty="0"/>
+                    </a:p>
+                  </a:txBody>
+                  <a:tcPr/>
+                </a:tc>
+                <a:tc>
+                  <a:txBody>
+                    <a:bodyPr/>
+                    <a:lstStyle/>
+                    <a:p>
+                      <a:endParaRPr lang="en-US" dirty="0"/>
+                    </a:p>
+                  </a:txBody>
+                  <a:tcPr/>
+                </a:tc>
+                <a:tc>
+                  <a:txBody>
+                    <a:bodyPr/>
+                    <a:lstStyle/>
+                    <a:p>
+                      <a:endParaRPr lang="en-US" dirty="0"/>
+                    </a:p>
+                  </a:txBody>
+                  <a:tcPr/>
+                </a:tc>
+              </a:tr>
+            </a:tbl>
+          </a:graphicData>
+        </a:graphic>
+      </p:graphicFrame>
     </p:spTree>
   </p:cSld>
   <p:clrMapOvr>
@@ -8636,7 +8643,7 @@
         <a:effectLst/>
         <a:extLst>
           <a:ext uri="{AF507438-7753-43e0-B8FC-AC1667EBCBE1}">
-            <a14:hiddenEffects xmlns:a14="http://schemas.microsoft.com/office/drawing/2010/main" xmlns="">
+            <a14:hiddenEffects xmlns="" xmlns:a14="http://schemas.microsoft.com/office/drawing/2010/main">
               <a:effectLst>
                 <a:outerShdw dist="35921" dir="2700000" algn="ctr" rotWithShape="0">
                   <a:schemeClr val="bg2"/>
@@ -8715,7 +8722,7 @@
         <a:effectLst/>
         <a:extLst>
           <a:ext uri="{AF507438-7753-43e0-B8FC-AC1667EBCBE1}">
-            <a14:hiddenEffects xmlns:a14="http://schemas.microsoft.com/office/drawing/2010/main" xmlns="">
+            <a14:hiddenEffects xmlns="" xmlns:a14="http://schemas.microsoft.com/office/drawing/2010/main">
               <a:effectLst>
                 <a:outerShdw dist="35921" dir="2700000" algn="ctr" rotWithShape="0">
                   <a:schemeClr val="bg2"/>

--- a/Poster Rough Draft.pptx
+++ b/Poster Rough Draft.pptx
@@ -286,14 +286,14 @@
           <a:effectLst/>
           <a:extLst>
             <a:ext uri="{909E8E84-426E-40dd-AFC4-6F175D3DCCD1}">
-              <a14:hiddenFill xmlns="" xmlns:a14="http://schemas.microsoft.com/office/drawing/2010/main">
+              <a14:hiddenFill xmlns:a14="http://schemas.microsoft.com/office/drawing/2010/main" xmlns="">
                 <a:solidFill>
                   <a:schemeClr val="accent1"/>
                 </a:solidFill>
               </a14:hiddenFill>
             </a:ext>
             <a:ext uri="{91240B29-F687-4f45-9708-019B960494DF}">
-              <a14:hiddenLine xmlns="" xmlns:a14="http://schemas.microsoft.com/office/drawing/2010/main" w="9525">
+              <a14:hiddenLine xmlns:a14="http://schemas.microsoft.com/office/drawing/2010/main" xmlns="" w="9525">
                 <a:solidFill>
                   <a:schemeClr val="tx1"/>
                 </a:solidFill>
@@ -303,7 +303,7 @@
               </a14:hiddenLine>
             </a:ext>
             <a:ext uri="{AF507438-7753-43e0-B8FC-AC1667EBCBE1}">
-              <a14:hiddenEffects xmlns="" xmlns:a14="http://schemas.microsoft.com/office/drawing/2010/main">
+              <a14:hiddenEffects xmlns:a14="http://schemas.microsoft.com/office/drawing/2010/main" xmlns="">
                 <a:effectLst>
                   <a:outerShdw dist="35921" dir="2700000" algn="ctr" rotWithShape="0">
                     <a:schemeClr val="bg2"/>
@@ -356,14 +356,14 @@
           <a:effectLst/>
           <a:extLst>
             <a:ext uri="{909E8E84-426E-40dd-AFC4-6F175D3DCCD1}">
-              <a14:hiddenFill xmlns="" xmlns:a14="http://schemas.microsoft.com/office/drawing/2010/main">
+              <a14:hiddenFill xmlns:a14="http://schemas.microsoft.com/office/drawing/2010/main" xmlns="">
                 <a:solidFill>
                   <a:schemeClr val="accent1"/>
                 </a:solidFill>
               </a14:hiddenFill>
             </a:ext>
             <a:ext uri="{91240B29-F687-4f45-9708-019B960494DF}">
-              <a14:hiddenLine xmlns="" xmlns:a14="http://schemas.microsoft.com/office/drawing/2010/main" w="9525">
+              <a14:hiddenLine xmlns:a14="http://schemas.microsoft.com/office/drawing/2010/main" xmlns="" w="9525">
                 <a:solidFill>
                   <a:schemeClr val="tx1"/>
                 </a:solidFill>
@@ -373,7 +373,7 @@
               </a14:hiddenLine>
             </a:ext>
             <a:ext uri="{AF507438-7753-43e0-B8FC-AC1667EBCBE1}">
-              <a14:hiddenEffects xmlns="" xmlns:a14="http://schemas.microsoft.com/office/drawing/2010/main">
+              <a14:hiddenEffects xmlns:a14="http://schemas.microsoft.com/office/drawing/2010/main" xmlns="">
                 <a:effectLst>
                   <a:outerShdw dist="35921" dir="2700000" algn="ctr" rotWithShape="0">
                     <a:schemeClr val="bg2"/>
@@ -426,14 +426,14 @@
           <a:effectLst/>
           <a:extLst>
             <a:ext uri="{909E8E84-426E-40dd-AFC4-6F175D3DCCD1}">
-              <a14:hiddenFill xmlns="" xmlns:a14="http://schemas.microsoft.com/office/drawing/2010/main">
+              <a14:hiddenFill xmlns:a14="http://schemas.microsoft.com/office/drawing/2010/main" xmlns="">
                 <a:solidFill>
                   <a:schemeClr val="accent1"/>
                 </a:solidFill>
               </a14:hiddenFill>
             </a:ext>
             <a:ext uri="{91240B29-F687-4f45-9708-019B960494DF}">
-              <a14:hiddenLine xmlns="" xmlns:a14="http://schemas.microsoft.com/office/drawing/2010/main" w="9525">
+              <a14:hiddenLine xmlns:a14="http://schemas.microsoft.com/office/drawing/2010/main" xmlns="" w="9525">
                 <a:solidFill>
                   <a:schemeClr val="tx1"/>
                 </a:solidFill>
@@ -443,7 +443,7 @@
               </a14:hiddenLine>
             </a:ext>
             <a:ext uri="{AF507438-7753-43e0-B8FC-AC1667EBCBE1}">
-              <a14:hiddenEffects xmlns="" xmlns:a14="http://schemas.microsoft.com/office/drawing/2010/main">
+              <a14:hiddenEffects xmlns:a14="http://schemas.microsoft.com/office/drawing/2010/main" xmlns="">
                 <a:effectLst>
                   <a:outerShdw dist="35921" dir="2700000" algn="ctr" rotWithShape="0">
                     <a:schemeClr val="bg2"/>
@@ -496,14 +496,14 @@
           <a:effectLst/>
           <a:extLst>
             <a:ext uri="{909E8E84-426E-40dd-AFC4-6F175D3DCCD1}">
-              <a14:hiddenFill xmlns="" xmlns:a14="http://schemas.microsoft.com/office/drawing/2010/main">
+              <a14:hiddenFill xmlns:a14="http://schemas.microsoft.com/office/drawing/2010/main" xmlns="">
                 <a:solidFill>
                   <a:schemeClr val="accent1"/>
                 </a:solidFill>
               </a14:hiddenFill>
             </a:ext>
             <a:ext uri="{91240B29-F687-4f45-9708-019B960494DF}">
-              <a14:hiddenLine xmlns="" xmlns:a14="http://schemas.microsoft.com/office/drawing/2010/main" w="9525">
+              <a14:hiddenLine xmlns:a14="http://schemas.microsoft.com/office/drawing/2010/main" xmlns="" w="9525">
                 <a:solidFill>
                   <a:schemeClr val="tx1"/>
                 </a:solidFill>
@@ -513,7 +513,7 @@
               </a14:hiddenLine>
             </a:ext>
             <a:ext uri="{AF507438-7753-43e0-B8FC-AC1667EBCBE1}">
-              <a14:hiddenEffects xmlns="" xmlns:a14="http://schemas.microsoft.com/office/drawing/2010/main">
+              <a14:hiddenEffects xmlns:a14="http://schemas.microsoft.com/office/drawing/2010/main" xmlns="">
                 <a:effectLst>
                   <a:outerShdw dist="35921" dir="2700000" algn="ctr" rotWithShape="0">
                     <a:schemeClr val="bg2"/>
@@ -607,14 +607,14 @@
           <a:effectLst/>
           <a:extLst>
             <a:ext uri="{909E8E84-426E-40dd-AFC4-6F175D3DCCD1}">
-              <a14:hiddenFill xmlns="" xmlns:a14="http://schemas.microsoft.com/office/drawing/2010/main">
+              <a14:hiddenFill xmlns:a14="http://schemas.microsoft.com/office/drawing/2010/main" xmlns="">
                 <a:solidFill>
                   <a:schemeClr val="accent1"/>
                 </a:solidFill>
               </a14:hiddenFill>
             </a:ext>
             <a:ext uri="{91240B29-F687-4f45-9708-019B960494DF}">
-              <a14:hiddenLine xmlns="" xmlns:a14="http://schemas.microsoft.com/office/drawing/2010/main" w="9525">
+              <a14:hiddenLine xmlns:a14="http://schemas.microsoft.com/office/drawing/2010/main" xmlns="" w="9525">
                 <a:solidFill>
                   <a:schemeClr val="tx1"/>
                 </a:solidFill>
@@ -624,7 +624,7 @@
               </a14:hiddenLine>
             </a:ext>
             <a:ext uri="{AF507438-7753-43e0-B8FC-AC1667EBCBE1}">
-              <a14:hiddenEffects xmlns="" xmlns:a14="http://schemas.microsoft.com/office/drawing/2010/main">
+              <a14:hiddenEffects xmlns:a14="http://schemas.microsoft.com/office/drawing/2010/main" xmlns="">
                 <a:effectLst>
                   <a:outerShdw dist="35921" dir="2700000" algn="ctr" rotWithShape="0">
                     <a:schemeClr val="bg2"/>
@@ -677,14 +677,14 @@
           <a:effectLst/>
           <a:extLst>
             <a:ext uri="{909E8E84-426E-40dd-AFC4-6F175D3DCCD1}">
-              <a14:hiddenFill xmlns="" xmlns:a14="http://schemas.microsoft.com/office/drawing/2010/main">
+              <a14:hiddenFill xmlns:a14="http://schemas.microsoft.com/office/drawing/2010/main" xmlns="">
                 <a:solidFill>
                   <a:schemeClr val="accent1"/>
                 </a:solidFill>
               </a14:hiddenFill>
             </a:ext>
             <a:ext uri="{91240B29-F687-4f45-9708-019B960494DF}">
-              <a14:hiddenLine xmlns="" xmlns:a14="http://schemas.microsoft.com/office/drawing/2010/main" w="9525">
+              <a14:hiddenLine xmlns:a14="http://schemas.microsoft.com/office/drawing/2010/main" xmlns="" w="9525">
                 <a:solidFill>
                   <a:schemeClr val="tx1"/>
                 </a:solidFill>
@@ -694,7 +694,7 @@
               </a14:hiddenLine>
             </a:ext>
             <a:ext uri="{AF507438-7753-43e0-B8FC-AC1667EBCBE1}">
-              <a14:hiddenEffects xmlns="" xmlns:a14="http://schemas.microsoft.com/office/drawing/2010/main">
+              <a14:hiddenEffects xmlns:a14="http://schemas.microsoft.com/office/drawing/2010/main" xmlns="">
                 <a:effectLst>
                   <a:outerShdw dist="35921" dir="2700000" algn="ctr" rotWithShape="0">
                     <a:schemeClr val="bg2"/>
@@ -752,14 +752,14 @@
           <a:effectLst/>
           <a:extLst>
             <a:ext uri="{909E8E84-426E-40dd-AFC4-6F175D3DCCD1}">
-              <a14:hiddenFill xmlns="" xmlns:a14="http://schemas.microsoft.com/office/drawing/2010/main">
+              <a14:hiddenFill xmlns:a14="http://schemas.microsoft.com/office/drawing/2010/main" xmlns="">
                 <a:solidFill>
                   <a:srgbClr val="FFFFFF"/>
                 </a:solidFill>
               </a14:hiddenFill>
             </a:ext>
             <a:ext uri="{AF507438-7753-43e0-B8FC-AC1667EBCBE1}">
-              <a14:hiddenEffects xmlns="" xmlns:a14="http://schemas.microsoft.com/office/drawing/2010/main">
+              <a14:hiddenEffects xmlns:a14="http://schemas.microsoft.com/office/drawing/2010/main" xmlns="">
                 <a:effectLst>
                   <a:outerShdw dist="35921" dir="2700000" algn="ctr" rotWithShape="0">
                     <a:srgbClr val="808080"/>
@@ -768,7 +768,7 @@
               </a14:hiddenEffects>
             </a:ext>
             <a:ext uri="{53640926-AAD7-44d8-BBD7-CCE9431645EC}">
-              <a14:shadowObscured xmlns="" xmlns:a14="http://schemas.microsoft.com/office/drawing/2010/main" val="1"/>
+              <a14:shadowObscured xmlns:a14="http://schemas.microsoft.com/office/drawing/2010/main" xmlns="" val="1"/>
             </a:ext>
           </a:extLst>
         </p:spPr>
@@ -798,14 +798,14 @@
           <a:effectLst/>
           <a:extLst>
             <a:ext uri="{909E8E84-426E-40dd-AFC4-6F175D3DCCD1}">
-              <a14:hiddenFill xmlns="" xmlns:a14="http://schemas.microsoft.com/office/drawing/2010/main">
+              <a14:hiddenFill xmlns:a14="http://schemas.microsoft.com/office/drawing/2010/main" xmlns="">
                 <a:solidFill>
                   <a:schemeClr val="accent1"/>
                 </a:solidFill>
               </a14:hiddenFill>
             </a:ext>
             <a:ext uri="{91240B29-F687-4f45-9708-019B960494DF}">
-              <a14:hiddenLine xmlns="" xmlns:a14="http://schemas.microsoft.com/office/drawing/2010/main" w="9525">
+              <a14:hiddenLine xmlns:a14="http://schemas.microsoft.com/office/drawing/2010/main" xmlns="" w="9525">
                 <a:solidFill>
                   <a:schemeClr val="tx1"/>
                 </a:solidFill>
@@ -815,7 +815,7 @@
               </a14:hiddenLine>
             </a:ext>
             <a:ext uri="{AF507438-7753-43e0-B8FC-AC1667EBCBE1}">
-              <a14:hiddenEffects xmlns="" xmlns:a14="http://schemas.microsoft.com/office/drawing/2010/main">
+              <a14:hiddenEffects xmlns:a14="http://schemas.microsoft.com/office/drawing/2010/main" xmlns="">
                 <a:effectLst>
                   <a:outerShdw dist="35921" dir="2700000" algn="ctr" rotWithShape="0">
                     <a:schemeClr val="bg2"/>
@@ -894,14 +894,14 @@
           <a:effectLst/>
           <a:extLst>
             <a:ext uri="{909E8E84-426E-40dd-AFC4-6F175D3DCCD1}">
-              <a14:hiddenFill xmlns="" xmlns:a14="http://schemas.microsoft.com/office/drawing/2010/main">
+              <a14:hiddenFill xmlns:a14="http://schemas.microsoft.com/office/drawing/2010/main" xmlns="">
                 <a:solidFill>
                   <a:schemeClr val="accent1"/>
                 </a:solidFill>
               </a14:hiddenFill>
             </a:ext>
             <a:ext uri="{91240B29-F687-4f45-9708-019B960494DF}">
-              <a14:hiddenLine xmlns="" xmlns:a14="http://schemas.microsoft.com/office/drawing/2010/main" w="9525">
+              <a14:hiddenLine xmlns:a14="http://schemas.microsoft.com/office/drawing/2010/main" xmlns="" w="9525">
                 <a:solidFill>
                   <a:schemeClr val="tx1"/>
                 </a:solidFill>
@@ -911,7 +911,7 @@
               </a14:hiddenLine>
             </a:ext>
             <a:ext uri="{AF507438-7753-43e0-B8FC-AC1667EBCBE1}">
-              <a14:hiddenEffects xmlns="" xmlns:a14="http://schemas.microsoft.com/office/drawing/2010/main">
+              <a14:hiddenEffects xmlns:a14="http://schemas.microsoft.com/office/drawing/2010/main" xmlns="">
                 <a:effectLst>
                   <a:outerShdw dist="35921" dir="2700000" algn="ctr" rotWithShape="0">
                     <a:schemeClr val="bg2"/>
@@ -964,14 +964,14 @@
           <a:effectLst/>
           <a:extLst>
             <a:ext uri="{909E8E84-426E-40dd-AFC4-6F175D3DCCD1}">
-              <a14:hiddenFill xmlns="" xmlns:a14="http://schemas.microsoft.com/office/drawing/2010/main">
+              <a14:hiddenFill xmlns:a14="http://schemas.microsoft.com/office/drawing/2010/main" xmlns="">
                 <a:solidFill>
                   <a:schemeClr val="accent1"/>
                 </a:solidFill>
               </a14:hiddenFill>
             </a:ext>
             <a:ext uri="{91240B29-F687-4f45-9708-019B960494DF}">
-              <a14:hiddenLine xmlns="" xmlns:a14="http://schemas.microsoft.com/office/drawing/2010/main" w="9525">
+              <a14:hiddenLine xmlns:a14="http://schemas.microsoft.com/office/drawing/2010/main" xmlns="" w="9525">
                 <a:solidFill>
                   <a:schemeClr val="tx1"/>
                 </a:solidFill>
@@ -981,7 +981,7 @@
               </a14:hiddenLine>
             </a:ext>
             <a:ext uri="{AF507438-7753-43e0-B8FC-AC1667EBCBE1}">
-              <a14:hiddenEffects xmlns="" xmlns:a14="http://schemas.microsoft.com/office/drawing/2010/main">
+              <a14:hiddenEffects xmlns:a14="http://schemas.microsoft.com/office/drawing/2010/main" xmlns="">
                 <a:effectLst>
                   <a:outerShdw dist="35921" dir="2700000" algn="ctr" rotWithShape="0">
                     <a:schemeClr val="bg2"/>
@@ -3858,14 +3858,14 @@
           <a:effectLst/>
           <a:extLst>
             <a:ext uri="{909E8E84-426E-40dd-AFC4-6F175D3DCCD1}">
-              <a14:hiddenFill xmlns="" xmlns:a14="http://schemas.microsoft.com/office/drawing/2010/main">
+              <a14:hiddenFill xmlns:a14="http://schemas.microsoft.com/office/drawing/2010/main" xmlns="">
                 <a:solidFill>
                   <a:srgbClr val="000000"/>
                 </a:solidFill>
               </a14:hiddenFill>
             </a:ext>
             <a:ext uri="{91240B29-F687-4f45-9708-019B960494DF}">
-              <a14:hiddenLine xmlns="" xmlns:a14="http://schemas.microsoft.com/office/drawing/2010/main" w="9525">
+              <a14:hiddenLine xmlns:a14="http://schemas.microsoft.com/office/drawing/2010/main" xmlns="" w="9525">
                 <a:solidFill>
                   <a:schemeClr val="tx1"/>
                 </a:solidFill>
@@ -3875,7 +3875,7 @@
               </a14:hiddenLine>
             </a:ext>
             <a:ext uri="{AF507438-7753-43e0-B8FC-AC1667EBCBE1}">
-              <a14:hiddenEffects xmlns="" xmlns:a14="http://schemas.microsoft.com/office/drawing/2010/main">
+              <a14:hiddenEffects xmlns:a14="http://schemas.microsoft.com/office/drawing/2010/main" xmlns="">
                 <a:effectLst>
                   <a:outerShdw dist="35921" dir="2700000" algn="ctr" rotWithShape="0">
                     <a:srgbClr val="FFBF0B"/>
@@ -4016,7 +4016,7 @@
               </a:spcBef>
             </a:pPr>
             <a:r>
-              <a:rPr lang="en-US" altLang="zh-CN" sz="5600" b="1" smtClean="0">
+              <a:rPr lang="en-US" altLang="zh-CN" sz="5600" b="1" dirty="0" smtClean="0">
                 <a:solidFill>
                   <a:schemeClr val="bg1"/>
                 </a:solidFill>
@@ -4025,19 +4025,7 @@
                 <a:ea typeface="SimSun" pitchFamily="2" charset="-122"/>
                 <a:cs typeface="Lucida Sans" pitchFamily="34" charset="0"/>
               </a:rPr>
-              <a:t>Eric Alexander, Estelle </a:t>
-            </a:r>
-            <a:r>
-              <a:rPr lang="en-US" altLang="zh-CN" sz="5600" b="1" dirty="0" smtClean="0">
-                <a:solidFill>
-                  <a:schemeClr val="bg1"/>
-                </a:solidFill>
-                <a:effectLst/>
-                <a:latin typeface="Lucida Sans" pitchFamily="34" charset="0"/>
-                <a:ea typeface="SimSun" pitchFamily="2" charset="-122"/>
-                <a:cs typeface="Lucida Sans" pitchFamily="34" charset="0"/>
-              </a:rPr>
-              <a:t>Bayer, Liz Nichols</a:t>
+              <a:t>Eric Alexander, Estelle Bayer, Liz Nichols</a:t>
             </a:r>
             <a:endParaRPr lang="en-US" altLang="zh-CN" sz="5600" b="1" dirty="0">
               <a:solidFill>
@@ -4440,7 +4428,7 @@
         <p:grpSpPr>
           <a:xfrm>
             <a:off x="884360" y="17909310"/>
-            <a:ext cx="18460746" cy="911382"/>
+            <a:ext cx="18622840" cy="911382"/>
             <a:chOff x="1066799" y="5958162"/>
             <a:chExt cx="11007725" cy="946293"/>
           </a:xfrm>
@@ -4797,8 +4785,8 @@
         </p:nvSpPr>
         <p:spPr bwMode="auto">
           <a:xfrm>
-            <a:off x="20242298" y="6584994"/>
-            <a:ext cx="11098441" cy="765081"/>
+            <a:off x="20242298" y="6810977"/>
+            <a:ext cx="11098441" cy="5124480"/>
           </a:xfrm>
           <a:prstGeom prst="rect">
             <a:avLst/>
@@ -4926,10 +4914,77 @@
                 <a:spcPct val="125000"/>
               </a:lnSpc>
             </a:pPr>
+            <a:r>
+              <a:rPr lang="en-US" altLang="zh-CN" sz="2800" dirty="0" smtClean="0">
+                <a:effectLst/>
+                <a:ea typeface="SimSun" pitchFamily="2" charset="-122"/>
+              </a:rPr>
+              <a:t>Having extracted feature data, we wanted to see if simple classifiers could use these data to differentiate between different types of characters.</a:t>
+            </a:r>
+          </a:p>
+          <a:p>
+            <a:pPr>
+              <a:lnSpc>
+                <a:spcPct val="125000"/>
+              </a:lnSpc>
+            </a:pPr>
             <a:endParaRPr lang="en-US" altLang="zh-CN" sz="2800" dirty="0">
               <a:effectLst/>
               <a:ea typeface="SimSun" pitchFamily="2" charset="-122"/>
             </a:endParaRPr>
+          </a:p>
+          <a:p>
+            <a:pPr>
+              <a:lnSpc>
+                <a:spcPct val="125000"/>
+              </a:lnSpc>
+            </a:pPr>
+            <a:r>
+              <a:rPr lang="en-US" altLang="zh-CN" sz="2800" dirty="0" smtClean="0">
+                <a:effectLst/>
+                <a:ea typeface="SimSun" pitchFamily="2" charset="-122"/>
+              </a:rPr>
+              <a:t> Highest success was achieved when training data was weighted by number of speaking lines, and role determination was done iteratively.</a:t>
+            </a:r>
+          </a:p>
+          <a:p>
+            <a:pPr>
+              <a:lnSpc>
+                <a:spcPct val="125000"/>
+              </a:lnSpc>
+            </a:pPr>
+            <a:endParaRPr lang="en-US" altLang="zh-CN" sz="2800" dirty="0">
+              <a:effectLst/>
+              <a:ea typeface="SimSun" pitchFamily="2" charset="-122"/>
+            </a:endParaRPr>
+          </a:p>
+          <a:p>
+            <a:pPr>
+              <a:lnSpc>
+                <a:spcPct val="125000"/>
+              </a:lnSpc>
+            </a:pPr>
+            <a:r>
+              <a:rPr lang="en-US" altLang="zh-CN" sz="2800" dirty="0" smtClean="0">
+                <a:effectLst/>
+                <a:ea typeface="SimSun" pitchFamily="2" charset="-122"/>
+              </a:rPr>
+              <a:t>The </a:t>
+            </a:r>
+            <a:r>
+              <a:rPr lang="en-US" altLang="zh-CN" sz="2800" b="1" dirty="0" smtClean="0">
+                <a:effectLst/>
+                <a:ea typeface="SimSun" pitchFamily="2" charset="-122"/>
+              </a:rPr>
+              <a:t>iterative </a:t>
+            </a:r>
+            <a:r>
+              <a:rPr lang="en-US" altLang="zh-CN" sz="2800" dirty="0" smtClean="0">
+                <a:effectLst/>
+                <a:ea typeface="SimSun" pitchFamily="2" charset="-122"/>
+              </a:rPr>
+              <a:t>Bayes classification was performed through first filtering out any character classified as “other” before re-classifying the remaining characters as antagonists, protagonists, or fools.</a:t>
+            </a:r>
           </a:p>
         </p:txBody>
       </p:sp>
@@ -4941,7 +4996,7 @@
         </p:nvGrpSpPr>
         <p:grpSpPr>
           <a:xfrm>
-            <a:off x="20295748" y="5705537"/>
+            <a:off x="20242298" y="5932682"/>
             <a:ext cx="23162896" cy="879457"/>
             <a:chOff x="1066799" y="5958162"/>
             <a:chExt cx="11007725" cy="946293"/>
@@ -5298,7 +5353,7 @@
         <p:grpSpPr>
           <a:xfrm>
             <a:off x="20242298" y="12937761"/>
-            <a:ext cx="23216346" cy="1175225"/>
+            <a:ext cx="23104987" cy="931461"/>
             <a:chOff x="1066799" y="5958162"/>
             <a:chExt cx="11007725" cy="946293"/>
           </a:xfrm>
@@ -6385,7 +6440,7 @@
           <a:effectLst/>
           <a:extLst>
             <a:ext uri="{AF507438-7753-43e0-B8FC-AC1667EBCBE1}">
-              <a14:hiddenEffects xmlns="" xmlns:a14="http://schemas.microsoft.com/office/drawing/2010/main">
+              <a14:hiddenEffects xmlns:a14="http://schemas.microsoft.com/office/drawing/2010/main" xmlns="">
                 <a:effectLst>
                   <a:outerShdw dist="35921" dir="2700000" algn="ctr" rotWithShape="0">
                     <a:schemeClr val="bg2"/>
@@ -6608,7 +6663,7 @@
         </p:nvSpPr>
         <p:spPr bwMode="auto">
           <a:xfrm>
-            <a:off x="20242298" y="14112985"/>
+            <a:off x="20242298" y="13905782"/>
             <a:ext cx="11006953" cy="765081"/>
           </a:xfrm>
           <a:prstGeom prst="rect">
@@ -6737,6 +6792,12 @@
                 <a:spcPct val="125000"/>
               </a:lnSpc>
             </a:pPr>
+            <a:r>
+              <a:rPr lang="en-AU" sz="2800" dirty="0" smtClean="0">
+                <a:effectLst/>
+              </a:rPr>
+              <a:t>What questions</a:t>
+            </a:r>
             <a:endParaRPr lang="en-AU" sz="2800" dirty="0">
               <a:effectLst/>
             </a:endParaRPr>
@@ -6753,7 +6814,7 @@
         </p:nvSpPr>
         <p:spPr bwMode="auto">
           <a:xfrm>
-            <a:off x="20242298" y="21114158"/>
+            <a:off x="20242298" y="21075273"/>
             <a:ext cx="10954629" cy="765081"/>
           </a:xfrm>
           <a:prstGeom prst="rect">
@@ -6955,7 +7016,7 @@
                   </a:schemeClr>
                 </a:gs>
               </a:gsLst>
-              <a:lin ang="0" scaled="1"/>
+              <a:lin ang="10800000" scaled="0"/>
             </a:gradFill>
             <a:ln w="19050">
               <a:noFill/>
@@ -7302,7 +7363,7 @@
                   </a:schemeClr>
                 </a:gs>
               </a:gsLst>
-              <a:lin ang="0" scaled="1"/>
+              <a:lin ang="10800000" scaled="0"/>
             </a:gradFill>
             <a:ln w="19050">
               <a:noFill/>
@@ -7592,8 +7653,8 @@
         </p:nvSpPr>
         <p:spPr bwMode="auto">
           <a:xfrm>
-            <a:off x="879424" y="18820692"/>
-            <a:ext cx="18436390" cy="748923"/>
+            <a:off x="879423" y="18820692"/>
+            <a:ext cx="18627777" cy="748923"/>
           </a:xfrm>
           <a:prstGeom prst="rect">
             <a:avLst/>
@@ -7610,7 +7671,7 @@
           <a:effectLst/>
           <a:extLst>
             <a:ext uri="{AF507438-7753-43e0-B8FC-AC1667EBCBE1}">
-              <a14:hiddenEffects xmlns="" xmlns:a14="http://schemas.microsoft.com/office/drawing/2010/main">
+              <a14:hiddenEffects xmlns:a14="http://schemas.microsoft.com/office/drawing/2010/main" xmlns="">
                 <a:effectLst>
                   <a:outerShdw dist="35921" dir="2700000" algn="ctr" rotWithShape="0">
                     <a:schemeClr val="bg2"/>
@@ -8042,14 +8103,14 @@
           <p:nvPr>
             <p:extLst>
               <p:ext uri="{D42A27DB-BD31-4B8C-83A1-F6EECF244321}">
-                <p14:modId xmlns:p14="http://schemas.microsoft.com/office/powerpoint/2010/main" val="656202401"/>
+                <p14:modId xmlns:p14="http://schemas.microsoft.com/office/powerpoint/2010/main" val="261912991"/>
               </p:ext>
             </p:extLst>
           </p:nvPr>
         </p:nvGraphicFramePr>
         <p:xfrm>
           <a:off x="1066799" y="12934280"/>
-          <a:ext cx="18440400" cy="4226107"/>
+          <a:ext cx="18410096" cy="4226107"/>
         </p:xfrm>
         <a:graphic>
           <a:graphicData uri="http://schemas.openxmlformats.org/drawingml/2006/table">
@@ -8058,10 +8119,10 @@
                 <a:tableStyleId>{306799F8-075E-4A3A-A7F6-7FBC6576F1A4}</a:tableStyleId>
               </a:tblPr>
               <a:tblGrid>
-                <a:gridCol w="4610100"/>
-                <a:gridCol w="4610100"/>
-                <a:gridCol w="4610100"/>
-                <a:gridCol w="4610100"/>
+                <a:gridCol w="4640562"/>
+                <a:gridCol w="4564486"/>
+                <a:gridCol w="4602524"/>
+                <a:gridCol w="4602524"/>
               </a:tblGrid>
               <a:tr h="4226107">
                 <a:tc>
@@ -8069,7 +8130,7 @@
                     <a:bodyPr/>
                     <a:lstStyle/>
                     <a:p>
-                      <a:pPr algn="l">
+                      <a:pPr lvl="1" algn="l">
                         <a:lnSpc>
                           <a:spcPct val="120000"/>
                         </a:lnSpc>
@@ -8116,7 +8177,7 @@
                     <a:bodyPr/>
                     <a:lstStyle/>
                     <a:p>
-                      <a:pPr marL="0" marR="0" indent="0" algn="l" defTabSz="914400" rtl="0" eaLnBrk="1" fontAlgn="auto" latinLnBrk="0" hangingPunct="1">
+                      <a:pPr marL="457200" marR="0" lvl="1" indent="0" algn="l" defTabSz="914400" rtl="0" eaLnBrk="1" fontAlgn="auto" latinLnBrk="0" hangingPunct="1">
                         <a:lnSpc>
                           <a:spcPct val="100000"/>
                         </a:lnSpc>
@@ -8173,6 +8234,7 @@
                       </a:r>
                     </a:p>
                     <a:p>
+                      <a:pPr lvl="1"/>
                       <a:endParaRPr lang="en-US" dirty="0"/>
                     </a:p>
                   </a:txBody>
@@ -8183,6 +8245,7 @@
                     <a:bodyPr/>
                     <a:lstStyle/>
                     <a:p>
+                      <a:pPr lvl="1"/>
                       <a:r>
                         <a:rPr lang="en-US" sz="3600" b="0" i="0" u="none" strike="noStrike" kern="1200" dirty="0" smtClean="0">
                           <a:solidFill>
@@ -8193,7 +8256,74 @@
                           <a:ea typeface="+mn-ea"/>
                           <a:cs typeface="+mn-cs"/>
                         </a:rPr>
-                        <a:t>We analyzed characters for both the types of sounds they tended to make, and the specific sounds they made</a:t>
+                        <a:t>We analyzed characters for both the </a:t>
+                      </a:r>
+                      <a:r>
+                        <a:rPr lang="en-US" sz="3600" b="0" i="0" u="none" strike="noStrike" kern="1200" dirty="0" smtClean="0">
+                          <a:solidFill>
+                            <a:schemeClr val="accent2">
+                              <a:lumMod val="40000"/>
+                              <a:lumOff val="60000"/>
+                            </a:schemeClr>
+                          </a:solidFill>
+                          <a:effectLst/>
+                          <a:latin typeface="+mn-lt"/>
+                          <a:ea typeface="+mn-ea"/>
+                          <a:cs typeface="+mn-cs"/>
+                        </a:rPr>
+                        <a:t>types of sounds</a:t>
+                      </a:r>
+                      <a:r>
+                        <a:rPr lang="en-US" sz="3600" b="0" i="0" u="none" strike="noStrike" kern="1200" dirty="0" smtClean="0">
+                          <a:solidFill>
+                            <a:schemeClr val="lt1"/>
+                          </a:solidFill>
+                          <a:effectLst/>
+                          <a:latin typeface="+mn-lt"/>
+                          <a:ea typeface="+mn-ea"/>
+                          <a:cs typeface="+mn-cs"/>
+                        </a:rPr>
+                        <a:t> they tended to make, and the </a:t>
+                      </a:r>
+                      <a:r>
+                        <a:rPr lang="en-US" sz="3600" b="1" i="0" u="none" strike="noStrike" kern="1200" dirty="0" smtClean="0">
+                          <a:solidFill>
+                            <a:schemeClr val="accent2">
+                              <a:lumMod val="50000"/>
+                            </a:schemeClr>
+                          </a:solidFill>
+                          <a:effectLst/>
+                          <a:latin typeface="+mn-lt"/>
+                          <a:ea typeface="+mn-ea"/>
+                          <a:cs typeface="+mn-cs"/>
+                        </a:rPr>
+                        <a:t>specific sounds</a:t>
+                      </a:r>
+                      <a:r>
+                        <a:rPr lang="en-US" sz="3600" b="0" i="0" u="none" strike="noStrike" kern="1200" dirty="0" smtClean="0">
+                          <a:solidFill>
+                            <a:schemeClr val="accent2">
+                              <a:lumMod val="50000"/>
+                            </a:schemeClr>
+                          </a:solidFill>
+                          <a:effectLst/>
+                          <a:latin typeface="+mn-lt"/>
+                          <a:ea typeface="+mn-ea"/>
+                          <a:cs typeface="+mn-cs"/>
+                        </a:rPr>
+                        <a:t> </a:t>
+                      </a:r>
+                      <a:r>
+                        <a:rPr lang="en-US" sz="3600" b="0" i="0" u="none" strike="noStrike" kern="1200" dirty="0" smtClean="0">
+                          <a:solidFill>
+                            <a:schemeClr val="lt1"/>
+                          </a:solidFill>
+                          <a:effectLst/>
+                          <a:latin typeface="+mn-lt"/>
+                          <a:ea typeface="+mn-ea"/>
+                          <a:cs typeface="+mn-cs"/>
+                        </a:rPr>
+                        <a:t>they made</a:t>
                       </a:r>
                       <a:endParaRPr lang="en-US" sz="3600" b="1" dirty="0">
                         <a:solidFill>
@@ -8211,7 +8341,8 @@
                     <a:bodyPr/>
                     <a:lstStyle/>
                     <a:p>
-                      <a:endParaRPr lang="en-US" dirty="0"/>
+                      <a:pPr lvl="1"/>
+                      <a:endParaRPr lang="en-US" sz="3600" b="0" dirty="0"/>
                     </a:p>
                   </a:txBody>
                   <a:tcPr/>
@@ -8230,7 +8361,7 @@
           <p:nvPr>
             <p:extLst>
               <p:ext uri="{D42A27DB-BD31-4B8C-83A1-F6EECF244321}">
-                <p14:modId xmlns:p14="http://schemas.microsoft.com/office/powerpoint/2010/main" val="1801247129"/>
+                <p14:modId xmlns:p14="http://schemas.microsoft.com/office/powerpoint/2010/main" val="1411816610"/>
               </p:ext>
             </p:extLst>
           </p:nvPr>
@@ -8257,12 +8388,12 @@
                     <a:bodyPr/>
                     <a:lstStyle/>
                     <a:p>
-                      <a:pPr marL="0" indent="0" rtl="0">
+                      <a:pPr marL="457200" lvl="1" indent="0" rtl="0">
                         <a:buFont typeface="Arial" charset="0"/>
                         <a:buNone/>
                       </a:pPr>
                       <a:r>
-                        <a:rPr lang="en-US" sz="1800" b="0" i="0" u="none" strike="noStrike" kern="1200" smtClean="0">
+                        <a:rPr lang="en-US" sz="1800" b="0" i="0" u="none" strike="noStrike" kern="1200" dirty="0" smtClean="0">
                           <a:solidFill>
                             <a:schemeClr val="lt1"/>
                           </a:solidFill>
@@ -8273,7 +8404,7 @@
                         </a:rPr>
                         <a:t>The sounds that make up a word are thought to have meaning. </a:t>
                       </a:r>
-                      <a:endParaRPr lang="en-US" sz="3600" b="0" i="0" u="none" strike="noStrike" kern="1200" smtClean="0">
+                      <a:endParaRPr lang="en-US" sz="3600" b="0" i="0" u="none" strike="noStrike" kern="1200" dirty="0" smtClean="0">
                         <a:solidFill>
                           <a:schemeClr val="lt1"/>
                         </a:solidFill>
@@ -8284,23 +8415,23 @@
                       </a:endParaRPr>
                     </a:p>
                     <a:p>
-                      <a:pPr marL="0" indent="0" rtl="0">
+                      <a:pPr marL="457200" lvl="1" indent="0" rtl="0">
                         <a:buFont typeface="Arial" charset="0"/>
                         <a:buNone/>
                       </a:pPr>
                       <a:r>
-                        <a:rPr lang="en-US" sz="3600" b="0" smtClean="0">
+                        <a:rPr lang="en-US" sz="1800" b="0" dirty="0" smtClean="0">
                           <a:effectLst/>
                         </a:rPr>
                         <a:t/>
                       </a:r>
                       <a:br>
-                        <a:rPr lang="en-US" sz="3600" b="0" smtClean="0">
+                        <a:rPr lang="en-US" sz="1800" b="0" dirty="0" smtClean="0">
                           <a:effectLst/>
                         </a:rPr>
                       </a:br>
                       <a:r>
-                        <a:rPr lang="en-US" sz="1800" b="0" i="0" u="none" strike="noStrike" kern="1200" smtClean="0">
+                        <a:rPr lang="en-US" sz="1800" b="0" i="0" u="none" strike="noStrike" kern="1200" dirty="0" smtClean="0">
                           <a:solidFill>
                             <a:schemeClr val="lt1"/>
                           </a:solidFill>
@@ -8311,28 +8442,28 @@
                         </a:rPr>
                         <a:t>When researchers make up gibberish words for objects, people tend to agree on which gibberish words should refer to small and large objects. </a:t>
                       </a:r>
-                      <a:endParaRPr lang="en-US" sz="3600" b="0" smtClean="0">
+                      <a:endParaRPr lang="en-US" sz="1800" b="0" dirty="0" smtClean="0">
                         <a:effectLst/>
                       </a:endParaRPr>
                     </a:p>
                     <a:p>
-                      <a:pPr marL="0" indent="0" rtl="0">
+                      <a:pPr marL="457200" lvl="1" indent="0" rtl="0">
                         <a:buFont typeface="Arial" charset="0"/>
                         <a:buNone/>
                       </a:pPr>
                       <a:r>
-                        <a:rPr lang="en-US" sz="3600" b="0" smtClean="0">
+                        <a:rPr lang="en-US" sz="1800" b="0" dirty="0" smtClean="0">
                           <a:effectLst/>
                         </a:rPr>
                         <a:t/>
                       </a:r>
                       <a:br>
-                        <a:rPr lang="en-US" sz="3600" b="0" smtClean="0">
+                        <a:rPr lang="en-US" sz="1800" b="0" dirty="0" smtClean="0">
                           <a:effectLst/>
                         </a:rPr>
                       </a:br>
                       <a:r>
-                        <a:rPr lang="en-US" sz="1800" b="0" i="0" u="none" strike="noStrike" kern="1200" smtClean="0">
+                        <a:rPr lang="en-US" sz="1800" b="0" i="0" u="none" strike="noStrike" kern="1200" dirty="0" smtClean="0">
                           <a:solidFill>
                             <a:schemeClr val="lt1"/>
                           </a:solidFill>
@@ -8343,7 +8474,7 @@
                         </a:rPr>
                         <a:t>When close reading a poem, readers pay attention to assonance and consonance and draw meaning from the repetition of sounds.</a:t>
                       </a:r>
-                      <a:endParaRPr lang="en-US" sz="3600" b="0" smtClean="0">
+                      <a:endParaRPr lang="en-US" sz="3600" b="0" dirty="0" smtClean="0">
                         <a:effectLst/>
                       </a:endParaRPr>
                     </a:p>
@@ -8355,7 +8486,26 @@
                     <a:bodyPr/>
                     <a:lstStyle/>
                     <a:p>
-                      <a:endParaRPr lang="en-US" dirty="0"/>
+                      <a:pPr lvl="1"/>
+                      <a:r>
+                        <a:rPr lang="en-US" sz="3600" b="0" dirty="0" smtClean="0"/>
+                        <a:t>Is it then possible to </a:t>
+                      </a:r>
+                      <a:r>
+                        <a:rPr lang="en-US" sz="3600" b="1" dirty="0" smtClean="0">
+                          <a:solidFill>
+                            <a:schemeClr val="accent2">
+                              <a:lumMod val="50000"/>
+                            </a:schemeClr>
+                          </a:solidFill>
+                        </a:rPr>
+                        <a:t>visualize</a:t>
+                      </a:r>
+                      <a:r>
+                        <a:rPr lang="en-US" sz="3600" b="0" dirty="0" smtClean="0"/>
+                        <a:t> how a character “sounds”?</a:t>
+                      </a:r>
+                      <a:endParaRPr lang="en-US" sz="3600" b="0" dirty="0"/>
                     </a:p>
                   </a:txBody>
                   <a:tcPr/>
@@ -8365,7 +8515,87 @@
                     <a:bodyPr/>
                     <a:lstStyle/>
                     <a:p>
-                      <a:endParaRPr lang="en-US" dirty="0"/>
+                      <a:pPr lvl="1" rtl="0"/>
+                      <a:r>
+                        <a:rPr lang="en-US" sz="1800" b="0" i="0" u="none" strike="noStrike" kern="1200" dirty="0" smtClean="0">
+                          <a:solidFill>
+                            <a:schemeClr val="lt1"/>
+                          </a:solidFill>
+                          <a:effectLst/>
+                          <a:latin typeface="+mn-lt"/>
+                          <a:ea typeface="+mn-ea"/>
+                          <a:cs typeface="+mn-cs"/>
+                        </a:rPr>
+                        <a:t>Do female characters have a different sound pattern than male characters?</a:t>
+                      </a:r>
+                    </a:p>
+                    <a:p>
+                      <a:pPr lvl="2" rtl="0"/>
+                      <a:endParaRPr lang="en-US" sz="1800" b="0" dirty="0" smtClean="0">
+                        <a:effectLst/>
+                      </a:endParaRPr>
+                    </a:p>
+                    <a:p>
+                      <a:pPr lvl="1" rtl="0"/>
+                      <a:r>
+                        <a:rPr lang="en-US" sz="1800" b="0" i="0" u="none" strike="noStrike" kern="1200" dirty="0" smtClean="0">
+                          <a:solidFill>
+                            <a:schemeClr val="lt1"/>
+                          </a:solidFill>
+                          <a:effectLst/>
+                          <a:latin typeface="+mn-lt"/>
+                          <a:ea typeface="+mn-ea"/>
+                          <a:cs typeface="+mn-cs"/>
+                        </a:rPr>
+                        <a:t>Do protagonists sound different from antagonists?</a:t>
+                      </a:r>
+                    </a:p>
+                    <a:p>
+                      <a:pPr lvl="1" rtl="0"/>
+                      <a:endParaRPr lang="en-US" sz="1800" b="0" i="0" u="none" strike="noStrike" kern="1200" dirty="0" smtClean="0">
+                        <a:solidFill>
+                          <a:schemeClr val="lt1"/>
+                        </a:solidFill>
+                        <a:effectLst/>
+                        <a:latin typeface="+mn-lt"/>
+                        <a:ea typeface="+mn-ea"/>
+                        <a:cs typeface="+mn-cs"/>
+                      </a:endParaRPr>
+                    </a:p>
+                    <a:p>
+                      <a:pPr lvl="1" rtl="0"/>
+                      <a:r>
+                        <a:rPr lang="en-US" sz="1800" b="0" i="0" u="none" strike="noStrike" kern="1200" dirty="0" smtClean="0">
+                          <a:solidFill>
+                            <a:schemeClr val="lt1"/>
+                          </a:solidFill>
+                          <a:effectLst/>
+                          <a:latin typeface="+mn-lt"/>
+                          <a:ea typeface="+mn-ea"/>
+                          <a:cs typeface="+mn-cs"/>
+                        </a:rPr>
+                        <a:t>Do</a:t>
+                      </a:r>
+                      <a:r>
+                        <a:rPr lang="en-US" sz="1800" b="0" i="0" u="none" strike="noStrike" kern="1200" baseline="0" dirty="0" smtClean="0">
+                          <a:solidFill>
+                            <a:schemeClr val="lt1"/>
+                          </a:solidFill>
+                          <a:effectLst/>
+                          <a:latin typeface="+mn-lt"/>
+                          <a:ea typeface="+mn-ea"/>
+                          <a:cs typeface="+mn-cs"/>
+                        </a:rPr>
+                        <a:t> characters that share aspects of their characterization have a similar “sonic thumbprint”?</a:t>
+                      </a:r>
+                      <a:r>
+                        <a:rPr lang="en-US" sz="3600" dirty="0" smtClean="0"/>
+                        <a:t/>
+                      </a:r>
+                      <a:br>
+                        <a:rPr lang="en-US" sz="3600" dirty="0" smtClean="0"/>
+                      </a:br>
+                      <a:endParaRPr lang="en-US" sz="3600" dirty="0"/>
                     </a:p>
                   </a:txBody>
                   <a:tcPr/>
@@ -8375,7 +8605,70 @@
                     <a:bodyPr/>
                     <a:lstStyle/>
                     <a:p>
-                      <a:endParaRPr lang="en-US" dirty="0"/>
+                      <a:pPr lvl="1"/>
+                      <a:r>
+                        <a:rPr lang="en-US" sz="3600" b="0" i="0" u="none" strike="noStrike" kern="1200" dirty="0" smtClean="0">
+                          <a:solidFill>
+                            <a:schemeClr val="lt1"/>
+                          </a:solidFill>
+                          <a:effectLst/>
+                          <a:latin typeface="+mn-lt"/>
+                          <a:ea typeface="+mn-ea"/>
+                          <a:cs typeface="+mn-cs"/>
+                        </a:rPr>
+                        <a:t>Are characters </a:t>
+                      </a:r>
+                      <a:r>
+                        <a:rPr lang="en-US" sz="3600" b="1" i="0" u="none" strike="noStrike" kern="1200" dirty="0" smtClean="0">
+                          <a:solidFill>
+                            <a:schemeClr val="accent2">
+                              <a:lumMod val="50000"/>
+                            </a:schemeClr>
+                          </a:solidFill>
+                          <a:effectLst/>
+                          <a:latin typeface="+mn-lt"/>
+                          <a:ea typeface="+mn-ea"/>
+                          <a:cs typeface="+mn-cs"/>
+                        </a:rPr>
+                        <a:t>differentiable</a:t>
+                      </a:r>
+                      <a:r>
+                        <a:rPr lang="en-US" sz="3600" b="0" i="0" u="none" strike="noStrike" kern="1200" dirty="0" smtClean="0">
+                          <a:solidFill>
+                            <a:schemeClr val="lt1"/>
+                          </a:solidFill>
+                          <a:effectLst/>
+                          <a:latin typeface="+mn-lt"/>
+                          <a:ea typeface="+mn-ea"/>
+                          <a:cs typeface="+mn-cs"/>
+                        </a:rPr>
+                        <a:t> from one another based on how they </a:t>
+                      </a:r>
+                      <a:r>
+                        <a:rPr lang="en-US" sz="3600" b="0" i="0" u="none" strike="noStrike" kern="1200" dirty="0" smtClean="0">
+                          <a:solidFill>
+                            <a:schemeClr val="bg1"/>
+                          </a:solidFill>
+                          <a:effectLst/>
+                          <a:latin typeface="+mn-lt"/>
+                          <a:ea typeface="+mn-ea"/>
+                          <a:cs typeface="+mn-cs"/>
+                        </a:rPr>
+                        <a:t>sound</a:t>
+                      </a:r>
+                      <a:r>
+                        <a:rPr lang="en-US" sz="3600" b="0" i="0" u="none" strike="noStrike" kern="1200" dirty="0" smtClean="0">
+                          <a:solidFill>
+                            <a:schemeClr val="lt1"/>
+                          </a:solidFill>
+                          <a:effectLst/>
+                          <a:latin typeface="+mn-lt"/>
+                          <a:ea typeface="+mn-ea"/>
+                          <a:cs typeface="+mn-cs"/>
+                        </a:rPr>
+                        <a:t>? </a:t>
+                      </a:r>
+                      <a:endParaRPr lang="en-US" sz="3600" dirty="0"/>
                     </a:p>
                   </a:txBody>
                   <a:tcPr/>
@@ -8385,6 +8678,124 @@
           </a:graphicData>
         </a:graphic>
       </p:graphicFrame>
+      <p:pic>
+        <p:nvPicPr>
+          <p:cNvPr id="6" name="Picture 5"/>
+          <p:cNvPicPr>
+            <a:picLocks noChangeAspect="1"/>
+          </p:cNvPicPr>
+          <p:nvPr/>
+        </p:nvPicPr>
+        <p:blipFill>
+          <a:blip r:embed="rId3">
+            <a:extLst>
+              <a:ext uri="{28A0092B-C50C-407E-A947-70E740481C1C}">
+                <a14:useLocalDpi xmlns:a14="http://schemas.microsoft.com/office/drawing/2010/main" val="0"/>
+              </a:ext>
+            </a:extLst>
+          </a:blip>
+          <a:stretch>
+            <a:fillRect/>
+          </a:stretch>
+        </p:blipFill>
+        <p:spPr>
+          <a:xfrm>
+            <a:off x="31655169" y="8415441"/>
+            <a:ext cx="5638800" cy="4229100"/>
+          </a:xfrm>
+          <a:prstGeom prst="rect">
+            <a:avLst/>
+          </a:prstGeom>
+        </p:spPr>
+      </p:pic>
+      <p:pic>
+        <p:nvPicPr>
+          <p:cNvPr id="7" name="Picture 6"/>
+          <p:cNvPicPr>
+            <a:picLocks noChangeAspect="1"/>
+          </p:cNvPicPr>
+          <p:nvPr/>
+        </p:nvPicPr>
+        <p:blipFill>
+          <a:blip r:embed="rId4">
+            <a:extLst>
+              <a:ext uri="{28A0092B-C50C-407E-A947-70E740481C1C}">
+                <a14:useLocalDpi xmlns:a14="http://schemas.microsoft.com/office/drawing/2010/main" val="0"/>
+              </a:ext>
+            </a:extLst>
+          </a:blip>
+          <a:stretch>
+            <a:fillRect/>
+          </a:stretch>
+        </p:blipFill>
+        <p:spPr>
+          <a:xfrm>
+            <a:off x="37665550" y="6894320"/>
+            <a:ext cx="5739644" cy="4304733"/>
+          </a:xfrm>
+          <a:prstGeom prst="rect">
+            <a:avLst/>
+          </a:prstGeom>
+        </p:spPr>
+      </p:pic>
+      <p:sp>
+        <p:nvSpPr>
+          <p:cNvPr id="8" name="TextBox 7"/>
+          <p:cNvSpPr txBox="1"/>
+          <p:nvPr/>
+        </p:nvSpPr>
+        <p:spPr>
+          <a:xfrm>
+            <a:off x="32842200" y="7467600"/>
+            <a:ext cx="3276600" cy="461665"/>
+          </a:xfrm>
+          <a:prstGeom prst="rect">
+            <a:avLst/>
+          </a:prstGeom>
+          <a:noFill/>
+        </p:spPr>
+        <p:txBody>
+          <a:bodyPr wrap="square" rtlCol="0">
+            <a:spAutoFit/>
+          </a:bodyPr>
+          <a:lstStyle/>
+          <a:p>
+            <a:r>
+              <a:rPr lang="en-US" smtClean="0"/>
+              <a:t>Caption placeholder</a:t>
+            </a:r>
+          </a:p>
+        </p:txBody>
+      </p:sp>
+      <p:sp>
+        <p:nvSpPr>
+          <p:cNvPr id="48" name="TextBox 47"/>
+          <p:cNvSpPr txBox="1"/>
+          <p:nvPr/>
+        </p:nvSpPr>
+        <p:spPr>
+          <a:xfrm>
+            <a:off x="39243000" y="11732071"/>
+            <a:ext cx="3276600" cy="461665"/>
+          </a:xfrm>
+          <a:prstGeom prst="rect">
+            <a:avLst/>
+          </a:prstGeom>
+          <a:noFill/>
+        </p:spPr>
+        <p:txBody>
+          <a:bodyPr wrap="square" rtlCol="0">
+            <a:spAutoFit/>
+          </a:bodyPr>
+          <a:lstStyle/>
+          <a:p>
+            <a:r>
+              <a:rPr lang="en-US" smtClean="0"/>
+              <a:t>Caption placeholder</a:t>
+            </a:r>
+          </a:p>
+        </p:txBody>
+      </p:sp>
     </p:spTree>
   </p:cSld>
   <p:clrMapOvr>
@@ -8643,7 +9054,7 @@
         <a:effectLst/>
         <a:extLst>
           <a:ext uri="{AF507438-7753-43e0-B8FC-AC1667EBCBE1}">
-            <a14:hiddenEffects xmlns="" xmlns:a14="http://schemas.microsoft.com/office/drawing/2010/main">
+            <a14:hiddenEffects xmlns:a14="http://schemas.microsoft.com/office/drawing/2010/main" xmlns="">
               <a:effectLst>
                 <a:outerShdw dist="35921" dir="2700000" algn="ctr" rotWithShape="0">
                   <a:schemeClr val="bg2"/>
@@ -8722,7 +9133,7 @@
         <a:effectLst/>
         <a:extLst>
           <a:ext uri="{AF507438-7753-43e0-B8FC-AC1667EBCBE1}">
-            <a14:hiddenEffects xmlns="" xmlns:a14="http://schemas.microsoft.com/office/drawing/2010/main">
+            <a14:hiddenEffects xmlns:a14="http://schemas.microsoft.com/office/drawing/2010/main" xmlns="">
               <a:effectLst>
                 <a:outerShdw dist="35921" dir="2700000" algn="ctr" rotWithShape="0">
                   <a:schemeClr val="bg2"/>

--- a/Poster Rough Draft.pptx
+++ b/Poster Rough Draft.pptx
@@ -286,14 +286,14 @@
           <a:effectLst/>
           <a:extLst>
             <a:ext uri="{909E8E84-426E-40dd-AFC4-6F175D3DCCD1}">
-              <a14:hiddenFill xmlns:a14="http://schemas.microsoft.com/office/drawing/2010/main" xmlns="">
+              <a14:hiddenFill xmlns="" xmlns:a14="http://schemas.microsoft.com/office/drawing/2010/main">
                 <a:solidFill>
                   <a:schemeClr val="accent1"/>
                 </a:solidFill>
               </a14:hiddenFill>
             </a:ext>
             <a:ext uri="{91240B29-F687-4f45-9708-019B960494DF}">
-              <a14:hiddenLine xmlns:a14="http://schemas.microsoft.com/office/drawing/2010/main" xmlns="" w="9525">
+              <a14:hiddenLine xmlns="" xmlns:a14="http://schemas.microsoft.com/office/drawing/2010/main" w="9525">
                 <a:solidFill>
                   <a:schemeClr val="tx1"/>
                 </a:solidFill>
@@ -303,7 +303,7 @@
               </a14:hiddenLine>
             </a:ext>
             <a:ext uri="{AF507438-7753-43e0-B8FC-AC1667EBCBE1}">
-              <a14:hiddenEffects xmlns:a14="http://schemas.microsoft.com/office/drawing/2010/main" xmlns="">
+              <a14:hiddenEffects xmlns="" xmlns:a14="http://schemas.microsoft.com/office/drawing/2010/main">
                 <a:effectLst>
                   <a:outerShdw dist="35921" dir="2700000" algn="ctr" rotWithShape="0">
                     <a:schemeClr val="bg2"/>
@@ -356,14 +356,14 @@
           <a:effectLst/>
           <a:extLst>
             <a:ext uri="{909E8E84-426E-40dd-AFC4-6F175D3DCCD1}">
-              <a14:hiddenFill xmlns:a14="http://schemas.microsoft.com/office/drawing/2010/main" xmlns="">
+              <a14:hiddenFill xmlns="" xmlns:a14="http://schemas.microsoft.com/office/drawing/2010/main">
                 <a:solidFill>
                   <a:schemeClr val="accent1"/>
                 </a:solidFill>
               </a14:hiddenFill>
             </a:ext>
             <a:ext uri="{91240B29-F687-4f45-9708-019B960494DF}">
-              <a14:hiddenLine xmlns:a14="http://schemas.microsoft.com/office/drawing/2010/main" xmlns="" w="9525">
+              <a14:hiddenLine xmlns="" xmlns:a14="http://schemas.microsoft.com/office/drawing/2010/main" w="9525">
                 <a:solidFill>
                   <a:schemeClr val="tx1"/>
                 </a:solidFill>
@@ -373,7 +373,7 @@
               </a14:hiddenLine>
             </a:ext>
             <a:ext uri="{AF507438-7753-43e0-B8FC-AC1667EBCBE1}">
-              <a14:hiddenEffects xmlns:a14="http://schemas.microsoft.com/office/drawing/2010/main" xmlns="">
+              <a14:hiddenEffects xmlns="" xmlns:a14="http://schemas.microsoft.com/office/drawing/2010/main">
                 <a:effectLst>
                   <a:outerShdw dist="35921" dir="2700000" algn="ctr" rotWithShape="0">
                     <a:schemeClr val="bg2"/>
@@ -426,14 +426,14 @@
           <a:effectLst/>
           <a:extLst>
             <a:ext uri="{909E8E84-426E-40dd-AFC4-6F175D3DCCD1}">
-              <a14:hiddenFill xmlns:a14="http://schemas.microsoft.com/office/drawing/2010/main" xmlns="">
+              <a14:hiddenFill xmlns="" xmlns:a14="http://schemas.microsoft.com/office/drawing/2010/main">
                 <a:solidFill>
                   <a:schemeClr val="accent1"/>
                 </a:solidFill>
               </a14:hiddenFill>
             </a:ext>
             <a:ext uri="{91240B29-F687-4f45-9708-019B960494DF}">
-              <a14:hiddenLine xmlns:a14="http://schemas.microsoft.com/office/drawing/2010/main" xmlns="" w="9525">
+              <a14:hiddenLine xmlns="" xmlns:a14="http://schemas.microsoft.com/office/drawing/2010/main" w="9525">
                 <a:solidFill>
                   <a:schemeClr val="tx1"/>
                 </a:solidFill>
@@ -443,7 +443,7 @@
               </a14:hiddenLine>
             </a:ext>
             <a:ext uri="{AF507438-7753-43e0-B8FC-AC1667EBCBE1}">
-              <a14:hiddenEffects xmlns:a14="http://schemas.microsoft.com/office/drawing/2010/main" xmlns="">
+              <a14:hiddenEffects xmlns="" xmlns:a14="http://schemas.microsoft.com/office/drawing/2010/main">
                 <a:effectLst>
                   <a:outerShdw dist="35921" dir="2700000" algn="ctr" rotWithShape="0">
                     <a:schemeClr val="bg2"/>
@@ -496,14 +496,14 @@
           <a:effectLst/>
           <a:extLst>
             <a:ext uri="{909E8E84-426E-40dd-AFC4-6F175D3DCCD1}">
-              <a14:hiddenFill xmlns:a14="http://schemas.microsoft.com/office/drawing/2010/main" xmlns="">
+              <a14:hiddenFill xmlns="" xmlns:a14="http://schemas.microsoft.com/office/drawing/2010/main">
                 <a:solidFill>
                   <a:schemeClr val="accent1"/>
                 </a:solidFill>
               </a14:hiddenFill>
             </a:ext>
             <a:ext uri="{91240B29-F687-4f45-9708-019B960494DF}">
-              <a14:hiddenLine xmlns:a14="http://schemas.microsoft.com/office/drawing/2010/main" xmlns="" w="9525">
+              <a14:hiddenLine xmlns="" xmlns:a14="http://schemas.microsoft.com/office/drawing/2010/main" w="9525">
                 <a:solidFill>
                   <a:schemeClr val="tx1"/>
                 </a:solidFill>
@@ -513,7 +513,7 @@
               </a14:hiddenLine>
             </a:ext>
             <a:ext uri="{AF507438-7753-43e0-B8FC-AC1667EBCBE1}">
-              <a14:hiddenEffects xmlns:a14="http://schemas.microsoft.com/office/drawing/2010/main" xmlns="">
+              <a14:hiddenEffects xmlns="" xmlns:a14="http://schemas.microsoft.com/office/drawing/2010/main">
                 <a:effectLst>
                   <a:outerShdw dist="35921" dir="2700000" algn="ctr" rotWithShape="0">
                     <a:schemeClr val="bg2"/>
@@ -607,14 +607,14 @@
           <a:effectLst/>
           <a:extLst>
             <a:ext uri="{909E8E84-426E-40dd-AFC4-6F175D3DCCD1}">
-              <a14:hiddenFill xmlns:a14="http://schemas.microsoft.com/office/drawing/2010/main" xmlns="">
+              <a14:hiddenFill xmlns="" xmlns:a14="http://schemas.microsoft.com/office/drawing/2010/main">
                 <a:solidFill>
                   <a:schemeClr val="accent1"/>
                 </a:solidFill>
               </a14:hiddenFill>
             </a:ext>
             <a:ext uri="{91240B29-F687-4f45-9708-019B960494DF}">
-              <a14:hiddenLine xmlns:a14="http://schemas.microsoft.com/office/drawing/2010/main" xmlns="" w="9525">
+              <a14:hiddenLine xmlns="" xmlns:a14="http://schemas.microsoft.com/office/drawing/2010/main" w="9525">
                 <a:solidFill>
                   <a:schemeClr val="tx1"/>
                 </a:solidFill>
@@ -624,7 +624,7 @@
               </a14:hiddenLine>
             </a:ext>
             <a:ext uri="{AF507438-7753-43e0-B8FC-AC1667EBCBE1}">
-              <a14:hiddenEffects xmlns:a14="http://schemas.microsoft.com/office/drawing/2010/main" xmlns="">
+              <a14:hiddenEffects xmlns="" xmlns:a14="http://schemas.microsoft.com/office/drawing/2010/main">
                 <a:effectLst>
                   <a:outerShdw dist="35921" dir="2700000" algn="ctr" rotWithShape="0">
                     <a:schemeClr val="bg2"/>
@@ -677,14 +677,14 @@
           <a:effectLst/>
           <a:extLst>
             <a:ext uri="{909E8E84-426E-40dd-AFC4-6F175D3DCCD1}">
-              <a14:hiddenFill xmlns:a14="http://schemas.microsoft.com/office/drawing/2010/main" xmlns="">
+              <a14:hiddenFill xmlns="" xmlns:a14="http://schemas.microsoft.com/office/drawing/2010/main">
                 <a:solidFill>
                   <a:schemeClr val="accent1"/>
                 </a:solidFill>
               </a14:hiddenFill>
             </a:ext>
             <a:ext uri="{91240B29-F687-4f45-9708-019B960494DF}">
-              <a14:hiddenLine xmlns:a14="http://schemas.microsoft.com/office/drawing/2010/main" xmlns="" w="9525">
+              <a14:hiddenLine xmlns="" xmlns:a14="http://schemas.microsoft.com/office/drawing/2010/main" w="9525">
                 <a:solidFill>
                   <a:schemeClr val="tx1"/>
                 </a:solidFill>
@@ -694,7 +694,7 @@
               </a14:hiddenLine>
             </a:ext>
             <a:ext uri="{AF507438-7753-43e0-B8FC-AC1667EBCBE1}">
-              <a14:hiddenEffects xmlns:a14="http://schemas.microsoft.com/office/drawing/2010/main" xmlns="">
+              <a14:hiddenEffects xmlns="" xmlns:a14="http://schemas.microsoft.com/office/drawing/2010/main">
                 <a:effectLst>
                   <a:outerShdw dist="35921" dir="2700000" algn="ctr" rotWithShape="0">
                     <a:schemeClr val="bg2"/>
@@ -752,14 +752,14 @@
           <a:effectLst/>
           <a:extLst>
             <a:ext uri="{909E8E84-426E-40dd-AFC4-6F175D3DCCD1}">
-              <a14:hiddenFill xmlns:a14="http://schemas.microsoft.com/office/drawing/2010/main" xmlns="">
+              <a14:hiddenFill xmlns="" xmlns:a14="http://schemas.microsoft.com/office/drawing/2010/main">
                 <a:solidFill>
                   <a:srgbClr val="FFFFFF"/>
                 </a:solidFill>
               </a14:hiddenFill>
             </a:ext>
             <a:ext uri="{AF507438-7753-43e0-B8FC-AC1667EBCBE1}">
-              <a14:hiddenEffects xmlns:a14="http://schemas.microsoft.com/office/drawing/2010/main" xmlns="">
+              <a14:hiddenEffects xmlns="" xmlns:a14="http://schemas.microsoft.com/office/drawing/2010/main">
                 <a:effectLst>
                   <a:outerShdw dist="35921" dir="2700000" algn="ctr" rotWithShape="0">
                     <a:srgbClr val="808080"/>
@@ -768,7 +768,7 @@
               </a14:hiddenEffects>
             </a:ext>
             <a:ext uri="{53640926-AAD7-44d8-BBD7-CCE9431645EC}">
-              <a14:shadowObscured xmlns:a14="http://schemas.microsoft.com/office/drawing/2010/main" xmlns="" val="1"/>
+              <a14:shadowObscured xmlns="" xmlns:a14="http://schemas.microsoft.com/office/drawing/2010/main" val="1"/>
             </a:ext>
           </a:extLst>
         </p:spPr>
@@ -798,14 +798,14 @@
           <a:effectLst/>
           <a:extLst>
             <a:ext uri="{909E8E84-426E-40dd-AFC4-6F175D3DCCD1}">
-              <a14:hiddenFill xmlns:a14="http://schemas.microsoft.com/office/drawing/2010/main" xmlns="">
+              <a14:hiddenFill xmlns="" xmlns:a14="http://schemas.microsoft.com/office/drawing/2010/main">
                 <a:solidFill>
                   <a:schemeClr val="accent1"/>
                 </a:solidFill>
               </a14:hiddenFill>
             </a:ext>
             <a:ext uri="{91240B29-F687-4f45-9708-019B960494DF}">
-              <a14:hiddenLine xmlns:a14="http://schemas.microsoft.com/office/drawing/2010/main" xmlns="" w="9525">
+              <a14:hiddenLine xmlns="" xmlns:a14="http://schemas.microsoft.com/office/drawing/2010/main" w="9525">
                 <a:solidFill>
                   <a:schemeClr val="tx1"/>
                 </a:solidFill>
@@ -815,7 +815,7 @@
               </a14:hiddenLine>
             </a:ext>
             <a:ext uri="{AF507438-7753-43e0-B8FC-AC1667EBCBE1}">
-              <a14:hiddenEffects xmlns:a14="http://schemas.microsoft.com/office/drawing/2010/main" xmlns="">
+              <a14:hiddenEffects xmlns="" xmlns:a14="http://schemas.microsoft.com/office/drawing/2010/main">
                 <a:effectLst>
                   <a:outerShdw dist="35921" dir="2700000" algn="ctr" rotWithShape="0">
                     <a:schemeClr val="bg2"/>
@@ -894,14 +894,14 @@
           <a:effectLst/>
           <a:extLst>
             <a:ext uri="{909E8E84-426E-40dd-AFC4-6F175D3DCCD1}">
-              <a14:hiddenFill xmlns:a14="http://schemas.microsoft.com/office/drawing/2010/main" xmlns="">
+              <a14:hiddenFill xmlns="" xmlns:a14="http://schemas.microsoft.com/office/drawing/2010/main">
                 <a:solidFill>
                   <a:schemeClr val="accent1"/>
                 </a:solidFill>
               </a14:hiddenFill>
             </a:ext>
             <a:ext uri="{91240B29-F687-4f45-9708-019B960494DF}">
-              <a14:hiddenLine xmlns:a14="http://schemas.microsoft.com/office/drawing/2010/main" xmlns="" w="9525">
+              <a14:hiddenLine xmlns="" xmlns:a14="http://schemas.microsoft.com/office/drawing/2010/main" w="9525">
                 <a:solidFill>
                   <a:schemeClr val="tx1"/>
                 </a:solidFill>
@@ -911,7 +911,7 @@
               </a14:hiddenLine>
             </a:ext>
             <a:ext uri="{AF507438-7753-43e0-B8FC-AC1667EBCBE1}">
-              <a14:hiddenEffects xmlns:a14="http://schemas.microsoft.com/office/drawing/2010/main" xmlns="">
+              <a14:hiddenEffects xmlns="" xmlns:a14="http://schemas.microsoft.com/office/drawing/2010/main">
                 <a:effectLst>
                   <a:outerShdw dist="35921" dir="2700000" algn="ctr" rotWithShape="0">
                     <a:schemeClr val="bg2"/>
@@ -964,14 +964,14 @@
           <a:effectLst/>
           <a:extLst>
             <a:ext uri="{909E8E84-426E-40dd-AFC4-6F175D3DCCD1}">
-              <a14:hiddenFill xmlns:a14="http://schemas.microsoft.com/office/drawing/2010/main" xmlns="">
+              <a14:hiddenFill xmlns="" xmlns:a14="http://schemas.microsoft.com/office/drawing/2010/main">
                 <a:solidFill>
                   <a:schemeClr val="accent1"/>
                 </a:solidFill>
               </a14:hiddenFill>
             </a:ext>
             <a:ext uri="{91240B29-F687-4f45-9708-019B960494DF}">
-              <a14:hiddenLine xmlns:a14="http://schemas.microsoft.com/office/drawing/2010/main" xmlns="" w="9525">
+              <a14:hiddenLine xmlns="" xmlns:a14="http://schemas.microsoft.com/office/drawing/2010/main" w="9525">
                 <a:solidFill>
                   <a:schemeClr val="tx1"/>
                 </a:solidFill>
@@ -981,7 +981,7 @@
               </a14:hiddenLine>
             </a:ext>
             <a:ext uri="{AF507438-7753-43e0-B8FC-AC1667EBCBE1}">
-              <a14:hiddenEffects xmlns:a14="http://schemas.microsoft.com/office/drawing/2010/main" xmlns="">
+              <a14:hiddenEffects xmlns="" xmlns:a14="http://schemas.microsoft.com/office/drawing/2010/main">
                 <a:effectLst>
                   <a:outerShdw dist="35921" dir="2700000" algn="ctr" rotWithShape="0">
                     <a:schemeClr val="bg2"/>
@@ -3858,14 +3858,14 @@
           <a:effectLst/>
           <a:extLst>
             <a:ext uri="{909E8E84-426E-40dd-AFC4-6F175D3DCCD1}">
-              <a14:hiddenFill xmlns:a14="http://schemas.microsoft.com/office/drawing/2010/main" xmlns="">
+              <a14:hiddenFill xmlns="" xmlns:a14="http://schemas.microsoft.com/office/drawing/2010/main">
                 <a:solidFill>
                   <a:srgbClr val="000000"/>
                 </a:solidFill>
               </a14:hiddenFill>
             </a:ext>
             <a:ext uri="{91240B29-F687-4f45-9708-019B960494DF}">
-              <a14:hiddenLine xmlns:a14="http://schemas.microsoft.com/office/drawing/2010/main" xmlns="" w="9525">
+              <a14:hiddenLine xmlns="" xmlns:a14="http://schemas.microsoft.com/office/drawing/2010/main" w="9525">
                 <a:solidFill>
                   <a:schemeClr val="tx1"/>
                 </a:solidFill>
@@ -3875,7 +3875,7 @@
               </a14:hiddenLine>
             </a:ext>
             <a:ext uri="{AF507438-7753-43e0-B8FC-AC1667EBCBE1}">
-              <a14:hiddenEffects xmlns:a14="http://schemas.microsoft.com/office/drawing/2010/main" xmlns="">
+              <a14:hiddenEffects xmlns="" xmlns:a14="http://schemas.microsoft.com/office/drawing/2010/main">
                 <a:effectLst>
                   <a:outerShdw dist="35921" dir="2700000" algn="ctr" rotWithShape="0">
                     <a:srgbClr val="FFBF0B"/>
@@ -4786,7 +4786,7 @@
         <p:spPr bwMode="auto">
           <a:xfrm>
             <a:off x="20242298" y="6810977"/>
-            <a:ext cx="11098441" cy="5124480"/>
+            <a:ext cx="11098441" cy="5663089"/>
           </a:xfrm>
           <a:prstGeom prst="rect">
             <a:avLst/>
@@ -4919,7 +4919,35 @@
                 <a:effectLst/>
                 <a:ea typeface="SimSun" pitchFamily="2" charset="-122"/>
               </a:rPr>
-              <a:t>Having extracted feature data, we wanted to see if simple classifiers could use these data to differentiate between different types of characters.</a:t>
+              <a:t>Having extracted </a:t>
+            </a:r>
+            <a:r>
+              <a:rPr lang="en-US" altLang="zh-CN" sz="2800" dirty="0" smtClean="0">
+                <a:effectLst/>
+                <a:ea typeface="SimSun" pitchFamily="2" charset="-122"/>
+              </a:rPr>
+              <a:t>phoneme and </a:t>
+            </a:r>
+            <a:r>
+              <a:rPr lang="en-US" altLang="zh-CN" sz="2800" dirty="0" smtClean="0">
+                <a:effectLst/>
+                <a:ea typeface="SimSun" pitchFamily="2" charset="-122"/>
+              </a:rPr>
+              <a:t>feature </a:t>
+            </a:r>
+            <a:r>
+              <a:rPr lang="en-US" altLang="zh-CN" sz="2800" dirty="0" smtClean="0">
+                <a:effectLst/>
+                <a:ea typeface="SimSun" pitchFamily="2" charset="-122"/>
+              </a:rPr>
+              <a:t>data, we wanted to see if simple classifiers could use these data to </a:t>
+            </a:r>
+            <a:r>
+              <a:rPr lang="en-US" altLang="zh-CN" sz="2800" b="1" dirty="0" smtClean="0">
+                <a:effectLst/>
+                <a:ea typeface="SimSun" pitchFamily="2" charset="-122"/>
+              </a:rPr>
+              <a:t>differentiate between different types of characters.</a:t>
             </a:r>
           </a:p>
           <a:p>
@@ -4928,7 +4956,7 @@
                 <a:spcPct val="125000"/>
               </a:lnSpc>
             </a:pPr>
-            <a:endParaRPr lang="en-US" altLang="zh-CN" sz="2800" dirty="0">
+            <a:endParaRPr lang="en-US" altLang="zh-CN" sz="2800" b="1" dirty="0">
               <a:effectLst/>
               <a:ea typeface="SimSun" pitchFamily="2" charset="-122"/>
             </a:endParaRPr>
@@ -5709,7 +5737,7 @@
         <p:grpSpPr>
           <a:xfrm>
             <a:off x="20242298" y="20123284"/>
-            <a:ext cx="23216346" cy="954314"/>
+            <a:ext cx="23104987" cy="954314"/>
             <a:chOff x="1066799" y="5958162"/>
             <a:chExt cx="11007725" cy="946293"/>
           </a:xfrm>
@@ -6440,7 +6468,7 @@
           <a:effectLst/>
           <a:extLst>
             <a:ext uri="{AF507438-7753-43e0-B8FC-AC1667EBCBE1}">
-              <a14:hiddenEffects xmlns:a14="http://schemas.microsoft.com/office/drawing/2010/main" xmlns="">
+              <a14:hiddenEffects xmlns="" xmlns:a14="http://schemas.microsoft.com/office/drawing/2010/main">
                 <a:effectLst>
                   <a:outerShdw dist="35921" dir="2700000" algn="ctr" rotWithShape="0">
                     <a:schemeClr val="bg2"/>
@@ -6663,8 +6691,8 @@
         </p:nvSpPr>
         <p:spPr bwMode="auto">
           <a:xfrm>
-            <a:off x="20242298" y="13905782"/>
-            <a:ext cx="11006953" cy="765081"/>
+            <a:off x="20242298" y="13850172"/>
+            <a:ext cx="11006953" cy="5663089"/>
           </a:xfrm>
           <a:prstGeom prst="rect">
             <a:avLst/>
@@ -6793,10 +6821,131 @@
               </a:lnSpc>
             </a:pPr>
             <a:r>
+              <a:rPr lang="en-AU" sz="2800" b="1" dirty="0" smtClean="0">
+                <a:effectLst/>
+              </a:rPr>
+              <a:t>Do certain speech attributes occur with higher frequency than average among specific archetypes?</a:t>
+            </a:r>
+            <a:endParaRPr lang="en-AU" sz="2800" b="1" dirty="0">
+              <a:effectLst/>
+            </a:endParaRPr>
+          </a:p>
+          <a:p>
+            <a:pPr>
+              <a:lnSpc>
+                <a:spcPct val="125000"/>
+              </a:lnSpc>
+            </a:pPr>
+            <a:endParaRPr lang="en-AU" sz="2800" b="1" dirty="0" smtClean="0">
+              <a:effectLst/>
+            </a:endParaRPr>
+          </a:p>
+          <a:p>
+            <a:pPr>
+              <a:lnSpc>
+                <a:spcPct val="125000"/>
+              </a:lnSpc>
+            </a:pPr>
+            <a:r>
               <a:rPr lang="en-AU" sz="2800" dirty="0" smtClean="0">
                 <a:effectLst/>
               </a:rPr>
-              <a:t>What questions</a:t>
+              <a:t>Once we established norms for specific roles, we wanted a way to visually compare the deviation from norm for any given character to those norms. </a:t>
+            </a:r>
+          </a:p>
+          <a:p>
+            <a:pPr>
+              <a:lnSpc>
+                <a:spcPct val="125000"/>
+              </a:lnSpc>
+            </a:pPr>
+            <a:endParaRPr lang="en-AU" sz="2800" dirty="0">
+              <a:effectLst/>
+            </a:endParaRPr>
+          </a:p>
+          <a:p>
+            <a:pPr>
+              <a:lnSpc>
+                <a:spcPct val="125000"/>
+              </a:lnSpc>
+            </a:pPr>
+            <a:r>
+              <a:rPr lang="en-AU" sz="2800" dirty="0" smtClean="0">
+                <a:effectLst/>
+              </a:rPr>
+              <a:t>The interactive z-score visualization allows users to </a:t>
+            </a:r>
+            <a:r>
+              <a:rPr lang="en-AU" sz="2800" b="1" dirty="0" smtClean="0">
+                <a:effectLst/>
+              </a:rPr>
+              <a:t>sort</a:t>
+            </a:r>
+            <a:r>
+              <a:rPr lang="en-AU" sz="2800" dirty="0" smtClean="0">
+                <a:effectLst/>
+              </a:rPr>
+              <a:t> features and phonemes by </a:t>
+            </a:r>
+            <a:r>
+              <a:rPr lang="en-AU" sz="2800" b="1" dirty="0" smtClean="0">
+                <a:effectLst/>
+              </a:rPr>
+              <a:t>descending order of significance </a:t>
+            </a:r>
+            <a:r>
+              <a:rPr lang="en-AU" sz="2800" dirty="0" smtClean="0">
+                <a:effectLst/>
+              </a:rPr>
+              <a:t>for a role, view </a:t>
+            </a:r>
+            <a:r>
+              <a:rPr lang="en-AU" sz="2800" b="1" dirty="0" smtClean="0">
+                <a:effectLst/>
+              </a:rPr>
+              <a:t>only certain roles</a:t>
+            </a:r>
+            <a:r>
+              <a:rPr lang="en-AU" sz="2800" dirty="0" smtClean="0">
+                <a:effectLst/>
+              </a:rPr>
+              <a:t>, and view the </a:t>
+            </a:r>
+            <a:r>
+              <a:rPr lang="en-AU" sz="2800" b="1" dirty="0" smtClean="0">
+                <a:effectLst/>
+              </a:rPr>
+              <a:t>distance </a:t>
+            </a:r>
+            <a:r>
+              <a:rPr lang="en-AU" sz="2800" dirty="0" smtClean="0">
+                <a:effectLst/>
+              </a:rPr>
+              <a:t>between a </a:t>
+            </a:r>
+            <a:r>
+              <a:rPr lang="en-AU" sz="2800" b="1" dirty="0" smtClean="0">
+                <a:effectLst/>
+              </a:rPr>
+              <a:t>character’s z-scores </a:t>
+            </a:r>
+            <a:r>
+              <a:rPr lang="en-AU" sz="2800" dirty="0" smtClean="0">
+                <a:effectLst/>
+              </a:rPr>
+              <a:t>and the </a:t>
+            </a:r>
+            <a:r>
+              <a:rPr lang="en-AU" sz="2800" b="1" dirty="0" smtClean="0">
+                <a:effectLst/>
+              </a:rPr>
+              <a:t>averages</a:t>
+            </a:r>
+            <a:r>
+              <a:rPr lang="en-AU" sz="2800" dirty="0" smtClean="0">
+                <a:effectLst/>
+              </a:rPr>
+              <a:t> for a role.</a:t>
             </a:r>
             <a:endParaRPr lang="en-AU" sz="2800" dirty="0">
               <a:effectLst/>
@@ -6957,7 +7106,7 @@
         </p:nvGrpSpPr>
         <p:grpSpPr>
           <a:xfrm>
-            <a:off x="32427628" y="27874169"/>
+            <a:off x="32316269" y="27874169"/>
             <a:ext cx="11031016" cy="929429"/>
             <a:chOff x="1066799" y="5958162"/>
             <a:chExt cx="11007725" cy="946293"/>
@@ -7671,7 +7820,7 @@
           <a:effectLst/>
           <a:extLst>
             <a:ext uri="{AF507438-7753-43e0-B8FC-AC1667EBCBE1}">
-              <a14:hiddenEffects xmlns:a14="http://schemas.microsoft.com/office/drawing/2010/main" xmlns="">
+              <a14:hiddenEffects xmlns="" xmlns:a14="http://schemas.microsoft.com/office/drawing/2010/main">
                 <a:effectLst>
                   <a:outerShdw dist="35921" dir="2700000" algn="ctr" rotWithShape="0">
                     <a:schemeClr val="bg2"/>
@@ -7815,7 +7964,7 @@
         <p:spPr bwMode="auto">
           <a:xfrm>
             <a:off x="20370635" y="28803598"/>
-            <a:ext cx="11025483" cy="838202"/>
+            <a:ext cx="11025483" cy="1354217"/>
           </a:xfrm>
           <a:prstGeom prst="rect">
             <a:avLst/>
@@ -7943,6 +8092,19 @@
                 <a:spcPct val="125000"/>
               </a:lnSpc>
             </a:pPr>
+            <a:r>
+              <a:rPr lang="en-AU" sz="2800" dirty="0" smtClean="0">
+                <a:effectLst/>
+              </a:rPr>
+              <a:t>Expanding analysis beyond Shakespeare.</a:t>
+            </a:r>
+          </a:p>
+          <a:p>
+            <a:pPr>
+              <a:lnSpc>
+                <a:spcPct val="125000"/>
+              </a:lnSpc>
+            </a:pPr>
             <a:endParaRPr lang="en-AU" sz="2800" dirty="0">
               <a:effectLst/>
             </a:endParaRPr>
@@ -7959,8 +8121,8 @@
         </p:nvSpPr>
         <p:spPr bwMode="auto">
           <a:xfrm>
-            <a:off x="32433161" y="28803598"/>
-            <a:ext cx="11025483" cy="838202"/>
+            <a:off x="32321802" y="28803598"/>
+            <a:ext cx="11025483" cy="765081"/>
           </a:xfrm>
           <a:prstGeom prst="rect">
             <a:avLst/>
@@ -8088,6 +8250,12 @@
                 <a:spcPct val="125000"/>
               </a:lnSpc>
             </a:pPr>
+            <a:r>
+              <a:rPr lang="en-AU" sz="2800" dirty="0" smtClean="0">
+                <a:effectLst/>
+              </a:rPr>
+              <a:t>Eric Alexander, Carleton College</a:t>
+            </a:r>
             <a:endParaRPr lang="en-AU" sz="2800" dirty="0">
               <a:effectLst/>
             </a:endParaRPr>
@@ -8103,7 +8271,7 @@
           <p:nvPr>
             <p:extLst>
               <p:ext uri="{D42A27DB-BD31-4B8C-83A1-F6EECF244321}">
-                <p14:modId xmlns:p14="http://schemas.microsoft.com/office/powerpoint/2010/main" val="261912991"/>
+                <p14:modId xmlns:p14="http://schemas.microsoft.com/office/powerpoint/2010/main" val="119705940"/>
               </p:ext>
             </p:extLst>
           </p:nvPr>
@@ -8119,10 +8287,9 @@
                 <a:tableStyleId>{306799F8-075E-4A3A-A7F6-7FBC6576F1A4}</a:tableStyleId>
               </a:tblPr>
               <a:tblGrid>
-                <a:gridCol w="4640562"/>
-                <a:gridCol w="4564486"/>
-                <a:gridCol w="4602524"/>
-                <a:gridCol w="4602524"/>
+                <a:gridCol w="6019801"/>
+                <a:gridCol w="6172200"/>
+                <a:gridCol w="6218095"/>
               </a:tblGrid>
               <a:tr h="4226107">
                 <a:tc>
@@ -8332,17 +8499,6 @@
                           </a:schemeClr>
                         </a:solidFill>
                       </a:endParaRPr>
-                    </a:p>
-                  </a:txBody>
-                  <a:tcPr/>
-                </a:tc>
-                <a:tc>
-                  <a:txBody>
-                    <a:bodyPr/>
-                    <a:lstStyle/>
-                    <a:p>
-                      <a:pPr lvl="1"/>
-                      <a:endParaRPr lang="en-US" sz="3600" b="0" dirty="0"/>
                     </a:p>
                   </a:txBody>
                   <a:tcPr/>
@@ -8746,8 +8902,8 @@
         </p:nvSpPr>
         <p:spPr>
           <a:xfrm>
-            <a:off x="32842200" y="7467600"/>
-            <a:ext cx="3276600" cy="461665"/>
+            <a:off x="32766000" y="7268338"/>
+            <a:ext cx="3787356" cy="1200329"/>
           </a:xfrm>
           <a:prstGeom prst="rect">
             <a:avLst/>
@@ -8761,9 +8917,14 @@
           <a:lstStyle/>
           <a:p>
             <a:r>
+              <a:rPr lang="en-US" dirty="0" smtClean="0"/>
+              <a:t>Confusion matrix resulting from weighted naïve Bayes classification </a:t>
+            </a:r>
+            <a:r>
               <a:rPr lang="en-US" smtClean="0"/>
-              <a:t>Caption placeholder</a:t>
+              <a:t>of gender</a:t>
             </a:r>
+            <a:endParaRPr lang="en-US" dirty="0" smtClean="0"/>
           </a:p>
         </p:txBody>
       </p:sp>
@@ -8775,8 +8936,8 @@
         </p:nvSpPr>
         <p:spPr>
           <a:xfrm>
-            <a:off x="39243000" y="11732071"/>
-            <a:ext cx="3276600" cy="461665"/>
+            <a:off x="39243000" y="11780549"/>
+            <a:ext cx="3276600" cy="1569660"/>
           </a:xfrm>
           <a:prstGeom prst="rect">
             <a:avLst/>
@@ -8790,12 +8951,43 @@
           <a:lstStyle/>
           <a:p>
             <a:r>
-              <a:rPr lang="en-US" smtClean="0"/>
-              <a:t>Caption placeholder</a:t>
+              <a:rPr lang="en-US" dirty="0" smtClean="0"/>
+              <a:t>Confusion matrix resulting from weighted iterative naïve Bayes classification</a:t>
             </a:r>
+            <a:endParaRPr lang="en-US" dirty="0" smtClean="0"/>
           </a:p>
         </p:txBody>
       </p:sp>
+      <p:pic>
+        <p:nvPicPr>
+          <p:cNvPr id="4" name="Picture 3"/>
+          <p:cNvPicPr>
+            <a:picLocks noChangeAspect="1"/>
+          </p:cNvPicPr>
+          <p:nvPr/>
+        </p:nvPicPr>
+        <p:blipFill>
+          <a:blip r:embed="rId5">
+            <a:extLst>
+              <a:ext uri="{28A0092B-C50C-407E-A947-70E740481C1C}">
+                <a14:useLocalDpi xmlns:a14="http://schemas.microsoft.com/office/drawing/2010/main" val="0"/>
+              </a:ext>
+            </a:extLst>
+          </a:blip>
+          <a:stretch>
+            <a:fillRect/>
+          </a:stretch>
+        </p:blipFill>
+        <p:spPr>
+          <a:xfrm>
+            <a:off x="7048187" y="18918188"/>
+            <a:ext cx="12428708" cy="8955981"/>
+          </a:xfrm>
+          <a:prstGeom prst="rect">
+            <a:avLst/>
+          </a:prstGeom>
+        </p:spPr>
+      </p:pic>
     </p:spTree>
   </p:cSld>
   <p:clrMapOvr>
@@ -9054,7 +9246,7 @@
         <a:effectLst/>
         <a:extLst>
           <a:ext uri="{AF507438-7753-43e0-B8FC-AC1667EBCBE1}">
-            <a14:hiddenEffects xmlns:a14="http://schemas.microsoft.com/office/drawing/2010/main" xmlns="">
+            <a14:hiddenEffects xmlns="" xmlns:a14="http://schemas.microsoft.com/office/drawing/2010/main">
               <a:effectLst>
                 <a:outerShdw dist="35921" dir="2700000" algn="ctr" rotWithShape="0">
                   <a:schemeClr val="bg2"/>
@@ -9133,7 +9325,7 @@
         <a:effectLst/>
         <a:extLst>
           <a:ext uri="{AF507438-7753-43e0-B8FC-AC1667EBCBE1}">
-            <a14:hiddenEffects xmlns:a14="http://schemas.microsoft.com/office/drawing/2010/main" xmlns="">
+            <a14:hiddenEffects xmlns="" xmlns:a14="http://schemas.microsoft.com/office/drawing/2010/main">
               <a:effectLst>
                 <a:outerShdw dist="35921" dir="2700000" algn="ctr" rotWithShape="0">
                   <a:schemeClr val="bg2"/>

--- a/Poster Rough Draft.pptx
+++ b/Poster Rough Draft.pptx
@@ -4071,8 +4071,8 @@
         </p:nvGrpSpPr>
         <p:grpSpPr>
           <a:xfrm>
-            <a:off x="1066799" y="5953110"/>
-            <a:ext cx="18440401" cy="946293"/>
+            <a:off x="1257832" y="5644079"/>
+            <a:ext cx="14501833" cy="946293"/>
             <a:chOff x="1066799" y="5958162"/>
             <a:chExt cx="11007725" cy="946293"/>
           </a:xfrm>
@@ -4427,8 +4427,8 @@
         </p:nvGrpSpPr>
         <p:grpSpPr>
           <a:xfrm>
-            <a:off x="884360" y="17909310"/>
-            <a:ext cx="18622840" cy="911382"/>
+            <a:off x="1227529" y="16733927"/>
+            <a:ext cx="14508304" cy="968400"/>
             <a:chOff x="1066799" y="5958162"/>
             <a:chExt cx="11007725" cy="946293"/>
           </a:xfrm>
@@ -4785,8 +4785,8 @@
         </p:nvSpPr>
         <p:spPr bwMode="auto">
           <a:xfrm>
-            <a:off x="20242298" y="6810977"/>
-            <a:ext cx="11098441" cy="5663089"/>
+            <a:off x="16116299" y="6728012"/>
+            <a:ext cx="10501571" cy="5650990"/>
           </a:xfrm>
           <a:prstGeom prst="rect">
             <a:avLst/>
@@ -5024,8 +5024,8 @@
         </p:nvGrpSpPr>
         <p:grpSpPr>
           <a:xfrm>
-            <a:off x="20242298" y="5932682"/>
-            <a:ext cx="23162896" cy="879457"/>
+            <a:off x="16116299" y="5639430"/>
+            <a:ext cx="26846618" cy="1089743"/>
             <a:chOff x="1066799" y="5958162"/>
             <a:chExt cx="11007725" cy="946293"/>
           </a:xfrm>
@@ -5380,8 +5380,8 @@
         </p:nvGrpSpPr>
         <p:grpSpPr>
           <a:xfrm>
-            <a:off x="20242298" y="12937761"/>
-            <a:ext cx="23104987" cy="931461"/>
+            <a:off x="16116299" y="12928883"/>
+            <a:ext cx="26846618" cy="931461"/>
             <a:chOff x="1066799" y="5958162"/>
             <a:chExt cx="11007725" cy="946293"/>
           </a:xfrm>
@@ -5736,8 +5736,8 @@
         </p:nvGrpSpPr>
         <p:grpSpPr>
           <a:xfrm>
-            <a:off x="20242298" y="20123284"/>
-            <a:ext cx="23104987" cy="954314"/>
+            <a:off x="16116300" y="20654242"/>
+            <a:ext cx="26858944" cy="954314"/>
             <a:chOff x="1066799" y="5958162"/>
             <a:chExt cx="11007725" cy="946293"/>
           </a:xfrm>
@@ -6092,8 +6092,8 @@
         </p:nvGrpSpPr>
         <p:grpSpPr>
           <a:xfrm>
-            <a:off x="1036496" y="11959598"/>
-            <a:ext cx="18440401" cy="946293"/>
+            <a:off x="1227529" y="11160103"/>
+            <a:ext cx="14501833" cy="946293"/>
             <a:chOff x="1066799" y="5958162"/>
             <a:chExt cx="11007725" cy="946293"/>
           </a:xfrm>
@@ -6691,8 +6691,8 @@
         </p:nvSpPr>
         <p:spPr bwMode="auto">
           <a:xfrm>
-            <a:off x="20242298" y="13850172"/>
-            <a:ext cx="11006953" cy="5663089"/>
+            <a:off x="16116299" y="13841294"/>
+            <a:ext cx="10501571" cy="6201698"/>
           </a:xfrm>
           <a:prstGeom prst="rect">
             <a:avLst/>
@@ -6963,8 +6963,8 @@
         </p:nvSpPr>
         <p:spPr bwMode="auto">
           <a:xfrm>
-            <a:off x="20242298" y="21075273"/>
-            <a:ext cx="10954629" cy="765081"/>
+            <a:off x="16116299" y="21606231"/>
+            <a:ext cx="11098441" cy="972158"/>
           </a:xfrm>
           <a:prstGeom prst="rect">
             <a:avLst/>
@@ -7106,7 +7106,7 @@
         </p:nvGrpSpPr>
         <p:grpSpPr>
           <a:xfrm>
-            <a:off x="32316269" y="27874169"/>
+            <a:off x="31931901" y="28402453"/>
             <a:ext cx="11031016" cy="929429"/>
             <a:chOff x="1066799" y="5958162"/>
             <a:chExt cx="11007725" cy="946293"/>
@@ -7453,8 +7453,8 @@
         </p:nvGrpSpPr>
         <p:grpSpPr>
           <a:xfrm>
-            <a:off x="20370635" y="27874170"/>
-            <a:ext cx="11031016" cy="929429"/>
+            <a:off x="16116299" y="28409421"/>
+            <a:ext cx="15560432" cy="929429"/>
             <a:chOff x="1066799" y="5958162"/>
             <a:chExt cx="11007725" cy="946293"/>
           </a:xfrm>
@@ -7802,8 +7802,8 @@
         </p:nvSpPr>
         <p:spPr bwMode="auto">
           <a:xfrm>
-            <a:off x="879423" y="18820692"/>
-            <a:ext cx="18627777" cy="748923"/>
+            <a:off x="1218766" y="17713471"/>
+            <a:ext cx="14510596" cy="723781"/>
           </a:xfrm>
           <a:prstGeom prst="rect">
             <a:avLst/>
@@ -7963,8 +7963,8 @@
         </p:nvSpPr>
         <p:spPr bwMode="auto">
           <a:xfrm>
-            <a:off x="20370635" y="28803598"/>
-            <a:ext cx="11025483" cy="1354217"/>
+            <a:off x="16116299" y="29331882"/>
+            <a:ext cx="15552627" cy="1354217"/>
           </a:xfrm>
           <a:prstGeom prst="rect">
             <a:avLst/>
@@ -8096,7 +8096,7 @@
               <a:rPr lang="en-AU" sz="2800" dirty="0" smtClean="0">
                 <a:effectLst/>
               </a:rPr>
-              <a:t>Expanding analysis beyond Shakespeare.</a:t>
+              <a:t>Expanding analysis beyond Shakespeare</a:t>
             </a:r>
           </a:p>
           <a:p>
@@ -8121,7 +8121,7 @@
         </p:nvSpPr>
         <p:spPr bwMode="auto">
           <a:xfrm>
-            <a:off x="32321802" y="28803598"/>
+            <a:off x="31937434" y="29251810"/>
             <a:ext cx="11025483" cy="765081"/>
           </a:xfrm>
           <a:prstGeom prst="rect">
@@ -8271,14 +8271,14 @@
           <p:nvPr>
             <p:extLst>
               <p:ext uri="{D42A27DB-BD31-4B8C-83A1-F6EECF244321}">
-                <p14:modId xmlns:p14="http://schemas.microsoft.com/office/powerpoint/2010/main" val="119705940"/>
+                <p14:modId xmlns:p14="http://schemas.microsoft.com/office/powerpoint/2010/main" val="51431164"/>
               </p:ext>
             </p:extLst>
           </p:nvPr>
         </p:nvGraphicFramePr>
         <p:xfrm>
-          <a:off x="1066799" y="12934280"/>
-          <a:ext cx="18410096" cy="4226107"/>
+          <a:off x="1257832" y="12134785"/>
+          <a:ext cx="14478001" cy="4226107"/>
         </p:xfrm>
         <a:graphic>
           <a:graphicData uri="http://schemas.openxmlformats.org/drawingml/2006/table">
@@ -8287,9 +8287,9 @@
                 <a:tableStyleId>{306799F8-075E-4A3A-A7F6-7FBC6576F1A4}</a:tableStyleId>
               </a:tblPr>
               <a:tblGrid>
-                <a:gridCol w="6019801"/>
-                <a:gridCol w="6172200"/>
-                <a:gridCol w="6218095"/>
+                <a:gridCol w="4734070"/>
+                <a:gridCol w="4853919"/>
+                <a:gridCol w="4890012"/>
               </a:tblGrid>
               <a:tr h="4226107">
                 <a:tc>
@@ -8517,14 +8517,14 @@
           <p:nvPr>
             <p:extLst>
               <p:ext uri="{D42A27DB-BD31-4B8C-83A1-F6EECF244321}">
-                <p14:modId xmlns:p14="http://schemas.microsoft.com/office/powerpoint/2010/main" val="1411816610"/>
+                <p14:modId xmlns:p14="http://schemas.microsoft.com/office/powerpoint/2010/main" val="414882539"/>
               </p:ext>
             </p:extLst>
           </p:nvPr>
         </p:nvGraphicFramePr>
         <p:xfrm>
-          <a:off x="1066800" y="6896141"/>
-          <a:ext cx="18410096" cy="3848059"/>
+          <a:off x="1257833" y="6587110"/>
+          <a:ext cx="14478001" cy="4206240"/>
         </p:xfrm>
         <a:graphic>
           <a:graphicData uri="http://schemas.openxmlformats.org/drawingml/2006/table">
@@ -8533,10 +8533,10 @@
                 <a:tableStyleId>{306799F8-075E-4A3A-A7F6-7FBC6576F1A4}</a:tableStyleId>
               </a:tblPr>
               <a:tblGrid>
-                <a:gridCol w="4579796"/>
-                <a:gridCol w="4610100"/>
-                <a:gridCol w="4610100"/>
-                <a:gridCol w="4610100"/>
+                <a:gridCol w="3601627"/>
+                <a:gridCol w="3625458"/>
+                <a:gridCol w="3625458"/>
+                <a:gridCol w="3625458"/>
               </a:tblGrid>
               <a:tr h="3848059">
                 <a:tc>
@@ -8856,7 +8856,7 @@
         </p:blipFill>
         <p:spPr>
           <a:xfrm>
-            <a:off x="31655169" y="8415441"/>
+            <a:off x="26770739" y="7836495"/>
             <a:ext cx="5638800" cy="4229100"/>
           </a:xfrm>
           <a:prstGeom prst="rect">
@@ -8886,7 +8886,7 @@
         </p:blipFill>
         <p:spPr>
           <a:xfrm>
-            <a:off x="37665550" y="6894320"/>
+            <a:off x="31668926" y="6659502"/>
             <a:ext cx="5739644" cy="4304733"/>
           </a:xfrm>
           <a:prstGeom prst="rect">
@@ -8902,7 +8902,7 @@
         </p:nvSpPr>
         <p:spPr>
           <a:xfrm>
-            <a:off x="32766000" y="7268338"/>
+            <a:off x="27881570" y="6689392"/>
             <a:ext cx="3787356" cy="1200329"/>
           </a:xfrm>
           <a:prstGeom prst="rect">
@@ -8918,11 +8918,7 @@
           <a:p>
             <a:r>
               <a:rPr lang="en-US" dirty="0" smtClean="0"/>
-              <a:t>Confusion matrix resulting from weighted naïve Bayes classification </a:t>
-            </a:r>
-            <a:r>
-              <a:rPr lang="en-US" smtClean="0"/>
-              <a:t>of gender</a:t>
+              <a:t>Confusion matrix resulting from weighted naïve Bayes classification of gender</a:t>
             </a:r>
             <a:endParaRPr lang="en-US" dirty="0" smtClean="0"/>
           </a:p>
@@ -8936,8 +8932,8 @@
         </p:nvSpPr>
         <p:spPr>
           <a:xfrm>
-            <a:off x="39243000" y="11780549"/>
-            <a:ext cx="3276600" cy="1569660"/>
+            <a:off x="33246376" y="10886514"/>
+            <a:ext cx="3505200" cy="1569660"/>
           </a:xfrm>
           <a:prstGeom prst="rect">
             <a:avLst/>
@@ -8952,7 +8948,7 @@
           <a:p>
             <a:r>
               <a:rPr lang="en-US" dirty="0" smtClean="0"/>
-              <a:t>Confusion matrix resulting from weighted iterative naïve Bayes classification</a:t>
+              <a:t>Confusion matrix resulting from weighted iterative naïve Bayes classification of role</a:t>
             </a:r>
             <a:endParaRPr lang="en-US" dirty="0" smtClean="0"/>
           </a:p>
@@ -8980,7 +8976,7 @@
         </p:blipFill>
         <p:spPr>
           <a:xfrm>
-            <a:off x="7048187" y="18918188"/>
+            <a:off x="1218766" y="17702327"/>
             <a:ext cx="12428708" cy="8955981"/>
           </a:xfrm>
           <a:prstGeom prst="rect">

--- a/Poster Rough Draft.pptx
+++ b/Poster Rough Draft.pptx
@@ -8856,7 +8856,7 @@
         </p:blipFill>
         <p:spPr>
           <a:xfrm>
-            <a:off x="26770739" y="7836495"/>
+            <a:off x="31085933" y="6775507"/>
             <a:ext cx="5638800" cy="4229100"/>
           </a:xfrm>
           <a:prstGeom prst="rect">
@@ -8886,7 +8886,7 @@
         </p:blipFill>
         <p:spPr>
           <a:xfrm>
-            <a:off x="31668926" y="6659502"/>
+            <a:off x="37275537" y="6892220"/>
             <a:ext cx="5739644" cy="4304733"/>
           </a:xfrm>
           <a:prstGeom prst="rect">
@@ -8902,7 +8902,7 @@
         </p:nvSpPr>
         <p:spPr>
           <a:xfrm>
-            <a:off x="27881570" y="6689392"/>
+            <a:off x="32411570" y="11387476"/>
             <a:ext cx="3787356" cy="1200329"/>
           </a:xfrm>
           <a:prstGeom prst="rect">
@@ -8918,7 +8918,15 @@
           <a:p>
             <a:r>
               <a:rPr lang="en-US" dirty="0" smtClean="0"/>
-              <a:t>Confusion matrix resulting from weighted naïve Bayes classification of gender</a:t>
+              <a:t>Confusion matrix resulting from </a:t>
+            </a:r>
+            <a:r>
+              <a:rPr lang="en-US" smtClean="0"/>
+              <a:t>weighted naïve </a:t>
+            </a:r>
+            <a:r>
+              <a:rPr lang="en-US" dirty="0" smtClean="0"/>
+              <a:t>Bayes classification of gender</a:t>
             </a:r>
             <a:endParaRPr lang="en-US" dirty="0" smtClean="0"/>
           </a:p>
@@ -8932,7 +8940,7 @@
         </p:nvSpPr>
         <p:spPr>
           <a:xfrm>
-            <a:off x="33246376" y="10886514"/>
+            <a:off x="38503079" y="11412268"/>
             <a:ext cx="3505200" cy="1569660"/>
           </a:xfrm>
           <a:prstGeom prst="rect">
@@ -8984,6 +8992,66 @@
           </a:prstGeom>
         </p:spPr>
       </p:pic>
+      <p:pic>
+        <p:nvPicPr>
+          <p:cNvPr id="12" name="Picture 11"/>
+          <p:cNvPicPr>
+            <a:picLocks noChangeAspect="1"/>
+          </p:cNvPicPr>
+          <p:nvPr/>
+        </p:nvPicPr>
+        <p:blipFill>
+          <a:blip r:embed="rId6">
+            <a:extLst>
+              <a:ext uri="{28A0092B-C50C-407E-A947-70E740481C1C}">
+                <a14:useLocalDpi xmlns:a14="http://schemas.microsoft.com/office/drawing/2010/main" val="0"/>
+              </a:ext>
+            </a:extLst>
+          </a:blip>
+          <a:stretch>
+            <a:fillRect/>
+          </a:stretch>
+        </p:blipFill>
+        <p:spPr>
+          <a:xfrm>
+            <a:off x="27115423" y="6923205"/>
+            <a:ext cx="3574895" cy="4465835"/>
+          </a:xfrm>
+          <a:prstGeom prst="rect">
+            <a:avLst/>
+          </a:prstGeom>
+        </p:spPr>
+      </p:pic>
+      <p:sp>
+        <p:nvSpPr>
+          <p:cNvPr id="49" name="TextBox 48"/>
+          <p:cNvSpPr txBox="1"/>
+          <p:nvPr/>
+        </p:nvSpPr>
+        <p:spPr>
+          <a:xfrm>
+            <a:off x="27621042" y="11378273"/>
+            <a:ext cx="3787356" cy="1569660"/>
+          </a:xfrm>
+          <a:prstGeom prst="rect">
+            <a:avLst/>
+          </a:prstGeom>
+          <a:noFill/>
+        </p:spPr>
+        <p:txBody>
+          <a:bodyPr wrap="square" rtlCol="0">
+            <a:spAutoFit/>
+          </a:bodyPr>
+          <a:lstStyle/>
+          <a:p>
+            <a:r>
+              <a:rPr lang="en-US" dirty="0" smtClean="0"/>
+              <a:t>The iterative naïve Bayes process yields more useful results in highly unbalanced data sets</a:t>
+            </a:r>
+            <a:endParaRPr lang="en-US" dirty="0" smtClean="0"/>
+          </a:p>
+        </p:txBody>
+      </p:sp>
     </p:spTree>
   </p:cSld>
   <p:clrMapOvr>

--- a/Poster Rough Draft.pptx
+++ b/Poster Rough Draft.pptx
@@ -6885,7 +6885,66 @@
               <a:rPr lang="en-AU" sz="2800" dirty="0" smtClean="0">
                 <a:effectLst/>
               </a:rPr>
-              <a:t> features and phonemes by </a:t>
+              <a:t> </a:t>
+            </a:r>
+            <a:r>
+              <a:rPr lang="en-AU" sz="2800" dirty="0" smtClean="0">
+                <a:solidFill>
+                  <a:schemeClr val="accent2">
+                    <a:lumMod val="50000"/>
+                  </a:schemeClr>
+                </a:solidFill>
+                <a:effectLst/>
+              </a:rPr>
+              <a:t>features</a:t>
+            </a:r>
+            <a:r>
+              <a:rPr lang="en-AU" sz="2800" dirty="0" smtClean="0">
+                <a:solidFill>
+                  <a:schemeClr val="accent2">
+                    <a:lumMod val="40000"/>
+                    <a:lumOff val="60000"/>
+                  </a:schemeClr>
+                </a:solidFill>
+                <a:effectLst/>
+              </a:rPr>
+              <a:t> </a:t>
+            </a:r>
+            <a:r>
+              <a:rPr lang="en-AU" sz="2800" dirty="0" smtClean="0">
+                <a:effectLst/>
+              </a:rPr>
+              <a:t>and </a:t>
+            </a:r>
+            <a:r>
+              <a:rPr lang="en-AU" sz="2800" dirty="0" smtClean="0">
+                <a:solidFill>
+                  <a:schemeClr val="accent2">
+                    <a:lumMod val="60000"/>
+                    <a:lumOff val="40000"/>
+                  </a:schemeClr>
+                </a:solidFill>
+                <a:effectLst/>
+              </a:rPr>
+              <a:t>phonemes</a:t>
+            </a:r>
+            <a:r>
+              <a:rPr lang="en-AU" sz="2800" dirty="0" smtClean="0">
+                <a:solidFill>
+                  <a:schemeClr val="accent2">
+                    <a:lumMod val="40000"/>
+                    <a:lumOff val="60000"/>
+                  </a:schemeClr>
+                </a:solidFill>
+                <a:effectLst/>
+              </a:rPr>
+              <a:t> </a:t>
+            </a:r>
+            <a:r>
+              <a:rPr lang="en-AU" sz="2800" dirty="0" smtClean="0">
+                <a:effectLst/>
+              </a:rPr>
+              <a:t>by </a:t>
             </a:r>
             <a:r>
               <a:rPr lang="en-AU" sz="2800" b="1" dirty="0" smtClean="0">
@@ -6897,7 +6956,7 @@
               <a:rPr lang="en-AU" sz="2800" dirty="0" smtClean="0">
                 <a:effectLst/>
               </a:rPr>
-              <a:t>for a role, view </a:t>
+              <a:t>for a role; view </a:t>
             </a:r>
             <a:r>
               <a:rPr lang="en-AU" sz="2800" b="1" dirty="0" smtClean="0">
@@ -6909,13 +6968,25 @@
               <a:rPr lang="en-AU" sz="2800" dirty="0" smtClean="0">
                 <a:effectLst/>
               </a:rPr>
-              <a:t>, and view the </a:t>
+              <a:t>; and view the </a:t>
             </a:r>
             <a:r>
               <a:rPr lang="en-AU" sz="2800" b="1" dirty="0" smtClean="0">
                 <a:effectLst/>
               </a:rPr>
-              <a:t>distance </a:t>
+              <a:t>distance</a:t>
+            </a:r>
+            <a:r>
+              <a:rPr lang="en-AU" sz="2800" b="1" dirty="0" smtClean="0">
+                <a:solidFill>
+                  <a:schemeClr val="accent6">
+                    <a:lumMod val="60000"/>
+                    <a:lumOff val="40000"/>
+                  </a:schemeClr>
+                </a:solidFill>
+                <a:effectLst/>
+              </a:rPr>
+              <a:t> </a:t>
             </a:r>
             <a:r>
               <a:rPr lang="en-AU" sz="2800" dirty="0" smtClean="0">
@@ -7106,7 +7177,7 @@
         </p:nvGrpSpPr>
         <p:grpSpPr>
           <a:xfrm>
-            <a:off x="31931901" y="28402453"/>
+            <a:off x="31982328" y="27473025"/>
             <a:ext cx="11031016" cy="929429"/>
             <a:chOff x="1066799" y="5958162"/>
             <a:chExt cx="11007725" cy="946293"/>
@@ -7453,7 +7524,7 @@
         </p:nvGrpSpPr>
         <p:grpSpPr>
           <a:xfrm>
-            <a:off x="16116299" y="28409421"/>
+            <a:off x="16034959" y="27541627"/>
             <a:ext cx="15560432" cy="929429"/>
             <a:chOff x="1066799" y="5958162"/>
             <a:chExt cx="11007725" cy="946293"/>
@@ -7963,17 +8034,14 @@
         </p:nvSpPr>
         <p:spPr bwMode="auto">
           <a:xfrm>
-            <a:off x="16116299" y="29331882"/>
-            <a:ext cx="15552627" cy="1354217"/>
+            <a:off x="16034959" y="28464088"/>
+            <a:ext cx="15552627" cy="2970044"/>
           </a:xfrm>
           <a:prstGeom prst="rect">
             <a:avLst/>
           </a:prstGeom>
           <a:solidFill>
-            <a:schemeClr val="accent3">
-              <a:lumMod val="40000"/>
-              <a:lumOff val="60000"/>
-            </a:schemeClr>
+            <a:schemeClr val="bg1"/>
           </a:solidFill>
           <a:ln w="57150" cmpd="thinThick">
             <a:noFill/>
@@ -8097,6 +8165,45 @@
                 <a:effectLst/>
               </a:rPr>
               <a:t>Expanding analysis beyond Shakespeare</a:t>
+            </a:r>
+          </a:p>
+          <a:p>
+            <a:pPr>
+              <a:lnSpc>
+                <a:spcPct val="125000"/>
+              </a:lnSpc>
+            </a:pPr>
+            <a:r>
+              <a:rPr lang="en-AU" sz="2800" dirty="0" smtClean="0">
+                <a:effectLst/>
+              </a:rPr>
+              <a:t>Implementing in-place comparison of user-provided texts</a:t>
+            </a:r>
+          </a:p>
+          <a:p>
+            <a:pPr>
+              <a:lnSpc>
+                <a:spcPct val="125000"/>
+              </a:lnSpc>
+            </a:pPr>
+            <a:r>
+              <a:rPr lang="en-AU" sz="2800" dirty="0" smtClean="0">
+                <a:effectLst/>
+              </a:rPr>
+              <a:t>Creating visualizations for characters’ sonic signatures</a:t>
+            </a:r>
+          </a:p>
+          <a:p>
+            <a:pPr>
+              <a:lnSpc>
+                <a:spcPct val="125000"/>
+              </a:lnSpc>
+            </a:pPr>
+            <a:r>
+              <a:rPr lang="en-AU" sz="2800" dirty="0" smtClean="0">
+                <a:effectLst/>
+              </a:rPr>
+              <a:t>Assessing degree of uniqueness</a:t>
             </a:r>
           </a:p>
           <a:p>
@@ -8121,17 +8228,14 @@
         </p:nvSpPr>
         <p:spPr bwMode="auto">
           <a:xfrm>
-            <a:off x="31937434" y="29251810"/>
-            <a:ext cx="11025483" cy="765081"/>
+            <a:off x="31987861" y="28413154"/>
+            <a:ext cx="11025483" cy="1892826"/>
           </a:xfrm>
           <a:prstGeom prst="rect">
             <a:avLst/>
           </a:prstGeom>
           <a:solidFill>
-            <a:schemeClr val="accent3">
-              <a:lumMod val="40000"/>
-              <a:lumOff val="60000"/>
-            </a:schemeClr>
+            <a:schemeClr val="bg1"/>
           </a:solidFill>
           <a:ln w="57150" cmpd="thinThick">
             <a:noFill/>
@@ -8254,7 +8358,36 @@
               <a:rPr lang="en-AU" sz="2800" dirty="0" smtClean="0">
                 <a:effectLst/>
               </a:rPr>
-              <a:t>Eric Alexander, Carleton College</a:t>
+              <a:t>Eric Alexander</a:t>
+            </a:r>
+          </a:p>
+          <a:p>
+            <a:pPr>
+              <a:lnSpc>
+                <a:spcPct val="125000"/>
+              </a:lnSpc>
+            </a:pPr>
+            <a:r>
+              <a:rPr lang="en-AU" sz="2800" dirty="0" smtClean="0">
+                <a:effectLst/>
+              </a:rPr>
+              <a:t>Mike Tie et al</a:t>
+            </a:r>
+            <a:endParaRPr lang="en-AU" sz="2800" dirty="0" smtClean="0">
+              <a:effectLst/>
+            </a:endParaRPr>
+          </a:p>
+          <a:p>
+            <a:pPr>
+              <a:lnSpc>
+                <a:spcPct val="125000"/>
+              </a:lnSpc>
+            </a:pPr>
+            <a:r>
+              <a:rPr lang="en-AU" sz="2800" dirty="0" smtClean="0">
+                <a:effectLst/>
+              </a:rPr>
+              <a:t>Carleton College</a:t>
             </a:r>
             <a:endParaRPr lang="en-AU" sz="2800" dirty="0">
               <a:effectLst/>
@@ -8271,7 +8404,7 @@
           <p:nvPr>
             <p:extLst>
               <p:ext uri="{D42A27DB-BD31-4B8C-83A1-F6EECF244321}">
-                <p14:modId xmlns:p14="http://schemas.microsoft.com/office/powerpoint/2010/main" val="51431164"/>
+                <p14:modId xmlns:p14="http://schemas.microsoft.com/office/powerpoint/2010/main" val="1284245250"/>
               </p:ext>
             </p:extLst>
           </p:nvPr>
@@ -8318,7 +8451,8 @@
                         <a:rPr lang="en-US" altLang="ja-JP" sz="3600" b="1" dirty="0" smtClean="0">
                           <a:solidFill>
                             <a:schemeClr val="accent2">
-                              <a:lumMod val="50000"/>
+                              <a:lumMod val="60000"/>
+                              <a:lumOff val="40000"/>
                             </a:schemeClr>
                           </a:solidFill>
                           <a:effectLst/>
@@ -8329,7 +8463,8 @@
                       <a:endParaRPr lang="en-US" altLang="ja-JP" sz="3600" dirty="0" smtClean="0">
                         <a:solidFill>
                           <a:schemeClr val="accent2">
-                            <a:lumMod val="50000"/>
+                            <a:lumMod val="60000"/>
+                            <a:lumOff val="40000"/>
                           </a:schemeClr>
                         </a:solidFill>
                         <a:effectLst/>
@@ -8373,23 +8508,11 @@
                         <a:rPr lang="en-US" sz="3600" b="1" baseline="0" dirty="0" smtClean="0">
                           <a:solidFill>
                             <a:schemeClr val="accent2">
-                              <a:lumMod val="40000"/>
-                              <a:lumOff val="60000"/>
+                              <a:lumMod val="50000"/>
                             </a:schemeClr>
                           </a:solidFill>
                         </a:rPr>
-                        <a:t>features</a:t>
-                      </a:r>
-                      <a:r>
-                        <a:rPr lang="en-US" sz="3600" b="1" baseline="0" dirty="0" smtClean="0">
-                          <a:solidFill>
-                            <a:schemeClr val="accent2">
-                              <a:lumMod val="20000"/>
-                              <a:lumOff val="80000"/>
-                            </a:schemeClr>
-                          </a:solidFill>
-                        </a:rPr>
-                        <a:t> </a:t>
+                        <a:t>features </a:t>
                       </a:r>
                       <a:r>
                         <a:rPr lang="en-US" sz="3600" b="0" baseline="0" dirty="0" smtClean="0">
@@ -8426,11 +8549,10 @@
                         <a:t>We analyzed characters for both the </a:t>
                       </a:r>
                       <a:r>
-                        <a:rPr lang="en-US" sz="3600" b="0" i="0" u="none" strike="noStrike" kern="1200" dirty="0" smtClean="0">
+                        <a:rPr lang="en-US" sz="3600" b="1" i="0" u="none" strike="noStrike" kern="1200" dirty="0" smtClean="0">
                           <a:solidFill>
                             <a:schemeClr val="accent2">
-                              <a:lumMod val="40000"/>
-                              <a:lumOff val="60000"/>
+                              <a:lumMod val="50000"/>
                             </a:schemeClr>
                           </a:solidFill>
                           <a:effectLst/>
@@ -8438,7 +8560,7 @@
                           <a:ea typeface="+mn-ea"/>
                           <a:cs typeface="+mn-cs"/>
                         </a:rPr>
-                        <a:t>types of sounds</a:t>
+                        <a:t>types of sounds </a:t>
                       </a:r>
                       <a:r>
                         <a:rPr lang="en-US" sz="3600" b="0" i="0" u="none" strike="noStrike" kern="1200" dirty="0" smtClean="0">
@@ -8450,13 +8572,14 @@
                           <a:ea typeface="+mn-ea"/>
                           <a:cs typeface="+mn-cs"/>
                         </a:rPr>
-                        <a:t> they tended to make, and the </a:t>
+                        <a:t>they tended to make, and the </a:t>
                       </a:r>
                       <a:r>
                         <a:rPr lang="en-US" sz="3600" b="1" i="0" u="none" strike="noStrike" kern="1200" dirty="0" smtClean="0">
                           <a:solidFill>
                             <a:schemeClr val="accent2">
-                              <a:lumMod val="50000"/>
+                              <a:lumMod val="60000"/>
+                              <a:lumOff val="40000"/>
                             </a:schemeClr>
                           </a:solidFill>
                           <a:effectLst/>
@@ -8470,7 +8593,8 @@
                         <a:rPr lang="en-US" sz="3600" b="0" i="0" u="none" strike="noStrike" kern="1200" dirty="0" smtClean="0">
                           <a:solidFill>
                             <a:schemeClr val="accent2">
-                              <a:lumMod val="50000"/>
+                              <a:lumMod val="60000"/>
+                              <a:lumOff val="40000"/>
                             </a:schemeClr>
                           </a:solidFill>
                           <a:effectLst/>
@@ -8984,8 +9108,8 @@
         </p:blipFill>
         <p:spPr>
           <a:xfrm>
-            <a:off x="1218766" y="17702327"/>
-            <a:ext cx="12428708" cy="8955981"/>
+            <a:off x="1218765" y="17702327"/>
+            <a:ext cx="14517067" cy="10460828"/>
           </a:xfrm>
           <a:prstGeom prst="rect">
             <a:avLst/>
@@ -9049,6 +9173,822 @@
               <a:t>The iterative naïve Bayes process yields more useful results in highly unbalanced data sets</a:t>
             </a:r>
             <a:endParaRPr lang="en-US" dirty="0" smtClean="0"/>
+          </a:p>
+        </p:txBody>
+      </p:sp>
+      <p:pic>
+        <p:nvPicPr>
+          <p:cNvPr id="14" name="Picture 13"/>
+          <p:cNvPicPr>
+            <a:picLocks noChangeAspect="1"/>
+          </p:cNvPicPr>
+          <p:nvPr/>
+        </p:nvPicPr>
+        <p:blipFill>
+          <a:blip r:embed="rId7">
+            <a:extLst>
+              <a:ext uri="{28A0092B-C50C-407E-A947-70E740481C1C}">
+                <a14:useLocalDpi xmlns:a14="http://schemas.microsoft.com/office/drawing/2010/main" val="0"/>
+              </a:ext>
+            </a:extLst>
+          </a:blip>
+          <a:stretch>
+            <a:fillRect/>
+          </a:stretch>
+        </p:blipFill>
+        <p:spPr>
+          <a:xfrm>
+            <a:off x="30954590" y="13853377"/>
+            <a:ext cx="12004820" cy="6131595"/>
+          </a:xfrm>
+          <a:prstGeom prst="rect">
+            <a:avLst/>
+          </a:prstGeom>
+        </p:spPr>
+      </p:pic>
+      <p:sp>
+        <p:nvSpPr>
+          <p:cNvPr id="53" name="TextBox 52"/>
+          <p:cNvSpPr txBox="1"/>
+          <p:nvPr/>
+        </p:nvSpPr>
+        <p:spPr>
+          <a:xfrm>
+            <a:off x="30984755" y="20008223"/>
+            <a:ext cx="11979046" cy="461665"/>
+          </a:xfrm>
+          <a:prstGeom prst="rect">
+            <a:avLst/>
+          </a:prstGeom>
+          <a:noFill/>
+        </p:spPr>
+        <p:txBody>
+          <a:bodyPr wrap="square" rtlCol="0">
+            <a:spAutoFit/>
+          </a:bodyPr>
+          <a:lstStyle/>
+          <a:p>
+            <a:r>
+              <a:rPr lang="en-US" dirty="0" smtClean="0"/>
+              <a:t>A partial view of the comparison between </a:t>
+            </a:r>
+            <a:r>
+              <a:rPr lang="en-US" i="1" dirty="0" smtClean="0"/>
+              <a:t>Hamlet</a:t>
+            </a:r>
+            <a:r>
+              <a:rPr lang="en-US" dirty="0" smtClean="0"/>
+              <a:t>’s Hamlet and the standards for all archetypes </a:t>
+            </a:r>
+            <a:endParaRPr lang="en-US" dirty="0" smtClean="0"/>
+          </a:p>
+        </p:txBody>
+      </p:sp>
+      <p:pic>
+        <p:nvPicPr>
+          <p:cNvPr id="15" name="Picture 14"/>
+          <p:cNvPicPr>
+            <a:picLocks noChangeAspect="1"/>
+          </p:cNvPicPr>
+          <p:nvPr/>
+        </p:nvPicPr>
+        <p:blipFill>
+          <a:blip r:embed="rId8">
+            <a:extLst>
+              <a:ext uri="{28A0092B-C50C-407E-A947-70E740481C1C}">
+                <a14:useLocalDpi xmlns:a14="http://schemas.microsoft.com/office/drawing/2010/main" val="0"/>
+              </a:ext>
+            </a:extLst>
+          </a:blip>
+          <a:stretch>
+            <a:fillRect/>
+          </a:stretch>
+        </p:blipFill>
+        <p:spPr>
+          <a:xfrm>
+            <a:off x="26662195" y="13942241"/>
+            <a:ext cx="4288887" cy="2449157"/>
+          </a:xfrm>
+          <a:prstGeom prst="rect">
+            <a:avLst/>
+          </a:prstGeom>
+        </p:spPr>
+      </p:pic>
+      <p:sp>
+        <p:nvSpPr>
+          <p:cNvPr id="55" name="TextBox 54"/>
+          <p:cNvSpPr txBox="1"/>
+          <p:nvPr/>
+        </p:nvSpPr>
+        <p:spPr>
+          <a:xfrm>
+            <a:off x="26783134" y="16373891"/>
+            <a:ext cx="4006192" cy="1938992"/>
+          </a:xfrm>
+          <a:prstGeom prst="rect">
+            <a:avLst/>
+          </a:prstGeom>
+          <a:noFill/>
+        </p:spPr>
+        <p:txBody>
+          <a:bodyPr wrap="square" rtlCol="0">
+            <a:spAutoFit/>
+          </a:bodyPr>
+          <a:lstStyle/>
+          <a:p>
+            <a:r>
+              <a:rPr lang="en-US" dirty="0" smtClean="0"/>
+              <a:t>An incomplete view of the basic view of z-score data for </a:t>
+            </a:r>
+            <a:r>
+              <a:rPr lang="en-US" dirty="0" smtClean="0">
+                <a:solidFill>
+                  <a:schemeClr val="accent2">
+                    <a:lumMod val="60000"/>
+                    <a:lumOff val="40000"/>
+                  </a:schemeClr>
+                </a:solidFill>
+              </a:rPr>
+              <a:t>phoneme </a:t>
+            </a:r>
+            <a:r>
+              <a:rPr lang="en-US" dirty="0" smtClean="0"/>
+              <a:t>and </a:t>
+            </a:r>
+            <a:r>
+              <a:rPr lang="en-US" dirty="0" smtClean="0">
+                <a:solidFill>
+                  <a:schemeClr val="accent2">
+                    <a:lumMod val="50000"/>
+                  </a:schemeClr>
+                </a:solidFill>
+              </a:rPr>
+              <a:t>features </a:t>
+            </a:r>
+            <a:r>
+              <a:rPr lang="en-US" dirty="0" smtClean="0"/>
+              <a:t>of archetypical roles, without any comparisons</a:t>
+            </a:r>
+            <a:endParaRPr lang="en-US" dirty="0" smtClean="0"/>
+          </a:p>
+        </p:txBody>
+      </p:sp>
+      <p:grpSp>
+        <p:nvGrpSpPr>
+          <p:cNvPr id="56" name="Group 55"/>
+          <p:cNvGrpSpPr/>
+          <p:nvPr/>
+        </p:nvGrpSpPr>
+        <p:grpSpPr>
+          <a:xfrm>
+            <a:off x="1137426" y="27530927"/>
+            <a:ext cx="14510596" cy="929429"/>
+            <a:chOff x="1066799" y="5958162"/>
+            <a:chExt cx="11007725" cy="946293"/>
+          </a:xfrm>
+        </p:grpSpPr>
+        <p:sp>
+          <p:nvSpPr>
+            <p:cNvPr id="58" name="Text Box 248"/>
+            <p:cNvSpPr txBox="1">
+              <a:spLocks noChangeArrowheads="1"/>
+            </p:cNvSpPr>
+            <p:nvPr/>
+          </p:nvSpPr>
+          <p:spPr bwMode="auto">
+            <a:xfrm>
+              <a:off x="1066799" y="5958162"/>
+              <a:ext cx="11007725" cy="946293"/>
+            </a:xfrm>
+            <a:prstGeom prst="rect">
+              <a:avLst/>
+            </a:prstGeom>
+            <a:gradFill rotWithShape="0">
+              <a:gsLst>
+                <a:gs pos="0">
+                  <a:schemeClr val="accent2">
+                    <a:lumMod val="40000"/>
+                    <a:lumOff val="60000"/>
+                  </a:schemeClr>
+                </a:gs>
+                <a:gs pos="13000">
+                  <a:schemeClr val="accent3">
+                    <a:lumMod val="60000"/>
+                    <a:lumOff val="40000"/>
+                  </a:schemeClr>
+                </a:gs>
+                <a:gs pos="43000">
+                  <a:schemeClr val="accent2">
+                    <a:lumMod val="60000"/>
+                    <a:lumOff val="40000"/>
+                  </a:schemeClr>
+                </a:gs>
+                <a:gs pos="67000">
+                  <a:schemeClr val="accent2">
+                    <a:lumMod val="75000"/>
+                  </a:schemeClr>
+                </a:gs>
+                <a:gs pos="83000">
+                  <a:schemeClr val="accent2">
+                    <a:lumMod val="75000"/>
+                  </a:schemeClr>
+                </a:gs>
+                <a:gs pos="100000">
+                  <a:schemeClr val="accent3">
+                    <a:lumMod val="60000"/>
+                    <a:lumOff val="40000"/>
+                  </a:schemeClr>
+                </a:gs>
+              </a:gsLst>
+              <a:lin ang="10800000" scaled="0"/>
+            </a:gradFill>
+            <a:ln w="19050">
+              <a:noFill/>
+              <a:miter lim="800000"/>
+              <a:headEnd/>
+              <a:tailEnd/>
+            </a:ln>
+            <a:effectLst/>
+          </p:spPr>
+          <p:txBody>
+            <a:bodyPr>
+              <a:spAutoFit/>
+            </a:bodyPr>
+            <a:lstStyle>
+              <a:lvl1pPr>
+                <a:defRPr sz="2400">
+                  <a:solidFill>
+                    <a:schemeClr val="tx1"/>
+                  </a:solidFill>
+                  <a:latin typeface="Times New Roman" pitchFamily="18" charset="0"/>
+                </a:defRPr>
+              </a:lvl1pPr>
+              <a:lvl2pPr marL="742950" indent="-285750">
+                <a:defRPr sz="2400">
+                  <a:solidFill>
+                    <a:schemeClr val="tx1"/>
+                  </a:solidFill>
+                  <a:latin typeface="Times New Roman" pitchFamily="18" charset="0"/>
+                </a:defRPr>
+              </a:lvl2pPr>
+              <a:lvl3pPr marL="1143000" indent="-228600">
+                <a:defRPr sz="2400">
+                  <a:solidFill>
+                    <a:schemeClr val="tx1"/>
+                  </a:solidFill>
+                  <a:latin typeface="Times New Roman" pitchFamily="18" charset="0"/>
+                </a:defRPr>
+              </a:lvl3pPr>
+              <a:lvl4pPr marL="1600200" indent="-228600">
+                <a:defRPr sz="2400">
+                  <a:solidFill>
+                    <a:schemeClr val="tx1"/>
+                  </a:solidFill>
+                  <a:latin typeface="Times New Roman" pitchFamily="18" charset="0"/>
+                </a:defRPr>
+              </a:lvl4pPr>
+              <a:lvl5pPr marL="2057400" indent="-228600">
+                <a:defRPr sz="2400">
+                  <a:solidFill>
+                    <a:schemeClr val="tx1"/>
+                  </a:solidFill>
+                  <a:latin typeface="Times New Roman" pitchFamily="18" charset="0"/>
+                </a:defRPr>
+              </a:lvl5pPr>
+              <a:lvl6pPr marL="2514600" indent="-228600" eaLnBrk="0" fontAlgn="base" hangingPunct="0">
+                <a:spcBef>
+                  <a:spcPct val="0"/>
+                </a:spcBef>
+                <a:spcAft>
+                  <a:spcPct val="0"/>
+                </a:spcAft>
+                <a:defRPr sz="2400">
+                  <a:solidFill>
+                    <a:schemeClr val="tx1"/>
+                  </a:solidFill>
+                  <a:latin typeface="Times New Roman" pitchFamily="18" charset="0"/>
+                </a:defRPr>
+              </a:lvl6pPr>
+              <a:lvl7pPr marL="2971800" indent="-228600" eaLnBrk="0" fontAlgn="base" hangingPunct="0">
+                <a:spcBef>
+                  <a:spcPct val="0"/>
+                </a:spcBef>
+                <a:spcAft>
+                  <a:spcPct val="0"/>
+                </a:spcAft>
+                <a:defRPr sz="2400">
+                  <a:solidFill>
+                    <a:schemeClr val="tx1"/>
+                  </a:solidFill>
+                  <a:latin typeface="Times New Roman" pitchFamily="18" charset="0"/>
+                </a:defRPr>
+              </a:lvl7pPr>
+              <a:lvl8pPr marL="3429000" indent="-228600" eaLnBrk="0" fontAlgn="base" hangingPunct="0">
+                <a:spcBef>
+                  <a:spcPct val="0"/>
+                </a:spcBef>
+                <a:spcAft>
+                  <a:spcPct val="0"/>
+                </a:spcAft>
+                <a:defRPr sz="2400">
+                  <a:solidFill>
+                    <a:schemeClr val="tx1"/>
+                  </a:solidFill>
+                  <a:latin typeface="Times New Roman" pitchFamily="18" charset="0"/>
+                </a:defRPr>
+              </a:lvl8pPr>
+              <a:lvl9pPr marL="3886200" indent="-228600" eaLnBrk="0" fontAlgn="base" hangingPunct="0">
+                <a:spcBef>
+                  <a:spcPct val="0"/>
+                </a:spcBef>
+                <a:spcAft>
+                  <a:spcPct val="0"/>
+                </a:spcAft>
+                <a:defRPr sz="2400">
+                  <a:solidFill>
+                    <a:schemeClr val="tx1"/>
+                  </a:solidFill>
+                  <a:latin typeface="Times New Roman" pitchFamily="18" charset="0"/>
+                </a:defRPr>
+              </a:lvl9pPr>
+            </a:lstStyle>
+            <a:p>
+              <a:endParaRPr lang="en-US" altLang="zh-CN" sz="3600" b="1" dirty="0">
+                <a:effectLst/>
+                <a:latin typeface="Lucida Sans" pitchFamily="34" charset="0"/>
+                <a:ea typeface="SimSun" pitchFamily="2" charset="-122"/>
+                <a:cs typeface="Lucida Sans" pitchFamily="34" charset="0"/>
+              </a:endParaRPr>
+            </a:p>
+          </p:txBody>
+        </p:sp>
+        <p:sp>
+          <p:nvSpPr>
+            <p:cNvPr id="68" name="Text Box 248"/>
+            <p:cNvSpPr txBox="1">
+              <a:spLocks noChangeArrowheads="1"/>
+            </p:cNvSpPr>
+            <p:nvPr/>
+          </p:nvSpPr>
+          <p:spPr bwMode="auto">
+            <a:xfrm>
+              <a:off x="1157514" y="6046588"/>
+              <a:ext cx="10805886" cy="798915"/>
+            </a:xfrm>
+            <a:prstGeom prst="rect">
+              <a:avLst/>
+            </a:prstGeom>
+            <a:gradFill>
+              <a:gsLst>
+                <a:gs pos="56000">
+                  <a:schemeClr val="accent2">
+                    <a:lumMod val="50000"/>
+                  </a:schemeClr>
+                </a:gs>
+                <a:gs pos="100000">
+                  <a:schemeClr val="bg1">
+                    <a:alpha val="0"/>
+                  </a:schemeClr>
+                </a:gs>
+              </a:gsLst>
+              <a:lin ang="0" scaled="1"/>
+            </a:gradFill>
+            <a:ln w="19050">
+              <a:noFill/>
+              <a:miter lim="800000"/>
+              <a:headEnd/>
+              <a:tailEnd/>
+            </a:ln>
+            <a:effectLst/>
+          </p:spPr>
+          <p:txBody>
+            <a:bodyPr wrap="square">
+              <a:spAutoFit/>
+            </a:bodyPr>
+            <a:lstStyle>
+              <a:lvl1pPr>
+                <a:defRPr sz="2400">
+                  <a:solidFill>
+                    <a:schemeClr val="tx1"/>
+                  </a:solidFill>
+                  <a:latin typeface="Times New Roman" pitchFamily="18" charset="0"/>
+                </a:defRPr>
+              </a:lvl1pPr>
+              <a:lvl2pPr marL="742950" indent="-285750">
+                <a:defRPr sz="2400">
+                  <a:solidFill>
+                    <a:schemeClr val="tx1"/>
+                  </a:solidFill>
+                  <a:latin typeface="Times New Roman" pitchFamily="18" charset="0"/>
+                </a:defRPr>
+              </a:lvl2pPr>
+              <a:lvl3pPr marL="1143000" indent="-228600">
+                <a:defRPr sz="2400">
+                  <a:solidFill>
+                    <a:schemeClr val="tx1"/>
+                  </a:solidFill>
+                  <a:latin typeface="Times New Roman" pitchFamily="18" charset="0"/>
+                </a:defRPr>
+              </a:lvl3pPr>
+              <a:lvl4pPr marL="1600200" indent="-228600">
+                <a:defRPr sz="2400">
+                  <a:solidFill>
+                    <a:schemeClr val="tx1"/>
+                  </a:solidFill>
+                  <a:latin typeface="Times New Roman" pitchFamily="18" charset="0"/>
+                </a:defRPr>
+              </a:lvl4pPr>
+              <a:lvl5pPr marL="2057400" indent="-228600">
+                <a:defRPr sz="2400">
+                  <a:solidFill>
+                    <a:schemeClr val="tx1"/>
+                  </a:solidFill>
+                  <a:latin typeface="Times New Roman" pitchFamily="18" charset="0"/>
+                </a:defRPr>
+              </a:lvl5pPr>
+              <a:lvl6pPr marL="2514600" indent="-228600" eaLnBrk="0" fontAlgn="base" hangingPunct="0">
+                <a:spcBef>
+                  <a:spcPct val="0"/>
+                </a:spcBef>
+                <a:spcAft>
+                  <a:spcPct val="0"/>
+                </a:spcAft>
+                <a:defRPr sz="2400">
+                  <a:solidFill>
+                    <a:schemeClr val="tx1"/>
+                  </a:solidFill>
+                  <a:latin typeface="Times New Roman" pitchFamily="18" charset="0"/>
+                </a:defRPr>
+              </a:lvl6pPr>
+              <a:lvl7pPr marL="2971800" indent="-228600" eaLnBrk="0" fontAlgn="base" hangingPunct="0">
+                <a:spcBef>
+                  <a:spcPct val="0"/>
+                </a:spcBef>
+                <a:spcAft>
+                  <a:spcPct val="0"/>
+                </a:spcAft>
+                <a:defRPr sz="2400">
+                  <a:solidFill>
+                    <a:schemeClr val="tx1"/>
+                  </a:solidFill>
+                  <a:latin typeface="Times New Roman" pitchFamily="18" charset="0"/>
+                </a:defRPr>
+              </a:lvl7pPr>
+              <a:lvl8pPr marL="3429000" indent="-228600" eaLnBrk="0" fontAlgn="base" hangingPunct="0">
+                <a:spcBef>
+                  <a:spcPct val="0"/>
+                </a:spcBef>
+                <a:spcAft>
+                  <a:spcPct val="0"/>
+                </a:spcAft>
+                <a:defRPr sz="2400">
+                  <a:solidFill>
+                    <a:schemeClr val="tx1"/>
+                  </a:solidFill>
+                  <a:latin typeface="Times New Roman" pitchFamily="18" charset="0"/>
+                </a:defRPr>
+              </a:lvl8pPr>
+              <a:lvl9pPr marL="3886200" indent="-228600" eaLnBrk="0" fontAlgn="base" hangingPunct="0">
+                <a:spcBef>
+                  <a:spcPct val="0"/>
+                </a:spcBef>
+                <a:spcAft>
+                  <a:spcPct val="0"/>
+                </a:spcAft>
+                <a:defRPr sz="2400">
+                  <a:solidFill>
+                    <a:schemeClr val="tx1"/>
+                  </a:solidFill>
+                  <a:latin typeface="Times New Roman" pitchFamily="18" charset="0"/>
+                </a:defRPr>
+              </a:lvl9pPr>
+            </a:lstStyle>
+            <a:p>
+              <a:r>
+                <a:rPr lang="en-US" altLang="zh-CN" sz="4400" b="1" dirty="0" smtClean="0">
+                  <a:solidFill>
+                    <a:schemeClr val="bg1"/>
+                  </a:solidFill>
+                  <a:effectLst/>
+                  <a:latin typeface="Lucida Sans" pitchFamily="34" charset="0"/>
+                  <a:ea typeface="SimSun" pitchFamily="2" charset="-122"/>
+                  <a:cs typeface="Lucida Sans" pitchFamily="34" charset="0"/>
+                </a:rPr>
+                <a:t>References</a:t>
+              </a:r>
+              <a:endParaRPr lang="en-US" altLang="zh-CN" sz="4400" b="1" dirty="0" smtClean="0">
+                <a:solidFill>
+                  <a:schemeClr val="bg1"/>
+                </a:solidFill>
+                <a:effectLst/>
+                <a:latin typeface="Lucida Sans" pitchFamily="34" charset="0"/>
+                <a:ea typeface="SimSun" pitchFamily="2" charset="-122"/>
+                <a:cs typeface="Lucida Sans" pitchFamily="34" charset="0"/>
+              </a:endParaRPr>
+            </a:p>
+          </p:txBody>
+        </p:sp>
+      </p:grpSp>
+      <p:sp>
+        <p:nvSpPr>
+          <p:cNvPr id="72" name="Text Box 242"/>
+          <p:cNvSpPr txBox="1">
+            <a:spLocks noChangeArrowheads="1"/>
+          </p:cNvSpPr>
+          <p:nvPr/>
+        </p:nvSpPr>
+        <p:spPr bwMode="auto">
+          <a:xfrm>
+            <a:off x="1137426" y="28471056"/>
+            <a:ext cx="14517066" cy="3896451"/>
+          </a:xfrm>
+          <a:prstGeom prst="rect">
+            <a:avLst/>
+          </a:prstGeom>
+          <a:solidFill>
+            <a:schemeClr val="bg1"/>
+          </a:solidFill>
+          <a:ln w="57150" cmpd="thinThick">
+            <a:noFill/>
+            <a:miter lim="800000"/>
+            <a:headEnd/>
+            <a:tailEnd/>
+          </a:ln>
+          <a:effectLst/>
+          <a:extLst>
+            <a:ext uri="{AF507438-7753-43e0-B8FC-AC1667EBCBE1}">
+              <a14:hiddenEffects xmlns="" xmlns:a14="http://schemas.microsoft.com/office/drawing/2010/main">
+                <a:effectLst>
+                  <a:outerShdw dist="35921" dir="2700000" algn="ctr" rotWithShape="0">
+                    <a:schemeClr val="bg2"/>
+                  </a:outerShdw>
+                </a:effectLst>
+              </a14:hiddenEffects>
+            </a:ext>
+          </a:extLst>
+        </p:spPr>
+        <p:txBody>
+          <a:bodyPr wrap="square" lIns="182880" tIns="91440" rIns="182880" bIns="182880">
+            <a:spAutoFit/>
+          </a:bodyPr>
+          <a:lstStyle>
+            <a:lvl1pPr marL="228600" indent="-228600" defTabSz="612775">
+              <a:defRPr sz="2400">
+                <a:solidFill>
+                  <a:schemeClr val="tx1"/>
+                </a:solidFill>
+                <a:latin typeface="Times New Roman" pitchFamily="18" charset="0"/>
+              </a:defRPr>
+            </a:lvl1pPr>
+            <a:lvl2pPr marL="742950" indent="-285750" defTabSz="612775">
+              <a:defRPr sz="2400">
+                <a:solidFill>
+                  <a:schemeClr val="tx1"/>
+                </a:solidFill>
+                <a:latin typeface="Times New Roman" pitchFamily="18" charset="0"/>
+              </a:defRPr>
+            </a:lvl2pPr>
+            <a:lvl3pPr marL="1143000" indent="-228600" defTabSz="612775">
+              <a:defRPr sz="2400">
+                <a:solidFill>
+                  <a:schemeClr val="tx1"/>
+                </a:solidFill>
+                <a:latin typeface="Times New Roman" pitchFamily="18" charset="0"/>
+              </a:defRPr>
+            </a:lvl3pPr>
+            <a:lvl4pPr marL="1600200" indent="-228600" defTabSz="612775">
+              <a:defRPr sz="2400">
+                <a:solidFill>
+                  <a:schemeClr val="tx1"/>
+                </a:solidFill>
+                <a:latin typeface="Times New Roman" pitchFamily="18" charset="0"/>
+              </a:defRPr>
+            </a:lvl4pPr>
+            <a:lvl5pPr marL="2057400" indent="-228600" defTabSz="612775">
+              <a:defRPr sz="2400">
+                <a:solidFill>
+                  <a:schemeClr val="tx1"/>
+                </a:solidFill>
+                <a:latin typeface="Times New Roman" pitchFamily="18" charset="0"/>
+              </a:defRPr>
+            </a:lvl5pPr>
+            <a:lvl6pPr marL="2514600" indent="-228600" defTabSz="612775" eaLnBrk="0" fontAlgn="base" hangingPunct="0">
+              <a:spcBef>
+                <a:spcPct val="0"/>
+              </a:spcBef>
+              <a:spcAft>
+                <a:spcPct val="0"/>
+              </a:spcAft>
+              <a:defRPr sz="2400">
+                <a:solidFill>
+                  <a:schemeClr val="tx1"/>
+                </a:solidFill>
+                <a:latin typeface="Times New Roman" pitchFamily="18" charset="0"/>
+              </a:defRPr>
+            </a:lvl6pPr>
+            <a:lvl7pPr marL="2971800" indent="-228600" defTabSz="612775" eaLnBrk="0" fontAlgn="base" hangingPunct="0">
+              <a:spcBef>
+                <a:spcPct val="0"/>
+              </a:spcBef>
+              <a:spcAft>
+                <a:spcPct val="0"/>
+              </a:spcAft>
+              <a:defRPr sz="2400">
+                <a:solidFill>
+                  <a:schemeClr val="tx1"/>
+                </a:solidFill>
+                <a:latin typeface="Times New Roman" pitchFamily="18" charset="0"/>
+              </a:defRPr>
+            </a:lvl7pPr>
+            <a:lvl8pPr marL="3429000" indent="-228600" defTabSz="612775" eaLnBrk="0" fontAlgn="base" hangingPunct="0">
+              <a:spcBef>
+                <a:spcPct val="0"/>
+              </a:spcBef>
+              <a:spcAft>
+                <a:spcPct val="0"/>
+              </a:spcAft>
+              <a:defRPr sz="2400">
+                <a:solidFill>
+                  <a:schemeClr val="tx1"/>
+                </a:solidFill>
+                <a:latin typeface="Times New Roman" pitchFamily="18" charset="0"/>
+              </a:defRPr>
+            </a:lvl8pPr>
+            <a:lvl9pPr marL="3886200" indent="-228600" defTabSz="612775" eaLnBrk="0" fontAlgn="base" hangingPunct="0">
+              <a:spcBef>
+                <a:spcPct val="0"/>
+              </a:spcBef>
+              <a:spcAft>
+                <a:spcPct val="0"/>
+              </a:spcAft>
+              <a:defRPr sz="2400">
+                <a:solidFill>
+                  <a:schemeClr val="tx1"/>
+                </a:solidFill>
+                <a:latin typeface="Times New Roman" pitchFamily="18" charset="0"/>
+              </a:defRPr>
+            </a:lvl9pPr>
+          </a:lstStyle>
+          <a:p>
+            <a:pPr algn="just">
+              <a:lnSpc>
+                <a:spcPct val="120000"/>
+              </a:lnSpc>
+              <a:buFontTx/>
+              <a:buChar char="•"/>
+            </a:pPr>
+            <a:r>
+              <a:rPr lang="en-US" sz="2800" dirty="0">
+                <a:effectLst/>
+              </a:rPr>
+              <a:t>Scikit-learn: Machine Learning in Python, </a:t>
+            </a:r>
+            <a:r>
+              <a:rPr lang="en-US" sz="2800" dirty="0" err="1">
+                <a:effectLst/>
+              </a:rPr>
+              <a:t>Pedregosa</a:t>
+            </a:r>
+            <a:r>
+              <a:rPr lang="en-US" sz="2800" dirty="0">
+                <a:effectLst/>
+              </a:rPr>
+              <a:t> et al</a:t>
+            </a:r>
+            <a:r>
+              <a:rPr lang="en-US" sz="2800" i="1" dirty="0">
+                <a:effectLst/>
+              </a:rPr>
+              <a:t>.</a:t>
+            </a:r>
+            <a:r>
+              <a:rPr lang="en-US" sz="2800" dirty="0">
+                <a:effectLst/>
+              </a:rPr>
+              <a:t>, JMLR 12, pp. 2825-2830, </a:t>
+            </a:r>
+            <a:r>
+              <a:rPr lang="en-US" sz="2800" dirty="0" smtClean="0">
+                <a:effectLst/>
+              </a:rPr>
+              <a:t>2011.</a:t>
+            </a:r>
+          </a:p>
+          <a:p>
+            <a:pPr algn="just">
+              <a:lnSpc>
+                <a:spcPct val="120000"/>
+              </a:lnSpc>
+              <a:buFontTx/>
+              <a:buChar char="•"/>
+            </a:pPr>
+            <a:r>
+              <a:rPr lang="en-US" altLang="ja-JP" sz="2800" dirty="0" smtClean="0">
+                <a:effectLst/>
+                <a:ea typeface="ＭＳ Ｐゴシック" charset="-128"/>
+              </a:rPr>
+              <a:t>Olson M. Determining the gender of Shakespeare’s characters. Stanford University[Internet]. 2013. </a:t>
+            </a:r>
+          </a:p>
+          <a:p>
+            <a:pPr algn="just">
+              <a:lnSpc>
+                <a:spcPct val="120000"/>
+              </a:lnSpc>
+              <a:buFontTx/>
+              <a:buChar char="•"/>
+            </a:pPr>
+            <a:r>
+              <a:rPr lang="en-US" sz="2800" dirty="0" smtClean="0">
+                <a:effectLst/>
+              </a:rPr>
+              <a:t>Bird</a:t>
+            </a:r>
+            <a:r>
+              <a:rPr lang="en-US" sz="2800" dirty="0">
+                <a:effectLst/>
+              </a:rPr>
+              <a:t>, Steven, Edward </a:t>
+            </a:r>
+            <a:r>
+              <a:rPr lang="en-US" sz="2800" dirty="0" err="1">
+                <a:effectLst/>
+              </a:rPr>
+              <a:t>Loper</a:t>
+            </a:r>
+            <a:r>
+              <a:rPr lang="en-US" sz="2800" dirty="0">
+                <a:effectLst/>
+              </a:rPr>
+              <a:t> and Ewan Klein (2009), </a:t>
+            </a:r>
+            <a:r>
+              <a:rPr lang="en-US" sz="2800" i="1" dirty="0">
+                <a:effectLst/>
+              </a:rPr>
+              <a:t>Natural Language Processing with Python</a:t>
+            </a:r>
+            <a:r>
+              <a:rPr lang="en-US" sz="2800" dirty="0">
+                <a:effectLst/>
+              </a:rPr>
+              <a:t>. O’Reilly Media Inc</a:t>
+            </a:r>
+            <a:r>
+              <a:rPr lang="en-US" sz="2800" dirty="0" smtClean="0">
+                <a:effectLst/>
+              </a:rPr>
+              <a:t>.</a:t>
+            </a:r>
+          </a:p>
+          <a:p>
+            <a:pPr algn="just">
+              <a:lnSpc>
+                <a:spcPct val="120000"/>
+              </a:lnSpc>
+              <a:buFontTx/>
+              <a:buChar char="•"/>
+            </a:pPr>
+            <a:r>
+              <a:rPr lang="en-US" sz="2800" dirty="0">
+                <a:effectLst/>
+              </a:rPr>
+              <a:t>Folger Shakespeare Library. (</a:t>
+            </a:r>
+            <a:r>
+              <a:rPr lang="en-US" sz="2800" dirty="0" err="1">
+                <a:effectLst/>
+              </a:rPr>
+              <a:t>n.d.</a:t>
+            </a:r>
+            <a:r>
+              <a:rPr lang="en-US" sz="2800" dirty="0">
+                <a:effectLst/>
+              </a:rPr>
+              <a:t>) </a:t>
+            </a:r>
+            <a:r>
+              <a:rPr lang="en-US" sz="2800" i="1" dirty="0">
+                <a:effectLst/>
+              </a:rPr>
+              <a:t>Shakespeare's Plays, Sonnets and Poems</a:t>
+            </a:r>
+            <a:r>
+              <a:rPr lang="en-US" sz="2800" dirty="0">
+                <a:effectLst/>
+              </a:rPr>
+              <a:t> from Folger Digital Texts. Retrieved from </a:t>
+            </a:r>
+            <a:r>
+              <a:rPr lang="en-US" sz="2800" dirty="0" smtClean="0">
+                <a:effectLst/>
+                <a:hlinkClick r:id="rId9"/>
+              </a:rPr>
+              <a:t>www.folgerdigitaltexts.org</a:t>
+            </a:r>
+            <a:endParaRPr lang="en-US" sz="2800" dirty="0">
+              <a:effectLst/>
+            </a:endParaRPr>
           </a:p>
         </p:txBody>
       </p:sp>

--- a/Poster Rough Draft.pptx
+++ b/Poster Rough Draft.pptx
@@ -286,14 +286,14 @@
           <a:effectLst/>
           <a:extLst>
             <a:ext uri="{909E8E84-426E-40dd-AFC4-6F175D3DCCD1}">
-              <a14:hiddenFill xmlns="" xmlns:a14="http://schemas.microsoft.com/office/drawing/2010/main">
+              <a14:hiddenFill xmlns:a14="http://schemas.microsoft.com/office/drawing/2010/main" xmlns="">
                 <a:solidFill>
                   <a:schemeClr val="accent1"/>
                 </a:solidFill>
               </a14:hiddenFill>
             </a:ext>
             <a:ext uri="{91240B29-F687-4f45-9708-019B960494DF}">
-              <a14:hiddenLine xmlns="" xmlns:a14="http://schemas.microsoft.com/office/drawing/2010/main" w="9525">
+              <a14:hiddenLine xmlns:a14="http://schemas.microsoft.com/office/drawing/2010/main" xmlns="" w="9525">
                 <a:solidFill>
                   <a:schemeClr val="tx1"/>
                 </a:solidFill>
@@ -303,7 +303,7 @@
               </a14:hiddenLine>
             </a:ext>
             <a:ext uri="{AF507438-7753-43e0-B8FC-AC1667EBCBE1}">
-              <a14:hiddenEffects xmlns="" xmlns:a14="http://schemas.microsoft.com/office/drawing/2010/main">
+              <a14:hiddenEffects xmlns:a14="http://schemas.microsoft.com/office/drawing/2010/main" xmlns="">
                 <a:effectLst>
                   <a:outerShdw dist="35921" dir="2700000" algn="ctr" rotWithShape="0">
                     <a:schemeClr val="bg2"/>
@@ -356,14 +356,14 @@
           <a:effectLst/>
           <a:extLst>
             <a:ext uri="{909E8E84-426E-40dd-AFC4-6F175D3DCCD1}">
-              <a14:hiddenFill xmlns="" xmlns:a14="http://schemas.microsoft.com/office/drawing/2010/main">
+              <a14:hiddenFill xmlns:a14="http://schemas.microsoft.com/office/drawing/2010/main" xmlns="">
                 <a:solidFill>
                   <a:schemeClr val="accent1"/>
                 </a:solidFill>
               </a14:hiddenFill>
             </a:ext>
             <a:ext uri="{91240B29-F687-4f45-9708-019B960494DF}">
-              <a14:hiddenLine xmlns="" xmlns:a14="http://schemas.microsoft.com/office/drawing/2010/main" w="9525">
+              <a14:hiddenLine xmlns:a14="http://schemas.microsoft.com/office/drawing/2010/main" xmlns="" w="9525">
                 <a:solidFill>
                   <a:schemeClr val="tx1"/>
                 </a:solidFill>
@@ -373,7 +373,7 @@
               </a14:hiddenLine>
             </a:ext>
             <a:ext uri="{AF507438-7753-43e0-B8FC-AC1667EBCBE1}">
-              <a14:hiddenEffects xmlns="" xmlns:a14="http://schemas.microsoft.com/office/drawing/2010/main">
+              <a14:hiddenEffects xmlns:a14="http://schemas.microsoft.com/office/drawing/2010/main" xmlns="">
                 <a:effectLst>
                   <a:outerShdw dist="35921" dir="2700000" algn="ctr" rotWithShape="0">
                     <a:schemeClr val="bg2"/>
@@ -426,14 +426,14 @@
           <a:effectLst/>
           <a:extLst>
             <a:ext uri="{909E8E84-426E-40dd-AFC4-6F175D3DCCD1}">
-              <a14:hiddenFill xmlns="" xmlns:a14="http://schemas.microsoft.com/office/drawing/2010/main">
+              <a14:hiddenFill xmlns:a14="http://schemas.microsoft.com/office/drawing/2010/main" xmlns="">
                 <a:solidFill>
                   <a:schemeClr val="accent1"/>
                 </a:solidFill>
               </a14:hiddenFill>
             </a:ext>
             <a:ext uri="{91240B29-F687-4f45-9708-019B960494DF}">
-              <a14:hiddenLine xmlns="" xmlns:a14="http://schemas.microsoft.com/office/drawing/2010/main" w="9525">
+              <a14:hiddenLine xmlns:a14="http://schemas.microsoft.com/office/drawing/2010/main" xmlns="" w="9525">
                 <a:solidFill>
                   <a:schemeClr val="tx1"/>
                 </a:solidFill>
@@ -443,7 +443,7 @@
               </a14:hiddenLine>
             </a:ext>
             <a:ext uri="{AF507438-7753-43e0-B8FC-AC1667EBCBE1}">
-              <a14:hiddenEffects xmlns="" xmlns:a14="http://schemas.microsoft.com/office/drawing/2010/main">
+              <a14:hiddenEffects xmlns:a14="http://schemas.microsoft.com/office/drawing/2010/main" xmlns="">
                 <a:effectLst>
                   <a:outerShdw dist="35921" dir="2700000" algn="ctr" rotWithShape="0">
                     <a:schemeClr val="bg2"/>
@@ -496,14 +496,14 @@
           <a:effectLst/>
           <a:extLst>
             <a:ext uri="{909E8E84-426E-40dd-AFC4-6F175D3DCCD1}">
-              <a14:hiddenFill xmlns="" xmlns:a14="http://schemas.microsoft.com/office/drawing/2010/main">
+              <a14:hiddenFill xmlns:a14="http://schemas.microsoft.com/office/drawing/2010/main" xmlns="">
                 <a:solidFill>
                   <a:schemeClr val="accent1"/>
                 </a:solidFill>
               </a14:hiddenFill>
             </a:ext>
             <a:ext uri="{91240B29-F687-4f45-9708-019B960494DF}">
-              <a14:hiddenLine xmlns="" xmlns:a14="http://schemas.microsoft.com/office/drawing/2010/main" w="9525">
+              <a14:hiddenLine xmlns:a14="http://schemas.microsoft.com/office/drawing/2010/main" xmlns="" w="9525">
                 <a:solidFill>
                   <a:schemeClr val="tx1"/>
                 </a:solidFill>
@@ -513,7 +513,7 @@
               </a14:hiddenLine>
             </a:ext>
             <a:ext uri="{AF507438-7753-43e0-B8FC-AC1667EBCBE1}">
-              <a14:hiddenEffects xmlns="" xmlns:a14="http://schemas.microsoft.com/office/drawing/2010/main">
+              <a14:hiddenEffects xmlns:a14="http://schemas.microsoft.com/office/drawing/2010/main" xmlns="">
                 <a:effectLst>
                   <a:outerShdw dist="35921" dir="2700000" algn="ctr" rotWithShape="0">
                     <a:schemeClr val="bg2"/>
@@ -607,14 +607,14 @@
           <a:effectLst/>
           <a:extLst>
             <a:ext uri="{909E8E84-426E-40dd-AFC4-6F175D3DCCD1}">
-              <a14:hiddenFill xmlns="" xmlns:a14="http://schemas.microsoft.com/office/drawing/2010/main">
+              <a14:hiddenFill xmlns:a14="http://schemas.microsoft.com/office/drawing/2010/main" xmlns="">
                 <a:solidFill>
                   <a:schemeClr val="accent1"/>
                 </a:solidFill>
               </a14:hiddenFill>
             </a:ext>
             <a:ext uri="{91240B29-F687-4f45-9708-019B960494DF}">
-              <a14:hiddenLine xmlns="" xmlns:a14="http://schemas.microsoft.com/office/drawing/2010/main" w="9525">
+              <a14:hiddenLine xmlns:a14="http://schemas.microsoft.com/office/drawing/2010/main" xmlns="" w="9525">
                 <a:solidFill>
                   <a:schemeClr val="tx1"/>
                 </a:solidFill>
@@ -624,7 +624,7 @@
               </a14:hiddenLine>
             </a:ext>
             <a:ext uri="{AF507438-7753-43e0-B8FC-AC1667EBCBE1}">
-              <a14:hiddenEffects xmlns="" xmlns:a14="http://schemas.microsoft.com/office/drawing/2010/main">
+              <a14:hiddenEffects xmlns:a14="http://schemas.microsoft.com/office/drawing/2010/main" xmlns="">
                 <a:effectLst>
                   <a:outerShdw dist="35921" dir="2700000" algn="ctr" rotWithShape="0">
                     <a:schemeClr val="bg2"/>
@@ -677,14 +677,14 @@
           <a:effectLst/>
           <a:extLst>
             <a:ext uri="{909E8E84-426E-40dd-AFC4-6F175D3DCCD1}">
-              <a14:hiddenFill xmlns="" xmlns:a14="http://schemas.microsoft.com/office/drawing/2010/main">
+              <a14:hiddenFill xmlns:a14="http://schemas.microsoft.com/office/drawing/2010/main" xmlns="">
                 <a:solidFill>
                   <a:schemeClr val="accent1"/>
                 </a:solidFill>
               </a14:hiddenFill>
             </a:ext>
             <a:ext uri="{91240B29-F687-4f45-9708-019B960494DF}">
-              <a14:hiddenLine xmlns="" xmlns:a14="http://schemas.microsoft.com/office/drawing/2010/main" w="9525">
+              <a14:hiddenLine xmlns:a14="http://schemas.microsoft.com/office/drawing/2010/main" xmlns="" w="9525">
                 <a:solidFill>
                   <a:schemeClr val="tx1"/>
                 </a:solidFill>
@@ -694,7 +694,7 @@
               </a14:hiddenLine>
             </a:ext>
             <a:ext uri="{AF507438-7753-43e0-B8FC-AC1667EBCBE1}">
-              <a14:hiddenEffects xmlns="" xmlns:a14="http://schemas.microsoft.com/office/drawing/2010/main">
+              <a14:hiddenEffects xmlns:a14="http://schemas.microsoft.com/office/drawing/2010/main" xmlns="">
                 <a:effectLst>
                   <a:outerShdw dist="35921" dir="2700000" algn="ctr" rotWithShape="0">
                     <a:schemeClr val="bg2"/>
@@ -752,14 +752,14 @@
           <a:effectLst/>
           <a:extLst>
             <a:ext uri="{909E8E84-426E-40dd-AFC4-6F175D3DCCD1}">
-              <a14:hiddenFill xmlns="" xmlns:a14="http://schemas.microsoft.com/office/drawing/2010/main">
+              <a14:hiddenFill xmlns:a14="http://schemas.microsoft.com/office/drawing/2010/main" xmlns="">
                 <a:solidFill>
                   <a:srgbClr val="FFFFFF"/>
                 </a:solidFill>
               </a14:hiddenFill>
             </a:ext>
             <a:ext uri="{AF507438-7753-43e0-B8FC-AC1667EBCBE1}">
-              <a14:hiddenEffects xmlns="" xmlns:a14="http://schemas.microsoft.com/office/drawing/2010/main">
+              <a14:hiddenEffects xmlns:a14="http://schemas.microsoft.com/office/drawing/2010/main" xmlns="">
                 <a:effectLst>
                   <a:outerShdw dist="35921" dir="2700000" algn="ctr" rotWithShape="0">
                     <a:srgbClr val="808080"/>
@@ -768,7 +768,7 @@
               </a14:hiddenEffects>
             </a:ext>
             <a:ext uri="{53640926-AAD7-44d8-BBD7-CCE9431645EC}">
-              <a14:shadowObscured xmlns="" xmlns:a14="http://schemas.microsoft.com/office/drawing/2010/main" val="1"/>
+              <a14:shadowObscured xmlns:a14="http://schemas.microsoft.com/office/drawing/2010/main" xmlns="" val="1"/>
             </a:ext>
           </a:extLst>
         </p:spPr>
@@ -798,14 +798,14 @@
           <a:effectLst/>
           <a:extLst>
             <a:ext uri="{909E8E84-426E-40dd-AFC4-6F175D3DCCD1}">
-              <a14:hiddenFill xmlns="" xmlns:a14="http://schemas.microsoft.com/office/drawing/2010/main">
+              <a14:hiddenFill xmlns:a14="http://schemas.microsoft.com/office/drawing/2010/main" xmlns="">
                 <a:solidFill>
                   <a:schemeClr val="accent1"/>
                 </a:solidFill>
               </a14:hiddenFill>
             </a:ext>
             <a:ext uri="{91240B29-F687-4f45-9708-019B960494DF}">
-              <a14:hiddenLine xmlns="" xmlns:a14="http://schemas.microsoft.com/office/drawing/2010/main" w="9525">
+              <a14:hiddenLine xmlns:a14="http://schemas.microsoft.com/office/drawing/2010/main" xmlns="" w="9525">
                 <a:solidFill>
                   <a:schemeClr val="tx1"/>
                 </a:solidFill>
@@ -815,7 +815,7 @@
               </a14:hiddenLine>
             </a:ext>
             <a:ext uri="{AF507438-7753-43e0-B8FC-AC1667EBCBE1}">
-              <a14:hiddenEffects xmlns="" xmlns:a14="http://schemas.microsoft.com/office/drawing/2010/main">
+              <a14:hiddenEffects xmlns:a14="http://schemas.microsoft.com/office/drawing/2010/main" xmlns="">
                 <a:effectLst>
                   <a:outerShdw dist="35921" dir="2700000" algn="ctr" rotWithShape="0">
                     <a:schemeClr val="bg2"/>
@@ -835,35 +835,35 @@
           <a:p>
             <a:pPr lvl="0"/>
             <a:r>
-              <a:rPr lang="en-US" altLang="zh-CN" noProof="0" smtClean="0"/>
+              <a:rPr lang="en-US" altLang="zh-CN" noProof="0"/>
               <a:t>Click to edit Master text styles</a:t>
             </a:r>
           </a:p>
           <a:p>
             <a:pPr lvl="1"/>
             <a:r>
-              <a:rPr lang="en-US" altLang="zh-CN" noProof="0" smtClean="0"/>
+              <a:rPr lang="en-US" altLang="zh-CN" noProof="0"/>
               <a:t>Second level</a:t>
             </a:r>
           </a:p>
           <a:p>
             <a:pPr lvl="2"/>
             <a:r>
-              <a:rPr lang="en-US" altLang="zh-CN" noProof="0" smtClean="0"/>
+              <a:rPr lang="en-US" altLang="zh-CN" noProof="0"/>
               <a:t>Third level</a:t>
             </a:r>
           </a:p>
           <a:p>
             <a:pPr lvl="3"/>
             <a:r>
-              <a:rPr lang="en-US" altLang="zh-CN" noProof="0" smtClean="0"/>
+              <a:rPr lang="en-US" altLang="zh-CN" noProof="0"/>
               <a:t>Fourth level</a:t>
             </a:r>
           </a:p>
           <a:p>
             <a:pPr lvl="4"/>
             <a:r>
-              <a:rPr lang="en-US" altLang="zh-CN" noProof="0" smtClean="0"/>
+              <a:rPr lang="en-US" altLang="zh-CN" noProof="0"/>
               <a:t>Fifth level</a:t>
             </a:r>
           </a:p>
@@ -894,14 +894,14 @@
           <a:effectLst/>
           <a:extLst>
             <a:ext uri="{909E8E84-426E-40dd-AFC4-6F175D3DCCD1}">
-              <a14:hiddenFill xmlns="" xmlns:a14="http://schemas.microsoft.com/office/drawing/2010/main">
+              <a14:hiddenFill xmlns:a14="http://schemas.microsoft.com/office/drawing/2010/main" xmlns="">
                 <a:solidFill>
                   <a:schemeClr val="accent1"/>
                 </a:solidFill>
               </a14:hiddenFill>
             </a:ext>
             <a:ext uri="{91240B29-F687-4f45-9708-019B960494DF}">
-              <a14:hiddenLine xmlns="" xmlns:a14="http://schemas.microsoft.com/office/drawing/2010/main" w="9525">
+              <a14:hiddenLine xmlns:a14="http://schemas.microsoft.com/office/drawing/2010/main" xmlns="" w="9525">
                 <a:solidFill>
                   <a:schemeClr val="tx1"/>
                 </a:solidFill>
@@ -911,7 +911,7 @@
               </a14:hiddenLine>
             </a:ext>
             <a:ext uri="{AF507438-7753-43e0-B8FC-AC1667EBCBE1}">
-              <a14:hiddenEffects xmlns="" xmlns:a14="http://schemas.microsoft.com/office/drawing/2010/main">
+              <a14:hiddenEffects xmlns:a14="http://schemas.microsoft.com/office/drawing/2010/main" xmlns="">
                 <a:effectLst>
                   <a:outerShdw dist="35921" dir="2700000" algn="ctr" rotWithShape="0">
                     <a:schemeClr val="bg2"/>
@@ -964,14 +964,14 @@
           <a:effectLst/>
           <a:extLst>
             <a:ext uri="{909E8E84-426E-40dd-AFC4-6F175D3DCCD1}">
-              <a14:hiddenFill xmlns="" xmlns:a14="http://schemas.microsoft.com/office/drawing/2010/main">
+              <a14:hiddenFill xmlns:a14="http://schemas.microsoft.com/office/drawing/2010/main" xmlns="">
                 <a:solidFill>
                   <a:schemeClr val="accent1"/>
                 </a:solidFill>
               </a14:hiddenFill>
             </a:ext>
             <a:ext uri="{91240B29-F687-4f45-9708-019B960494DF}">
-              <a14:hiddenLine xmlns="" xmlns:a14="http://schemas.microsoft.com/office/drawing/2010/main" w="9525">
+              <a14:hiddenLine xmlns:a14="http://schemas.microsoft.com/office/drawing/2010/main" xmlns="" w="9525">
                 <a:solidFill>
                   <a:schemeClr val="tx1"/>
                 </a:solidFill>
@@ -981,7 +981,7 @@
               </a14:hiddenLine>
             </a:ext>
             <a:ext uri="{AF507438-7753-43e0-B8FC-AC1667EBCBE1}">
-              <a14:hiddenEffects xmlns="" xmlns:a14="http://schemas.microsoft.com/office/drawing/2010/main">
+              <a14:hiddenEffects xmlns:a14="http://schemas.microsoft.com/office/drawing/2010/main" xmlns="">
                 <a:effectLst>
                   <a:outerShdw dist="35921" dir="2700000" algn="ctr" rotWithShape="0">
                     <a:schemeClr val="bg2"/>
@@ -1318,7 +1318,7 @@
           <a:bodyPr/>
           <a:lstStyle/>
           <a:p>
-            <a:endParaRPr lang="zh-CN" altLang="en-US" smtClean="0"/>
+            <a:endParaRPr lang="zh-CN" altLang="en-US"/>
           </a:p>
         </p:txBody>
       </p:sp>
@@ -1371,10 +1371,9 @@
           <a:lstStyle/>
           <a:p>
             <a:r>
-              <a:rPr lang="en-US" smtClean="0"/>
+              <a:rPr lang="en-US"/>
               <a:t>Click to edit Master title style</a:t>
             </a:r>
-            <a:endParaRPr lang="en-US"/>
           </a:p>
         </p:txBody>
       </p:sp>
@@ -1439,10 +1438,9 @@
           </a:lstStyle>
           <a:p>
             <a:r>
-              <a:rPr lang="en-US" smtClean="0"/>
+              <a:rPr lang="en-US"/>
               <a:t>Click to edit Master subtitle style</a:t>
             </a:r>
-            <a:endParaRPr lang="en-US"/>
           </a:p>
         </p:txBody>
       </p:sp>
@@ -1500,10 +1498,9 @@
           <a:lstStyle/>
           <a:p>
             <a:r>
-              <a:rPr lang="en-US" smtClean="0"/>
+              <a:rPr lang="en-US"/>
               <a:t>Click to edit Master title style</a:t>
             </a:r>
-            <a:endParaRPr lang="en-US"/>
           </a:p>
         </p:txBody>
       </p:sp>
@@ -1532,38 +1529,37 @@
           <a:p>
             <a:pPr lvl="0"/>
             <a:r>
-              <a:rPr lang="en-US" smtClean="0"/>
+              <a:rPr lang="en-US"/>
               <a:t>Click to edit Master text styles</a:t>
             </a:r>
           </a:p>
           <a:p>
             <a:pPr lvl="1"/>
             <a:r>
-              <a:rPr lang="en-US" smtClean="0"/>
+              <a:rPr lang="en-US"/>
               <a:t>Second level</a:t>
             </a:r>
           </a:p>
           <a:p>
             <a:pPr lvl="2"/>
             <a:r>
-              <a:rPr lang="en-US" smtClean="0"/>
+              <a:rPr lang="en-US"/>
               <a:t>Third level</a:t>
             </a:r>
           </a:p>
           <a:p>
             <a:pPr lvl="3"/>
             <a:r>
-              <a:rPr lang="en-US" smtClean="0"/>
+              <a:rPr lang="en-US"/>
               <a:t>Fourth level</a:t>
             </a:r>
           </a:p>
           <a:p>
             <a:pPr lvl="4"/>
             <a:r>
-              <a:rPr lang="en-US" smtClean="0"/>
+              <a:rPr lang="en-US"/>
               <a:t>Fifth level</a:t>
             </a:r>
-            <a:endParaRPr lang="en-US"/>
           </a:p>
         </p:txBody>
       </p:sp>
@@ -1621,10 +1617,9 @@
           <a:lstStyle/>
           <a:p>
             <a:r>
-              <a:rPr lang="en-US" smtClean="0"/>
+              <a:rPr lang="en-US"/>
               <a:t>Click to edit Master title style</a:t>
             </a:r>
-            <a:endParaRPr lang="en-US"/>
           </a:p>
         </p:txBody>
       </p:sp>
@@ -1653,38 +1648,37 @@
           <a:p>
             <a:pPr lvl="0"/>
             <a:r>
-              <a:rPr lang="en-US" smtClean="0"/>
+              <a:rPr lang="en-US"/>
               <a:t>Click to edit Master text styles</a:t>
             </a:r>
           </a:p>
           <a:p>
             <a:pPr lvl="1"/>
             <a:r>
-              <a:rPr lang="en-US" smtClean="0"/>
+              <a:rPr lang="en-US"/>
               <a:t>Second level</a:t>
             </a:r>
           </a:p>
           <a:p>
             <a:pPr lvl="2"/>
             <a:r>
-              <a:rPr lang="en-US" smtClean="0"/>
+              <a:rPr lang="en-US"/>
               <a:t>Third level</a:t>
             </a:r>
           </a:p>
           <a:p>
             <a:pPr lvl="3"/>
             <a:r>
-              <a:rPr lang="en-US" smtClean="0"/>
+              <a:rPr lang="en-US"/>
               <a:t>Fourth level</a:t>
             </a:r>
           </a:p>
           <a:p>
             <a:pPr lvl="4"/>
             <a:r>
-              <a:rPr lang="en-US" smtClean="0"/>
+              <a:rPr lang="en-US"/>
               <a:t>Fifth level</a:t>
             </a:r>
-            <a:endParaRPr lang="en-US"/>
           </a:p>
         </p:txBody>
       </p:sp>
@@ -1742,10 +1736,9 @@
           <a:lstStyle/>
           <a:p>
             <a:r>
-              <a:rPr lang="en-US" smtClean="0"/>
+              <a:rPr lang="en-US"/>
               <a:t>Click to edit Master title style</a:t>
             </a:r>
-            <a:endParaRPr lang="en-US"/>
           </a:p>
         </p:txBody>
       </p:sp>
@@ -1774,38 +1767,37 @@
           <a:p>
             <a:pPr lvl="0"/>
             <a:r>
-              <a:rPr lang="en-US" smtClean="0"/>
+              <a:rPr lang="en-US"/>
               <a:t>Click to edit Master text styles</a:t>
             </a:r>
           </a:p>
           <a:p>
             <a:pPr lvl="1"/>
             <a:r>
-              <a:rPr lang="en-US" smtClean="0"/>
+              <a:rPr lang="en-US"/>
               <a:t>Second level</a:t>
             </a:r>
           </a:p>
           <a:p>
             <a:pPr lvl="2"/>
             <a:r>
-              <a:rPr lang="en-US" smtClean="0"/>
+              <a:rPr lang="en-US"/>
               <a:t>Third level</a:t>
             </a:r>
           </a:p>
           <a:p>
             <a:pPr lvl="3"/>
             <a:r>
-              <a:rPr lang="en-US" smtClean="0"/>
+              <a:rPr lang="en-US"/>
               <a:t>Fourth level</a:t>
             </a:r>
           </a:p>
           <a:p>
             <a:pPr lvl="4"/>
             <a:r>
-              <a:rPr lang="en-US" smtClean="0"/>
+              <a:rPr lang="en-US"/>
               <a:t>Fifth level</a:t>
             </a:r>
-            <a:endParaRPr lang="en-US"/>
           </a:p>
         </p:txBody>
       </p:sp>
@@ -1867,10 +1859,9 @@
           </a:lstStyle>
           <a:p>
             <a:r>
-              <a:rPr lang="en-US" smtClean="0"/>
+              <a:rPr lang="en-US"/>
               <a:t>Click to edit Master title style</a:t>
             </a:r>
-            <a:endParaRPr lang="en-US"/>
           </a:p>
         </p:txBody>
       </p:sp>
@@ -1936,7 +1927,7 @@
           <a:p>
             <a:pPr lvl="0"/>
             <a:r>
-              <a:rPr lang="en-US" smtClean="0"/>
+              <a:rPr lang="en-US"/>
               <a:t>Click to edit Master text styles</a:t>
             </a:r>
           </a:p>
@@ -1996,10 +1987,9 @@
           <a:lstStyle/>
           <a:p>
             <a:r>
-              <a:rPr lang="en-US" smtClean="0"/>
+              <a:rPr lang="en-US"/>
               <a:t>Click to edit Master title style</a:t>
             </a:r>
-            <a:endParaRPr lang="en-US"/>
           </a:p>
         </p:txBody>
       </p:sp>
@@ -2056,38 +2046,37 @@
           <a:p>
             <a:pPr lvl="0"/>
             <a:r>
-              <a:rPr lang="en-US" smtClean="0"/>
+              <a:rPr lang="en-US"/>
               <a:t>Click to edit Master text styles</a:t>
             </a:r>
           </a:p>
           <a:p>
             <a:pPr lvl="1"/>
             <a:r>
-              <a:rPr lang="en-US" smtClean="0"/>
+              <a:rPr lang="en-US"/>
               <a:t>Second level</a:t>
             </a:r>
           </a:p>
           <a:p>
             <a:pPr lvl="2"/>
             <a:r>
-              <a:rPr lang="en-US" smtClean="0"/>
+              <a:rPr lang="en-US"/>
               <a:t>Third level</a:t>
             </a:r>
           </a:p>
           <a:p>
             <a:pPr lvl="3"/>
             <a:r>
-              <a:rPr lang="en-US" smtClean="0"/>
+              <a:rPr lang="en-US"/>
               <a:t>Fourth level</a:t>
             </a:r>
           </a:p>
           <a:p>
             <a:pPr lvl="4"/>
             <a:r>
-              <a:rPr lang="en-US" smtClean="0"/>
+              <a:rPr lang="en-US"/>
               <a:t>Fifth level</a:t>
             </a:r>
-            <a:endParaRPr lang="en-US"/>
           </a:p>
         </p:txBody>
       </p:sp>
@@ -2144,38 +2133,37 @@
           <a:p>
             <a:pPr lvl="0"/>
             <a:r>
-              <a:rPr lang="en-US" smtClean="0"/>
+              <a:rPr lang="en-US"/>
               <a:t>Click to edit Master text styles</a:t>
             </a:r>
           </a:p>
           <a:p>
             <a:pPr lvl="1"/>
             <a:r>
-              <a:rPr lang="en-US" smtClean="0"/>
+              <a:rPr lang="en-US"/>
               <a:t>Second level</a:t>
             </a:r>
           </a:p>
           <a:p>
             <a:pPr lvl="2"/>
             <a:r>
-              <a:rPr lang="en-US" smtClean="0"/>
+              <a:rPr lang="en-US"/>
               <a:t>Third level</a:t>
             </a:r>
           </a:p>
           <a:p>
             <a:pPr lvl="3"/>
             <a:r>
-              <a:rPr lang="en-US" smtClean="0"/>
+              <a:rPr lang="en-US"/>
               <a:t>Fourth level</a:t>
             </a:r>
           </a:p>
           <a:p>
             <a:pPr lvl="4"/>
             <a:r>
-              <a:rPr lang="en-US" smtClean="0"/>
+              <a:rPr lang="en-US"/>
               <a:t>Fifth level</a:t>
             </a:r>
-            <a:endParaRPr lang="en-US"/>
           </a:p>
         </p:txBody>
       </p:sp>
@@ -2237,10 +2225,9 @@
           </a:lstStyle>
           <a:p>
             <a:r>
-              <a:rPr lang="en-US" smtClean="0"/>
+              <a:rPr lang="en-US"/>
               <a:t>Click to edit Master title style</a:t>
             </a:r>
-            <a:endParaRPr lang="en-US"/>
           </a:p>
         </p:txBody>
       </p:sp>
@@ -2306,7 +2293,7 @@
           <a:p>
             <a:pPr lvl="0"/>
             <a:r>
-              <a:rPr lang="en-US" smtClean="0"/>
+              <a:rPr lang="en-US"/>
               <a:t>Click to edit Master text styles</a:t>
             </a:r>
           </a:p>
@@ -2365,38 +2352,37 @@
           <a:p>
             <a:pPr lvl="0"/>
             <a:r>
-              <a:rPr lang="en-US" smtClean="0"/>
+              <a:rPr lang="en-US"/>
               <a:t>Click to edit Master text styles</a:t>
             </a:r>
           </a:p>
           <a:p>
             <a:pPr lvl="1"/>
             <a:r>
-              <a:rPr lang="en-US" smtClean="0"/>
+              <a:rPr lang="en-US"/>
               <a:t>Second level</a:t>
             </a:r>
           </a:p>
           <a:p>
             <a:pPr lvl="2"/>
             <a:r>
-              <a:rPr lang="en-US" smtClean="0"/>
+              <a:rPr lang="en-US"/>
               <a:t>Third level</a:t>
             </a:r>
           </a:p>
           <a:p>
             <a:pPr lvl="3"/>
             <a:r>
-              <a:rPr lang="en-US" smtClean="0"/>
+              <a:rPr lang="en-US"/>
               <a:t>Fourth level</a:t>
             </a:r>
           </a:p>
           <a:p>
             <a:pPr lvl="4"/>
             <a:r>
-              <a:rPr lang="en-US" smtClean="0"/>
+              <a:rPr lang="en-US"/>
               <a:t>Fifth level</a:t>
             </a:r>
-            <a:endParaRPr lang="en-US"/>
           </a:p>
         </p:txBody>
       </p:sp>
@@ -2462,7 +2448,7 @@
           <a:p>
             <a:pPr lvl="0"/>
             <a:r>
-              <a:rPr lang="en-US" smtClean="0"/>
+              <a:rPr lang="en-US"/>
               <a:t>Click to edit Master text styles</a:t>
             </a:r>
           </a:p>
@@ -2521,38 +2507,37 @@
           <a:p>
             <a:pPr lvl="0"/>
             <a:r>
-              <a:rPr lang="en-US" smtClean="0"/>
+              <a:rPr lang="en-US"/>
               <a:t>Click to edit Master text styles</a:t>
             </a:r>
           </a:p>
           <a:p>
             <a:pPr lvl="1"/>
             <a:r>
-              <a:rPr lang="en-US" smtClean="0"/>
+              <a:rPr lang="en-US"/>
               <a:t>Second level</a:t>
             </a:r>
           </a:p>
           <a:p>
             <a:pPr lvl="2"/>
             <a:r>
-              <a:rPr lang="en-US" smtClean="0"/>
+              <a:rPr lang="en-US"/>
               <a:t>Third level</a:t>
             </a:r>
           </a:p>
           <a:p>
             <a:pPr lvl="3"/>
             <a:r>
-              <a:rPr lang="en-US" smtClean="0"/>
+              <a:rPr lang="en-US"/>
               <a:t>Fourth level</a:t>
             </a:r>
           </a:p>
           <a:p>
             <a:pPr lvl="4"/>
             <a:r>
-              <a:rPr lang="en-US" smtClean="0"/>
+              <a:rPr lang="en-US"/>
               <a:t>Fifth level</a:t>
             </a:r>
-            <a:endParaRPr lang="en-US"/>
           </a:p>
         </p:txBody>
       </p:sp>
@@ -2610,10 +2595,9 @@
           <a:lstStyle/>
           <a:p>
             <a:r>
-              <a:rPr lang="en-US" smtClean="0"/>
+              <a:rPr lang="en-US"/>
               <a:t>Click to edit Master title style</a:t>
             </a:r>
-            <a:endParaRPr lang="en-US"/>
           </a:p>
         </p:txBody>
       </p:sp>
@@ -2705,10 +2689,9 @@
           </a:lstStyle>
           <a:p>
             <a:r>
-              <a:rPr lang="en-US" smtClean="0"/>
+              <a:rPr lang="en-US"/>
               <a:t>Click to edit Master title style</a:t>
             </a:r>
-            <a:endParaRPr lang="en-US"/>
           </a:p>
         </p:txBody>
       </p:sp>
@@ -2765,38 +2748,37 @@
           <a:p>
             <a:pPr lvl="0"/>
             <a:r>
-              <a:rPr lang="en-US" smtClean="0"/>
+              <a:rPr lang="en-US"/>
               <a:t>Click to edit Master text styles</a:t>
             </a:r>
           </a:p>
           <a:p>
             <a:pPr lvl="1"/>
             <a:r>
-              <a:rPr lang="en-US" smtClean="0"/>
+              <a:rPr lang="en-US"/>
               <a:t>Second level</a:t>
             </a:r>
           </a:p>
           <a:p>
             <a:pPr lvl="2"/>
             <a:r>
-              <a:rPr lang="en-US" smtClean="0"/>
+              <a:rPr lang="en-US"/>
               <a:t>Third level</a:t>
             </a:r>
           </a:p>
           <a:p>
             <a:pPr lvl="3"/>
             <a:r>
-              <a:rPr lang="en-US" smtClean="0"/>
+              <a:rPr lang="en-US"/>
               <a:t>Fourth level</a:t>
             </a:r>
           </a:p>
           <a:p>
             <a:pPr lvl="4"/>
             <a:r>
-              <a:rPr lang="en-US" smtClean="0"/>
+              <a:rPr lang="en-US"/>
               <a:t>Fifth level</a:t>
             </a:r>
-            <a:endParaRPr lang="en-US"/>
           </a:p>
         </p:txBody>
       </p:sp>
@@ -2862,7 +2844,7 @@
           <a:p>
             <a:pPr lvl="0"/>
             <a:r>
-              <a:rPr lang="en-US" smtClean="0"/>
+              <a:rPr lang="en-US"/>
               <a:t>Click to edit Master text styles</a:t>
             </a:r>
           </a:p>
@@ -2926,10 +2908,9 @@
           </a:lstStyle>
           <a:p>
             <a:r>
-              <a:rPr lang="en-US" smtClean="0"/>
+              <a:rPr lang="en-US"/>
               <a:t>Click to edit Master title style</a:t>
             </a:r>
-            <a:endParaRPr lang="en-US"/>
           </a:p>
         </p:txBody>
       </p:sp>
@@ -2994,7 +2975,7 @@
           </a:lstStyle>
           <a:p>
             <a:pPr lvl="0"/>
-            <a:endParaRPr lang="en-US" noProof="0" smtClean="0"/>
+            <a:endParaRPr lang="en-US" noProof="0"/>
           </a:p>
         </p:txBody>
       </p:sp>
@@ -3060,7 +3041,7 @@
           <a:p>
             <a:pPr lvl="0"/>
             <a:r>
-              <a:rPr lang="en-US" smtClean="0"/>
+              <a:rPr lang="en-US"/>
               <a:t>Click to edit Master text styles</a:t>
             </a:r>
           </a:p>
@@ -3549,6 +3530,11 @@
             <a:chOff x="1054474" y="495300"/>
             <a:chExt cx="41794578" cy="4610100"/>
           </a:xfrm>
+          <a:solidFill>
+            <a:schemeClr val="accent2">
+              <a:lumMod val="50000"/>
+            </a:schemeClr>
+          </a:solidFill>
         </p:grpSpPr>
         <p:sp>
           <p:nvSpPr>
@@ -3566,11 +3552,7 @@
             <a:prstGeom prst="rect">
               <a:avLst/>
             </a:prstGeom>
-            <a:solidFill>
-              <a:schemeClr val="accent2">
-                <a:lumMod val="50000"/>
-              </a:schemeClr>
-            </a:solidFill>
+            <a:grpFill/>
             <a:ln w="25400">
               <a:noFill/>
               <a:miter lim="800000"/>
@@ -3708,11 +3690,7 @@
             <a:prstGeom prst="rect">
               <a:avLst/>
             </a:prstGeom>
-            <a:solidFill>
-              <a:srgbClr val="0082A5">
-                <a:alpha val="20000"/>
-              </a:srgbClr>
-            </a:solidFill>
+            <a:grpFill/>
             <a:ln w="25400">
               <a:noFill/>
               <a:miter lim="800000"/>
@@ -3858,14 +3836,14 @@
           <a:effectLst/>
           <a:extLst>
             <a:ext uri="{909E8E84-426E-40dd-AFC4-6F175D3DCCD1}">
-              <a14:hiddenFill xmlns="" xmlns:a14="http://schemas.microsoft.com/office/drawing/2010/main">
+              <a14:hiddenFill xmlns:a14="http://schemas.microsoft.com/office/drawing/2010/main" xmlns="">
                 <a:solidFill>
                   <a:srgbClr val="000000"/>
                 </a:solidFill>
               </a14:hiddenFill>
             </a:ext>
             <a:ext uri="{91240B29-F687-4f45-9708-019B960494DF}">
-              <a14:hiddenLine xmlns="" xmlns:a14="http://schemas.microsoft.com/office/drawing/2010/main" w="9525">
+              <a14:hiddenLine xmlns:a14="http://schemas.microsoft.com/office/drawing/2010/main" xmlns="" w="9525">
                 <a:solidFill>
                   <a:schemeClr val="tx1"/>
                 </a:solidFill>
@@ -3875,7 +3853,7 @@
               </a14:hiddenLine>
             </a:ext>
             <a:ext uri="{AF507438-7753-43e0-B8FC-AC1667EBCBE1}">
-              <a14:hiddenEffects xmlns="" xmlns:a14="http://schemas.microsoft.com/office/drawing/2010/main">
+              <a14:hiddenEffects xmlns:a14="http://schemas.microsoft.com/office/drawing/2010/main" xmlns="">
                 <a:effectLst>
                   <a:outerShdw dist="35921" dir="2700000" algn="ctr" rotWithShape="0">
                     <a:srgbClr val="FFBF0B"/>
@@ -3988,7 +3966,7 @@
           <a:p>
             <a:pPr algn="ctr"/>
             <a:r>
-              <a:rPr lang="en-US" altLang="zh-CN" sz="7200" b="1" dirty="0" smtClean="0">
+              <a:rPr lang="en-US" altLang="zh-CN" sz="7200" b="1" dirty="0">
                 <a:solidFill>
                   <a:schemeClr val="bg1"/>
                 </a:solidFill>
@@ -3999,7 +3977,198 @@
               </a:rPr>
               <a:t>Sonic Signatures: Do Shakespeare’s Characters Have Distinct Speech Qualities? </a:t>
             </a:r>
-            <a:endParaRPr lang="en-US" altLang="zh-CN" sz="7200" b="1" dirty="0">
+          </a:p>
+          <a:p>
+            <a:pPr algn="ctr">
+              <a:spcBef>
+                <a:spcPct val="20000"/>
+              </a:spcBef>
+            </a:pPr>
+            <a:r>
+              <a:rPr lang="en-US" altLang="zh-CN" sz="5600" b="1" dirty="0">
+                <a:solidFill>
+                  <a:schemeClr val="bg1"/>
+                </a:solidFill>
+                <a:effectLst/>
+                <a:latin typeface="Lucida Sans" pitchFamily="34" charset="0"/>
+                <a:ea typeface="SimSun" pitchFamily="2" charset="-122"/>
+                <a:cs typeface="Lucida Sans" pitchFamily="34" charset="0"/>
+              </a:rPr>
+              <a:t>Estelle Bayer, Liz Nichols, Eric Alexander</a:t>
+            </a:r>
+          </a:p>
+          <a:p>
+            <a:pPr algn="ctr"/>
+            <a:r>
+              <a:rPr lang="en-US" altLang="zh-CN" sz="4200" b="1" dirty="0">
+                <a:solidFill>
+                  <a:schemeClr val="bg1"/>
+                </a:solidFill>
+                <a:effectLst/>
+                <a:latin typeface="Lucida Sans" pitchFamily="34" charset="0"/>
+                <a:ea typeface="SimSun" pitchFamily="2" charset="-122"/>
+                <a:cs typeface="Lucida Sans" pitchFamily="34" charset="0"/>
+              </a:rPr>
+              <a:t>Computer Science, Carleton College</a:t>
+            </a:r>
+          </a:p>
+        </p:txBody>
+      </p:sp>
+      <p:sp>
+        <p:nvSpPr>
+          <p:cNvPr id="41" name="Text Box 248"/>
+          <p:cNvSpPr txBox="1">
+            <a:spLocks noChangeArrowheads="1"/>
+          </p:cNvSpPr>
+          <p:nvPr/>
+        </p:nvSpPr>
+        <p:spPr bwMode="auto">
+          <a:xfrm>
+            <a:off x="1214754" y="5477442"/>
+            <a:ext cx="14508304" cy="769441"/>
+          </a:xfrm>
+          <a:prstGeom prst="rect">
+            <a:avLst/>
+          </a:prstGeom>
+          <a:gradFill>
+            <a:gsLst>
+              <a:gs pos="56000">
+                <a:schemeClr val="accent2">
+                  <a:lumMod val="50000"/>
+                </a:schemeClr>
+              </a:gs>
+              <a:gs pos="100000">
+                <a:schemeClr val="bg1">
+                  <a:alpha val="0"/>
+                </a:schemeClr>
+              </a:gs>
+            </a:gsLst>
+            <a:lin ang="0" scaled="1"/>
+          </a:gradFill>
+          <a:ln w="19050">
+            <a:noFill/>
+            <a:miter lim="800000"/>
+            <a:headEnd/>
+            <a:tailEnd/>
+          </a:ln>
+          <a:effectLst/>
+        </p:spPr>
+        <p:txBody>
+          <a:bodyPr wrap="square">
+            <a:spAutoFit/>
+          </a:bodyPr>
+          <a:lstStyle>
+            <a:lvl1pPr>
+              <a:defRPr sz="2400">
+                <a:solidFill>
+                  <a:schemeClr val="tx1"/>
+                </a:solidFill>
+                <a:latin typeface="Times New Roman" pitchFamily="18" charset="0"/>
+              </a:defRPr>
+            </a:lvl1pPr>
+            <a:lvl2pPr marL="742950" indent="-285750">
+              <a:defRPr sz="2400">
+                <a:solidFill>
+                  <a:schemeClr val="tx1"/>
+                </a:solidFill>
+                <a:latin typeface="Times New Roman" pitchFamily="18" charset="0"/>
+              </a:defRPr>
+            </a:lvl2pPr>
+            <a:lvl3pPr marL="1143000" indent="-228600">
+              <a:defRPr sz="2400">
+                <a:solidFill>
+                  <a:schemeClr val="tx1"/>
+                </a:solidFill>
+                <a:latin typeface="Times New Roman" pitchFamily="18" charset="0"/>
+              </a:defRPr>
+            </a:lvl3pPr>
+            <a:lvl4pPr marL="1600200" indent="-228600">
+              <a:defRPr sz="2400">
+                <a:solidFill>
+                  <a:schemeClr val="tx1"/>
+                </a:solidFill>
+                <a:latin typeface="Times New Roman" pitchFamily="18" charset="0"/>
+              </a:defRPr>
+            </a:lvl4pPr>
+            <a:lvl5pPr marL="2057400" indent="-228600">
+              <a:defRPr sz="2400">
+                <a:solidFill>
+                  <a:schemeClr val="tx1"/>
+                </a:solidFill>
+                <a:latin typeface="Times New Roman" pitchFamily="18" charset="0"/>
+              </a:defRPr>
+            </a:lvl5pPr>
+            <a:lvl6pPr marL="2514600" indent="-228600" eaLnBrk="0" fontAlgn="base" hangingPunct="0">
+              <a:spcBef>
+                <a:spcPct val="0"/>
+              </a:spcBef>
+              <a:spcAft>
+                <a:spcPct val="0"/>
+              </a:spcAft>
+              <a:defRPr sz="2400">
+                <a:solidFill>
+                  <a:schemeClr val="tx1"/>
+                </a:solidFill>
+                <a:latin typeface="Times New Roman" pitchFamily="18" charset="0"/>
+              </a:defRPr>
+            </a:lvl6pPr>
+            <a:lvl7pPr marL="2971800" indent="-228600" eaLnBrk="0" fontAlgn="base" hangingPunct="0">
+              <a:spcBef>
+                <a:spcPct val="0"/>
+              </a:spcBef>
+              <a:spcAft>
+                <a:spcPct val="0"/>
+              </a:spcAft>
+              <a:defRPr sz="2400">
+                <a:solidFill>
+                  <a:schemeClr val="tx1"/>
+                </a:solidFill>
+                <a:latin typeface="Times New Roman" pitchFamily="18" charset="0"/>
+              </a:defRPr>
+            </a:lvl7pPr>
+            <a:lvl8pPr marL="3429000" indent="-228600" eaLnBrk="0" fontAlgn="base" hangingPunct="0">
+              <a:spcBef>
+                <a:spcPct val="0"/>
+              </a:spcBef>
+              <a:spcAft>
+                <a:spcPct val="0"/>
+              </a:spcAft>
+              <a:defRPr sz="2400">
+                <a:solidFill>
+                  <a:schemeClr val="tx1"/>
+                </a:solidFill>
+                <a:latin typeface="Times New Roman" pitchFamily="18" charset="0"/>
+              </a:defRPr>
+            </a:lvl8pPr>
+            <a:lvl9pPr marL="3886200" indent="-228600" eaLnBrk="0" fontAlgn="base" hangingPunct="0">
+              <a:spcBef>
+                <a:spcPct val="0"/>
+              </a:spcBef>
+              <a:spcAft>
+                <a:spcPct val="0"/>
+              </a:spcAft>
+              <a:defRPr sz="2400">
+                <a:solidFill>
+                  <a:schemeClr val="tx1"/>
+                </a:solidFill>
+                <a:latin typeface="Times New Roman" pitchFamily="18" charset="0"/>
+              </a:defRPr>
+            </a:lvl9pPr>
+          </a:lstStyle>
+          <a:p>
+            <a:r>
+              <a:rPr lang="en-US" altLang="zh-CN" sz="4400" b="1" dirty="0">
+                <a:solidFill>
+                  <a:schemeClr val="bg1"/>
+                </a:solidFill>
+                <a:effectLst/>
+                <a:latin typeface="Lucida Sans" pitchFamily="34" charset="0"/>
+                <a:ea typeface="SimSun" pitchFamily="2" charset="-122"/>
+                <a:cs typeface="Lucida Sans" pitchFamily="34" charset="0"/>
+              </a:rPr>
+              <a:t>Why Sonic Signatures?</a:t>
+            </a:r>
+            <a:endParaRPr lang="en-US" altLang="zh-CN" sz="3200" b="1" dirty="0">
               <a:solidFill>
                 <a:schemeClr val="bg1"/>
               </a:solidFill>
@@ -4009,14 +4178,152 @@
               <a:cs typeface="Lucida Sans" pitchFamily="34" charset="0"/>
             </a:endParaRPr>
           </a:p>
-          <a:p>
-            <a:pPr algn="ctr">
+        </p:txBody>
+      </p:sp>
+      <p:sp>
+        <p:nvSpPr>
+          <p:cNvPr id="44" name="Text Box 248"/>
+          <p:cNvSpPr txBox="1">
+            <a:spLocks noChangeArrowheads="1"/>
+          </p:cNvSpPr>
+          <p:nvPr/>
+        </p:nvSpPr>
+        <p:spPr bwMode="auto">
+          <a:xfrm>
+            <a:off x="1214754" y="15820808"/>
+            <a:ext cx="7816541" cy="1446550"/>
+          </a:xfrm>
+          <a:prstGeom prst="rect">
+            <a:avLst/>
+          </a:prstGeom>
+          <a:gradFill>
+            <a:gsLst>
+              <a:gs pos="56000">
+                <a:schemeClr val="accent2">
+                  <a:lumMod val="50000"/>
+                </a:schemeClr>
+              </a:gs>
+              <a:gs pos="100000">
+                <a:schemeClr val="bg1">
+                  <a:alpha val="0"/>
+                </a:schemeClr>
+              </a:gs>
+            </a:gsLst>
+            <a:lin ang="0" scaled="1"/>
+          </a:gradFill>
+          <a:ln w="19050">
+            <a:noFill/>
+            <a:miter lim="800000"/>
+            <a:headEnd/>
+            <a:tailEnd/>
+          </a:ln>
+          <a:effectLst/>
+        </p:spPr>
+        <p:txBody>
+          <a:bodyPr wrap="square">
+            <a:spAutoFit/>
+          </a:bodyPr>
+          <a:lstStyle>
+            <a:lvl1pPr>
+              <a:defRPr sz="2400">
+                <a:solidFill>
+                  <a:schemeClr val="tx1"/>
+                </a:solidFill>
+                <a:latin typeface="Times New Roman" pitchFamily="18" charset="0"/>
+              </a:defRPr>
+            </a:lvl1pPr>
+            <a:lvl2pPr marL="742950" indent="-285750">
+              <a:defRPr sz="2400">
+                <a:solidFill>
+                  <a:schemeClr val="tx1"/>
+                </a:solidFill>
+                <a:latin typeface="Times New Roman" pitchFamily="18" charset="0"/>
+              </a:defRPr>
+            </a:lvl2pPr>
+            <a:lvl3pPr marL="1143000" indent="-228600">
+              <a:defRPr sz="2400">
+                <a:solidFill>
+                  <a:schemeClr val="tx1"/>
+                </a:solidFill>
+                <a:latin typeface="Times New Roman" pitchFamily="18" charset="0"/>
+              </a:defRPr>
+            </a:lvl3pPr>
+            <a:lvl4pPr marL="1600200" indent="-228600">
+              <a:defRPr sz="2400">
+                <a:solidFill>
+                  <a:schemeClr val="tx1"/>
+                </a:solidFill>
+                <a:latin typeface="Times New Roman" pitchFamily="18" charset="0"/>
+              </a:defRPr>
+            </a:lvl4pPr>
+            <a:lvl5pPr marL="2057400" indent="-228600">
+              <a:defRPr sz="2400">
+                <a:solidFill>
+                  <a:schemeClr val="tx1"/>
+                </a:solidFill>
+                <a:latin typeface="Times New Roman" pitchFamily="18" charset="0"/>
+              </a:defRPr>
+            </a:lvl5pPr>
+            <a:lvl6pPr marL="2514600" indent="-228600" eaLnBrk="0" fontAlgn="base" hangingPunct="0">
               <a:spcBef>
-                <a:spcPct val="20000"/>
+                <a:spcPct val="0"/>
               </a:spcBef>
-            </a:pPr>
-            <a:r>
-              <a:rPr lang="en-US" altLang="zh-CN" sz="5600" b="1" dirty="0" smtClean="0">
+              <a:spcAft>
+                <a:spcPct val="0"/>
+              </a:spcAft>
+              <a:defRPr sz="2400">
+                <a:solidFill>
+                  <a:schemeClr val="tx1"/>
+                </a:solidFill>
+                <a:latin typeface="Times New Roman" pitchFamily="18" charset="0"/>
+              </a:defRPr>
+            </a:lvl6pPr>
+            <a:lvl7pPr marL="2971800" indent="-228600" eaLnBrk="0" fontAlgn="base" hangingPunct="0">
+              <a:spcBef>
+                <a:spcPct val="0"/>
+              </a:spcBef>
+              <a:spcAft>
+                <a:spcPct val="0"/>
+              </a:spcAft>
+              <a:defRPr sz="2400">
+                <a:solidFill>
+                  <a:schemeClr val="tx1"/>
+                </a:solidFill>
+                <a:latin typeface="Times New Roman" pitchFamily="18" charset="0"/>
+              </a:defRPr>
+            </a:lvl7pPr>
+            <a:lvl8pPr marL="3429000" indent="-228600" eaLnBrk="0" fontAlgn="base" hangingPunct="0">
+              <a:spcBef>
+                <a:spcPct val="0"/>
+              </a:spcBef>
+              <a:spcAft>
+                <a:spcPct val="0"/>
+              </a:spcAft>
+              <a:defRPr sz="2400">
+                <a:solidFill>
+                  <a:schemeClr val="tx1"/>
+                </a:solidFill>
+                <a:latin typeface="Times New Roman" pitchFamily="18" charset="0"/>
+              </a:defRPr>
+            </a:lvl8pPr>
+            <a:lvl9pPr marL="3886200" indent="-228600" eaLnBrk="0" fontAlgn="base" hangingPunct="0">
+              <a:spcBef>
+                <a:spcPct val="0"/>
+              </a:spcBef>
+              <a:spcAft>
+                <a:spcPct val="0"/>
+              </a:spcAft>
+              <a:defRPr sz="2400">
+                <a:solidFill>
+                  <a:schemeClr val="tx1"/>
+                </a:solidFill>
+                <a:latin typeface="Times New Roman" pitchFamily="18" charset="0"/>
+              </a:defRPr>
+            </a:lvl9pPr>
+          </a:lstStyle>
+          <a:p>
+            <a:r>
+              <a:rPr lang="en-US" altLang="zh-CN" sz="4400" b="1" dirty="0">
                 <a:solidFill>
                   <a:schemeClr val="bg1"/>
                 </a:solidFill>
@@ -4025,9 +4332,9 @@
                 <a:ea typeface="SimSun" pitchFamily="2" charset="-122"/>
                 <a:cs typeface="Lucida Sans" pitchFamily="34" charset="0"/>
               </a:rPr>
-              <a:t>Eric Alexander, Estelle Bayer, Liz Nichols</a:t>
-            </a:r>
-            <a:endParaRPr lang="en-US" altLang="zh-CN" sz="5600" b="1" dirty="0">
+              <a:t>Depicting Features Information (MDS)</a:t>
+            </a:r>
+            <a:endParaRPr lang="en-US" altLang="zh-CN" sz="3200" b="1" dirty="0">
               <a:solidFill>
                 <a:schemeClr val="bg1"/>
               </a:solidFill>
@@ -4037,744 +4344,8 @@
               <a:cs typeface="Lucida Sans" pitchFamily="34" charset="0"/>
             </a:endParaRPr>
           </a:p>
-          <a:p>
-            <a:pPr algn="ctr"/>
-            <a:r>
-              <a:rPr lang="en-US" altLang="zh-CN" sz="4200" b="1" dirty="0" smtClean="0">
-                <a:solidFill>
-                  <a:schemeClr val="bg1"/>
-                </a:solidFill>
-                <a:effectLst/>
-                <a:latin typeface="Lucida Sans" pitchFamily="34" charset="0"/>
-                <a:ea typeface="SimSun" pitchFamily="2" charset="-122"/>
-                <a:cs typeface="Lucida Sans" pitchFamily="34" charset="0"/>
-              </a:rPr>
-              <a:t>Computer Science, Carleton College</a:t>
-            </a:r>
-            <a:endParaRPr lang="en-US" altLang="zh-CN" sz="4200" b="1" dirty="0">
-              <a:solidFill>
-                <a:schemeClr val="bg1"/>
-              </a:solidFill>
-              <a:effectLst/>
-              <a:latin typeface="Lucida Sans" pitchFamily="34" charset="0"/>
-              <a:ea typeface="SimSun" pitchFamily="2" charset="-122"/>
-              <a:cs typeface="Lucida Sans" pitchFamily="34" charset="0"/>
-            </a:endParaRPr>
-          </a:p>
         </p:txBody>
       </p:sp>
-      <p:grpSp>
-        <p:nvGrpSpPr>
-          <p:cNvPr id="39" name="Group 38"/>
-          <p:cNvGrpSpPr/>
-          <p:nvPr/>
-        </p:nvGrpSpPr>
-        <p:grpSpPr>
-          <a:xfrm>
-            <a:off x="1257832" y="5644079"/>
-            <a:ext cx="14501833" cy="946293"/>
-            <a:chOff x="1066799" y="5958162"/>
-            <a:chExt cx="11007725" cy="946293"/>
-          </a:xfrm>
-        </p:grpSpPr>
-        <p:sp>
-          <p:nvSpPr>
-            <p:cNvPr id="40" name="Text Box 248"/>
-            <p:cNvSpPr txBox="1">
-              <a:spLocks noChangeArrowheads="1"/>
-            </p:cNvSpPr>
-            <p:nvPr/>
-          </p:nvSpPr>
-          <p:spPr bwMode="auto">
-            <a:xfrm>
-              <a:off x="1066799" y="5958162"/>
-              <a:ext cx="11007725" cy="946293"/>
-            </a:xfrm>
-            <a:prstGeom prst="rect">
-              <a:avLst/>
-            </a:prstGeom>
-            <a:gradFill rotWithShape="0">
-              <a:gsLst>
-                <a:gs pos="0">
-                  <a:schemeClr val="accent2">
-                    <a:lumMod val="40000"/>
-                    <a:lumOff val="60000"/>
-                  </a:schemeClr>
-                </a:gs>
-                <a:gs pos="13000">
-                  <a:schemeClr val="accent3">
-                    <a:lumMod val="60000"/>
-                    <a:lumOff val="40000"/>
-                  </a:schemeClr>
-                </a:gs>
-                <a:gs pos="43000">
-                  <a:schemeClr val="accent2">
-                    <a:lumMod val="60000"/>
-                    <a:lumOff val="40000"/>
-                  </a:schemeClr>
-                </a:gs>
-                <a:gs pos="67000">
-                  <a:schemeClr val="accent2">
-                    <a:lumMod val="75000"/>
-                  </a:schemeClr>
-                </a:gs>
-                <a:gs pos="83000">
-                  <a:schemeClr val="accent2">
-                    <a:lumMod val="75000"/>
-                  </a:schemeClr>
-                </a:gs>
-                <a:gs pos="100000">
-                  <a:schemeClr val="accent3">
-                    <a:lumMod val="60000"/>
-                    <a:lumOff val="40000"/>
-                  </a:schemeClr>
-                </a:gs>
-              </a:gsLst>
-              <a:lin ang="0" scaled="1"/>
-            </a:gradFill>
-            <a:ln w="19050">
-              <a:noFill/>
-              <a:miter lim="800000"/>
-              <a:headEnd/>
-              <a:tailEnd/>
-            </a:ln>
-            <a:effectLst/>
-          </p:spPr>
-          <p:txBody>
-            <a:bodyPr>
-              <a:spAutoFit/>
-            </a:bodyPr>
-            <a:lstStyle>
-              <a:lvl1pPr>
-                <a:defRPr sz="2400">
-                  <a:solidFill>
-                    <a:schemeClr val="tx1"/>
-                  </a:solidFill>
-                  <a:latin typeface="Times New Roman" pitchFamily="18" charset="0"/>
-                </a:defRPr>
-              </a:lvl1pPr>
-              <a:lvl2pPr marL="742950" indent="-285750">
-                <a:defRPr sz="2400">
-                  <a:solidFill>
-                    <a:schemeClr val="tx1"/>
-                  </a:solidFill>
-                  <a:latin typeface="Times New Roman" pitchFamily="18" charset="0"/>
-                </a:defRPr>
-              </a:lvl2pPr>
-              <a:lvl3pPr marL="1143000" indent="-228600">
-                <a:defRPr sz="2400">
-                  <a:solidFill>
-                    <a:schemeClr val="tx1"/>
-                  </a:solidFill>
-                  <a:latin typeface="Times New Roman" pitchFamily="18" charset="0"/>
-                </a:defRPr>
-              </a:lvl3pPr>
-              <a:lvl4pPr marL="1600200" indent="-228600">
-                <a:defRPr sz="2400">
-                  <a:solidFill>
-                    <a:schemeClr val="tx1"/>
-                  </a:solidFill>
-                  <a:latin typeface="Times New Roman" pitchFamily="18" charset="0"/>
-                </a:defRPr>
-              </a:lvl4pPr>
-              <a:lvl5pPr marL="2057400" indent="-228600">
-                <a:defRPr sz="2400">
-                  <a:solidFill>
-                    <a:schemeClr val="tx1"/>
-                  </a:solidFill>
-                  <a:latin typeface="Times New Roman" pitchFamily="18" charset="0"/>
-                </a:defRPr>
-              </a:lvl5pPr>
-              <a:lvl6pPr marL="2514600" indent="-228600" eaLnBrk="0" fontAlgn="base" hangingPunct="0">
-                <a:spcBef>
-                  <a:spcPct val="0"/>
-                </a:spcBef>
-                <a:spcAft>
-                  <a:spcPct val="0"/>
-                </a:spcAft>
-                <a:defRPr sz="2400">
-                  <a:solidFill>
-                    <a:schemeClr val="tx1"/>
-                  </a:solidFill>
-                  <a:latin typeface="Times New Roman" pitchFamily="18" charset="0"/>
-                </a:defRPr>
-              </a:lvl6pPr>
-              <a:lvl7pPr marL="2971800" indent="-228600" eaLnBrk="0" fontAlgn="base" hangingPunct="0">
-                <a:spcBef>
-                  <a:spcPct val="0"/>
-                </a:spcBef>
-                <a:spcAft>
-                  <a:spcPct val="0"/>
-                </a:spcAft>
-                <a:defRPr sz="2400">
-                  <a:solidFill>
-                    <a:schemeClr val="tx1"/>
-                  </a:solidFill>
-                  <a:latin typeface="Times New Roman" pitchFamily="18" charset="0"/>
-                </a:defRPr>
-              </a:lvl7pPr>
-              <a:lvl8pPr marL="3429000" indent="-228600" eaLnBrk="0" fontAlgn="base" hangingPunct="0">
-                <a:spcBef>
-                  <a:spcPct val="0"/>
-                </a:spcBef>
-                <a:spcAft>
-                  <a:spcPct val="0"/>
-                </a:spcAft>
-                <a:defRPr sz="2400">
-                  <a:solidFill>
-                    <a:schemeClr val="tx1"/>
-                  </a:solidFill>
-                  <a:latin typeface="Times New Roman" pitchFamily="18" charset="0"/>
-                </a:defRPr>
-              </a:lvl8pPr>
-              <a:lvl9pPr marL="3886200" indent="-228600" eaLnBrk="0" fontAlgn="base" hangingPunct="0">
-                <a:spcBef>
-                  <a:spcPct val="0"/>
-                </a:spcBef>
-                <a:spcAft>
-                  <a:spcPct val="0"/>
-                </a:spcAft>
-                <a:defRPr sz="2400">
-                  <a:solidFill>
-                    <a:schemeClr val="tx1"/>
-                  </a:solidFill>
-                  <a:latin typeface="Times New Roman" pitchFamily="18" charset="0"/>
-                </a:defRPr>
-              </a:lvl9pPr>
-            </a:lstStyle>
-            <a:p>
-              <a:endParaRPr lang="en-US" altLang="zh-CN" sz="3600" b="1" dirty="0">
-                <a:effectLst/>
-                <a:latin typeface="Lucida Sans" pitchFamily="34" charset="0"/>
-                <a:ea typeface="SimSun" pitchFamily="2" charset="-122"/>
-                <a:cs typeface="Lucida Sans" pitchFamily="34" charset="0"/>
-              </a:endParaRPr>
-            </a:p>
-          </p:txBody>
-        </p:sp>
-        <p:sp>
-          <p:nvSpPr>
-            <p:cNvPr id="41" name="Text Box 248"/>
-            <p:cNvSpPr txBox="1">
-              <a:spLocks noChangeArrowheads="1"/>
-            </p:cNvSpPr>
-            <p:nvPr/>
-          </p:nvSpPr>
-          <p:spPr bwMode="auto">
-            <a:xfrm>
-              <a:off x="1157514" y="6046588"/>
-              <a:ext cx="10805886" cy="769441"/>
-            </a:xfrm>
-            <a:prstGeom prst="rect">
-              <a:avLst/>
-            </a:prstGeom>
-            <a:gradFill>
-              <a:gsLst>
-                <a:gs pos="56000">
-                  <a:schemeClr val="accent2">
-                    <a:lumMod val="50000"/>
-                  </a:schemeClr>
-                </a:gs>
-                <a:gs pos="100000">
-                  <a:schemeClr val="bg1">
-                    <a:alpha val="0"/>
-                  </a:schemeClr>
-                </a:gs>
-              </a:gsLst>
-              <a:lin ang="0" scaled="1"/>
-            </a:gradFill>
-            <a:ln w="19050">
-              <a:noFill/>
-              <a:miter lim="800000"/>
-              <a:headEnd/>
-              <a:tailEnd/>
-            </a:ln>
-            <a:effectLst/>
-          </p:spPr>
-          <p:txBody>
-            <a:bodyPr wrap="square">
-              <a:spAutoFit/>
-            </a:bodyPr>
-            <a:lstStyle>
-              <a:lvl1pPr>
-                <a:defRPr sz="2400">
-                  <a:solidFill>
-                    <a:schemeClr val="tx1"/>
-                  </a:solidFill>
-                  <a:latin typeface="Times New Roman" pitchFamily="18" charset="0"/>
-                </a:defRPr>
-              </a:lvl1pPr>
-              <a:lvl2pPr marL="742950" indent="-285750">
-                <a:defRPr sz="2400">
-                  <a:solidFill>
-                    <a:schemeClr val="tx1"/>
-                  </a:solidFill>
-                  <a:latin typeface="Times New Roman" pitchFamily="18" charset="0"/>
-                </a:defRPr>
-              </a:lvl2pPr>
-              <a:lvl3pPr marL="1143000" indent="-228600">
-                <a:defRPr sz="2400">
-                  <a:solidFill>
-                    <a:schemeClr val="tx1"/>
-                  </a:solidFill>
-                  <a:latin typeface="Times New Roman" pitchFamily="18" charset="0"/>
-                </a:defRPr>
-              </a:lvl3pPr>
-              <a:lvl4pPr marL="1600200" indent="-228600">
-                <a:defRPr sz="2400">
-                  <a:solidFill>
-                    <a:schemeClr val="tx1"/>
-                  </a:solidFill>
-                  <a:latin typeface="Times New Roman" pitchFamily="18" charset="0"/>
-                </a:defRPr>
-              </a:lvl4pPr>
-              <a:lvl5pPr marL="2057400" indent="-228600">
-                <a:defRPr sz="2400">
-                  <a:solidFill>
-                    <a:schemeClr val="tx1"/>
-                  </a:solidFill>
-                  <a:latin typeface="Times New Roman" pitchFamily="18" charset="0"/>
-                </a:defRPr>
-              </a:lvl5pPr>
-              <a:lvl6pPr marL="2514600" indent="-228600" eaLnBrk="0" fontAlgn="base" hangingPunct="0">
-                <a:spcBef>
-                  <a:spcPct val="0"/>
-                </a:spcBef>
-                <a:spcAft>
-                  <a:spcPct val="0"/>
-                </a:spcAft>
-                <a:defRPr sz="2400">
-                  <a:solidFill>
-                    <a:schemeClr val="tx1"/>
-                  </a:solidFill>
-                  <a:latin typeface="Times New Roman" pitchFamily="18" charset="0"/>
-                </a:defRPr>
-              </a:lvl6pPr>
-              <a:lvl7pPr marL="2971800" indent="-228600" eaLnBrk="0" fontAlgn="base" hangingPunct="0">
-                <a:spcBef>
-                  <a:spcPct val="0"/>
-                </a:spcBef>
-                <a:spcAft>
-                  <a:spcPct val="0"/>
-                </a:spcAft>
-                <a:defRPr sz="2400">
-                  <a:solidFill>
-                    <a:schemeClr val="tx1"/>
-                  </a:solidFill>
-                  <a:latin typeface="Times New Roman" pitchFamily="18" charset="0"/>
-                </a:defRPr>
-              </a:lvl7pPr>
-              <a:lvl8pPr marL="3429000" indent="-228600" eaLnBrk="0" fontAlgn="base" hangingPunct="0">
-                <a:spcBef>
-                  <a:spcPct val="0"/>
-                </a:spcBef>
-                <a:spcAft>
-                  <a:spcPct val="0"/>
-                </a:spcAft>
-                <a:defRPr sz="2400">
-                  <a:solidFill>
-                    <a:schemeClr val="tx1"/>
-                  </a:solidFill>
-                  <a:latin typeface="Times New Roman" pitchFamily="18" charset="0"/>
-                </a:defRPr>
-              </a:lvl8pPr>
-              <a:lvl9pPr marL="3886200" indent="-228600" eaLnBrk="0" fontAlgn="base" hangingPunct="0">
-                <a:spcBef>
-                  <a:spcPct val="0"/>
-                </a:spcBef>
-                <a:spcAft>
-                  <a:spcPct val="0"/>
-                </a:spcAft>
-                <a:defRPr sz="2400">
-                  <a:solidFill>
-                    <a:schemeClr val="tx1"/>
-                  </a:solidFill>
-                  <a:latin typeface="Times New Roman" pitchFamily="18" charset="0"/>
-                </a:defRPr>
-              </a:lvl9pPr>
-            </a:lstStyle>
-            <a:p>
-              <a:r>
-                <a:rPr lang="en-US" altLang="zh-CN" sz="4400" b="1" dirty="0" smtClean="0">
-                  <a:solidFill>
-                    <a:schemeClr val="bg1"/>
-                  </a:solidFill>
-                  <a:effectLst/>
-                  <a:latin typeface="Lucida Sans" pitchFamily="34" charset="0"/>
-                  <a:ea typeface="SimSun" pitchFamily="2" charset="-122"/>
-                  <a:cs typeface="Lucida Sans" pitchFamily="34" charset="0"/>
-                </a:rPr>
-                <a:t>Why Sonic Signatures?</a:t>
-              </a:r>
-              <a:endParaRPr lang="en-US" altLang="zh-CN" sz="3200" b="1" dirty="0">
-                <a:solidFill>
-                  <a:schemeClr val="bg1"/>
-                </a:solidFill>
-                <a:effectLst/>
-                <a:latin typeface="Lucida Sans" pitchFamily="34" charset="0"/>
-                <a:ea typeface="SimSun" pitchFamily="2" charset="-122"/>
-                <a:cs typeface="Lucida Sans" pitchFamily="34" charset="0"/>
-              </a:endParaRPr>
-            </a:p>
-          </p:txBody>
-        </p:sp>
-      </p:grpSp>
-      <p:grpSp>
-        <p:nvGrpSpPr>
-          <p:cNvPr id="42" name="Group 41"/>
-          <p:cNvGrpSpPr/>
-          <p:nvPr/>
-        </p:nvGrpSpPr>
-        <p:grpSpPr>
-          <a:xfrm>
-            <a:off x="1227529" y="16733927"/>
-            <a:ext cx="14508304" cy="968400"/>
-            <a:chOff x="1066799" y="5958162"/>
-            <a:chExt cx="11007725" cy="946293"/>
-          </a:xfrm>
-        </p:grpSpPr>
-        <p:sp>
-          <p:nvSpPr>
-            <p:cNvPr id="43" name="Text Box 248"/>
-            <p:cNvSpPr txBox="1">
-              <a:spLocks noChangeArrowheads="1"/>
-            </p:cNvSpPr>
-            <p:nvPr/>
-          </p:nvSpPr>
-          <p:spPr bwMode="auto">
-            <a:xfrm>
-              <a:off x="1066799" y="5958162"/>
-              <a:ext cx="11007725" cy="946293"/>
-            </a:xfrm>
-            <a:prstGeom prst="rect">
-              <a:avLst/>
-            </a:prstGeom>
-            <a:gradFill rotWithShape="0">
-              <a:gsLst>
-                <a:gs pos="0">
-                  <a:schemeClr val="accent2">
-                    <a:lumMod val="40000"/>
-                    <a:lumOff val="60000"/>
-                  </a:schemeClr>
-                </a:gs>
-                <a:gs pos="13000">
-                  <a:schemeClr val="accent3">
-                    <a:lumMod val="60000"/>
-                    <a:lumOff val="40000"/>
-                  </a:schemeClr>
-                </a:gs>
-                <a:gs pos="43000">
-                  <a:schemeClr val="accent2">
-                    <a:lumMod val="60000"/>
-                    <a:lumOff val="40000"/>
-                  </a:schemeClr>
-                </a:gs>
-                <a:gs pos="67000">
-                  <a:schemeClr val="accent2">
-                    <a:lumMod val="75000"/>
-                  </a:schemeClr>
-                </a:gs>
-                <a:gs pos="83000">
-                  <a:schemeClr val="accent2">
-                    <a:lumMod val="75000"/>
-                  </a:schemeClr>
-                </a:gs>
-                <a:gs pos="100000">
-                  <a:schemeClr val="accent3">
-                    <a:lumMod val="60000"/>
-                    <a:lumOff val="40000"/>
-                  </a:schemeClr>
-                </a:gs>
-              </a:gsLst>
-              <a:lin ang="0" scaled="1"/>
-            </a:gradFill>
-            <a:ln w="19050">
-              <a:noFill/>
-              <a:miter lim="800000"/>
-              <a:headEnd/>
-              <a:tailEnd/>
-            </a:ln>
-            <a:effectLst/>
-          </p:spPr>
-          <p:txBody>
-            <a:bodyPr>
-              <a:spAutoFit/>
-            </a:bodyPr>
-            <a:lstStyle>
-              <a:lvl1pPr>
-                <a:defRPr sz="2400">
-                  <a:solidFill>
-                    <a:schemeClr val="tx1"/>
-                  </a:solidFill>
-                  <a:latin typeface="Times New Roman" pitchFamily="18" charset="0"/>
-                </a:defRPr>
-              </a:lvl1pPr>
-              <a:lvl2pPr marL="742950" indent="-285750">
-                <a:defRPr sz="2400">
-                  <a:solidFill>
-                    <a:schemeClr val="tx1"/>
-                  </a:solidFill>
-                  <a:latin typeface="Times New Roman" pitchFamily="18" charset="0"/>
-                </a:defRPr>
-              </a:lvl2pPr>
-              <a:lvl3pPr marL="1143000" indent="-228600">
-                <a:defRPr sz="2400">
-                  <a:solidFill>
-                    <a:schemeClr val="tx1"/>
-                  </a:solidFill>
-                  <a:latin typeface="Times New Roman" pitchFamily="18" charset="0"/>
-                </a:defRPr>
-              </a:lvl3pPr>
-              <a:lvl4pPr marL="1600200" indent="-228600">
-                <a:defRPr sz="2400">
-                  <a:solidFill>
-                    <a:schemeClr val="tx1"/>
-                  </a:solidFill>
-                  <a:latin typeface="Times New Roman" pitchFamily="18" charset="0"/>
-                </a:defRPr>
-              </a:lvl4pPr>
-              <a:lvl5pPr marL="2057400" indent="-228600">
-                <a:defRPr sz="2400">
-                  <a:solidFill>
-                    <a:schemeClr val="tx1"/>
-                  </a:solidFill>
-                  <a:latin typeface="Times New Roman" pitchFamily="18" charset="0"/>
-                </a:defRPr>
-              </a:lvl5pPr>
-              <a:lvl6pPr marL="2514600" indent="-228600" eaLnBrk="0" fontAlgn="base" hangingPunct="0">
-                <a:spcBef>
-                  <a:spcPct val="0"/>
-                </a:spcBef>
-                <a:spcAft>
-                  <a:spcPct val="0"/>
-                </a:spcAft>
-                <a:defRPr sz="2400">
-                  <a:solidFill>
-                    <a:schemeClr val="tx1"/>
-                  </a:solidFill>
-                  <a:latin typeface="Times New Roman" pitchFamily="18" charset="0"/>
-                </a:defRPr>
-              </a:lvl6pPr>
-              <a:lvl7pPr marL="2971800" indent="-228600" eaLnBrk="0" fontAlgn="base" hangingPunct="0">
-                <a:spcBef>
-                  <a:spcPct val="0"/>
-                </a:spcBef>
-                <a:spcAft>
-                  <a:spcPct val="0"/>
-                </a:spcAft>
-                <a:defRPr sz="2400">
-                  <a:solidFill>
-                    <a:schemeClr val="tx1"/>
-                  </a:solidFill>
-                  <a:latin typeface="Times New Roman" pitchFamily="18" charset="0"/>
-                </a:defRPr>
-              </a:lvl7pPr>
-              <a:lvl8pPr marL="3429000" indent="-228600" eaLnBrk="0" fontAlgn="base" hangingPunct="0">
-                <a:spcBef>
-                  <a:spcPct val="0"/>
-                </a:spcBef>
-                <a:spcAft>
-                  <a:spcPct val="0"/>
-                </a:spcAft>
-                <a:defRPr sz="2400">
-                  <a:solidFill>
-                    <a:schemeClr val="tx1"/>
-                  </a:solidFill>
-                  <a:latin typeface="Times New Roman" pitchFamily="18" charset="0"/>
-                </a:defRPr>
-              </a:lvl8pPr>
-              <a:lvl9pPr marL="3886200" indent="-228600" eaLnBrk="0" fontAlgn="base" hangingPunct="0">
-                <a:spcBef>
-                  <a:spcPct val="0"/>
-                </a:spcBef>
-                <a:spcAft>
-                  <a:spcPct val="0"/>
-                </a:spcAft>
-                <a:defRPr sz="2400">
-                  <a:solidFill>
-                    <a:schemeClr val="tx1"/>
-                  </a:solidFill>
-                  <a:latin typeface="Times New Roman" pitchFamily="18" charset="0"/>
-                </a:defRPr>
-              </a:lvl9pPr>
-            </a:lstStyle>
-            <a:p>
-              <a:endParaRPr lang="en-US" altLang="zh-CN" sz="3600" b="1" dirty="0">
-                <a:effectLst/>
-                <a:latin typeface="Lucida Sans" pitchFamily="34" charset="0"/>
-                <a:ea typeface="SimSun" pitchFamily="2" charset="-122"/>
-                <a:cs typeface="Lucida Sans" pitchFamily="34" charset="0"/>
-              </a:endParaRPr>
-            </a:p>
-          </p:txBody>
-        </p:sp>
-        <p:sp>
-          <p:nvSpPr>
-            <p:cNvPr id="44" name="Text Box 248"/>
-            <p:cNvSpPr txBox="1">
-              <a:spLocks noChangeArrowheads="1"/>
-            </p:cNvSpPr>
-            <p:nvPr/>
-          </p:nvSpPr>
-          <p:spPr bwMode="auto">
-            <a:xfrm>
-              <a:off x="1157514" y="6046588"/>
-              <a:ext cx="10805886" cy="798915"/>
-            </a:xfrm>
-            <a:prstGeom prst="rect">
-              <a:avLst/>
-            </a:prstGeom>
-            <a:gradFill>
-              <a:gsLst>
-                <a:gs pos="56000">
-                  <a:schemeClr val="accent2">
-                    <a:lumMod val="50000"/>
-                  </a:schemeClr>
-                </a:gs>
-                <a:gs pos="100000">
-                  <a:schemeClr val="bg1">
-                    <a:alpha val="0"/>
-                  </a:schemeClr>
-                </a:gs>
-              </a:gsLst>
-              <a:lin ang="0" scaled="1"/>
-            </a:gradFill>
-            <a:ln w="19050">
-              <a:noFill/>
-              <a:miter lim="800000"/>
-              <a:headEnd/>
-              <a:tailEnd/>
-            </a:ln>
-            <a:effectLst/>
-          </p:spPr>
-          <p:txBody>
-            <a:bodyPr wrap="square">
-              <a:spAutoFit/>
-            </a:bodyPr>
-            <a:lstStyle>
-              <a:lvl1pPr>
-                <a:defRPr sz="2400">
-                  <a:solidFill>
-                    <a:schemeClr val="tx1"/>
-                  </a:solidFill>
-                  <a:latin typeface="Times New Roman" pitchFamily="18" charset="0"/>
-                </a:defRPr>
-              </a:lvl1pPr>
-              <a:lvl2pPr marL="742950" indent="-285750">
-                <a:defRPr sz="2400">
-                  <a:solidFill>
-                    <a:schemeClr val="tx1"/>
-                  </a:solidFill>
-                  <a:latin typeface="Times New Roman" pitchFamily="18" charset="0"/>
-                </a:defRPr>
-              </a:lvl2pPr>
-              <a:lvl3pPr marL="1143000" indent="-228600">
-                <a:defRPr sz="2400">
-                  <a:solidFill>
-                    <a:schemeClr val="tx1"/>
-                  </a:solidFill>
-                  <a:latin typeface="Times New Roman" pitchFamily="18" charset="0"/>
-                </a:defRPr>
-              </a:lvl3pPr>
-              <a:lvl4pPr marL="1600200" indent="-228600">
-                <a:defRPr sz="2400">
-                  <a:solidFill>
-                    <a:schemeClr val="tx1"/>
-                  </a:solidFill>
-                  <a:latin typeface="Times New Roman" pitchFamily="18" charset="0"/>
-                </a:defRPr>
-              </a:lvl4pPr>
-              <a:lvl5pPr marL="2057400" indent="-228600">
-                <a:defRPr sz="2400">
-                  <a:solidFill>
-                    <a:schemeClr val="tx1"/>
-                  </a:solidFill>
-                  <a:latin typeface="Times New Roman" pitchFamily="18" charset="0"/>
-                </a:defRPr>
-              </a:lvl5pPr>
-              <a:lvl6pPr marL="2514600" indent="-228600" eaLnBrk="0" fontAlgn="base" hangingPunct="0">
-                <a:spcBef>
-                  <a:spcPct val="0"/>
-                </a:spcBef>
-                <a:spcAft>
-                  <a:spcPct val="0"/>
-                </a:spcAft>
-                <a:defRPr sz="2400">
-                  <a:solidFill>
-                    <a:schemeClr val="tx1"/>
-                  </a:solidFill>
-                  <a:latin typeface="Times New Roman" pitchFamily="18" charset="0"/>
-                </a:defRPr>
-              </a:lvl6pPr>
-              <a:lvl7pPr marL="2971800" indent="-228600" eaLnBrk="0" fontAlgn="base" hangingPunct="0">
-                <a:spcBef>
-                  <a:spcPct val="0"/>
-                </a:spcBef>
-                <a:spcAft>
-                  <a:spcPct val="0"/>
-                </a:spcAft>
-                <a:defRPr sz="2400">
-                  <a:solidFill>
-                    <a:schemeClr val="tx1"/>
-                  </a:solidFill>
-                  <a:latin typeface="Times New Roman" pitchFamily="18" charset="0"/>
-                </a:defRPr>
-              </a:lvl7pPr>
-              <a:lvl8pPr marL="3429000" indent="-228600" eaLnBrk="0" fontAlgn="base" hangingPunct="0">
-                <a:spcBef>
-                  <a:spcPct val="0"/>
-                </a:spcBef>
-                <a:spcAft>
-                  <a:spcPct val="0"/>
-                </a:spcAft>
-                <a:defRPr sz="2400">
-                  <a:solidFill>
-                    <a:schemeClr val="tx1"/>
-                  </a:solidFill>
-                  <a:latin typeface="Times New Roman" pitchFamily="18" charset="0"/>
-                </a:defRPr>
-              </a:lvl8pPr>
-              <a:lvl9pPr marL="3886200" indent="-228600" eaLnBrk="0" fontAlgn="base" hangingPunct="0">
-                <a:spcBef>
-                  <a:spcPct val="0"/>
-                </a:spcBef>
-                <a:spcAft>
-                  <a:spcPct val="0"/>
-                </a:spcAft>
-                <a:defRPr sz="2400">
-                  <a:solidFill>
-                    <a:schemeClr val="tx1"/>
-                  </a:solidFill>
-                  <a:latin typeface="Times New Roman" pitchFamily="18" charset="0"/>
-                </a:defRPr>
-              </a:lvl9pPr>
-            </a:lstStyle>
-            <a:p>
-              <a:r>
-                <a:rPr lang="en-US" altLang="zh-CN" sz="4400" b="1" dirty="0" smtClean="0">
-                  <a:solidFill>
-                    <a:schemeClr val="bg1"/>
-                  </a:solidFill>
-                  <a:effectLst/>
-                  <a:latin typeface="Lucida Sans" pitchFamily="34" charset="0"/>
-                  <a:ea typeface="SimSun" pitchFamily="2" charset="-122"/>
-                  <a:cs typeface="Lucida Sans" pitchFamily="34" charset="0"/>
-                </a:rPr>
-                <a:t>Depicting Feature Information (MDS)</a:t>
-              </a:r>
-              <a:endParaRPr lang="en-US" altLang="zh-CN" sz="3200" b="1" dirty="0">
-                <a:solidFill>
-                  <a:schemeClr val="bg1"/>
-                </a:solidFill>
-                <a:effectLst/>
-                <a:latin typeface="Lucida Sans" pitchFamily="34" charset="0"/>
-                <a:ea typeface="SimSun" pitchFamily="2" charset="-122"/>
-                <a:cs typeface="Lucida Sans" pitchFamily="34" charset="0"/>
-              </a:endParaRPr>
-            </a:p>
-          </p:txBody>
-        </p:sp>
-      </p:grpSp>
       <p:sp>
         <p:nvSpPr>
           <p:cNvPr id="57" name="Text Box 263"/>
@@ -4785,7 +4356,7 @@
         </p:nvSpPr>
         <p:spPr bwMode="auto">
           <a:xfrm>
-            <a:off x="16116299" y="6728012"/>
+            <a:off x="16030880" y="6246883"/>
             <a:ext cx="10501571" cy="5650990"/>
           </a:xfrm>
           <a:prstGeom prst="rect">
@@ -4915,35 +4486,14 @@
               </a:lnSpc>
             </a:pPr>
             <a:r>
-              <a:rPr lang="en-US" altLang="zh-CN" sz="2800" dirty="0" smtClean="0">
+              <a:rPr lang="en-US" altLang="zh-CN" sz="2800" dirty="0">
                 <a:effectLst/>
                 <a:ea typeface="SimSun" pitchFamily="2" charset="-122"/>
               </a:rPr>
-              <a:t>Having extracted </a:t>
-            </a:r>
-            <a:r>
-              <a:rPr lang="en-US" altLang="zh-CN" sz="2800" dirty="0" smtClean="0">
-                <a:effectLst/>
-                <a:ea typeface="SimSun" pitchFamily="2" charset="-122"/>
-              </a:rPr>
-              <a:t>phoneme and </a:t>
-            </a:r>
-            <a:r>
-              <a:rPr lang="en-US" altLang="zh-CN" sz="2800" dirty="0" smtClean="0">
-                <a:effectLst/>
-                <a:ea typeface="SimSun" pitchFamily="2" charset="-122"/>
-              </a:rPr>
-              <a:t>feature </a:t>
-            </a:r>
-            <a:r>
-              <a:rPr lang="en-US" altLang="zh-CN" sz="2800" dirty="0" smtClean="0">
-                <a:effectLst/>
-                <a:ea typeface="SimSun" pitchFamily="2" charset="-122"/>
-              </a:rPr>
-              <a:t>data, we wanted to see if simple classifiers could use these data to </a:t>
-            </a:r>
-            <a:r>
-              <a:rPr lang="en-US" altLang="zh-CN" sz="2800" b="1" dirty="0" smtClean="0">
+              <a:t>Having extracted phoneme and feature data, we wanted to see if simple classifiers could use these data to </a:t>
+            </a:r>
+            <a:r>
+              <a:rPr lang="en-US" altLang="zh-CN" sz="2800" b="1" dirty="0">
                 <a:effectLst/>
                 <a:ea typeface="SimSun" pitchFamily="2" charset="-122"/>
               </a:rPr>
@@ -4968,7 +4518,7 @@
               </a:lnSpc>
             </a:pPr>
             <a:r>
-              <a:rPr lang="en-US" altLang="zh-CN" sz="2800" dirty="0" smtClean="0">
+              <a:rPr lang="en-US" altLang="zh-CN" sz="2800" dirty="0">
                 <a:effectLst/>
                 <a:ea typeface="SimSun" pitchFamily="2" charset="-122"/>
               </a:rPr>
@@ -4993,21 +4543,21 @@
               </a:lnSpc>
             </a:pPr>
             <a:r>
-              <a:rPr lang="en-US" altLang="zh-CN" sz="2800" dirty="0" smtClean="0">
+              <a:rPr lang="en-US" altLang="zh-CN" sz="2800" dirty="0">
                 <a:effectLst/>
                 <a:ea typeface="SimSun" pitchFamily="2" charset="-122"/>
               </a:rPr>
               <a:t>The </a:t>
             </a:r>
             <a:r>
-              <a:rPr lang="en-US" altLang="zh-CN" sz="2800" b="1" dirty="0" smtClean="0">
+              <a:rPr lang="en-US" altLang="zh-CN" sz="2800" b="1" dirty="0">
                 <a:effectLst/>
                 <a:ea typeface="SimSun" pitchFamily="2" charset="-122"/>
               </a:rPr>
               <a:t>iterative </a:t>
             </a:r>
             <a:r>
-              <a:rPr lang="en-US" altLang="zh-CN" sz="2800" dirty="0" smtClean="0">
+              <a:rPr lang="en-US" altLang="zh-CN" sz="2800" dirty="0">
                 <a:effectLst/>
                 <a:ea typeface="SimSun" pitchFamily="2" charset="-122"/>
               </a:rPr>
@@ -5016,1433 +4566,9 @@
           </a:p>
         </p:txBody>
       </p:sp>
-      <p:grpSp>
-        <p:nvGrpSpPr>
-          <p:cNvPr id="59" name="Group 58"/>
-          <p:cNvGrpSpPr/>
-          <p:nvPr/>
-        </p:nvGrpSpPr>
-        <p:grpSpPr>
-          <a:xfrm>
-            <a:off x="16116299" y="5639430"/>
-            <a:ext cx="26846618" cy="1089743"/>
-            <a:chOff x="1066799" y="5958162"/>
-            <a:chExt cx="11007725" cy="946293"/>
-          </a:xfrm>
-        </p:grpSpPr>
-        <p:sp>
-          <p:nvSpPr>
-            <p:cNvPr id="60" name="Text Box 248"/>
-            <p:cNvSpPr txBox="1">
-              <a:spLocks noChangeArrowheads="1"/>
-            </p:cNvSpPr>
-            <p:nvPr/>
-          </p:nvSpPr>
-          <p:spPr bwMode="auto">
-            <a:xfrm>
-              <a:off x="1066799" y="5958162"/>
-              <a:ext cx="11007725" cy="946293"/>
-            </a:xfrm>
-            <a:prstGeom prst="rect">
-              <a:avLst/>
-            </a:prstGeom>
-            <a:gradFill rotWithShape="0">
-              <a:gsLst>
-                <a:gs pos="0">
-                  <a:schemeClr val="accent2">
-                    <a:lumMod val="40000"/>
-                    <a:lumOff val="60000"/>
-                  </a:schemeClr>
-                </a:gs>
-                <a:gs pos="13000">
-                  <a:schemeClr val="accent3">
-                    <a:lumMod val="60000"/>
-                    <a:lumOff val="40000"/>
-                  </a:schemeClr>
-                </a:gs>
-                <a:gs pos="43000">
-                  <a:schemeClr val="accent2">
-                    <a:lumMod val="60000"/>
-                    <a:lumOff val="40000"/>
-                  </a:schemeClr>
-                </a:gs>
-                <a:gs pos="67000">
-                  <a:schemeClr val="accent2">
-                    <a:lumMod val="75000"/>
-                  </a:schemeClr>
-                </a:gs>
-                <a:gs pos="83000">
-                  <a:schemeClr val="accent2">
-                    <a:lumMod val="75000"/>
-                  </a:schemeClr>
-                </a:gs>
-                <a:gs pos="100000">
-                  <a:schemeClr val="accent3">
-                    <a:lumMod val="60000"/>
-                    <a:lumOff val="40000"/>
-                  </a:schemeClr>
-                </a:gs>
-              </a:gsLst>
-              <a:lin ang="0" scaled="1"/>
-            </a:gradFill>
-            <a:ln w="19050">
-              <a:noFill/>
-              <a:miter lim="800000"/>
-              <a:headEnd/>
-              <a:tailEnd/>
-            </a:ln>
-            <a:effectLst/>
-          </p:spPr>
-          <p:txBody>
-            <a:bodyPr>
-              <a:spAutoFit/>
-            </a:bodyPr>
-            <a:lstStyle>
-              <a:lvl1pPr>
-                <a:defRPr sz="2400">
-                  <a:solidFill>
-                    <a:schemeClr val="tx1"/>
-                  </a:solidFill>
-                  <a:latin typeface="Times New Roman" pitchFamily="18" charset="0"/>
-                </a:defRPr>
-              </a:lvl1pPr>
-              <a:lvl2pPr marL="742950" indent="-285750">
-                <a:defRPr sz="2400">
-                  <a:solidFill>
-                    <a:schemeClr val="tx1"/>
-                  </a:solidFill>
-                  <a:latin typeface="Times New Roman" pitchFamily="18" charset="0"/>
-                </a:defRPr>
-              </a:lvl2pPr>
-              <a:lvl3pPr marL="1143000" indent="-228600">
-                <a:defRPr sz="2400">
-                  <a:solidFill>
-                    <a:schemeClr val="tx1"/>
-                  </a:solidFill>
-                  <a:latin typeface="Times New Roman" pitchFamily="18" charset="0"/>
-                </a:defRPr>
-              </a:lvl3pPr>
-              <a:lvl4pPr marL="1600200" indent="-228600">
-                <a:defRPr sz="2400">
-                  <a:solidFill>
-                    <a:schemeClr val="tx1"/>
-                  </a:solidFill>
-                  <a:latin typeface="Times New Roman" pitchFamily="18" charset="0"/>
-                </a:defRPr>
-              </a:lvl4pPr>
-              <a:lvl5pPr marL="2057400" indent="-228600">
-                <a:defRPr sz="2400">
-                  <a:solidFill>
-                    <a:schemeClr val="tx1"/>
-                  </a:solidFill>
-                  <a:latin typeface="Times New Roman" pitchFamily="18" charset="0"/>
-                </a:defRPr>
-              </a:lvl5pPr>
-              <a:lvl6pPr marL="2514600" indent="-228600" eaLnBrk="0" fontAlgn="base" hangingPunct="0">
-                <a:spcBef>
-                  <a:spcPct val="0"/>
-                </a:spcBef>
-                <a:spcAft>
-                  <a:spcPct val="0"/>
-                </a:spcAft>
-                <a:defRPr sz="2400">
-                  <a:solidFill>
-                    <a:schemeClr val="tx1"/>
-                  </a:solidFill>
-                  <a:latin typeface="Times New Roman" pitchFamily="18" charset="0"/>
-                </a:defRPr>
-              </a:lvl6pPr>
-              <a:lvl7pPr marL="2971800" indent="-228600" eaLnBrk="0" fontAlgn="base" hangingPunct="0">
-                <a:spcBef>
-                  <a:spcPct val="0"/>
-                </a:spcBef>
-                <a:spcAft>
-                  <a:spcPct val="0"/>
-                </a:spcAft>
-                <a:defRPr sz="2400">
-                  <a:solidFill>
-                    <a:schemeClr val="tx1"/>
-                  </a:solidFill>
-                  <a:latin typeface="Times New Roman" pitchFamily="18" charset="0"/>
-                </a:defRPr>
-              </a:lvl7pPr>
-              <a:lvl8pPr marL="3429000" indent="-228600" eaLnBrk="0" fontAlgn="base" hangingPunct="0">
-                <a:spcBef>
-                  <a:spcPct val="0"/>
-                </a:spcBef>
-                <a:spcAft>
-                  <a:spcPct val="0"/>
-                </a:spcAft>
-                <a:defRPr sz="2400">
-                  <a:solidFill>
-                    <a:schemeClr val="tx1"/>
-                  </a:solidFill>
-                  <a:latin typeface="Times New Roman" pitchFamily="18" charset="0"/>
-                </a:defRPr>
-              </a:lvl8pPr>
-              <a:lvl9pPr marL="3886200" indent="-228600" eaLnBrk="0" fontAlgn="base" hangingPunct="0">
-                <a:spcBef>
-                  <a:spcPct val="0"/>
-                </a:spcBef>
-                <a:spcAft>
-                  <a:spcPct val="0"/>
-                </a:spcAft>
-                <a:defRPr sz="2400">
-                  <a:solidFill>
-                    <a:schemeClr val="tx1"/>
-                  </a:solidFill>
-                  <a:latin typeface="Times New Roman" pitchFamily="18" charset="0"/>
-                </a:defRPr>
-              </a:lvl9pPr>
-            </a:lstStyle>
-            <a:p>
-              <a:endParaRPr lang="en-US" altLang="zh-CN" sz="3600" b="1" dirty="0">
-                <a:effectLst/>
-                <a:latin typeface="Lucida Sans" pitchFamily="34" charset="0"/>
-                <a:ea typeface="SimSun" pitchFamily="2" charset="-122"/>
-                <a:cs typeface="Lucida Sans" pitchFamily="34" charset="0"/>
-              </a:endParaRPr>
-            </a:p>
-          </p:txBody>
-        </p:sp>
-        <p:sp>
-          <p:nvSpPr>
-            <p:cNvPr id="61" name="Text Box 248"/>
-            <p:cNvSpPr txBox="1">
-              <a:spLocks noChangeArrowheads="1"/>
-            </p:cNvSpPr>
-            <p:nvPr/>
-          </p:nvSpPr>
-          <p:spPr bwMode="auto">
-            <a:xfrm>
-              <a:off x="1157514" y="6046588"/>
-              <a:ext cx="10805886" cy="769441"/>
-            </a:xfrm>
-            <a:prstGeom prst="rect">
-              <a:avLst/>
-            </a:prstGeom>
-            <a:gradFill>
-              <a:gsLst>
-                <a:gs pos="56000">
-                  <a:schemeClr val="accent2">
-                    <a:lumMod val="50000"/>
-                  </a:schemeClr>
-                </a:gs>
-                <a:gs pos="100000">
-                  <a:schemeClr val="bg1">
-                    <a:alpha val="0"/>
-                  </a:schemeClr>
-                </a:gs>
-              </a:gsLst>
-              <a:lin ang="0" scaled="1"/>
-            </a:gradFill>
-            <a:ln w="19050">
-              <a:noFill/>
-              <a:miter lim="800000"/>
-              <a:headEnd/>
-              <a:tailEnd/>
-            </a:ln>
-            <a:effectLst/>
-          </p:spPr>
-          <p:txBody>
-            <a:bodyPr wrap="square">
-              <a:spAutoFit/>
-            </a:bodyPr>
-            <a:lstStyle>
-              <a:lvl1pPr>
-                <a:defRPr sz="2400">
-                  <a:solidFill>
-                    <a:schemeClr val="tx1"/>
-                  </a:solidFill>
-                  <a:latin typeface="Times New Roman" pitchFamily="18" charset="0"/>
-                </a:defRPr>
-              </a:lvl1pPr>
-              <a:lvl2pPr marL="742950" indent="-285750">
-                <a:defRPr sz="2400">
-                  <a:solidFill>
-                    <a:schemeClr val="tx1"/>
-                  </a:solidFill>
-                  <a:latin typeface="Times New Roman" pitchFamily="18" charset="0"/>
-                </a:defRPr>
-              </a:lvl2pPr>
-              <a:lvl3pPr marL="1143000" indent="-228600">
-                <a:defRPr sz="2400">
-                  <a:solidFill>
-                    <a:schemeClr val="tx1"/>
-                  </a:solidFill>
-                  <a:latin typeface="Times New Roman" pitchFamily="18" charset="0"/>
-                </a:defRPr>
-              </a:lvl3pPr>
-              <a:lvl4pPr marL="1600200" indent="-228600">
-                <a:defRPr sz="2400">
-                  <a:solidFill>
-                    <a:schemeClr val="tx1"/>
-                  </a:solidFill>
-                  <a:latin typeface="Times New Roman" pitchFamily="18" charset="0"/>
-                </a:defRPr>
-              </a:lvl4pPr>
-              <a:lvl5pPr marL="2057400" indent="-228600">
-                <a:defRPr sz="2400">
-                  <a:solidFill>
-                    <a:schemeClr val="tx1"/>
-                  </a:solidFill>
-                  <a:latin typeface="Times New Roman" pitchFamily="18" charset="0"/>
-                </a:defRPr>
-              </a:lvl5pPr>
-              <a:lvl6pPr marL="2514600" indent="-228600" eaLnBrk="0" fontAlgn="base" hangingPunct="0">
-                <a:spcBef>
-                  <a:spcPct val="0"/>
-                </a:spcBef>
-                <a:spcAft>
-                  <a:spcPct val="0"/>
-                </a:spcAft>
-                <a:defRPr sz="2400">
-                  <a:solidFill>
-                    <a:schemeClr val="tx1"/>
-                  </a:solidFill>
-                  <a:latin typeface="Times New Roman" pitchFamily="18" charset="0"/>
-                </a:defRPr>
-              </a:lvl6pPr>
-              <a:lvl7pPr marL="2971800" indent="-228600" eaLnBrk="0" fontAlgn="base" hangingPunct="0">
-                <a:spcBef>
-                  <a:spcPct val="0"/>
-                </a:spcBef>
-                <a:spcAft>
-                  <a:spcPct val="0"/>
-                </a:spcAft>
-                <a:defRPr sz="2400">
-                  <a:solidFill>
-                    <a:schemeClr val="tx1"/>
-                  </a:solidFill>
-                  <a:latin typeface="Times New Roman" pitchFamily="18" charset="0"/>
-                </a:defRPr>
-              </a:lvl7pPr>
-              <a:lvl8pPr marL="3429000" indent="-228600" eaLnBrk="0" fontAlgn="base" hangingPunct="0">
-                <a:spcBef>
-                  <a:spcPct val="0"/>
-                </a:spcBef>
-                <a:spcAft>
-                  <a:spcPct val="0"/>
-                </a:spcAft>
-                <a:defRPr sz="2400">
-                  <a:solidFill>
-                    <a:schemeClr val="tx1"/>
-                  </a:solidFill>
-                  <a:latin typeface="Times New Roman" pitchFamily="18" charset="0"/>
-                </a:defRPr>
-              </a:lvl8pPr>
-              <a:lvl9pPr marL="3886200" indent="-228600" eaLnBrk="0" fontAlgn="base" hangingPunct="0">
-                <a:spcBef>
-                  <a:spcPct val="0"/>
-                </a:spcBef>
-                <a:spcAft>
-                  <a:spcPct val="0"/>
-                </a:spcAft>
-                <a:defRPr sz="2400">
-                  <a:solidFill>
-                    <a:schemeClr val="tx1"/>
-                  </a:solidFill>
-                  <a:latin typeface="Times New Roman" pitchFamily="18" charset="0"/>
-                </a:defRPr>
-              </a:lvl9pPr>
-            </a:lstStyle>
-            <a:p>
-              <a:r>
-                <a:rPr lang="en-US" altLang="zh-CN" sz="4400" b="1" dirty="0" smtClean="0">
-                  <a:solidFill>
-                    <a:schemeClr val="bg1"/>
-                  </a:solidFill>
-                  <a:effectLst/>
-                  <a:latin typeface="Lucida Sans" pitchFamily="34" charset="0"/>
-                  <a:ea typeface="SimSun" pitchFamily="2" charset="-122"/>
-                  <a:cs typeface="Lucida Sans" pitchFamily="34" charset="0"/>
-                </a:rPr>
-                <a:t>Naïve Bayes Classification</a:t>
-              </a:r>
-              <a:endParaRPr lang="en-US" altLang="zh-CN" sz="3200" b="1" dirty="0">
-                <a:solidFill>
-                  <a:schemeClr val="bg1"/>
-                </a:solidFill>
-                <a:effectLst/>
-                <a:latin typeface="Lucida Sans" pitchFamily="34" charset="0"/>
-                <a:ea typeface="SimSun" pitchFamily="2" charset="-122"/>
-                <a:cs typeface="Lucida Sans" pitchFamily="34" charset="0"/>
-              </a:endParaRPr>
-            </a:p>
-          </p:txBody>
-        </p:sp>
-      </p:grpSp>
-      <p:grpSp>
-        <p:nvGrpSpPr>
-          <p:cNvPr id="62" name="Group 61"/>
-          <p:cNvGrpSpPr/>
-          <p:nvPr/>
-        </p:nvGrpSpPr>
-        <p:grpSpPr>
-          <a:xfrm>
-            <a:off x="16116299" y="12928883"/>
-            <a:ext cx="26846618" cy="931461"/>
-            <a:chOff x="1066799" y="5958162"/>
-            <a:chExt cx="11007725" cy="946293"/>
-          </a:xfrm>
-        </p:grpSpPr>
-        <p:sp>
-          <p:nvSpPr>
-            <p:cNvPr id="63" name="Text Box 248"/>
-            <p:cNvSpPr txBox="1">
-              <a:spLocks noChangeArrowheads="1"/>
-            </p:cNvSpPr>
-            <p:nvPr/>
-          </p:nvSpPr>
-          <p:spPr bwMode="auto">
-            <a:xfrm>
-              <a:off x="1066799" y="5958162"/>
-              <a:ext cx="11007725" cy="946293"/>
-            </a:xfrm>
-            <a:prstGeom prst="rect">
-              <a:avLst/>
-            </a:prstGeom>
-            <a:gradFill rotWithShape="0">
-              <a:gsLst>
-                <a:gs pos="0">
-                  <a:schemeClr val="accent2">
-                    <a:lumMod val="40000"/>
-                    <a:lumOff val="60000"/>
-                  </a:schemeClr>
-                </a:gs>
-                <a:gs pos="13000">
-                  <a:schemeClr val="accent3">
-                    <a:lumMod val="60000"/>
-                    <a:lumOff val="40000"/>
-                  </a:schemeClr>
-                </a:gs>
-                <a:gs pos="43000">
-                  <a:schemeClr val="accent2">
-                    <a:lumMod val="60000"/>
-                    <a:lumOff val="40000"/>
-                  </a:schemeClr>
-                </a:gs>
-                <a:gs pos="67000">
-                  <a:schemeClr val="accent2">
-                    <a:lumMod val="75000"/>
-                  </a:schemeClr>
-                </a:gs>
-                <a:gs pos="83000">
-                  <a:schemeClr val="accent2">
-                    <a:lumMod val="75000"/>
-                  </a:schemeClr>
-                </a:gs>
-                <a:gs pos="100000">
-                  <a:schemeClr val="accent3">
-                    <a:lumMod val="60000"/>
-                    <a:lumOff val="40000"/>
-                  </a:schemeClr>
-                </a:gs>
-              </a:gsLst>
-              <a:lin ang="0" scaled="1"/>
-            </a:gradFill>
-            <a:ln w="19050">
-              <a:noFill/>
-              <a:miter lim="800000"/>
-              <a:headEnd/>
-              <a:tailEnd/>
-            </a:ln>
-            <a:effectLst/>
-          </p:spPr>
-          <p:txBody>
-            <a:bodyPr>
-              <a:spAutoFit/>
-            </a:bodyPr>
-            <a:lstStyle>
-              <a:lvl1pPr>
-                <a:defRPr sz="2400">
-                  <a:solidFill>
-                    <a:schemeClr val="tx1"/>
-                  </a:solidFill>
-                  <a:latin typeface="Times New Roman" pitchFamily="18" charset="0"/>
-                </a:defRPr>
-              </a:lvl1pPr>
-              <a:lvl2pPr marL="742950" indent="-285750">
-                <a:defRPr sz="2400">
-                  <a:solidFill>
-                    <a:schemeClr val="tx1"/>
-                  </a:solidFill>
-                  <a:latin typeface="Times New Roman" pitchFamily="18" charset="0"/>
-                </a:defRPr>
-              </a:lvl2pPr>
-              <a:lvl3pPr marL="1143000" indent="-228600">
-                <a:defRPr sz="2400">
-                  <a:solidFill>
-                    <a:schemeClr val="tx1"/>
-                  </a:solidFill>
-                  <a:latin typeface="Times New Roman" pitchFamily="18" charset="0"/>
-                </a:defRPr>
-              </a:lvl3pPr>
-              <a:lvl4pPr marL="1600200" indent="-228600">
-                <a:defRPr sz="2400">
-                  <a:solidFill>
-                    <a:schemeClr val="tx1"/>
-                  </a:solidFill>
-                  <a:latin typeface="Times New Roman" pitchFamily="18" charset="0"/>
-                </a:defRPr>
-              </a:lvl4pPr>
-              <a:lvl5pPr marL="2057400" indent="-228600">
-                <a:defRPr sz="2400">
-                  <a:solidFill>
-                    <a:schemeClr val="tx1"/>
-                  </a:solidFill>
-                  <a:latin typeface="Times New Roman" pitchFamily="18" charset="0"/>
-                </a:defRPr>
-              </a:lvl5pPr>
-              <a:lvl6pPr marL="2514600" indent="-228600" eaLnBrk="0" fontAlgn="base" hangingPunct="0">
-                <a:spcBef>
-                  <a:spcPct val="0"/>
-                </a:spcBef>
-                <a:spcAft>
-                  <a:spcPct val="0"/>
-                </a:spcAft>
-                <a:defRPr sz="2400">
-                  <a:solidFill>
-                    <a:schemeClr val="tx1"/>
-                  </a:solidFill>
-                  <a:latin typeface="Times New Roman" pitchFamily="18" charset="0"/>
-                </a:defRPr>
-              </a:lvl6pPr>
-              <a:lvl7pPr marL="2971800" indent="-228600" eaLnBrk="0" fontAlgn="base" hangingPunct="0">
-                <a:spcBef>
-                  <a:spcPct val="0"/>
-                </a:spcBef>
-                <a:spcAft>
-                  <a:spcPct val="0"/>
-                </a:spcAft>
-                <a:defRPr sz="2400">
-                  <a:solidFill>
-                    <a:schemeClr val="tx1"/>
-                  </a:solidFill>
-                  <a:latin typeface="Times New Roman" pitchFamily="18" charset="0"/>
-                </a:defRPr>
-              </a:lvl7pPr>
-              <a:lvl8pPr marL="3429000" indent="-228600" eaLnBrk="0" fontAlgn="base" hangingPunct="0">
-                <a:spcBef>
-                  <a:spcPct val="0"/>
-                </a:spcBef>
-                <a:spcAft>
-                  <a:spcPct val="0"/>
-                </a:spcAft>
-                <a:defRPr sz="2400">
-                  <a:solidFill>
-                    <a:schemeClr val="tx1"/>
-                  </a:solidFill>
-                  <a:latin typeface="Times New Roman" pitchFamily="18" charset="0"/>
-                </a:defRPr>
-              </a:lvl8pPr>
-              <a:lvl9pPr marL="3886200" indent="-228600" eaLnBrk="0" fontAlgn="base" hangingPunct="0">
-                <a:spcBef>
-                  <a:spcPct val="0"/>
-                </a:spcBef>
-                <a:spcAft>
-                  <a:spcPct val="0"/>
-                </a:spcAft>
-                <a:defRPr sz="2400">
-                  <a:solidFill>
-                    <a:schemeClr val="tx1"/>
-                  </a:solidFill>
-                  <a:latin typeface="Times New Roman" pitchFamily="18" charset="0"/>
-                </a:defRPr>
-              </a:lvl9pPr>
-            </a:lstStyle>
-            <a:p>
-              <a:endParaRPr lang="en-US" altLang="zh-CN" sz="3600" b="1" dirty="0">
-                <a:effectLst/>
-                <a:latin typeface="Lucida Sans" pitchFamily="34" charset="0"/>
-                <a:ea typeface="SimSun" pitchFamily="2" charset="-122"/>
-                <a:cs typeface="Lucida Sans" pitchFamily="34" charset="0"/>
-              </a:endParaRPr>
-            </a:p>
-          </p:txBody>
-        </p:sp>
-        <p:sp>
-          <p:nvSpPr>
-            <p:cNvPr id="64" name="Text Box 248"/>
-            <p:cNvSpPr txBox="1">
-              <a:spLocks noChangeArrowheads="1"/>
-            </p:cNvSpPr>
-            <p:nvPr/>
-          </p:nvSpPr>
-          <p:spPr bwMode="auto">
-            <a:xfrm>
-              <a:off x="1157514" y="6046588"/>
-              <a:ext cx="10805886" cy="769441"/>
-            </a:xfrm>
-            <a:prstGeom prst="rect">
-              <a:avLst/>
-            </a:prstGeom>
-            <a:gradFill>
-              <a:gsLst>
-                <a:gs pos="56000">
-                  <a:schemeClr val="accent2">
-                    <a:lumMod val="50000"/>
-                  </a:schemeClr>
-                </a:gs>
-                <a:gs pos="100000">
-                  <a:schemeClr val="bg1">
-                    <a:alpha val="0"/>
-                  </a:schemeClr>
-                </a:gs>
-              </a:gsLst>
-              <a:lin ang="0" scaled="1"/>
-            </a:gradFill>
-            <a:ln w="19050">
-              <a:noFill/>
-              <a:miter lim="800000"/>
-              <a:headEnd/>
-              <a:tailEnd/>
-            </a:ln>
-            <a:effectLst/>
-          </p:spPr>
-          <p:txBody>
-            <a:bodyPr wrap="square">
-              <a:spAutoFit/>
-            </a:bodyPr>
-            <a:lstStyle>
-              <a:lvl1pPr>
-                <a:defRPr sz="2400">
-                  <a:solidFill>
-                    <a:schemeClr val="tx1"/>
-                  </a:solidFill>
-                  <a:latin typeface="Times New Roman" pitchFamily="18" charset="0"/>
-                </a:defRPr>
-              </a:lvl1pPr>
-              <a:lvl2pPr marL="742950" indent="-285750">
-                <a:defRPr sz="2400">
-                  <a:solidFill>
-                    <a:schemeClr val="tx1"/>
-                  </a:solidFill>
-                  <a:latin typeface="Times New Roman" pitchFamily="18" charset="0"/>
-                </a:defRPr>
-              </a:lvl2pPr>
-              <a:lvl3pPr marL="1143000" indent="-228600">
-                <a:defRPr sz="2400">
-                  <a:solidFill>
-                    <a:schemeClr val="tx1"/>
-                  </a:solidFill>
-                  <a:latin typeface="Times New Roman" pitchFamily="18" charset="0"/>
-                </a:defRPr>
-              </a:lvl3pPr>
-              <a:lvl4pPr marL="1600200" indent="-228600">
-                <a:defRPr sz="2400">
-                  <a:solidFill>
-                    <a:schemeClr val="tx1"/>
-                  </a:solidFill>
-                  <a:latin typeface="Times New Roman" pitchFamily="18" charset="0"/>
-                </a:defRPr>
-              </a:lvl4pPr>
-              <a:lvl5pPr marL="2057400" indent="-228600">
-                <a:defRPr sz="2400">
-                  <a:solidFill>
-                    <a:schemeClr val="tx1"/>
-                  </a:solidFill>
-                  <a:latin typeface="Times New Roman" pitchFamily="18" charset="0"/>
-                </a:defRPr>
-              </a:lvl5pPr>
-              <a:lvl6pPr marL="2514600" indent="-228600" eaLnBrk="0" fontAlgn="base" hangingPunct="0">
-                <a:spcBef>
-                  <a:spcPct val="0"/>
-                </a:spcBef>
-                <a:spcAft>
-                  <a:spcPct val="0"/>
-                </a:spcAft>
-                <a:defRPr sz="2400">
-                  <a:solidFill>
-                    <a:schemeClr val="tx1"/>
-                  </a:solidFill>
-                  <a:latin typeface="Times New Roman" pitchFamily="18" charset="0"/>
-                </a:defRPr>
-              </a:lvl6pPr>
-              <a:lvl7pPr marL="2971800" indent="-228600" eaLnBrk="0" fontAlgn="base" hangingPunct="0">
-                <a:spcBef>
-                  <a:spcPct val="0"/>
-                </a:spcBef>
-                <a:spcAft>
-                  <a:spcPct val="0"/>
-                </a:spcAft>
-                <a:defRPr sz="2400">
-                  <a:solidFill>
-                    <a:schemeClr val="tx1"/>
-                  </a:solidFill>
-                  <a:latin typeface="Times New Roman" pitchFamily="18" charset="0"/>
-                </a:defRPr>
-              </a:lvl7pPr>
-              <a:lvl8pPr marL="3429000" indent="-228600" eaLnBrk="0" fontAlgn="base" hangingPunct="0">
-                <a:spcBef>
-                  <a:spcPct val="0"/>
-                </a:spcBef>
-                <a:spcAft>
-                  <a:spcPct val="0"/>
-                </a:spcAft>
-                <a:defRPr sz="2400">
-                  <a:solidFill>
-                    <a:schemeClr val="tx1"/>
-                  </a:solidFill>
-                  <a:latin typeface="Times New Roman" pitchFamily="18" charset="0"/>
-                </a:defRPr>
-              </a:lvl8pPr>
-              <a:lvl9pPr marL="3886200" indent="-228600" eaLnBrk="0" fontAlgn="base" hangingPunct="0">
-                <a:spcBef>
-                  <a:spcPct val="0"/>
-                </a:spcBef>
-                <a:spcAft>
-                  <a:spcPct val="0"/>
-                </a:spcAft>
-                <a:defRPr sz="2400">
-                  <a:solidFill>
-                    <a:schemeClr val="tx1"/>
-                  </a:solidFill>
-                  <a:latin typeface="Times New Roman" pitchFamily="18" charset="0"/>
-                </a:defRPr>
-              </a:lvl9pPr>
-            </a:lstStyle>
-            <a:p>
-              <a:r>
-                <a:rPr lang="en-US" altLang="zh-CN" sz="4400" b="1" dirty="0" smtClean="0">
-                  <a:solidFill>
-                    <a:schemeClr val="bg1"/>
-                  </a:solidFill>
-                  <a:effectLst/>
-                  <a:latin typeface="Lucida Sans" pitchFamily="34" charset="0"/>
-                  <a:ea typeface="SimSun" pitchFamily="2" charset="-122"/>
-                  <a:cs typeface="Lucida Sans" pitchFamily="34" charset="0"/>
-                </a:rPr>
-                <a:t>Z-Score Comparisons</a:t>
-              </a:r>
-              <a:endParaRPr lang="en-US" altLang="zh-CN" sz="3200" b="1" dirty="0">
-                <a:solidFill>
-                  <a:schemeClr val="bg1"/>
-                </a:solidFill>
-                <a:effectLst/>
-                <a:latin typeface="Lucida Sans" pitchFamily="34" charset="0"/>
-                <a:ea typeface="SimSun" pitchFamily="2" charset="-122"/>
-                <a:cs typeface="Lucida Sans" pitchFamily="34" charset="0"/>
-              </a:endParaRPr>
-            </a:p>
-          </p:txBody>
-        </p:sp>
-      </p:grpSp>
-      <p:grpSp>
-        <p:nvGrpSpPr>
-          <p:cNvPr id="65" name="Group 64"/>
-          <p:cNvGrpSpPr/>
-          <p:nvPr/>
-        </p:nvGrpSpPr>
-        <p:grpSpPr>
-          <a:xfrm>
-            <a:off x="16116300" y="20654242"/>
-            <a:ext cx="26858944" cy="954314"/>
-            <a:chOff x="1066799" y="5958162"/>
-            <a:chExt cx="11007725" cy="946293"/>
-          </a:xfrm>
-        </p:grpSpPr>
-        <p:sp>
-          <p:nvSpPr>
-            <p:cNvPr id="66" name="Text Box 248"/>
-            <p:cNvSpPr txBox="1">
-              <a:spLocks noChangeArrowheads="1"/>
-            </p:cNvSpPr>
-            <p:nvPr/>
-          </p:nvSpPr>
-          <p:spPr bwMode="auto">
-            <a:xfrm>
-              <a:off x="1066799" y="5958162"/>
-              <a:ext cx="11007725" cy="946293"/>
-            </a:xfrm>
-            <a:prstGeom prst="rect">
-              <a:avLst/>
-            </a:prstGeom>
-            <a:gradFill rotWithShape="0">
-              <a:gsLst>
-                <a:gs pos="0">
-                  <a:schemeClr val="accent2">
-                    <a:lumMod val="40000"/>
-                    <a:lumOff val="60000"/>
-                  </a:schemeClr>
-                </a:gs>
-                <a:gs pos="13000">
-                  <a:schemeClr val="accent3">
-                    <a:lumMod val="60000"/>
-                    <a:lumOff val="40000"/>
-                  </a:schemeClr>
-                </a:gs>
-                <a:gs pos="43000">
-                  <a:schemeClr val="accent2">
-                    <a:lumMod val="60000"/>
-                    <a:lumOff val="40000"/>
-                  </a:schemeClr>
-                </a:gs>
-                <a:gs pos="67000">
-                  <a:schemeClr val="accent2">
-                    <a:lumMod val="75000"/>
-                  </a:schemeClr>
-                </a:gs>
-                <a:gs pos="83000">
-                  <a:schemeClr val="accent2">
-                    <a:lumMod val="75000"/>
-                  </a:schemeClr>
-                </a:gs>
-                <a:gs pos="100000">
-                  <a:schemeClr val="accent3">
-                    <a:lumMod val="60000"/>
-                    <a:lumOff val="40000"/>
-                  </a:schemeClr>
-                </a:gs>
-              </a:gsLst>
-              <a:lin ang="0" scaled="1"/>
-            </a:gradFill>
-            <a:ln w="19050">
-              <a:noFill/>
-              <a:miter lim="800000"/>
-              <a:headEnd/>
-              <a:tailEnd/>
-            </a:ln>
-            <a:effectLst/>
-          </p:spPr>
-          <p:txBody>
-            <a:bodyPr>
-              <a:spAutoFit/>
-            </a:bodyPr>
-            <a:lstStyle>
-              <a:lvl1pPr>
-                <a:defRPr sz="2400">
-                  <a:solidFill>
-                    <a:schemeClr val="tx1"/>
-                  </a:solidFill>
-                  <a:latin typeface="Times New Roman" pitchFamily="18" charset="0"/>
-                </a:defRPr>
-              </a:lvl1pPr>
-              <a:lvl2pPr marL="742950" indent="-285750">
-                <a:defRPr sz="2400">
-                  <a:solidFill>
-                    <a:schemeClr val="tx1"/>
-                  </a:solidFill>
-                  <a:latin typeface="Times New Roman" pitchFamily="18" charset="0"/>
-                </a:defRPr>
-              </a:lvl2pPr>
-              <a:lvl3pPr marL="1143000" indent="-228600">
-                <a:defRPr sz="2400">
-                  <a:solidFill>
-                    <a:schemeClr val="tx1"/>
-                  </a:solidFill>
-                  <a:latin typeface="Times New Roman" pitchFamily="18" charset="0"/>
-                </a:defRPr>
-              </a:lvl3pPr>
-              <a:lvl4pPr marL="1600200" indent="-228600">
-                <a:defRPr sz="2400">
-                  <a:solidFill>
-                    <a:schemeClr val="tx1"/>
-                  </a:solidFill>
-                  <a:latin typeface="Times New Roman" pitchFamily="18" charset="0"/>
-                </a:defRPr>
-              </a:lvl4pPr>
-              <a:lvl5pPr marL="2057400" indent="-228600">
-                <a:defRPr sz="2400">
-                  <a:solidFill>
-                    <a:schemeClr val="tx1"/>
-                  </a:solidFill>
-                  <a:latin typeface="Times New Roman" pitchFamily="18" charset="0"/>
-                </a:defRPr>
-              </a:lvl5pPr>
-              <a:lvl6pPr marL="2514600" indent="-228600" eaLnBrk="0" fontAlgn="base" hangingPunct="0">
-                <a:spcBef>
-                  <a:spcPct val="0"/>
-                </a:spcBef>
-                <a:spcAft>
-                  <a:spcPct val="0"/>
-                </a:spcAft>
-                <a:defRPr sz="2400">
-                  <a:solidFill>
-                    <a:schemeClr val="tx1"/>
-                  </a:solidFill>
-                  <a:latin typeface="Times New Roman" pitchFamily="18" charset="0"/>
-                </a:defRPr>
-              </a:lvl6pPr>
-              <a:lvl7pPr marL="2971800" indent="-228600" eaLnBrk="0" fontAlgn="base" hangingPunct="0">
-                <a:spcBef>
-                  <a:spcPct val="0"/>
-                </a:spcBef>
-                <a:spcAft>
-                  <a:spcPct val="0"/>
-                </a:spcAft>
-                <a:defRPr sz="2400">
-                  <a:solidFill>
-                    <a:schemeClr val="tx1"/>
-                  </a:solidFill>
-                  <a:latin typeface="Times New Roman" pitchFamily="18" charset="0"/>
-                </a:defRPr>
-              </a:lvl7pPr>
-              <a:lvl8pPr marL="3429000" indent="-228600" eaLnBrk="0" fontAlgn="base" hangingPunct="0">
-                <a:spcBef>
-                  <a:spcPct val="0"/>
-                </a:spcBef>
-                <a:spcAft>
-                  <a:spcPct val="0"/>
-                </a:spcAft>
-                <a:defRPr sz="2400">
-                  <a:solidFill>
-                    <a:schemeClr val="tx1"/>
-                  </a:solidFill>
-                  <a:latin typeface="Times New Roman" pitchFamily="18" charset="0"/>
-                </a:defRPr>
-              </a:lvl8pPr>
-              <a:lvl9pPr marL="3886200" indent="-228600" eaLnBrk="0" fontAlgn="base" hangingPunct="0">
-                <a:spcBef>
-                  <a:spcPct val="0"/>
-                </a:spcBef>
-                <a:spcAft>
-                  <a:spcPct val="0"/>
-                </a:spcAft>
-                <a:defRPr sz="2400">
-                  <a:solidFill>
-                    <a:schemeClr val="tx1"/>
-                  </a:solidFill>
-                  <a:latin typeface="Times New Roman" pitchFamily="18" charset="0"/>
-                </a:defRPr>
-              </a:lvl9pPr>
-            </a:lstStyle>
-            <a:p>
-              <a:endParaRPr lang="en-US" altLang="zh-CN" sz="3600" b="1" dirty="0">
-                <a:effectLst/>
-                <a:latin typeface="Lucida Sans" pitchFamily="34" charset="0"/>
-                <a:ea typeface="SimSun" pitchFamily="2" charset="-122"/>
-                <a:cs typeface="Lucida Sans" pitchFamily="34" charset="0"/>
-              </a:endParaRPr>
-            </a:p>
-          </p:txBody>
-        </p:sp>
-        <p:sp>
-          <p:nvSpPr>
-            <p:cNvPr id="67" name="Text Box 248"/>
-            <p:cNvSpPr txBox="1">
-              <a:spLocks noChangeArrowheads="1"/>
-            </p:cNvSpPr>
-            <p:nvPr/>
-          </p:nvSpPr>
-          <p:spPr bwMode="auto">
-            <a:xfrm>
-              <a:off x="1157514" y="6046588"/>
-              <a:ext cx="10805886" cy="769441"/>
-            </a:xfrm>
-            <a:prstGeom prst="rect">
-              <a:avLst/>
-            </a:prstGeom>
-            <a:gradFill>
-              <a:gsLst>
-                <a:gs pos="56000">
-                  <a:schemeClr val="accent2">
-                    <a:lumMod val="50000"/>
-                  </a:schemeClr>
-                </a:gs>
-                <a:gs pos="100000">
-                  <a:schemeClr val="bg1">
-                    <a:alpha val="0"/>
-                  </a:schemeClr>
-                </a:gs>
-              </a:gsLst>
-              <a:lin ang="0" scaled="1"/>
-            </a:gradFill>
-            <a:ln w="19050">
-              <a:noFill/>
-              <a:miter lim="800000"/>
-              <a:headEnd/>
-              <a:tailEnd/>
-            </a:ln>
-            <a:effectLst/>
-          </p:spPr>
-          <p:txBody>
-            <a:bodyPr wrap="square">
-              <a:spAutoFit/>
-            </a:bodyPr>
-            <a:lstStyle>
-              <a:lvl1pPr>
-                <a:defRPr sz="2400">
-                  <a:solidFill>
-                    <a:schemeClr val="tx1"/>
-                  </a:solidFill>
-                  <a:latin typeface="Times New Roman" pitchFamily="18" charset="0"/>
-                </a:defRPr>
-              </a:lvl1pPr>
-              <a:lvl2pPr marL="742950" indent="-285750">
-                <a:defRPr sz="2400">
-                  <a:solidFill>
-                    <a:schemeClr val="tx1"/>
-                  </a:solidFill>
-                  <a:latin typeface="Times New Roman" pitchFamily="18" charset="0"/>
-                </a:defRPr>
-              </a:lvl2pPr>
-              <a:lvl3pPr marL="1143000" indent="-228600">
-                <a:defRPr sz="2400">
-                  <a:solidFill>
-                    <a:schemeClr val="tx1"/>
-                  </a:solidFill>
-                  <a:latin typeface="Times New Roman" pitchFamily="18" charset="0"/>
-                </a:defRPr>
-              </a:lvl3pPr>
-              <a:lvl4pPr marL="1600200" indent="-228600">
-                <a:defRPr sz="2400">
-                  <a:solidFill>
-                    <a:schemeClr val="tx1"/>
-                  </a:solidFill>
-                  <a:latin typeface="Times New Roman" pitchFamily="18" charset="0"/>
-                </a:defRPr>
-              </a:lvl4pPr>
-              <a:lvl5pPr marL="2057400" indent="-228600">
-                <a:defRPr sz="2400">
-                  <a:solidFill>
-                    <a:schemeClr val="tx1"/>
-                  </a:solidFill>
-                  <a:latin typeface="Times New Roman" pitchFamily="18" charset="0"/>
-                </a:defRPr>
-              </a:lvl5pPr>
-              <a:lvl6pPr marL="2514600" indent="-228600" eaLnBrk="0" fontAlgn="base" hangingPunct="0">
-                <a:spcBef>
-                  <a:spcPct val="0"/>
-                </a:spcBef>
-                <a:spcAft>
-                  <a:spcPct val="0"/>
-                </a:spcAft>
-                <a:defRPr sz="2400">
-                  <a:solidFill>
-                    <a:schemeClr val="tx1"/>
-                  </a:solidFill>
-                  <a:latin typeface="Times New Roman" pitchFamily="18" charset="0"/>
-                </a:defRPr>
-              </a:lvl6pPr>
-              <a:lvl7pPr marL="2971800" indent="-228600" eaLnBrk="0" fontAlgn="base" hangingPunct="0">
-                <a:spcBef>
-                  <a:spcPct val="0"/>
-                </a:spcBef>
-                <a:spcAft>
-                  <a:spcPct val="0"/>
-                </a:spcAft>
-                <a:defRPr sz="2400">
-                  <a:solidFill>
-                    <a:schemeClr val="tx1"/>
-                  </a:solidFill>
-                  <a:latin typeface="Times New Roman" pitchFamily="18" charset="0"/>
-                </a:defRPr>
-              </a:lvl7pPr>
-              <a:lvl8pPr marL="3429000" indent="-228600" eaLnBrk="0" fontAlgn="base" hangingPunct="0">
-                <a:spcBef>
-                  <a:spcPct val="0"/>
-                </a:spcBef>
-                <a:spcAft>
-                  <a:spcPct val="0"/>
-                </a:spcAft>
-                <a:defRPr sz="2400">
-                  <a:solidFill>
-                    <a:schemeClr val="tx1"/>
-                  </a:solidFill>
-                  <a:latin typeface="Times New Roman" pitchFamily="18" charset="0"/>
-                </a:defRPr>
-              </a:lvl8pPr>
-              <a:lvl9pPr marL="3886200" indent="-228600" eaLnBrk="0" fontAlgn="base" hangingPunct="0">
-                <a:spcBef>
-                  <a:spcPct val="0"/>
-                </a:spcBef>
-                <a:spcAft>
-                  <a:spcPct val="0"/>
-                </a:spcAft>
-                <a:defRPr sz="2400">
-                  <a:solidFill>
-                    <a:schemeClr val="tx1"/>
-                  </a:solidFill>
-                  <a:latin typeface="Times New Roman" pitchFamily="18" charset="0"/>
-                </a:defRPr>
-              </a:lvl9pPr>
-            </a:lstStyle>
-            <a:p>
-              <a:r>
-                <a:rPr lang="en-US" altLang="zh-CN" sz="4400" b="1" dirty="0" smtClean="0">
-                  <a:solidFill>
-                    <a:schemeClr val="bg1"/>
-                  </a:solidFill>
-                  <a:effectLst/>
-                  <a:latin typeface="Lucida Sans" pitchFamily="34" charset="0"/>
-                  <a:ea typeface="SimSun" pitchFamily="2" charset="-122"/>
-                  <a:cs typeface="Lucida Sans" pitchFamily="34" charset="0"/>
-                </a:rPr>
-                <a:t>“Ophelia’s Oh”</a:t>
-              </a:r>
-              <a:endParaRPr lang="en-US" altLang="zh-CN" sz="3200" b="1" dirty="0">
-                <a:solidFill>
-                  <a:schemeClr val="bg1"/>
-                </a:solidFill>
-                <a:effectLst/>
-                <a:latin typeface="Lucida Sans" pitchFamily="34" charset="0"/>
-                <a:ea typeface="SimSun" pitchFamily="2" charset="-122"/>
-                <a:cs typeface="Lucida Sans" pitchFamily="34" charset="0"/>
-              </a:endParaRPr>
-            </a:p>
-          </p:txBody>
-        </p:sp>
-      </p:grpSp>
-      <p:grpSp>
-        <p:nvGrpSpPr>
-          <p:cNvPr id="69" name="Group 68"/>
-          <p:cNvGrpSpPr/>
-          <p:nvPr/>
-        </p:nvGrpSpPr>
-        <p:grpSpPr>
-          <a:xfrm>
-            <a:off x="1227529" y="11160103"/>
-            <a:ext cx="14501833" cy="946293"/>
-            <a:chOff x="1066799" y="5958162"/>
-            <a:chExt cx="11007725" cy="946293"/>
-          </a:xfrm>
-        </p:grpSpPr>
-        <p:sp>
-          <p:nvSpPr>
-            <p:cNvPr id="70" name="Text Box 248"/>
-            <p:cNvSpPr txBox="1">
-              <a:spLocks noChangeArrowheads="1"/>
-            </p:cNvSpPr>
-            <p:nvPr/>
-          </p:nvSpPr>
-          <p:spPr bwMode="auto">
-            <a:xfrm>
-              <a:off x="1066799" y="5958162"/>
-              <a:ext cx="11007725" cy="946293"/>
-            </a:xfrm>
-            <a:prstGeom prst="rect">
-              <a:avLst/>
-            </a:prstGeom>
-            <a:gradFill rotWithShape="0">
-              <a:gsLst>
-                <a:gs pos="0">
-                  <a:schemeClr val="accent2">
-                    <a:lumMod val="40000"/>
-                    <a:lumOff val="60000"/>
-                  </a:schemeClr>
-                </a:gs>
-                <a:gs pos="13000">
-                  <a:schemeClr val="accent3">
-                    <a:lumMod val="60000"/>
-                    <a:lumOff val="40000"/>
-                  </a:schemeClr>
-                </a:gs>
-                <a:gs pos="43000">
-                  <a:schemeClr val="accent2">
-                    <a:lumMod val="60000"/>
-                    <a:lumOff val="40000"/>
-                  </a:schemeClr>
-                </a:gs>
-                <a:gs pos="67000">
-                  <a:schemeClr val="accent2">
-                    <a:lumMod val="75000"/>
-                  </a:schemeClr>
-                </a:gs>
-                <a:gs pos="83000">
-                  <a:schemeClr val="accent2">
-                    <a:lumMod val="75000"/>
-                  </a:schemeClr>
-                </a:gs>
-                <a:gs pos="100000">
-                  <a:schemeClr val="accent3">
-                    <a:lumMod val="60000"/>
-                    <a:lumOff val="40000"/>
-                  </a:schemeClr>
-                </a:gs>
-              </a:gsLst>
-              <a:lin ang="0" scaled="1"/>
-            </a:gradFill>
-            <a:ln w="19050">
-              <a:noFill/>
-              <a:miter lim="800000"/>
-              <a:headEnd/>
-              <a:tailEnd/>
-            </a:ln>
-            <a:effectLst/>
-          </p:spPr>
-          <p:txBody>
-            <a:bodyPr>
-              <a:spAutoFit/>
-            </a:bodyPr>
-            <a:lstStyle>
-              <a:lvl1pPr>
-                <a:defRPr sz="2400">
-                  <a:solidFill>
-                    <a:schemeClr val="tx1"/>
-                  </a:solidFill>
-                  <a:latin typeface="Times New Roman" pitchFamily="18" charset="0"/>
-                </a:defRPr>
-              </a:lvl1pPr>
-              <a:lvl2pPr marL="742950" indent="-285750">
-                <a:defRPr sz="2400">
-                  <a:solidFill>
-                    <a:schemeClr val="tx1"/>
-                  </a:solidFill>
-                  <a:latin typeface="Times New Roman" pitchFamily="18" charset="0"/>
-                </a:defRPr>
-              </a:lvl2pPr>
-              <a:lvl3pPr marL="1143000" indent="-228600">
-                <a:defRPr sz="2400">
-                  <a:solidFill>
-                    <a:schemeClr val="tx1"/>
-                  </a:solidFill>
-                  <a:latin typeface="Times New Roman" pitchFamily="18" charset="0"/>
-                </a:defRPr>
-              </a:lvl3pPr>
-              <a:lvl4pPr marL="1600200" indent="-228600">
-                <a:defRPr sz="2400">
-                  <a:solidFill>
-                    <a:schemeClr val="tx1"/>
-                  </a:solidFill>
-                  <a:latin typeface="Times New Roman" pitchFamily="18" charset="0"/>
-                </a:defRPr>
-              </a:lvl4pPr>
-              <a:lvl5pPr marL="2057400" indent="-228600">
-                <a:defRPr sz="2400">
-                  <a:solidFill>
-                    <a:schemeClr val="tx1"/>
-                  </a:solidFill>
-                  <a:latin typeface="Times New Roman" pitchFamily="18" charset="0"/>
-                </a:defRPr>
-              </a:lvl5pPr>
-              <a:lvl6pPr marL="2514600" indent="-228600" eaLnBrk="0" fontAlgn="base" hangingPunct="0">
-                <a:spcBef>
-                  <a:spcPct val="0"/>
-                </a:spcBef>
-                <a:spcAft>
-                  <a:spcPct val="0"/>
-                </a:spcAft>
-                <a:defRPr sz="2400">
-                  <a:solidFill>
-                    <a:schemeClr val="tx1"/>
-                  </a:solidFill>
-                  <a:latin typeface="Times New Roman" pitchFamily="18" charset="0"/>
-                </a:defRPr>
-              </a:lvl6pPr>
-              <a:lvl7pPr marL="2971800" indent="-228600" eaLnBrk="0" fontAlgn="base" hangingPunct="0">
-                <a:spcBef>
-                  <a:spcPct val="0"/>
-                </a:spcBef>
-                <a:spcAft>
-                  <a:spcPct val="0"/>
-                </a:spcAft>
-                <a:defRPr sz="2400">
-                  <a:solidFill>
-                    <a:schemeClr val="tx1"/>
-                  </a:solidFill>
-                  <a:latin typeface="Times New Roman" pitchFamily="18" charset="0"/>
-                </a:defRPr>
-              </a:lvl7pPr>
-              <a:lvl8pPr marL="3429000" indent="-228600" eaLnBrk="0" fontAlgn="base" hangingPunct="0">
-                <a:spcBef>
-                  <a:spcPct val="0"/>
-                </a:spcBef>
-                <a:spcAft>
-                  <a:spcPct val="0"/>
-                </a:spcAft>
-                <a:defRPr sz="2400">
-                  <a:solidFill>
-                    <a:schemeClr val="tx1"/>
-                  </a:solidFill>
-                  <a:latin typeface="Times New Roman" pitchFamily="18" charset="0"/>
-                </a:defRPr>
-              </a:lvl8pPr>
-              <a:lvl9pPr marL="3886200" indent="-228600" eaLnBrk="0" fontAlgn="base" hangingPunct="0">
-                <a:spcBef>
-                  <a:spcPct val="0"/>
-                </a:spcBef>
-                <a:spcAft>
-                  <a:spcPct val="0"/>
-                </a:spcAft>
-                <a:defRPr sz="2400">
-                  <a:solidFill>
-                    <a:schemeClr val="tx1"/>
-                  </a:solidFill>
-                  <a:latin typeface="Times New Roman" pitchFamily="18" charset="0"/>
-                </a:defRPr>
-              </a:lvl9pPr>
-            </a:lstStyle>
-            <a:p>
-              <a:endParaRPr lang="en-US" altLang="zh-CN" sz="3600" b="1" dirty="0">
-                <a:effectLst/>
-                <a:latin typeface="Lucida Sans" pitchFamily="34" charset="0"/>
-                <a:ea typeface="SimSun" pitchFamily="2" charset="-122"/>
-                <a:cs typeface="Lucida Sans" pitchFamily="34" charset="0"/>
-              </a:endParaRPr>
-            </a:p>
-          </p:txBody>
-        </p:sp>
-        <p:sp>
-          <p:nvSpPr>
-            <p:cNvPr id="71" name="Text Box 248"/>
-            <p:cNvSpPr txBox="1">
-              <a:spLocks noChangeArrowheads="1"/>
-            </p:cNvSpPr>
-            <p:nvPr/>
-          </p:nvSpPr>
-          <p:spPr bwMode="auto">
-            <a:xfrm>
-              <a:off x="1157514" y="6046588"/>
-              <a:ext cx="10805886" cy="769441"/>
-            </a:xfrm>
-            <a:prstGeom prst="rect">
-              <a:avLst/>
-            </a:prstGeom>
-            <a:gradFill>
-              <a:gsLst>
-                <a:gs pos="56000">
-                  <a:schemeClr val="accent2">
-                    <a:lumMod val="50000"/>
-                  </a:schemeClr>
-                </a:gs>
-                <a:gs pos="100000">
-                  <a:schemeClr val="bg1">
-                    <a:alpha val="0"/>
-                  </a:schemeClr>
-                </a:gs>
-              </a:gsLst>
-              <a:lin ang="0" scaled="1"/>
-            </a:gradFill>
-            <a:ln w="19050">
-              <a:noFill/>
-              <a:miter lim="800000"/>
-              <a:headEnd/>
-              <a:tailEnd/>
-            </a:ln>
-            <a:effectLst/>
-          </p:spPr>
-          <p:txBody>
-            <a:bodyPr wrap="square">
-              <a:spAutoFit/>
-            </a:bodyPr>
-            <a:lstStyle>
-              <a:lvl1pPr>
-                <a:defRPr sz="2400">
-                  <a:solidFill>
-                    <a:schemeClr val="tx1"/>
-                  </a:solidFill>
-                  <a:latin typeface="Times New Roman" pitchFamily="18" charset="0"/>
-                </a:defRPr>
-              </a:lvl1pPr>
-              <a:lvl2pPr marL="742950" indent="-285750">
-                <a:defRPr sz="2400">
-                  <a:solidFill>
-                    <a:schemeClr val="tx1"/>
-                  </a:solidFill>
-                  <a:latin typeface="Times New Roman" pitchFamily="18" charset="0"/>
-                </a:defRPr>
-              </a:lvl2pPr>
-              <a:lvl3pPr marL="1143000" indent="-228600">
-                <a:defRPr sz="2400">
-                  <a:solidFill>
-                    <a:schemeClr val="tx1"/>
-                  </a:solidFill>
-                  <a:latin typeface="Times New Roman" pitchFamily="18" charset="0"/>
-                </a:defRPr>
-              </a:lvl3pPr>
-              <a:lvl4pPr marL="1600200" indent="-228600">
-                <a:defRPr sz="2400">
-                  <a:solidFill>
-                    <a:schemeClr val="tx1"/>
-                  </a:solidFill>
-                  <a:latin typeface="Times New Roman" pitchFamily="18" charset="0"/>
-                </a:defRPr>
-              </a:lvl4pPr>
-              <a:lvl5pPr marL="2057400" indent="-228600">
-                <a:defRPr sz="2400">
-                  <a:solidFill>
-                    <a:schemeClr val="tx1"/>
-                  </a:solidFill>
-                  <a:latin typeface="Times New Roman" pitchFamily="18" charset="0"/>
-                </a:defRPr>
-              </a:lvl5pPr>
-              <a:lvl6pPr marL="2514600" indent="-228600" eaLnBrk="0" fontAlgn="base" hangingPunct="0">
-                <a:spcBef>
-                  <a:spcPct val="0"/>
-                </a:spcBef>
-                <a:spcAft>
-                  <a:spcPct val="0"/>
-                </a:spcAft>
-                <a:defRPr sz="2400">
-                  <a:solidFill>
-                    <a:schemeClr val="tx1"/>
-                  </a:solidFill>
-                  <a:latin typeface="Times New Roman" pitchFamily="18" charset="0"/>
-                </a:defRPr>
-              </a:lvl6pPr>
-              <a:lvl7pPr marL="2971800" indent="-228600" eaLnBrk="0" fontAlgn="base" hangingPunct="0">
-                <a:spcBef>
-                  <a:spcPct val="0"/>
-                </a:spcBef>
-                <a:spcAft>
-                  <a:spcPct val="0"/>
-                </a:spcAft>
-                <a:defRPr sz="2400">
-                  <a:solidFill>
-                    <a:schemeClr val="tx1"/>
-                  </a:solidFill>
-                  <a:latin typeface="Times New Roman" pitchFamily="18" charset="0"/>
-                </a:defRPr>
-              </a:lvl7pPr>
-              <a:lvl8pPr marL="3429000" indent="-228600" eaLnBrk="0" fontAlgn="base" hangingPunct="0">
-                <a:spcBef>
-                  <a:spcPct val="0"/>
-                </a:spcBef>
-                <a:spcAft>
-                  <a:spcPct val="0"/>
-                </a:spcAft>
-                <a:defRPr sz="2400">
-                  <a:solidFill>
-                    <a:schemeClr val="tx1"/>
-                  </a:solidFill>
-                  <a:latin typeface="Times New Roman" pitchFamily="18" charset="0"/>
-                </a:defRPr>
-              </a:lvl8pPr>
-              <a:lvl9pPr marL="3886200" indent="-228600" eaLnBrk="0" fontAlgn="base" hangingPunct="0">
-                <a:spcBef>
-                  <a:spcPct val="0"/>
-                </a:spcBef>
-                <a:spcAft>
-                  <a:spcPct val="0"/>
-                </a:spcAft>
-                <a:defRPr sz="2400">
-                  <a:solidFill>
-                    <a:schemeClr val="tx1"/>
-                  </a:solidFill>
-                  <a:latin typeface="Times New Roman" pitchFamily="18" charset="0"/>
-                </a:defRPr>
-              </a:lvl9pPr>
-            </a:lstStyle>
-            <a:p>
-              <a:r>
-                <a:rPr lang="en-US" altLang="zh-CN" sz="4400" b="1" dirty="0" smtClean="0">
-                  <a:solidFill>
-                    <a:schemeClr val="bg1"/>
-                  </a:solidFill>
-                  <a:effectLst/>
-                  <a:latin typeface="Lucida Sans" pitchFamily="34" charset="0"/>
-                  <a:ea typeface="SimSun" pitchFamily="2" charset="-122"/>
-                  <a:cs typeface="Lucida Sans" pitchFamily="34" charset="0"/>
-                </a:rPr>
-                <a:t>Quantifying “How Characters Sound”</a:t>
-              </a:r>
-              <a:endParaRPr lang="en-US" altLang="zh-CN" sz="3200" b="1" dirty="0">
-                <a:solidFill>
-                  <a:schemeClr val="bg1"/>
-                </a:solidFill>
-                <a:effectLst/>
-                <a:latin typeface="Lucida Sans" pitchFamily="34" charset="0"/>
-                <a:ea typeface="SimSun" pitchFamily="2" charset="-122"/>
-                <a:cs typeface="Lucida Sans" pitchFamily="34" charset="0"/>
-              </a:endParaRPr>
-            </a:p>
-          </p:txBody>
-        </p:sp>
-      </p:grpSp>
       <p:sp>
         <p:nvSpPr>
-          <p:cNvPr id="78" name="Text Box 242"/>
+          <p:cNvPr id="61" name="Text Box 248"/>
           <p:cNvSpPr txBox="1">
             <a:spLocks noChangeArrowheads="1"/>
           </p:cNvSpPr>
@@ -6450,40 +4576,41 @@
         </p:nvSpPr>
         <p:spPr bwMode="auto">
           <a:xfrm>
-            <a:off x="-19583400" y="-3539594"/>
-            <a:ext cx="18436390" cy="3905877"/>
+            <a:off x="16034959" y="5419121"/>
+            <a:ext cx="26978385" cy="769441"/>
           </a:xfrm>
           <a:prstGeom prst="rect">
             <a:avLst/>
           </a:prstGeom>
-          <a:solidFill>
-            <a:schemeClr val="bg1"/>
-          </a:solidFill>
-          <a:ln w="57150" cmpd="thinThick">
+          <a:gradFill>
+            <a:gsLst>
+              <a:gs pos="56000">
+                <a:schemeClr val="accent2">
+                  <a:lumMod val="50000"/>
+                </a:schemeClr>
+              </a:gs>
+              <a:gs pos="100000">
+                <a:schemeClr val="bg1">
+                  <a:alpha val="0"/>
+                </a:schemeClr>
+              </a:gs>
+            </a:gsLst>
+            <a:lin ang="0" scaled="1"/>
+          </a:gradFill>
+          <a:ln w="19050">
             <a:noFill/>
             <a:miter lim="800000"/>
             <a:headEnd/>
             <a:tailEnd/>
           </a:ln>
           <a:effectLst/>
-          <a:extLst>
-            <a:ext uri="{AF507438-7753-43e0-B8FC-AC1667EBCBE1}">
-              <a14:hiddenEffects xmlns="" xmlns:a14="http://schemas.microsoft.com/office/drawing/2010/main">
-                <a:effectLst>
-                  <a:outerShdw dist="35921" dir="2700000" algn="ctr" rotWithShape="0">
-                    <a:schemeClr val="bg2"/>
-                  </a:outerShdw>
-                </a:effectLst>
-              </a14:hiddenEffects>
-            </a:ext>
-          </a:extLst>
         </p:spPr>
         <p:txBody>
-          <a:bodyPr wrap="square" lIns="182880" tIns="91440" rIns="182880" bIns="182880">
+          <a:bodyPr wrap="square">
             <a:spAutoFit/>
           </a:bodyPr>
           <a:lstStyle>
-            <a:lvl1pPr marL="228600" indent="-228600" defTabSz="612775">
+            <a:lvl1pPr>
               <a:defRPr sz="2400">
                 <a:solidFill>
                   <a:schemeClr val="tx1"/>
@@ -6491,7 +4618,7 @@
                 <a:latin typeface="Times New Roman" pitchFamily="18" charset="0"/>
               </a:defRPr>
             </a:lvl1pPr>
-            <a:lvl2pPr marL="742950" indent="-285750" defTabSz="612775">
+            <a:lvl2pPr marL="742950" indent="-285750">
               <a:defRPr sz="2400">
                 <a:solidFill>
                   <a:schemeClr val="tx1"/>
@@ -6499,7 +4626,7 @@
                 <a:latin typeface="Times New Roman" pitchFamily="18" charset="0"/>
               </a:defRPr>
             </a:lvl2pPr>
-            <a:lvl3pPr marL="1143000" indent="-228600" defTabSz="612775">
+            <a:lvl3pPr marL="1143000" indent="-228600">
               <a:defRPr sz="2400">
                 <a:solidFill>
                   <a:schemeClr val="tx1"/>
@@ -6507,7 +4634,7 @@
                 <a:latin typeface="Times New Roman" pitchFamily="18" charset="0"/>
               </a:defRPr>
             </a:lvl3pPr>
-            <a:lvl4pPr marL="1600200" indent="-228600" defTabSz="612775">
+            <a:lvl4pPr marL="1600200" indent="-228600">
               <a:defRPr sz="2400">
                 <a:solidFill>
                   <a:schemeClr val="tx1"/>
@@ -6515,7 +4642,7 @@
                 <a:latin typeface="Times New Roman" pitchFamily="18" charset="0"/>
               </a:defRPr>
             </a:lvl4pPr>
-            <a:lvl5pPr marL="2057400" indent="-228600" defTabSz="612775">
+            <a:lvl5pPr marL="2057400" indent="-228600">
               <a:defRPr sz="2400">
                 <a:solidFill>
                   <a:schemeClr val="tx1"/>
@@ -6523,7 +4650,7 @@
                 <a:latin typeface="Times New Roman" pitchFamily="18" charset="0"/>
               </a:defRPr>
             </a:lvl5pPr>
-            <a:lvl6pPr marL="2514600" indent="-228600" defTabSz="612775" eaLnBrk="0" fontAlgn="base" hangingPunct="0">
+            <a:lvl6pPr marL="2514600" indent="-228600" eaLnBrk="0" fontAlgn="base" hangingPunct="0">
               <a:spcBef>
                 <a:spcPct val="0"/>
               </a:spcBef>
@@ -6537,7 +4664,7 @@
                 <a:latin typeface="Times New Roman" pitchFamily="18" charset="0"/>
               </a:defRPr>
             </a:lvl6pPr>
-            <a:lvl7pPr marL="2971800" indent="-228600" defTabSz="612775" eaLnBrk="0" fontAlgn="base" hangingPunct="0">
+            <a:lvl7pPr marL="2971800" indent="-228600" eaLnBrk="0" fontAlgn="base" hangingPunct="0">
               <a:spcBef>
                 <a:spcPct val="0"/>
               </a:spcBef>
@@ -6551,7 +4678,7 @@
                 <a:latin typeface="Times New Roman" pitchFamily="18" charset="0"/>
               </a:defRPr>
             </a:lvl7pPr>
-            <a:lvl8pPr marL="3429000" indent="-228600" defTabSz="612775" eaLnBrk="0" fontAlgn="base" hangingPunct="0">
+            <a:lvl8pPr marL="3429000" indent="-228600" eaLnBrk="0" fontAlgn="base" hangingPunct="0">
               <a:spcBef>
                 <a:spcPct val="0"/>
               </a:spcBef>
@@ -6565,7 +4692,7 @@
                 <a:latin typeface="Times New Roman" pitchFamily="18" charset="0"/>
               </a:defRPr>
             </a:lvl8pPr>
-            <a:lvl9pPr marL="3886200" indent="-228600" defTabSz="612775" eaLnBrk="0" fontAlgn="base" hangingPunct="0">
+            <a:lvl9pPr marL="3886200" indent="-228600" eaLnBrk="0" fontAlgn="base" hangingPunct="0">
               <a:spcBef>
                 <a:spcPct val="0"/>
               </a:spcBef>
@@ -6581,102 +4708,524 @@
             </a:lvl9pPr>
           </a:lstStyle>
           <a:p>
-            <a:pPr algn="just">
-              <a:lnSpc>
-                <a:spcPct val="120000"/>
-              </a:lnSpc>
-              <a:buFontTx/>
-              <a:buChar char="•"/>
-            </a:pPr>
-            <a:r>
-              <a:rPr lang="en-US" altLang="ja-JP" sz="4000" dirty="0" smtClean="0">
-                <a:solidFill>
-                  <a:schemeClr val="tx1">
-                    <a:lumMod val="75000"/>
-                    <a:lumOff val="25000"/>
-                  </a:schemeClr>
+            <a:r>
+              <a:rPr lang="en-US" altLang="zh-CN" sz="4400" b="1" dirty="0">
+                <a:solidFill>
+                  <a:schemeClr val="bg1"/>
                 </a:solidFill>
                 <a:effectLst/>
-                <a:ea typeface="ＭＳ Ｐゴシック" charset="-128"/>
+                <a:latin typeface="Lucida Sans" pitchFamily="34" charset="0"/>
+                <a:ea typeface="SimSun" pitchFamily="2" charset="-122"/>
+                <a:cs typeface="Lucida Sans" pitchFamily="34" charset="0"/>
               </a:rPr>
-              <a:t>In any language, words break down into a set of fundamental elements called </a:t>
-            </a:r>
-            <a:r>
-              <a:rPr lang="en-US" altLang="ja-JP" sz="4000" b="1" dirty="0" smtClean="0">
-                <a:solidFill>
-                  <a:schemeClr val="tx1">
-                    <a:lumMod val="75000"/>
-                    <a:lumOff val="25000"/>
-                  </a:schemeClr>
-                </a:solidFill>
-                <a:effectLst/>
-                <a:ea typeface="ＭＳ Ｐゴシック" charset="-128"/>
-              </a:rPr>
-              <a:t>phonemes</a:t>
-            </a:r>
-            <a:endParaRPr lang="en-US" altLang="ja-JP" sz="4000" dirty="0" smtClean="0">
+              <a:t>Naïve Bayes Classification</a:t>
+            </a:r>
+            <a:endParaRPr lang="en-US" altLang="zh-CN" sz="3200" b="1" dirty="0">
               <a:solidFill>
-                <a:schemeClr val="tx1">
-                  <a:lumMod val="75000"/>
-                  <a:lumOff val="25000"/>
-                </a:schemeClr>
+                <a:schemeClr val="bg1"/>
               </a:solidFill>
               <a:effectLst/>
-              <a:ea typeface="ＭＳ Ｐゴシック" charset="-128"/>
+              <a:latin typeface="Lucida Sans" pitchFamily="34" charset="0"/>
+              <a:ea typeface="SimSun" pitchFamily="2" charset="-122"/>
+              <a:cs typeface="Lucida Sans" pitchFamily="34" charset="0"/>
             </a:endParaRPr>
           </a:p>
-          <a:p>
-            <a:pPr algn="just">
-              <a:lnSpc>
-                <a:spcPct val="120000"/>
-              </a:lnSpc>
-              <a:buFontTx/>
-              <a:buChar char="•"/>
-            </a:pPr>
-            <a:r>
-              <a:rPr lang="en-US" altLang="ja-JP" sz="4000" dirty="0" smtClean="0">
-                <a:solidFill>
-                  <a:schemeClr val="tx1">
-                    <a:lumMod val="75000"/>
-                    <a:lumOff val="25000"/>
-                  </a:schemeClr>
+        </p:txBody>
+      </p:sp>
+      <p:sp>
+        <p:nvSpPr>
+          <p:cNvPr id="64" name="Text Box 248"/>
+          <p:cNvSpPr txBox="1">
+            <a:spLocks noChangeArrowheads="1"/>
+          </p:cNvSpPr>
+          <p:nvPr/>
+        </p:nvSpPr>
+        <p:spPr bwMode="auto">
+          <a:xfrm>
+            <a:off x="16030880" y="12973803"/>
+            <a:ext cx="27174519" cy="769441"/>
+          </a:xfrm>
+          <a:prstGeom prst="rect">
+            <a:avLst/>
+          </a:prstGeom>
+          <a:gradFill>
+            <a:gsLst>
+              <a:gs pos="56000">
+                <a:schemeClr val="accent2">
+                  <a:lumMod val="50000"/>
+                </a:schemeClr>
+              </a:gs>
+              <a:gs pos="100000">
+                <a:schemeClr val="bg1">
+                  <a:alpha val="0"/>
+                </a:schemeClr>
+              </a:gs>
+            </a:gsLst>
+            <a:lin ang="0" scaled="1"/>
+          </a:gradFill>
+          <a:ln w="19050">
+            <a:noFill/>
+            <a:miter lim="800000"/>
+            <a:headEnd/>
+            <a:tailEnd/>
+          </a:ln>
+          <a:effectLst/>
+        </p:spPr>
+        <p:txBody>
+          <a:bodyPr wrap="square">
+            <a:spAutoFit/>
+          </a:bodyPr>
+          <a:lstStyle>
+            <a:lvl1pPr>
+              <a:defRPr sz="2400">
+                <a:solidFill>
+                  <a:schemeClr val="tx1"/>
+                </a:solidFill>
+                <a:latin typeface="Times New Roman" pitchFamily="18" charset="0"/>
+              </a:defRPr>
+            </a:lvl1pPr>
+            <a:lvl2pPr marL="742950" indent="-285750">
+              <a:defRPr sz="2400">
+                <a:solidFill>
+                  <a:schemeClr val="tx1"/>
+                </a:solidFill>
+                <a:latin typeface="Times New Roman" pitchFamily="18" charset="0"/>
+              </a:defRPr>
+            </a:lvl2pPr>
+            <a:lvl3pPr marL="1143000" indent="-228600">
+              <a:defRPr sz="2400">
+                <a:solidFill>
+                  <a:schemeClr val="tx1"/>
+                </a:solidFill>
+                <a:latin typeface="Times New Roman" pitchFamily="18" charset="0"/>
+              </a:defRPr>
+            </a:lvl3pPr>
+            <a:lvl4pPr marL="1600200" indent="-228600">
+              <a:defRPr sz="2400">
+                <a:solidFill>
+                  <a:schemeClr val="tx1"/>
+                </a:solidFill>
+                <a:latin typeface="Times New Roman" pitchFamily="18" charset="0"/>
+              </a:defRPr>
+            </a:lvl4pPr>
+            <a:lvl5pPr marL="2057400" indent="-228600">
+              <a:defRPr sz="2400">
+                <a:solidFill>
+                  <a:schemeClr val="tx1"/>
+                </a:solidFill>
+                <a:latin typeface="Times New Roman" pitchFamily="18" charset="0"/>
+              </a:defRPr>
+            </a:lvl5pPr>
+            <a:lvl6pPr marL="2514600" indent="-228600" eaLnBrk="0" fontAlgn="base" hangingPunct="0">
+              <a:spcBef>
+                <a:spcPct val="0"/>
+              </a:spcBef>
+              <a:spcAft>
+                <a:spcPct val="0"/>
+              </a:spcAft>
+              <a:defRPr sz="2400">
+                <a:solidFill>
+                  <a:schemeClr val="tx1"/>
+                </a:solidFill>
+                <a:latin typeface="Times New Roman" pitchFamily="18" charset="0"/>
+              </a:defRPr>
+            </a:lvl6pPr>
+            <a:lvl7pPr marL="2971800" indent="-228600" eaLnBrk="0" fontAlgn="base" hangingPunct="0">
+              <a:spcBef>
+                <a:spcPct val="0"/>
+              </a:spcBef>
+              <a:spcAft>
+                <a:spcPct val="0"/>
+              </a:spcAft>
+              <a:defRPr sz="2400">
+                <a:solidFill>
+                  <a:schemeClr val="tx1"/>
+                </a:solidFill>
+                <a:latin typeface="Times New Roman" pitchFamily="18" charset="0"/>
+              </a:defRPr>
+            </a:lvl7pPr>
+            <a:lvl8pPr marL="3429000" indent="-228600" eaLnBrk="0" fontAlgn="base" hangingPunct="0">
+              <a:spcBef>
+                <a:spcPct val="0"/>
+              </a:spcBef>
+              <a:spcAft>
+                <a:spcPct val="0"/>
+              </a:spcAft>
+              <a:defRPr sz="2400">
+                <a:solidFill>
+                  <a:schemeClr val="tx1"/>
+                </a:solidFill>
+                <a:latin typeface="Times New Roman" pitchFamily="18" charset="0"/>
+              </a:defRPr>
+            </a:lvl8pPr>
+            <a:lvl9pPr marL="3886200" indent="-228600" eaLnBrk="0" fontAlgn="base" hangingPunct="0">
+              <a:spcBef>
+                <a:spcPct val="0"/>
+              </a:spcBef>
+              <a:spcAft>
+                <a:spcPct val="0"/>
+              </a:spcAft>
+              <a:defRPr sz="2400">
+                <a:solidFill>
+                  <a:schemeClr val="tx1"/>
+                </a:solidFill>
+                <a:latin typeface="Times New Roman" pitchFamily="18" charset="0"/>
+              </a:defRPr>
+            </a:lvl9pPr>
+          </a:lstStyle>
+          <a:p>
+            <a:r>
+              <a:rPr lang="en-US" altLang="zh-CN" sz="4400" b="1" dirty="0">
+                <a:solidFill>
+                  <a:schemeClr val="bg1"/>
                 </a:solidFill>
                 <a:effectLst/>
-                <a:ea typeface="ＭＳ Ｐゴシック" charset="-128"/>
+                <a:latin typeface="Lucida Sans" pitchFamily="34" charset="0"/>
+                <a:ea typeface="SimSun" pitchFamily="2" charset="-122"/>
+                <a:cs typeface="Lucida Sans" pitchFamily="34" charset="0"/>
               </a:rPr>
-              <a:t>Phonemes are defined by the physical processes necessary to produce them (e.g. air flow, tongue position)</a:t>
-            </a:r>
-          </a:p>
-          <a:p>
-            <a:pPr algn="just">
-              <a:lnSpc>
-                <a:spcPct val="120000"/>
-              </a:lnSpc>
-              <a:buFontTx/>
-              <a:buChar char="•"/>
-            </a:pPr>
-            <a:r>
-              <a:rPr lang="en-US" altLang="ja-JP" sz="4000" dirty="0" smtClean="0">
-                <a:solidFill>
-                  <a:schemeClr val="tx1">
-                    <a:lumMod val="75000"/>
-                    <a:lumOff val="25000"/>
-                  </a:schemeClr>
-                </a:solidFill>
-                <a:effectLst/>
-                <a:ea typeface="ＭＳ Ｐゴシック" charset="-128"/>
-              </a:rPr>
-              <a:t>Most English sounds can be qualified distinctly using only a handful of features</a:t>
-            </a:r>
-            <a:endParaRPr lang="en-US" altLang="ja-JP" sz="4000" dirty="0">
+              <a:t>Z-Score Comparisons</a:t>
+            </a:r>
+            <a:endParaRPr lang="en-US" altLang="zh-CN" sz="3200" b="1" dirty="0">
               <a:solidFill>
-                <a:schemeClr val="tx1">
-                  <a:lumMod val="75000"/>
-                  <a:lumOff val="25000"/>
-                </a:schemeClr>
+                <a:schemeClr val="bg1"/>
               </a:solidFill>
               <a:effectLst/>
-              <a:ea typeface="ＭＳ Ｐゴシック" charset="-128"/>
+              <a:latin typeface="Lucida Sans" pitchFamily="34" charset="0"/>
+              <a:ea typeface="SimSun" pitchFamily="2" charset="-122"/>
+              <a:cs typeface="Lucida Sans" pitchFamily="34" charset="0"/>
+            </a:endParaRPr>
+          </a:p>
+        </p:txBody>
+      </p:sp>
+      <p:sp>
+        <p:nvSpPr>
+          <p:cNvPr id="67" name="Text Box 248"/>
+          <p:cNvSpPr txBox="1">
+            <a:spLocks noChangeArrowheads="1"/>
+          </p:cNvSpPr>
+          <p:nvPr/>
+        </p:nvSpPr>
+        <p:spPr bwMode="auto">
+          <a:xfrm>
+            <a:off x="16034959" y="20744533"/>
+            <a:ext cx="26669141" cy="774848"/>
+          </a:xfrm>
+          <a:prstGeom prst="rect">
+            <a:avLst/>
+          </a:prstGeom>
+          <a:gradFill>
+            <a:gsLst>
+              <a:gs pos="56000">
+                <a:schemeClr val="accent2">
+                  <a:lumMod val="50000"/>
+                </a:schemeClr>
+              </a:gs>
+              <a:gs pos="100000">
+                <a:schemeClr val="bg1">
+                  <a:alpha val="0"/>
+                </a:schemeClr>
+              </a:gs>
+            </a:gsLst>
+            <a:lin ang="0" scaled="1"/>
+          </a:gradFill>
+          <a:ln w="19050">
+            <a:noFill/>
+            <a:miter lim="800000"/>
+            <a:headEnd/>
+            <a:tailEnd/>
+          </a:ln>
+          <a:effectLst/>
+        </p:spPr>
+        <p:txBody>
+          <a:bodyPr wrap="square">
+            <a:spAutoFit/>
+          </a:bodyPr>
+          <a:lstStyle>
+            <a:lvl1pPr>
+              <a:defRPr sz="2400">
+                <a:solidFill>
+                  <a:schemeClr val="tx1"/>
+                </a:solidFill>
+                <a:latin typeface="Times New Roman" pitchFamily="18" charset="0"/>
+              </a:defRPr>
+            </a:lvl1pPr>
+            <a:lvl2pPr marL="742950" indent="-285750">
+              <a:defRPr sz="2400">
+                <a:solidFill>
+                  <a:schemeClr val="tx1"/>
+                </a:solidFill>
+                <a:latin typeface="Times New Roman" pitchFamily="18" charset="0"/>
+              </a:defRPr>
+            </a:lvl2pPr>
+            <a:lvl3pPr marL="1143000" indent="-228600">
+              <a:defRPr sz="2400">
+                <a:solidFill>
+                  <a:schemeClr val="tx1"/>
+                </a:solidFill>
+                <a:latin typeface="Times New Roman" pitchFamily="18" charset="0"/>
+              </a:defRPr>
+            </a:lvl3pPr>
+            <a:lvl4pPr marL="1600200" indent="-228600">
+              <a:defRPr sz="2400">
+                <a:solidFill>
+                  <a:schemeClr val="tx1"/>
+                </a:solidFill>
+                <a:latin typeface="Times New Roman" pitchFamily="18" charset="0"/>
+              </a:defRPr>
+            </a:lvl4pPr>
+            <a:lvl5pPr marL="2057400" indent="-228600">
+              <a:defRPr sz="2400">
+                <a:solidFill>
+                  <a:schemeClr val="tx1"/>
+                </a:solidFill>
+                <a:latin typeface="Times New Roman" pitchFamily="18" charset="0"/>
+              </a:defRPr>
+            </a:lvl5pPr>
+            <a:lvl6pPr marL="2514600" indent="-228600" eaLnBrk="0" fontAlgn="base" hangingPunct="0">
+              <a:spcBef>
+                <a:spcPct val="0"/>
+              </a:spcBef>
+              <a:spcAft>
+                <a:spcPct val="0"/>
+              </a:spcAft>
+              <a:defRPr sz="2400">
+                <a:solidFill>
+                  <a:schemeClr val="tx1"/>
+                </a:solidFill>
+                <a:latin typeface="Times New Roman" pitchFamily="18" charset="0"/>
+              </a:defRPr>
+            </a:lvl6pPr>
+            <a:lvl7pPr marL="2971800" indent="-228600" eaLnBrk="0" fontAlgn="base" hangingPunct="0">
+              <a:spcBef>
+                <a:spcPct val="0"/>
+              </a:spcBef>
+              <a:spcAft>
+                <a:spcPct val="0"/>
+              </a:spcAft>
+              <a:defRPr sz="2400">
+                <a:solidFill>
+                  <a:schemeClr val="tx1"/>
+                </a:solidFill>
+                <a:latin typeface="Times New Roman" pitchFamily="18" charset="0"/>
+              </a:defRPr>
+            </a:lvl7pPr>
+            <a:lvl8pPr marL="3429000" indent="-228600" eaLnBrk="0" fontAlgn="base" hangingPunct="0">
+              <a:spcBef>
+                <a:spcPct val="0"/>
+              </a:spcBef>
+              <a:spcAft>
+                <a:spcPct val="0"/>
+              </a:spcAft>
+              <a:defRPr sz="2400">
+                <a:solidFill>
+                  <a:schemeClr val="tx1"/>
+                </a:solidFill>
+                <a:latin typeface="Times New Roman" pitchFamily="18" charset="0"/>
+              </a:defRPr>
+            </a:lvl8pPr>
+            <a:lvl9pPr marL="3886200" indent="-228600" eaLnBrk="0" fontAlgn="base" hangingPunct="0">
+              <a:spcBef>
+                <a:spcPct val="0"/>
+              </a:spcBef>
+              <a:spcAft>
+                <a:spcPct val="0"/>
+              </a:spcAft>
+              <a:defRPr sz="2400">
+                <a:solidFill>
+                  <a:schemeClr val="tx1"/>
+                </a:solidFill>
+                <a:latin typeface="Times New Roman" pitchFamily="18" charset="0"/>
+              </a:defRPr>
+            </a:lvl9pPr>
+          </a:lstStyle>
+          <a:p>
+            <a:r>
+              <a:rPr lang="en-US" altLang="zh-CN" sz="4400" b="1" dirty="0">
+                <a:solidFill>
+                  <a:schemeClr val="bg1"/>
+                </a:solidFill>
+                <a:effectLst/>
+                <a:latin typeface="Lucida Sans" pitchFamily="34" charset="0"/>
+                <a:ea typeface="SimSun" pitchFamily="2" charset="-122"/>
+                <a:cs typeface="Lucida Sans" pitchFamily="34" charset="0"/>
+              </a:rPr>
+              <a:t>“Ophelia’s Oh”</a:t>
+            </a:r>
+            <a:endParaRPr lang="en-US" altLang="zh-CN" sz="3200" b="1" dirty="0">
+              <a:solidFill>
+                <a:schemeClr val="bg1"/>
+              </a:solidFill>
+              <a:effectLst/>
+              <a:latin typeface="Lucida Sans" pitchFamily="34" charset="0"/>
+              <a:ea typeface="SimSun" pitchFamily="2" charset="-122"/>
+              <a:cs typeface="Lucida Sans" pitchFamily="34" charset="0"/>
+            </a:endParaRPr>
+          </a:p>
+        </p:txBody>
+      </p:sp>
+      <p:sp>
+        <p:nvSpPr>
+          <p:cNvPr id="71" name="Text Box 248"/>
+          <p:cNvSpPr txBox="1">
+            <a:spLocks noChangeArrowheads="1"/>
+          </p:cNvSpPr>
+          <p:nvPr/>
+        </p:nvSpPr>
+        <p:spPr bwMode="auto">
+          <a:xfrm>
+            <a:off x="1195575" y="10509497"/>
+            <a:ext cx="14267056" cy="769441"/>
+          </a:xfrm>
+          <a:prstGeom prst="rect">
+            <a:avLst/>
+          </a:prstGeom>
+          <a:gradFill>
+            <a:gsLst>
+              <a:gs pos="56000">
+                <a:schemeClr val="accent2">
+                  <a:lumMod val="50000"/>
+                </a:schemeClr>
+              </a:gs>
+              <a:gs pos="100000">
+                <a:schemeClr val="bg1">
+                  <a:alpha val="0"/>
+                </a:schemeClr>
+              </a:gs>
+            </a:gsLst>
+            <a:lin ang="0" scaled="1"/>
+          </a:gradFill>
+          <a:ln w="19050">
+            <a:noFill/>
+            <a:miter lim="800000"/>
+            <a:headEnd/>
+            <a:tailEnd/>
+          </a:ln>
+          <a:effectLst/>
+        </p:spPr>
+        <p:txBody>
+          <a:bodyPr wrap="square">
+            <a:spAutoFit/>
+          </a:bodyPr>
+          <a:lstStyle>
+            <a:lvl1pPr>
+              <a:defRPr sz="2400">
+                <a:solidFill>
+                  <a:schemeClr val="tx1"/>
+                </a:solidFill>
+                <a:latin typeface="Times New Roman" pitchFamily="18" charset="0"/>
+              </a:defRPr>
+            </a:lvl1pPr>
+            <a:lvl2pPr marL="742950" indent="-285750">
+              <a:defRPr sz="2400">
+                <a:solidFill>
+                  <a:schemeClr val="tx1"/>
+                </a:solidFill>
+                <a:latin typeface="Times New Roman" pitchFamily="18" charset="0"/>
+              </a:defRPr>
+            </a:lvl2pPr>
+            <a:lvl3pPr marL="1143000" indent="-228600">
+              <a:defRPr sz="2400">
+                <a:solidFill>
+                  <a:schemeClr val="tx1"/>
+                </a:solidFill>
+                <a:latin typeface="Times New Roman" pitchFamily="18" charset="0"/>
+              </a:defRPr>
+            </a:lvl3pPr>
+            <a:lvl4pPr marL="1600200" indent="-228600">
+              <a:defRPr sz="2400">
+                <a:solidFill>
+                  <a:schemeClr val="tx1"/>
+                </a:solidFill>
+                <a:latin typeface="Times New Roman" pitchFamily="18" charset="0"/>
+              </a:defRPr>
+            </a:lvl4pPr>
+            <a:lvl5pPr marL="2057400" indent="-228600">
+              <a:defRPr sz="2400">
+                <a:solidFill>
+                  <a:schemeClr val="tx1"/>
+                </a:solidFill>
+                <a:latin typeface="Times New Roman" pitchFamily="18" charset="0"/>
+              </a:defRPr>
+            </a:lvl5pPr>
+            <a:lvl6pPr marL="2514600" indent="-228600" eaLnBrk="0" fontAlgn="base" hangingPunct="0">
+              <a:spcBef>
+                <a:spcPct val="0"/>
+              </a:spcBef>
+              <a:spcAft>
+                <a:spcPct val="0"/>
+              </a:spcAft>
+              <a:defRPr sz="2400">
+                <a:solidFill>
+                  <a:schemeClr val="tx1"/>
+                </a:solidFill>
+                <a:latin typeface="Times New Roman" pitchFamily="18" charset="0"/>
+              </a:defRPr>
+            </a:lvl6pPr>
+            <a:lvl7pPr marL="2971800" indent="-228600" eaLnBrk="0" fontAlgn="base" hangingPunct="0">
+              <a:spcBef>
+                <a:spcPct val="0"/>
+              </a:spcBef>
+              <a:spcAft>
+                <a:spcPct val="0"/>
+              </a:spcAft>
+              <a:defRPr sz="2400">
+                <a:solidFill>
+                  <a:schemeClr val="tx1"/>
+                </a:solidFill>
+                <a:latin typeface="Times New Roman" pitchFamily="18" charset="0"/>
+              </a:defRPr>
+            </a:lvl7pPr>
+            <a:lvl8pPr marL="3429000" indent="-228600" eaLnBrk="0" fontAlgn="base" hangingPunct="0">
+              <a:spcBef>
+                <a:spcPct val="0"/>
+              </a:spcBef>
+              <a:spcAft>
+                <a:spcPct val="0"/>
+              </a:spcAft>
+              <a:defRPr sz="2400">
+                <a:solidFill>
+                  <a:schemeClr val="tx1"/>
+                </a:solidFill>
+                <a:latin typeface="Times New Roman" pitchFamily="18" charset="0"/>
+              </a:defRPr>
+            </a:lvl8pPr>
+            <a:lvl9pPr marL="3886200" indent="-228600" eaLnBrk="0" fontAlgn="base" hangingPunct="0">
+              <a:spcBef>
+                <a:spcPct val="0"/>
+              </a:spcBef>
+              <a:spcAft>
+                <a:spcPct val="0"/>
+              </a:spcAft>
+              <a:defRPr sz="2400">
+                <a:solidFill>
+                  <a:schemeClr val="tx1"/>
+                </a:solidFill>
+                <a:latin typeface="Times New Roman" pitchFamily="18" charset="0"/>
+              </a:defRPr>
+            </a:lvl9pPr>
+          </a:lstStyle>
+          <a:p>
+            <a:r>
+              <a:rPr lang="en-US" altLang="zh-CN" sz="4400" b="1" dirty="0">
+                <a:solidFill>
+                  <a:schemeClr val="bg1"/>
+                </a:solidFill>
+                <a:effectLst/>
+                <a:latin typeface="Lucida Sans" pitchFamily="34" charset="0"/>
+                <a:ea typeface="SimSun" pitchFamily="2" charset="-122"/>
+                <a:cs typeface="Lucida Sans" pitchFamily="34" charset="0"/>
+              </a:rPr>
+              <a:t>Quantifying “How Characters Sound”</a:t>
+            </a:r>
+            <a:endParaRPr lang="en-US" altLang="zh-CN" sz="3200" b="1" dirty="0">
+              <a:solidFill>
+                <a:schemeClr val="bg1"/>
+              </a:solidFill>
+              <a:effectLst/>
+              <a:latin typeface="Lucida Sans" pitchFamily="34" charset="0"/>
+              <a:ea typeface="SimSun" pitchFamily="2" charset="-122"/>
+              <a:cs typeface="Lucida Sans" pitchFamily="34" charset="0"/>
             </a:endParaRPr>
           </a:p>
         </p:txBody>
@@ -6691,7 +5240,7 @@
         </p:nvSpPr>
         <p:spPr bwMode="auto">
           <a:xfrm>
-            <a:off x="16116299" y="13841294"/>
+            <a:off x="16027372" y="13745152"/>
             <a:ext cx="10501571" cy="6201698"/>
           </a:xfrm>
           <a:prstGeom prst="rect">
@@ -6821,14 +5370,11 @@
               </a:lnSpc>
             </a:pPr>
             <a:r>
-              <a:rPr lang="en-AU" sz="2800" b="1" dirty="0" smtClean="0">
+              <a:rPr lang="en-AU" sz="2800" b="1" dirty="0">
                 <a:effectLst/>
               </a:rPr>
               <a:t>Do certain speech attributes occur with higher frequency than average among specific archetypes?</a:t>
             </a:r>
-            <a:endParaRPr lang="en-AU" sz="2800" b="1" dirty="0">
-              <a:effectLst/>
-            </a:endParaRPr>
           </a:p>
           <a:p>
             <a:pPr>
@@ -6836,7 +5382,7 @@
                 <a:spcPct val="125000"/>
               </a:lnSpc>
             </a:pPr>
-            <a:endParaRPr lang="en-AU" sz="2800" b="1" dirty="0" smtClean="0">
+            <a:endParaRPr lang="en-AU" sz="2800" b="1" dirty="0">
               <a:effectLst/>
             </a:endParaRPr>
           </a:p>
@@ -6847,10 +5393,10 @@
               </a:lnSpc>
             </a:pPr>
             <a:r>
-              <a:rPr lang="en-AU" sz="2800" dirty="0" smtClean="0">
+              <a:rPr lang="en-AU" sz="2800" dirty="0">
                 <a:effectLst/>
               </a:rPr>
-              <a:t>Once we established norms for specific roles, we wanted a way to visually compare the deviation from norm for any given character to those norms. </a:t>
+              <a:t>Once we established standards for specific roles, we wanted a way to visually compare the deviation from norm for any given character to those norms. </a:t>
             </a:r>
           </a:p>
           <a:p>
@@ -6870,25 +5416,25 @@
               </a:lnSpc>
             </a:pPr>
             <a:r>
-              <a:rPr lang="en-AU" sz="2800" dirty="0" smtClean="0">
+              <a:rPr lang="en-AU" sz="2800" dirty="0">
                 <a:effectLst/>
               </a:rPr>
               <a:t>The interactive z-score visualization allows users to </a:t>
             </a:r>
             <a:r>
-              <a:rPr lang="en-AU" sz="2800" b="1" dirty="0" smtClean="0">
+              <a:rPr lang="en-AU" sz="2800" b="1" dirty="0">
                 <a:effectLst/>
               </a:rPr>
               <a:t>sort</a:t>
             </a:r>
             <a:r>
-              <a:rPr lang="en-AU" sz="2800" dirty="0" smtClean="0">
+              <a:rPr lang="en-AU" sz="2800" dirty="0">
                 <a:effectLst/>
               </a:rPr>
               <a:t> </a:t>
             </a:r>
             <a:r>
-              <a:rPr lang="en-AU" sz="2800" dirty="0" smtClean="0">
+              <a:rPr lang="en-AU" sz="2800" dirty="0">
                 <a:solidFill>
                   <a:schemeClr val="accent2">
                     <a:lumMod val="50000"/>
@@ -6899,7 +5445,7 @@
               <a:t>features</a:t>
             </a:r>
             <a:r>
-              <a:rPr lang="en-AU" sz="2800" dirty="0" smtClean="0">
+              <a:rPr lang="en-AU" sz="2800" dirty="0">
                 <a:solidFill>
                   <a:schemeClr val="accent2">
                     <a:lumMod val="40000"/>
@@ -6911,13 +5457,13 @@
               <a:t> </a:t>
             </a:r>
             <a:r>
-              <a:rPr lang="en-AU" sz="2800" dirty="0" smtClean="0">
+              <a:rPr lang="en-AU" sz="2800" dirty="0">
                 <a:effectLst/>
               </a:rPr>
               <a:t>and </a:t>
             </a:r>
             <a:r>
-              <a:rPr lang="en-AU" sz="2800" dirty="0" smtClean="0">
+              <a:rPr lang="en-AU" sz="2800" dirty="0">
                 <a:solidFill>
                   <a:schemeClr val="accent2">
                     <a:lumMod val="60000"/>
@@ -6929,7 +5475,7 @@
               <a:t>phonemes</a:t>
             </a:r>
             <a:r>
-              <a:rPr lang="en-AU" sz="2800" dirty="0" smtClean="0">
+              <a:rPr lang="en-AU" sz="2800" dirty="0">
                 <a:solidFill>
                   <a:schemeClr val="accent2">
                     <a:lumMod val="40000"/>
@@ -6941,43 +5487,43 @@
               <a:t> </a:t>
             </a:r>
             <a:r>
-              <a:rPr lang="en-AU" sz="2800" dirty="0" smtClean="0">
+              <a:rPr lang="en-AU" sz="2800" dirty="0">
                 <a:effectLst/>
               </a:rPr>
               <a:t>by </a:t>
             </a:r>
             <a:r>
-              <a:rPr lang="en-AU" sz="2800" b="1" dirty="0" smtClean="0">
+              <a:rPr lang="en-AU" sz="2800" b="1" dirty="0">
                 <a:effectLst/>
               </a:rPr>
               <a:t>descending order of significance </a:t>
             </a:r>
             <a:r>
-              <a:rPr lang="en-AU" sz="2800" dirty="0" smtClean="0">
+              <a:rPr lang="en-AU" sz="2800" dirty="0">
                 <a:effectLst/>
               </a:rPr>
               <a:t>for a role; view </a:t>
             </a:r>
             <a:r>
-              <a:rPr lang="en-AU" sz="2800" b="1" dirty="0" smtClean="0">
+              <a:rPr lang="en-AU" sz="2800" b="1" dirty="0">
                 <a:effectLst/>
               </a:rPr>
               <a:t>only certain roles</a:t>
             </a:r>
             <a:r>
-              <a:rPr lang="en-AU" sz="2800" dirty="0" smtClean="0">
+              <a:rPr lang="en-AU" sz="2800" dirty="0">
                 <a:effectLst/>
               </a:rPr>
               <a:t>; and view the </a:t>
             </a:r>
             <a:r>
-              <a:rPr lang="en-AU" sz="2800" b="1" dirty="0" smtClean="0">
+              <a:rPr lang="en-AU" sz="2800" b="1" dirty="0">
                 <a:effectLst/>
               </a:rPr>
               <a:t>distance</a:t>
             </a:r>
             <a:r>
-              <a:rPr lang="en-AU" sz="2800" b="1" dirty="0" smtClean="0">
+              <a:rPr lang="en-AU" sz="2800" b="1" dirty="0">
                 <a:solidFill>
                   <a:schemeClr val="accent6">
                     <a:lumMod val="60000"/>
@@ -6989,38 +5535,35 @@
               <a:t> </a:t>
             </a:r>
             <a:r>
-              <a:rPr lang="en-AU" sz="2800" dirty="0" smtClean="0">
+              <a:rPr lang="en-AU" sz="2800" dirty="0">
                 <a:effectLst/>
               </a:rPr>
               <a:t>between a </a:t>
             </a:r>
             <a:r>
-              <a:rPr lang="en-AU" sz="2800" b="1" dirty="0" smtClean="0">
+              <a:rPr lang="en-AU" sz="2800" b="1" dirty="0">
                 <a:effectLst/>
               </a:rPr>
               <a:t>character’s z-scores </a:t>
             </a:r>
             <a:r>
-              <a:rPr lang="en-AU" sz="2800" dirty="0" smtClean="0">
+              <a:rPr lang="en-AU" sz="2800" dirty="0">
                 <a:effectLst/>
               </a:rPr>
               <a:t>and the </a:t>
             </a:r>
             <a:r>
-              <a:rPr lang="en-AU" sz="2800" b="1" dirty="0" smtClean="0">
+              <a:rPr lang="en-AU" sz="2800" b="1" dirty="0">
                 <a:effectLst/>
               </a:rPr>
               <a:t>averages</a:t>
             </a:r>
             <a:r>
-              <a:rPr lang="en-AU" sz="2800" dirty="0" smtClean="0">
+              <a:rPr lang="en-AU" sz="2800" dirty="0">
                 <a:effectLst/>
               </a:rPr>
               <a:t> for a role.</a:t>
             </a:r>
-            <a:endParaRPr lang="en-AU" sz="2800" dirty="0">
-              <a:effectLst/>
-            </a:endParaRPr>
           </a:p>
         </p:txBody>
       </p:sp>
@@ -7034,8 +5577,8 @@
         </p:nvSpPr>
         <p:spPr bwMode="auto">
           <a:xfrm>
-            <a:off x="16116299" y="21606231"/>
-            <a:ext cx="11098441" cy="972158"/>
+            <a:off x="16027372" y="21519381"/>
+            <a:ext cx="11098441" cy="4585871"/>
           </a:xfrm>
           <a:prstGeom prst="rect">
             <a:avLst/>
@@ -7158,11 +5701,132 @@
             </a:lvl9pPr>
           </a:lstStyle>
           <a:p>
-            <a:pPr>
-              <a:lnSpc>
-                <a:spcPct val="125000"/>
-              </a:lnSpc>
-            </a:pPr>
+            <a:r>
+              <a:rPr lang="en-US" sz="2800" dirty="0">
+                <a:effectLst/>
+              </a:rPr>
+              <a:t>Stanley Newman, in his experiments in Sound Symbolism, scaled vowels from bright to dark in how subjects perceived them. “IH” as in “Lit” sounded brightest, </a:t>
+            </a:r>
+            <a:r>
+              <a:rPr lang="en-US" dirty="0">
+                <a:effectLst/>
+              </a:rPr>
+              <a:t>while “UH </a:t>
+            </a:r>
+            <a:r>
+              <a:rPr lang="en-US" sz="2800" dirty="0">
+                <a:effectLst/>
+              </a:rPr>
+              <a:t>” as in “Put” sounded darkest and biggest. </a:t>
+            </a:r>
+          </a:p>
+          <a:p>
+            <a:br>
+              <a:rPr lang="en-US" sz="2800" dirty="0">
+                <a:effectLst/>
+              </a:rPr>
+            </a:br>
+            <a:r>
+              <a:rPr lang="en-US" sz="2800" dirty="0">
+                <a:effectLst/>
+              </a:rPr>
+              <a:t>We wanted to examine </a:t>
+            </a:r>
+            <a:r>
+              <a:rPr lang="en-US" sz="2800" b="1" dirty="0">
+                <a:effectLst/>
+              </a:rPr>
+              <a:t>which characters</a:t>
+            </a:r>
+            <a:r>
+              <a:rPr lang="en-US" sz="2800" dirty="0">
+                <a:effectLst/>
+              </a:rPr>
+              <a:t>, if any, </a:t>
+            </a:r>
+            <a:r>
+              <a:rPr lang="en-US" sz="2800" b="1" dirty="0">
+                <a:effectLst/>
+              </a:rPr>
+              <a:t>tended toward bright or dark vowels</a:t>
+            </a:r>
+            <a:r>
+              <a:rPr lang="en-US" sz="2800" dirty="0">
+                <a:effectLst/>
+              </a:rPr>
+              <a:t>, so bars below the line represent below average usage of a vowel, while bars above the line represent above average usage of a vowel</a:t>
+            </a:r>
+            <a:r>
+              <a:rPr lang="en-US" sz="2800" dirty="0">
+                <a:solidFill>
+                  <a:schemeClr val="bg2">
+                    <a:lumMod val="75000"/>
+                  </a:schemeClr>
+                </a:solidFill>
+                <a:effectLst/>
+              </a:rPr>
+              <a:t>. Brightly colored bars </a:t>
+            </a:r>
+            <a:r>
+              <a:rPr lang="en-US" sz="2800" dirty="0">
+                <a:effectLst/>
+              </a:rPr>
+              <a:t>represent </a:t>
+            </a:r>
+            <a:r>
+              <a:rPr lang="en-US" sz="2800" dirty="0">
+                <a:solidFill>
+                  <a:schemeClr val="bg2">
+                    <a:lumMod val="75000"/>
+                  </a:schemeClr>
+                </a:solidFill>
+                <a:effectLst/>
+              </a:rPr>
+              <a:t>brightly scaled vowels,</a:t>
+            </a:r>
+            <a:r>
+              <a:rPr lang="en-US" sz="2800" dirty="0">
+                <a:effectLst/>
+              </a:rPr>
+              <a:t> while </a:t>
+            </a:r>
+            <a:r>
+              <a:rPr lang="en-US" sz="2800" dirty="0">
+                <a:solidFill>
+                  <a:schemeClr val="bg2">
+                    <a:lumMod val="25000"/>
+                  </a:schemeClr>
+                </a:solidFill>
+                <a:effectLst/>
+              </a:rPr>
+              <a:t>dark bars </a:t>
+            </a:r>
+            <a:r>
+              <a:rPr lang="en-US" sz="2800" dirty="0">
+                <a:effectLst/>
+              </a:rPr>
+              <a:t>are </a:t>
+            </a:r>
+            <a:r>
+              <a:rPr lang="en-US" sz="2800" dirty="0">
+                <a:solidFill>
+                  <a:schemeClr val="bg2">
+                    <a:lumMod val="25000"/>
+                  </a:schemeClr>
+                </a:solidFill>
+                <a:effectLst/>
+              </a:rPr>
+              <a:t>dark vowels</a:t>
+            </a:r>
+            <a:r>
+              <a:rPr lang="en-US" sz="2800" dirty="0">
+                <a:effectLst/>
+              </a:rPr>
+              <a:t>.</a:t>
+            </a:r>
+            <a:br>
+              <a:rPr lang="en-US" sz="2800" dirty="0"/>
+            </a:br>
             <a:endParaRPr lang="en-AU" sz="2800" dirty="0">
               <a:effectLst/>
             </a:endParaRPr>
@@ -7501,7 +6165,7 @@
             </a:lstStyle>
             <a:p>
               <a:r>
-                <a:rPr lang="en-US" altLang="zh-CN" sz="4400" b="1" dirty="0" smtClean="0">
+                <a:rPr lang="en-US" altLang="zh-CN" sz="4400" b="1" dirty="0">
                   <a:solidFill>
                     <a:schemeClr val="bg1"/>
                   </a:solidFill>
@@ -7516,353 +6180,163 @@
           </p:txBody>
         </p:sp>
       </p:grpSp>
-      <p:grpSp>
-        <p:nvGrpSpPr>
-          <p:cNvPr id="94" name="Group 93"/>
-          <p:cNvGrpSpPr/>
+      <p:sp>
+        <p:nvSpPr>
+          <p:cNvPr id="96" name="Text Box 248"/>
+          <p:cNvSpPr txBox="1">
+            <a:spLocks noChangeArrowheads="1"/>
+          </p:cNvSpPr>
           <p:nvPr/>
-        </p:nvGrpSpPr>
-        <p:grpSpPr>
+        </p:nvSpPr>
+        <p:spPr bwMode="auto">
           <a:xfrm>
-            <a:off x="16034959" y="27541627"/>
-            <a:ext cx="15560432" cy="929429"/>
-            <a:chOff x="1066799" y="5958162"/>
-            <a:chExt cx="11007725" cy="946293"/>
+            <a:off x="16163193" y="27628477"/>
+            <a:ext cx="15275114" cy="784677"/>
           </a:xfrm>
-        </p:grpSpPr>
-        <p:sp>
-          <p:nvSpPr>
-            <p:cNvPr id="95" name="Text Box 248"/>
-            <p:cNvSpPr txBox="1">
-              <a:spLocks noChangeArrowheads="1"/>
-            </p:cNvSpPr>
-            <p:nvPr/>
-          </p:nvSpPr>
-          <p:spPr bwMode="auto">
-            <a:xfrm>
-              <a:off x="1066799" y="5958162"/>
-              <a:ext cx="11007725" cy="946293"/>
-            </a:xfrm>
-            <a:prstGeom prst="rect">
-              <a:avLst/>
-            </a:prstGeom>
-            <a:gradFill rotWithShape="0">
-              <a:gsLst>
-                <a:gs pos="0">
-                  <a:schemeClr val="accent2">
-                    <a:lumMod val="40000"/>
-                    <a:lumOff val="60000"/>
-                  </a:schemeClr>
-                </a:gs>
-                <a:gs pos="13000">
-                  <a:schemeClr val="accent3">
-                    <a:lumMod val="60000"/>
-                    <a:lumOff val="40000"/>
-                  </a:schemeClr>
-                </a:gs>
-                <a:gs pos="43000">
-                  <a:schemeClr val="accent2">
-                    <a:lumMod val="60000"/>
-                    <a:lumOff val="40000"/>
-                  </a:schemeClr>
-                </a:gs>
-                <a:gs pos="67000">
-                  <a:schemeClr val="accent2">
-                    <a:lumMod val="75000"/>
-                  </a:schemeClr>
-                </a:gs>
-                <a:gs pos="83000">
-                  <a:schemeClr val="accent2">
-                    <a:lumMod val="75000"/>
-                  </a:schemeClr>
-                </a:gs>
-                <a:gs pos="100000">
-                  <a:schemeClr val="accent3">
-                    <a:lumMod val="60000"/>
-                    <a:lumOff val="40000"/>
-                  </a:schemeClr>
-                </a:gs>
-              </a:gsLst>
-              <a:lin ang="10800000" scaled="0"/>
-            </a:gradFill>
-            <a:ln w="19050">
-              <a:noFill/>
-              <a:miter lim="800000"/>
-              <a:headEnd/>
-              <a:tailEnd/>
-            </a:ln>
-            <a:effectLst/>
-          </p:spPr>
-          <p:txBody>
-            <a:bodyPr>
-              <a:spAutoFit/>
-            </a:bodyPr>
-            <a:lstStyle>
-              <a:lvl1pPr>
-                <a:defRPr sz="2400">
-                  <a:solidFill>
-                    <a:schemeClr val="tx1"/>
-                  </a:solidFill>
-                  <a:latin typeface="Times New Roman" pitchFamily="18" charset="0"/>
-                </a:defRPr>
-              </a:lvl1pPr>
-              <a:lvl2pPr marL="742950" indent="-285750">
-                <a:defRPr sz="2400">
-                  <a:solidFill>
-                    <a:schemeClr val="tx1"/>
-                  </a:solidFill>
-                  <a:latin typeface="Times New Roman" pitchFamily="18" charset="0"/>
-                </a:defRPr>
-              </a:lvl2pPr>
-              <a:lvl3pPr marL="1143000" indent="-228600">
-                <a:defRPr sz="2400">
-                  <a:solidFill>
-                    <a:schemeClr val="tx1"/>
-                  </a:solidFill>
-                  <a:latin typeface="Times New Roman" pitchFamily="18" charset="0"/>
-                </a:defRPr>
-              </a:lvl3pPr>
-              <a:lvl4pPr marL="1600200" indent="-228600">
-                <a:defRPr sz="2400">
-                  <a:solidFill>
-                    <a:schemeClr val="tx1"/>
-                  </a:solidFill>
-                  <a:latin typeface="Times New Roman" pitchFamily="18" charset="0"/>
-                </a:defRPr>
-              </a:lvl4pPr>
-              <a:lvl5pPr marL="2057400" indent="-228600">
-                <a:defRPr sz="2400">
-                  <a:solidFill>
-                    <a:schemeClr val="tx1"/>
-                  </a:solidFill>
-                  <a:latin typeface="Times New Roman" pitchFamily="18" charset="0"/>
-                </a:defRPr>
-              </a:lvl5pPr>
-              <a:lvl6pPr marL="2514600" indent="-228600" eaLnBrk="0" fontAlgn="base" hangingPunct="0">
-                <a:spcBef>
-                  <a:spcPct val="0"/>
-                </a:spcBef>
-                <a:spcAft>
-                  <a:spcPct val="0"/>
-                </a:spcAft>
-                <a:defRPr sz="2400">
-                  <a:solidFill>
-                    <a:schemeClr val="tx1"/>
-                  </a:solidFill>
-                  <a:latin typeface="Times New Roman" pitchFamily="18" charset="0"/>
-                </a:defRPr>
-              </a:lvl6pPr>
-              <a:lvl7pPr marL="2971800" indent="-228600" eaLnBrk="0" fontAlgn="base" hangingPunct="0">
-                <a:spcBef>
-                  <a:spcPct val="0"/>
-                </a:spcBef>
-                <a:spcAft>
-                  <a:spcPct val="0"/>
-                </a:spcAft>
-                <a:defRPr sz="2400">
-                  <a:solidFill>
-                    <a:schemeClr val="tx1"/>
-                  </a:solidFill>
-                  <a:latin typeface="Times New Roman" pitchFamily="18" charset="0"/>
-                </a:defRPr>
-              </a:lvl7pPr>
-              <a:lvl8pPr marL="3429000" indent="-228600" eaLnBrk="0" fontAlgn="base" hangingPunct="0">
-                <a:spcBef>
-                  <a:spcPct val="0"/>
-                </a:spcBef>
-                <a:spcAft>
-                  <a:spcPct val="0"/>
-                </a:spcAft>
-                <a:defRPr sz="2400">
-                  <a:solidFill>
-                    <a:schemeClr val="tx1"/>
-                  </a:solidFill>
-                  <a:latin typeface="Times New Roman" pitchFamily="18" charset="0"/>
-                </a:defRPr>
-              </a:lvl8pPr>
-              <a:lvl9pPr marL="3886200" indent="-228600" eaLnBrk="0" fontAlgn="base" hangingPunct="0">
-                <a:spcBef>
-                  <a:spcPct val="0"/>
-                </a:spcBef>
-                <a:spcAft>
-                  <a:spcPct val="0"/>
-                </a:spcAft>
-                <a:defRPr sz="2400">
-                  <a:solidFill>
-                    <a:schemeClr val="tx1"/>
-                  </a:solidFill>
-                  <a:latin typeface="Times New Roman" pitchFamily="18" charset="0"/>
-                </a:defRPr>
-              </a:lvl9pPr>
-            </a:lstStyle>
-            <a:p>
-              <a:endParaRPr lang="en-US" altLang="zh-CN" sz="3600" b="1" dirty="0">
+          <a:prstGeom prst="rect">
+            <a:avLst/>
+          </a:prstGeom>
+          <a:gradFill>
+            <a:gsLst>
+              <a:gs pos="56000">
+                <a:schemeClr val="accent2">
+                  <a:lumMod val="50000"/>
+                </a:schemeClr>
+              </a:gs>
+              <a:gs pos="100000">
+                <a:schemeClr val="bg1">
+                  <a:alpha val="0"/>
+                </a:schemeClr>
+              </a:gs>
+            </a:gsLst>
+            <a:lin ang="0" scaled="1"/>
+          </a:gradFill>
+          <a:ln w="19050">
+            <a:noFill/>
+            <a:miter lim="800000"/>
+            <a:headEnd/>
+            <a:tailEnd/>
+          </a:ln>
+          <a:effectLst/>
+        </p:spPr>
+        <p:txBody>
+          <a:bodyPr wrap="square">
+            <a:spAutoFit/>
+          </a:bodyPr>
+          <a:lstStyle>
+            <a:lvl1pPr>
+              <a:defRPr sz="2400">
+                <a:solidFill>
+                  <a:schemeClr val="tx1"/>
+                </a:solidFill>
+                <a:latin typeface="Times New Roman" pitchFamily="18" charset="0"/>
+              </a:defRPr>
+            </a:lvl1pPr>
+            <a:lvl2pPr marL="742950" indent="-285750">
+              <a:defRPr sz="2400">
+                <a:solidFill>
+                  <a:schemeClr val="tx1"/>
+                </a:solidFill>
+                <a:latin typeface="Times New Roman" pitchFamily="18" charset="0"/>
+              </a:defRPr>
+            </a:lvl2pPr>
+            <a:lvl3pPr marL="1143000" indent="-228600">
+              <a:defRPr sz="2400">
+                <a:solidFill>
+                  <a:schemeClr val="tx1"/>
+                </a:solidFill>
+                <a:latin typeface="Times New Roman" pitchFamily="18" charset="0"/>
+              </a:defRPr>
+            </a:lvl3pPr>
+            <a:lvl4pPr marL="1600200" indent="-228600">
+              <a:defRPr sz="2400">
+                <a:solidFill>
+                  <a:schemeClr val="tx1"/>
+                </a:solidFill>
+                <a:latin typeface="Times New Roman" pitchFamily="18" charset="0"/>
+              </a:defRPr>
+            </a:lvl4pPr>
+            <a:lvl5pPr marL="2057400" indent="-228600">
+              <a:defRPr sz="2400">
+                <a:solidFill>
+                  <a:schemeClr val="tx1"/>
+                </a:solidFill>
+                <a:latin typeface="Times New Roman" pitchFamily="18" charset="0"/>
+              </a:defRPr>
+            </a:lvl5pPr>
+            <a:lvl6pPr marL="2514600" indent="-228600" eaLnBrk="0" fontAlgn="base" hangingPunct="0">
+              <a:spcBef>
+                <a:spcPct val="0"/>
+              </a:spcBef>
+              <a:spcAft>
+                <a:spcPct val="0"/>
+              </a:spcAft>
+              <a:defRPr sz="2400">
+                <a:solidFill>
+                  <a:schemeClr val="tx1"/>
+                </a:solidFill>
+                <a:latin typeface="Times New Roman" pitchFamily="18" charset="0"/>
+              </a:defRPr>
+            </a:lvl6pPr>
+            <a:lvl7pPr marL="2971800" indent="-228600" eaLnBrk="0" fontAlgn="base" hangingPunct="0">
+              <a:spcBef>
+                <a:spcPct val="0"/>
+              </a:spcBef>
+              <a:spcAft>
+                <a:spcPct val="0"/>
+              </a:spcAft>
+              <a:defRPr sz="2400">
+                <a:solidFill>
+                  <a:schemeClr val="tx1"/>
+                </a:solidFill>
+                <a:latin typeface="Times New Roman" pitchFamily="18" charset="0"/>
+              </a:defRPr>
+            </a:lvl7pPr>
+            <a:lvl8pPr marL="3429000" indent="-228600" eaLnBrk="0" fontAlgn="base" hangingPunct="0">
+              <a:spcBef>
+                <a:spcPct val="0"/>
+              </a:spcBef>
+              <a:spcAft>
+                <a:spcPct val="0"/>
+              </a:spcAft>
+              <a:defRPr sz="2400">
+                <a:solidFill>
+                  <a:schemeClr val="tx1"/>
+                </a:solidFill>
+                <a:latin typeface="Times New Roman" pitchFamily="18" charset="0"/>
+              </a:defRPr>
+            </a:lvl8pPr>
+            <a:lvl9pPr marL="3886200" indent="-228600" eaLnBrk="0" fontAlgn="base" hangingPunct="0">
+              <a:spcBef>
+                <a:spcPct val="0"/>
+              </a:spcBef>
+              <a:spcAft>
+                <a:spcPct val="0"/>
+              </a:spcAft>
+              <a:defRPr sz="2400">
+                <a:solidFill>
+                  <a:schemeClr val="tx1"/>
+                </a:solidFill>
+                <a:latin typeface="Times New Roman" pitchFamily="18" charset="0"/>
+              </a:defRPr>
+            </a:lvl9pPr>
+          </a:lstStyle>
+          <a:p>
+            <a:r>
+              <a:rPr lang="en-US" altLang="zh-CN" sz="4400" b="1" dirty="0">
+                <a:solidFill>
+                  <a:schemeClr val="bg1"/>
+                </a:solidFill>
                 <a:effectLst/>
                 <a:latin typeface="Lucida Sans" pitchFamily="34" charset="0"/>
                 <a:ea typeface="SimSun" pitchFamily="2" charset="-122"/>
                 <a:cs typeface="Lucida Sans" pitchFamily="34" charset="0"/>
-              </a:endParaRPr>
-            </a:p>
-          </p:txBody>
-        </p:sp>
-        <p:sp>
-          <p:nvSpPr>
-            <p:cNvPr id="96" name="Text Box 248"/>
-            <p:cNvSpPr txBox="1">
-              <a:spLocks noChangeArrowheads="1"/>
-            </p:cNvSpPr>
-            <p:nvPr/>
-          </p:nvSpPr>
-          <p:spPr bwMode="auto">
-            <a:xfrm>
-              <a:off x="1157514" y="6046588"/>
-              <a:ext cx="10805886" cy="798915"/>
-            </a:xfrm>
-            <a:prstGeom prst="rect">
-              <a:avLst/>
-            </a:prstGeom>
-            <a:gradFill>
-              <a:gsLst>
-                <a:gs pos="56000">
-                  <a:schemeClr val="accent2">
-                    <a:lumMod val="50000"/>
-                  </a:schemeClr>
-                </a:gs>
-                <a:gs pos="100000">
-                  <a:schemeClr val="bg1">
-                    <a:alpha val="0"/>
-                  </a:schemeClr>
-                </a:gs>
-              </a:gsLst>
-              <a:lin ang="0" scaled="1"/>
-            </a:gradFill>
-            <a:ln w="19050">
-              <a:noFill/>
-              <a:miter lim="800000"/>
-              <a:headEnd/>
-              <a:tailEnd/>
-            </a:ln>
-            <a:effectLst/>
-          </p:spPr>
-          <p:txBody>
-            <a:bodyPr wrap="square">
-              <a:spAutoFit/>
-            </a:bodyPr>
-            <a:lstStyle>
-              <a:lvl1pPr>
-                <a:defRPr sz="2400">
-                  <a:solidFill>
-                    <a:schemeClr val="tx1"/>
-                  </a:solidFill>
-                  <a:latin typeface="Times New Roman" pitchFamily="18" charset="0"/>
-                </a:defRPr>
-              </a:lvl1pPr>
-              <a:lvl2pPr marL="742950" indent="-285750">
-                <a:defRPr sz="2400">
-                  <a:solidFill>
-                    <a:schemeClr val="tx1"/>
-                  </a:solidFill>
-                  <a:latin typeface="Times New Roman" pitchFamily="18" charset="0"/>
-                </a:defRPr>
-              </a:lvl2pPr>
-              <a:lvl3pPr marL="1143000" indent="-228600">
-                <a:defRPr sz="2400">
-                  <a:solidFill>
-                    <a:schemeClr val="tx1"/>
-                  </a:solidFill>
-                  <a:latin typeface="Times New Roman" pitchFamily="18" charset="0"/>
-                </a:defRPr>
-              </a:lvl3pPr>
-              <a:lvl4pPr marL="1600200" indent="-228600">
-                <a:defRPr sz="2400">
-                  <a:solidFill>
-                    <a:schemeClr val="tx1"/>
-                  </a:solidFill>
-                  <a:latin typeface="Times New Roman" pitchFamily="18" charset="0"/>
-                </a:defRPr>
-              </a:lvl4pPr>
-              <a:lvl5pPr marL="2057400" indent="-228600">
-                <a:defRPr sz="2400">
-                  <a:solidFill>
-                    <a:schemeClr val="tx1"/>
-                  </a:solidFill>
-                  <a:latin typeface="Times New Roman" pitchFamily="18" charset="0"/>
-                </a:defRPr>
-              </a:lvl5pPr>
-              <a:lvl6pPr marL="2514600" indent="-228600" eaLnBrk="0" fontAlgn="base" hangingPunct="0">
-                <a:spcBef>
-                  <a:spcPct val="0"/>
-                </a:spcBef>
-                <a:spcAft>
-                  <a:spcPct val="0"/>
-                </a:spcAft>
-                <a:defRPr sz="2400">
-                  <a:solidFill>
-                    <a:schemeClr val="tx1"/>
-                  </a:solidFill>
-                  <a:latin typeface="Times New Roman" pitchFamily="18" charset="0"/>
-                </a:defRPr>
-              </a:lvl6pPr>
-              <a:lvl7pPr marL="2971800" indent="-228600" eaLnBrk="0" fontAlgn="base" hangingPunct="0">
-                <a:spcBef>
-                  <a:spcPct val="0"/>
-                </a:spcBef>
-                <a:spcAft>
-                  <a:spcPct val="0"/>
-                </a:spcAft>
-                <a:defRPr sz="2400">
-                  <a:solidFill>
-                    <a:schemeClr val="tx1"/>
-                  </a:solidFill>
-                  <a:latin typeface="Times New Roman" pitchFamily="18" charset="0"/>
-                </a:defRPr>
-              </a:lvl7pPr>
-              <a:lvl8pPr marL="3429000" indent="-228600" eaLnBrk="0" fontAlgn="base" hangingPunct="0">
-                <a:spcBef>
-                  <a:spcPct val="0"/>
-                </a:spcBef>
-                <a:spcAft>
-                  <a:spcPct val="0"/>
-                </a:spcAft>
-                <a:defRPr sz="2400">
-                  <a:solidFill>
-                    <a:schemeClr val="tx1"/>
-                  </a:solidFill>
-                  <a:latin typeface="Times New Roman" pitchFamily="18" charset="0"/>
-                </a:defRPr>
-              </a:lvl8pPr>
-              <a:lvl9pPr marL="3886200" indent="-228600" eaLnBrk="0" fontAlgn="base" hangingPunct="0">
-                <a:spcBef>
-                  <a:spcPct val="0"/>
-                </a:spcBef>
-                <a:spcAft>
-                  <a:spcPct val="0"/>
-                </a:spcAft>
-                <a:defRPr sz="2400">
-                  <a:solidFill>
-                    <a:schemeClr val="tx1"/>
-                  </a:solidFill>
-                  <a:latin typeface="Times New Roman" pitchFamily="18" charset="0"/>
-                </a:defRPr>
-              </a:lvl9pPr>
-            </a:lstStyle>
-            <a:p>
-              <a:r>
-                <a:rPr lang="en-US" altLang="zh-CN" sz="4400" b="1" dirty="0" smtClean="0">
-                  <a:solidFill>
-                    <a:schemeClr val="bg1"/>
-                  </a:solidFill>
-                  <a:effectLst/>
-                  <a:latin typeface="Lucida Sans" pitchFamily="34" charset="0"/>
-                  <a:ea typeface="SimSun" pitchFamily="2" charset="-122"/>
-                  <a:cs typeface="Lucida Sans" pitchFamily="34" charset="0"/>
-                </a:rPr>
-                <a:t>What Next?</a:t>
-              </a:r>
-            </a:p>
-          </p:txBody>
-        </p:sp>
-      </p:grpSp>
+              </a:rPr>
+              <a:t>What Next?</a:t>
+            </a:r>
+          </a:p>
+        </p:txBody>
+      </p:sp>
       <p:sp>
         <p:nvSpPr>
           <p:cNvPr id="38" name="Text Box 242"/>
@@ -7873,8 +6347,8 @@
         </p:nvSpPr>
         <p:spPr bwMode="auto">
           <a:xfrm>
-            <a:off x="1218766" y="17713471"/>
-            <a:ext cx="14510596" cy="723781"/>
+            <a:off x="1216390" y="16633077"/>
+            <a:ext cx="7814905" cy="8841424"/>
           </a:xfrm>
           <a:prstGeom prst="rect">
             <a:avLst/>
@@ -7891,7 +6365,7 @@
           <a:effectLst/>
           <a:extLst>
             <a:ext uri="{AF507438-7753-43e0-B8FC-AC1667EBCBE1}">
-              <a14:hiddenEffects xmlns="" xmlns:a14="http://schemas.microsoft.com/office/drawing/2010/main">
+              <a14:hiddenEffects xmlns:a14="http://schemas.microsoft.com/office/drawing/2010/main" xmlns="">
                 <a:effectLst>
                   <a:outerShdw dist="35921" dir="2700000" algn="ctr" rotWithShape="0">
                     <a:schemeClr val="bg2"/>
@@ -8035,7 +6509,7 @@
         <p:spPr bwMode="auto">
           <a:xfrm>
             <a:off x="16034959" y="28464088"/>
-            <a:ext cx="15552627" cy="2970044"/>
+            <a:ext cx="15552627" cy="4047262"/>
           </a:xfrm>
           <a:prstGeom prst="rect">
             <a:avLst/>
@@ -8161,49 +6635,10 @@
               </a:lnSpc>
             </a:pPr>
             <a:r>
-              <a:rPr lang="en-AU" sz="2800" dirty="0" smtClean="0">
+              <a:rPr lang="en-AU" sz="2800" dirty="0">
                 <a:effectLst/>
               </a:rPr>
               <a:t>Expanding analysis beyond Shakespeare</a:t>
-            </a:r>
-          </a:p>
-          <a:p>
-            <a:pPr>
-              <a:lnSpc>
-                <a:spcPct val="125000"/>
-              </a:lnSpc>
-            </a:pPr>
-            <a:r>
-              <a:rPr lang="en-AU" sz="2800" dirty="0" smtClean="0">
-                <a:effectLst/>
-              </a:rPr>
-              <a:t>Implementing in-place comparison of user-provided texts</a:t>
-            </a:r>
-          </a:p>
-          <a:p>
-            <a:pPr>
-              <a:lnSpc>
-                <a:spcPct val="125000"/>
-              </a:lnSpc>
-            </a:pPr>
-            <a:r>
-              <a:rPr lang="en-AU" sz="2800" dirty="0" smtClean="0">
-                <a:effectLst/>
-              </a:rPr>
-              <a:t>Creating visualizations for characters’ sonic signatures</a:t>
-            </a:r>
-          </a:p>
-          <a:p>
-            <a:pPr>
-              <a:lnSpc>
-                <a:spcPct val="125000"/>
-              </a:lnSpc>
-            </a:pPr>
-            <a:r>
-              <a:rPr lang="en-AU" sz="2800" dirty="0" smtClean="0">
-                <a:effectLst/>
-              </a:rPr>
-              <a:t>Assessing degree of uniqueness</a:t>
             </a:r>
           </a:p>
           <a:p>
@@ -8215,6 +6650,65 @@
             <a:endParaRPr lang="en-AU" sz="2800" dirty="0">
               <a:effectLst/>
             </a:endParaRPr>
+          </a:p>
+          <a:p>
+            <a:pPr>
+              <a:lnSpc>
+                <a:spcPct val="125000"/>
+              </a:lnSpc>
+            </a:pPr>
+            <a:r>
+              <a:rPr lang="en-AU" sz="2800" dirty="0">
+                <a:effectLst/>
+              </a:rPr>
+              <a:t>Implementing in-place comparison of user-provided texts</a:t>
+            </a:r>
+          </a:p>
+          <a:p>
+            <a:pPr>
+              <a:lnSpc>
+                <a:spcPct val="125000"/>
+              </a:lnSpc>
+            </a:pPr>
+            <a:endParaRPr lang="en-AU" sz="2800" dirty="0">
+              <a:effectLst/>
+            </a:endParaRPr>
+          </a:p>
+          <a:p>
+            <a:pPr>
+              <a:lnSpc>
+                <a:spcPct val="125000"/>
+              </a:lnSpc>
+            </a:pPr>
+            <a:r>
+              <a:rPr lang="en-AU" sz="2800" dirty="0">
+                <a:effectLst/>
+              </a:rPr>
+              <a:t>Creating visualizations for characters’ sonic signatures</a:t>
+            </a:r>
+          </a:p>
+          <a:p>
+            <a:pPr>
+              <a:lnSpc>
+                <a:spcPct val="125000"/>
+              </a:lnSpc>
+            </a:pPr>
+            <a:endParaRPr lang="en-AU" sz="2800" dirty="0">
+              <a:effectLst/>
+            </a:endParaRPr>
+          </a:p>
+          <a:p>
+            <a:pPr>
+              <a:lnSpc>
+                <a:spcPct val="125000"/>
+              </a:lnSpc>
+            </a:pPr>
+            <a:r>
+              <a:rPr lang="en-AU" sz="2800" dirty="0">
+                <a:effectLst/>
+              </a:rPr>
+              <a:t>Work with  domain material experts to assess usefulness as tools of discovery.</a:t>
+            </a:r>
           </a:p>
         </p:txBody>
       </p:sp>
@@ -8355,7 +6849,7 @@
               </a:lnSpc>
             </a:pPr>
             <a:r>
-              <a:rPr lang="en-AU" sz="2800" dirty="0" smtClean="0">
+              <a:rPr lang="en-AU" sz="2800" dirty="0">
                 <a:effectLst/>
               </a:rPr>
               <a:t>Eric Alexander</a:t>
@@ -8368,14 +6862,11 @@
               </a:lnSpc>
             </a:pPr>
             <a:r>
-              <a:rPr lang="en-AU" sz="2800" dirty="0" smtClean="0">
+              <a:rPr lang="en-AU" sz="2800" dirty="0">
                 <a:effectLst/>
               </a:rPr>
               <a:t>Mike Tie et al</a:t>
             </a:r>
-            <a:endParaRPr lang="en-AU" sz="2800" dirty="0" smtClean="0">
-              <a:effectLst/>
-            </a:endParaRPr>
           </a:p>
           <a:p>
             <a:pPr>
@@ -8384,14 +6875,11 @@
               </a:lnSpc>
             </a:pPr>
             <a:r>
-              <a:rPr lang="en-AU" sz="2800" dirty="0" smtClean="0">
+              <a:rPr lang="en-AU" sz="2800" dirty="0">
                 <a:effectLst/>
               </a:rPr>
               <a:t>Carleton College</a:t>
             </a:r>
-            <a:endParaRPr lang="en-AU" sz="2800" dirty="0">
-              <a:effectLst/>
-            </a:endParaRPr>
           </a:p>
         </p:txBody>
       </p:sp>
@@ -8404,13 +6892,13 @@
           <p:nvPr>
             <p:extLst>
               <p:ext uri="{D42A27DB-BD31-4B8C-83A1-F6EECF244321}">
-                <p14:modId xmlns:p14="http://schemas.microsoft.com/office/powerpoint/2010/main" val="1284245250"/>
+                <p14:modId xmlns:p14="http://schemas.microsoft.com/office/powerpoint/2010/main" val="3847515943"/>
               </p:ext>
             </p:extLst>
           </p:nvPr>
         </p:nvGraphicFramePr>
         <p:xfrm>
-          <a:off x="1257832" y="12134785"/>
+          <a:off x="1227529" y="11310200"/>
           <a:ext cx="14478001" cy="4226107"/>
         </p:xfrm>
         <a:graphic>
@@ -8420,9 +6908,27 @@
                 <a:tableStyleId>{306799F8-075E-4A3A-A7F6-7FBC6576F1A4}</a:tableStyleId>
               </a:tblPr>
               <a:tblGrid>
-                <a:gridCol w="4734070"/>
-                <a:gridCol w="4853919"/>
-                <a:gridCol w="4890012"/>
+                <a:gridCol w="4734070">
+                  <a:extLst>
+                    <a:ext uri="{9D8B030D-6E8A-4147-A177-3AD203B41FA5}">
+                      <a16:colId xmlns:a16="http://schemas.microsoft.com/office/drawing/2014/main" val="20000"/>
+                    </a:ext>
+                  </a:extLst>
+                </a:gridCol>
+                <a:gridCol w="4853919">
+                  <a:extLst>
+                    <a:ext uri="{9D8B030D-6E8A-4147-A177-3AD203B41FA5}">
+                      <a16:colId xmlns:a16="http://schemas.microsoft.com/office/drawing/2014/main" val="20001"/>
+                    </a:ext>
+                  </a:extLst>
+                </a:gridCol>
+                <a:gridCol w="4890012">
+                  <a:extLst>
+                    <a:ext uri="{9D8B030D-6E8A-4147-A177-3AD203B41FA5}">
+                      <a16:colId xmlns:a16="http://schemas.microsoft.com/office/drawing/2014/main" val="20002"/>
+                    </a:ext>
+                  </a:extLst>
+                </a:gridCol>
               </a:tblGrid>
               <a:tr h="4226107">
                 <a:tc>
@@ -8438,7 +6944,7 @@
                         <a:buNone/>
                       </a:pPr>
                       <a:r>
-                        <a:rPr lang="en-US" altLang="ja-JP" sz="3600" b="0" dirty="0" smtClean="0">
+                        <a:rPr lang="en-US" altLang="ja-JP" sz="3600" b="0" dirty="0">
                           <a:solidFill>
                             <a:schemeClr val="bg1"/>
                           </a:solidFill>
@@ -8448,7 +6954,7 @@
                         <a:t>In any language, words break down into a set of fundamental elements called </a:t>
                       </a:r>
                       <a:r>
-                        <a:rPr lang="en-US" altLang="ja-JP" sz="3600" b="1" dirty="0" smtClean="0">
+                        <a:rPr lang="en-US" altLang="ja-JP" sz="3600" b="1" dirty="0">
                           <a:solidFill>
                             <a:schemeClr val="accent2">
                               <a:lumMod val="60000"/>
@@ -8460,7 +6966,7 @@
                         </a:rPr>
                         <a:t>phonemes</a:t>
                       </a:r>
-                      <a:endParaRPr lang="en-US" altLang="ja-JP" sz="3600" dirty="0" smtClean="0">
+                      <a:endParaRPr lang="en-US" altLang="ja-JP" sz="3600" dirty="0">
                         <a:solidFill>
                           <a:schemeClr val="accent2">
                             <a:lumMod val="60000"/>
@@ -8497,15 +7003,15 @@
                         <a:defRPr/>
                       </a:pPr>
                       <a:r>
-                        <a:rPr lang="en-US" sz="3600" b="0" dirty="0" smtClean="0"/>
+                        <a:rPr lang="en-US" sz="3600" b="0" dirty="0"/>
                         <a:t>The</a:t>
                       </a:r>
                       <a:r>
-                        <a:rPr lang="en-US" sz="3600" b="0" baseline="0" dirty="0" smtClean="0"/>
+                        <a:rPr lang="en-US" sz="3600" b="0" baseline="0" dirty="0"/>
                         <a:t> </a:t>
                       </a:r>
                       <a:r>
-                        <a:rPr lang="en-US" sz="3600" b="1" baseline="0" dirty="0" smtClean="0">
+                        <a:rPr lang="en-US" sz="3600" b="1" baseline="0" dirty="0">
                           <a:solidFill>
                             <a:schemeClr val="accent2">
                               <a:lumMod val="50000"/>
@@ -8515,7 +7021,7 @@
                         <a:t>features </a:t>
                       </a:r>
                       <a:r>
-                        <a:rPr lang="en-US" sz="3600" b="0" baseline="0" dirty="0" smtClean="0">
+                        <a:rPr lang="en-US" sz="3600" b="0" baseline="0" dirty="0">
                           <a:solidFill>
                             <a:schemeClr val="bg1"/>
                           </a:solidFill>
@@ -8537,7 +7043,7 @@
                     <a:p>
                       <a:pPr lvl="1"/>
                       <a:r>
-                        <a:rPr lang="en-US" sz="3600" b="0" i="0" u="none" strike="noStrike" kern="1200" dirty="0" smtClean="0">
+                        <a:rPr lang="en-US" sz="3600" b="0" i="0" u="none" strike="noStrike" kern="1200" dirty="0">
                           <a:solidFill>
                             <a:schemeClr val="lt1"/>
                           </a:solidFill>
@@ -8549,7 +7055,7 @@
                         <a:t>We analyzed characters for both the </a:t>
                       </a:r>
                       <a:r>
-                        <a:rPr lang="en-US" sz="3600" b="1" i="0" u="none" strike="noStrike" kern="1200" dirty="0" smtClean="0">
+                        <a:rPr lang="en-US" sz="3600" b="1" i="0" u="none" strike="noStrike" kern="1200" dirty="0">
                           <a:solidFill>
                             <a:schemeClr val="accent2">
                               <a:lumMod val="50000"/>
@@ -8563,7 +7069,7 @@
                         <a:t>types of sounds </a:t>
                       </a:r>
                       <a:r>
-                        <a:rPr lang="en-US" sz="3600" b="0" i="0" u="none" strike="noStrike" kern="1200" dirty="0" smtClean="0">
+                        <a:rPr lang="en-US" sz="3600" b="0" i="0" u="none" strike="noStrike" kern="1200" dirty="0">
                           <a:solidFill>
                             <a:schemeClr val="lt1"/>
                           </a:solidFill>
@@ -8575,7 +7081,7 @@
                         <a:t>they tended to make, and the </a:t>
                       </a:r>
                       <a:r>
-                        <a:rPr lang="en-US" sz="3600" b="1" i="0" u="none" strike="noStrike" kern="1200" dirty="0" smtClean="0">
+                        <a:rPr lang="en-US" sz="3600" b="1" i="0" u="none" strike="noStrike" kern="1200" dirty="0">
                           <a:solidFill>
                             <a:schemeClr val="accent2">
                               <a:lumMod val="60000"/>
@@ -8590,7 +7096,7 @@
                         <a:t>specific sounds</a:t>
                       </a:r>
                       <a:r>
-                        <a:rPr lang="en-US" sz="3600" b="0" i="0" u="none" strike="noStrike" kern="1200" dirty="0" smtClean="0">
+                        <a:rPr lang="en-US" sz="3600" b="0" i="0" u="none" strike="noStrike" kern="1200" dirty="0">
                           <a:solidFill>
                             <a:schemeClr val="accent2">
                               <a:lumMod val="60000"/>
@@ -8605,7 +7111,7 @@
                         <a:t> </a:t>
                       </a:r>
                       <a:r>
-                        <a:rPr lang="en-US" sz="3600" b="0" i="0" u="none" strike="noStrike" kern="1200" dirty="0" smtClean="0">
+                        <a:rPr lang="en-US" sz="3600" b="0" i="0" u="none" strike="noStrike" kern="1200" dirty="0">
                           <a:solidFill>
                             <a:schemeClr val="lt1"/>
                           </a:solidFill>
@@ -8627,6 +7133,11 @@
                   </a:txBody>
                   <a:tcPr/>
                 </a:tc>
+                <a:extLst>
+                  <a:ext uri="{0D108BD9-81ED-4DB2-BD59-A6C34878D82A}">
+                    <a16:rowId xmlns:a16="http://schemas.microsoft.com/office/drawing/2014/main" val="10000"/>
+                  </a:ext>
+                </a:extLst>
               </a:tr>
             </a:tbl>
           </a:graphicData>
@@ -8641,14 +7152,14 @@
           <p:nvPr>
             <p:extLst>
               <p:ext uri="{D42A27DB-BD31-4B8C-83A1-F6EECF244321}">
-                <p14:modId xmlns:p14="http://schemas.microsoft.com/office/powerpoint/2010/main" val="414882539"/>
+                <p14:modId xmlns:p14="http://schemas.microsoft.com/office/powerpoint/2010/main" val="2512598524"/>
               </p:ext>
             </p:extLst>
           </p:nvPr>
         </p:nvGraphicFramePr>
         <p:xfrm>
-          <a:off x="1257833" y="6587110"/>
-          <a:ext cx="14478001" cy="4206240"/>
+          <a:off x="1195575" y="6292444"/>
+          <a:ext cx="14525108" cy="3931920"/>
         </p:xfrm>
         <a:graphic>
           <a:graphicData uri="http://schemas.openxmlformats.org/drawingml/2006/table">
@@ -8657,10 +7168,34 @@
                 <a:tableStyleId>{306799F8-075E-4A3A-A7F6-7FBC6576F1A4}</a:tableStyleId>
               </a:tblPr>
               <a:tblGrid>
-                <a:gridCol w="3601627"/>
-                <a:gridCol w="3625458"/>
-                <a:gridCol w="3625458"/>
-                <a:gridCol w="3625458"/>
+                <a:gridCol w="3613346">
+                  <a:extLst>
+                    <a:ext uri="{9D8B030D-6E8A-4147-A177-3AD203B41FA5}">
+                      <a16:colId xmlns:a16="http://schemas.microsoft.com/office/drawing/2014/main" val="20000"/>
+                    </a:ext>
+                  </a:extLst>
+                </a:gridCol>
+                <a:gridCol w="3637254">
+                  <a:extLst>
+                    <a:ext uri="{9D8B030D-6E8A-4147-A177-3AD203B41FA5}">
+                      <a16:colId xmlns:a16="http://schemas.microsoft.com/office/drawing/2014/main" val="20001"/>
+                    </a:ext>
+                  </a:extLst>
+                </a:gridCol>
+                <a:gridCol w="3637254">
+                  <a:extLst>
+                    <a:ext uri="{9D8B030D-6E8A-4147-A177-3AD203B41FA5}">
+                      <a16:colId xmlns:a16="http://schemas.microsoft.com/office/drawing/2014/main" val="20002"/>
+                    </a:ext>
+                  </a:extLst>
+                </a:gridCol>
+                <a:gridCol w="3637254">
+                  <a:extLst>
+                    <a:ext uri="{9D8B030D-6E8A-4147-A177-3AD203B41FA5}">
+                      <a16:colId xmlns:a16="http://schemas.microsoft.com/office/drawing/2014/main" val="20003"/>
+                    </a:ext>
+                  </a:extLst>
+                </a:gridCol>
               </a:tblGrid>
               <a:tr h="3848059">
                 <a:tc>
@@ -8673,7 +7208,7 @@
                         <a:buNone/>
                       </a:pPr>
                       <a:r>
-                        <a:rPr lang="en-US" sz="1800" b="0" i="0" u="none" strike="noStrike" kern="1200" dirty="0" smtClean="0">
+                        <a:rPr lang="en-US" sz="1800" b="0" i="0" u="none" strike="noStrike" kern="1200" dirty="0">
                           <a:solidFill>
                             <a:schemeClr val="lt1"/>
                           </a:solidFill>
@@ -8684,7 +7219,7 @@
                         </a:rPr>
                         <a:t>The sounds that make up a word are thought to have meaning. </a:t>
                       </a:r>
-                      <a:endParaRPr lang="en-US" sz="3600" b="0" i="0" u="none" strike="noStrike" kern="1200" dirty="0" smtClean="0">
+                      <a:endParaRPr lang="en-US" sz="3600" b="0" i="0" u="none" strike="noStrike" kern="1200" dirty="0">
                         <a:solidFill>
                           <a:schemeClr val="lt1"/>
                         </a:solidFill>
@@ -8699,19 +7234,13 @@
                         <a:buFont typeface="Arial" charset="0"/>
                         <a:buNone/>
                       </a:pPr>
-                      <a:r>
-                        <a:rPr lang="en-US" sz="1800" b="0" dirty="0" smtClean="0">
-                          <a:effectLst/>
-                        </a:rPr>
-                        <a:t/>
-                      </a:r>
                       <a:br>
-                        <a:rPr lang="en-US" sz="1800" b="0" dirty="0" smtClean="0">
+                        <a:rPr lang="en-US" sz="1800" b="0" dirty="0">
                           <a:effectLst/>
                         </a:rPr>
                       </a:br>
                       <a:r>
-                        <a:rPr lang="en-US" sz="1800" b="0" i="0" u="none" strike="noStrike" kern="1200" dirty="0" smtClean="0">
+                        <a:rPr lang="en-US" sz="1800" b="0" i="0" u="none" strike="noStrike" kern="1200" dirty="0">
                           <a:solidFill>
                             <a:schemeClr val="lt1"/>
                           </a:solidFill>
@@ -8722,7 +7251,7 @@
                         </a:rPr>
                         <a:t>When researchers make up gibberish words for objects, people tend to agree on which gibberish words should refer to small and large objects. </a:t>
                       </a:r>
-                      <a:endParaRPr lang="en-US" sz="1800" b="0" dirty="0" smtClean="0">
+                      <a:endParaRPr lang="en-US" sz="1800" b="0" dirty="0">
                         <a:effectLst/>
                       </a:endParaRPr>
                     </a:p>
@@ -8731,19 +7260,13 @@
                         <a:buFont typeface="Arial" charset="0"/>
                         <a:buNone/>
                       </a:pPr>
-                      <a:r>
-                        <a:rPr lang="en-US" sz="1800" b="0" dirty="0" smtClean="0">
-                          <a:effectLst/>
-                        </a:rPr>
-                        <a:t/>
-                      </a:r>
                       <a:br>
-                        <a:rPr lang="en-US" sz="1800" b="0" dirty="0" smtClean="0">
+                        <a:rPr lang="en-US" sz="1800" b="0" dirty="0">
                           <a:effectLst/>
                         </a:rPr>
                       </a:br>
                       <a:r>
-                        <a:rPr lang="en-US" sz="1800" b="0" i="0" u="none" strike="noStrike" kern="1200" dirty="0" smtClean="0">
+                        <a:rPr lang="en-US" sz="1800" b="0" i="0" u="none" strike="noStrike" kern="1200" dirty="0">
                           <a:solidFill>
                             <a:schemeClr val="lt1"/>
                           </a:solidFill>
@@ -8754,7 +7277,7 @@
                         </a:rPr>
                         <a:t>When close reading a poem, readers pay attention to assonance and consonance and draw meaning from the repetition of sounds.</a:t>
                       </a:r>
-                      <a:endParaRPr lang="en-US" sz="3600" b="0" dirty="0" smtClean="0">
+                      <a:endParaRPr lang="en-US" sz="3600" b="0" dirty="0">
                         <a:effectLst/>
                       </a:endParaRPr>
                     </a:p>
@@ -8768,11 +7291,11 @@
                     <a:p>
                       <a:pPr lvl="1"/>
                       <a:r>
-                        <a:rPr lang="en-US" sz="3600" b="0" dirty="0" smtClean="0"/>
+                        <a:rPr lang="en-US" sz="3600" b="0" dirty="0"/>
                         <a:t>Is it then possible to </a:t>
                       </a:r>
                       <a:r>
-                        <a:rPr lang="en-US" sz="3600" b="1" dirty="0" smtClean="0">
+                        <a:rPr lang="en-US" sz="3600" b="1" dirty="0">
                           <a:solidFill>
                             <a:schemeClr val="accent2">
                               <a:lumMod val="50000"/>
@@ -8782,10 +7305,9 @@
                         <a:t>visualize</a:t>
                       </a:r>
                       <a:r>
-                        <a:rPr lang="en-US" sz="3600" b="0" dirty="0" smtClean="0"/>
+                        <a:rPr lang="en-US" sz="3600" b="0" dirty="0"/>
                         <a:t> how a character “sounds”?</a:t>
                       </a:r>
-                      <a:endParaRPr lang="en-US" sz="3600" b="0" dirty="0"/>
                     </a:p>
                   </a:txBody>
                   <a:tcPr/>
@@ -8797,7 +7319,7 @@
                     <a:p>
                       <a:pPr lvl="1" rtl="0"/>
                       <a:r>
-                        <a:rPr lang="en-US" sz="1800" b="0" i="0" u="none" strike="noStrike" kern="1200" dirty="0" smtClean="0">
+                        <a:rPr lang="en-US" sz="1800" b="0" i="0" u="none" strike="noStrike" kern="1200" dirty="0">
                           <a:solidFill>
                             <a:schemeClr val="lt1"/>
                           </a:solidFill>
@@ -8811,14 +7333,14 @@
                     </a:p>
                     <a:p>
                       <a:pPr lvl="2" rtl="0"/>
-                      <a:endParaRPr lang="en-US" sz="1800" b="0" dirty="0" smtClean="0">
+                      <a:endParaRPr lang="en-US" sz="1800" b="0" dirty="0">
                         <a:effectLst/>
                       </a:endParaRPr>
                     </a:p>
                     <a:p>
                       <a:pPr lvl="1" rtl="0"/>
                       <a:r>
-                        <a:rPr lang="en-US" sz="1800" b="0" i="0" u="none" strike="noStrike" kern="1200" dirty="0" smtClean="0">
+                        <a:rPr lang="en-US" sz="1800" b="0" i="0" u="none" strike="noStrike" kern="1200" dirty="0">
                           <a:solidFill>
                             <a:schemeClr val="lt1"/>
                           </a:solidFill>
@@ -8832,7 +7354,7 @@
                     </a:p>
                     <a:p>
                       <a:pPr lvl="1" rtl="0"/>
-                      <a:endParaRPr lang="en-US" sz="1800" b="0" i="0" u="none" strike="noStrike" kern="1200" dirty="0" smtClean="0">
+                      <a:endParaRPr lang="en-US" sz="1800" b="0" i="0" u="none" strike="noStrike" kern="1200" dirty="0">
                         <a:solidFill>
                           <a:schemeClr val="lt1"/>
                         </a:solidFill>
@@ -8845,7 +7367,7 @@
                     <a:p>
                       <a:pPr lvl="1" rtl="0"/>
                       <a:r>
-                        <a:rPr lang="en-US" sz="1800" b="0" i="0" u="none" strike="noStrike" kern="1200" dirty="0" smtClean="0">
+                        <a:rPr lang="en-US" sz="1800" b="0" i="0" u="none" strike="noStrike" kern="1200" dirty="0">
                           <a:solidFill>
                             <a:schemeClr val="lt1"/>
                           </a:solidFill>
@@ -8857,7 +7379,7 @@
                         <a:t>Do</a:t>
                       </a:r>
                       <a:r>
-                        <a:rPr lang="en-US" sz="1800" b="0" i="0" u="none" strike="noStrike" kern="1200" baseline="0" dirty="0" smtClean="0">
+                        <a:rPr lang="en-US" sz="1800" b="0" i="0" u="none" strike="noStrike" kern="1200" baseline="0" dirty="0">
                           <a:solidFill>
                             <a:schemeClr val="lt1"/>
                           </a:solidFill>
@@ -8868,12 +7390,8 @@
                         </a:rPr>
                         <a:t> characters that share aspects of their characterization have a similar “sonic thumbprint”?</a:t>
                       </a:r>
-                      <a:r>
-                        <a:rPr lang="en-US" sz="3600" dirty="0" smtClean="0"/>
-                        <a:t/>
-                      </a:r>
                       <a:br>
-                        <a:rPr lang="en-US" sz="3600" dirty="0" smtClean="0"/>
+                        <a:rPr lang="en-US" sz="3600" dirty="0"/>
                       </a:br>
                       <a:endParaRPr lang="en-US" sz="3600" dirty="0"/>
                     </a:p>
@@ -8887,7 +7405,7 @@
                     <a:p>
                       <a:pPr lvl="1"/>
                       <a:r>
-                        <a:rPr lang="en-US" sz="3600" b="0" i="0" u="none" strike="noStrike" kern="1200" dirty="0" smtClean="0">
+                        <a:rPr lang="en-US" sz="3600" b="0" i="0" u="none" strike="noStrike" kern="1200" dirty="0">
                           <a:solidFill>
                             <a:schemeClr val="lt1"/>
                           </a:solidFill>
@@ -8899,7 +7417,7 @@
                         <a:t>Are characters </a:t>
                       </a:r>
                       <a:r>
-                        <a:rPr lang="en-US" sz="3600" b="1" i="0" u="none" strike="noStrike" kern="1200" dirty="0" smtClean="0">
+                        <a:rPr lang="en-US" sz="3600" b="1" i="0" u="none" strike="noStrike" kern="1200" dirty="0">
                           <a:solidFill>
                             <a:schemeClr val="accent2">
                               <a:lumMod val="50000"/>
@@ -8913,7 +7431,7 @@
                         <a:t>differentiable</a:t>
                       </a:r>
                       <a:r>
-                        <a:rPr lang="en-US" sz="3600" b="0" i="0" u="none" strike="noStrike" kern="1200" dirty="0" smtClean="0">
+                        <a:rPr lang="en-US" sz="3600" b="0" i="0" u="none" strike="noStrike" kern="1200" dirty="0">
                           <a:solidFill>
                             <a:schemeClr val="lt1"/>
                           </a:solidFill>
@@ -8925,7 +7443,7 @@
                         <a:t> from one another based on how they </a:t>
                       </a:r>
                       <a:r>
-                        <a:rPr lang="en-US" sz="3600" b="0" i="0" u="none" strike="noStrike" kern="1200" dirty="0" smtClean="0">
+                        <a:rPr lang="en-US" sz="3600" b="0" i="0" u="none" strike="noStrike" kern="1200" dirty="0">
                           <a:solidFill>
                             <a:schemeClr val="bg1"/>
                           </a:solidFill>
@@ -8937,7 +7455,7 @@
                         <a:t>sound</a:t>
                       </a:r>
                       <a:r>
-                        <a:rPr lang="en-US" sz="3600" b="0" i="0" u="none" strike="noStrike" kern="1200" dirty="0" smtClean="0">
+                        <a:rPr lang="en-US" sz="3600" b="0" i="0" u="none" strike="noStrike" kern="1200" dirty="0">
                           <a:solidFill>
                             <a:schemeClr val="lt1"/>
                           </a:solidFill>
@@ -8953,6 +7471,11 @@
                   </a:txBody>
                   <a:tcPr/>
                 </a:tc>
+                <a:extLst>
+                  <a:ext uri="{0D108BD9-81ED-4DB2-BD59-A6C34878D82A}">
+                    <a16:rowId xmlns:a16="http://schemas.microsoft.com/office/drawing/2014/main" val="10000"/>
+                  </a:ext>
+                </a:extLst>
               </a:tr>
             </a:tbl>
           </a:graphicData>
@@ -9010,7 +7533,7 @@
         </p:blipFill>
         <p:spPr>
           <a:xfrm>
-            <a:off x="37275537" y="6892220"/>
+            <a:off x="36709493" y="6954653"/>
             <a:ext cx="5739644" cy="4304733"/>
           </a:xfrm>
           <a:prstGeom prst="rect">
@@ -9026,8 +7549,8 @@
         </p:nvSpPr>
         <p:spPr>
           <a:xfrm>
-            <a:off x="32411570" y="11387476"/>
-            <a:ext cx="3787356" cy="1200329"/>
+            <a:off x="32163261" y="11389040"/>
+            <a:ext cx="5107631" cy="1200329"/>
           </a:xfrm>
           <a:prstGeom prst="rect">
             <a:avLst/>
@@ -9041,18 +7564,9 @@
           <a:lstStyle/>
           <a:p>
             <a:r>
-              <a:rPr lang="en-US" dirty="0" smtClean="0"/>
-              <a:t>Confusion matrix resulting from </a:t>
-            </a:r>
-            <a:r>
-              <a:rPr lang="en-US" smtClean="0"/>
-              <a:t>weighted naïve </a:t>
-            </a:r>
-            <a:r>
-              <a:rPr lang="en-US" dirty="0" smtClean="0"/>
-              <a:t>Bayes classification of gender</a:t>
-            </a:r>
-            <a:endParaRPr lang="en-US" dirty="0" smtClean="0"/>
+              <a:rPr lang="en-US" dirty="0"/>
+              <a:t>Confusion matrix resulting from weighted naïve Bayes classification of gender</a:t>
+            </a:r>
           </a:p>
         </p:txBody>
       </p:sp>
@@ -9064,8 +7578,8 @@
         </p:nvSpPr>
         <p:spPr>
           <a:xfrm>
-            <a:off x="38503079" y="11412268"/>
-            <a:ext cx="3505200" cy="1569660"/>
+            <a:off x="38138595" y="11376265"/>
+            <a:ext cx="4481885" cy="1200329"/>
           </a:xfrm>
           <a:prstGeom prst="rect">
             <a:avLst/>
@@ -9079,43 +7593,12 @@
           <a:lstStyle/>
           <a:p>
             <a:r>
-              <a:rPr lang="en-US" dirty="0" smtClean="0"/>
+              <a:rPr lang="en-US" dirty="0"/>
               <a:t>Confusion matrix resulting from weighted iterative naïve Bayes classification of role</a:t>
             </a:r>
-            <a:endParaRPr lang="en-US" dirty="0" smtClean="0"/>
           </a:p>
         </p:txBody>
       </p:sp>
-      <p:pic>
-        <p:nvPicPr>
-          <p:cNvPr id="4" name="Picture 3"/>
-          <p:cNvPicPr>
-            <a:picLocks noChangeAspect="1"/>
-          </p:cNvPicPr>
-          <p:nvPr/>
-        </p:nvPicPr>
-        <p:blipFill>
-          <a:blip r:embed="rId5">
-            <a:extLst>
-              <a:ext uri="{28A0092B-C50C-407E-A947-70E740481C1C}">
-                <a14:useLocalDpi xmlns:a14="http://schemas.microsoft.com/office/drawing/2010/main" val="0"/>
-              </a:ext>
-            </a:extLst>
-          </a:blip>
-          <a:stretch>
-            <a:fillRect/>
-          </a:stretch>
-        </p:blipFill>
-        <p:spPr>
-          <a:xfrm>
-            <a:off x="1218765" y="17702327"/>
-            <a:ext cx="14517067" cy="10460828"/>
-          </a:xfrm>
-          <a:prstGeom prst="rect">
-            <a:avLst/>
-          </a:prstGeom>
-        </p:spPr>
-      </p:pic>
       <p:pic>
         <p:nvPicPr>
           <p:cNvPr id="12" name="Picture 11"/>
@@ -9125,7 +7608,7 @@
           <p:nvPr/>
         </p:nvPicPr>
         <p:blipFill>
-          <a:blip r:embed="rId6">
+          <a:blip r:embed="rId5">
             <a:extLst>
               <a:ext uri="{28A0092B-C50C-407E-A947-70E740481C1C}">
                 <a14:useLocalDpi xmlns:a14="http://schemas.microsoft.com/office/drawing/2010/main" val="0"/>
@@ -9154,8 +7637,8 @@
         </p:nvSpPr>
         <p:spPr>
           <a:xfrm>
-            <a:off x="27621042" y="11378273"/>
-            <a:ext cx="3787356" cy="1569660"/>
+            <a:off x="26827496" y="11469247"/>
+            <a:ext cx="4468063" cy="1200329"/>
           </a:xfrm>
           <a:prstGeom prst="rect">
             <a:avLst/>
@@ -9169,10 +7652,9 @@
           <a:lstStyle/>
           <a:p>
             <a:r>
-              <a:rPr lang="en-US" dirty="0" smtClean="0"/>
+              <a:rPr lang="en-US" dirty="0"/>
               <a:t>The iterative naïve Bayes process yields more useful results in highly unbalanced data sets</a:t>
             </a:r>
-            <a:endParaRPr lang="en-US" dirty="0" smtClean="0"/>
           </a:p>
         </p:txBody>
       </p:sp>
@@ -9185,7 +7667,7 @@
           <p:nvPr/>
         </p:nvPicPr>
         <p:blipFill>
-          <a:blip r:embed="rId7">
+          <a:blip r:embed="rId6">
             <a:extLst>
               <a:ext uri="{28A0092B-C50C-407E-A947-70E740481C1C}">
                 <a14:useLocalDpi xmlns:a14="http://schemas.microsoft.com/office/drawing/2010/main" val="0"/>
@@ -9229,18 +7711,17 @@
           <a:lstStyle/>
           <a:p>
             <a:r>
-              <a:rPr lang="en-US" dirty="0" smtClean="0"/>
+              <a:rPr lang="en-US" dirty="0"/>
               <a:t>A partial view of the comparison between </a:t>
             </a:r>
             <a:r>
-              <a:rPr lang="en-US" i="1" dirty="0" smtClean="0"/>
+              <a:rPr lang="en-US" i="1" dirty="0"/>
               <a:t>Hamlet</a:t>
             </a:r>
             <a:r>
-              <a:rPr lang="en-US" dirty="0" smtClean="0"/>
+              <a:rPr lang="en-US" dirty="0"/>
               <a:t>’s Hamlet and the standards for all archetypes </a:t>
             </a:r>
-            <a:endParaRPr lang="en-US" dirty="0" smtClean="0"/>
           </a:p>
         </p:txBody>
       </p:sp>
@@ -9253,7 +7734,7 @@
           <p:nvPr/>
         </p:nvPicPr>
         <p:blipFill>
-          <a:blip r:embed="rId8">
+          <a:blip r:embed="rId7" cstate="print">
             <a:extLst>
               <a:ext uri="{28A0092B-C50C-407E-A947-70E740481C1C}">
                 <a14:useLocalDpi xmlns:a14="http://schemas.microsoft.com/office/drawing/2010/main" val="0"/>
@@ -9297,11 +7778,11 @@
           <a:lstStyle/>
           <a:p>
             <a:r>
-              <a:rPr lang="en-US" dirty="0" smtClean="0"/>
+              <a:rPr lang="en-US" dirty="0"/>
               <a:t>An incomplete view of the basic view of z-score data for </a:t>
             </a:r>
             <a:r>
-              <a:rPr lang="en-US" dirty="0" smtClean="0">
+              <a:rPr lang="en-US" dirty="0">
                 <a:solidFill>
                   <a:schemeClr val="accent2">
                     <a:lumMod val="60000"/>
@@ -9312,11 +7793,11 @@
               <a:t>phoneme </a:t>
             </a:r>
             <a:r>
-              <a:rPr lang="en-US" dirty="0" smtClean="0"/>
+              <a:rPr lang="en-US" dirty="0"/>
               <a:t>and </a:t>
             </a:r>
             <a:r>
-              <a:rPr lang="en-US" dirty="0" smtClean="0">
+              <a:rPr lang="en-US" dirty="0">
                 <a:solidFill>
                   <a:schemeClr val="accent2">
                     <a:lumMod val="50000"/>
@@ -9326,369 +7807,169 @@
               <a:t>features </a:t>
             </a:r>
             <a:r>
-              <a:rPr lang="en-US" dirty="0" smtClean="0"/>
+              <a:rPr lang="en-US" dirty="0"/>
               <a:t>of archetypical roles, without any comparisons</a:t>
             </a:r>
-            <a:endParaRPr lang="en-US" dirty="0" smtClean="0"/>
           </a:p>
         </p:txBody>
       </p:sp>
-      <p:grpSp>
-        <p:nvGrpSpPr>
-          <p:cNvPr id="56" name="Group 55"/>
-          <p:cNvGrpSpPr/>
+      <p:sp>
+        <p:nvSpPr>
+          <p:cNvPr id="68" name="Text Box 248"/>
+          <p:cNvSpPr txBox="1">
+            <a:spLocks noChangeArrowheads="1"/>
+          </p:cNvSpPr>
           <p:nvPr/>
-        </p:nvGrpSpPr>
-        <p:grpSpPr>
+        </p:nvSpPr>
+        <p:spPr bwMode="auto">
           <a:xfrm>
-            <a:off x="1137426" y="27530927"/>
-            <a:ext cx="14510596" cy="929429"/>
-            <a:chOff x="1066799" y="5958162"/>
-            <a:chExt cx="11007725" cy="946293"/>
+            <a:off x="1137426" y="27617777"/>
+            <a:ext cx="14447520" cy="795377"/>
           </a:xfrm>
-        </p:grpSpPr>
-        <p:sp>
-          <p:nvSpPr>
-            <p:cNvPr id="58" name="Text Box 248"/>
-            <p:cNvSpPr txBox="1">
-              <a:spLocks noChangeArrowheads="1"/>
-            </p:cNvSpPr>
-            <p:nvPr/>
-          </p:nvSpPr>
-          <p:spPr bwMode="auto">
-            <a:xfrm>
-              <a:off x="1066799" y="5958162"/>
-              <a:ext cx="11007725" cy="946293"/>
-            </a:xfrm>
-            <a:prstGeom prst="rect">
-              <a:avLst/>
-            </a:prstGeom>
-            <a:gradFill rotWithShape="0">
-              <a:gsLst>
-                <a:gs pos="0">
-                  <a:schemeClr val="accent2">
-                    <a:lumMod val="40000"/>
-                    <a:lumOff val="60000"/>
-                  </a:schemeClr>
-                </a:gs>
-                <a:gs pos="13000">
-                  <a:schemeClr val="accent3">
-                    <a:lumMod val="60000"/>
-                    <a:lumOff val="40000"/>
-                  </a:schemeClr>
-                </a:gs>
-                <a:gs pos="43000">
-                  <a:schemeClr val="accent2">
-                    <a:lumMod val="60000"/>
-                    <a:lumOff val="40000"/>
-                  </a:schemeClr>
-                </a:gs>
-                <a:gs pos="67000">
-                  <a:schemeClr val="accent2">
-                    <a:lumMod val="75000"/>
-                  </a:schemeClr>
-                </a:gs>
-                <a:gs pos="83000">
-                  <a:schemeClr val="accent2">
-                    <a:lumMod val="75000"/>
-                  </a:schemeClr>
-                </a:gs>
-                <a:gs pos="100000">
-                  <a:schemeClr val="accent3">
-                    <a:lumMod val="60000"/>
-                    <a:lumOff val="40000"/>
-                  </a:schemeClr>
-                </a:gs>
-              </a:gsLst>
-              <a:lin ang="10800000" scaled="0"/>
-            </a:gradFill>
-            <a:ln w="19050">
-              <a:noFill/>
-              <a:miter lim="800000"/>
-              <a:headEnd/>
-              <a:tailEnd/>
-            </a:ln>
-            <a:effectLst/>
-          </p:spPr>
-          <p:txBody>
-            <a:bodyPr>
-              <a:spAutoFit/>
-            </a:bodyPr>
-            <a:lstStyle>
-              <a:lvl1pPr>
-                <a:defRPr sz="2400">
-                  <a:solidFill>
-                    <a:schemeClr val="tx1"/>
-                  </a:solidFill>
-                  <a:latin typeface="Times New Roman" pitchFamily="18" charset="0"/>
-                </a:defRPr>
-              </a:lvl1pPr>
-              <a:lvl2pPr marL="742950" indent="-285750">
-                <a:defRPr sz="2400">
-                  <a:solidFill>
-                    <a:schemeClr val="tx1"/>
-                  </a:solidFill>
-                  <a:latin typeface="Times New Roman" pitchFamily="18" charset="0"/>
-                </a:defRPr>
-              </a:lvl2pPr>
-              <a:lvl3pPr marL="1143000" indent="-228600">
-                <a:defRPr sz="2400">
-                  <a:solidFill>
-                    <a:schemeClr val="tx1"/>
-                  </a:solidFill>
-                  <a:latin typeface="Times New Roman" pitchFamily="18" charset="0"/>
-                </a:defRPr>
-              </a:lvl3pPr>
-              <a:lvl4pPr marL="1600200" indent="-228600">
-                <a:defRPr sz="2400">
-                  <a:solidFill>
-                    <a:schemeClr val="tx1"/>
-                  </a:solidFill>
-                  <a:latin typeface="Times New Roman" pitchFamily="18" charset="0"/>
-                </a:defRPr>
-              </a:lvl4pPr>
-              <a:lvl5pPr marL="2057400" indent="-228600">
-                <a:defRPr sz="2400">
-                  <a:solidFill>
-                    <a:schemeClr val="tx1"/>
-                  </a:solidFill>
-                  <a:latin typeface="Times New Roman" pitchFamily="18" charset="0"/>
-                </a:defRPr>
-              </a:lvl5pPr>
-              <a:lvl6pPr marL="2514600" indent="-228600" eaLnBrk="0" fontAlgn="base" hangingPunct="0">
-                <a:spcBef>
-                  <a:spcPct val="0"/>
-                </a:spcBef>
-                <a:spcAft>
-                  <a:spcPct val="0"/>
-                </a:spcAft>
-                <a:defRPr sz="2400">
-                  <a:solidFill>
-                    <a:schemeClr val="tx1"/>
-                  </a:solidFill>
-                  <a:latin typeface="Times New Roman" pitchFamily="18" charset="0"/>
-                </a:defRPr>
-              </a:lvl6pPr>
-              <a:lvl7pPr marL="2971800" indent="-228600" eaLnBrk="0" fontAlgn="base" hangingPunct="0">
-                <a:spcBef>
-                  <a:spcPct val="0"/>
-                </a:spcBef>
-                <a:spcAft>
-                  <a:spcPct val="0"/>
-                </a:spcAft>
-                <a:defRPr sz="2400">
-                  <a:solidFill>
-                    <a:schemeClr val="tx1"/>
-                  </a:solidFill>
-                  <a:latin typeface="Times New Roman" pitchFamily="18" charset="0"/>
-                </a:defRPr>
-              </a:lvl7pPr>
-              <a:lvl8pPr marL="3429000" indent="-228600" eaLnBrk="0" fontAlgn="base" hangingPunct="0">
-                <a:spcBef>
-                  <a:spcPct val="0"/>
-                </a:spcBef>
-                <a:spcAft>
-                  <a:spcPct val="0"/>
-                </a:spcAft>
-                <a:defRPr sz="2400">
-                  <a:solidFill>
-                    <a:schemeClr val="tx1"/>
-                  </a:solidFill>
-                  <a:latin typeface="Times New Roman" pitchFamily="18" charset="0"/>
-                </a:defRPr>
-              </a:lvl8pPr>
-              <a:lvl9pPr marL="3886200" indent="-228600" eaLnBrk="0" fontAlgn="base" hangingPunct="0">
-                <a:spcBef>
-                  <a:spcPct val="0"/>
-                </a:spcBef>
-                <a:spcAft>
-                  <a:spcPct val="0"/>
-                </a:spcAft>
-                <a:defRPr sz="2400">
-                  <a:solidFill>
-                    <a:schemeClr val="tx1"/>
-                  </a:solidFill>
-                  <a:latin typeface="Times New Roman" pitchFamily="18" charset="0"/>
-                </a:defRPr>
-              </a:lvl9pPr>
-            </a:lstStyle>
-            <a:p>
-              <a:endParaRPr lang="en-US" altLang="zh-CN" sz="3600" b="1" dirty="0">
+          <a:prstGeom prst="rect">
+            <a:avLst/>
+          </a:prstGeom>
+          <a:gradFill>
+            <a:gsLst>
+              <a:gs pos="56000">
+                <a:schemeClr val="accent2">
+                  <a:lumMod val="50000"/>
+                </a:schemeClr>
+              </a:gs>
+              <a:gs pos="100000">
+                <a:schemeClr val="bg1">
+                  <a:alpha val="0"/>
+                </a:schemeClr>
+              </a:gs>
+            </a:gsLst>
+            <a:lin ang="0" scaled="1"/>
+          </a:gradFill>
+          <a:ln w="19050">
+            <a:noFill/>
+            <a:miter lim="800000"/>
+            <a:headEnd/>
+            <a:tailEnd/>
+          </a:ln>
+          <a:effectLst/>
+        </p:spPr>
+        <p:txBody>
+          <a:bodyPr wrap="square">
+            <a:spAutoFit/>
+          </a:bodyPr>
+          <a:lstStyle>
+            <a:lvl1pPr>
+              <a:defRPr sz="2400">
+                <a:solidFill>
+                  <a:schemeClr val="tx1"/>
+                </a:solidFill>
+                <a:latin typeface="Times New Roman" pitchFamily="18" charset="0"/>
+              </a:defRPr>
+            </a:lvl1pPr>
+            <a:lvl2pPr marL="742950" indent="-285750">
+              <a:defRPr sz="2400">
+                <a:solidFill>
+                  <a:schemeClr val="tx1"/>
+                </a:solidFill>
+                <a:latin typeface="Times New Roman" pitchFamily="18" charset="0"/>
+              </a:defRPr>
+            </a:lvl2pPr>
+            <a:lvl3pPr marL="1143000" indent="-228600">
+              <a:defRPr sz="2400">
+                <a:solidFill>
+                  <a:schemeClr val="tx1"/>
+                </a:solidFill>
+                <a:latin typeface="Times New Roman" pitchFamily="18" charset="0"/>
+              </a:defRPr>
+            </a:lvl3pPr>
+            <a:lvl4pPr marL="1600200" indent="-228600">
+              <a:defRPr sz="2400">
+                <a:solidFill>
+                  <a:schemeClr val="tx1"/>
+                </a:solidFill>
+                <a:latin typeface="Times New Roman" pitchFamily="18" charset="0"/>
+              </a:defRPr>
+            </a:lvl4pPr>
+            <a:lvl5pPr marL="2057400" indent="-228600">
+              <a:defRPr sz="2400">
+                <a:solidFill>
+                  <a:schemeClr val="tx1"/>
+                </a:solidFill>
+                <a:latin typeface="Times New Roman" pitchFamily="18" charset="0"/>
+              </a:defRPr>
+            </a:lvl5pPr>
+            <a:lvl6pPr marL="2514600" indent="-228600" eaLnBrk="0" fontAlgn="base" hangingPunct="0">
+              <a:spcBef>
+                <a:spcPct val="0"/>
+              </a:spcBef>
+              <a:spcAft>
+                <a:spcPct val="0"/>
+              </a:spcAft>
+              <a:defRPr sz="2400">
+                <a:solidFill>
+                  <a:schemeClr val="tx1"/>
+                </a:solidFill>
+                <a:latin typeface="Times New Roman" pitchFamily="18" charset="0"/>
+              </a:defRPr>
+            </a:lvl6pPr>
+            <a:lvl7pPr marL="2971800" indent="-228600" eaLnBrk="0" fontAlgn="base" hangingPunct="0">
+              <a:spcBef>
+                <a:spcPct val="0"/>
+              </a:spcBef>
+              <a:spcAft>
+                <a:spcPct val="0"/>
+              </a:spcAft>
+              <a:defRPr sz="2400">
+                <a:solidFill>
+                  <a:schemeClr val="tx1"/>
+                </a:solidFill>
+                <a:latin typeface="Times New Roman" pitchFamily="18" charset="0"/>
+              </a:defRPr>
+            </a:lvl7pPr>
+            <a:lvl8pPr marL="3429000" indent="-228600" eaLnBrk="0" fontAlgn="base" hangingPunct="0">
+              <a:spcBef>
+                <a:spcPct val="0"/>
+              </a:spcBef>
+              <a:spcAft>
+                <a:spcPct val="0"/>
+              </a:spcAft>
+              <a:defRPr sz="2400">
+                <a:solidFill>
+                  <a:schemeClr val="tx1"/>
+                </a:solidFill>
+                <a:latin typeface="Times New Roman" pitchFamily="18" charset="0"/>
+              </a:defRPr>
+            </a:lvl8pPr>
+            <a:lvl9pPr marL="3886200" indent="-228600" eaLnBrk="0" fontAlgn="base" hangingPunct="0">
+              <a:spcBef>
+                <a:spcPct val="0"/>
+              </a:spcBef>
+              <a:spcAft>
+                <a:spcPct val="0"/>
+              </a:spcAft>
+              <a:defRPr sz="2400">
+                <a:solidFill>
+                  <a:schemeClr val="tx1"/>
+                </a:solidFill>
+                <a:latin typeface="Times New Roman" pitchFamily="18" charset="0"/>
+              </a:defRPr>
+            </a:lvl9pPr>
+          </a:lstStyle>
+          <a:p>
+            <a:r>
+              <a:rPr lang="en-US" altLang="zh-CN" sz="4400" b="1" dirty="0">
+                <a:solidFill>
+                  <a:schemeClr val="bg1"/>
+                </a:solidFill>
                 <a:effectLst/>
                 <a:latin typeface="Lucida Sans" pitchFamily="34" charset="0"/>
                 <a:ea typeface="SimSun" pitchFamily="2" charset="-122"/>
                 <a:cs typeface="Lucida Sans" pitchFamily="34" charset="0"/>
-              </a:endParaRPr>
-            </a:p>
-          </p:txBody>
-        </p:sp>
-        <p:sp>
-          <p:nvSpPr>
-            <p:cNvPr id="68" name="Text Box 248"/>
-            <p:cNvSpPr txBox="1">
-              <a:spLocks noChangeArrowheads="1"/>
-            </p:cNvSpPr>
-            <p:nvPr/>
-          </p:nvSpPr>
-          <p:spPr bwMode="auto">
-            <a:xfrm>
-              <a:off x="1157514" y="6046588"/>
-              <a:ext cx="10805886" cy="798915"/>
-            </a:xfrm>
-            <a:prstGeom prst="rect">
-              <a:avLst/>
-            </a:prstGeom>
-            <a:gradFill>
-              <a:gsLst>
-                <a:gs pos="56000">
-                  <a:schemeClr val="accent2">
-                    <a:lumMod val="50000"/>
-                  </a:schemeClr>
-                </a:gs>
-                <a:gs pos="100000">
-                  <a:schemeClr val="bg1">
-                    <a:alpha val="0"/>
-                  </a:schemeClr>
-                </a:gs>
-              </a:gsLst>
-              <a:lin ang="0" scaled="1"/>
-            </a:gradFill>
-            <a:ln w="19050">
-              <a:noFill/>
-              <a:miter lim="800000"/>
-              <a:headEnd/>
-              <a:tailEnd/>
-            </a:ln>
-            <a:effectLst/>
-          </p:spPr>
-          <p:txBody>
-            <a:bodyPr wrap="square">
-              <a:spAutoFit/>
-            </a:bodyPr>
-            <a:lstStyle>
-              <a:lvl1pPr>
-                <a:defRPr sz="2400">
-                  <a:solidFill>
-                    <a:schemeClr val="tx1"/>
-                  </a:solidFill>
-                  <a:latin typeface="Times New Roman" pitchFamily="18" charset="0"/>
-                </a:defRPr>
-              </a:lvl1pPr>
-              <a:lvl2pPr marL="742950" indent="-285750">
-                <a:defRPr sz="2400">
-                  <a:solidFill>
-                    <a:schemeClr val="tx1"/>
-                  </a:solidFill>
-                  <a:latin typeface="Times New Roman" pitchFamily="18" charset="0"/>
-                </a:defRPr>
-              </a:lvl2pPr>
-              <a:lvl3pPr marL="1143000" indent="-228600">
-                <a:defRPr sz="2400">
-                  <a:solidFill>
-                    <a:schemeClr val="tx1"/>
-                  </a:solidFill>
-                  <a:latin typeface="Times New Roman" pitchFamily="18" charset="0"/>
-                </a:defRPr>
-              </a:lvl3pPr>
-              <a:lvl4pPr marL="1600200" indent="-228600">
-                <a:defRPr sz="2400">
-                  <a:solidFill>
-                    <a:schemeClr val="tx1"/>
-                  </a:solidFill>
-                  <a:latin typeface="Times New Roman" pitchFamily="18" charset="0"/>
-                </a:defRPr>
-              </a:lvl4pPr>
-              <a:lvl5pPr marL="2057400" indent="-228600">
-                <a:defRPr sz="2400">
-                  <a:solidFill>
-                    <a:schemeClr val="tx1"/>
-                  </a:solidFill>
-                  <a:latin typeface="Times New Roman" pitchFamily="18" charset="0"/>
-                </a:defRPr>
-              </a:lvl5pPr>
-              <a:lvl6pPr marL="2514600" indent="-228600" eaLnBrk="0" fontAlgn="base" hangingPunct="0">
-                <a:spcBef>
-                  <a:spcPct val="0"/>
-                </a:spcBef>
-                <a:spcAft>
-                  <a:spcPct val="0"/>
-                </a:spcAft>
-                <a:defRPr sz="2400">
-                  <a:solidFill>
-                    <a:schemeClr val="tx1"/>
-                  </a:solidFill>
-                  <a:latin typeface="Times New Roman" pitchFamily="18" charset="0"/>
-                </a:defRPr>
-              </a:lvl6pPr>
-              <a:lvl7pPr marL="2971800" indent="-228600" eaLnBrk="0" fontAlgn="base" hangingPunct="0">
-                <a:spcBef>
-                  <a:spcPct val="0"/>
-                </a:spcBef>
-                <a:spcAft>
-                  <a:spcPct val="0"/>
-                </a:spcAft>
-                <a:defRPr sz="2400">
-                  <a:solidFill>
-                    <a:schemeClr val="tx1"/>
-                  </a:solidFill>
-                  <a:latin typeface="Times New Roman" pitchFamily="18" charset="0"/>
-                </a:defRPr>
-              </a:lvl7pPr>
-              <a:lvl8pPr marL="3429000" indent="-228600" eaLnBrk="0" fontAlgn="base" hangingPunct="0">
-                <a:spcBef>
-                  <a:spcPct val="0"/>
-                </a:spcBef>
-                <a:spcAft>
-                  <a:spcPct val="0"/>
-                </a:spcAft>
-                <a:defRPr sz="2400">
-                  <a:solidFill>
-                    <a:schemeClr val="tx1"/>
-                  </a:solidFill>
-                  <a:latin typeface="Times New Roman" pitchFamily="18" charset="0"/>
-                </a:defRPr>
-              </a:lvl8pPr>
-              <a:lvl9pPr marL="3886200" indent="-228600" eaLnBrk="0" fontAlgn="base" hangingPunct="0">
-                <a:spcBef>
-                  <a:spcPct val="0"/>
-                </a:spcBef>
-                <a:spcAft>
-                  <a:spcPct val="0"/>
-                </a:spcAft>
-                <a:defRPr sz="2400">
-                  <a:solidFill>
-                    <a:schemeClr val="tx1"/>
-                  </a:solidFill>
-                  <a:latin typeface="Times New Roman" pitchFamily="18" charset="0"/>
-                </a:defRPr>
-              </a:lvl9pPr>
-            </a:lstStyle>
-            <a:p>
-              <a:r>
-                <a:rPr lang="en-US" altLang="zh-CN" sz="4400" b="1" dirty="0" smtClean="0">
-                  <a:solidFill>
-                    <a:schemeClr val="bg1"/>
-                  </a:solidFill>
-                  <a:effectLst/>
-                  <a:latin typeface="Lucida Sans" pitchFamily="34" charset="0"/>
-                  <a:ea typeface="SimSun" pitchFamily="2" charset="-122"/>
-                  <a:cs typeface="Lucida Sans" pitchFamily="34" charset="0"/>
-                </a:rPr>
-                <a:t>References</a:t>
-              </a:r>
-              <a:endParaRPr lang="en-US" altLang="zh-CN" sz="4400" b="1" dirty="0" smtClean="0">
-                <a:solidFill>
-                  <a:schemeClr val="bg1"/>
-                </a:solidFill>
-                <a:effectLst/>
-                <a:latin typeface="Lucida Sans" pitchFamily="34" charset="0"/>
-                <a:ea typeface="SimSun" pitchFamily="2" charset="-122"/>
-                <a:cs typeface="Lucida Sans" pitchFamily="34" charset="0"/>
-              </a:endParaRPr>
-            </a:p>
-          </p:txBody>
-        </p:sp>
-      </p:grpSp>
+              </a:rPr>
+              <a:t>References</a:t>
+            </a:r>
+          </a:p>
+        </p:txBody>
+      </p:sp>
       <p:sp>
         <p:nvSpPr>
           <p:cNvPr id="72" name="Text Box 242"/>
@@ -9699,8 +7980,8 @@
         </p:nvSpPr>
         <p:spPr bwMode="auto">
           <a:xfrm>
-            <a:off x="1137426" y="28471056"/>
-            <a:ext cx="14517066" cy="3896451"/>
+            <a:off x="1137426" y="28471055"/>
+            <a:ext cx="14447520" cy="4023360"/>
           </a:xfrm>
           <a:prstGeom prst="rect">
             <a:avLst/>
@@ -9717,7 +7998,7 @@
           <a:effectLst/>
           <a:extLst>
             <a:ext uri="{AF507438-7753-43e0-B8FC-AC1667EBCBE1}">
-              <a14:hiddenEffects xmlns="" xmlns:a14="http://schemas.microsoft.com/office/drawing/2010/main">
+              <a14:hiddenEffects xmlns:a14="http://schemas.microsoft.com/office/drawing/2010/main" xmlns="">
                 <a:effectLst>
                   <a:outerShdw dist="35921" dir="2700000" algn="ctr" rotWithShape="0">
                     <a:schemeClr val="bg2"/>
@@ -9865,13 +8146,7 @@
               <a:rPr lang="en-US" sz="2800" dirty="0">
                 <a:effectLst/>
               </a:rPr>
-              <a:t>, JMLR 12, pp. 2825-2830, </a:t>
-            </a:r>
-            <a:r>
-              <a:rPr lang="en-US" sz="2800" dirty="0" smtClean="0">
-                <a:effectLst/>
-              </a:rPr>
-              <a:t>2011.</a:t>
+              <a:t>, JMLR 12, pp. 2825-2830, 2011.</a:t>
             </a:r>
           </a:p>
           <a:p>
@@ -9883,7 +8158,7 @@
               <a:buChar char="•"/>
             </a:pPr>
             <a:r>
-              <a:rPr lang="en-US" altLang="ja-JP" sz="2800" dirty="0" smtClean="0">
+              <a:rPr lang="en-US" altLang="ja-JP" sz="2800" dirty="0">
                 <a:effectLst/>
                 <a:ea typeface="ＭＳ Ｐゴシック" charset="-128"/>
               </a:rPr>
@@ -9899,16 +8174,10 @@
               <a:buChar char="•"/>
             </a:pPr>
             <a:r>
-              <a:rPr lang="en-US" sz="2800" dirty="0" smtClean="0">
-                <a:effectLst/>
-              </a:rPr>
-              <a:t>Bird</a:t>
-            </a:r>
-            <a:r>
               <a:rPr lang="en-US" sz="2800" dirty="0">
                 <a:effectLst/>
               </a:rPr>
-              <a:t>, Steven, Edward </a:t>
+              <a:t>Bird, Steven, Edward </a:t>
             </a:r>
             <a:r>
               <a:rPr lang="en-US" sz="2800" dirty="0" err="1">
@@ -9932,13 +8201,7 @@
               <a:rPr lang="en-US" sz="2800" dirty="0">
                 <a:effectLst/>
               </a:rPr>
-              <a:t>. O’Reilly Media Inc</a:t>
-            </a:r>
-            <a:r>
-              <a:rPr lang="en-US" sz="2800" dirty="0" smtClean="0">
-                <a:effectLst/>
-              </a:rPr>
-              <a:t>.</a:t>
+              <a:t>. O’Reilly Media Inc.</a:t>
             </a:r>
           </a:p>
           <a:p>
@@ -9977,17 +8240,162 @@
               <a:rPr lang="en-US" sz="2800" dirty="0">
                 <a:effectLst/>
               </a:rPr>
-              <a:t> from Folger Digital Texts. Retrieved from </a:t>
-            </a:r>
-            <a:r>
-              <a:rPr lang="en-US" sz="2800" dirty="0" smtClean="0">
+              <a:t> from Folger Digital Texts. Retrieved from www.folgerdigitaltexts.org</a:t>
+            </a:r>
+          </a:p>
+        </p:txBody>
+      </p:sp>
+      <p:pic>
+        <p:nvPicPr>
+          <p:cNvPr id="5" name="Picture 4"/>
+          <p:cNvPicPr>
+            <a:picLocks noChangeAspect="1"/>
+          </p:cNvPicPr>
+          <p:nvPr/>
+        </p:nvPicPr>
+        <p:blipFill rotWithShape="1">
+          <a:blip r:embed="rId8">
+            <a:extLst>
+              <a:ext uri="{28A0092B-C50C-407E-A947-70E740481C1C}">
+                <a14:useLocalDpi xmlns:a14="http://schemas.microsoft.com/office/drawing/2010/main" val="0"/>
+              </a:ext>
+            </a:extLst>
+          </a:blip>
+          <a:srcRect b="2596"/>
+          <a:stretch/>
+        </p:blipFill>
+        <p:spPr>
+          <a:xfrm>
+            <a:off x="1335095" y="17978091"/>
+            <a:ext cx="7696200" cy="7496410"/>
+          </a:xfrm>
+          <a:prstGeom prst="rect">
+            <a:avLst/>
+          </a:prstGeom>
+        </p:spPr>
+      </p:pic>
+      <p:sp>
+        <p:nvSpPr>
+          <p:cNvPr id="74" name="TextBox 73"/>
+          <p:cNvSpPr txBox="1"/>
+          <p:nvPr/>
+        </p:nvSpPr>
+        <p:spPr>
+          <a:xfrm>
+            <a:off x="1588074" y="24107152"/>
+            <a:ext cx="7190241" cy="830997"/>
+          </a:xfrm>
+          <a:prstGeom prst="rect">
+            <a:avLst/>
+          </a:prstGeom>
+          <a:noFill/>
+        </p:spPr>
+        <p:txBody>
+          <a:bodyPr wrap="square" rtlCol="0">
+            <a:spAutoFit/>
+          </a:bodyPr>
+          <a:lstStyle/>
+          <a:p>
+            <a:r>
+              <a:rPr lang="en-US" dirty="0"/>
+              <a:t>A multi-dimensional scaling, color-coded by play and with number of lines encoded as size of bubble.</a:t>
+            </a:r>
+          </a:p>
+        </p:txBody>
+      </p:sp>
+      <p:sp>
+        <p:nvSpPr>
+          <p:cNvPr id="10" name="Rectangle 9"/>
+          <p:cNvSpPr/>
+          <p:nvPr/>
+        </p:nvSpPr>
+        <p:spPr>
+          <a:xfrm>
+            <a:off x="1254634" y="16601032"/>
+            <a:ext cx="8041768" cy="1754326"/>
+          </a:xfrm>
+          <a:prstGeom prst="rect">
+            <a:avLst/>
+          </a:prstGeom>
+        </p:spPr>
+        <p:txBody>
+          <a:bodyPr wrap="square">
+            <a:spAutoFit/>
+          </a:bodyPr>
+          <a:lstStyle/>
+          <a:p>
+            <a:r>
+              <a:rPr lang="en-US" sz="3600" dirty="0">
+                <a:solidFill>
+                  <a:srgbClr val="000000"/>
+                </a:solidFill>
                 <a:effectLst/>
-                <a:hlinkClick r:id="rId9"/>
+                <a:latin typeface="+mj-lt"/>
               </a:rPr>
-              <a:t>www.folgerdigitaltexts.org</a:t>
-            </a:r>
-            <a:endParaRPr lang="en-US" sz="2800" dirty="0">
-              <a:effectLst/>
+              <a:t>We turned each character’s speech into a </a:t>
+            </a:r>
+            <a:r>
+              <a:rPr lang="en-US" sz="3600" b="1" dirty="0">
+                <a:solidFill>
+                  <a:srgbClr val="000000"/>
+                </a:solidFill>
+                <a:effectLst/>
+                <a:latin typeface="+mj-lt"/>
+              </a:rPr>
+              <a:t>vector</a:t>
+            </a:r>
+            <a:r>
+              <a:rPr lang="en-US" sz="3600" dirty="0">
+                <a:solidFill>
+                  <a:srgbClr val="000000"/>
+                </a:solidFill>
+                <a:effectLst/>
+                <a:latin typeface="+mj-lt"/>
+              </a:rPr>
+              <a:t> and used </a:t>
+            </a:r>
+            <a:r>
+              <a:rPr lang="en-US" sz="3600" b="1" dirty="0">
+                <a:solidFill>
+                  <a:srgbClr val="000000"/>
+                </a:solidFill>
+                <a:effectLst/>
+                <a:latin typeface="+mj-lt"/>
+              </a:rPr>
+              <a:t>multidimensional scaling </a:t>
+            </a:r>
+            <a:r>
+              <a:rPr lang="en-US" sz="3600" dirty="0">
+                <a:solidFill>
+                  <a:srgbClr val="000000"/>
+                </a:solidFill>
+                <a:effectLst/>
+                <a:latin typeface="+mj-lt"/>
+              </a:rPr>
+              <a:t>to look for </a:t>
+            </a:r>
+            <a:r>
+              <a:rPr lang="en-US" sz="3600" b="1" dirty="0">
+                <a:solidFill>
+                  <a:srgbClr val="000000"/>
+                </a:solidFill>
+                <a:effectLst/>
+                <a:latin typeface="+mj-lt"/>
+              </a:rPr>
+              <a:t>groups</a:t>
+            </a:r>
+            <a:r>
+              <a:rPr lang="en-US" sz="3600" dirty="0">
+                <a:solidFill>
+                  <a:srgbClr val="000000"/>
+                </a:solidFill>
+                <a:effectLst/>
+                <a:latin typeface="+mj-lt"/>
+              </a:rPr>
+              <a:t> of characters.</a:t>
+            </a:r>
+            <a:endParaRPr lang="en-US" sz="3600" dirty="0">
+              <a:latin typeface="+mj-lt"/>
             </a:endParaRPr>
           </a:p>
         </p:txBody>
@@ -10250,7 +8658,7 @@
         <a:effectLst/>
         <a:extLst>
           <a:ext uri="{AF507438-7753-43e0-B8FC-AC1667EBCBE1}">
-            <a14:hiddenEffects xmlns="" xmlns:a14="http://schemas.microsoft.com/office/drawing/2010/main">
+            <a14:hiddenEffects xmlns:a14="http://schemas.microsoft.com/office/drawing/2010/main" xmlns="">
               <a:effectLst>
                 <a:outerShdw dist="35921" dir="2700000" algn="ctr" rotWithShape="0">
                   <a:schemeClr val="bg2"/>
@@ -10329,7 +8737,7 @@
         <a:effectLst/>
         <a:extLst>
           <a:ext uri="{AF507438-7753-43e0-B8FC-AC1667EBCBE1}">
-            <a14:hiddenEffects xmlns="" xmlns:a14="http://schemas.microsoft.com/office/drawing/2010/main">
+            <a14:hiddenEffects xmlns:a14="http://schemas.microsoft.com/office/drawing/2010/main" xmlns="">
               <a:effectLst>
                 <a:outerShdw dist="35921" dir="2700000" algn="ctr" rotWithShape="0">
                   <a:schemeClr val="bg2"/>

--- a/Poster Rough Draft.pptx
+++ b/Poster Rough Draft.pptx
@@ -236,6 +236,10 @@
 </p:presentation>
 </file>
 
+<file path=ppt/revisionInfo.xml><?xml version="1.0" encoding="utf-8"?>
+<p1510:revInfo xmlns:a="http://schemas.openxmlformats.org/drawingml/2006/main" xmlns:r="http://schemas.openxmlformats.org/officeDocument/2006/relationships" xmlns:p1510="http://schemas.microsoft.com/office/powerpoint/2015/10/main"/>
+</file>
+
 <file path=ppt/handoutMasters/handoutMaster1.xml><?xml version="1.0" encoding="utf-8"?>
 <p:handoutMaster xmlns:a="http://schemas.openxmlformats.org/drawingml/2006/main" xmlns:r="http://schemas.openxmlformats.org/officeDocument/2006/relationships" xmlns:p="http://schemas.openxmlformats.org/presentationml/2006/main">
   <p:cSld>
@@ -286,14 +290,14 @@
           <a:effectLst/>
           <a:extLst>
             <a:ext uri="{909E8E84-426E-40dd-AFC4-6F175D3DCCD1}">
-              <a14:hiddenFill xmlns:a14="http://schemas.microsoft.com/office/drawing/2010/main" xmlns="">
+              <a14:hiddenFill xmlns="" xmlns:a14="http://schemas.microsoft.com/office/drawing/2010/main">
                 <a:solidFill>
                   <a:schemeClr val="accent1"/>
                 </a:solidFill>
               </a14:hiddenFill>
             </a:ext>
             <a:ext uri="{91240B29-F687-4f45-9708-019B960494DF}">
-              <a14:hiddenLine xmlns:a14="http://schemas.microsoft.com/office/drawing/2010/main" xmlns="" w="9525">
+              <a14:hiddenLine xmlns="" xmlns:a14="http://schemas.microsoft.com/office/drawing/2010/main" w="9525">
                 <a:solidFill>
                   <a:schemeClr val="tx1"/>
                 </a:solidFill>
@@ -303,7 +307,7 @@
               </a14:hiddenLine>
             </a:ext>
             <a:ext uri="{AF507438-7753-43e0-B8FC-AC1667EBCBE1}">
-              <a14:hiddenEffects xmlns:a14="http://schemas.microsoft.com/office/drawing/2010/main" xmlns="">
+              <a14:hiddenEffects xmlns="" xmlns:a14="http://schemas.microsoft.com/office/drawing/2010/main">
                 <a:effectLst>
                   <a:outerShdw dist="35921" dir="2700000" algn="ctr" rotWithShape="0">
                     <a:schemeClr val="bg2"/>
@@ -356,14 +360,14 @@
           <a:effectLst/>
           <a:extLst>
             <a:ext uri="{909E8E84-426E-40dd-AFC4-6F175D3DCCD1}">
-              <a14:hiddenFill xmlns:a14="http://schemas.microsoft.com/office/drawing/2010/main" xmlns="">
+              <a14:hiddenFill xmlns="" xmlns:a14="http://schemas.microsoft.com/office/drawing/2010/main">
                 <a:solidFill>
                   <a:schemeClr val="accent1"/>
                 </a:solidFill>
               </a14:hiddenFill>
             </a:ext>
             <a:ext uri="{91240B29-F687-4f45-9708-019B960494DF}">
-              <a14:hiddenLine xmlns:a14="http://schemas.microsoft.com/office/drawing/2010/main" xmlns="" w="9525">
+              <a14:hiddenLine xmlns="" xmlns:a14="http://schemas.microsoft.com/office/drawing/2010/main" w="9525">
                 <a:solidFill>
                   <a:schemeClr val="tx1"/>
                 </a:solidFill>
@@ -373,7 +377,7 @@
               </a14:hiddenLine>
             </a:ext>
             <a:ext uri="{AF507438-7753-43e0-B8FC-AC1667EBCBE1}">
-              <a14:hiddenEffects xmlns:a14="http://schemas.microsoft.com/office/drawing/2010/main" xmlns="">
+              <a14:hiddenEffects xmlns="" xmlns:a14="http://schemas.microsoft.com/office/drawing/2010/main">
                 <a:effectLst>
                   <a:outerShdw dist="35921" dir="2700000" algn="ctr" rotWithShape="0">
                     <a:schemeClr val="bg2"/>
@@ -426,14 +430,14 @@
           <a:effectLst/>
           <a:extLst>
             <a:ext uri="{909E8E84-426E-40dd-AFC4-6F175D3DCCD1}">
-              <a14:hiddenFill xmlns:a14="http://schemas.microsoft.com/office/drawing/2010/main" xmlns="">
+              <a14:hiddenFill xmlns="" xmlns:a14="http://schemas.microsoft.com/office/drawing/2010/main">
                 <a:solidFill>
                   <a:schemeClr val="accent1"/>
                 </a:solidFill>
               </a14:hiddenFill>
             </a:ext>
             <a:ext uri="{91240B29-F687-4f45-9708-019B960494DF}">
-              <a14:hiddenLine xmlns:a14="http://schemas.microsoft.com/office/drawing/2010/main" xmlns="" w="9525">
+              <a14:hiddenLine xmlns="" xmlns:a14="http://schemas.microsoft.com/office/drawing/2010/main" w="9525">
                 <a:solidFill>
                   <a:schemeClr val="tx1"/>
                 </a:solidFill>
@@ -443,7 +447,7 @@
               </a14:hiddenLine>
             </a:ext>
             <a:ext uri="{AF507438-7753-43e0-B8FC-AC1667EBCBE1}">
-              <a14:hiddenEffects xmlns:a14="http://schemas.microsoft.com/office/drawing/2010/main" xmlns="">
+              <a14:hiddenEffects xmlns="" xmlns:a14="http://schemas.microsoft.com/office/drawing/2010/main">
                 <a:effectLst>
                   <a:outerShdw dist="35921" dir="2700000" algn="ctr" rotWithShape="0">
                     <a:schemeClr val="bg2"/>
@@ -496,14 +500,14 @@
           <a:effectLst/>
           <a:extLst>
             <a:ext uri="{909E8E84-426E-40dd-AFC4-6F175D3DCCD1}">
-              <a14:hiddenFill xmlns:a14="http://schemas.microsoft.com/office/drawing/2010/main" xmlns="">
+              <a14:hiddenFill xmlns="" xmlns:a14="http://schemas.microsoft.com/office/drawing/2010/main">
                 <a:solidFill>
                   <a:schemeClr val="accent1"/>
                 </a:solidFill>
               </a14:hiddenFill>
             </a:ext>
             <a:ext uri="{91240B29-F687-4f45-9708-019B960494DF}">
-              <a14:hiddenLine xmlns:a14="http://schemas.microsoft.com/office/drawing/2010/main" xmlns="" w="9525">
+              <a14:hiddenLine xmlns="" xmlns:a14="http://schemas.microsoft.com/office/drawing/2010/main" w="9525">
                 <a:solidFill>
                   <a:schemeClr val="tx1"/>
                 </a:solidFill>
@@ -513,7 +517,7 @@
               </a14:hiddenLine>
             </a:ext>
             <a:ext uri="{AF507438-7753-43e0-B8FC-AC1667EBCBE1}">
-              <a14:hiddenEffects xmlns:a14="http://schemas.microsoft.com/office/drawing/2010/main" xmlns="">
+              <a14:hiddenEffects xmlns="" xmlns:a14="http://schemas.microsoft.com/office/drawing/2010/main">
                 <a:effectLst>
                   <a:outerShdw dist="35921" dir="2700000" algn="ctr" rotWithShape="0">
                     <a:schemeClr val="bg2"/>
@@ -607,14 +611,14 @@
           <a:effectLst/>
           <a:extLst>
             <a:ext uri="{909E8E84-426E-40dd-AFC4-6F175D3DCCD1}">
-              <a14:hiddenFill xmlns:a14="http://schemas.microsoft.com/office/drawing/2010/main" xmlns="">
+              <a14:hiddenFill xmlns="" xmlns:a14="http://schemas.microsoft.com/office/drawing/2010/main">
                 <a:solidFill>
                   <a:schemeClr val="accent1"/>
                 </a:solidFill>
               </a14:hiddenFill>
             </a:ext>
             <a:ext uri="{91240B29-F687-4f45-9708-019B960494DF}">
-              <a14:hiddenLine xmlns:a14="http://schemas.microsoft.com/office/drawing/2010/main" xmlns="" w="9525">
+              <a14:hiddenLine xmlns="" xmlns:a14="http://schemas.microsoft.com/office/drawing/2010/main" w="9525">
                 <a:solidFill>
                   <a:schemeClr val="tx1"/>
                 </a:solidFill>
@@ -624,7 +628,7 @@
               </a14:hiddenLine>
             </a:ext>
             <a:ext uri="{AF507438-7753-43e0-B8FC-AC1667EBCBE1}">
-              <a14:hiddenEffects xmlns:a14="http://schemas.microsoft.com/office/drawing/2010/main" xmlns="">
+              <a14:hiddenEffects xmlns="" xmlns:a14="http://schemas.microsoft.com/office/drawing/2010/main">
                 <a:effectLst>
                   <a:outerShdw dist="35921" dir="2700000" algn="ctr" rotWithShape="0">
                     <a:schemeClr val="bg2"/>
@@ -677,14 +681,14 @@
           <a:effectLst/>
           <a:extLst>
             <a:ext uri="{909E8E84-426E-40dd-AFC4-6F175D3DCCD1}">
-              <a14:hiddenFill xmlns:a14="http://schemas.microsoft.com/office/drawing/2010/main" xmlns="">
+              <a14:hiddenFill xmlns="" xmlns:a14="http://schemas.microsoft.com/office/drawing/2010/main">
                 <a:solidFill>
                   <a:schemeClr val="accent1"/>
                 </a:solidFill>
               </a14:hiddenFill>
             </a:ext>
             <a:ext uri="{91240B29-F687-4f45-9708-019B960494DF}">
-              <a14:hiddenLine xmlns:a14="http://schemas.microsoft.com/office/drawing/2010/main" xmlns="" w="9525">
+              <a14:hiddenLine xmlns="" xmlns:a14="http://schemas.microsoft.com/office/drawing/2010/main" w="9525">
                 <a:solidFill>
                   <a:schemeClr val="tx1"/>
                 </a:solidFill>
@@ -694,7 +698,7 @@
               </a14:hiddenLine>
             </a:ext>
             <a:ext uri="{AF507438-7753-43e0-B8FC-AC1667EBCBE1}">
-              <a14:hiddenEffects xmlns:a14="http://schemas.microsoft.com/office/drawing/2010/main" xmlns="">
+              <a14:hiddenEffects xmlns="" xmlns:a14="http://schemas.microsoft.com/office/drawing/2010/main">
                 <a:effectLst>
                   <a:outerShdw dist="35921" dir="2700000" algn="ctr" rotWithShape="0">
                     <a:schemeClr val="bg2"/>
@@ -752,14 +756,14 @@
           <a:effectLst/>
           <a:extLst>
             <a:ext uri="{909E8E84-426E-40dd-AFC4-6F175D3DCCD1}">
-              <a14:hiddenFill xmlns:a14="http://schemas.microsoft.com/office/drawing/2010/main" xmlns="">
+              <a14:hiddenFill xmlns="" xmlns:a14="http://schemas.microsoft.com/office/drawing/2010/main">
                 <a:solidFill>
                   <a:srgbClr val="FFFFFF"/>
                 </a:solidFill>
               </a14:hiddenFill>
             </a:ext>
             <a:ext uri="{AF507438-7753-43e0-B8FC-AC1667EBCBE1}">
-              <a14:hiddenEffects xmlns:a14="http://schemas.microsoft.com/office/drawing/2010/main" xmlns="">
+              <a14:hiddenEffects xmlns="" xmlns:a14="http://schemas.microsoft.com/office/drawing/2010/main">
                 <a:effectLst>
                   <a:outerShdw dist="35921" dir="2700000" algn="ctr" rotWithShape="0">
                     <a:srgbClr val="808080"/>
@@ -768,7 +772,7 @@
               </a14:hiddenEffects>
             </a:ext>
             <a:ext uri="{53640926-AAD7-44d8-BBD7-CCE9431645EC}">
-              <a14:shadowObscured xmlns:a14="http://schemas.microsoft.com/office/drawing/2010/main" xmlns="" val="1"/>
+              <a14:shadowObscured xmlns="" xmlns:a14="http://schemas.microsoft.com/office/drawing/2010/main" val="1"/>
             </a:ext>
           </a:extLst>
         </p:spPr>
@@ -798,14 +802,14 @@
           <a:effectLst/>
           <a:extLst>
             <a:ext uri="{909E8E84-426E-40dd-AFC4-6F175D3DCCD1}">
-              <a14:hiddenFill xmlns:a14="http://schemas.microsoft.com/office/drawing/2010/main" xmlns="">
+              <a14:hiddenFill xmlns="" xmlns:a14="http://schemas.microsoft.com/office/drawing/2010/main">
                 <a:solidFill>
                   <a:schemeClr val="accent1"/>
                 </a:solidFill>
               </a14:hiddenFill>
             </a:ext>
             <a:ext uri="{91240B29-F687-4f45-9708-019B960494DF}">
-              <a14:hiddenLine xmlns:a14="http://schemas.microsoft.com/office/drawing/2010/main" xmlns="" w="9525">
+              <a14:hiddenLine xmlns="" xmlns:a14="http://schemas.microsoft.com/office/drawing/2010/main" w="9525">
                 <a:solidFill>
                   <a:schemeClr val="tx1"/>
                 </a:solidFill>
@@ -815,7 +819,7 @@
               </a14:hiddenLine>
             </a:ext>
             <a:ext uri="{AF507438-7753-43e0-B8FC-AC1667EBCBE1}">
-              <a14:hiddenEffects xmlns:a14="http://schemas.microsoft.com/office/drawing/2010/main" xmlns="">
+              <a14:hiddenEffects xmlns="" xmlns:a14="http://schemas.microsoft.com/office/drawing/2010/main">
                 <a:effectLst>
                   <a:outerShdw dist="35921" dir="2700000" algn="ctr" rotWithShape="0">
                     <a:schemeClr val="bg2"/>
@@ -894,14 +898,14 @@
           <a:effectLst/>
           <a:extLst>
             <a:ext uri="{909E8E84-426E-40dd-AFC4-6F175D3DCCD1}">
-              <a14:hiddenFill xmlns:a14="http://schemas.microsoft.com/office/drawing/2010/main" xmlns="">
+              <a14:hiddenFill xmlns="" xmlns:a14="http://schemas.microsoft.com/office/drawing/2010/main">
                 <a:solidFill>
                   <a:schemeClr val="accent1"/>
                 </a:solidFill>
               </a14:hiddenFill>
             </a:ext>
             <a:ext uri="{91240B29-F687-4f45-9708-019B960494DF}">
-              <a14:hiddenLine xmlns:a14="http://schemas.microsoft.com/office/drawing/2010/main" xmlns="" w="9525">
+              <a14:hiddenLine xmlns="" xmlns:a14="http://schemas.microsoft.com/office/drawing/2010/main" w="9525">
                 <a:solidFill>
                   <a:schemeClr val="tx1"/>
                 </a:solidFill>
@@ -911,7 +915,7 @@
               </a14:hiddenLine>
             </a:ext>
             <a:ext uri="{AF507438-7753-43e0-B8FC-AC1667EBCBE1}">
-              <a14:hiddenEffects xmlns:a14="http://schemas.microsoft.com/office/drawing/2010/main" xmlns="">
+              <a14:hiddenEffects xmlns="" xmlns:a14="http://schemas.microsoft.com/office/drawing/2010/main">
                 <a:effectLst>
                   <a:outerShdw dist="35921" dir="2700000" algn="ctr" rotWithShape="0">
                     <a:schemeClr val="bg2"/>
@@ -964,14 +968,14 @@
           <a:effectLst/>
           <a:extLst>
             <a:ext uri="{909E8E84-426E-40dd-AFC4-6F175D3DCCD1}">
-              <a14:hiddenFill xmlns:a14="http://schemas.microsoft.com/office/drawing/2010/main" xmlns="">
+              <a14:hiddenFill xmlns="" xmlns:a14="http://schemas.microsoft.com/office/drawing/2010/main">
                 <a:solidFill>
                   <a:schemeClr val="accent1"/>
                 </a:solidFill>
               </a14:hiddenFill>
             </a:ext>
             <a:ext uri="{91240B29-F687-4f45-9708-019B960494DF}">
-              <a14:hiddenLine xmlns:a14="http://schemas.microsoft.com/office/drawing/2010/main" xmlns="" w="9525">
+              <a14:hiddenLine xmlns="" xmlns:a14="http://schemas.microsoft.com/office/drawing/2010/main" w="9525">
                 <a:solidFill>
                   <a:schemeClr val="tx1"/>
                 </a:solidFill>
@@ -981,7 +985,7 @@
               </a14:hiddenLine>
             </a:ext>
             <a:ext uri="{AF507438-7753-43e0-B8FC-AC1667EBCBE1}">
-              <a14:hiddenEffects xmlns:a14="http://schemas.microsoft.com/office/drawing/2010/main" xmlns="">
+              <a14:hiddenEffects xmlns="" xmlns:a14="http://schemas.microsoft.com/office/drawing/2010/main">
                 <a:effectLst>
                   <a:outerShdw dist="35921" dir="2700000" algn="ctr" rotWithShape="0">
                     <a:schemeClr val="bg2"/>
@@ -3475,31 +3479,12 @@
   <p:cSld>
     <p:bg>
       <p:bgPr shadeToTitle="1">
-        <a:gradFill rotWithShape="0">
-          <a:gsLst>
-            <a:gs pos="0">
-              <a:srgbClr val="DADEE5"/>
-            </a:gs>
-            <a:gs pos="52000">
-              <a:srgbClr val="DADEE5"/>
-            </a:gs>
-            <a:gs pos="100000">
-              <a:srgbClr val="EDEFF2"/>
-            </a:gs>
-            <a:gs pos="71000">
-              <a:schemeClr val="bg1"/>
-            </a:gs>
-            <a:gs pos="25000">
-              <a:schemeClr val="tx2">
-                <a:lumMod val="40000"/>
-                <a:lumOff val="60000"/>
-              </a:schemeClr>
-            </a:gs>
-          </a:gsLst>
-          <a:path path="shape">
-            <a:fillToRect l="50000" t="50000" r="50000" b="50000"/>
-          </a:path>
-        </a:gradFill>
+        <a:solidFill>
+          <a:schemeClr val="tx2">
+            <a:lumMod val="20000"/>
+            <a:lumOff val="80000"/>
+          </a:schemeClr>
+        </a:solidFill>
         <a:effectLst/>
       </p:bgPr>
     </p:bg>
@@ -3517,6 +3502,689 @@
           <a:chExt cx="0" cy="0"/>
         </a:xfrm>
       </p:grpSpPr>
+      <p:sp>
+        <p:nvSpPr>
+          <p:cNvPr id="82" name="Text Box 263">
+            <a:extLst>
+              <a:ext uri="{FF2B5EF4-FFF2-40B4-BE49-F238E27FC236}">
+                <a16:creationId xmlns:a16="http://schemas.microsoft.com/office/drawing/2014/main" id="{90F87DD5-6D3C-41E1-B458-BCC75CE85A1E}"/>
+              </a:ext>
+            </a:extLst>
+          </p:cNvPr>
+          <p:cNvSpPr txBox="1">
+            <a:spLocks noChangeArrowheads="1"/>
+          </p:cNvSpPr>
+          <p:nvPr/>
+        </p:nvSpPr>
+        <p:spPr bwMode="auto">
+          <a:xfrm>
+            <a:off x="16067617" y="25967759"/>
+            <a:ext cx="27143163" cy="6341041"/>
+          </a:xfrm>
+          <a:prstGeom prst="rect">
+            <a:avLst/>
+          </a:prstGeom>
+          <a:solidFill>
+            <a:schemeClr val="accent3">
+              <a:lumMod val="60000"/>
+              <a:lumOff val="40000"/>
+            </a:schemeClr>
+          </a:solidFill>
+          <a:ln w="57150" cmpd="thinThick">
+            <a:noFill/>
+            <a:miter lim="800000"/>
+            <a:headEnd/>
+            <a:tailEnd/>
+          </a:ln>
+          <a:effectLst/>
+          <a:extLst/>
+        </p:spPr>
+        <p:txBody>
+          <a:bodyPr wrap="square" lIns="182880" tIns="91440" rIns="182880" bIns="182880">
+            <a:noAutofit/>
+          </a:bodyPr>
+          <a:lstStyle>
+            <a:lvl1pPr>
+              <a:defRPr sz="2400">
+                <a:solidFill>
+                  <a:schemeClr val="tx1"/>
+                </a:solidFill>
+                <a:latin typeface="Times New Roman" pitchFamily="18" charset="0"/>
+              </a:defRPr>
+            </a:lvl1pPr>
+            <a:lvl2pPr marL="685800" indent="-228600">
+              <a:defRPr sz="2400">
+                <a:solidFill>
+                  <a:schemeClr val="tx1"/>
+                </a:solidFill>
+                <a:latin typeface="Times New Roman" pitchFamily="18" charset="0"/>
+              </a:defRPr>
+            </a:lvl2pPr>
+            <a:lvl3pPr marL="1143000" indent="-228600">
+              <a:defRPr sz="2400">
+                <a:solidFill>
+                  <a:schemeClr val="tx1"/>
+                </a:solidFill>
+                <a:latin typeface="Times New Roman" pitchFamily="18" charset="0"/>
+              </a:defRPr>
+            </a:lvl3pPr>
+            <a:lvl4pPr marL="1600200" indent="-228600">
+              <a:defRPr sz="2400">
+                <a:solidFill>
+                  <a:schemeClr val="tx1"/>
+                </a:solidFill>
+                <a:latin typeface="Times New Roman" pitchFamily="18" charset="0"/>
+              </a:defRPr>
+            </a:lvl4pPr>
+            <a:lvl5pPr marL="2057400" indent="-228600">
+              <a:defRPr sz="2400">
+                <a:solidFill>
+                  <a:schemeClr val="tx1"/>
+                </a:solidFill>
+                <a:latin typeface="Times New Roman" pitchFamily="18" charset="0"/>
+              </a:defRPr>
+            </a:lvl5pPr>
+            <a:lvl6pPr marL="2514600" indent="-228600" eaLnBrk="0" fontAlgn="base" hangingPunct="0">
+              <a:spcBef>
+                <a:spcPct val="0"/>
+              </a:spcBef>
+              <a:spcAft>
+                <a:spcPct val="0"/>
+              </a:spcAft>
+              <a:defRPr sz="2400">
+                <a:solidFill>
+                  <a:schemeClr val="tx1"/>
+                </a:solidFill>
+                <a:latin typeface="Times New Roman" pitchFamily="18" charset="0"/>
+              </a:defRPr>
+            </a:lvl6pPr>
+            <a:lvl7pPr marL="2971800" indent="-228600" eaLnBrk="0" fontAlgn="base" hangingPunct="0">
+              <a:spcBef>
+                <a:spcPct val="0"/>
+              </a:spcBef>
+              <a:spcAft>
+                <a:spcPct val="0"/>
+              </a:spcAft>
+              <a:defRPr sz="2400">
+                <a:solidFill>
+                  <a:schemeClr val="tx1"/>
+                </a:solidFill>
+                <a:latin typeface="Times New Roman" pitchFamily="18" charset="0"/>
+              </a:defRPr>
+            </a:lvl7pPr>
+            <a:lvl8pPr marL="3429000" indent="-228600" eaLnBrk="0" fontAlgn="base" hangingPunct="0">
+              <a:spcBef>
+                <a:spcPct val="0"/>
+              </a:spcBef>
+              <a:spcAft>
+                <a:spcPct val="0"/>
+              </a:spcAft>
+              <a:defRPr sz="2400">
+                <a:solidFill>
+                  <a:schemeClr val="tx1"/>
+                </a:solidFill>
+                <a:latin typeface="Times New Roman" pitchFamily="18" charset="0"/>
+              </a:defRPr>
+            </a:lvl8pPr>
+            <a:lvl9pPr marL="3886200" indent="-228600" eaLnBrk="0" fontAlgn="base" hangingPunct="0">
+              <a:spcBef>
+                <a:spcPct val="0"/>
+              </a:spcBef>
+              <a:spcAft>
+                <a:spcPct val="0"/>
+              </a:spcAft>
+              <a:defRPr sz="2400">
+                <a:solidFill>
+                  <a:schemeClr val="tx1"/>
+                </a:solidFill>
+                <a:latin typeface="Times New Roman" pitchFamily="18" charset="0"/>
+              </a:defRPr>
+            </a:lvl9pPr>
+          </a:lstStyle>
+          <a:p>
+            <a:r>
+              <a:rPr lang="en-US" sz="2800" dirty="0">
+                <a:hlinkClick r:id="rId3"/>
+              </a:rPr>
+              <a:t>Preview attachment Screen Shot 2017-08-18 at 3.44.53 PM.png</a:t>
+            </a:r>
+          </a:p>
+          <a:p>
+            <a:r>
+              <a:rPr lang="en-US" sz="2800" dirty="0">
+                <a:hlinkClick r:id="rId3"/>
+              </a:rPr>
+              <a:t>Screen Shot 2017-08-18 at 3.44.53 PM.png</a:t>
+            </a:r>
+          </a:p>
+          <a:p>
+            <a:r>
+              <a:rPr lang="en-US" sz="2800" dirty="0">
+                <a:hlinkClick r:id="rId3"/>
+              </a:rPr>
+              <a:t>6.9 KB</a:t>
+            </a:r>
+          </a:p>
+          <a:p>
+            <a:r>
+              <a:rPr lang="en-US" sz="2800" dirty="0">
+                <a:hlinkClick r:id="rId4"/>
+              </a:rPr>
+              <a:t>Preview attachment Screen Shot 2017-08-18 at 3.46.01 PM.png</a:t>
+            </a:r>
+          </a:p>
+          <a:p>
+            <a:r>
+              <a:rPr lang="en-US" sz="2800" dirty="0">
+                <a:hlinkClick r:id="rId4"/>
+              </a:rPr>
+              <a:t>Screen Shot 2017-08-18 at 3.46.01 PM.png</a:t>
+            </a:r>
+          </a:p>
+          <a:p>
+            <a:r>
+              <a:rPr lang="en-US" sz="2800" dirty="0">
+                <a:hlinkClick r:id="rId4"/>
+              </a:rPr>
+              <a:t>11 KB</a:t>
+            </a:r>
+          </a:p>
+          <a:p>
+            <a:pPr>
+              <a:lnSpc>
+                <a:spcPct val="125000"/>
+              </a:lnSpc>
+            </a:pPr>
+            <a:endParaRPr lang="en-AU" sz="2800" dirty="0">
+              <a:effectLst/>
+            </a:endParaRPr>
+          </a:p>
+        </p:txBody>
+      </p:sp>
+      <p:sp>
+        <p:nvSpPr>
+          <p:cNvPr id="63" name="Isosceles Triangle 62">
+            <a:extLst>
+              <a:ext uri="{FF2B5EF4-FFF2-40B4-BE49-F238E27FC236}">
+                <a16:creationId xmlns:a16="http://schemas.microsoft.com/office/drawing/2014/main" id="{3F9C176A-6E97-4DAC-88C4-191DB65B1BBD}"/>
+              </a:ext>
+            </a:extLst>
+          </p:cNvPr>
+          <p:cNvSpPr/>
+          <p:nvPr/>
+        </p:nvSpPr>
+        <p:spPr bwMode="auto">
+          <a:xfrm>
+            <a:off x="9112769" y="5419121"/>
+            <a:ext cx="6954848" cy="16389039"/>
+          </a:xfrm>
+          <a:prstGeom prst="triangle">
+            <a:avLst>
+              <a:gd name="adj" fmla="val 100000"/>
+            </a:avLst>
+          </a:prstGeom>
+          <a:solidFill>
+            <a:schemeClr val="accent3">
+              <a:lumMod val="20000"/>
+              <a:lumOff val="80000"/>
+            </a:schemeClr>
+          </a:solidFill>
+          <a:ln w="9525" cap="flat" cmpd="sng" algn="ctr">
+            <a:noFill/>
+            <a:prstDash val="solid"/>
+            <a:round/>
+            <a:headEnd type="none" w="med" len="med"/>
+            <a:tailEnd type="none" w="med" len="med"/>
+          </a:ln>
+          <a:effectLst/>
+          <a:extLst>
+            <a:ext uri="{AF507438-7753-43e0-B8FC-AC1667EBCBE1}">
+              <a14:hiddenEffects xmlns="" xmlns:a14="http://schemas.microsoft.com/office/drawing/2010/main">
+                <a:effectLst>
+                  <a:outerShdw dist="35921" dir="2700000" algn="ctr" rotWithShape="0">
+                    <a:schemeClr val="bg2"/>
+                  </a:outerShdw>
+                </a:effectLst>
+              </a14:hiddenEffects>
+            </a:ext>
+          </a:extLst>
+        </p:spPr>
+        <p:txBody>
+          <a:bodyPr vert="horz" wrap="square" lIns="91440" tIns="45720" rIns="91440" bIns="45720" numCol="1" rtlCol="0" anchor="t" anchorCtr="0" compatLnSpc="1">
+            <a:prstTxWarp prst="textNoShape">
+              <a:avLst/>
+            </a:prstTxWarp>
+          </a:bodyPr>
+          <a:lstStyle/>
+          <a:p>
+            <a:pPr marL="0" marR="0" indent="0" algn="l" defTabSz="914400" rtl="0" eaLnBrk="0" fontAlgn="base" latinLnBrk="0" hangingPunct="0">
+              <a:lnSpc>
+                <a:spcPct val="100000"/>
+              </a:lnSpc>
+              <a:spcBef>
+                <a:spcPct val="0"/>
+              </a:spcBef>
+              <a:spcAft>
+                <a:spcPct val="0"/>
+              </a:spcAft>
+              <a:buClrTx/>
+              <a:buSzTx/>
+              <a:buFontTx/>
+              <a:buNone/>
+              <a:tabLst/>
+            </a:pPr>
+            <a:endParaRPr kumimoji="0" lang="en-US" sz="2400" b="0" i="0" u="none" strike="noStrike" cap="none" normalizeH="0" baseline="0">
+              <a:ln>
+                <a:noFill/>
+              </a:ln>
+              <a:solidFill>
+                <a:schemeClr val="tx1"/>
+              </a:solidFill>
+              <a:effectLst>
+                <a:outerShdw blurRad="38100" dist="38100" dir="2700000" algn="tl">
+                  <a:srgbClr val="000000">
+                    <a:alpha val="43137"/>
+                  </a:srgbClr>
+                </a:outerShdw>
+              </a:effectLst>
+              <a:latin typeface="Times New Roman" pitchFamily="18" charset="0"/>
+            </a:endParaRPr>
+          </a:p>
+        </p:txBody>
+      </p:sp>
+      <p:sp>
+        <p:nvSpPr>
+          <p:cNvPr id="65" name="Isosceles Triangle 64">
+            <a:extLst>
+              <a:ext uri="{FF2B5EF4-FFF2-40B4-BE49-F238E27FC236}">
+                <a16:creationId xmlns:a16="http://schemas.microsoft.com/office/drawing/2014/main" id="{2F961EF3-413C-4E75-B740-62DC15A766C8}"/>
+              </a:ext>
+            </a:extLst>
+          </p:cNvPr>
+          <p:cNvSpPr/>
+          <p:nvPr/>
+        </p:nvSpPr>
+        <p:spPr bwMode="auto">
+          <a:xfrm rot="10800000">
+            <a:off x="9142231" y="21869528"/>
+            <a:ext cx="6925386" cy="10439272"/>
+          </a:xfrm>
+          <a:prstGeom prst="triangle">
+            <a:avLst>
+              <a:gd name="adj" fmla="val 0"/>
+            </a:avLst>
+          </a:prstGeom>
+          <a:solidFill>
+            <a:schemeClr val="accent3">
+              <a:lumMod val="60000"/>
+              <a:lumOff val="40000"/>
+            </a:schemeClr>
+          </a:solidFill>
+          <a:ln w="9525" cap="flat" cmpd="sng" algn="ctr">
+            <a:noFill/>
+            <a:prstDash val="solid"/>
+            <a:round/>
+            <a:headEnd type="none" w="med" len="med"/>
+            <a:tailEnd type="none" w="med" len="med"/>
+          </a:ln>
+          <a:effectLst/>
+          <a:extLst>
+            <a:ext uri="{AF507438-7753-43e0-B8FC-AC1667EBCBE1}">
+              <a14:hiddenEffects xmlns="" xmlns:a14="http://schemas.microsoft.com/office/drawing/2010/main">
+                <a:effectLst>
+                  <a:outerShdw dist="35921" dir="2700000" algn="ctr" rotWithShape="0">
+                    <a:schemeClr val="bg2"/>
+                  </a:outerShdw>
+                </a:effectLst>
+              </a14:hiddenEffects>
+            </a:ext>
+          </a:extLst>
+        </p:spPr>
+        <p:txBody>
+          <a:bodyPr vert="horz" wrap="square" lIns="91440" tIns="45720" rIns="91440" bIns="45720" numCol="1" rtlCol="0" anchor="t" anchorCtr="0" compatLnSpc="1">
+            <a:prstTxWarp prst="textNoShape">
+              <a:avLst/>
+            </a:prstTxWarp>
+          </a:bodyPr>
+          <a:lstStyle/>
+          <a:p>
+            <a:pPr marL="0" marR="0" indent="0" algn="l" defTabSz="914400" rtl="0" eaLnBrk="0" fontAlgn="base" latinLnBrk="0" hangingPunct="0">
+              <a:lnSpc>
+                <a:spcPct val="100000"/>
+              </a:lnSpc>
+              <a:spcBef>
+                <a:spcPct val="0"/>
+              </a:spcBef>
+              <a:spcAft>
+                <a:spcPct val="0"/>
+              </a:spcAft>
+              <a:buClrTx/>
+              <a:buSzTx/>
+              <a:buFontTx/>
+              <a:buNone/>
+              <a:tabLst/>
+            </a:pPr>
+            <a:endParaRPr kumimoji="0" lang="en-US" sz="2400" b="0" i="0" u="none" strike="noStrike" cap="none" normalizeH="0" baseline="0">
+              <a:ln>
+                <a:noFill/>
+              </a:ln>
+              <a:solidFill>
+                <a:schemeClr val="tx1"/>
+              </a:solidFill>
+              <a:effectLst>
+                <a:outerShdw blurRad="38100" dist="38100" dir="2700000" algn="tl">
+                  <a:srgbClr val="000000">
+                    <a:alpha val="43137"/>
+                  </a:srgbClr>
+                </a:outerShdw>
+              </a:effectLst>
+              <a:latin typeface="Times New Roman" pitchFamily="18" charset="0"/>
+            </a:endParaRPr>
+          </a:p>
+        </p:txBody>
+      </p:sp>
+      <p:sp>
+        <p:nvSpPr>
+          <p:cNvPr id="79" name="Text Box 263">
+            <a:extLst>
+              <a:ext uri="{FF2B5EF4-FFF2-40B4-BE49-F238E27FC236}">
+                <a16:creationId xmlns:a16="http://schemas.microsoft.com/office/drawing/2014/main" id="{DEEF7061-7B22-4636-B9EF-91C755EEA5D3}"/>
+              </a:ext>
+            </a:extLst>
+          </p:cNvPr>
+          <p:cNvSpPr txBox="1">
+            <a:spLocks noChangeArrowheads="1"/>
+          </p:cNvSpPr>
+          <p:nvPr/>
+        </p:nvSpPr>
+        <p:spPr bwMode="auto">
+          <a:xfrm>
+            <a:off x="16034112" y="6094692"/>
+            <a:ext cx="27028568" cy="6986412"/>
+          </a:xfrm>
+          <a:prstGeom prst="rect">
+            <a:avLst/>
+          </a:prstGeom>
+          <a:solidFill>
+            <a:schemeClr val="accent3">
+              <a:lumMod val="20000"/>
+              <a:lumOff val="80000"/>
+            </a:schemeClr>
+          </a:solidFill>
+          <a:ln w="57150" cmpd="thinThick">
+            <a:noFill/>
+            <a:miter lim="800000"/>
+            <a:headEnd/>
+            <a:tailEnd/>
+          </a:ln>
+          <a:effectLst/>
+          <a:extLst/>
+        </p:spPr>
+        <p:txBody>
+          <a:bodyPr wrap="square" lIns="182880" tIns="91440" rIns="182880" bIns="182880">
+            <a:noAutofit/>
+          </a:bodyPr>
+          <a:lstStyle>
+            <a:lvl1pPr>
+              <a:defRPr sz="2400">
+                <a:solidFill>
+                  <a:schemeClr val="tx1"/>
+                </a:solidFill>
+                <a:latin typeface="Times New Roman" pitchFamily="18" charset="0"/>
+              </a:defRPr>
+            </a:lvl1pPr>
+            <a:lvl2pPr marL="685800" indent="-228600">
+              <a:defRPr sz="2400">
+                <a:solidFill>
+                  <a:schemeClr val="tx1"/>
+                </a:solidFill>
+                <a:latin typeface="Times New Roman" pitchFamily="18" charset="0"/>
+              </a:defRPr>
+            </a:lvl2pPr>
+            <a:lvl3pPr marL="1143000" indent="-228600">
+              <a:defRPr sz="2400">
+                <a:solidFill>
+                  <a:schemeClr val="tx1"/>
+                </a:solidFill>
+                <a:latin typeface="Times New Roman" pitchFamily="18" charset="0"/>
+              </a:defRPr>
+            </a:lvl3pPr>
+            <a:lvl4pPr marL="1600200" indent="-228600">
+              <a:defRPr sz="2400">
+                <a:solidFill>
+                  <a:schemeClr val="tx1"/>
+                </a:solidFill>
+                <a:latin typeface="Times New Roman" pitchFamily="18" charset="0"/>
+              </a:defRPr>
+            </a:lvl4pPr>
+            <a:lvl5pPr marL="2057400" indent="-228600">
+              <a:defRPr sz="2400">
+                <a:solidFill>
+                  <a:schemeClr val="tx1"/>
+                </a:solidFill>
+                <a:latin typeface="Times New Roman" pitchFamily="18" charset="0"/>
+              </a:defRPr>
+            </a:lvl5pPr>
+            <a:lvl6pPr marL="2514600" indent="-228600" eaLnBrk="0" fontAlgn="base" hangingPunct="0">
+              <a:spcBef>
+                <a:spcPct val="0"/>
+              </a:spcBef>
+              <a:spcAft>
+                <a:spcPct val="0"/>
+              </a:spcAft>
+              <a:defRPr sz="2400">
+                <a:solidFill>
+                  <a:schemeClr val="tx1"/>
+                </a:solidFill>
+                <a:latin typeface="Times New Roman" pitchFamily="18" charset="0"/>
+              </a:defRPr>
+            </a:lvl6pPr>
+            <a:lvl7pPr marL="2971800" indent="-228600" eaLnBrk="0" fontAlgn="base" hangingPunct="0">
+              <a:spcBef>
+                <a:spcPct val="0"/>
+              </a:spcBef>
+              <a:spcAft>
+                <a:spcPct val="0"/>
+              </a:spcAft>
+              <a:defRPr sz="2400">
+                <a:solidFill>
+                  <a:schemeClr val="tx1"/>
+                </a:solidFill>
+                <a:latin typeface="Times New Roman" pitchFamily="18" charset="0"/>
+              </a:defRPr>
+            </a:lvl7pPr>
+            <a:lvl8pPr marL="3429000" indent="-228600" eaLnBrk="0" fontAlgn="base" hangingPunct="0">
+              <a:spcBef>
+                <a:spcPct val="0"/>
+              </a:spcBef>
+              <a:spcAft>
+                <a:spcPct val="0"/>
+              </a:spcAft>
+              <a:defRPr sz="2400">
+                <a:solidFill>
+                  <a:schemeClr val="tx1"/>
+                </a:solidFill>
+                <a:latin typeface="Times New Roman" pitchFamily="18" charset="0"/>
+              </a:defRPr>
+            </a:lvl8pPr>
+            <a:lvl9pPr marL="3886200" indent="-228600" eaLnBrk="0" fontAlgn="base" hangingPunct="0">
+              <a:spcBef>
+                <a:spcPct val="0"/>
+              </a:spcBef>
+              <a:spcAft>
+                <a:spcPct val="0"/>
+              </a:spcAft>
+              <a:defRPr sz="2400">
+                <a:solidFill>
+                  <a:schemeClr val="tx1"/>
+                </a:solidFill>
+                <a:latin typeface="Times New Roman" pitchFamily="18" charset="0"/>
+              </a:defRPr>
+            </a:lvl9pPr>
+          </a:lstStyle>
+          <a:p>
+            <a:pPr>
+              <a:lnSpc>
+                <a:spcPct val="125000"/>
+              </a:lnSpc>
+            </a:pPr>
+            <a:endParaRPr lang="en-AU" sz="2800" dirty="0">
+              <a:effectLst/>
+            </a:endParaRPr>
+          </a:p>
+        </p:txBody>
+      </p:sp>
+      <p:sp>
+        <p:nvSpPr>
+          <p:cNvPr id="78" name="Text Box 263">
+            <a:extLst>
+              <a:ext uri="{FF2B5EF4-FFF2-40B4-BE49-F238E27FC236}">
+                <a16:creationId xmlns:a16="http://schemas.microsoft.com/office/drawing/2014/main" id="{F8CB70EF-F166-4A7D-B609-3B331F37F8E1}"/>
+              </a:ext>
+            </a:extLst>
+          </p:cNvPr>
+          <p:cNvSpPr txBox="1">
+            <a:spLocks noChangeArrowheads="1"/>
+          </p:cNvSpPr>
+          <p:nvPr/>
+        </p:nvSpPr>
+        <p:spPr bwMode="auto">
+          <a:xfrm>
+            <a:off x="15977609" y="13864628"/>
+            <a:ext cx="27148037" cy="11334262"/>
+          </a:xfrm>
+          <a:prstGeom prst="rect">
+            <a:avLst/>
+          </a:prstGeom>
+          <a:solidFill>
+            <a:schemeClr val="accent3">
+              <a:lumMod val="40000"/>
+              <a:lumOff val="60000"/>
+            </a:schemeClr>
+          </a:solidFill>
+          <a:ln w="57150" cmpd="thinThick">
+            <a:noFill/>
+            <a:miter lim="800000"/>
+            <a:headEnd/>
+            <a:tailEnd/>
+          </a:ln>
+          <a:effectLst/>
+          <a:extLst/>
+        </p:spPr>
+        <p:txBody>
+          <a:bodyPr wrap="square" lIns="182880" tIns="91440" rIns="182880" bIns="182880">
+            <a:noAutofit/>
+          </a:bodyPr>
+          <a:lstStyle>
+            <a:lvl1pPr>
+              <a:defRPr sz="2400">
+                <a:solidFill>
+                  <a:schemeClr val="tx1"/>
+                </a:solidFill>
+                <a:latin typeface="Times New Roman" pitchFamily="18" charset="0"/>
+              </a:defRPr>
+            </a:lvl1pPr>
+            <a:lvl2pPr marL="685800" indent="-228600">
+              <a:defRPr sz="2400">
+                <a:solidFill>
+                  <a:schemeClr val="tx1"/>
+                </a:solidFill>
+                <a:latin typeface="Times New Roman" pitchFamily="18" charset="0"/>
+              </a:defRPr>
+            </a:lvl2pPr>
+            <a:lvl3pPr marL="1143000" indent="-228600">
+              <a:defRPr sz="2400">
+                <a:solidFill>
+                  <a:schemeClr val="tx1"/>
+                </a:solidFill>
+                <a:latin typeface="Times New Roman" pitchFamily="18" charset="0"/>
+              </a:defRPr>
+            </a:lvl3pPr>
+            <a:lvl4pPr marL="1600200" indent="-228600">
+              <a:defRPr sz="2400">
+                <a:solidFill>
+                  <a:schemeClr val="tx1"/>
+                </a:solidFill>
+                <a:latin typeface="Times New Roman" pitchFamily="18" charset="0"/>
+              </a:defRPr>
+            </a:lvl4pPr>
+            <a:lvl5pPr marL="2057400" indent="-228600">
+              <a:defRPr sz="2400">
+                <a:solidFill>
+                  <a:schemeClr val="tx1"/>
+                </a:solidFill>
+                <a:latin typeface="Times New Roman" pitchFamily="18" charset="0"/>
+              </a:defRPr>
+            </a:lvl5pPr>
+            <a:lvl6pPr marL="2514600" indent="-228600" eaLnBrk="0" fontAlgn="base" hangingPunct="0">
+              <a:spcBef>
+                <a:spcPct val="0"/>
+              </a:spcBef>
+              <a:spcAft>
+                <a:spcPct val="0"/>
+              </a:spcAft>
+              <a:defRPr sz="2400">
+                <a:solidFill>
+                  <a:schemeClr val="tx1"/>
+                </a:solidFill>
+                <a:latin typeface="Times New Roman" pitchFamily="18" charset="0"/>
+              </a:defRPr>
+            </a:lvl6pPr>
+            <a:lvl7pPr marL="2971800" indent="-228600" eaLnBrk="0" fontAlgn="base" hangingPunct="0">
+              <a:spcBef>
+                <a:spcPct val="0"/>
+              </a:spcBef>
+              <a:spcAft>
+                <a:spcPct val="0"/>
+              </a:spcAft>
+              <a:defRPr sz="2400">
+                <a:solidFill>
+                  <a:schemeClr val="tx1"/>
+                </a:solidFill>
+                <a:latin typeface="Times New Roman" pitchFamily="18" charset="0"/>
+              </a:defRPr>
+            </a:lvl7pPr>
+            <a:lvl8pPr marL="3429000" indent="-228600" eaLnBrk="0" fontAlgn="base" hangingPunct="0">
+              <a:spcBef>
+                <a:spcPct val="0"/>
+              </a:spcBef>
+              <a:spcAft>
+                <a:spcPct val="0"/>
+              </a:spcAft>
+              <a:defRPr sz="2400">
+                <a:solidFill>
+                  <a:schemeClr val="tx1"/>
+                </a:solidFill>
+                <a:latin typeface="Times New Roman" pitchFamily="18" charset="0"/>
+              </a:defRPr>
+            </a:lvl8pPr>
+            <a:lvl9pPr marL="3886200" indent="-228600" eaLnBrk="0" fontAlgn="base" hangingPunct="0">
+              <a:spcBef>
+                <a:spcPct val="0"/>
+              </a:spcBef>
+              <a:spcAft>
+                <a:spcPct val="0"/>
+              </a:spcAft>
+              <a:defRPr sz="2400">
+                <a:solidFill>
+                  <a:schemeClr val="tx1"/>
+                </a:solidFill>
+                <a:latin typeface="Times New Roman" pitchFamily="18" charset="0"/>
+              </a:defRPr>
+            </a:lvl9pPr>
+          </a:lstStyle>
+          <a:p>
+            <a:pPr>
+              <a:lnSpc>
+                <a:spcPct val="125000"/>
+              </a:lnSpc>
+            </a:pPr>
+            <a:endParaRPr lang="en-AU" sz="2800" dirty="0">
+              <a:effectLst/>
+            </a:endParaRPr>
+          </a:p>
+        </p:txBody>
+      </p:sp>
       <p:grpSp>
         <p:nvGrpSpPr>
           <p:cNvPr id="2" name="Group 1"/>
@@ -3836,14 +4504,14 @@
           <a:effectLst/>
           <a:extLst>
             <a:ext uri="{909E8E84-426E-40dd-AFC4-6F175D3DCCD1}">
-              <a14:hiddenFill xmlns:a14="http://schemas.microsoft.com/office/drawing/2010/main" xmlns="">
+              <a14:hiddenFill xmlns="" xmlns:a14="http://schemas.microsoft.com/office/drawing/2010/main">
                 <a:solidFill>
                   <a:srgbClr val="000000"/>
                 </a:solidFill>
               </a14:hiddenFill>
             </a:ext>
             <a:ext uri="{91240B29-F687-4f45-9708-019B960494DF}">
-              <a14:hiddenLine xmlns:a14="http://schemas.microsoft.com/office/drawing/2010/main" xmlns="" w="9525">
+              <a14:hiddenLine xmlns="" xmlns:a14="http://schemas.microsoft.com/office/drawing/2010/main" w="9525">
                 <a:solidFill>
                   <a:schemeClr val="tx1"/>
                 </a:solidFill>
@@ -3853,7 +4521,7 @@
               </a14:hiddenLine>
             </a:ext>
             <a:ext uri="{AF507438-7753-43e0-B8FC-AC1667EBCBE1}">
-              <a14:hiddenEffects xmlns:a14="http://schemas.microsoft.com/office/drawing/2010/main" xmlns="">
+              <a14:hiddenEffects xmlns="" xmlns:a14="http://schemas.microsoft.com/office/drawing/2010/main">
                 <a:effectLst>
                   <a:outerShdw dist="35921" dir="2700000" algn="ctr" rotWithShape="0">
                     <a:srgbClr val="FFBF0B"/>
@@ -4024,27 +4692,17 @@
         </p:nvSpPr>
         <p:spPr bwMode="auto">
           <a:xfrm>
-            <a:off x="1214754" y="5477442"/>
-            <a:ext cx="14508304" cy="769441"/>
+            <a:off x="1218766" y="5477442"/>
+            <a:ext cx="14545752" cy="769441"/>
           </a:xfrm>
           <a:prstGeom prst="rect">
             <a:avLst/>
           </a:prstGeom>
-          <a:gradFill>
-            <a:gsLst>
-              <a:gs pos="56000">
-                <a:schemeClr val="accent2">
-                  <a:lumMod val="50000"/>
-                </a:schemeClr>
-              </a:gs>
-              <a:gs pos="100000">
-                <a:schemeClr val="bg1">
-                  <a:alpha val="0"/>
-                </a:schemeClr>
-              </a:gs>
-            </a:gsLst>
-            <a:lin ang="0" scaled="1"/>
-          </a:gradFill>
+          <a:solidFill>
+            <a:schemeClr val="accent2">
+              <a:lumMod val="50000"/>
+            </a:schemeClr>
+          </a:solidFill>
           <a:ln w="19050">
             <a:noFill/>
             <a:miter lim="800000"/>
@@ -4190,27 +4848,17 @@
         </p:nvSpPr>
         <p:spPr bwMode="auto">
           <a:xfrm>
-            <a:off x="1214754" y="15820808"/>
-            <a:ext cx="7816541" cy="1446550"/>
+            <a:off x="1218766" y="15988048"/>
+            <a:ext cx="7894002" cy="769441"/>
           </a:xfrm>
           <a:prstGeom prst="rect">
             <a:avLst/>
           </a:prstGeom>
-          <a:gradFill>
-            <a:gsLst>
-              <a:gs pos="56000">
-                <a:schemeClr val="accent2">
-                  <a:lumMod val="50000"/>
-                </a:schemeClr>
-              </a:gs>
-              <a:gs pos="100000">
-                <a:schemeClr val="bg1">
-                  <a:alpha val="0"/>
-                </a:schemeClr>
-              </a:gs>
-            </a:gsLst>
-            <a:lin ang="0" scaled="1"/>
-          </a:gradFill>
+          <a:solidFill>
+            <a:schemeClr val="accent2">
+              <a:lumMod val="50000"/>
+            </a:schemeClr>
+          </a:solidFill>
           <a:ln w="19050">
             <a:noFill/>
             <a:miter lim="800000"/>
@@ -4332,7 +4980,7 @@
                 <a:ea typeface="SimSun" pitchFamily="2" charset="-122"/>
                 <a:cs typeface="Lucida Sans" pitchFamily="34" charset="0"/>
               </a:rPr>
-              <a:t>Depicting Features Information (MDS)</a:t>
+              <a:t>Depicting Features</a:t>
             </a:r>
             <a:endParaRPr lang="en-US" altLang="zh-CN" sz="3200" b="1" dirty="0">
               <a:solidFill>
@@ -4357,15 +5005,15 @@
         <p:spPr bwMode="auto">
           <a:xfrm>
             <a:off x="16030880" y="6246883"/>
-            <a:ext cx="10501571" cy="5650990"/>
+            <a:ext cx="12311440" cy="6740307"/>
           </a:xfrm>
           <a:prstGeom prst="rect">
             <a:avLst/>
           </a:prstGeom>
           <a:solidFill>
             <a:schemeClr val="accent3">
-              <a:lumMod val="40000"/>
-              <a:lumOff val="60000"/>
+              <a:lumMod val="20000"/>
+              <a:lumOff val="80000"/>
             </a:schemeClr>
           </a:solidFill>
           <a:ln w="57150" cmpd="thinThick">
@@ -4506,7 +5154,7 @@
                 <a:spcPct val="125000"/>
               </a:lnSpc>
             </a:pPr>
-            <a:endParaRPr lang="en-US" altLang="zh-CN" sz="2800" b="1" dirty="0">
+            <a:endParaRPr lang="en-US" altLang="zh-CN" sz="2800" dirty="0">
               <a:effectLst/>
               <a:ea typeface="SimSun" pitchFamily="2" charset="-122"/>
             </a:endParaRPr>
@@ -4522,7 +5170,21 @@
                 <a:effectLst/>
                 <a:ea typeface="SimSun" pitchFamily="2" charset="-122"/>
               </a:rPr>
-              <a:t> Highest success was achieved when training data was weighted by number of speaking lines, and role determination was done iteratively.</a:t>
+              <a:t>The </a:t>
+            </a:r>
+            <a:r>
+              <a:rPr lang="en-US" altLang="zh-CN" sz="2800" b="1" dirty="0">
+                <a:effectLst/>
+                <a:ea typeface="SimSun" pitchFamily="2" charset="-122"/>
+              </a:rPr>
+              <a:t>iterative </a:t>
+            </a:r>
+            <a:r>
+              <a:rPr lang="en-US" altLang="zh-CN" sz="2800" dirty="0">
+                <a:effectLst/>
+                <a:ea typeface="SimSun" pitchFamily="2" charset="-122"/>
+              </a:rPr>
+              <a:t>Bayes classification was performed through first filtering out any character classified as “other” before re-classifying the remaining characters as antagonists, protagonists, or. Fools</a:t>
             </a:r>
           </a:p>
           <a:p>
@@ -4531,7 +5193,7 @@
                 <a:spcPct val="125000"/>
               </a:lnSpc>
             </a:pPr>
-            <a:endParaRPr lang="en-US" altLang="zh-CN" sz="2800" dirty="0">
+            <a:endParaRPr lang="en-US" altLang="zh-CN" sz="2800" b="1" dirty="0">
               <a:effectLst/>
               <a:ea typeface="SimSun" pitchFamily="2" charset="-122"/>
             </a:endParaRPr>
@@ -4547,21 +5209,21 @@
                 <a:effectLst/>
                 <a:ea typeface="SimSun" pitchFamily="2" charset="-122"/>
               </a:rPr>
-              <a:t>The </a:t>
-            </a:r>
-            <a:r>
-              <a:rPr lang="en-US" altLang="zh-CN" sz="2800" b="1" dirty="0">
-                <a:effectLst/>
-                <a:ea typeface="SimSun" pitchFamily="2" charset="-122"/>
-              </a:rPr>
-              <a:t>iterative </a:t>
-            </a:r>
+              <a:t> Highest success was achieved when training data was weighted by number of speaking lines, and role determination was done iteratively. The classification results for gender are comparable to previous results based on text analysis, and </a:t>
+            </a:r>
+          </a:p>
+          <a:p>
+            <a:pPr>
+              <a:lnSpc>
+                <a:spcPct val="125000"/>
+              </a:lnSpc>
+            </a:pPr>
             <a:r>
               <a:rPr lang="en-US" altLang="zh-CN" sz="2800" dirty="0">
                 <a:effectLst/>
                 <a:ea typeface="SimSun" pitchFamily="2" charset="-122"/>
               </a:rPr>
-              <a:t>Bayes classification was performed through first filtering out any character classified as “other” before re-classifying the remaining characters as antagonists, protagonists, or fools.</a:t>
+              <a:t>the role classification was particularly successful at filtering out “other” characters and identifying protagonists.</a:t>
             </a:r>
           </a:p>
         </p:txBody>
@@ -4742,7 +5404,7 @@
         </p:nvSpPr>
         <p:spPr bwMode="auto">
           <a:xfrm>
-            <a:off x="16030880" y="12973803"/>
+            <a:off x="16036262" y="13095187"/>
             <a:ext cx="27174519" cy="769441"/>
           </a:xfrm>
           <a:prstGeom prst="rect">
@@ -4908,7 +5570,7 @@
         </p:nvSpPr>
         <p:spPr bwMode="auto">
           <a:xfrm>
-            <a:off x="16034959" y="20744533"/>
+            <a:off x="16020419" y="25194054"/>
             <a:ext cx="26669141" cy="774848"/>
           </a:xfrm>
           <a:prstGeom prst="rect">
@@ -5074,27 +5736,17 @@
         </p:nvSpPr>
         <p:spPr bwMode="auto">
           <a:xfrm>
-            <a:off x="1195575" y="10509497"/>
-            <a:ext cx="14267056" cy="769441"/>
+            <a:off x="1231092" y="10507605"/>
+            <a:ext cx="14568103" cy="769441"/>
           </a:xfrm>
           <a:prstGeom prst="rect">
             <a:avLst/>
           </a:prstGeom>
-          <a:gradFill>
-            <a:gsLst>
-              <a:gs pos="56000">
-                <a:schemeClr val="accent2">
-                  <a:lumMod val="50000"/>
-                </a:schemeClr>
-              </a:gs>
-              <a:gs pos="100000">
-                <a:schemeClr val="bg1">
-                  <a:alpha val="0"/>
-                </a:schemeClr>
-              </a:gs>
-            </a:gsLst>
-            <a:lin ang="0" scaled="1"/>
-          </a:gradFill>
+          <a:solidFill>
+            <a:schemeClr val="accent2">
+              <a:lumMod val="50000"/>
+            </a:schemeClr>
+          </a:solidFill>
           <a:ln w="19050">
             <a:noFill/>
             <a:miter lim="800000"/>
@@ -5240,8 +5892,8 @@
         </p:nvSpPr>
         <p:spPr bwMode="auto">
           <a:xfrm>
-            <a:off x="16027372" y="13745152"/>
-            <a:ext cx="10501571" cy="6201698"/>
+            <a:off x="16029813" y="13864628"/>
+            <a:ext cx="11859387" cy="5124480"/>
           </a:xfrm>
           <a:prstGeom prst="rect">
             <a:avLst/>
@@ -5577,16 +6229,16 @@
         </p:nvSpPr>
         <p:spPr bwMode="auto">
           <a:xfrm>
-            <a:off x="16027372" y="21519381"/>
-            <a:ext cx="11098441" cy="4585871"/>
+            <a:off x="16025127" y="26064011"/>
+            <a:ext cx="11098441" cy="5878532"/>
           </a:xfrm>
           <a:prstGeom prst="rect">
             <a:avLst/>
           </a:prstGeom>
           <a:solidFill>
             <a:schemeClr val="accent3">
-              <a:lumMod val="40000"/>
-              <a:lumOff val="60000"/>
+              <a:lumMod val="60000"/>
+              <a:lumOff val="40000"/>
             </a:schemeClr>
           </a:solidFill>
           <a:ln w="57150" cmpd="thinThick">
@@ -5765,64 +6417,26 @@
                 </a:solidFill>
                 <a:effectLst/>
               </a:rPr>
-              <a:t>. Brightly colored bars </a:t>
+              <a:t>. </a:t>
             </a:r>
             <a:r>
               <a:rPr lang="en-US" sz="2800" dirty="0">
                 <a:effectLst/>
               </a:rPr>
-              <a:t>represent </a:t>
-            </a:r>
-            <a:r>
-              <a:rPr lang="en-US" sz="2800" dirty="0">
-                <a:solidFill>
-                  <a:schemeClr val="bg2">
-                    <a:lumMod val="75000"/>
-                  </a:schemeClr>
-                </a:solidFill>
-                <a:effectLst/>
-              </a:rPr>
-              <a:t>brightly scaled vowels,</a:t>
-            </a:r>
+              <a:t>Brightly colored bars represent brightly scaled vowels, while dark bars are dark vowels.</a:t>
+            </a:r>
+          </a:p>
+          <a:p>
+            <a:endParaRPr lang="en-US" sz="2800" dirty="0">
+              <a:effectLst/>
+            </a:endParaRPr>
+          </a:p>
+          <a:p>
             <a:r>
               <a:rPr lang="en-US" sz="2800" dirty="0">
                 <a:effectLst/>
               </a:rPr>
-              <a:t> while </a:t>
-            </a:r>
-            <a:r>
-              <a:rPr lang="en-US" sz="2800" dirty="0">
-                <a:solidFill>
-                  <a:schemeClr val="bg2">
-                    <a:lumMod val="25000"/>
-                  </a:schemeClr>
-                </a:solidFill>
-                <a:effectLst/>
-              </a:rPr>
-              <a:t>dark bars </a:t>
-            </a:r>
-            <a:r>
-              <a:rPr lang="en-US" sz="2800" dirty="0">
-                <a:effectLst/>
-              </a:rPr>
-              <a:t>are </a:t>
-            </a:r>
-            <a:r>
-              <a:rPr lang="en-US" sz="2800" dirty="0">
-                <a:solidFill>
-                  <a:schemeClr val="bg2">
-                    <a:lumMod val="25000"/>
-                  </a:schemeClr>
-                </a:solidFill>
-                <a:effectLst/>
-              </a:rPr>
-              <a:t>dark vowels</a:t>
-            </a:r>
-            <a:r>
-              <a:rPr lang="en-US" sz="2800" dirty="0">
-                <a:effectLst/>
-              </a:rPr>
-              <a:t>.</a:t>
+              <a:t>This tool allows us to see at a glance that certain characters do, indeed, have “brighter” or “darker” overall characterization to their speech.</a:t>
             </a:r>
             <a:br>
               <a:rPr lang="en-US" sz="2800" dirty="0"/>
@@ -5833,23 +6447,1155 @@
           </a:p>
         </p:txBody>
       </p:sp>
+      <p:sp>
+        <p:nvSpPr>
+          <p:cNvPr id="96" name="Text Box 248"/>
+          <p:cNvSpPr txBox="1">
+            <a:spLocks noChangeArrowheads="1"/>
+          </p:cNvSpPr>
+          <p:nvPr/>
+        </p:nvSpPr>
+        <p:spPr bwMode="auto">
+          <a:xfrm>
+            <a:off x="1227557" y="25843212"/>
+            <a:ext cx="14568844" cy="769014"/>
+          </a:xfrm>
+          <a:prstGeom prst="rect">
+            <a:avLst/>
+          </a:prstGeom>
+          <a:solidFill>
+            <a:schemeClr val="accent2">
+              <a:lumMod val="50000"/>
+            </a:schemeClr>
+          </a:solidFill>
+          <a:ln w="19050">
+            <a:noFill/>
+            <a:miter lim="800000"/>
+            <a:headEnd/>
+            <a:tailEnd/>
+          </a:ln>
+          <a:effectLst/>
+        </p:spPr>
+        <p:txBody>
+          <a:bodyPr wrap="square">
+            <a:spAutoFit/>
+          </a:bodyPr>
+          <a:lstStyle>
+            <a:lvl1pPr>
+              <a:defRPr sz="2400">
+                <a:solidFill>
+                  <a:schemeClr val="tx1"/>
+                </a:solidFill>
+                <a:latin typeface="Times New Roman" pitchFamily="18" charset="0"/>
+              </a:defRPr>
+            </a:lvl1pPr>
+            <a:lvl2pPr marL="742950" indent="-285750">
+              <a:defRPr sz="2400">
+                <a:solidFill>
+                  <a:schemeClr val="tx1"/>
+                </a:solidFill>
+                <a:latin typeface="Times New Roman" pitchFamily="18" charset="0"/>
+              </a:defRPr>
+            </a:lvl2pPr>
+            <a:lvl3pPr marL="1143000" indent="-228600">
+              <a:defRPr sz="2400">
+                <a:solidFill>
+                  <a:schemeClr val="tx1"/>
+                </a:solidFill>
+                <a:latin typeface="Times New Roman" pitchFamily="18" charset="0"/>
+              </a:defRPr>
+            </a:lvl3pPr>
+            <a:lvl4pPr marL="1600200" indent="-228600">
+              <a:defRPr sz="2400">
+                <a:solidFill>
+                  <a:schemeClr val="tx1"/>
+                </a:solidFill>
+                <a:latin typeface="Times New Roman" pitchFamily="18" charset="0"/>
+              </a:defRPr>
+            </a:lvl4pPr>
+            <a:lvl5pPr marL="2057400" indent="-228600">
+              <a:defRPr sz="2400">
+                <a:solidFill>
+                  <a:schemeClr val="tx1"/>
+                </a:solidFill>
+                <a:latin typeface="Times New Roman" pitchFamily="18" charset="0"/>
+              </a:defRPr>
+            </a:lvl5pPr>
+            <a:lvl6pPr marL="2514600" indent="-228600" eaLnBrk="0" fontAlgn="base" hangingPunct="0">
+              <a:spcBef>
+                <a:spcPct val="0"/>
+              </a:spcBef>
+              <a:spcAft>
+                <a:spcPct val="0"/>
+              </a:spcAft>
+              <a:defRPr sz="2400">
+                <a:solidFill>
+                  <a:schemeClr val="tx1"/>
+                </a:solidFill>
+                <a:latin typeface="Times New Roman" pitchFamily="18" charset="0"/>
+              </a:defRPr>
+            </a:lvl6pPr>
+            <a:lvl7pPr marL="2971800" indent="-228600" eaLnBrk="0" fontAlgn="base" hangingPunct="0">
+              <a:spcBef>
+                <a:spcPct val="0"/>
+              </a:spcBef>
+              <a:spcAft>
+                <a:spcPct val="0"/>
+              </a:spcAft>
+              <a:defRPr sz="2400">
+                <a:solidFill>
+                  <a:schemeClr val="tx1"/>
+                </a:solidFill>
+                <a:latin typeface="Times New Roman" pitchFamily="18" charset="0"/>
+              </a:defRPr>
+            </a:lvl7pPr>
+            <a:lvl8pPr marL="3429000" indent="-228600" eaLnBrk="0" fontAlgn="base" hangingPunct="0">
+              <a:spcBef>
+                <a:spcPct val="0"/>
+              </a:spcBef>
+              <a:spcAft>
+                <a:spcPct val="0"/>
+              </a:spcAft>
+              <a:defRPr sz="2400">
+                <a:solidFill>
+                  <a:schemeClr val="tx1"/>
+                </a:solidFill>
+                <a:latin typeface="Times New Roman" pitchFamily="18" charset="0"/>
+              </a:defRPr>
+            </a:lvl8pPr>
+            <a:lvl9pPr marL="3886200" indent="-228600" eaLnBrk="0" fontAlgn="base" hangingPunct="0">
+              <a:spcBef>
+                <a:spcPct val="0"/>
+              </a:spcBef>
+              <a:spcAft>
+                <a:spcPct val="0"/>
+              </a:spcAft>
+              <a:defRPr sz="2400">
+                <a:solidFill>
+                  <a:schemeClr val="tx1"/>
+                </a:solidFill>
+                <a:latin typeface="Times New Roman" pitchFamily="18" charset="0"/>
+              </a:defRPr>
+            </a:lvl9pPr>
+          </a:lstStyle>
+          <a:p>
+            <a:r>
+              <a:rPr lang="en-US" altLang="zh-CN" sz="4400" b="1" dirty="0">
+                <a:solidFill>
+                  <a:schemeClr val="bg1"/>
+                </a:solidFill>
+                <a:effectLst/>
+                <a:latin typeface="Lucida Sans" pitchFamily="34" charset="0"/>
+                <a:ea typeface="SimSun" pitchFamily="2" charset="-122"/>
+                <a:cs typeface="Lucida Sans" pitchFamily="34" charset="0"/>
+              </a:rPr>
+              <a:t>What Next?</a:t>
+            </a:r>
+          </a:p>
+        </p:txBody>
+      </p:sp>
+      <p:sp>
+        <p:nvSpPr>
+          <p:cNvPr id="45" name="Text Box 263"/>
+          <p:cNvSpPr txBox="1">
+            <a:spLocks noChangeArrowheads="1"/>
+          </p:cNvSpPr>
+          <p:nvPr/>
+        </p:nvSpPr>
+        <p:spPr bwMode="auto">
+          <a:xfrm>
+            <a:off x="1226969" y="26612227"/>
+            <a:ext cx="14578652" cy="2766483"/>
+          </a:xfrm>
+          <a:prstGeom prst="rect">
+            <a:avLst/>
+          </a:prstGeom>
+          <a:solidFill>
+            <a:schemeClr val="bg1"/>
+          </a:solidFill>
+          <a:ln w="57150" cmpd="thinThick">
+            <a:noFill/>
+            <a:miter lim="800000"/>
+            <a:headEnd/>
+            <a:tailEnd/>
+          </a:ln>
+          <a:effectLst/>
+          <a:extLst/>
+        </p:spPr>
+        <p:txBody>
+          <a:bodyPr wrap="square" lIns="182880" tIns="91440" rIns="182880" bIns="182880" numCol="2">
+            <a:noAutofit/>
+          </a:bodyPr>
+          <a:lstStyle>
+            <a:lvl1pPr>
+              <a:defRPr sz="2400">
+                <a:solidFill>
+                  <a:schemeClr val="tx1"/>
+                </a:solidFill>
+                <a:latin typeface="Times New Roman" pitchFamily="18" charset="0"/>
+              </a:defRPr>
+            </a:lvl1pPr>
+            <a:lvl2pPr marL="685800" indent="-228600">
+              <a:defRPr sz="2400">
+                <a:solidFill>
+                  <a:schemeClr val="tx1"/>
+                </a:solidFill>
+                <a:latin typeface="Times New Roman" pitchFamily="18" charset="0"/>
+              </a:defRPr>
+            </a:lvl2pPr>
+            <a:lvl3pPr marL="1143000" indent="-228600">
+              <a:defRPr sz="2400">
+                <a:solidFill>
+                  <a:schemeClr val="tx1"/>
+                </a:solidFill>
+                <a:latin typeface="Times New Roman" pitchFamily="18" charset="0"/>
+              </a:defRPr>
+            </a:lvl3pPr>
+            <a:lvl4pPr marL="1600200" indent="-228600">
+              <a:defRPr sz="2400">
+                <a:solidFill>
+                  <a:schemeClr val="tx1"/>
+                </a:solidFill>
+                <a:latin typeface="Times New Roman" pitchFamily="18" charset="0"/>
+              </a:defRPr>
+            </a:lvl4pPr>
+            <a:lvl5pPr marL="2057400" indent="-228600">
+              <a:defRPr sz="2400">
+                <a:solidFill>
+                  <a:schemeClr val="tx1"/>
+                </a:solidFill>
+                <a:latin typeface="Times New Roman" pitchFamily="18" charset="0"/>
+              </a:defRPr>
+            </a:lvl5pPr>
+            <a:lvl6pPr marL="2514600" indent="-228600" eaLnBrk="0" fontAlgn="base" hangingPunct="0">
+              <a:spcBef>
+                <a:spcPct val="0"/>
+              </a:spcBef>
+              <a:spcAft>
+                <a:spcPct val="0"/>
+              </a:spcAft>
+              <a:defRPr sz="2400">
+                <a:solidFill>
+                  <a:schemeClr val="tx1"/>
+                </a:solidFill>
+                <a:latin typeface="Times New Roman" pitchFamily="18" charset="0"/>
+              </a:defRPr>
+            </a:lvl6pPr>
+            <a:lvl7pPr marL="2971800" indent="-228600" eaLnBrk="0" fontAlgn="base" hangingPunct="0">
+              <a:spcBef>
+                <a:spcPct val="0"/>
+              </a:spcBef>
+              <a:spcAft>
+                <a:spcPct val="0"/>
+              </a:spcAft>
+              <a:defRPr sz="2400">
+                <a:solidFill>
+                  <a:schemeClr val="tx1"/>
+                </a:solidFill>
+                <a:latin typeface="Times New Roman" pitchFamily="18" charset="0"/>
+              </a:defRPr>
+            </a:lvl7pPr>
+            <a:lvl8pPr marL="3429000" indent="-228600" eaLnBrk="0" fontAlgn="base" hangingPunct="0">
+              <a:spcBef>
+                <a:spcPct val="0"/>
+              </a:spcBef>
+              <a:spcAft>
+                <a:spcPct val="0"/>
+              </a:spcAft>
+              <a:defRPr sz="2400">
+                <a:solidFill>
+                  <a:schemeClr val="tx1"/>
+                </a:solidFill>
+                <a:latin typeface="Times New Roman" pitchFamily="18" charset="0"/>
+              </a:defRPr>
+            </a:lvl8pPr>
+            <a:lvl9pPr marL="3886200" indent="-228600" eaLnBrk="0" fontAlgn="base" hangingPunct="0">
+              <a:spcBef>
+                <a:spcPct val="0"/>
+              </a:spcBef>
+              <a:spcAft>
+                <a:spcPct val="0"/>
+              </a:spcAft>
+              <a:defRPr sz="2400">
+                <a:solidFill>
+                  <a:schemeClr val="tx1"/>
+                </a:solidFill>
+                <a:latin typeface="Times New Roman" pitchFamily="18" charset="0"/>
+              </a:defRPr>
+            </a:lvl9pPr>
+          </a:lstStyle>
+          <a:p>
+            <a:pPr>
+              <a:lnSpc>
+                <a:spcPct val="125000"/>
+              </a:lnSpc>
+            </a:pPr>
+            <a:r>
+              <a:rPr lang="en-AU" sz="2000" b="1" dirty="0">
+                <a:effectLst/>
+              </a:rPr>
+              <a:t>Beyond Shakespeare: </a:t>
+            </a:r>
+          </a:p>
+          <a:p>
+            <a:pPr>
+              <a:lnSpc>
+                <a:spcPct val="125000"/>
+              </a:lnSpc>
+            </a:pPr>
+            <a:r>
+              <a:rPr lang="en-AU" sz="2000" dirty="0">
+                <a:effectLst/>
+              </a:rPr>
+              <a:t>Expand our analysis to other authors, not limited to playwrights </a:t>
+            </a:r>
+          </a:p>
+          <a:p>
+            <a:pPr>
+              <a:lnSpc>
+                <a:spcPct val="125000"/>
+              </a:lnSpc>
+            </a:pPr>
+            <a:r>
+              <a:rPr lang="en-AU" sz="2000" dirty="0">
+                <a:effectLst/>
+              </a:rPr>
+              <a:t>or anglophones, with a particular interest in the role of verse and prose. </a:t>
+            </a:r>
+            <a:r>
+              <a:rPr lang="en-AU" sz="2000" b="1" dirty="0">
+                <a:effectLst/>
+              </a:rPr>
+              <a:t>Does the significance of sonic signatures change across form and language?</a:t>
+            </a:r>
+          </a:p>
+          <a:p>
+            <a:pPr>
+              <a:lnSpc>
+                <a:spcPct val="125000"/>
+              </a:lnSpc>
+            </a:pPr>
+            <a:endParaRPr lang="en-AU" sz="2000" b="1" dirty="0">
+              <a:effectLst/>
+            </a:endParaRPr>
+          </a:p>
+          <a:p>
+            <a:pPr>
+              <a:lnSpc>
+                <a:spcPct val="125000"/>
+              </a:lnSpc>
+            </a:pPr>
+            <a:r>
+              <a:rPr lang="en-AU" sz="2000" b="1" dirty="0">
+                <a:effectLst/>
+              </a:rPr>
+              <a:t>Word Choice Covariance:</a:t>
+            </a:r>
+            <a:r>
+              <a:rPr lang="en-AU" sz="2000" dirty="0">
+                <a:effectLst/>
+              </a:rPr>
+              <a:t> </a:t>
+            </a:r>
+          </a:p>
+          <a:p>
+            <a:pPr>
+              <a:lnSpc>
+                <a:spcPct val="125000"/>
+              </a:lnSpc>
+            </a:pPr>
+            <a:r>
+              <a:rPr lang="en-AU" sz="2000" dirty="0">
+                <a:effectLst/>
+              </a:rPr>
+              <a:t>Previous work has shown that word-based analysis yields promising categorization results, so do sonic signatures provide unique features, or merely reflect the same information as the words they comprise? </a:t>
+            </a:r>
+            <a:r>
+              <a:rPr lang="en-AU" sz="2000" b="1" dirty="0">
+                <a:effectLst/>
+              </a:rPr>
+              <a:t>To what degree are sonic signatures covariant with word choice in determining classification?</a:t>
+            </a:r>
+          </a:p>
+        </p:txBody>
+      </p:sp>
+      <p:pic>
+        <p:nvPicPr>
+          <p:cNvPr id="6" name="Picture 5"/>
+          <p:cNvPicPr>
+            <a:picLocks noChangeAspect="1"/>
+          </p:cNvPicPr>
+          <p:nvPr/>
+        </p:nvPicPr>
+        <p:blipFill>
+          <a:blip r:embed="rId5">
+            <a:extLst>
+              <a:ext uri="{28A0092B-C50C-407E-A947-70E740481C1C}">
+                <a14:useLocalDpi xmlns:a14="http://schemas.microsoft.com/office/drawing/2010/main" val="0"/>
+              </a:ext>
+            </a:extLst>
+          </a:blip>
+          <a:stretch>
+            <a:fillRect/>
+          </a:stretch>
+        </p:blipFill>
+        <p:spPr>
+          <a:xfrm>
+            <a:off x="32163261" y="6258028"/>
+            <a:ext cx="5638800" cy="4229100"/>
+          </a:xfrm>
+          <a:prstGeom prst="rect">
+            <a:avLst/>
+          </a:prstGeom>
+        </p:spPr>
+      </p:pic>
+      <p:pic>
+        <p:nvPicPr>
+          <p:cNvPr id="7" name="Picture 6"/>
+          <p:cNvPicPr>
+            <a:picLocks noChangeAspect="1"/>
+          </p:cNvPicPr>
+          <p:nvPr/>
+        </p:nvPicPr>
+        <p:blipFill>
+          <a:blip r:embed="rId6">
+            <a:extLst>
+              <a:ext uri="{28A0092B-C50C-407E-A947-70E740481C1C}">
+                <a14:useLocalDpi xmlns:a14="http://schemas.microsoft.com/office/drawing/2010/main" val="0"/>
+              </a:ext>
+            </a:extLst>
+          </a:blip>
+          <a:stretch>
+            <a:fillRect/>
+          </a:stretch>
+        </p:blipFill>
+        <p:spPr>
+          <a:xfrm>
+            <a:off x="37197402" y="6410182"/>
+            <a:ext cx="5739644" cy="4304733"/>
+          </a:xfrm>
+          <a:prstGeom prst="rect">
+            <a:avLst/>
+          </a:prstGeom>
+        </p:spPr>
+      </p:pic>
+      <p:sp>
+        <p:nvSpPr>
+          <p:cNvPr id="8" name="TextBox 7"/>
+          <p:cNvSpPr txBox="1"/>
+          <p:nvPr/>
+        </p:nvSpPr>
+        <p:spPr>
+          <a:xfrm>
+            <a:off x="32694430" y="11117218"/>
+            <a:ext cx="5107631" cy="1200329"/>
+          </a:xfrm>
+          <a:prstGeom prst="rect">
+            <a:avLst/>
+          </a:prstGeom>
+          <a:noFill/>
+        </p:spPr>
+        <p:txBody>
+          <a:bodyPr wrap="square" rtlCol="0">
+            <a:spAutoFit/>
+          </a:bodyPr>
+          <a:lstStyle/>
+          <a:p>
+            <a:r>
+              <a:rPr lang="en-US" dirty="0"/>
+              <a:t>Confusion matrix resulting from weighted naïve Bayes classification of gender</a:t>
+            </a:r>
+          </a:p>
+        </p:txBody>
+      </p:sp>
+      <p:sp>
+        <p:nvSpPr>
+          <p:cNvPr id="48" name="TextBox 47"/>
+          <p:cNvSpPr txBox="1"/>
+          <p:nvPr/>
+        </p:nvSpPr>
+        <p:spPr>
+          <a:xfrm>
+            <a:off x="38643761" y="11066788"/>
+            <a:ext cx="4481885" cy="1200329"/>
+          </a:xfrm>
+          <a:prstGeom prst="rect">
+            <a:avLst/>
+          </a:prstGeom>
+          <a:noFill/>
+        </p:spPr>
+        <p:txBody>
+          <a:bodyPr wrap="square" rtlCol="0">
+            <a:spAutoFit/>
+          </a:bodyPr>
+          <a:lstStyle/>
+          <a:p>
+            <a:r>
+              <a:rPr lang="en-US" dirty="0"/>
+              <a:t>Confusion matrix resulting from weighted iterative naïve Bayes classification of role</a:t>
+            </a:r>
+          </a:p>
+        </p:txBody>
+      </p:sp>
+      <p:pic>
+        <p:nvPicPr>
+          <p:cNvPr id="12" name="Picture 11"/>
+          <p:cNvPicPr>
+            <a:picLocks noChangeAspect="1"/>
+          </p:cNvPicPr>
+          <p:nvPr/>
+        </p:nvPicPr>
+        <p:blipFill>
+          <a:blip r:embed="rId7">
+            <a:extLst>
+              <a:ext uri="{28A0092B-C50C-407E-A947-70E740481C1C}">
+                <a14:useLocalDpi xmlns:a14="http://schemas.microsoft.com/office/drawing/2010/main" val="0"/>
+              </a:ext>
+            </a:extLst>
+          </a:blip>
+          <a:stretch>
+            <a:fillRect/>
+          </a:stretch>
+        </p:blipFill>
+        <p:spPr>
+          <a:xfrm>
+            <a:off x="28645419" y="6186669"/>
+            <a:ext cx="3574895" cy="4465835"/>
+          </a:xfrm>
+          <a:prstGeom prst="rect">
+            <a:avLst/>
+          </a:prstGeom>
+        </p:spPr>
+      </p:pic>
+      <p:sp>
+        <p:nvSpPr>
+          <p:cNvPr id="49" name="TextBox 48"/>
+          <p:cNvSpPr txBox="1"/>
+          <p:nvPr/>
+        </p:nvSpPr>
+        <p:spPr>
+          <a:xfrm>
+            <a:off x="28028701" y="11066788"/>
+            <a:ext cx="4468063" cy="1200329"/>
+          </a:xfrm>
+          <a:prstGeom prst="rect">
+            <a:avLst/>
+          </a:prstGeom>
+          <a:noFill/>
+        </p:spPr>
+        <p:txBody>
+          <a:bodyPr wrap="square" rtlCol="0">
+            <a:spAutoFit/>
+          </a:bodyPr>
+          <a:lstStyle/>
+          <a:p>
+            <a:r>
+              <a:rPr lang="en-US" dirty="0"/>
+              <a:t>The iterative naïve Bayes process yields more useful results in highly unbalanced data sets</a:t>
+            </a:r>
+          </a:p>
+        </p:txBody>
+      </p:sp>
+      <p:pic>
+        <p:nvPicPr>
+          <p:cNvPr id="14" name="Picture 13"/>
+          <p:cNvPicPr>
+            <a:picLocks noChangeAspect="1"/>
+          </p:cNvPicPr>
+          <p:nvPr/>
+        </p:nvPicPr>
+        <p:blipFill>
+          <a:blip r:embed="rId8">
+            <a:extLst>
+              <a:ext uri="{28A0092B-C50C-407E-A947-70E740481C1C}">
+                <a14:useLocalDpi xmlns:a14="http://schemas.microsoft.com/office/drawing/2010/main" val="0"/>
+              </a:ext>
+            </a:extLst>
+          </a:blip>
+          <a:stretch>
+            <a:fillRect/>
+          </a:stretch>
+        </p:blipFill>
+        <p:spPr>
+          <a:xfrm>
+            <a:off x="27574818" y="13958542"/>
+            <a:ext cx="15477252" cy="7905178"/>
+          </a:xfrm>
+          <a:prstGeom prst="rect">
+            <a:avLst/>
+          </a:prstGeom>
+        </p:spPr>
+      </p:pic>
+      <p:sp>
+        <p:nvSpPr>
+          <p:cNvPr id="53" name="TextBox 52"/>
+          <p:cNvSpPr txBox="1"/>
+          <p:nvPr/>
+        </p:nvSpPr>
+        <p:spPr>
+          <a:xfrm>
+            <a:off x="27574818" y="22083681"/>
+            <a:ext cx="11979046" cy="461665"/>
+          </a:xfrm>
+          <a:prstGeom prst="rect">
+            <a:avLst/>
+          </a:prstGeom>
+          <a:noFill/>
+        </p:spPr>
+        <p:txBody>
+          <a:bodyPr wrap="square" rtlCol="0">
+            <a:spAutoFit/>
+          </a:bodyPr>
+          <a:lstStyle/>
+          <a:p>
+            <a:r>
+              <a:rPr lang="en-US" dirty="0"/>
+              <a:t>A partial view of the comparison between </a:t>
+            </a:r>
+            <a:r>
+              <a:rPr lang="en-US" i="1" dirty="0"/>
+              <a:t>Hamlet</a:t>
+            </a:r>
+            <a:r>
+              <a:rPr lang="en-US" dirty="0"/>
+              <a:t>’s Hamlet and the standards for all archetypes </a:t>
+            </a:r>
+          </a:p>
+        </p:txBody>
+      </p:sp>
+      <p:pic>
+        <p:nvPicPr>
+          <p:cNvPr id="15" name="Picture 14"/>
+          <p:cNvPicPr>
+            <a:picLocks noChangeAspect="1"/>
+          </p:cNvPicPr>
+          <p:nvPr/>
+        </p:nvPicPr>
+        <p:blipFill>
+          <a:blip r:embed="rId9" cstate="print">
+            <a:extLst>
+              <a:ext uri="{28A0092B-C50C-407E-A947-70E740481C1C}">
+                <a14:useLocalDpi xmlns:a14="http://schemas.microsoft.com/office/drawing/2010/main" val="0"/>
+              </a:ext>
+            </a:extLst>
+          </a:blip>
+          <a:stretch>
+            <a:fillRect/>
+          </a:stretch>
+        </p:blipFill>
+        <p:spPr>
+          <a:xfrm>
+            <a:off x="16208452" y="19201835"/>
+            <a:ext cx="4288887" cy="2449157"/>
+          </a:xfrm>
+          <a:prstGeom prst="rect">
+            <a:avLst/>
+          </a:prstGeom>
+        </p:spPr>
+      </p:pic>
+      <p:sp>
+        <p:nvSpPr>
+          <p:cNvPr id="55" name="TextBox 54"/>
+          <p:cNvSpPr txBox="1"/>
+          <p:nvPr/>
+        </p:nvSpPr>
+        <p:spPr>
+          <a:xfrm>
+            <a:off x="21142000" y="19310928"/>
+            <a:ext cx="4006192" cy="1938992"/>
+          </a:xfrm>
+          <a:prstGeom prst="rect">
+            <a:avLst/>
+          </a:prstGeom>
+          <a:noFill/>
+        </p:spPr>
+        <p:txBody>
+          <a:bodyPr wrap="square" rtlCol="0">
+            <a:spAutoFit/>
+          </a:bodyPr>
+          <a:lstStyle/>
+          <a:p>
+            <a:r>
+              <a:rPr lang="en-US" dirty="0"/>
+              <a:t>An incomplete view of the basic view of z-score data for </a:t>
+            </a:r>
+            <a:r>
+              <a:rPr lang="en-US" dirty="0">
+                <a:solidFill>
+                  <a:schemeClr val="accent2">
+                    <a:lumMod val="60000"/>
+                    <a:lumOff val="40000"/>
+                  </a:schemeClr>
+                </a:solidFill>
+              </a:rPr>
+              <a:t>phoneme </a:t>
+            </a:r>
+            <a:r>
+              <a:rPr lang="en-US" dirty="0"/>
+              <a:t>and </a:t>
+            </a:r>
+            <a:r>
+              <a:rPr lang="en-US" dirty="0">
+                <a:solidFill>
+                  <a:schemeClr val="accent2">
+                    <a:lumMod val="50000"/>
+                  </a:schemeClr>
+                </a:solidFill>
+              </a:rPr>
+              <a:t>features </a:t>
+            </a:r>
+            <a:r>
+              <a:rPr lang="en-US" dirty="0"/>
+              <a:t>of archetypical roles, without any comparisons</a:t>
+            </a:r>
+          </a:p>
+        </p:txBody>
+      </p:sp>
+      <p:sp>
+        <p:nvSpPr>
+          <p:cNvPr id="68" name="Text Box 248"/>
+          <p:cNvSpPr txBox="1">
+            <a:spLocks noChangeArrowheads="1"/>
+          </p:cNvSpPr>
+          <p:nvPr/>
+        </p:nvSpPr>
+        <p:spPr bwMode="auto">
+          <a:xfrm>
+            <a:off x="1225198" y="29378710"/>
+            <a:ext cx="14608561" cy="769441"/>
+          </a:xfrm>
+          <a:prstGeom prst="rect">
+            <a:avLst/>
+          </a:prstGeom>
+          <a:solidFill>
+            <a:schemeClr val="accent2">
+              <a:lumMod val="50000"/>
+            </a:schemeClr>
+          </a:solidFill>
+          <a:ln w="19050">
+            <a:noFill/>
+            <a:miter lim="800000"/>
+            <a:headEnd/>
+            <a:tailEnd/>
+          </a:ln>
+          <a:effectLst/>
+        </p:spPr>
+        <p:txBody>
+          <a:bodyPr wrap="square">
+            <a:spAutoFit/>
+          </a:bodyPr>
+          <a:lstStyle>
+            <a:lvl1pPr>
+              <a:defRPr sz="2400">
+                <a:solidFill>
+                  <a:schemeClr val="tx1"/>
+                </a:solidFill>
+                <a:latin typeface="Times New Roman" pitchFamily="18" charset="0"/>
+              </a:defRPr>
+            </a:lvl1pPr>
+            <a:lvl2pPr marL="742950" indent="-285750">
+              <a:defRPr sz="2400">
+                <a:solidFill>
+                  <a:schemeClr val="tx1"/>
+                </a:solidFill>
+                <a:latin typeface="Times New Roman" pitchFamily="18" charset="0"/>
+              </a:defRPr>
+            </a:lvl2pPr>
+            <a:lvl3pPr marL="1143000" indent="-228600">
+              <a:defRPr sz="2400">
+                <a:solidFill>
+                  <a:schemeClr val="tx1"/>
+                </a:solidFill>
+                <a:latin typeface="Times New Roman" pitchFamily="18" charset="0"/>
+              </a:defRPr>
+            </a:lvl3pPr>
+            <a:lvl4pPr marL="1600200" indent="-228600">
+              <a:defRPr sz="2400">
+                <a:solidFill>
+                  <a:schemeClr val="tx1"/>
+                </a:solidFill>
+                <a:latin typeface="Times New Roman" pitchFamily="18" charset="0"/>
+              </a:defRPr>
+            </a:lvl4pPr>
+            <a:lvl5pPr marL="2057400" indent="-228600">
+              <a:defRPr sz="2400">
+                <a:solidFill>
+                  <a:schemeClr val="tx1"/>
+                </a:solidFill>
+                <a:latin typeface="Times New Roman" pitchFamily="18" charset="0"/>
+              </a:defRPr>
+            </a:lvl5pPr>
+            <a:lvl6pPr marL="2514600" indent="-228600" eaLnBrk="0" fontAlgn="base" hangingPunct="0">
+              <a:spcBef>
+                <a:spcPct val="0"/>
+              </a:spcBef>
+              <a:spcAft>
+                <a:spcPct val="0"/>
+              </a:spcAft>
+              <a:defRPr sz="2400">
+                <a:solidFill>
+                  <a:schemeClr val="tx1"/>
+                </a:solidFill>
+                <a:latin typeface="Times New Roman" pitchFamily="18" charset="0"/>
+              </a:defRPr>
+            </a:lvl6pPr>
+            <a:lvl7pPr marL="2971800" indent="-228600" eaLnBrk="0" fontAlgn="base" hangingPunct="0">
+              <a:spcBef>
+                <a:spcPct val="0"/>
+              </a:spcBef>
+              <a:spcAft>
+                <a:spcPct val="0"/>
+              </a:spcAft>
+              <a:defRPr sz="2400">
+                <a:solidFill>
+                  <a:schemeClr val="tx1"/>
+                </a:solidFill>
+                <a:latin typeface="Times New Roman" pitchFamily="18" charset="0"/>
+              </a:defRPr>
+            </a:lvl7pPr>
+            <a:lvl8pPr marL="3429000" indent="-228600" eaLnBrk="0" fontAlgn="base" hangingPunct="0">
+              <a:spcBef>
+                <a:spcPct val="0"/>
+              </a:spcBef>
+              <a:spcAft>
+                <a:spcPct val="0"/>
+              </a:spcAft>
+              <a:defRPr sz="2400">
+                <a:solidFill>
+                  <a:schemeClr val="tx1"/>
+                </a:solidFill>
+                <a:latin typeface="Times New Roman" pitchFamily="18" charset="0"/>
+              </a:defRPr>
+            </a:lvl8pPr>
+            <a:lvl9pPr marL="3886200" indent="-228600" eaLnBrk="0" fontAlgn="base" hangingPunct="0">
+              <a:spcBef>
+                <a:spcPct val="0"/>
+              </a:spcBef>
+              <a:spcAft>
+                <a:spcPct val="0"/>
+              </a:spcAft>
+              <a:defRPr sz="2400">
+                <a:solidFill>
+                  <a:schemeClr val="tx1"/>
+                </a:solidFill>
+                <a:latin typeface="Times New Roman" pitchFamily="18" charset="0"/>
+              </a:defRPr>
+            </a:lvl9pPr>
+          </a:lstStyle>
+          <a:p>
+            <a:r>
+              <a:rPr lang="en-US" altLang="zh-CN" sz="4400" b="1" dirty="0">
+                <a:solidFill>
+                  <a:schemeClr val="bg1"/>
+                </a:solidFill>
+                <a:effectLst/>
+                <a:latin typeface="Lucida Sans" pitchFamily="34" charset="0"/>
+                <a:ea typeface="SimSun" pitchFamily="2" charset="-122"/>
+                <a:cs typeface="Lucida Sans" pitchFamily="34" charset="0"/>
+              </a:rPr>
+              <a:t>References</a:t>
+            </a:r>
+          </a:p>
+        </p:txBody>
+      </p:sp>
+      <p:sp>
+        <p:nvSpPr>
+          <p:cNvPr id="72" name="Text Box 242"/>
+          <p:cNvSpPr txBox="1">
+            <a:spLocks noChangeArrowheads="1"/>
+          </p:cNvSpPr>
+          <p:nvPr/>
+        </p:nvSpPr>
+        <p:spPr bwMode="auto">
+          <a:xfrm>
+            <a:off x="1216733" y="30127938"/>
+            <a:ext cx="14588888" cy="2180862"/>
+          </a:xfrm>
+          <a:prstGeom prst="rect">
+            <a:avLst/>
+          </a:prstGeom>
+          <a:solidFill>
+            <a:schemeClr val="bg1"/>
+          </a:solidFill>
+          <a:ln w="57150" cmpd="thinThick">
+            <a:noFill/>
+            <a:miter lim="800000"/>
+            <a:headEnd/>
+            <a:tailEnd/>
+          </a:ln>
+          <a:effectLst/>
+          <a:extLst>
+            <a:ext uri="{AF507438-7753-43e0-B8FC-AC1667EBCBE1}">
+              <a14:hiddenEffects xmlns="" xmlns:a14="http://schemas.microsoft.com/office/drawing/2010/main">
+                <a:effectLst>
+                  <a:outerShdw dist="35921" dir="2700000" algn="ctr" rotWithShape="0">
+                    <a:schemeClr val="bg2"/>
+                  </a:outerShdw>
+                </a:effectLst>
+              </a14:hiddenEffects>
+            </a:ext>
+          </a:extLst>
+        </p:spPr>
+        <p:txBody>
+          <a:bodyPr wrap="square" lIns="182880" tIns="91440" rIns="182880" bIns="182880">
+            <a:spAutoFit/>
+          </a:bodyPr>
+          <a:lstStyle>
+            <a:lvl1pPr marL="228600" indent="-228600" defTabSz="612775">
+              <a:defRPr sz="2400">
+                <a:solidFill>
+                  <a:schemeClr val="tx1"/>
+                </a:solidFill>
+                <a:latin typeface="Times New Roman" pitchFamily="18" charset="0"/>
+              </a:defRPr>
+            </a:lvl1pPr>
+            <a:lvl2pPr marL="742950" indent="-285750" defTabSz="612775">
+              <a:defRPr sz="2400">
+                <a:solidFill>
+                  <a:schemeClr val="tx1"/>
+                </a:solidFill>
+                <a:latin typeface="Times New Roman" pitchFamily="18" charset="0"/>
+              </a:defRPr>
+            </a:lvl2pPr>
+            <a:lvl3pPr marL="1143000" indent="-228600" defTabSz="612775">
+              <a:defRPr sz="2400">
+                <a:solidFill>
+                  <a:schemeClr val="tx1"/>
+                </a:solidFill>
+                <a:latin typeface="Times New Roman" pitchFamily="18" charset="0"/>
+              </a:defRPr>
+            </a:lvl3pPr>
+            <a:lvl4pPr marL="1600200" indent="-228600" defTabSz="612775">
+              <a:defRPr sz="2400">
+                <a:solidFill>
+                  <a:schemeClr val="tx1"/>
+                </a:solidFill>
+                <a:latin typeface="Times New Roman" pitchFamily="18" charset="0"/>
+              </a:defRPr>
+            </a:lvl4pPr>
+            <a:lvl5pPr marL="2057400" indent="-228600" defTabSz="612775">
+              <a:defRPr sz="2400">
+                <a:solidFill>
+                  <a:schemeClr val="tx1"/>
+                </a:solidFill>
+                <a:latin typeface="Times New Roman" pitchFamily="18" charset="0"/>
+              </a:defRPr>
+            </a:lvl5pPr>
+            <a:lvl6pPr marL="2514600" indent="-228600" defTabSz="612775" eaLnBrk="0" fontAlgn="base" hangingPunct="0">
+              <a:spcBef>
+                <a:spcPct val="0"/>
+              </a:spcBef>
+              <a:spcAft>
+                <a:spcPct val="0"/>
+              </a:spcAft>
+              <a:defRPr sz="2400">
+                <a:solidFill>
+                  <a:schemeClr val="tx1"/>
+                </a:solidFill>
+                <a:latin typeface="Times New Roman" pitchFamily="18" charset="0"/>
+              </a:defRPr>
+            </a:lvl6pPr>
+            <a:lvl7pPr marL="2971800" indent="-228600" defTabSz="612775" eaLnBrk="0" fontAlgn="base" hangingPunct="0">
+              <a:spcBef>
+                <a:spcPct val="0"/>
+              </a:spcBef>
+              <a:spcAft>
+                <a:spcPct val="0"/>
+              </a:spcAft>
+              <a:defRPr sz="2400">
+                <a:solidFill>
+                  <a:schemeClr val="tx1"/>
+                </a:solidFill>
+                <a:latin typeface="Times New Roman" pitchFamily="18" charset="0"/>
+              </a:defRPr>
+            </a:lvl7pPr>
+            <a:lvl8pPr marL="3429000" indent="-228600" defTabSz="612775" eaLnBrk="0" fontAlgn="base" hangingPunct="0">
+              <a:spcBef>
+                <a:spcPct val="0"/>
+              </a:spcBef>
+              <a:spcAft>
+                <a:spcPct val="0"/>
+              </a:spcAft>
+              <a:defRPr sz="2400">
+                <a:solidFill>
+                  <a:schemeClr val="tx1"/>
+                </a:solidFill>
+                <a:latin typeface="Times New Roman" pitchFamily="18" charset="0"/>
+              </a:defRPr>
+            </a:lvl8pPr>
+            <a:lvl9pPr marL="3886200" indent="-228600" defTabSz="612775" eaLnBrk="0" fontAlgn="base" hangingPunct="0">
+              <a:spcBef>
+                <a:spcPct val="0"/>
+              </a:spcBef>
+              <a:spcAft>
+                <a:spcPct val="0"/>
+              </a:spcAft>
+              <a:defRPr sz="2400">
+                <a:solidFill>
+                  <a:schemeClr val="tx1"/>
+                </a:solidFill>
+                <a:latin typeface="Times New Roman" pitchFamily="18" charset="0"/>
+              </a:defRPr>
+            </a:lvl9pPr>
+          </a:lstStyle>
+          <a:p>
+            <a:pPr algn="just">
+              <a:lnSpc>
+                <a:spcPct val="120000"/>
+              </a:lnSpc>
+              <a:buFontTx/>
+              <a:buChar char="•"/>
+            </a:pPr>
+            <a:r>
+              <a:rPr lang="en-US" sz="2000" dirty="0">
+                <a:effectLst/>
+              </a:rPr>
+              <a:t>Scikit-learn: Machine Learning in Python, </a:t>
+            </a:r>
+            <a:r>
+              <a:rPr lang="en-US" sz="2000" dirty="0" err="1">
+                <a:effectLst/>
+              </a:rPr>
+              <a:t>Pedregosa</a:t>
+            </a:r>
+            <a:r>
+              <a:rPr lang="en-US" sz="2000" dirty="0">
+                <a:effectLst/>
+              </a:rPr>
+              <a:t> et al</a:t>
+            </a:r>
+            <a:r>
+              <a:rPr lang="en-US" sz="2000" i="1" dirty="0">
+                <a:effectLst/>
+              </a:rPr>
+              <a:t>.</a:t>
+            </a:r>
+            <a:r>
+              <a:rPr lang="en-US" sz="2000" dirty="0">
+                <a:effectLst/>
+              </a:rPr>
+              <a:t>, JMLR 12, pp. 2825-2830, 2011.</a:t>
+            </a:r>
+          </a:p>
+          <a:p>
+            <a:pPr algn="just">
+              <a:lnSpc>
+                <a:spcPct val="120000"/>
+              </a:lnSpc>
+              <a:buFontTx/>
+              <a:buChar char="•"/>
+            </a:pPr>
+            <a:r>
+              <a:rPr lang="en-US" altLang="ja-JP" sz="2000" dirty="0">
+                <a:effectLst/>
+                <a:ea typeface="ＭＳ Ｐゴシック" charset="-128"/>
+              </a:rPr>
+              <a:t>Olson M. Determining the gender of Shakespeare’s characters. Stanford University[Internet]. 2013. </a:t>
+            </a:r>
+          </a:p>
+          <a:p>
+            <a:pPr algn="just">
+              <a:lnSpc>
+                <a:spcPct val="120000"/>
+              </a:lnSpc>
+              <a:buFontTx/>
+              <a:buChar char="•"/>
+            </a:pPr>
+            <a:r>
+              <a:rPr lang="en-US" sz="2000" dirty="0">
+                <a:effectLst/>
+              </a:rPr>
+              <a:t>Bird, Steven, Edward </a:t>
+            </a:r>
+            <a:r>
+              <a:rPr lang="en-US" sz="2000" dirty="0" err="1">
+                <a:effectLst/>
+              </a:rPr>
+              <a:t>Loper</a:t>
+            </a:r>
+            <a:r>
+              <a:rPr lang="en-US" sz="2000" dirty="0">
+                <a:effectLst/>
+              </a:rPr>
+              <a:t> and Ewan Klein (2009), </a:t>
+            </a:r>
+            <a:r>
+              <a:rPr lang="en-US" sz="2000" i="1" dirty="0">
+                <a:effectLst/>
+              </a:rPr>
+              <a:t>Natural Language Processing with Python</a:t>
+            </a:r>
+            <a:r>
+              <a:rPr lang="en-US" sz="2000" dirty="0">
+                <a:effectLst/>
+              </a:rPr>
+              <a:t>. O’Reilly Media Inc.</a:t>
+            </a:r>
+          </a:p>
+          <a:p>
+            <a:pPr algn="just">
+              <a:lnSpc>
+                <a:spcPct val="120000"/>
+              </a:lnSpc>
+              <a:buFontTx/>
+              <a:buChar char="•"/>
+            </a:pPr>
+            <a:r>
+              <a:rPr lang="en-US" sz="2000" dirty="0">
+                <a:effectLst/>
+              </a:rPr>
+              <a:t>Folger Shakespeare Library. (</a:t>
+            </a:r>
+            <a:r>
+              <a:rPr lang="en-US" sz="2000" dirty="0" err="1">
+                <a:effectLst/>
+              </a:rPr>
+              <a:t>n.d.</a:t>
+            </a:r>
+            <a:r>
+              <a:rPr lang="en-US" sz="2000" dirty="0">
+                <a:effectLst/>
+              </a:rPr>
+              <a:t>) </a:t>
+            </a:r>
+            <a:r>
+              <a:rPr lang="en-US" sz="2000" i="1" dirty="0">
+                <a:effectLst/>
+              </a:rPr>
+              <a:t>Shakespeare's Plays, Sonnets and Poems</a:t>
+            </a:r>
+            <a:r>
+              <a:rPr lang="en-US" sz="2000" dirty="0">
+                <a:effectLst/>
+              </a:rPr>
+              <a:t> from Folger Digital Texts. Retrieved from www.folgerdigitaltexts.org</a:t>
+            </a:r>
+          </a:p>
+        </p:txBody>
+      </p:sp>
       <p:grpSp>
         <p:nvGrpSpPr>
-          <p:cNvPr id="88" name="Group 87"/>
+          <p:cNvPr id="20" name="Group 19">
+            <a:extLst>
+              <a:ext uri="{FF2B5EF4-FFF2-40B4-BE49-F238E27FC236}">
+                <a16:creationId xmlns:a16="http://schemas.microsoft.com/office/drawing/2014/main" id="{753607CC-CD60-49E7-A323-72FC13B79B7D}"/>
+              </a:ext>
+            </a:extLst>
+          </p:cNvPr>
           <p:cNvGrpSpPr/>
           <p:nvPr/>
         </p:nvGrpSpPr>
         <p:grpSpPr>
           <a:xfrm>
-            <a:off x="31982328" y="27473025"/>
-            <a:ext cx="11031016" cy="929429"/>
-            <a:chOff x="1066799" y="5958162"/>
-            <a:chExt cx="11007725" cy="946293"/>
+            <a:off x="1214011" y="16757489"/>
+            <a:ext cx="7898758" cy="9002785"/>
+            <a:chOff x="1145421" y="16601032"/>
+            <a:chExt cx="7808546" cy="8873469"/>
           </a:xfrm>
         </p:grpSpPr>
         <p:sp>
           <p:nvSpPr>
-            <p:cNvPr id="89" name="Text Box 248"/>
+            <p:cNvPr id="38" name="Text Box 242"/>
             <p:cNvSpPr txBox="1">
               <a:spLocks noChangeArrowheads="1"/>
             </p:cNvSpPr>
@@ -5857,62 +7603,370 @@
           </p:nvSpPr>
           <p:spPr bwMode="auto">
             <a:xfrm>
-              <a:off x="1066799" y="5958162"/>
-              <a:ext cx="11007725" cy="946293"/>
+              <a:off x="1145421" y="16633077"/>
+              <a:ext cx="7808545" cy="8841424"/>
             </a:xfrm>
             <a:prstGeom prst="rect">
               <a:avLst/>
             </a:prstGeom>
-            <a:gradFill rotWithShape="0">
-              <a:gsLst>
-                <a:gs pos="0">
-                  <a:schemeClr val="accent2">
-                    <a:lumMod val="40000"/>
-                    <a:lumOff val="60000"/>
-                  </a:schemeClr>
-                </a:gs>
-                <a:gs pos="13000">
-                  <a:schemeClr val="accent3">
-                    <a:lumMod val="60000"/>
-                    <a:lumOff val="40000"/>
-                  </a:schemeClr>
-                </a:gs>
-                <a:gs pos="43000">
-                  <a:schemeClr val="accent2">
-                    <a:lumMod val="60000"/>
-                    <a:lumOff val="40000"/>
-                  </a:schemeClr>
-                </a:gs>
-                <a:gs pos="67000">
-                  <a:schemeClr val="accent2">
-                    <a:lumMod val="75000"/>
-                  </a:schemeClr>
-                </a:gs>
-                <a:gs pos="83000">
-                  <a:schemeClr val="accent2">
-                    <a:lumMod val="75000"/>
-                  </a:schemeClr>
-                </a:gs>
-                <a:gs pos="100000">
-                  <a:schemeClr val="accent3">
-                    <a:lumMod val="60000"/>
-                    <a:lumOff val="40000"/>
-                  </a:schemeClr>
-                </a:gs>
-              </a:gsLst>
-              <a:lin ang="10800000" scaled="0"/>
-            </a:gradFill>
-            <a:ln w="19050">
+            <a:solidFill>
+              <a:schemeClr val="bg1"/>
+            </a:solidFill>
+            <a:ln w="57150" cmpd="thinThick">
               <a:noFill/>
               <a:miter lim="800000"/>
               <a:headEnd/>
               <a:tailEnd/>
             </a:ln>
             <a:effectLst/>
+            <a:extLst>
+              <a:ext uri="{AF507438-7753-43e0-B8FC-AC1667EBCBE1}">
+                <a14:hiddenEffects xmlns="" xmlns:a14="http://schemas.microsoft.com/office/drawing/2010/main">
+                  <a:effectLst>
+                    <a:outerShdw dist="35921" dir="2700000" algn="ctr" rotWithShape="0">
+                      <a:schemeClr val="bg2"/>
+                    </a:outerShdw>
+                  </a:effectLst>
+                </a14:hiddenEffects>
+              </a:ext>
+            </a:extLst>
           </p:spPr>
           <p:txBody>
-            <a:bodyPr>
+            <a:bodyPr wrap="square" lIns="182880" tIns="91440" rIns="182880" bIns="182880">
               <a:spAutoFit/>
+            </a:bodyPr>
+            <a:lstStyle>
+              <a:lvl1pPr marL="228600" indent="-228600" defTabSz="612775">
+                <a:defRPr sz="2400">
+                  <a:solidFill>
+                    <a:schemeClr val="tx1"/>
+                  </a:solidFill>
+                  <a:latin typeface="Times New Roman" pitchFamily="18" charset="0"/>
+                </a:defRPr>
+              </a:lvl1pPr>
+              <a:lvl2pPr marL="742950" indent="-285750" defTabSz="612775">
+                <a:defRPr sz="2400">
+                  <a:solidFill>
+                    <a:schemeClr val="tx1"/>
+                  </a:solidFill>
+                  <a:latin typeface="Times New Roman" pitchFamily="18" charset="0"/>
+                </a:defRPr>
+              </a:lvl2pPr>
+              <a:lvl3pPr marL="1143000" indent="-228600" defTabSz="612775">
+                <a:defRPr sz="2400">
+                  <a:solidFill>
+                    <a:schemeClr val="tx1"/>
+                  </a:solidFill>
+                  <a:latin typeface="Times New Roman" pitchFamily="18" charset="0"/>
+                </a:defRPr>
+              </a:lvl3pPr>
+              <a:lvl4pPr marL="1600200" indent="-228600" defTabSz="612775">
+                <a:defRPr sz="2400">
+                  <a:solidFill>
+                    <a:schemeClr val="tx1"/>
+                  </a:solidFill>
+                  <a:latin typeface="Times New Roman" pitchFamily="18" charset="0"/>
+                </a:defRPr>
+              </a:lvl4pPr>
+              <a:lvl5pPr marL="2057400" indent="-228600" defTabSz="612775">
+                <a:defRPr sz="2400">
+                  <a:solidFill>
+                    <a:schemeClr val="tx1"/>
+                  </a:solidFill>
+                  <a:latin typeface="Times New Roman" pitchFamily="18" charset="0"/>
+                </a:defRPr>
+              </a:lvl5pPr>
+              <a:lvl6pPr marL="2514600" indent="-228600" defTabSz="612775" eaLnBrk="0" fontAlgn="base" hangingPunct="0">
+                <a:spcBef>
+                  <a:spcPct val="0"/>
+                </a:spcBef>
+                <a:spcAft>
+                  <a:spcPct val="0"/>
+                </a:spcAft>
+                <a:defRPr sz="2400">
+                  <a:solidFill>
+                    <a:schemeClr val="tx1"/>
+                  </a:solidFill>
+                  <a:latin typeface="Times New Roman" pitchFamily="18" charset="0"/>
+                </a:defRPr>
+              </a:lvl6pPr>
+              <a:lvl7pPr marL="2971800" indent="-228600" defTabSz="612775" eaLnBrk="0" fontAlgn="base" hangingPunct="0">
+                <a:spcBef>
+                  <a:spcPct val="0"/>
+                </a:spcBef>
+                <a:spcAft>
+                  <a:spcPct val="0"/>
+                </a:spcAft>
+                <a:defRPr sz="2400">
+                  <a:solidFill>
+                    <a:schemeClr val="tx1"/>
+                  </a:solidFill>
+                  <a:latin typeface="Times New Roman" pitchFamily="18" charset="0"/>
+                </a:defRPr>
+              </a:lvl7pPr>
+              <a:lvl8pPr marL="3429000" indent="-228600" defTabSz="612775" eaLnBrk="0" fontAlgn="base" hangingPunct="0">
+                <a:spcBef>
+                  <a:spcPct val="0"/>
+                </a:spcBef>
+                <a:spcAft>
+                  <a:spcPct val="0"/>
+                </a:spcAft>
+                <a:defRPr sz="2400">
+                  <a:solidFill>
+                    <a:schemeClr val="tx1"/>
+                  </a:solidFill>
+                  <a:latin typeface="Times New Roman" pitchFamily="18" charset="0"/>
+                </a:defRPr>
+              </a:lvl8pPr>
+              <a:lvl9pPr marL="3886200" indent="-228600" defTabSz="612775" eaLnBrk="0" fontAlgn="base" hangingPunct="0">
+                <a:spcBef>
+                  <a:spcPct val="0"/>
+                </a:spcBef>
+                <a:spcAft>
+                  <a:spcPct val="0"/>
+                </a:spcAft>
+                <a:defRPr sz="2400">
+                  <a:solidFill>
+                    <a:schemeClr val="tx1"/>
+                  </a:solidFill>
+                  <a:latin typeface="Times New Roman" pitchFamily="18" charset="0"/>
+                </a:defRPr>
+              </a:lvl9pPr>
+            </a:lstStyle>
+            <a:p>
+              <a:pPr algn="just">
+                <a:lnSpc>
+                  <a:spcPct val="120000"/>
+                </a:lnSpc>
+                <a:buFontTx/>
+                <a:buChar char="•"/>
+              </a:pPr>
+              <a:endParaRPr lang="en-US" altLang="ja-JP" sz="2800" dirty="0">
+                <a:solidFill>
+                  <a:schemeClr val="tx1">
+                    <a:lumMod val="75000"/>
+                    <a:lumOff val="25000"/>
+                  </a:schemeClr>
+                </a:solidFill>
+                <a:effectLst/>
+                <a:ea typeface="ＭＳ Ｐゴシック" charset="-128"/>
+              </a:endParaRPr>
+            </a:p>
+          </p:txBody>
+        </p:sp>
+        <p:pic>
+          <p:nvPicPr>
+            <p:cNvPr id="5" name="Picture 4"/>
+            <p:cNvPicPr>
+              <a:picLocks noChangeAspect="1"/>
+            </p:cNvPicPr>
+            <p:nvPr/>
+          </p:nvPicPr>
+          <p:blipFill rotWithShape="1">
+            <a:blip r:embed="rId10">
+              <a:extLst>
+                <a:ext uri="{28A0092B-C50C-407E-A947-70E740481C1C}">
+                  <a14:useLocalDpi xmlns:a14="http://schemas.microsoft.com/office/drawing/2010/main" val="0"/>
+                </a:ext>
+              </a:extLst>
+            </a:blip>
+            <a:srcRect b="2596"/>
+            <a:stretch/>
+          </p:blipFill>
+          <p:spPr>
+            <a:xfrm>
+              <a:off x="1257767" y="17978091"/>
+              <a:ext cx="7696200" cy="7496410"/>
+            </a:xfrm>
+            <a:prstGeom prst="rect">
+              <a:avLst/>
+            </a:prstGeom>
+          </p:spPr>
+        </p:pic>
+        <p:sp>
+          <p:nvSpPr>
+            <p:cNvPr id="74" name="TextBox 73"/>
+            <p:cNvSpPr txBox="1"/>
+            <p:nvPr/>
+          </p:nvSpPr>
+          <p:spPr>
+            <a:xfrm>
+              <a:off x="1510746" y="24107152"/>
+              <a:ext cx="7190241" cy="830997"/>
+            </a:xfrm>
+            <a:prstGeom prst="rect">
+              <a:avLst/>
+            </a:prstGeom>
+            <a:noFill/>
+          </p:spPr>
+          <p:txBody>
+            <a:bodyPr wrap="square" rtlCol="0">
+              <a:spAutoFit/>
+            </a:bodyPr>
+            <a:lstStyle/>
+            <a:p>
+              <a:r>
+                <a:rPr lang="en-US" dirty="0"/>
+                <a:t>A multi-dimensional scaling, color-coded by play and with number of lines encoded as size of bubble.</a:t>
+              </a:r>
+            </a:p>
+          </p:txBody>
+        </p:sp>
+        <p:sp>
+          <p:nvSpPr>
+            <p:cNvPr id="10" name="Rectangle 9"/>
+            <p:cNvSpPr/>
+            <p:nvPr/>
+          </p:nvSpPr>
+          <p:spPr>
+            <a:xfrm>
+              <a:off x="1177306" y="16601032"/>
+              <a:ext cx="7776661" cy="1690174"/>
+            </a:xfrm>
+            <a:prstGeom prst="rect">
+              <a:avLst/>
+            </a:prstGeom>
+          </p:spPr>
+          <p:txBody>
+            <a:bodyPr wrap="square">
+              <a:spAutoFit/>
+            </a:bodyPr>
+            <a:lstStyle/>
+            <a:p>
+              <a:r>
+                <a:rPr lang="en-US" sz="3600" dirty="0">
+                  <a:solidFill>
+                    <a:srgbClr val="000000"/>
+                  </a:solidFill>
+                  <a:effectLst/>
+                  <a:latin typeface="+mj-lt"/>
+                </a:rPr>
+                <a:t>We turned each character’s speech into a </a:t>
+              </a:r>
+              <a:r>
+                <a:rPr lang="en-US" sz="3600" b="1" dirty="0">
+                  <a:solidFill>
+                    <a:srgbClr val="000000"/>
+                  </a:solidFill>
+                  <a:effectLst/>
+                  <a:latin typeface="+mj-lt"/>
+                </a:rPr>
+                <a:t>vector</a:t>
+              </a:r>
+              <a:r>
+                <a:rPr lang="en-US" sz="3600" dirty="0">
+                  <a:solidFill>
+                    <a:srgbClr val="000000"/>
+                  </a:solidFill>
+                  <a:effectLst/>
+                  <a:latin typeface="+mj-lt"/>
+                </a:rPr>
+                <a:t> and used </a:t>
+              </a:r>
+              <a:r>
+                <a:rPr lang="en-US" sz="3600" b="1" dirty="0">
+                  <a:solidFill>
+                    <a:srgbClr val="000000"/>
+                  </a:solidFill>
+                  <a:effectLst/>
+                  <a:latin typeface="+mj-lt"/>
+                </a:rPr>
+                <a:t>multidimensional scaling </a:t>
+              </a:r>
+              <a:r>
+                <a:rPr lang="en-US" sz="3600" dirty="0">
+                  <a:solidFill>
+                    <a:srgbClr val="000000"/>
+                  </a:solidFill>
+                  <a:effectLst/>
+                  <a:latin typeface="+mj-lt"/>
+                </a:rPr>
+                <a:t>to look for </a:t>
+              </a:r>
+              <a:r>
+                <a:rPr lang="en-US" sz="3600" b="1" dirty="0">
+                  <a:solidFill>
+                    <a:srgbClr val="000000"/>
+                  </a:solidFill>
+                  <a:effectLst/>
+                  <a:latin typeface="+mj-lt"/>
+                </a:rPr>
+                <a:t>groups</a:t>
+              </a:r>
+              <a:r>
+                <a:rPr lang="en-US" sz="3600" dirty="0">
+                  <a:solidFill>
+                    <a:srgbClr val="000000"/>
+                  </a:solidFill>
+                  <a:effectLst/>
+                  <a:latin typeface="+mj-lt"/>
+                </a:rPr>
+                <a:t> of characters.</a:t>
+              </a:r>
+              <a:endParaRPr lang="en-US" sz="3600" dirty="0">
+                <a:latin typeface="+mj-lt"/>
+              </a:endParaRPr>
+            </a:p>
+          </p:txBody>
+        </p:sp>
+      </p:grpSp>
+      <p:grpSp>
+        <p:nvGrpSpPr>
+          <p:cNvPr id="17" name="Group 16">
+            <a:extLst>
+              <a:ext uri="{FF2B5EF4-FFF2-40B4-BE49-F238E27FC236}">
+                <a16:creationId xmlns:a16="http://schemas.microsoft.com/office/drawing/2014/main" id="{805B18CB-5FCA-49E9-9474-93EEAF482318}"/>
+              </a:ext>
+            </a:extLst>
+          </p:cNvPr>
+          <p:cNvGrpSpPr/>
+          <p:nvPr/>
+        </p:nvGrpSpPr>
+        <p:grpSpPr>
+          <a:xfrm>
+            <a:off x="1220134" y="6216925"/>
+            <a:ext cx="14545752" cy="4304064"/>
+            <a:chOff x="1177306" y="6201893"/>
+            <a:chExt cx="14545752" cy="4304064"/>
+          </a:xfrm>
+        </p:grpSpPr>
+        <p:sp>
+          <p:nvSpPr>
+            <p:cNvPr id="54" name="Text Box 263">
+              <a:extLst>
+                <a:ext uri="{FF2B5EF4-FFF2-40B4-BE49-F238E27FC236}">
+                  <a16:creationId xmlns:a16="http://schemas.microsoft.com/office/drawing/2014/main" id="{2C460C58-64E7-4204-912A-7A9F8309B605}"/>
+                </a:ext>
+              </a:extLst>
+            </p:cNvPr>
+            <p:cNvSpPr txBox="1">
+              <a:spLocks noChangeArrowheads="1"/>
+            </p:cNvSpPr>
+            <p:nvPr/>
+          </p:nvSpPr>
+          <p:spPr bwMode="auto">
+            <a:xfrm>
+              <a:off x="1177306" y="6201893"/>
+              <a:ext cx="7393701" cy="4296821"/>
+            </a:xfrm>
+            <a:prstGeom prst="rect">
+              <a:avLst/>
+            </a:prstGeom>
+            <a:solidFill>
+              <a:schemeClr val="bg1"/>
+            </a:solidFill>
+            <a:ln w="57150" cmpd="thinThick">
+              <a:noFill/>
+              <a:miter lim="800000"/>
+              <a:headEnd/>
+              <a:tailEnd/>
+            </a:ln>
+            <a:effectLst/>
+            <a:extLst/>
+          </p:spPr>
+          <p:txBody>
+            <a:bodyPr wrap="square" lIns="182880" tIns="91440" rIns="182880" bIns="182880">
+              <a:noAutofit/>
             </a:bodyPr>
             <a:lstStyle>
               <a:lvl1pPr>
@@ -5923,7 +7977,7 @@
                   <a:latin typeface="Times New Roman" pitchFamily="18" charset="0"/>
                 </a:defRPr>
               </a:lvl1pPr>
-              <a:lvl2pPr marL="742950" indent="-285750">
+              <a:lvl2pPr marL="685800" indent="-228600">
                 <a:defRPr sz="2400">
                   <a:solidFill>
                     <a:schemeClr val="tx1"/>
@@ -6013,18 +8067,57 @@
               </a:lvl9pPr>
             </a:lstStyle>
             <a:p>
-              <a:endParaRPr lang="en-US" altLang="zh-CN" sz="3600" b="1" dirty="0">
+              <a:pPr indent="-228600"/>
+              <a:r>
+                <a:rPr lang="en-US" sz="2800" dirty="0">
+                  <a:effectLst/>
+                </a:rPr>
+                <a:t>The sounds that make up a word are thought to have meaning. </a:t>
+              </a:r>
+            </a:p>
+            <a:p>
+              <a:pPr indent="-228600"/>
+              <a:br>
+                <a:rPr lang="en-US" sz="1000" dirty="0">
+                  <a:effectLst/>
+                </a:rPr>
+              </a:br>
+              <a:r>
+                <a:rPr lang="en-US" sz="2800" dirty="0">
+                  <a:effectLst/>
+                </a:rPr>
+                <a:t>When researchers make up gibberish words for objects, people tend to agree on which gibberish words should refer to small and large objects. </a:t>
+              </a:r>
+            </a:p>
+            <a:p>
+              <a:pPr indent="-228600"/>
+              <a:br>
+                <a:rPr lang="en-US" sz="1000" dirty="0">
+                  <a:effectLst/>
+                </a:rPr>
+              </a:br>
+              <a:r>
+                <a:rPr lang="en-US" sz="2800" dirty="0">
+                  <a:effectLst/>
+                </a:rPr>
+                <a:t>When close reading a poem, readers pay attention to assonance and consonance and draw meaning from the repetition of sounds.</a:t>
+              </a:r>
+              <a:endParaRPr lang="en-US" altLang="zh-CN" sz="2800" dirty="0">
                 <a:effectLst/>
-                <a:latin typeface="Lucida Sans" pitchFamily="34" charset="0"/>
                 <a:ea typeface="SimSun" pitchFamily="2" charset="-122"/>
-                <a:cs typeface="Lucida Sans" pitchFamily="34" charset="0"/>
               </a:endParaRPr>
             </a:p>
           </p:txBody>
         </p:sp>
         <p:sp>
           <p:nvSpPr>
-            <p:cNvPr id="90" name="Text Box 248"/>
+            <p:cNvPr id="56" name="Text Box 263">
+              <a:extLst>
+                <a:ext uri="{FF2B5EF4-FFF2-40B4-BE49-F238E27FC236}">
+                  <a16:creationId xmlns:a16="http://schemas.microsoft.com/office/drawing/2014/main" id="{6F1A8300-3B19-45F5-99FA-F65FB890D220}"/>
+                </a:ext>
+              </a:extLst>
+            </p:cNvPr>
             <p:cNvSpPr txBox="1">
               <a:spLocks noChangeArrowheads="1"/>
             </p:cNvSpPr>
@@ -6032,38 +8125,27 @@
           </p:nvSpPr>
           <p:spPr bwMode="auto">
             <a:xfrm>
-              <a:off x="1157514" y="6046588"/>
-              <a:ext cx="10805886" cy="798915"/>
+              <a:off x="8329357" y="6209136"/>
+              <a:ext cx="7393701" cy="4296821"/>
             </a:xfrm>
             <a:prstGeom prst="rect">
               <a:avLst/>
             </a:prstGeom>
-            <a:gradFill>
-              <a:gsLst>
-                <a:gs pos="56000">
-                  <a:schemeClr val="accent2">
-                    <a:lumMod val="50000"/>
-                  </a:schemeClr>
-                </a:gs>
-                <a:gs pos="100000">
-                  <a:schemeClr val="bg1">
-                    <a:alpha val="0"/>
-                  </a:schemeClr>
-                </a:gs>
-              </a:gsLst>
-              <a:lin ang="0" scaled="1"/>
-            </a:gradFill>
-            <a:ln w="19050">
+            <a:solidFill>
+              <a:schemeClr val="bg1"/>
+            </a:solidFill>
+            <a:ln w="57150" cmpd="thinThick">
               <a:noFill/>
               <a:miter lim="800000"/>
               <a:headEnd/>
               <a:tailEnd/>
             </a:ln>
             <a:effectLst/>
+            <a:extLst/>
           </p:spPr>
           <p:txBody>
-            <a:bodyPr wrap="square">
-              <a:spAutoFit/>
+            <a:bodyPr wrap="square" lIns="182880" tIns="91440" rIns="182880" bIns="182880">
+              <a:noAutofit/>
             </a:bodyPr>
             <a:lstStyle>
               <a:lvl1pPr>
@@ -6074,7 +8156,7 @@
                   <a:latin typeface="Times New Roman" pitchFamily="18" charset="0"/>
                 </a:defRPr>
               </a:lvl1pPr>
-              <a:lvl2pPr marL="742950" indent="-285750">
+              <a:lvl2pPr marL="685800" indent="-228600">
                 <a:defRPr sz="2400">
                   <a:solidFill>
                     <a:schemeClr val="tx1"/>
@@ -6164,208 +8246,139 @@
               </a:lvl9pPr>
             </a:lstStyle>
             <a:p>
+              <a:pPr>
+                <a:lnSpc>
+                  <a:spcPct val="125000"/>
+                </a:lnSpc>
+              </a:pPr>
               <a:r>
-                <a:rPr lang="en-US" altLang="zh-CN" sz="4400" b="1" dirty="0">
-                  <a:solidFill>
-                    <a:schemeClr val="bg1"/>
-                  </a:solidFill>
+                <a:rPr lang="en-US" sz="2800" b="1" dirty="0">
                   <a:effectLst/>
-                  <a:latin typeface="Lucida Sans" pitchFamily="34" charset="0"/>
-                  <a:ea typeface="SimSun" pitchFamily="2" charset="-122"/>
-                  <a:cs typeface="Lucida Sans" pitchFamily="34" charset="0"/>
                 </a:rPr>
-                <a:t>Thank You</a:t>
+                <a:t>Is</a:t>
               </a:r>
+              <a:r>
+                <a:rPr lang="en-US" sz="2800" dirty="0">
+                  <a:effectLst/>
+                </a:rPr>
+                <a:t> </a:t>
+              </a:r>
+              <a:r>
+                <a:rPr lang="en-US" sz="2800" b="1" dirty="0">
+                  <a:effectLst/>
+                </a:rPr>
+                <a:t>it then possible to visualize how a character “sounds”?</a:t>
+              </a:r>
+            </a:p>
+            <a:p>
+              <a:pPr>
+                <a:lnSpc>
+                  <a:spcPct val="125000"/>
+                </a:lnSpc>
+              </a:pPr>
+              <a:endParaRPr lang="en-US" sz="1000" dirty="0">
+                <a:effectLst/>
+              </a:endParaRPr>
+            </a:p>
+            <a:p>
+              <a:r>
+                <a:rPr lang="en-US" sz="2800" dirty="0">
+                  <a:effectLst/>
+                </a:rPr>
+                <a:t>Do female characters have a different sound pattern than male characters?</a:t>
+              </a:r>
+            </a:p>
+            <a:p>
+              <a:pPr lvl="1"/>
+              <a:endParaRPr lang="en-US" sz="1000" dirty="0">
+                <a:effectLst/>
+              </a:endParaRPr>
+            </a:p>
+            <a:p>
+              <a:r>
+                <a:rPr lang="en-US" sz="2800" dirty="0">
+                  <a:effectLst/>
+                </a:rPr>
+                <a:t>Do protagonists sound different from antagonists?</a:t>
+              </a:r>
+            </a:p>
+            <a:p>
+              <a:endParaRPr lang="en-US" sz="1000" dirty="0">
+                <a:effectLst/>
+              </a:endParaRPr>
+            </a:p>
+            <a:p>
+              <a:r>
+                <a:rPr lang="en-US" sz="2800" b="1" dirty="0">
+                  <a:effectLst/>
+                </a:rPr>
+                <a:t>Are characters differentiable from one another based on how they sound? </a:t>
+              </a:r>
+              <a:endParaRPr lang="en-US" sz="2800" b="1" dirty="0"/>
+            </a:p>
+            <a:p>
+              <a:endParaRPr lang="en-US" sz="2800" dirty="0">
+                <a:effectLst/>
+              </a:endParaRPr>
+            </a:p>
+            <a:p>
+              <a:endParaRPr lang="en-US" sz="1000" dirty="0">
+                <a:effectLst/>
+              </a:endParaRPr>
+            </a:p>
+            <a:p>
+              <a:pPr>
+                <a:lnSpc>
+                  <a:spcPct val="125000"/>
+                </a:lnSpc>
+              </a:pPr>
+              <a:endParaRPr lang="en-US" altLang="zh-CN" sz="2800" dirty="0">
+                <a:effectLst/>
+                <a:ea typeface="SimSun" pitchFamily="2" charset="-122"/>
+              </a:endParaRPr>
             </a:p>
           </p:txBody>
         </p:sp>
       </p:grpSp>
       <p:sp>
         <p:nvSpPr>
-          <p:cNvPr id="96" name="Text Box 248"/>
-          <p:cNvSpPr txBox="1">
-            <a:spLocks noChangeArrowheads="1"/>
-          </p:cNvSpPr>
+          <p:cNvPr id="66" name="Isosceles Triangle 65">
+            <a:extLst>
+              <a:ext uri="{FF2B5EF4-FFF2-40B4-BE49-F238E27FC236}">
+                <a16:creationId xmlns:a16="http://schemas.microsoft.com/office/drawing/2014/main" id="{8BDCDC91-A860-4F73-A609-A050B902D6E3}"/>
+              </a:ext>
+            </a:extLst>
+          </p:cNvPr>
+          <p:cNvSpPr/>
           <p:nvPr/>
         </p:nvSpPr>
         <p:spPr bwMode="auto">
-          <a:xfrm>
-            <a:off x="16163193" y="27628477"/>
-            <a:ext cx="15275114" cy="784677"/>
+          <a:xfrm rot="16200000">
+            <a:off x="6508070" y="15729350"/>
+            <a:ext cx="12103703" cy="6835375"/>
           </a:xfrm>
-          <a:prstGeom prst="rect">
-            <a:avLst/>
-          </a:prstGeom>
-          <a:gradFill>
-            <a:gsLst>
-              <a:gs pos="56000">
-                <a:schemeClr val="accent2">
-                  <a:lumMod val="50000"/>
-                </a:schemeClr>
-              </a:gs>
-              <a:gs pos="100000">
-                <a:schemeClr val="bg1">
-                  <a:alpha val="0"/>
-                </a:schemeClr>
-              </a:gs>
-            </a:gsLst>
-            <a:lin ang="0" scaled="1"/>
-          </a:gradFill>
-          <a:ln w="19050">
-            <a:noFill/>
-            <a:miter lim="800000"/>
-            <a:headEnd/>
-            <a:tailEnd/>
-          </a:ln>
-          <a:effectLst/>
-        </p:spPr>
-        <p:txBody>
-          <a:bodyPr wrap="square">
-            <a:spAutoFit/>
-          </a:bodyPr>
-          <a:lstStyle>
-            <a:lvl1pPr>
-              <a:defRPr sz="2400">
-                <a:solidFill>
-                  <a:schemeClr val="tx1"/>
-                </a:solidFill>
-                <a:latin typeface="Times New Roman" pitchFamily="18" charset="0"/>
-              </a:defRPr>
-            </a:lvl1pPr>
-            <a:lvl2pPr marL="742950" indent="-285750">
-              <a:defRPr sz="2400">
-                <a:solidFill>
-                  <a:schemeClr val="tx1"/>
-                </a:solidFill>
-                <a:latin typeface="Times New Roman" pitchFamily="18" charset="0"/>
-              </a:defRPr>
-            </a:lvl2pPr>
-            <a:lvl3pPr marL="1143000" indent="-228600">
-              <a:defRPr sz="2400">
-                <a:solidFill>
-                  <a:schemeClr val="tx1"/>
-                </a:solidFill>
-                <a:latin typeface="Times New Roman" pitchFamily="18" charset="0"/>
-              </a:defRPr>
-            </a:lvl3pPr>
-            <a:lvl4pPr marL="1600200" indent="-228600">
-              <a:defRPr sz="2400">
-                <a:solidFill>
-                  <a:schemeClr val="tx1"/>
-                </a:solidFill>
-                <a:latin typeface="Times New Roman" pitchFamily="18" charset="0"/>
-              </a:defRPr>
-            </a:lvl4pPr>
-            <a:lvl5pPr marL="2057400" indent="-228600">
-              <a:defRPr sz="2400">
-                <a:solidFill>
-                  <a:schemeClr val="tx1"/>
-                </a:solidFill>
-                <a:latin typeface="Times New Roman" pitchFamily="18" charset="0"/>
-              </a:defRPr>
-            </a:lvl5pPr>
-            <a:lvl6pPr marL="2514600" indent="-228600" eaLnBrk="0" fontAlgn="base" hangingPunct="0">
-              <a:spcBef>
-                <a:spcPct val="0"/>
-              </a:spcBef>
-              <a:spcAft>
-                <a:spcPct val="0"/>
-              </a:spcAft>
-              <a:defRPr sz="2400">
-                <a:solidFill>
-                  <a:schemeClr val="tx1"/>
-                </a:solidFill>
-                <a:latin typeface="Times New Roman" pitchFamily="18" charset="0"/>
-              </a:defRPr>
-            </a:lvl6pPr>
-            <a:lvl7pPr marL="2971800" indent="-228600" eaLnBrk="0" fontAlgn="base" hangingPunct="0">
-              <a:spcBef>
-                <a:spcPct val="0"/>
-              </a:spcBef>
-              <a:spcAft>
-                <a:spcPct val="0"/>
-              </a:spcAft>
-              <a:defRPr sz="2400">
-                <a:solidFill>
-                  <a:schemeClr val="tx1"/>
-                </a:solidFill>
-                <a:latin typeface="Times New Roman" pitchFamily="18" charset="0"/>
-              </a:defRPr>
-            </a:lvl7pPr>
-            <a:lvl8pPr marL="3429000" indent="-228600" eaLnBrk="0" fontAlgn="base" hangingPunct="0">
-              <a:spcBef>
-                <a:spcPct val="0"/>
-              </a:spcBef>
-              <a:spcAft>
-                <a:spcPct val="0"/>
-              </a:spcAft>
-              <a:defRPr sz="2400">
-                <a:solidFill>
-                  <a:schemeClr val="tx1"/>
-                </a:solidFill>
-                <a:latin typeface="Times New Roman" pitchFamily="18" charset="0"/>
-              </a:defRPr>
-            </a:lvl8pPr>
-            <a:lvl9pPr marL="3886200" indent="-228600" eaLnBrk="0" fontAlgn="base" hangingPunct="0">
-              <a:spcBef>
-                <a:spcPct val="0"/>
-              </a:spcBef>
-              <a:spcAft>
-                <a:spcPct val="0"/>
-              </a:spcAft>
-              <a:defRPr sz="2400">
-                <a:solidFill>
-                  <a:schemeClr val="tx1"/>
-                </a:solidFill>
-                <a:latin typeface="Times New Roman" pitchFamily="18" charset="0"/>
-              </a:defRPr>
-            </a:lvl9pPr>
-          </a:lstStyle>
-          <a:p>
-            <a:r>
-              <a:rPr lang="en-US" altLang="zh-CN" sz="4400" b="1" dirty="0">
-                <a:solidFill>
-                  <a:schemeClr val="bg1"/>
-                </a:solidFill>
-                <a:effectLst/>
-                <a:latin typeface="Lucida Sans" pitchFamily="34" charset="0"/>
-                <a:ea typeface="SimSun" pitchFamily="2" charset="-122"/>
-                <a:cs typeface="Lucida Sans" pitchFamily="34" charset="0"/>
-              </a:rPr>
-              <a:t>What Next?</a:t>
-            </a:r>
-          </a:p>
-        </p:txBody>
-      </p:sp>
-      <p:sp>
-        <p:nvSpPr>
-          <p:cNvPr id="38" name="Text Box 242"/>
-          <p:cNvSpPr txBox="1">
-            <a:spLocks noChangeArrowheads="1"/>
-          </p:cNvSpPr>
-          <p:nvPr/>
-        </p:nvSpPr>
-        <p:spPr bwMode="auto">
-          <a:xfrm>
-            <a:off x="1216390" y="16633077"/>
-            <a:ext cx="7814905" cy="8841424"/>
-          </a:xfrm>
-          <a:prstGeom prst="rect">
-            <a:avLst/>
+          <a:prstGeom prst="triangle">
+            <a:avLst>
+              <a:gd name="adj" fmla="val 27961"/>
+            </a:avLst>
           </a:prstGeom>
           <a:solidFill>
-            <a:schemeClr val="bg1"/>
+            <a:schemeClr val="accent3">
+              <a:lumMod val="40000"/>
+              <a:lumOff val="60000"/>
+            </a:schemeClr>
           </a:solidFill>
-          <a:ln w="57150" cmpd="thinThick">
+          <a:ln w="9525" cap="flat" cmpd="sng" algn="ctr">
             <a:noFill/>
-            <a:miter lim="800000"/>
-            <a:headEnd/>
-            <a:tailEnd/>
+            <a:prstDash val="solid"/>
+            <a:round/>
+            <a:headEnd type="none" w="med" len="med"/>
+            <a:tailEnd type="none" w="med" len="med"/>
           </a:ln>
           <a:effectLst/>
           <a:extLst>
             <a:ext uri="{AF507438-7753-43e0-B8FC-AC1667EBCBE1}">
-              <a14:hiddenEffects xmlns:a14="http://schemas.microsoft.com/office/drawing/2010/main" xmlns="">
+              <a14:hiddenEffects xmlns="" xmlns:a14="http://schemas.microsoft.com/office/drawing/2010/main">
                 <a:effectLst>
                   <a:outerShdw dist="35921" dir="2700000" algn="ctr" rotWithShape="0">
                     <a:schemeClr val="bg2"/>
@@ -6376,1121 +8389,604 @@
           </a:extLst>
         </p:spPr>
         <p:txBody>
-          <a:bodyPr wrap="square" lIns="182880" tIns="91440" rIns="182880" bIns="182880">
-            <a:spAutoFit/>
+          <a:bodyPr vert="horz" wrap="square" lIns="91440" tIns="45720" rIns="91440" bIns="45720" numCol="1" rtlCol="0" anchor="t" anchorCtr="0" compatLnSpc="1">
+            <a:prstTxWarp prst="textNoShape">
+              <a:avLst/>
+            </a:prstTxWarp>
           </a:bodyPr>
-          <a:lstStyle>
-            <a:lvl1pPr marL="228600" indent="-228600" defTabSz="612775">
-              <a:defRPr sz="2400">
-                <a:solidFill>
-                  <a:schemeClr val="tx1"/>
-                </a:solidFill>
-                <a:latin typeface="Times New Roman" pitchFamily="18" charset="0"/>
-              </a:defRPr>
-            </a:lvl1pPr>
-            <a:lvl2pPr marL="742950" indent="-285750" defTabSz="612775">
-              <a:defRPr sz="2400">
-                <a:solidFill>
-                  <a:schemeClr val="tx1"/>
-                </a:solidFill>
-                <a:latin typeface="Times New Roman" pitchFamily="18" charset="0"/>
-              </a:defRPr>
-            </a:lvl2pPr>
-            <a:lvl3pPr marL="1143000" indent="-228600" defTabSz="612775">
-              <a:defRPr sz="2400">
-                <a:solidFill>
-                  <a:schemeClr val="tx1"/>
-                </a:solidFill>
-                <a:latin typeface="Times New Roman" pitchFamily="18" charset="0"/>
-              </a:defRPr>
-            </a:lvl3pPr>
-            <a:lvl4pPr marL="1600200" indent="-228600" defTabSz="612775">
-              <a:defRPr sz="2400">
-                <a:solidFill>
-                  <a:schemeClr val="tx1"/>
-                </a:solidFill>
-                <a:latin typeface="Times New Roman" pitchFamily="18" charset="0"/>
-              </a:defRPr>
-            </a:lvl4pPr>
-            <a:lvl5pPr marL="2057400" indent="-228600" defTabSz="612775">
-              <a:defRPr sz="2400">
-                <a:solidFill>
-                  <a:schemeClr val="tx1"/>
-                </a:solidFill>
-                <a:latin typeface="Times New Roman" pitchFamily="18" charset="0"/>
-              </a:defRPr>
-            </a:lvl5pPr>
-            <a:lvl6pPr marL="2514600" indent="-228600" defTabSz="612775" eaLnBrk="0" fontAlgn="base" hangingPunct="0">
+          <a:lstStyle/>
+          <a:p>
+            <a:pPr marL="0" marR="0" indent="0" algn="l" defTabSz="914400" rtl="0" eaLnBrk="0" fontAlgn="base" latinLnBrk="0" hangingPunct="0">
+              <a:lnSpc>
+                <a:spcPct val="100000"/>
+              </a:lnSpc>
               <a:spcBef>
                 <a:spcPct val="0"/>
               </a:spcBef>
               <a:spcAft>
                 <a:spcPct val="0"/>
               </a:spcAft>
-              <a:defRPr sz="2400">
-                <a:solidFill>
-                  <a:schemeClr val="tx1"/>
-                </a:solidFill>
-                <a:latin typeface="Times New Roman" pitchFamily="18" charset="0"/>
-              </a:defRPr>
-            </a:lvl6pPr>
-            <a:lvl7pPr marL="2971800" indent="-228600" defTabSz="612775" eaLnBrk="0" fontAlgn="base" hangingPunct="0">
-              <a:spcBef>
-                <a:spcPct val="0"/>
-              </a:spcBef>
-              <a:spcAft>
-                <a:spcPct val="0"/>
-              </a:spcAft>
-              <a:defRPr sz="2400">
-                <a:solidFill>
-                  <a:schemeClr val="tx1"/>
-                </a:solidFill>
-                <a:latin typeface="Times New Roman" pitchFamily="18" charset="0"/>
-              </a:defRPr>
-            </a:lvl7pPr>
-            <a:lvl8pPr marL="3429000" indent="-228600" defTabSz="612775" eaLnBrk="0" fontAlgn="base" hangingPunct="0">
-              <a:spcBef>
-                <a:spcPct val="0"/>
-              </a:spcBef>
-              <a:spcAft>
-                <a:spcPct val="0"/>
-              </a:spcAft>
-              <a:defRPr sz="2400">
-                <a:solidFill>
-                  <a:schemeClr val="tx1"/>
-                </a:solidFill>
-                <a:latin typeface="Times New Roman" pitchFamily="18" charset="0"/>
-              </a:defRPr>
-            </a:lvl8pPr>
-            <a:lvl9pPr marL="3886200" indent="-228600" defTabSz="612775" eaLnBrk="0" fontAlgn="base" hangingPunct="0">
-              <a:spcBef>
-                <a:spcPct val="0"/>
-              </a:spcBef>
-              <a:spcAft>
-                <a:spcPct val="0"/>
-              </a:spcAft>
-              <a:defRPr sz="2400">
-                <a:solidFill>
-                  <a:schemeClr val="tx1"/>
-                </a:solidFill>
-                <a:latin typeface="Times New Roman" pitchFamily="18" charset="0"/>
-              </a:defRPr>
-            </a:lvl9pPr>
-          </a:lstStyle>
-          <a:p>
-            <a:pPr algn="just">
-              <a:lnSpc>
-                <a:spcPct val="120000"/>
-              </a:lnSpc>
+              <a:buClrTx/>
+              <a:buSzTx/>
               <a:buFontTx/>
-              <a:buChar char="•"/>
+              <a:buNone/>
+              <a:tabLst/>
             </a:pPr>
-            <a:endParaRPr lang="en-US" altLang="ja-JP" sz="2800" dirty="0">
+            <a:endParaRPr kumimoji="0" lang="en-US" sz="2400" b="0" i="0" u="none" strike="noStrike" cap="none" normalizeH="0" baseline="0">
+              <a:ln>
+                <a:noFill/>
+              </a:ln>
               <a:solidFill>
-                <a:schemeClr val="tx1">
-                  <a:lumMod val="75000"/>
-                  <a:lumOff val="25000"/>
-                </a:schemeClr>
+                <a:schemeClr val="tx1"/>
               </a:solidFill>
-              <a:effectLst/>
-              <a:ea typeface="ＭＳ Ｐゴシック" charset="-128"/>
+              <a:effectLst>
+                <a:outerShdw blurRad="38100" dist="38100" dir="2700000" algn="tl">
+                  <a:srgbClr val="000000">
+                    <a:alpha val="43137"/>
+                  </a:srgbClr>
+                </a:outerShdw>
+              </a:effectLst>
+              <a:latin typeface="Times New Roman" pitchFamily="18" charset="0"/>
             </a:endParaRPr>
           </a:p>
         </p:txBody>
       </p:sp>
-      <p:sp>
-        <p:nvSpPr>
-          <p:cNvPr id="45" name="Text Box 263"/>
-          <p:cNvSpPr txBox="1">
-            <a:spLocks noChangeArrowheads="1"/>
-          </p:cNvSpPr>
+      <p:grpSp>
+        <p:nvGrpSpPr>
+          <p:cNvPr id="19" name="Group 18">
+            <a:extLst>
+              <a:ext uri="{FF2B5EF4-FFF2-40B4-BE49-F238E27FC236}">
+                <a16:creationId xmlns:a16="http://schemas.microsoft.com/office/drawing/2014/main" id="{96D30C17-4ACB-43AB-9D65-23EFCFEF01E7}"/>
+              </a:ext>
+            </a:extLst>
+          </p:cNvPr>
+          <p:cNvGrpSpPr/>
           <p:nvPr/>
-        </p:nvSpPr>
-        <p:spPr bwMode="auto">
+        </p:nvGrpSpPr>
+        <p:grpSpPr>
           <a:xfrm>
-            <a:off x="16034959" y="28464088"/>
-            <a:ext cx="15552627" cy="4047262"/>
+            <a:off x="1225199" y="11260472"/>
+            <a:ext cx="14984866" cy="4537358"/>
+            <a:chOff x="1133918" y="11244854"/>
+            <a:chExt cx="14984866" cy="4537358"/>
           </a:xfrm>
-          <a:prstGeom prst="rect">
-            <a:avLst/>
-          </a:prstGeom>
           <a:solidFill>
             <a:schemeClr val="bg1"/>
           </a:solidFill>
-          <a:ln w="57150" cmpd="thinThick">
+        </p:grpSpPr>
+        <p:sp>
+          <p:nvSpPr>
+            <p:cNvPr id="50" name="Text Box 263">
+              <a:extLst>
+                <a:ext uri="{FF2B5EF4-FFF2-40B4-BE49-F238E27FC236}">
+                  <a16:creationId xmlns:a16="http://schemas.microsoft.com/office/drawing/2014/main" id="{E092D375-05B1-4228-A258-8E736865B013}"/>
+                </a:ext>
+              </a:extLst>
+            </p:cNvPr>
+            <p:cNvSpPr txBox="1">
+              <a:spLocks noChangeArrowheads="1"/>
+            </p:cNvSpPr>
+            <p:nvPr/>
+          </p:nvSpPr>
+          <p:spPr bwMode="auto">
+            <a:xfrm>
+              <a:off x="1133918" y="11244854"/>
+              <a:ext cx="14556371" cy="4518053"/>
+            </a:xfrm>
+            <a:prstGeom prst="rect">
+              <a:avLst/>
+            </a:prstGeom>
+            <a:grpFill/>
+            <a:ln w="57150" cmpd="thinThick">
+              <a:noFill/>
+              <a:miter lim="800000"/>
+              <a:headEnd/>
+              <a:tailEnd/>
+            </a:ln>
+            <a:effectLst/>
+            <a:extLst/>
+          </p:spPr>
+          <p:txBody>
+            <a:bodyPr wrap="square" lIns="182880" tIns="91440" rIns="182880" bIns="182880">
+              <a:spAutoFit/>
+            </a:bodyPr>
+            <a:lstStyle>
+              <a:lvl1pPr>
+                <a:defRPr sz="2400">
+                  <a:solidFill>
+                    <a:schemeClr val="tx1"/>
+                  </a:solidFill>
+                  <a:latin typeface="Times New Roman" pitchFamily="18" charset="0"/>
+                </a:defRPr>
+              </a:lvl1pPr>
+              <a:lvl2pPr marL="685800" indent="-228600">
+                <a:defRPr sz="2400">
+                  <a:solidFill>
+                    <a:schemeClr val="tx1"/>
+                  </a:solidFill>
+                  <a:latin typeface="Times New Roman" pitchFamily="18" charset="0"/>
+                </a:defRPr>
+              </a:lvl2pPr>
+              <a:lvl3pPr marL="1143000" indent="-228600">
+                <a:defRPr sz="2400">
+                  <a:solidFill>
+                    <a:schemeClr val="tx1"/>
+                  </a:solidFill>
+                  <a:latin typeface="Times New Roman" pitchFamily="18" charset="0"/>
+                </a:defRPr>
+              </a:lvl3pPr>
+              <a:lvl4pPr marL="1600200" indent="-228600">
+                <a:defRPr sz="2400">
+                  <a:solidFill>
+                    <a:schemeClr val="tx1"/>
+                  </a:solidFill>
+                  <a:latin typeface="Times New Roman" pitchFamily="18" charset="0"/>
+                </a:defRPr>
+              </a:lvl4pPr>
+              <a:lvl5pPr marL="2057400" indent="-228600">
+                <a:defRPr sz="2400">
+                  <a:solidFill>
+                    <a:schemeClr val="tx1"/>
+                  </a:solidFill>
+                  <a:latin typeface="Times New Roman" pitchFamily="18" charset="0"/>
+                </a:defRPr>
+              </a:lvl5pPr>
+              <a:lvl6pPr marL="2514600" indent="-228600" eaLnBrk="0" fontAlgn="base" hangingPunct="0">
+                <a:spcBef>
+                  <a:spcPct val="0"/>
+                </a:spcBef>
+                <a:spcAft>
+                  <a:spcPct val="0"/>
+                </a:spcAft>
+                <a:defRPr sz="2400">
+                  <a:solidFill>
+                    <a:schemeClr val="tx1"/>
+                  </a:solidFill>
+                  <a:latin typeface="Times New Roman" pitchFamily="18" charset="0"/>
+                </a:defRPr>
+              </a:lvl6pPr>
+              <a:lvl7pPr marL="2971800" indent="-228600" eaLnBrk="0" fontAlgn="base" hangingPunct="0">
+                <a:spcBef>
+                  <a:spcPct val="0"/>
+                </a:spcBef>
+                <a:spcAft>
+                  <a:spcPct val="0"/>
+                </a:spcAft>
+                <a:defRPr sz="2400">
+                  <a:solidFill>
+                    <a:schemeClr val="tx1"/>
+                  </a:solidFill>
+                  <a:latin typeface="Times New Roman" pitchFamily="18" charset="0"/>
+                </a:defRPr>
+              </a:lvl7pPr>
+              <a:lvl8pPr marL="3429000" indent="-228600" eaLnBrk="0" fontAlgn="base" hangingPunct="0">
+                <a:spcBef>
+                  <a:spcPct val="0"/>
+                </a:spcBef>
+                <a:spcAft>
+                  <a:spcPct val="0"/>
+                </a:spcAft>
+                <a:defRPr sz="2400">
+                  <a:solidFill>
+                    <a:schemeClr val="tx1"/>
+                  </a:solidFill>
+                  <a:latin typeface="Times New Roman" pitchFamily="18" charset="0"/>
+                </a:defRPr>
+              </a:lvl8pPr>
+              <a:lvl9pPr marL="3886200" indent="-228600" eaLnBrk="0" fontAlgn="base" hangingPunct="0">
+                <a:spcBef>
+                  <a:spcPct val="0"/>
+                </a:spcBef>
+                <a:spcAft>
+                  <a:spcPct val="0"/>
+                </a:spcAft>
+                <a:defRPr sz="2400">
+                  <a:solidFill>
+                    <a:schemeClr val="tx1"/>
+                  </a:solidFill>
+                  <a:latin typeface="Times New Roman" pitchFamily="18" charset="0"/>
+                </a:defRPr>
+              </a:lvl9pPr>
+            </a:lstStyle>
+            <a:p>
+              <a:pPr>
+                <a:lnSpc>
+                  <a:spcPct val="125000"/>
+                </a:lnSpc>
+              </a:pPr>
+              <a:endParaRPr lang="en-US" altLang="zh-CN" sz="2800" b="1" dirty="0">
+                <a:solidFill>
+                  <a:srgbClr val="FF0080"/>
+                </a:solidFill>
+                <a:effectLst/>
+                <a:ea typeface="SimSun" pitchFamily="2" charset="-122"/>
+              </a:endParaRPr>
+            </a:p>
+          </p:txBody>
+        </p:sp>
+        <p:sp>
+          <p:nvSpPr>
+            <p:cNvPr id="43" name="Text Box 263">
+              <a:extLst>
+                <a:ext uri="{FF2B5EF4-FFF2-40B4-BE49-F238E27FC236}">
+                  <a16:creationId xmlns:a16="http://schemas.microsoft.com/office/drawing/2014/main" id="{99FC432D-809F-4CEB-B05C-4352B08C803C}"/>
+                </a:ext>
+              </a:extLst>
+            </p:cNvPr>
+            <p:cNvSpPr txBox="1">
+              <a:spLocks noChangeArrowheads="1"/>
+            </p:cNvSpPr>
+            <p:nvPr/>
+          </p:nvSpPr>
+          <p:spPr bwMode="auto">
+            <a:xfrm>
+              <a:off x="1209684" y="11272370"/>
+              <a:ext cx="7563561" cy="4316566"/>
+            </a:xfrm>
+            <a:prstGeom prst="rect">
+              <a:avLst/>
+            </a:prstGeom>
+            <a:grpFill/>
+            <a:ln w="57150" cmpd="thinThick">
+              <a:noFill/>
+              <a:miter lim="800000"/>
+              <a:headEnd/>
+              <a:tailEnd/>
+            </a:ln>
+            <a:effectLst/>
+            <a:extLst/>
+          </p:spPr>
+          <p:txBody>
+            <a:bodyPr wrap="square" lIns="182880" tIns="91440" rIns="182880" bIns="182880">
+              <a:spAutoFit/>
+            </a:bodyPr>
+            <a:lstStyle>
+              <a:lvl1pPr>
+                <a:defRPr sz="2400">
+                  <a:solidFill>
+                    <a:schemeClr val="tx1"/>
+                  </a:solidFill>
+                  <a:latin typeface="Times New Roman" pitchFamily="18" charset="0"/>
+                </a:defRPr>
+              </a:lvl1pPr>
+              <a:lvl2pPr marL="685800" indent="-228600">
+                <a:defRPr sz="2400">
+                  <a:solidFill>
+                    <a:schemeClr val="tx1"/>
+                  </a:solidFill>
+                  <a:latin typeface="Times New Roman" pitchFamily="18" charset="0"/>
+                </a:defRPr>
+              </a:lvl2pPr>
+              <a:lvl3pPr marL="1143000" indent="-228600">
+                <a:defRPr sz="2400">
+                  <a:solidFill>
+                    <a:schemeClr val="tx1"/>
+                  </a:solidFill>
+                  <a:latin typeface="Times New Roman" pitchFamily="18" charset="0"/>
+                </a:defRPr>
+              </a:lvl3pPr>
+              <a:lvl4pPr marL="1600200" indent="-228600">
+                <a:defRPr sz="2400">
+                  <a:solidFill>
+                    <a:schemeClr val="tx1"/>
+                  </a:solidFill>
+                  <a:latin typeface="Times New Roman" pitchFamily="18" charset="0"/>
+                </a:defRPr>
+              </a:lvl4pPr>
+              <a:lvl5pPr marL="2057400" indent="-228600">
+                <a:defRPr sz="2400">
+                  <a:solidFill>
+                    <a:schemeClr val="tx1"/>
+                  </a:solidFill>
+                  <a:latin typeface="Times New Roman" pitchFamily="18" charset="0"/>
+                </a:defRPr>
+              </a:lvl5pPr>
+              <a:lvl6pPr marL="2514600" indent="-228600" eaLnBrk="0" fontAlgn="base" hangingPunct="0">
+                <a:spcBef>
+                  <a:spcPct val="0"/>
+                </a:spcBef>
+                <a:spcAft>
+                  <a:spcPct val="0"/>
+                </a:spcAft>
+                <a:defRPr sz="2400">
+                  <a:solidFill>
+                    <a:schemeClr val="tx1"/>
+                  </a:solidFill>
+                  <a:latin typeface="Times New Roman" pitchFamily="18" charset="0"/>
+                </a:defRPr>
+              </a:lvl6pPr>
+              <a:lvl7pPr marL="2971800" indent="-228600" eaLnBrk="0" fontAlgn="base" hangingPunct="0">
+                <a:spcBef>
+                  <a:spcPct val="0"/>
+                </a:spcBef>
+                <a:spcAft>
+                  <a:spcPct val="0"/>
+                </a:spcAft>
+                <a:defRPr sz="2400">
+                  <a:solidFill>
+                    <a:schemeClr val="tx1"/>
+                  </a:solidFill>
+                  <a:latin typeface="Times New Roman" pitchFamily="18" charset="0"/>
+                </a:defRPr>
+              </a:lvl7pPr>
+              <a:lvl8pPr marL="3429000" indent="-228600" eaLnBrk="0" fontAlgn="base" hangingPunct="0">
+                <a:spcBef>
+                  <a:spcPct val="0"/>
+                </a:spcBef>
+                <a:spcAft>
+                  <a:spcPct val="0"/>
+                </a:spcAft>
+                <a:defRPr sz="2400">
+                  <a:solidFill>
+                    <a:schemeClr val="tx1"/>
+                  </a:solidFill>
+                  <a:latin typeface="Times New Roman" pitchFamily="18" charset="0"/>
+                </a:defRPr>
+              </a:lvl8pPr>
+              <a:lvl9pPr marL="3886200" indent="-228600" eaLnBrk="0" fontAlgn="base" hangingPunct="0">
+                <a:spcBef>
+                  <a:spcPct val="0"/>
+                </a:spcBef>
+                <a:spcAft>
+                  <a:spcPct val="0"/>
+                </a:spcAft>
+                <a:defRPr sz="2400">
+                  <a:solidFill>
+                    <a:schemeClr val="tx1"/>
+                  </a:solidFill>
+                  <a:latin typeface="Times New Roman" pitchFamily="18" charset="0"/>
+                </a:defRPr>
+              </a:lvl9pPr>
+            </a:lstStyle>
+            <a:p>
+              <a:pPr>
+                <a:lnSpc>
+                  <a:spcPct val="125000"/>
+                </a:lnSpc>
+              </a:pPr>
+              <a:r>
+                <a:rPr lang="en-US" altLang="zh-CN" sz="3000" dirty="0">
+                  <a:effectLst/>
+                  <a:ea typeface="SimSun" pitchFamily="2" charset="-122"/>
+                </a:rPr>
+                <a:t>Words break down into a set of fundamental elements called </a:t>
+              </a:r>
+              <a:r>
+                <a:rPr lang="en-US" altLang="zh-CN" sz="3000" b="1" dirty="0">
+                  <a:solidFill>
+                    <a:srgbClr val="FF0080"/>
+                  </a:solidFill>
+                  <a:effectLst/>
+                  <a:ea typeface="SimSun" pitchFamily="2" charset="-122"/>
+                </a:rPr>
+                <a:t>phonemes</a:t>
+              </a:r>
+              <a:r>
+                <a:rPr lang="en-US" altLang="zh-CN" sz="3000" dirty="0">
+                  <a:effectLst/>
+                  <a:ea typeface="SimSun" pitchFamily="2" charset="-122"/>
+                </a:rPr>
+                <a:t>. Every phoneme has an associated list of </a:t>
+              </a:r>
+              <a:r>
+                <a:rPr lang="en-US" altLang="zh-CN" sz="3000" b="1" dirty="0">
+                  <a:solidFill>
+                    <a:schemeClr val="accent2">
+                      <a:lumMod val="50000"/>
+                    </a:schemeClr>
+                  </a:solidFill>
+                  <a:effectLst/>
+                  <a:ea typeface="SimSun" pitchFamily="2" charset="-122"/>
+                </a:rPr>
+                <a:t>features</a:t>
+              </a:r>
+              <a:r>
+                <a:rPr lang="en-US" altLang="zh-CN" sz="3000" dirty="0">
+                  <a:solidFill>
+                    <a:schemeClr val="accent2">
+                      <a:lumMod val="50000"/>
+                    </a:schemeClr>
+                  </a:solidFill>
+                  <a:effectLst/>
+                  <a:ea typeface="SimSun" pitchFamily="2" charset="-122"/>
+                </a:rPr>
+                <a:t> </a:t>
+              </a:r>
+              <a:r>
+                <a:rPr lang="en-US" altLang="zh-CN" sz="3000" dirty="0">
+                  <a:effectLst/>
+                  <a:ea typeface="SimSun" pitchFamily="2" charset="-122"/>
+                </a:rPr>
+                <a:t>which describe the physical processes necessary to produce it. We analyzed characters using the </a:t>
+              </a:r>
+              <a:r>
+                <a:rPr lang="en-US" altLang="zh-CN" sz="3000" b="1" dirty="0">
+                  <a:solidFill>
+                    <a:schemeClr val="accent2">
+                      <a:lumMod val="50000"/>
+                    </a:schemeClr>
+                  </a:solidFill>
+                  <a:effectLst/>
+                  <a:ea typeface="SimSun" pitchFamily="2" charset="-122"/>
+                </a:rPr>
+                <a:t>types of sounds </a:t>
+              </a:r>
+              <a:r>
+                <a:rPr lang="en-US" altLang="zh-CN" sz="3000" dirty="0">
+                  <a:effectLst/>
+                  <a:ea typeface="SimSun" pitchFamily="2" charset="-122"/>
+                </a:rPr>
+                <a:t>they made and the </a:t>
+              </a:r>
+              <a:r>
+                <a:rPr lang="en-US" altLang="zh-CN" sz="3000" b="1" dirty="0">
+                  <a:solidFill>
+                    <a:srgbClr val="FF0080"/>
+                  </a:solidFill>
+                  <a:effectLst/>
+                  <a:ea typeface="SimSun" pitchFamily="2" charset="-122"/>
+                </a:rPr>
+                <a:t>specific sounds</a:t>
+              </a:r>
+              <a:r>
+                <a:rPr lang="en-US" altLang="zh-CN" sz="3000" dirty="0">
+                  <a:solidFill>
+                    <a:srgbClr val="FF0080"/>
+                  </a:solidFill>
+                  <a:effectLst/>
+                  <a:ea typeface="SimSun" pitchFamily="2" charset="-122"/>
+                </a:rPr>
+                <a:t> </a:t>
+              </a:r>
+              <a:r>
+                <a:rPr lang="en-US" altLang="zh-CN" sz="3000" dirty="0">
+                  <a:effectLst/>
+                  <a:ea typeface="SimSun" pitchFamily="2" charset="-122"/>
+                </a:rPr>
+                <a:t>they made</a:t>
+              </a:r>
+              <a:r>
+                <a:rPr lang="en-US" altLang="zh-CN" sz="2800" dirty="0">
+                  <a:effectLst/>
+                  <a:ea typeface="SimSun" pitchFamily="2" charset="-122"/>
+                </a:rPr>
+                <a:t>.</a:t>
+              </a:r>
+              <a:endParaRPr lang="en-US" altLang="zh-CN" sz="2800" b="1" dirty="0">
+                <a:solidFill>
+                  <a:srgbClr val="FF0080"/>
+                </a:solidFill>
+                <a:effectLst/>
+                <a:ea typeface="SimSun" pitchFamily="2" charset="-122"/>
+              </a:endParaRPr>
+            </a:p>
+          </p:txBody>
+        </p:sp>
+        <p:pic>
+          <p:nvPicPr>
+            <p:cNvPr id="9" name="Picture 8">
+              <a:extLst>
+                <a:ext uri="{FF2B5EF4-FFF2-40B4-BE49-F238E27FC236}">
+                  <a16:creationId xmlns:a16="http://schemas.microsoft.com/office/drawing/2014/main" id="{530F80FF-73F5-4B97-B0D1-3AEB30FF03F8}"/>
+                </a:ext>
+              </a:extLst>
+            </p:cNvPr>
+            <p:cNvPicPr>
+              <a:picLocks noChangeAspect="1"/>
+            </p:cNvPicPr>
+            <p:nvPr/>
+          </p:nvPicPr>
+          <p:blipFill>
+            <a:blip r:embed="rId11">
+              <a:extLst>
+                <a:ext uri="{28A0092B-C50C-407E-A947-70E740481C1C}">
+                  <a14:useLocalDpi xmlns:a14="http://schemas.microsoft.com/office/drawing/2010/main" val="0"/>
+                </a:ext>
+              </a:extLst>
+            </a:blip>
+            <a:stretch>
+              <a:fillRect/>
+            </a:stretch>
+          </p:blipFill>
+          <p:spPr>
+            <a:xfrm>
+              <a:off x="8571007" y="11822246"/>
+              <a:ext cx="6938278" cy="3199935"/>
+            </a:xfrm>
+            <a:prstGeom prst="rect">
+              <a:avLst/>
+            </a:prstGeom>
+            <a:grpFill/>
+          </p:spPr>
+        </p:pic>
+        <p:sp>
+          <p:nvSpPr>
+            <p:cNvPr id="16" name="TextBox 15">
+              <a:extLst>
+                <a:ext uri="{FF2B5EF4-FFF2-40B4-BE49-F238E27FC236}">
+                  <a16:creationId xmlns:a16="http://schemas.microsoft.com/office/drawing/2014/main" id="{45F0E81A-41C8-4AF1-B9DF-E1F549B787BE}"/>
+                </a:ext>
+              </a:extLst>
+            </p:cNvPr>
+            <p:cNvSpPr txBox="1"/>
+            <p:nvPr/>
+          </p:nvSpPr>
+          <p:spPr>
+            <a:xfrm>
+              <a:off x="8342516" y="11356627"/>
+              <a:ext cx="7776268" cy="830997"/>
+            </a:xfrm>
+            <a:prstGeom prst="rect">
+              <a:avLst/>
+            </a:prstGeom>
             <a:noFill/>
-            <a:miter lim="800000"/>
-            <a:headEnd/>
-            <a:tailEnd/>
-          </a:ln>
-          <a:effectLst/>
-          <a:extLst/>
-        </p:spPr>
-        <p:txBody>
-          <a:bodyPr wrap="square" lIns="182880" tIns="91440" rIns="182880" bIns="182880">
-            <a:spAutoFit/>
-          </a:bodyPr>
-          <a:lstStyle>
-            <a:lvl1pPr>
-              <a:defRPr sz="2400">
-                <a:solidFill>
-                  <a:schemeClr val="tx1"/>
-                </a:solidFill>
-                <a:latin typeface="Times New Roman" pitchFamily="18" charset="0"/>
-              </a:defRPr>
-            </a:lvl1pPr>
-            <a:lvl2pPr marL="685800" indent="-228600">
-              <a:defRPr sz="2400">
-                <a:solidFill>
-                  <a:schemeClr val="tx1"/>
-                </a:solidFill>
-                <a:latin typeface="Times New Roman" pitchFamily="18" charset="0"/>
-              </a:defRPr>
-            </a:lvl2pPr>
-            <a:lvl3pPr marL="1143000" indent="-228600">
-              <a:defRPr sz="2400">
-                <a:solidFill>
-                  <a:schemeClr val="tx1"/>
-                </a:solidFill>
-                <a:latin typeface="Times New Roman" pitchFamily="18" charset="0"/>
-              </a:defRPr>
-            </a:lvl3pPr>
-            <a:lvl4pPr marL="1600200" indent="-228600">
-              <a:defRPr sz="2400">
-                <a:solidFill>
-                  <a:schemeClr val="tx1"/>
-                </a:solidFill>
-                <a:latin typeface="Times New Roman" pitchFamily="18" charset="0"/>
-              </a:defRPr>
-            </a:lvl4pPr>
-            <a:lvl5pPr marL="2057400" indent="-228600">
-              <a:defRPr sz="2400">
-                <a:solidFill>
-                  <a:schemeClr val="tx1"/>
-                </a:solidFill>
-                <a:latin typeface="Times New Roman" pitchFamily="18" charset="0"/>
-              </a:defRPr>
-            </a:lvl5pPr>
-            <a:lvl6pPr marL="2514600" indent="-228600" eaLnBrk="0" fontAlgn="base" hangingPunct="0">
-              <a:spcBef>
-                <a:spcPct val="0"/>
-              </a:spcBef>
-              <a:spcAft>
-                <a:spcPct val="0"/>
-              </a:spcAft>
-              <a:defRPr sz="2400">
-                <a:solidFill>
-                  <a:schemeClr val="tx1"/>
-                </a:solidFill>
-                <a:latin typeface="Times New Roman" pitchFamily="18" charset="0"/>
-              </a:defRPr>
-            </a:lvl6pPr>
-            <a:lvl7pPr marL="2971800" indent="-228600" eaLnBrk="0" fontAlgn="base" hangingPunct="0">
-              <a:spcBef>
-                <a:spcPct val="0"/>
-              </a:spcBef>
-              <a:spcAft>
-                <a:spcPct val="0"/>
-              </a:spcAft>
-              <a:defRPr sz="2400">
-                <a:solidFill>
-                  <a:schemeClr val="tx1"/>
-                </a:solidFill>
-                <a:latin typeface="Times New Roman" pitchFamily="18" charset="0"/>
-              </a:defRPr>
-            </a:lvl7pPr>
-            <a:lvl8pPr marL="3429000" indent="-228600" eaLnBrk="0" fontAlgn="base" hangingPunct="0">
-              <a:spcBef>
-                <a:spcPct val="0"/>
-              </a:spcBef>
-              <a:spcAft>
-                <a:spcPct val="0"/>
-              </a:spcAft>
-              <a:defRPr sz="2400">
-                <a:solidFill>
-                  <a:schemeClr val="tx1"/>
-                </a:solidFill>
-                <a:latin typeface="Times New Roman" pitchFamily="18" charset="0"/>
-              </a:defRPr>
-            </a:lvl8pPr>
-            <a:lvl9pPr marL="3886200" indent="-228600" eaLnBrk="0" fontAlgn="base" hangingPunct="0">
-              <a:spcBef>
-                <a:spcPct val="0"/>
-              </a:spcBef>
-              <a:spcAft>
-                <a:spcPct val="0"/>
-              </a:spcAft>
-              <a:defRPr sz="2400">
-                <a:solidFill>
-                  <a:schemeClr val="tx1"/>
-                </a:solidFill>
-                <a:latin typeface="Times New Roman" pitchFamily="18" charset="0"/>
-              </a:defRPr>
-            </a:lvl9pPr>
-          </a:lstStyle>
-          <a:p>
-            <a:pPr>
-              <a:lnSpc>
-                <a:spcPct val="125000"/>
-              </a:lnSpc>
-            </a:pPr>
-            <a:r>
-              <a:rPr lang="en-AU" sz="2800" dirty="0">
-                <a:effectLst/>
-              </a:rPr>
-              <a:t>Expanding analysis beyond Shakespeare</a:t>
-            </a:r>
-          </a:p>
-          <a:p>
-            <a:pPr>
-              <a:lnSpc>
-                <a:spcPct val="125000"/>
-              </a:lnSpc>
-            </a:pPr>
-            <a:endParaRPr lang="en-AU" sz="2800" dirty="0">
-              <a:effectLst/>
-            </a:endParaRPr>
-          </a:p>
-          <a:p>
-            <a:pPr>
-              <a:lnSpc>
-                <a:spcPct val="125000"/>
-              </a:lnSpc>
-            </a:pPr>
-            <a:r>
-              <a:rPr lang="en-AU" sz="2800" dirty="0">
-                <a:effectLst/>
-              </a:rPr>
-              <a:t>Implementing in-place comparison of user-provided texts</a:t>
-            </a:r>
-          </a:p>
-          <a:p>
-            <a:pPr>
-              <a:lnSpc>
-                <a:spcPct val="125000"/>
-              </a:lnSpc>
-            </a:pPr>
-            <a:endParaRPr lang="en-AU" sz="2800" dirty="0">
-              <a:effectLst/>
-            </a:endParaRPr>
-          </a:p>
-          <a:p>
-            <a:pPr>
-              <a:lnSpc>
-                <a:spcPct val="125000"/>
-              </a:lnSpc>
-            </a:pPr>
-            <a:r>
-              <a:rPr lang="en-AU" sz="2800" dirty="0">
-                <a:effectLst/>
-              </a:rPr>
-              <a:t>Creating visualizations for characters’ sonic signatures</a:t>
-            </a:r>
-          </a:p>
-          <a:p>
-            <a:pPr>
-              <a:lnSpc>
-                <a:spcPct val="125000"/>
-              </a:lnSpc>
-            </a:pPr>
-            <a:endParaRPr lang="en-AU" sz="2800" dirty="0">
-              <a:effectLst/>
-            </a:endParaRPr>
-          </a:p>
-          <a:p>
-            <a:pPr>
-              <a:lnSpc>
-                <a:spcPct val="125000"/>
-              </a:lnSpc>
-            </a:pPr>
-            <a:r>
-              <a:rPr lang="en-AU" sz="2800" dirty="0">
-                <a:effectLst/>
-              </a:rPr>
-              <a:t>Work with  domain material experts to assess usefulness as tools of discovery.</a:t>
-            </a:r>
-          </a:p>
-        </p:txBody>
-      </p:sp>
-      <p:sp>
-        <p:nvSpPr>
-          <p:cNvPr id="46" name="Text Box 263"/>
-          <p:cNvSpPr txBox="1">
-            <a:spLocks noChangeArrowheads="1"/>
-          </p:cNvSpPr>
-          <p:nvPr/>
-        </p:nvSpPr>
-        <p:spPr bwMode="auto">
-          <a:xfrm>
-            <a:off x="31987861" y="28413154"/>
-            <a:ext cx="11025483" cy="1892826"/>
-          </a:xfrm>
-          <a:prstGeom prst="rect">
-            <a:avLst/>
-          </a:prstGeom>
-          <a:solidFill>
-            <a:schemeClr val="bg1"/>
-          </a:solidFill>
-          <a:ln w="57150" cmpd="thinThick">
-            <a:noFill/>
-            <a:miter lim="800000"/>
-            <a:headEnd/>
-            <a:tailEnd/>
-          </a:ln>
-          <a:effectLst/>
-          <a:extLst/>
-        </p:spPr>
-        <p:txBody>
-          <a:bodyPr wrap="square" lIns="182880" tIns="91440" rIns="182880" bIns="182880">
-            <a:spAutoFit/>
-          </a:bodyPr>
-          <a:lstStyle>
-            <a:lvl1pPr>
-              <a:defRPr sz="2400">
-                <a:solidFill>
-                  <a:schemeClr val="tx1"/>
-                </a:solidFill>
-                <a:latin typeface="Times New Roman" pitchFamily="18" charset="0"/>
-              </a:defRPr>
-            </a:lvl1pPr>
-            <a:lvl2pPr marL="685800" indent="-228600">
-              <a:defRPr sz="2400">
-                <a:solidFill>
-                  <a:schemeClr val="tx1"/>
-                </a:solidFill>
-                <a:latin typeface="Times New Roman" pitchFamily="18" charset="0"/>
-              </a:defRPr>
-            </a:lvl2pPr>
-            <a:lvl3pPr marL="1143000" indent="-228600">
-              <a:defRPr sz="2400">
-                <a:solidFill>
-                  <a:schemeClr val="tx1"/>
-                </a:solidFill>
-                <a:latin typeface="Times New Roman" pitchFamily="18" charset="0"/>
-              </a:defRPr>
-            </a:lvl3pPr>
-            <a:lvl4pPr marL="1600200" indent="-228600">
-              <a:defRPr sz="2400">
-                <a:solidFill>
-                  <a:schemeClr val="tx1"/>
-                </a:solidFill>
-                <a:latin typeface="Times New Roman" pitchFamily="18" charset="0"/>
-              </a:defRPr>
-            </a:lvl4pPr>
-            <a:lvl5pPr marL="2057400" indent="-228600">
-              <a:defRPr sz="2400">
-                <a:solidFill>
-                  <a:schemeClr val="tx1"/>
-                </a:solidFill>
-                <a:latin typeface="Times New Roman" pitchFamily="18" charset="0"/>
-              </a:defRPr>
-            </a:lvl5pPr>
-            <a:lvl6pPr marL="2514600" indent="-228600" eaLnBrk="0" fontAlgn="base" hangingPunct="0">
-              <a:spcBef>
-                <a:spcPct val="0"/>
-              </a:spcBef>
-              <a:spcAft>
-                <a:spcPct val="0"/>
-              </a:spcAft>
-              <a:defRPr sz="2400">
-                <a:solidFill>
-                  <a:schemeClr val="tx1"/>
-                </a:solidFill>
-                <a:latin typeface="Times New Roman" pitchFamily="18" charset="0"/>
-              </a:defRPr>
-            </a:lvl6pPr>
-            <a:lvl7pPr marL="2971800" indent="-228600" eaLnBrk="0" fontAlgn="base" hangingPunct="0">
-              <a:spcBef>
-                <a:spcPct val="0"/>
-              </a:spcBef>
-              <a:spcAft>
-                <a:spcPct val="0"/>
-              </a:spcAft>
-              <a:defRPr sz="2400">
-                <a:solidFill>
-                  <a:schemeClr val="tx1"/>
-                </a:solidFill>
-                <a:latin typeface="Times New Roman" pitchFamily="18" charset="0"/>
-              </a:defRPr>
-            </a:lvl7pPr>
-            <a:lvl8pPr marL="3429000" indent="-228600" eaLnBrk="0" fontAlgn="base" hangingPunct="0">
-              <a:spcBef>
-                <a:spcPct val="0"/>
-              </a:spcBef>
-              <a:spcAft>
-                <a:spcPct val="0"/>
-              </a:spcAft>
-              <a:defRPr sz="2400">
-                <a:solidFill>
-                  <a:schemeClr val="tx1"/>
-                </a:solidFill>
-                <a:latin typeface="Times New Roman" pitchFamily="18" charset="0"/>
-              </a:defRPr>
-            </a:lvl8pPr>
-            <a:lvl9pPr marL="3886200" indent="-228600" eaLnBrk="0" fontAlgn="base" hangingPunct="0">
-              <a:spcBef>
-                <a:spcPct val="0"/>
-              </a:spcBef>
-              <a:spcAft>
-                <a:spcPct val="0"/>
-              </a:spcAft>
-              <a:defRPr sz="2400">
-                <a:solidFill>
-                  <a:schemeClr val="tx1"/>
-                </a:solidFill>
-                <a:latin typeface="Times New Roman" pitchFamily="18" charset="0"/>
-              </a:defRPr>
-            </a:lvl9pPr>
-          </a:lstStyle>
-          <a:p>
-            <a:pPr>
-              <a:lnSpc>
-                <a:spcPct val="125000"/>
-              </a:lnSpc>
-            </a:pPr>
-            <a:r>
-              <a:rPr lang="en-AU" sz="2800" dirty="0">
-                <a:effectLst/>
-              </a:rPr>
-              <a:t>Eric Alexander</a:t>
-            </a:r>
-          </a:p>
-          <a:p>
-            <a:pPr>
-              <a:lnSpc>
-                <a:spcPct val="125000"/>
-              </a:lnSpc>
-            </a:pPr>
-            <a:r>
-              <a:rPr lang="en-AU" sz="2800" dirty="0">
-                <a:effectLst/>
-              </a:rPr>
-              <a:t>Mike Tie et al</a:t>
-            </a:r>
-          </a:p>
-          <a:p>
-            <a:pPr>
-              <a:lnSpc>
-                <a:spcPct val="125000"/>
-              </a:lnSpc>
-            </a:pPr>
-            <a:r>
-              <a:rPr lang="en-AU" sz="2800" dirty="0">
-                <a:effectLst/>
-              </a:rPr>
-              <a:t>Carleton College</a:t>
-            </a:r>
-          </a:p>
-        </p:txBody>
-      </p:sp>
-      <p:graphicFrame>
-        <p:nvGraphicFramePr>
-          <p:cNvPr id="3" name="Table 2"/>
-          <p:cNvGraphicFramePr>
-            <a:graphicFrameLocks noGrp="1"/>
-          </p:cNvGraphicFramePr>
-          <p:nvPr>
-            <p:extLst>
-              <p:ext uri="{D42A27DB-BD31-4B8C-83A1-F6EECF244321}">
-                <p14:modId xmlns:p14="http://schemas.microsoft.com/office/powerpoint/2010/main" val="3847515943"/>
-              </p:ext>
-            </p:extLst>
-          </p:nvPr>
-        </p:nvGraphicFramePr>
-        <p:xfrm>
-          <a:off x="1227529" y="11310200"/>
-          <a:ext cx="14478001" cy="4226107"/>
-        </p:xfrm>
-        <a:graphic>
-          <a:graphicData uri="http://schemas.openxmlformats.org/drawingml/2006/table">
-            <a:tbl>
-              <a:tblPr firstRow="1" bandRow="1">
-                <a:tableStyleId>{306799F8-075E-4A3A-A7F6-7FBC6576F1A4}</a:tableStyleId>
-              </a:tblPr>
-              <a:tblGrid>
-                <a:gridCol w="4734070">
-                  <a:extLst>
-                    <a:ext uri="{9D8B030D-6E8A-4147-A177-3AD203B41FA5}">
-                      <a16:colId xmlns:a16="http://schemas.microsoft.com/office/drawing/2014/main" val="20000"/>
-                    </a:ext>
-                  </a:extLst>
-                </a:gridCol>
-                <a:gridCol w="4853919">
-                  <a:extLst>
-                    <a:ext uri="{9D8B030D-6E8A-4147-A177-3AD203B41FA5}">
-                      <a16:colId xmlns:a16="http://schemas.microsoft.com/office/drawing/2014/main" val="20001"/>
-                    </a:ext>
-                  </a:extLst>
-                </a:gridCol>
-                <a:gridCol w="4890012">
-                  <a:extLst>
-                    <a:ext uri="{9D8B030D-6E8A-4147-A177-3AD203B41FA5}">
-                      <a16:colId xmlns:a16="http://schemas.microsoft.com/office/drawing/2014/main" val="20002"/>
-                    </a:ext>
-                  </a:extLst>
-                </a:gridCol>
-              </a:tblGrid>
-              <a:tr h="4226107">
-                <a:tc>
-                  <a:txBody>
-                    <a:bodyPr/>
-                    <a:lstStyle/>
-                    <a:p>
-                      <a:pPr lvl="1" algn="l">
-                        <a:lnSpc>
-                          <a:spcPct val="120000"/>
-                        </a:lnSpc>
-                        <a:buFontTx/>
-                        <a:buNone/>
-                      </a:pPr>
-                      <a:r>
-                        <a:rPr lang="en-US" altLang="ja-JP" sz="3600" b="0" dirty="0">
-                          <a:solidFill>
-                            <a:schemeClr val="bg1"/>
-                          </a:solidFill>
-                          <a:effectLst/>
-                          <a:ea typeface="ＭＳ Ｐゴシック" charset="-128"/>
-                        </a:rPr>
-                        <a:t>In any language, words break down into a set of fundamental elements called </a:t>
-                      </a:r>
-                      <a:r>
-                        <a:rPr lang="en-US" altLang="ja-JP" sz="3600" b="1" dirty="0">
-                          <a:solidFill>
-                            <a:schemeClr val="accent2">
-                              <a:lumMod val="60000"/>
-                              <a:lumOff val="40000"/>
-                            </a:schemeClr>
-                          </a:solidFill>
-                          <a:effectLst/>
-                          <a:ea typeface="ＭＳ Ｐゴシック" charset="-128"/>
-                        </a:rPr>
-                        <a:t>phonemes</a:t>
-                      </a:r>
-                      <a:endParaRPr lang="en-US" altLang="ja-JP" sz="3600" dirty="0">
-                        <a:solidFill>
-                          <a:schemeClr val="accent2">
-                            <a:lumMod val="60000"/>
-                            <a:lumOff val="40000"/>
-                          </a:schemeClr>
-                        </a:solidFill>
-                        <a:effectLst/>
-                        <a:ea typeface="ＭＳ Ｐゴシック" charset="-128"/>
-                      </a:endParaRPr>
-                    </a:p>
-                  </a:txBody>
-                  <a:tcPr/>
-                </a:tc>
-                <a:tc>
-                  <a:txBody>
-                    <a:bodyPr/>
-                    <a:lstStyle/>
-                    <a:p>
-                      <a:pPr marL="457200" marR="0" lvl="1" indent="0" algn="l" defTabSz="914400" rtl="0" eaLnBrk="1" fontAlgn="auto" latinLnBrk="0" hangingPunct="1">
-                        <a:lnSpc>
-                          <a:spcPct val="100000"/>
-                        </a:lnSpc>
-                        <a:spcBef>
-                          <a:spcPts val="0"/>
-                        </a:spcBef>
-                        <a:spcAft>
-                          <a:spcPts val="0"/>
-                        </a:spcAft>
-                        <a:buClrTx/>
-                        <a:buSzTx/>
-                        <a:buFontTx/>
-                        <a:buNone/>
-                        <a:tabLst/>
-                        <a:defRPr/>
-                      </a:pPr>
-                      <a:r>
-                        <a:rPr lang="en-US" sz="3600" b="0" dirty="0"/>
-                        <a:t>The</a:t>
-                      </a:r>
-                      <a:r>
-                        <a:rPr lang="en-US" sz="3600" b="0" baseline="0" dirty="0"/>
-                        <a:t> </a:t>
-                      </a:r>
-                      <a:r>
-                        <a:rPr lang="en-US" sz="3600" b="1" baseline="0" dirty="0">
-                          <a:solidFill>
-                            <a:schemeClr val="accent2">
-                              <a:lumMod val="50000"/>
-                            </a:schemeClr>
-                          </a:solidFill>
-                        </a:rPr>
-                        <a:t>features </a:t>
-                      </a:r>
-                      <a:r>
-                        <a:rPr lang="en-US" sz="3600" b="0" baseline="0" dirty="0">
-                          <a:solidFill>
-                            <a:schemeClr val="bg1"/>
-                          </a:solidFill>
-                        </a:rPr>
-                        <a:t>of a phoneme describe the physical processes used to produce it</a:t>
-                      </a:r>
-                    </a:p>
-                    <a:p>
-                      <a:pPr lvl="1"/>
-                      <a:endParaRPr lang="en-US" dirty="0"/>
-                    </a:p>
-                  </a:txBody>
-                  <a:tcPr/>
-                </a:tc>
-                <a:tc>
-                  <a:txBody>
-                    <a:bodyPr/>
-                    <a:lstStyle/>
-                    <a:p>
-                      <a:pPr lvl="1"/>
-                      <a:r>
-                        <a:rPr lang="en-US" sz="3600" b="0" i="0" u="none" strike="noStrike" kern="1200" dirty="0">
-                          <a:solidFill>
-                            <a:schemeClr val="lt1"/>
-                          </a:solidFill>
-                          <a:effectLst/>
-                          <a:latin typeface="+mn-lt"/>
-                          <a:ea typeface="+mn-ea"/>
-                          <a:cs typeface="+mn-cs"/>
-                        </a:rPr>
-                        <a:t>We analyzed characters for both the </a:t>
-                      </a:r>
-                      <a:r>
-                        <a:rPr lang="en-US" sz="3600" b="1" i="0" u="none" strike="noStrike" kern="1200" dirty="0">
-                          <a:solidFill>
-                            <a:schemeClr val="accent2">
-                              <a:lumMod val="50000"/>
-                            </a:schemeClr>
-                          </a:solidFill>
-                          <a:effectLst/>
-                          <a:latin typeface="+mn-lt"/>
-                          <a:ea typeface="+mn-ea"/>
-                          <a:cs typeface="+mn-cs"/>
-                        </a:rPr>
-                        <a:t>types of sounds </a:t>
-                      </a:r>
-                      <a:r>
-                        <a:rPr lang="en-US" sz="3600" b="0" i="0" u="none" strike="noStrike" kern="1200" dirty="0">
-                          <a:solidFill>
-                            <a:schemeClr val="lt1"/>
-                          </a:solidFill>
-                          <a:effectLst/>
-                          <a:latin typeface="+mn-lt"/>
-                          <a:ea typeface="+mn-ea"/>
-                          <a:cs typeface="+mn-cs"/>
-                        </a:rPr>
-                        <a:t>they tended to make, and the </a:t>
-                      </a:r>
-                      <a:r>
-                        <a:rPr lang="en-US" sz="3600" b="1" i="0" u="none" strike="noStrike" kern="1200" dirty="0">
-                          <a:solidFill>
-                            <a:schemeClr val="accent2">
-                              <a:lumMod val="60000"/>
-                              <a:lumOff val="40000"/>
-                            </a:schemeClr>
-                          </a:solidFill>
-                          <a:effectLst/>
-                          <a:latin typeface="+mn-lt"/>
-                          <a:ea typeface="+mn-ea"/>
-                          <a:cs typeface="+mn-cs"/>
-                        </a:rPr>
-                        <a:t>specific sounds</a:t>
-                      </a:r>
-                      <a:r>
-                        <a:rPr lang="en-US" sz="3600" b="0" i="0" u="none" strike="noStrike" kern="1200" dirty="0">
-                          <a:solidFill>
-                            <a:schemeClr val="accent2">
-                              <a:lumMod val="60000"/>
-                              <a:lumOff val="40000"/>
-                            </a:schemeClr>
-                          </a:solidFill>
-                          <a:effectLst/>
-                          <a:latin typeface="+mn-lt"/>
-                          <a:ea typeface="+mn-ea"/>
-                          <a:cs typeface="+mn-cs"/>
-                        </a:rPr>
-                        <a:t> </a:t>
-                      </a:r>
-                      <a:r>
-                        <a:rPr lang="en-US" sz="3600" b="0" i="0" u="none" strike="noStrike" kern="1200" dirty="0">
-                          <a:solidFill>
-                            <a:schemeClr val="lt1"/>
-                          </a:solidFill>
-                          <a:effectLst/>
-                          <a:latin typeface="+mn-lt"/>
-                          <a:ea typeface="+mn-ea"/>
-                          <a:cs typeface="+mn-cs"/>
-                        </a:rPr>
-                        <a:t>they made</a:t>
-                      </a:r>
-                      <a:endParaRPr lang="en-US" sz="3600" b="1" dirty="0">
-                        <a:solidFill>
-                          <a:schemeClr val="accent2">
-                            <a:lumMod val="50000"/>
-                          </a:schemeClr>
-                        </a:solidFill>
-                      </a:endParaRPr>
-                    </a:p>
-                  </a:txBody>
-                  <a:tcPr/>
-                </a:tc>
-                <a:extLst>
-                  <a:ext uri="{0D108BD9-81ED-4DB2-BD59-A6C34878D82A}">
-                    <a16:rowId xmlns:a16="http://schemas.microsoft.com/office/drawing/2014/main" val="10000"/>
-                  </a:ext>
-                </a:extLst>
-              </a:tr>
-            </a:tbl>
-          </a:graphicData>
-        </a:graphic>
-      </p:graphicFrame>
-      <p:graphicFrame>
-        <p:nvGraphicFramePr>
-          <p:cNvPr id="47" name="Table 46"/>
-          <p:cNvGraphicFramePr>
-            <a:graphicFrameLocks noGrp="1"/>
-          </p:cNvGraphicFramePr>
-          <p:nvPr>
-            <p:extLst>
-              <p:ext uri="{D42A27DB-BD31-4B8C-83A1-F6EECF244321}">
-                <p14:modId xmlns:p14="http://schemas.microsoft.com/office/powerpoint/2010/main" val="2512598524"/>
-              </p:ext>
-            </p:extLst>
-          </p:nvPr>
-        </p:nvGraphicFramePr>
-        <p:xfrm>
-          <a:off x="1195575" y="6292444"/>
-          <a:ext cx="14525108" cy="3931920"/>
-        </p:xfrm>
-        <a:graphic>
-          <a:graphicData uri="http://schemas.openxmlformats.org/drawingml/2006/table">
-            <a:tbl>
-              <a:tblPr firstRow="1" bandRow="1">
-                <a:tableStyleId>{306799F8-075E-4A3A-A7F6-7FBC6576F1A4}</a:tableStyleId>
-              </a:tblPr>
-              <a:tblGrid>
-                <a:gridCol w="3613346">
-                  <a:extLst>
-                    <a:ext uri="{9D8B030D-6E8A-4147-A177-3AD203B41FA5}">
-                      <a16:colId xmlns:a16="http://schemas.microsoft.com/office/drawing/2014/main" val="20000"/>
-                    </a:ext>
-                  </a:extLst>
-                </a:gridCol>
-                <a:gridCol w="3637254">
-                  <a:extLst>
-                    <a:ext uri="{9D8B030D-6E8A-4147-A177-3AD203B41FA5}">
-                      <a16:colId xmlns:a16="http://schemas.microsoft.com/office/drawing/2014/main" val="20001"/>
-                    </a:ext>
-                  </a:extLst>
-                </a:gridCol>
-                <a:gridCol w="3637254">
-                  <a:extLst>
-                    <a:ext uri="{9D8B030D-6E8A-4147-A177-3AD203B41FA5}">
-                      <a16:colId xmlns:a16="http://schemas.microsoft.com/office/drawing/2014/main" val="20002"/>
-                    </a:ext>
-                  </a:extLst>
-                </a:gridCol>
-                <a:gridCol w="3637254">
-                  <a:extLst>
-                    <a:ext uri="{9D8B030D-6E8A-4147-A177-3AD203B41FA5}">
-                      <a16:colId xmlns:a16="http://schemas.microsoft.com/office/drawing/2014/main" val="20003"/>
-                    </a:ext>
-                  </a:extLst>
-                </a:gridCol>
-              </a:tblGrid>
-              <a:tr h="3848059">
-                <a:tc>
-                  <a:txBody>
-                    <a:bodyPr/>
-                    <a:lstStyle/>
-                    <a:p>
-                      <a:pPr marL="457200" lvl="1" indent="0" rtl="0">
-                        <a:buFont typeface="Arial" charset="0"/>
-                        <a:buNone/>
-                      </a:pPr>
-                      <a:r>
-                        <a:rPr lang="en-US" sz="1800" b="0" i="0" u="none" strike="noStrike" kern="1200" dirty="0">
-                          <a:solidFill>
-                            <a:schemeClr val="lt1"/>
-                          </a:solidFill>
-                          <a:effectLst/>
-                          <a:latin typeface="+mn-lt"/>
-                          <a:ea typeface="+mn-ea"/>
-                          <a:cs typeface="+mn-cs"/>
-                        </a:rPr>
-                        <a:t>The sounds that make up a word are thought to have meaning. </a:t>
-                      </a:r>
-                      <a:endParaRPr lang="en-US" sz="3600" b="0" i="0" u="none" strike="noStrike" kern="1200" dirty="0">
-                        <a:solidFill>
-                          <a:schemeClr val="lt1"/>
-                        </a:solidFill>
-                        <a:effectLst/>
-                        <a:latin typeface="+mn-lt"/>
-                        <a:ea typeface="+mn-ea"/>
-                        <a:cs typeface="+mn-cs"/>
-                      </a:endParaRPr>
-                    </a:p>
-                    <a:p>
-                      <a:pPr marL="457200" lvl="1" indent="0" rtl="0">
-                        <a:buFont typeface="Arial" charset="0"/>
-                        <a:buNone/>
-                      </a:pPr>
-                      <a:br>
-                        <a:rPr lang="en-US" sz="1800" b="0" dirty="0">
-                          <a:effectLst/>
-                        </a:rPr>
-                      </a:br>
-                      <a:r>
-                        <a:rPr lang="en-US" sz="1800" b="0" i="0" u="none" strike="noStrike" kern="1200" dirty="0">
-                          <a:solidFill>
-                            <a:schemeClr val="lt1"/>
-                          </a:solidFill>
-                          <a:effectLst/>
-                          <a:latin typeface="+mn-lt"/>
-                          <a:ea typeface="+mn-ea"/>
-                          <a:cs typeface="+mn-cs"/>
-                        </a:rPr>
-                        <a:t>When researchers make up gibberish words for objects, people tend to agree on which gibberish words should refer to small and large objects. </a:t>
-                      </a:r>
-                      <a:endParaRPr lang="en-US" sz="1800" b="0" dirty="0">
-                        <a:effectLst/>
-                      </a:endParaRPr>
-                    </a:p>
-                    <a:p>
-                      <a:pPr marL="457200" lvl="1" indent="0" rtl="0">
-                        <a:buFont typeface="Arial" charset="0"/>
-                        <a:buNone/>
-                      </a:pPr>
-                      <a:br>
-                        <a:rPr lang="en-US" sz="1800" b="0" dirty="0">
-                          <a:effectLst/>
-                        </a:rPr>
-                      </a:br>
-                      <a:r>
-                        <a:rPr lang="en-US" sz="1800" b="0" i="0" u="none" strike="noStrike" kern="1200" dirty="0">
-                          <a:solidFill>
-                            <a:schemeClr val="lt1"/>
-                          </a:solidFill>
-                          <a:effectLst/>
-                          <a:latin typeface="+mn-lt"/>
-                          <a:ea typeface="+mn-ea"/>
-                          <a:cs typeface="+mn-cs"/>
-                        </a:rPr>
-                        <a:t>When close reading a poem, readers pay attention to assonance and consonance and draw meaning from the repetition of sounds.</a:t>
-                      </a:r>
-                      <a:endParaRPr lang="en-US" sz="3600" b="0" dirty="0">
-                        <a:effectLst/>
-                      </a:endParaRPr>
-                    </a:p>
-                  </a:txBody>
-                  <a:tcPr/>
-                </a:tc>
-                <a:tc>
-                  <a:txBody>
-                    <a:bodyPr/>
-                    <a:lstStyle/>
-                    <a:p>
-                      <a:pPr lvl="1"/>
-                      <a:r>
-                        <a:rPr lang="en-US" sz="3600" b="0" dirty="0"/>
-                        <a:t>Is it then possible to </a:t>
-                      </a:r>
-                      <a:r>
-                        <a:rPr lang="en-US" sz="3600" b="1" dirty="0">
-                          <a:solidFill>
-                            <a:schemeClr val="accent2">
-                              <a:lumMod val="50000"/>
-                            </a:schemeClr>
-                          </a:solidFill>
-                        </a:rPr>
-                        <a:t>visualize</a:t>
-                      </a:r>
-                      <a:r>
-                        <a:rPr lang="en-US" sz="3600" b="0" dirty="0"/>
-                        <a:t> how a character “sounds”?</a:t>
-                      </a:r>
-                    </a:p>
-                  </a:txBody>
-                  <a:tcPr/>
-                </a:tc>
-                <a:tc>
-                  <a:txBody>
-                    <a:bodyPr/>
-                    <a:lstStyle/>
-                    <a:p>
-                      <a:pPr lvl="1" rtl="0"/>
-                      <a:r>
-                        <a:rPr lang="en-US" sz="1800" b="0" i="0" u="none" strike="noStrike" kern="1200" dirty="0">
-                          <a:solidFill>
-                            <a:schemeClr val="lt1"/>
-                          </a:solidFill>
-                          <a:effectLst/>
-                          <a:latin typeface="+mn-lt"/>
-                          <a:ea typeface="+mn-ea"/>
-                          <a:cs typeface="+mn-cs"/>
-                        </a:rPr>
-                        <a:t>Do female characters have a different sound pattern than male characters?</a:t>
-                      </a:r>
-                    </a:p>
-                    <a:p>
-                      <a:pPr lvl="2" rtl="0"/>
-                      <a:endParaRPr lang="en-US" sz="1800" b="0" dirty="0">
-                        <a:effectLst/>
-                      </a:endParaRPr>
-                    </a:p>
-                    <a:p>
-                      <a:pPr lvl="1" rtl="0"/>
-                      <a:r>
-                        <a:rPr lang="en-US" sz="1800" b="0" i="0" u="none" strike="noStrike" kern="1200" dirty="0">
-                          <a:solidFill>
-                            <a:schemeClr val="lt1"/>
-                          </a:solidFill>
-                          <a:effectLst/>
-                          <a:latin typeface="+mn-lt"/>
-                          <a:ea typeface="+mn-ea"/>
-                          <a:cs typeface="+mn-cs"/>
-                        </a:rPr>
-                        <a:t>Do protagonists sound different from antagonists?</a:t>
-                      </a:r>
-                    </a:p>
-                    <a:p>
-                      <a:pPr lvl="1" rtl="0"/>
-                      <a:endParaRPr lang="en-US" sz="1800" b="0" i="0" u="none" strike="noStrike" kern="1200" dirty="0">
-                        <a:solidFill>
-                          <a:schemeClr val="lt1"/>
-                        </a:solidFill>
-                        <a:effectLst/>
-                        <a:latin typeface="+mn-lt"/>
-                        <a:ea typeface="+mn-ea"/>
-                        <a:cs typeface="+mn-cs"/>
-                      </a:endParaRPr>
-                    </a:p>
-                    <a:p>
-                      <a:pPr lvl="1" rtl="0"/>
-                      <a:r>
-                        <a:rPr lang="en-US" sz="1800" b="0" i="0" u="none" strike="noStrike" kern="1200" dirty="0">
-                          <a:solidFill>
-                            <a:schemeClr val="lt1"/>
-                          </a:solidFill>
-                          <a:effectLst/>
-                          <a:latin typeface="+mn-lt"/>
-                          <a:ea typeface="+mn-ea"/>
-                          <a:cs typeface="+mn-cs"/>
-                        </a:rPr>
-                        <a:t>Do</a:t>
-                      </a:r>
-                      <a:r>
-                        <a:rPr lang="en-US" sz="1800" b="0" i="0" u="none" strike="noStrike" kern="1200" baseline="0" dirty="0">
-                          <a:solidFill>
-                            <a:schemeClr val="lt1"/>
-                          </a:solidFill>
-                          <a:effectLst/>
-                          <a:latin typeface="+mn-lt"/>
-                          <a:ea typeface="+mn-ea"/>
-                          <a:cs typeface="+mn-cs"/>
-                        </a:rPr>
-                        <a:t> characters that share aspects of their characterization have a similar “sonic thumbprint”?</a:t>
-                      </a:r>
-                      <a:br>
-                        <a:rPr lang="en-US" sz="3600" dirty="0"/>
-                      </a:br>
-                      <a:endParaRPr lang="en-US" sz="3600" dirty="0"/>
-                    </a:p>
-                  </a:txBody>
-                  <a:tcPr/>
-                </a:tc>
-                <a:tc>
-                  <a:txBody>
-                    <a:bodyPr/>
-                    <a:lstStyle/>
-                    <a:p>
-                      <a:pPr lvl="1"/>
-                      <a:r>
-                        <a:rPr lang="en-US" sz="3600" b="0" i="0" u="none" strike="noStrike" kern="1200" dirty="0">
-                          <a:solidFill>
-                            <a:schemeClr val="lt1"/>
-                          </a:solidFill>
-                          <a:effectLst/>
-                          <a:latin typeface="+mn-lt"/>
-                          <a:ea typeface="+mn-ea"/>
-                          <a:cs typeface="+mn-cs"/>
-                        </a:rPr>
-                        <a:t>Are characters </a:t>
-                      </a:r>
-                      <a:r>
-                        <a:rPr lang="en-US" sz="3600" b="1" i="0" u="none" strike="noStrike" kern="1200" dirty="0">
-                          <a:solidFill>
-                            <a:schemeClr val="accent2">
-                              <a:lumMod val="50000"/>
-                            </a:schemeClr>
-                          </a:solidFill>
-                          <a:effectLst/>
-                          <a:latin typeface="+mn-lt"/>
-                          <a:ea typeface="+mn-ea"/>
-                          <a:cs typeface="+mn-cs"/>
-                        </a:rPr>
-                        <a:t>differentiable</a:t>
-                      </a:r>
-                      <a:r>
-                        <a:rPr lang="en-US" sz="3600" b="0" i="0" u="none" strike="noStrike" kern="1200" dirty="0">
-                          <a:solidFill>
-                            <a:schemeClr val="lt1"/>
-                          </a:solidFill>
-                          <a:effectLst/>
-                          <a:latin typeface="+mn-lt"/>
-                          <a:ea typeface="+mn-ea"/>
-                          <a:cs typeface="+mn-cs"/>
-                        </a:rPr>
-                        <a:t> from one another based on how they </a:t>
-                      </a:r>
-                      <a:r>
-                        <a:rPr lang="en-US" sz="3600" b="0" i="0" u="none" strike="noStrike" kern="1200" dirty="0">
-                          <a:solidFill>
-                            <a:schemeClr val="bg1"/>
-                          </a:solidFill>
-                          <a:effectLst/>
-                          <a:latin typeface="+mn-lt"/>
-                          <a:ea typeface="+mn-ea"/>
-                          <a:cs typeface="+mn-cs"/>
-                        </a:rPr>
-                        <a:t>sound</a:t>
-                      </a:r>
-                      <a:r>
-                        <a:rPr lang="en-US" sz="3600" b="0" i="0" u="none" strike="noStrike" kern="1200" dirty="0">
-                          <a:solidFill>
-                            <a:schemeClr val="lt1"/>
-                          </a:solidFill>
-                          <a:effectLst/>
-                          <a:latin typeface="+mn-lt"/>
-                          <a:ea typeface="+mn-ea"/>
-                          <a:cs typeface="+mn-cs"/>
-                        </a:rPr>
-                        <a:t>? </a:t>
-                      </a:r>
-                      <a:endParaRPr lang="en-US" sz="3600" dirty="0"/>
-                    </a:p>
-                  </a:txBody>
-                  <a:tcPr/>
-                </a:tc>
-                <a:extLst>
-                  <a:ext uri="{0D108BD9-81ED-4DB2-BD59-A6C34878D82A}">
-                    <a16:rowId xmlns:a16="http://schemas.microsoft.com/office/drawing/2014/main" val="10000"/>
-                  </a:ext>
-                </a:extLst>
-              </a:tr>
-            </a:tbl>
-          </a:graphicData>
-        </a:graphic>
-      </p:graphicFrame>
+          </p:spPr>
+          <p:txBody>
+            <a:bodyPr wrap="square" rtlCol="0">
+              <a:spAutoFit/>
+            </a:bodyPr>
+            <a:lstStyle/>
+            <a:p>
+              <a:r>
+                <a:rPr lang="en-US" dirty="0"/>
+                <a:t>The word “sonic” decomposes into five distinct phonemes. </a:t>
+              </a:r>
+            </a:p>
+          </p:txBody>
+        </p:sp>
+        <p:sp>
+          <p:nvSpPr>
+            <p:cNvPr id="51" name="TextBox 50">
+              <a:extLst>
+                <a:ext uri="{FF2B5EF4-FFF2-40B4-BE49-F238E27FC236}">
+                  <a16:creationId xmlns:a16="http://schemas.microsoft.com/office/drawing/2014/main" id="{9814A516-53B3-4476-8997-FBF776CECA44}"/>
+                </a:ext>
+              </a:extLst>
+            </p:cNvPr>
+            <p:cNvSpPr txBox="1"/>
+            <p:nvPr/>
+          </p:nvSpPr>
+          <p:spPr>
+            <a:xfrm>
+              <a:off x="8316315" y="14951215"/>
+              <a:ext cx="7398025" cy="830997"/>
+            </a:xfrm>
+            <a:prstGeom prst="rect">
+              <a:avLst/>
+            </a:prstGeom>
+            <a:grpFill/>
+          </p:spPr>
+          <p:txBody>
+            <a:bodyPr wrap="square" rtlCol="0">
+              <a:spAutoFit/>
+            </a:bodyPr>
+            <a:lstStyle/>
+            <a:p>
+              <a:pPr algn="ctr"/>
+              <a:r>
+                <a:rPr lang="en-US" dirty="0"/>
+                <a:t>The phoneme “S” has the features that it is coronal, sibilant, and fricative, among other features.</a:t>
+              </a:r>
+            </a:p>
+          </p:txBody>
+        </p:sp>
+      </p:grpSp>
       <p:pic>
         <p:nvPicPr>
-          <p:cNvPr id="6" name="Picture 5"/>
+          <p:cNvPr id="70" name="Picture 69">
+            <a:extLst>
+              <a:ext uri="{FF2B5EF4-FFF2-40B4-BE49-F238E27FC236}">
+                <a16:creationId xmlns:a16="http://schemas.microsoft.com/office/drawing/2014/main" id="{12A9C63F-EBD0-4D06-A504-D824E374D8B9}"/>
+              </a:ext>
+            </a:extLst>
+          </p:cNvPr>
           <p:cNvPicPr>
             <a:picLocks noChangeAspect="1"/>
           </p:cNvPicPr>
           <p:nvPr/>
         </p:nvPicPr>
         <p:blipFill>
-          <a:blip r:embed="rId3">
+          <a:blip r:embed="rId12">
             <a:extLst>
               <a:ext uri="{28A0092B-C50C-407E-A947-70E740481C1C}">
                 <a14:useLocalDpi xmlns:a14="http://schemas.microsoft.com/office/drawing/2010/main" val="0"/>
@@ -7503,38 +8999,8 @@
         </p:blipFill>
         <p:spPr>
           <a:xfrm>
-            <a:off x="31085933" y="6775507"/>
-            <a:ext cx="5638800" cy="4229100"/>
-          </a:xfrm>
-          <a:prstGeom prst="rect">
-            <a:avLst/>
-          </a:prstGeom>
-        </p:spPr>
-      </p:pic>
-      <p:pic>
-        <p:nvPicPr>
-          <p:cNvPr id="7" name="Picture 6"/>
-          <p:cNvPicPr>
-            <a:picLocks noChangeAspect="1"/>
-          </p:cNvPicPr>
-          <p:nvPr/>
-        </p:nvPicPr>
-        <p:blipFill>
-          <a:blip r:embed="rId4">
-            <a:extLst>
-              <a:ext uri="{28A0092B-C50C-407E-A947-70E740481C1C}">
-                <a14:useLocalDpi xmlns:a14="http://schemas.microsoft.com/office/drawing/2010/main" val="0"/>
-              </a:ext>
-            </a:extLst>
-          </a:blip>
-          <a:stretch>
-            <a:fillRect/>
-          </a:stretch>
-        </p:blipFill>
-        <p:spPr>
-          <a:xfrm>
-            <a:off x="36709493" y="6954653"/>
-            <a:ext cx="5739644" cy="4304733"/>
+            <a:off x="32102541" y="26190424"/>
+            <a:ext cx="10980122" cy="4792172"/>
           </a:xfrm>
           <a:prstGeom prst="rect">
             <a:avLst/>
@@ -7543,14 +9009,20 @@
       </p:pic>
       <p:sp>
         <p:nvSpPr>
-          <p:cNvPr id="8" name="TextBox 7"/>
+          <p:cNvPr id="83" name="TextBox 82">
+            <a:extLst>
+              <a:ext uri="{FF2B5EF4-FFF2-40B4-BE49-F238E27FC236}">
+                <a16:creationId xmlns:a16="http://schemas.microsoft.com/office/drawing/2014/main" id="{7BC5959E-C084-4F76-8353-609093824D69}"/>
+              </a:ext>
+            </a:extLst>
+          </p:cNvPr>
           <p:cNvSpPr txBox="1"/>
           <p:nvPr/>
         </p:nvSpPr>
         <p:spPr>
           <a:xfrm>
-            <a:off x="32163261" y="11389040"/>
-            <a:ext cx="5107631" cy="1200329"/>
+            <a:off x="32039289" y="30955962"/>
+            <a:ext cx="10440282" cy="1938992"/>
           </a:xfrm>
           <a:prstGeom prst="rect">
             <a:avLst/>
@@ -7565,21 +9037,41 @@
           <a:p>
             <a:r>
               <a:rPr lang="en-US" dirty="0"/>
-              <a:t>Confusion matrix resulting from weighted naïve Bayes classification of gender</a:t>
-            </a:r>
+              <a:t>To the left are two distinctive </a:t>
+            </a:r>
+            <a:r>
+              <a:rPr lang="en-US"/>
+              <a:t>sonic signatures </a:t>
+            </a:r>
+            <a:r>
+              <a:rPr lang="en-US" dirty="0"/>
+              <a:t>that one might compare using the tool – Rosalind and Claudio. At a glance you can see quickly that one has dark bars above the line and one has dark bars below the line.</a:t>
+            </a:r>
+          </a:p>
+          <a:p>
+            <a:br>
+              <a:rPr lang="en-US" dirty="0"/>
+            </a:br>
+            <a:endParaRPr lang="en-US" dirty="0"/>
           </a:p>
         </p:txBody>
       </p:sp>
       <p:sp>
         <p:nvSpPr>
-          <p:cNvPr id="48" name="TextBox 47"/>
+          <p:cNvPr id="85" name="TextBox 84">
+            <a:extLst>
+              <a:ext uri="{FF2B5EF4-FFF2-40B4-BE49-F238E27FC236}">
+                <a16:creationId xmlns:a16="http://schemas.microsoft.com/office/drawing/2014/main" id="{797ACB8E-1701-408D-98F9-FFC2BFD4783A}"/>
+              </a:ext>
+            </a:extLst>
+          </p:cNvPr>
           <p:cNvSpPr txBox="1"/>
           <p:nvPr/>
         </p:nvSpPr>
         <p:spPr>
           <a:xfrm>
-            <a:off x="38138595" y="11376265"/>
-            <a:ext cx="4481885" cy="1200329"/>
+            <a:off x="32090878" y="32414622"/>
+            <a:ext cx="17580429" cy="461665"/>
           </a:xfrm>
           <a:prstGeom prst="rect">
             <a:avLst/>
@@ -7594,812 +9086,206 @@
           <a:p>
             <a:r>
               <a:rPr lang="en-US" dirty="0"/>
-              <a:t>Confusion matrix resulting from weighted iterative naïve Bayes classification of role</a:t>
+              <a:t>Thank you  to Carleton College, Eric Alexander, and Mike Tie for supporting this research</a:t>
             </a:r>
           </a:p>
         </p:txBody>
       </p:sp>
-      <p:pic>
-        <p:nvPicPr>
-          <p:cNvPr id="12" name="Picture 11"/>
-          <p:cNvPicPr>
-            <a:picLocks noChangeAspect="1"/>
-          </p:cNvPicPr>
-          <p:nvPr/>
-        </p:nvPicPr>
-        <p:blipFill>
-          <a:blip r:embed="rId5">
+      <p:grpSp>
+        <p:nvGrpSpPr>
+          <p:cNvPr id="3" name="Group 2">
             <a:extLst>
-              <a:ext uri="{28A0092B-C50C-407E-A947-70E740481C1C}">
-                <a14:useLocalDpi xmlns:a14="http://schemas.microsoft.com/office/drawing/2010/main" val="0"/>
+              <a:ext uri="{FF2B5EF4-FFF2-40B4-BE49-F238E27FC236}">
+                <a16:creationId xmlns:a16="http://schemas.microsoft.com/office/drawing/2014/main" id="{C2C36A0C-5609-49E1-8036-B3523FDCB596}"/>
               </a:ext>
             </a:extLst>
-          </a:blip>
-          <a:stretch>
-            <a:fillRect/>
-          </a:stretch>
-        </p:blipFill>
-        <p:spPr>
+          </p:cNvPr>
+          <p:cNvGrpSpPr/>
+          <p:nvPr/>
+        </p:nvGrpSpPr>
+        <p:grpSpPr>
           <a:xfrm>
-            <a:off x="27115423" y="6923205"/>
-            <a:ext cx="3574895" cy="4465835"/>
+            <a:off x="26976138" y="26178585"/>
+            <a:ext cx="10488351" cy="5910812"/>
+            <a:chOff x="27041001" y="26157977"/>
+            <a:chExt cx="10488351" cy="5910812"/>
           </a:xfrm>
-          <a:prstGeom prst="rect">
-            <a:avLst/>
-          </a:prstGeom>
-        </p:spPr>
-      </p:pic>
-      <p:sp>
-        <p:nvSpPr>
-          <p:cNvPr id="49" name="TextBox 48"/>
-          <p:cNvSpPr txBox="1"/>
-          <p:nvPr/>
-        </p:nvSpPr>
-        <p:spPr>
-          <a:xfrm>
-            <a:off x="26827496" y="11469247"/>
-            <a:ext cx="4468063" cy="1200329"/>
-          </a:xfrm>
-          <a:prstGeom prst="rect">
-            <a:avLst/>
-          </a:prstGeom>
-          <a:noFill/>
-        </p:spPr>
-        <p:txBody>
-          <a:bodyPr wrap="square" rtlCol="0">
-            <a:spAutoFit/>
-          </a:bodyPr>
-          <a:lstStyle/>
-          <a:p>
-            <a:r>
-              <a:rPr lang="en-US" dirty="0"/>
-              <a:t>The iterative naïve Bayes process yields more useful results in highly unbalanced data sets</a:t>
-            </a:r>
-          </a:p>
-        </p:txBody>
-      </p:sp>
-      <p:pic>
-        <p:nvPicPr>
-          <p:cNvPr id="14" name="Picture 13"/>
-          <p:cNvPicPr>
-            <a:picLocks noChangeAspect="1"/>
-          </p:cNvPicPr>
-          <p:nvPr/>
-        </p:nvPicPr>
-        <p:blipFill>
-          <a:blip r:embed="rId6">
-            <a:extLst>
-              <a:ext uri="{28A0092B-C50C-407E-A947-70E740481C1C}">
-                <a14:useLocalDpi xmlns:a14="http://schemas.microsoft.com/office/drawing/2010/main" val="0"/>
-              </a:ext>
-            </a:extLst>
-          </a:blip>
-          <a:stretch>
-            <a:fillRect/>
-          </a:stretch>
-        </p:blipFill>
-        <p:spPr>
-          <a:xfrm>
-            <a:off x="30954590" y="13853377"/>
-            <a:ext cx="12004820" cy="6131595"/>
-          </a:xfrm>
-          <a:prstGeom prst="rect">
-            <a:avLst/>
-          </a:prstGeom>
-        </p:spPr>
-      </p:pic>
-      <p:sp>
-        <p:nvSpPr>
-          <p:cNvPr id="53" name="TextBox 52"/>
-          <p:cNvSpPr txBox="1"/>
-          <p:nvPr/>
-        </p:nvSpPr>
-        <p:spPr>
-          <a:xfrm>
-            <a:off x="30984755" y="20008223"/>
-            <a:ext cx="11979046" cy="461665"/>
-          </a:xfrm>
-          <a:prstGeom prst="rect">
-            <a:avLst/>
-          </a:prstGeom>
-          <a:noFill/>
-        </p:spPr>
-        <p:txBody>
-          <a:bodyPr wrap="square" rtlCol="0">
-            <a:spAutoFit/>
-          </a:bodyPr>
-          <a:lstStyle/>
-          <a:p>
-            <a:r>
-              <a:rPr lang="en-US" dirty="0"/>
-              <a:t>A partial view of the comparison between </a:t>
-            </a:r>
-            <a:r>
-              <a:rPr lang="en-US" i="1" dirty="0"/>
-              <a:t>Hamlet</a:t>
-            </a:r>
-            <a:r>
-              <a:rPr lang="en-US" dirty="0"/>
-              <a:t>’s Hamlet and the standards for all archetypes </a:t>
-            </a:r>
-          </a:p>
-        </p:txBody>
-      </p:sp>
-      <p:pic>
-        <p:nvPicPr>
-          <p:cNvPr id="15" name="Picture 14"/>
-          <p:cNvPicPr>
-            <a:picLocks noChangeAspect="1"/>
-          </p:cNvPicPr>
-          <p:nvPr/>
-        </p:nvPicPr>
-        <p:blipFill>
-          <a:blip r:embed="rId7" cstate="print">
-            <a:extLst>
-              <a:ext uri="{28A0092B-C50C-407E-A947-70E740481C1C}">
-                <a14:useLocalDpi xmlns:a14="http://schemas.microsoft.com/office/drawing/2010/main" val="0"/>
-              </a:ext>
-            </a:extLst>
-          </a:blip>
-          <a:stretch>
-            <a:fillRect/>
-          </a:stretch>
-        </p:blipFill>
-        <p:spPr>
-          <a:xfrm>
-            <a:off x="26662195" y="13942241"/>
-            <a:ext cx="4288887" cy="2449157"/>
-          </a:xfrm>
-          <a:prstGeom prst="rect">
-            <a:avLst/>
-          </a:prstGeom>
-        </p:spPr>
-      </p:pic>
-      <p:sp>
-        <p:nvSpPr>
-          <p:cNvPr id="55" name="TextBox 54"/>
-          <p:cNvSpPr txBox="1"/>
-          <p:nvPr/>
-        </p:nvSpPr>
-        <p:spPr>
-          <a:xfrm>
-            <a:off x="26783134" y="16373891"/>
-            <a:ext cx="4006192" cy="1938992"/>
-          </a:xfrm>
-          <a:prstGeom prst="rect">
-            <a:avLst/>
-          </a:prstGeom>
-          <a:noFill/>
-        </p:spPr>
-        <p:txBody>
-          <a:bodyPr wrap="square" rtlCol="0">
-            <a:spAutoFit/>
-          </a:bodyPr>
-          <a:lstStyle/>
-          <a:p>
-            <a:r>
-              <a:rPr lang="en-US" dirty="0"/>
-              <a:t>An incomplete view of the basic view of z-score data for </a:t>
-            </a:r>
-            <a:r>
-              <a:rPr lang="en-US" dirty="0">
-                <a:solidFill>
-                  <a:schemeClr val="accent2">
-                    <a:lumMod val="60000"/>
-                    <a:lumOff val="40000"/>
-                  </a:schemeClr>
-                </a:solidFill>
-              </a:rPr>
-              <a:t>phoneme </a:t>
-            </a:r>
-            <a:r>
-              <a:rPr lang="en-US" dirty="0"/>
-              <a:t>and </a:t>
-            </a:r>
-            <a:r>
-              <a:rPr lang="en-US" dirty="0">
-                <a:solidFill>
-                  <a:schemeClr val="accent2">
-                    <a:lumMod val="50000"/>
-                  </a:schemeClr>
-                </a:solidFill>
-              </a:rPr>
-              <a:t>features </a:t>
-            </a:r>
-            <a:r>
-              <a:rPr lang="en-US" dirty="0"/>
-              <a:t>of archetypical roles, without any comparisons</a:t>
-            </a:r>
-          </a:p>
-        </p:txBody>
-      </p:sp>
-      <p:sp>
-        <p:nvSpPr>
-          <p:cNvPr id="68" name="Text Box 248"/>
-          <p:cNvSpPr txBox="1">
-            <a:spLocks noChangeArrowheads="1"/>
-          </p:cNvSpPr>
-          <p:nvPr/>
-        </p:nvSpPr>
-        <p:spPr bwMode="auto">
-          <a:xfrm>
-            <a:off x="1137426" y="27617777"/>
-            <a:ext cx="14447520" cy="795377"/>
-          </a:xfrm>
-          <a:prstGeom prst="rect">
-            <a:avLst/>
-          </a:prstGeom>
-          <a:gradFill>
-            <a:gsLst>
-              <a:gs pos="56000">
-                <a:schemeClr val="accent2">
-                  <a:lumMod val="50000"/>
-                </a:schemeClr>
-              </a:gs>
-              <a:gs pos="100000">
-                <a:schemeClr val="bg1">
-                  <a:alpha val="0"/>
-                </a:schemeClr>
-              </a:gs>
-            </a:gsLst>
-            <a:lin ang="0" scaled="1"/>
-          </a:gradFill>
-          <a:ln w="19050">
+        </p:grpSpPr>
+        <p:grpSp>
+          <p:nvGrpSpPr>
+            <p:cNvPr id="84" name="Group 83">
+              <a:extLst>
+                <a:ext uri="{FF2B5EF4-FFF2-40B4-BE49-F238E27FC236}">
+                  <a16:creationId xmlns:a16="http://schemas.microsoft.com/office/drawing/2014/main" id="{58C465F4-B0F9-4E58-8951-C85675715723}"/>
+                </a:ext>
+              </a:extLst>
+            </p:cNvPr>
+            <p:cNvGrpSpPr/>
+            <p:nvPr/>
+          </p:nvGrpSpPr>
+          <p:grpSpPr>
+            <a:xfrm>
+              <a:off x="27086288" y="26157977"/>
+              <a:ext cx="4953002" cy="5910812"/>
+              <a:chOff x="27086288" y="26157977"/>
+              <a:chExt cx="4953002" cy="5910812"/>
+            </a:xfrm>
+          </p:grpSpPr>
+          <p:pic>
+            <p:nvPicPr>
+              <p:cNvPr id="75" name="Picture 74">
+                <a:extLst>
+                  <a:ext uri="{FF2B5EF4-FFF2-40B4-BE49-F238E27FC236}">
+                    <a16:creationId xmlns:a16="http://schemas.microsoft.com/office/drawing/2014/main" id="{CE37A18D-44BC-4012-BC15-9652DE7C5DF0}"/>
+                  </a:ext>
+                </a:extLst>
+              </p:cNvPr>
+              <p:cNvPicPr>
+                <a:picLocks noChangeAspect="1"/>
+              </p:cNvPicPr>
+              <p:nvPr/>
+            </p:nvPicPr>
+            <p:blipFill>
+              <a:blip r:embed="rId13">
+                <a:extLst>
+                  <a:ext uri="{28A0092B-C50C-407E-A947-70E740481C1C}">
+                    <a14:useLocalDpi xmlns:a14="http://schemas.microsoft.com/office/drawing/2010/main" val="0"/>
+                  </a:ext>
+                </a:extLst>
+              </a:blip>
+              <a:stretch>
+                <a:fillRect/>
+              </a:stretch>
+            </p:blipFill>
+            <p:spPr>
+              <a:xfrm>
+                <a:off x="27086290" y="26157977"/>
+                <a:ext cx="4953000" cy="2562225"/>
+              </a:xfrm>
+              <a:prstGeom prst="rect">
+                <a:avLst/>
+              </a:prstGeom>
+            </p:spPr>
+          </p:pic>
+          <p:pic>
+            <p:nvPicPr>
+              <p:cNvPr id="77" name="Picture 76">
+                <a:extLst>
+                  <a:ext uri="{FF2B5EF4-FFF2-40B4-BE49-F238E27FC236}">
+                    <a16:creationId xmlns:a16="http://schemas.microsoft.com/office/drawing/2014/main" id="{BAE44E80-F692-4FE3-8D73-EC35C5E8CBFC}"/>
+                  </a:ext>
+                </a:extLst>
+              </p:cNvPr>
+              <p:cNvPicPr>
+                <a:picLocks noChangeAspect="1"/>
+              </p:cNvPicPr>
+              <p:nvPr/>
+            </p:nvPicPr>
+            <p:blipFill rotWithShape="1">
+              <a:blip r:embed="rId14">
+                <a:extLst>
+                  <a:ext uri="{28A0092B-C50C-407E-A947-70E740481C1C}">
+                    <a14:useLocalDpi xmlns:a14="http://schemas.microsoft.com/office/drawing/2010/main" val="0"/>
+                  </a:ext>
+                </a:extLst>
+              </a:blip>
+              <a:srcRect l="4637" t="6152" r="15489" b="7633"/>
+              <a:stretch/>
+            </p:blipFill>
+            <p:spPr>
+              <a:xfrm>
+                <a:off x="27086288" y="28630075"/>
+                <a:ext cx="4953001" cy="3438714"/>
+              </a:xfrm>
+              <a:prstGeom prst="rect">
+                <a:avLst/>
+              </a:prstGeom>
+            </p:spPr>
+          </p:pic>
+        </p:grpSp>
+        <p:sp>
+          <p:nvSpPr>
+            <p:cNvPr id="58" name="TextBox 57">
+              <a:extLst>
+                <a:ext uri="{FF2B5EF4-FFF2-40B4-BE49-F238E27FC236}">
+                  <a16:creationId xmlns:a16="http://schemas.microsoft.com/office/drawing/2014/main" id="{7E622FE0-B4BF-4456-B87B-B9290A2288C9}"/>
+                </a:ext>
+              </a:extLst>
+            </p:cNvPr>
+            <p:cNvSpPr txBox="1"/>
+            <p:nvPr/>
+          </p:nvSpPr>
+          <p:spPr>
+            <a:xfrm>
+              <a:off x="27089070" y="26169816"/>
+              <a:ext cx="10440282" cy="1200329"/>
+            </a:xfrm>
+            <a:prstGeom prst="rect">
+              <a:avLst/>
+            </a:prstGeom>
             <a:noFill/>
-            <a:miter lim="800000"/>
-            <a:headEnd/>
-            <a:tailEnd/>
-          </a:ln>
-          <a:effectLst/>
-        </p:spPr>
-        <p:txBody>
-          <a:bodyPr wrap="square">
-            <a:spAutoFit/>
-          </a:bodyPr>
-          <a:lstStyle>
-            <a:lvl1pPr>
-              <a:defRPr sz="2400">
-                <a:solidFill>
-                  <a:schemeClr val="tx1"/>
-                </a:solidFill>
-                <a:latin typeface="Times New Roman" pitchFamily="18" charset="0"/>
-              </a:defRPr>
-            </a:lvl1pPr>
-            <a:lvl2pPr marL="742950" indent="-285750">
-              <a:defRPr sz="2400">
-                <a:solidFill>
-                  <a:schemeClr val="tx1"/>
-                </a:solidFill>
-                <a:latin typeface="Times New Roman" pitchFamily="18" charset="0"/>
-              </a:defRPr>
-            </a:lvl2pPr>
-            <a:lvl3pPr marL="1143000" indent="-228600">
-              <a:defRPr sz="2400">
-                <a:solidFill>
-                  <a:schemeClr val="tx1"/>
-                </a:solidFill>
-                <a:latin typeface="Times New Roman" pitchFamily="18" charset="0"/>
-              </a:defRPr>
-            </a:lvl3pPr>
-            <a:lvl4pPr marL="1600200" indent="-228600">
-              <a:defRPr sz="2400">
-                <a:solidFill>
-                  <a:schemeClr val="tx1"/>
-                </a:solidFill>
-                <a:latin typeface="Times New Roman" pitchFamily="18" charset="0"/>
-              </a:defRPr>
-            </a:lvl4pPr>
-            <a:lvl5pPr marL="2057400" indent="-228600">
-              <a:defRPr sz="2400">
-                <a:solidFill>
-                  <a:schemeClr val="tx1"/>
-                </a:solidFill>
-                <a:latin typeface="Times New Roman" pitchFamily="18" charset="0"/>
-              </a:defRPr>
-            </a:lvl5pPr>
-            <a:lvl6pPr marL="2514600" indent="-228600" eaLnBrk="0" fontAlgn="base" hangingPunct="0">
-              <a:spcBef>
-                <a:spcPct val="0"/>
-              </a:spcBef>
-              <a:spcAft>
-                <a:spcPct val="0"/>
-              </a:spcAft>
-              <a:defRPr sz="2400">
-                <a:solidFill>
-                  <a:schemeClr val="tx1"/>
-                </a:solidFill>
-                <a:latin typeface="Times New Roman" pitchFamily="18" charset="0"/>
-              </a:defRPr>
-            </a:lvl6pPr>
-            <a:lvl7pPr marL="2971800" indent="-228600" eaLnBrk="0" fontAlgn="base" hangingPunct="0">
-              <a:spcBef>
-                <a:spcPct val="0"/>
-              </a:spcBef>
-              <a:spcAft>
-                <a:spcPct val="0"/>
-              </a:spcAft>
-              <a:defRPr sz="2400">
-                <a:solidFill>
-                  <a:schemeClr val="tx1"/>
-                </a:solidFill>
-                <a:latin typeface="Times New Roman" pitchFamily="18" charset="0"/>
-              </a:defRPr>
-            </a:lvl7pPr>
-            <a:lvl8pPr marL="3429000" indent="-228600" eaLnBrk="0" fontAlgn="base" hangingPunct="0">
-              <a:spcBef>
-                <a:spcPct val="0"/>
-              </a:spcBef>
-              <a:spcAft>
-                <a:spcPct val="0"/>
-              </a:spcAft>
-              <a:defRPr sz="2400">
-                <a:solidFill>
-                  <a:schemeClr val="tx1"/>
-                </a:solidFill>
-                <a:latin typeface="Times New Roman" pitchFamily="18" charset="0"/>
-              </a:defRPr>
-            </a:lvl8pPr>
-            <a:lvl9pPr marL="3886200" indent="-228600" eaLnBrk="0" fontAlgn="base" hangingPunct="0">
-              <a:spcBef>
-                <a:spcPct val="0"/>
-              </a:spcBef>
-              <a:spcAft>
-                <a:spcPct val="0"/>
-              </a:spcAft>
-              <a:defRPr sz="2400">
-                <a:solidFill>
-                  <a:schemeClr val="tx1"/>
-                </a:solidFill>
-                <a:latin typeface="Times New Roman" pitchFamily="18" charset="0"/>
-              </a:defRPr>
-            </a:lvl9pPr>
-          </a:lstStyle>
-          <a:p>
-            <a:r>
-              <a:rPr lang="en-US" altLang="zh-CN" sz="4400" b="1" dirty="0">
-                <a:solidFill>
-                  <a:schemeClr val="bg1"/>
-                </a:solidFill>
-                <a:effectLst/>
-                <a:latin typeface="Lucida Sans" pitchFamily="34" charset="0"/>
-                <a:ea typeface="SimSun" pitchFamily="2" charset="-122"/>
-                <a:cs typeface="Lucida Sans" pitchFamily="34" charset="0"/>
-              </a:rPr>
-              <a:t>References</a:t>
-            </a:r>
-          </a:p>
-        </p:txBody>
-      </p:sp>
-      <p:sp>
-        <p:nvSpPr>
-          <p:cNvPr id="72" name="Text Box 242"/>
-          <p:cNvSpPr txBox="1">
-            <a:spLocks noChangeArrowheads="1"/>
-          </p:cNvSpPr>
-          <p:nvPr/>
-        </p:nvSpPr>
-        <p:spPr bwMode="auto">
-          <a:xfrm>
-            <a:off x="1137426" y="28471055"/>
-            <a:ext cx="14447520" cy="4023360"/>
-          </a:xfrm>
-          <a:prstGeom prst="rect">
-            <a:avLst/>
-          </a:prstGeom>
-          <a:solidFill>
-            <a:schemeClr val="bg1"/>
-          </a:solidFill>
-          <a:ln w="57150" cmpd="thinThick">
+          </p:spPr>
+          <p:txBody>
+            <a:bodyPr wrap="square" rtlCol="0">
+              <a:spAutoFit/>
+            </a:bodyPr>
+            <a:lstStyle/>
+            <a:p>
+              <a:r>
+                <a:rPr lang="en-US" dirty="0"/>
+                <a:t>Claudio</a:t>
+              </a:r>
+            </a:p>
+            <a:p>
+              <a:br>
+                <a:rPr lang="en-US" dirty="0"/>
+              </a:br>
+              <a:endParaRPr lang="en-US" dirty="0"/>
+            </a:p>
+          </p:txBody>
+        </p:sp>
+        <p:sp>
+          <p:nvSpPr>
+            <p:cNvPr id="59" name="TextBox 58">
+              <a:extLst>
+                <a:ext uri="{FF2B5EF4-FFF2-40B4-BE49-F238E27FC236}">
+                  <a16:creationId xmlns:a16="http://schemas.microsoft.com/office/drawing/2014/main" id="{655D8046-4C33-4752-899F-6853C02D14AB}"/>
+                </a:ext>
+              </a:extLst>
+            </p:cNvPr>
+            <p:cNvSpPr txBox="1"/>
+            <p:nvPr/>
+          </p:nvSpPr>
+          <p:spPr>
+            <a:xfrm>
+              <a:off x="27041001" y="28565539"/>
+              <a:ext cx="10440282" cy="1200329"/>
+            </a:xfrm>
+            <a:prstGeom prst="rect">
+              <a:avLst/>
+            </a:prstGeom>
             <a:noFill/>
-            <a:miter lim="800000"/>
-            <a:headEnd/>
-            <a:tailEnd/>
-          </a:ln>
-          <a:effectLst/>
-          <a:extLst>
-            <a:ext uri="{AF507438-7753-43e0-B8FC-AC1667EBCBE1}">
-              <a14:hiddenEffects xmlns:a14="http://schemas.microsoft.com/office/drawing/2010/main" xmlns="">
-                <a:effectLst>
-                  <a:outerShdw dist="35921" dir="2700000" algn="ctr" rotWithShape="0">
-                    <a:schemeClr val="bg2"/>
-                  </a:outerShdw>
-                </a:effectLst>
-              </a14:hiddenEffects>
-            </a:ext>
-          </a:extLst>
-        </p:spPr>
-        <p:txBody>
-          <a:bodyPr wrap="square" lIns="182880" tIns="91440" rIns="182880" bIns="182880">
-            <a:spAutoFit/>
-          </a:bodyPr>
-          <a:lstStyle>
-            <a:lvl1pPr marL="228600" indent="-228600" defTabSz="612775">
-              <a:defRPr sz="2400">
-                <a:solidFill>
-                  <a:schemeClr val="tx1"/>
-                </a:solidFill>
-                <a:latin typeface="Times New Roman" pitchFamily="18" charset="0"/>
-              </a:defRPr>
-            </a:lvl1pPr>
-            <a:lvl2pPr marL="742950" indent="-285750" defTabSz="612775">
-              <a:defRPr sz="2400">
-                <a:solidFill>
-                  <a:schemeClr val="tx1"/>
-                </a:solidFill>
-                <a:latin typeface="Times New Roman" pitchFamily="18" charset="0"/>
-              </a:defRPr>
-            </a:lvl2pPr>
-            <a:lvl3pPr marL="1143000" indent="-228600" defTabSz="612775">
-              <a:defRPr sz="2400">
-                <a:solidFill>
-                  <a:schemeClr val="tx1"/>
-                </a:solidFill>
-                <a:latin typeface="Times New Roman" pitchFamily="18" charset="0"/>
-              </a:defRPr>
-            </a:lvl3pPr>
-            <a:lvl4pPr marL="1600200" indent="-228600" defTabSz="612775">
-              <a:defRPr sz="2400">
-                <a:solidFill>
-                  <a:schemeClr val="tx1"/>
-                </a:solidFill>
-                <a:latin typeface="Times New Roman" pitchFamily="18" charset="0"/>
-              </a:defRPr>
-            </a:lvl4pPr>
-            <a:lvl5pPr marL="2057400" indent="-228600" defTabSz="612775">
-              <a:defRPr sz="2400">
-                <a:solidFill>
-                  <a:schemeClr val="tx1"/>
-                </a:solidFill>
-                <a:latin typeface="Times New Roman" pitchFamily="18" charset="0"/>
-              </a:defRPr>
-            </a:lvl5pPr>
-            <a:lvl6pPr marL="2514600" indent="-228600" defTabSz="612775" eaLnBrk="0" fontAlgn="base" hangingPunct="0">
-              <a:spcBef>
-                <a:spcPct val="0"/>
-              </a:spcBef>
-              <a:spcAft>
-                <a:spcPct val="0"/>
-              </a:spcAft>
-              <a:defRPr sz="2400">
-                <a:solidFill>
-                  <a:schemeClr val="tx1"/>
-                </a:solidFill>
-                <a:latin typeface="Times New Roman" pitchFamily="18" charset="0"/>
-              </a:defRPr>
-            </a:lvl6pPr>
-            <a:lvl7pPr marL="2971800" indent="-228600" defTabSz="612775" eaLnBrk="0" fontAlgn="base" hangingPunct="0">
-              <a:spcBef>
-                <a:spcPct val="0"/>
-              </a:spcBef>
-              <a:spcAft>
-                <a:spcPct val="0"/>
-              </a:spcAft>
-              <a:defRPr sz="2400">
-                <a:solidFill>
-                  <a:schemeClr val="tx1"/>
-                </a:solidFill>
-                <a:latin typeface="Times New Roman" pitchFamily="18" charset="0"/>
-              </a:defRPr>
-            </a:lvl7pPr>
-            <a:lvl8pPr marL="3429000" indent="-228600" defTabSz="612775" eaLnBrk="0" fontAlgn="base" hangingPunct="0">
-              <a:spcBef>
-                <a:spcPct val="0"/>
-              </a:spcBef>
-              <a:spcAft>
-                <a:spcPct val="0"/>
-              </a:spcAft>
-              <a:defRPr sz="2400">
-                <a:solidFill>
-                  <a:schemeClr val="tx1"/>
-                </a:solidFill>
-                <a:latin typeface="Times New Roman" pitchFamily="18" charset="0"/>
-              </a:defRPr>
-            </a:lvl8pPr>
-            <a:lvl9pPr marL="3886200" indent="-228600" defTabSz="612775" eaLnBrk="0" fontAlgn="base" hangingPunct="0">
-              <a:spcBef>
-                <a:spcPct val="0"/>
-              </a:spcBef>
-              <a:spcAft>
-                <a:spcPct val="0"/>
-              </a:spcAft>
-              <a:defRPr sz="2400">
-                <a:solidFill>
-                  <a:schemeClr val="tx1"/>
-                </a:solidFill>
-                <a:latin typeface="Times New Roman" pitchFamily="18" charset="0"/>
-              </a:defRPr>
-            </a:lvl9pPr>
-          </a:lstStyle>
-          <a:p>
-            <a:pPr algn="just">
-              <a:lnSpc>
-                <a:spcPct val="120000"/>
-              </a:lnSpc>
-              <a:buFontTx/>
-              <a:buChar char="•"/>
-            </a:pPr>
-            <a:r>
-              <a:rPr lang="en-US" sz="2800" dirty="0">
-                <a:effectLst/>
-              </a:rPr>
-              <a:t>Scikit-learn: Machine Learning in Python, </a:t>
-            </a:r>
-            <a:r>
-              <a:rPr lang="en-US" sz="2800" dirty="0" err="1">
-                <a:effectLst/>
-              </a:rPr>
-              <a:t>Pedregosa</a:t>
-            </a:r>
-            <a:r>
-              <a:rPr lang="en-US" sz="2800" dirty="0">
-                <a:effectLst/>
-              </a:rPr>
-              <a:t> et al</a:t>
-            </a:r>
-            <a:r>
-              <a:rPr lang="en-US" sz="2800" i="1" dirty="0">
-                <a:effectLst/>
-              </a:rPr>
-              <a:t>.</a:t>
-            </a:r>
-            <a:r>
-              <a:rPr lang="en-US" sz="2800" dirty="0">
-                <a:effectLst/>
-              </a:rPr>
-              <a:t>, JMLR 12, pp. 2825-2830, 2011.</a:t>
-            </a:r>
-          </a:p>
-          <a:p>
-            <a:pPr algn="just">
-              <a:lnSpc>
-                <a:spcPct val="120000"/>
-              </a:lnSpc>
-              <a:buFontTx/>
-              <a:buChar char="•"/>
-            </a:pPr>
-            <a:r>
-              <a:rPr lang="en-US" altLang="ja-JP" sz="2800" dirty="0">
-                <a:effectLst/>
-                <a:ea typeface="ＭＳ Ｐゴシック" charset="-128"/>
-              </a:rPr>
-              <a:t>Olson M. Determining the gender of Shakespeare’s characters. Stanford University[Internet]. 2013. </a:t>
-            </a:r>
-          </a:p>
-          <a:p>
-            <a:pPr algn="just">
-              <a:lnSpc>
-                <a:spcPct val="120000"/>
-              </a:lnSpc>
-              <a:buFontTx/>
-              <a:buChar char="•"/>
-            </a:pPr>
-            <a:r>
-              <a:rPr lang="en-US" sz="2800" dirty="0">
-                <a:effectLst/>
-              </a:rPr>
-              <a:t>Bird, Steven, Edward </a:t>
-            </a:r>
-            <a:r>
-              <a:rPr lang="en-US" sz="2800" dirty="0" err="1">
-                <a:effectLst/>
-              </a:rPr>
-              <a:t>Loper</a:t>
-            </a:r>
-            <a:r>
-              <a:rPr lang="en-US" sz="2800" dirty="0">
-                <a:effectLst/>
-              </a:rPr>
-              <a:t> and Ewan Klein (2009), </a:t>
-            </a:r>
-            <a:r>
-              <a:rPr lang="en-US" sz="2800" i="1" dirty="0">
-                <a:effectLst/>
-              </a:rPr>
-              <a:t>Natural Language Processing with Python</a:t>
-            </a:r>
-            <a:r>
-              <a:rPr lang="en-US" sz="2800" dirty="0">
-                <a:effectLst/>
-              </a:rPr>
-              <a:t>. O’Reilly Media Inc.</a:t>
-            </a:r>
-          </a:p>
-          <a:p>
-            <a:pPr algn="just">
-              <a:lnSpc>
-                <a:spcPct val="120000"/>
-              </a:lnSpc>
-              <a:buFontTx/>
-              <a:buChar char="•"/>
-            </a:pPr>
-            <a:r>
-              <a:rPr lang="en-US" sz="2800" dirty="0">
-                <a:effectLst/>
-              </a:rPr>
-              <a:t>Folger Shakespeare Library. (</a:t>
-            </a:r>
-            <a:r>
-              <a:rPr lang="en-US" sz="2800" dirty="0" err="1">
-                <a:effectLst/>
-              </a:rPr>
-              <a:t>n.d.</a:t>
-            </a:r>
-            <a:r>
-              <a:rPr lang="en-US" sz="2800" dirty="0">
-                <a:effectLst/>
-              </a:rPr>
-              <a:t>) </a:t>
-            </a:r>
-            <a:r>
-              <a:rPr lang="en-US" sz="2800" i="1" dirty="0">
-                <a:effectLst/>
-              </a:rPr>
-              <a:t>Shakespeare's Plays, Sonnets and Poems</a:t>
-            </a:r>
-            <a:r>
-              <a:rPr lang="en-US" sz="2800" dirty="0">
-                <a:effectLst/>
-              </a:rPr>
-              <a:t> from Folger Digital Texts. Retrieved from www.folgerdigitaltexts.org</a:t>
-            </a:r>
-          </a:p>
-        </p:txBody>
-      </p:sp>
-      <p:pic>
-        <p:nvPicPr>
-          <p:cNvPr id="5" name="Picture 4"/>
-          <p:cNvPicPr>
-            <a:picLocks noChangeAspect="1"/>
-          </p:cNvPicPr>
-          <p:nvPr/>
-        </p:nvPicPr>
-        <p:blipFill rotWithShape="1">
-          <a:blip r:embed="rId8">
-            <a:extLst>
-              <a:ext uri="{28A0092B-C50C-407E-A947-70E740481C1C}">
-                <a14:useLocalDpi xmlns:a14="http://schemas.microsoft.com/office/drawing/2010/main" val="0"/>
-              </a:ext>
-            </a:extLst>
-          </a:blip>
-          <a:srcRect b="2596"/>
-          <a:stretch/>
-        </p:blipFill>
-        <p:spPr>
-          <a:xfrm>
-            <a:off x="1335095" y="17978091"/>
-            <a:ext cx="7696200" cy="7496410"/>
-          </a:xfrm>
-          <a:prstGeom prst="rect">
-            <a:avLst/>
-          </a:prstGeom>
-        </p:spPr>
-      </p:pic>
-      <p:sp>
-        <p:nvSpPr>
-          <p:cNvPr id="74" name="TextBox 73"/>
-          <p:cNvSpPr txBox="1"/>
-          <p:nvPr/>
-        </p:nvSpPr>
-        <p:spPr>
-          <a:xfrm>
-            <a:off x="1588074" y="24107152"/>
-            <a:ext cx="7190241" cy="830997"/>
-          </a:xfrm>
-          <a:prstGeom prst="rect">
-            <a:avLst/>
-          </a:prstGeom>
-          <a:noFill/>
-        </p:spPr>
-        <p:txBody>
-          <a:bodyPr wrap="square" rtlCol="0">
-            <a:spAutoFit/>
-          </a:bodyPr>
-          <a:lstStyle/>
-          <a:p>
-            <a:r>
-              <a:rPr lang="en-US" dirty="0"/>
-              <a:t>A multi-dimensional scaling, color-coded by play and with number of lines encoded as size of bubble.</a:t>
-            </a:r>
-          </a:p>
-        </p:txBody>
-      </p:sp>
-      <p:sp>
-        <p:nvSpPr>
-          <p:cNvPr id="10" name="Rectangle 9"/>
-          <p:cNvSpPr/>
-          <p:nvPr/>
-        </p:nvSpPr>
-        <p:spPr>
-          <a:xfrm>
-            <a:off x="1254634" y="16601032"/>
-            <a:ext cx="8041768" cy="1754326"/>
-          </a:xfrm>
-          <a:prstGeom prst="rect">
-            <a:avLst/>
-          </a:prstGeom>
-        </p:spPr>
-        <p:txBody>
-          <a:bodyPr wrap="square">
-            <a:spAutoFit/>
-          </a:bodyPr>
-          <a:lstStyle/>
-          <a:p>
-            <a:r>
-              <a:rPr lang="en-US" sz="3600" dirty="0">
-                <a:solidFill>
-                  <a:srgbClr val="000000"/>
-                </a:solidFill>
-                <a:effectLst/>
-                <a:latin typeface="+mj-lt"/>
-              </a:rPr>
-              <a:t>We turned each character’s speech into a </a:t>
-            </a:r>
-            <a:r>
-              <a:rPr lang="en-US" sz="3600" b="1" dirty="0">
-                <a:solidFill>
-                  <a:srgbClr val="000000"/>
-                </a:solidFill>
-                <a:effectLst/>
-                <a:latin typeface="+mj-lt"/>
-              </a:rPr>
-              <a:t>vector</a:t>
-            </a:r>
-            <a:r>
-              <a:rPr lang="en-US" sz="3600" dirty="0">
-                <a:solidFill>
-                  <a:srgbClr val="000000"/>
-                </a:solidFill>
-                <a:effectLst/>
-                <a:latin typeface="+mj-lt"/>
-              </a:rPr>
-              <a:t> and used </a:t>
-            </a:r>
-            <a:r>
-              <a:rPr lang="en-US" sz="3600" b="1" dirty="0">
-                <a:solidFill>
-                  <a:srgbClr val="000000"/>
-                </a:solidFill>
-                <a:effectLst/>
-                <a:latin typeface="+mj-lt"/>
-              </a:rPr>
-              <a:t>multidimensional scaling </a:t>
-            </a:r>
-            <a:r>
-              <a:rPr lang="en-US" sz="3600" dirty="0">
-                <a:solidFill>
-                  <a:srgbClr val="000000"/>
-                </a:solidFill>
-                <a:effectLst/>
-                <a:latin typeface="+mj-lt"/>
-              </a:rPr>
-              <a:t>to look for </a:t>
-            </a:r>
-            <a:r>
-              <a:rPr lang="en-US" sz="3600" b="1" dirty="0">
-                <a:solidFill>
-                  <a:srgbClr val="000000"/>
-                </a:solidFill>
-                <a:effectLst/>
-                <a:latin typeface="+mj-lt"/>
-              </a:rPr>
-              <a:t>groups</a:t>
-            </a:r>
-            <a:r>
-              <a:rPr lang="en-US" sz="3600" dirty="0">
-                <a:solidFill>
-                  <a:srgbClr val="000000"/>
-                </a:solidFill>
-                <a:effectLst/>
-                <a:latin typeface="+mj-lt"/>
-              </a:rPr>
-              <a:t> of characters.</a:t>
-            </a:r>
-            <a:endParaRPr lang="en-US" sz="3600" dirty="0">
-              <a:latin typeface="+mj-lt"/>
-            </a:endParaRPr>
-          </a:p>
-        </p:txBody>
-      </p:sp>
+          </p:spPr>
+          <p:txBody>
+            <a:bodyPr wrap="square" rtlCol="0">
+              <a:spAutoFit/>
+            </a:bodyPr>
+            <a:lstStyle/>
+            <a:p>
+              <a:r>
+                <a:rPr lang="en-US" dirty="0"/>
+                <a:t>Rosalind</a:t>
+              </a:r>
+            </a:p>
+            <a:p>
+              <a:br>
+                <a:rPr lang="en-US" dirty="0"/>
+              </a:br>
+              <a:endParaRPr lang="en-US" dirty="0"/>
+            </a:p>
+          </p:txBody>
+        </p:sp>
+      </p:grpSp>
     </p:spTree>
   </p:cSld>
   <p:clrMapOvr>
@@ -8658,7 +9544,7 @@
         <a:effectLst/>
         <a:extLst>
           <a:ext uri="{AF507438-7753-43e0-B8FC-AC1667EBCBE1}">
-            <a14:hiddenEffects xmlns:a14="http://schemas.microsoft.com/office/drawing/2010/main" xmlns="">
+            <a14:hiddenEffects xmlns="" xmlns:a14="http://schemas.microsoft.com/office/drawing/2010/main">
               <a:effectLst>
                 <a:outerShdw dist="35921" dir="2700000" algn="ctr" rotWithShape="0">
                   <a:schemeClr val="bg2"/>
@@ -8737,7 +9623,7 @@
         <a:effectLst/>
         <a:extLst>
           <a:ext uri="{AF507438-7753-43e0-B8FC-AC1667EBCBE1}">
-            <a14:hiddenEffects xmlns:a14="http://schemas.microsoft.com/office/drawing/2010/main" xmlns="">
+            <a14:hiddenEffects xmlns="" xmlns:a14="http://schemas.microsoft.com/office/drawing/2010/main">
               <a:effectLst>
                 <a:outerShdw dist="35921" dir="2700000" algn="ctr" rotWithShape="0">
                   <a:schemeClr val="bg2"/>

--- a/Poster Rough Draft.pptx
+++ b/Poster Rough Draft.pptx
@@ -9037,15 +9037,7 @@
           <a:p>
             <a:r>
               <a:rPr lang="en-US" dirty="0"/>
-              <a:t>To the left are two distinctive </a:t>
-            </a:r>
-            <a:r>
-              <a:rPr lang="en-US"/>
-              <a:t>sonic signatures </a:t>
-            </a:r>
-            <a:r>
-              <a:rPr lang="en-US" dirty="0"/>
-              <a:t>that one might compare using the tool – Rosalind and Claudio. At a glance you can see quickly that one has dark bars above the line and one has dark bars below the line.</a:t>
+              <a:t>To the left are two distinctive sonic signatures that one might compare using the tool – Rosalind and Claudio. At a glance you can see quickly that one has dark bars above the line and one has dark bars below the line.</a:t>
             </a:r>
           </a:p>
           <a:p>

--- a/Poster Rough Draft.pptx
+++ b/Poster Rough Draft.pptx
@@ -290,14 +290,14 @@
           <a:effectLst/>
           <a:extLst>
             <a:ext uri="{909E8E84-426E-40dd-AFC4-6F175D3DCCD1}">
-              <a14:hiddenFill xmlns="" xmlns:a14="http://schemas.microsoft.com/office/drawing/2010/main">
+              <a14:hiddenFill xmlns:a14="http://schemas.microsoft.com/office/drawing/2010/main" xmlns="">
                 <a:solidFill>
                   <a:schemeClr val="accent1"/>
                 </a:solidFill>
               </a14:hiddenFill>
             </a:ext>
             <a:ext uri="{91240B29-F687-4f45-9708-019B960494DF}">
-              <a14:hiddenLine xmlns="" xmlns:a14="http://schemas.microsoft.com/office/drawing/2010/main" w="9525">
+              <a14:hiddenLine xmlns:a14="http://schemas.microsoft.com/office/drawing/2010/main" xmlns="" w="9525">
                 <a:solidFill>
                   <a:schemeClr val="tx1"/>
                 </a:solidFill>
@@ -307,7 +307,7 @@
               </a14:hiddenLine>
             </a:ext>
             <a:ext uri="{AF507438-7753-43e0-B8FC-AC1667EBCBE1}">
-              <a14:hiddenEffects xmlns="" xmlns:a14="http://schemas.microsoft.com/office/drawing/2010/main">
+              <a14:hiddenEffects xmlns:a14="http://schemas.microsoft.com/office/drawing/2010/main" xmlns="">
                 <a:effectLst>
                   <a:outerShdw dist="35921" dir="2700000" algn="ctr" rotWithShape="0">
                     <a:schemeClr val="bg2"/>
@@ -360,14 +360,14 @@
           <a:effectLst/>
           <a:extLst>
             <a:ext uri="{909E8E84-426E-40dd-AFC4-6F175D3DCCD1}">
-              <a14:hiddenFill xmlns="" xmlns:a14="http://schemas.microsoft.com/office/drawing/2010/main">
+              <a14:hiddenFill xmlns:a14="http://schemas.microsoft.com/office/drawing/2010/main" xmlns="">
                 <a:solidFill>
                   <a:schemeClr val="accent1"/>
                 </a:solidFill>
               </a14:hiddenFill>
             </a:ext>
             <a:ext uri="{91240B29-F687-4f45-9708-019B960494DF}">
-              <a14:hiddenLine xmlns="" xmlns:a14="http://schemas.microsoft.com/office/drawing/2010/main" w="9525">
+              <a14:hiddenLine xmlns:a14="http://schemas.microsoft.com/office/drawing/2010/main" xmlns="" w="9525">
                 <a:solidFill>
                   <a:schemeClr val="tx1"/>
                 </a:solidFill>
@@ -377,7 +377,7 @@
               </a14:hiddenLine>
             </a:ext>
             <a:ext uri="{AF507438-7753-43e0-B8FC-AC1667EBCBE1}">
-              <a14:hiddenEffects xmlns="" xmlns:a14="http://schemas.microsoft.com/office/drawing/2010/main">
+              <a14:hiddenEffects xmlns:a14="http://schemas.microsoft.com/office/drawing/2010/main" xmlns="">
                 <a:effectLst>
                   <a:outerShdw dist="35921" dir="2700000" algn="ctr" rotWithShape="0">
                     <a:schemeClr val="bg2"/>
@@ -430,14 +430,14 @@
           <a:effectLst/>
           <a:extLst>
             <a:ext uri="{909E8E84-426E-40dd-AFC4-6F175D3DCCD1}">
-              <a14:hiddenFill xmlns="" xmlns:a14="http://schemas.microsoft.com/office/drawing/2010/main">
+              <a14:hiddenFill xmlns:a14="http://schemas.microsoft.com/office/drawing/2010/main" xmlns="">
                 <a:solidFill>
                   <a:schemeClr val="accent1"/>
                 </a:solidFill>
               </a14:hiddenFill>
             </a:ext>
             <a:ext uri="{91240B29-F687-4f45-9708-019B960494DF}">
-              <a14:hiddenLine xmlns="" xmlns:a14="http://schemas.microsoft.com/office/drawing/2010/main" w="9525">
+              <a14:hiddenLine xmlns:a14="http://schemas.microsoft.com/office/drawing/2010/main" xmlns="" w="9525">
                 <a:solidFill>
                   <a:schemeClr val="tx1"/>
                 </a:solidFill>
@@ -447,7 +447,7 @@
               </a14:hiddenLine>
             </a:ext>
             <a:ext uri="{AF507438-7753-43e0-B8FC-AC1667EBCBE1}">
-              <a14:hiddenEffects xmlns="" xmlns:a14="http://schemas.microsoft.com/office/drawing/2010/main">
+              <a14:hiddenEffects xmlns:a14="http://schemas.microsoft.com/office/drawing/2010/main" xmlns="">
                 <a:effectLst>
                   <a:outerShdw dist="35921" dir="2700000" algn="ctr" rotWithShape="0">
                     <a:schemeClr val="bg2"/>
@@ -500,14 +500,14 @@
           <a:effectLst/>
           <a:extLst>
             <a:ext uri="{909E8E84-426E-40dd-AFC4-6F175D3DCCD1}">
-              <a14:hiddenFill xmlns="" xmlns:a14="http://schemas.microsoft.com/office/drawing/2010/main">
+              <a14:hiddenFill xmlns:a14="http://schemas.microsoft.com/office/drawing/2010/main" xmlns="">
                 <a:solidFill>
                   <a:schemeClr val="accent1"/>
                 </a:solidFill>
               </a14:hiddenFill>
             </a:ext>
             <a:ext uri="{91240B29-F687-4f45-9708-019B960494DF}">
-              <a14:hiddenLine xmlns="" xmlns:a14="http://schemas.microsoft.com/office/drawing/2010/main" w="9525">
+              <a14:hiddenLine xmlns:a14="http://schemas.microsoft.com/office/drawing/2010/main" xmlns="" w="9525">
                 <a:solidFill>
                   <a:schemeClr val="tx1"/>
                 </a:solidFill>
@@ -517,7 +517,7 @@
               </a14:hiddenLine>
             </a:ext>
             <a:ext uri="{AF507438-7753-43e0-B8FC-AC1667EBCBE1}">
-              <a14:hiddenEffects xmlns="" xmlns:a14="http://schemas.microsoft.com/office/drawing/2010/main">
+              <a14:hiddenEffects xmlns:a14="http://schemas.microsoft.com/office/drawing/2010/main" xmlns="">
                 <a:effectLst>
                   <a:outerShdw dist="35921" dir="2700000" algn="ctr" rotWithShape="0">
                     <a:schemeClr val="bg2"/>
@@ -611,14 +611,14 @@
           <a:effectLst/>
           <a:extLst>
             <a:ext uri="{909E8E84-426E-40dd-AFC4-6F175D3DCCD1}">
-              <a14:hiddenFill xmlns="" xmlns:a14="http://schemas.microsoft.com/office/drawing/2010/main">
+              <a14:hiddenFill xmlns:a14="http://schemas.microsoft.com/office/drawing/2010/main" xmlns="">
                 <a:solidFill>
                   <a:schemeClr val="accent1"/>
                 </a:solidFill>
               </a14:hiddenFill>
             </a:ext>
             <a:ext uri="{91240B29-F687-4f45-9708-019B960494DF}">
-              <a14:hiddenLine xmlns="" xmlns:a14="http://schemas.microsoft.com/office/drawing/2010/main" w="9525">
+              <a14:hiddenLine xmlns:a14="http://schemas.microsoft.com/office/drawing/2010/main" xmlns="" w="9525">
                 <a:solidFill>
                   <a:schemeClr val="tx1"/>
                 </a:solidFill>
@@ -628,7 +628,7 @@
               </a14:hiddenLine>
             </a:ext>
             <a:ext uri="{AF507438-7753-43e0-B8FC-AC1667EBCBE1}">
-              <a14:hiddenEffects xmlns="" xmlns:a14="http://schemas.microsoft.com/office/drawing/2010/main">
+              <a14:hiddenEffects xmlns:a14="http://schemas.microsoft.com/office/drawing/2010/main" xmlns="">
                 <a:effectLst>
                   <a:outerShdw dist="35921" dir="2700000" algn="ctr" rotWithShape="0">
                     <a:schemeClr val="bg2"/>
@@ -681,14 +681,14 @@
           <a:effectLst/>
           <a:extLst>
             <a:ext uri="{909E8E84-426E-40dd-AFC4-6F175D3DCCD1}">
-              <a14:hiddenFill xmlns="" xmlns:a14="http://schemas.microsoft.com/office/drawing/2010/main">
+              <a14:hiddenFill xmlns:a14="http://schemas.microsoft.com/office/drawing/2010/main" xmlns="">
                 <a:solidFill>
                   <a:schemeClr val="accent1"/>
                 </a:solidFill>
               </a14:hiddenFill>
             </a:ext>
             <a:ext uri="{91240B29-F687-4f45-9708-019B960494DF}">
-              <a14:hiddenLine xmlns="" xmlns:a14="http://schemas.microsoft.com/office/drawing/2010/main" w="9525">
+              <a14:hiddenLine xmlns:a14="http://schemas.microsoft.com/office/drawing/2010/main" xmlns="" w="9525">
                 <a:solidFill>
                   <a:schemeClr val="tx1"/>
                 </a:solidFill>
@@ -698,7 +698,7 @@
               </a14:hiddenLine>
             </a:ext>
             <a:ext uri="{AF507438-7753-43e0-B8FC-AC1667EBCBE1}">
-              <a14:hiddenEffects xmlns="" xmlns:a14="http://schemas.microsoft.com/office/drawing/2010/main">
+              <a14:hiddenEffects xmlns:a14="http://schemas.microsoft.com/office/drawing/2010/main" xmlns="">
                 <a:effectLst>
                   <a:outerShdw dist="35921" dir="2700000" algn="ctr" rotWithShape="0">
                     <a:schemeClr val="bg2"/>
@@ -756,14 +756,14 @@
           <a:effectLst/>
           <a:extLst>
             <a:ext uri="{909E8E84-426E-40dd-AFC4-6F175D3DCCD1}">
-              <a14:hiddenFill xmlns="" xmlns:a14="http://schemas.microsoft.com/office/drawing/2010/main">
+              <a14:hiddenFill xmlns:a14="http://schemas.microsoft.com/office/drawing/2010/main" xmlns="">
                 <a:solidFill>
                   <a:srgbClr val="FFFFFF"/>
                 </a:solidFill>
               </a14:hiddenFill>
             </a:ext>
             <a:ext uri="{AF507438-7753-43e0-B8FC-AC1667EBCBE1}">
-              <a14:hiddenEffects xmlns="" xmlns:a14="http://schemas.microsoft.com/office/drawing/2010/main">
+              <a14:hiddenEffects xmlns:a14="http://schemas.microsoft.com/office/drawing/2010/main" xmlns="">
                 <a:effectLst>
                   <a:outerShdw dist="35921" dir="2700000" algn="ctr" rotWithShape="0">
                     <a:srgbClr val="808080"/>
@@ -772,7 +772,7 @@
               </a14:hiddenEffects>
             </a:ext>
             <a:ext uri="{53640926-AAD7-44d8-BBD7-CCE9431645EC}">
-              <a14:shadowObscured xmlns="" xmlns:a14="http://schemas.microsoft.com/office/drawing/2010/main" val="1"/>
+              <a14:shadowObscured xmlns:a14="http://schemas.microsoft.com/office/drawing/2010/main" xmlns="" val="1"/>
             </a:ext>
           </a:extLst>
         </p:spPr>
@@ -802,14 +802,14 @@
           <a:effectLst/>
           <a:extLst>
             <a:ext uri="{909E8E84-426E-40dd-AFC4-6F175D3DCCD1}">
-              <a14:hiddenFill xmlns="" xmlns:a14="http://schemas.microsoft.com/office/drawing/2010/main">
+              <a14:hiddenFill xmlns:a14="http://schemas.microsoft.com/office/drawing/2010/main" xmlns="">
                 <a:solidFill>
                   <a:schemeClr val="accent1"/>
                 </a:solidFill>
               </a14:hiddenFill>
             </a:ext>
             <a:ext uri="{91240B29-F687-4f45-9708-019B960494DF}">
-              <a14:hiddenLine xmlns="" xmlns:a14="http://schemas.microsoft.com/office/drawing/2010/main" w="9525">
+              <a14:hiddenLine xmlns:a14="http://schemas.microsoft.com/office/drawing/2010/main" xmlns="" w="9525">
                 <a:solidFill>
                   <a:schemeClr val="tx1"/>
                 </a:solidFill>
@@ -819,7 +819,7 @@
               </a14:hiddenLine>
             </a:ext>
             <a:ext uri="{AF507438-7753-43e0-B8FC-AC1667EBCBE1}">
-              <a14:hiddenEffects xmlns="" xmlns:a14="http://schemas.microsoft.com/office/drawing/2010/main">
+              <a14:hiddenEffects xmlns:a14="http://schemas.microsoft.com/office/drawing/2010/main" xmlns="">
                 <a:effectLst>
                   <a:outerShdw dist="35921" dir="2700000" algn="ctr" rotWithShape="0">
                     <a:schemeClr val="bg2"/>
@@ -898,14 +898,14 @@
           <a:effectLst/>
           <a:extLst>
             <a:ext uri="{909E8E84-426E-40dd-AFC4-6F175D3DCCD1}">
-              <a14:hiddenFill xmlns="" xmlns:a14="http://schemas.microsoft.com/office/drawing/2010/main">
+              <a14:hiddenFill xmlns:a14="http://schemas.microsoft.com/office/drawing/2010/main" xmlns="">
                 <a:solidFill>
                   <a:schemeClr val="accent1"/>
                 </a:solidFill>
               </a14:hiddenFill>
             </a:ext>
             <a:ext uri="{91240B29-F687-4f45-9708-019B960494DF}">
-              <a14:hiddenLine xmlns="" xmlns:a14="http://schemas.microsoft.com/office/drawing/2010/main" w="9525">
+              <a14:hiddenLine xmlns:a14="http://schemas.microsoft.com/office/drawing/2010/main" xmlns="" w="9525">
                 <a:solidFill>
                   <a:schemeClr val="tx1"/>
                 </a:solidFill>
@@ -915,7 +915,7 @@
               </a14:hiddenLine>
             </a:ext>
             <a:ext uri="{AF507438-7753-43e0-B8FC-AC1667EBCBE1}">
-              <a14:hiddenEffects xmlns="" xmlns:a14="http://schemas.microsoft.com/office/drawing/2010/main">
+              <a14:hiddenEffects xmlns:a14="http://schemas.microsoft.com/office/drawing/2010/main" xmlns="">
                 <a:effectLst>
                   <a:outerShdw dist="35921" dir="2700000" algn="ctr" rotWithShape="0">
                     <a:schemeClr val="bg2"/>
@@ -968,14 +968,14 @@
           <a:effectLst/>
           <a:extLst>
             <a:ext uri="{909E8E84-426E-40dd-AFC4-6F175D3DCCD1}">
-              <a14:hiddenFill xmlns="" xmlns:a14="http://schemas.microsoft.com/office/drawing/2010/main">
+              <a14:hiddenFill xmlns:a14="http://schemas.microsoft.com/office/drawing/2010/main" xmlns="">
                 <a:solidFill>
                   <a:schemeClr val="accent1"/>
                 </a:solidFill>
               </a14:hiddenFill>
             </a:ext>
             <a:ext uri="{91240B29-F687-4f45-9708-019B960494DF}">
-              <a14:hiddenLine xmlns="" xmlns:a14="http://schemas.microsoft.com/office/drawing/2010/main" w="9525">
+              <a14:hiddenLine xmlns:a14="http://schemas.microsoft.com/office/drawing/2010/main" xmlns="" w="9525">
                 <a:solidFill>
                   <a:schemeClr val="tx1"/>
                 </a:solidFill>
@@ -985,7 +985,7 @@
               </a14:hiddenLine>
             </a:ext>
             <a:ext uri="{AF507438-7753-43e0-B8FC-AC1667EBCBE1}">
-              <a14:hiddenEffects xmlns="" xmlns:a14="http://schemas.microsoft.com/office/drawing/2010/main">
+              <a14:hiddenEffects xmlns:a14="http://schemas.microsoft.com/office/drawing/2010/main" xmlns="">
                 <a:effectLst>
                   <a:outerShdw dist="35921" dir="2700000" algn="ctr" rotWithShape="0">
                     <a:schemeClr val="bg2"/>
@@ -3507,7 +3507,7 @@
           <p:cNvPr id="82" name="Text Box 263">
             <a:extLst>
               <a:ext uri="{FF2B5EF4-FFF2-40B4-BE49-F238E27FC236}">
-                <a16:creationId xmlns:a16="http://schemas.microsoft.com/office/drawing/2014/main" id="{90F87DD5-6D3C-41E1-B458-BCC75CE85A1E}"/>
+                <a16:creationId xmlns:a16="http://schemas.microsoft.com/office/drawing/2014/main" xmlns="" id="{90F87DD5-6D3C-41E1-B458-BCC75CE85A1E}"/>
               </a:ext>
             </a:extLst>
           </p:cNvPr>
@@ -3706,7 +3706,7 @@
           <p:cNvPr id="63" name="Isosceles Triangle 62">
             <a:extLst>
               <a:ext uri="{FF2B5EF4-FFF2-40B4-BE49-F238E27FC236}">
-                <a16:creationId xmlns:a16="http://schemas.microsoft.com/office/drawing/2014/main" id="{3F9C176A-6E97-4DAC-88C4-191DB65B1BBD}"/>
+                <a16:creationId xmlns:a16="http://schemas.microsoft.com/office/drawing/2014/main" xmlns="" id="{3F9C176A-6E97-4DAC-88C4-191DB65B1BBD}"/>
               </a:ext>
             </a:extLst>
           </p:cNvPr>
@@ -3715,8 +3715,8 @@
         </p:nvSpPr>
         <p:spPr bwMode="auto">
           <a:xfrm>
-            <a:off x="9112769" y="5419121"/>
-            <a:ext cx="6954848" cy="16389039"/>
+            <a:off x="9140265" y="5419121"/>
+            <a:ext cx="6927351" cy="16371823"/>
           </a:xfrm>
           <a:prstGeom prst="triangle">
             <a:avLst>
@@ -3739,7 +3739,7 @@
           <a:effectLst/>
           <a:extLst>
             <a:ext uri="{AF507438-7753-43e0-B8FC-AC1667EBCBE1}">
-              <a14:hiddenEffects xmlns="" xmlns:a14="http://schemas.microsoft.com/office/drawing/2010/main">
+              <a14:hiddenEffects xmlns:a14="http://schemas.microsoft.com/office/drawing/2010/main" xmlns="">
                 <a:effectLst>
                   <a:outerShdw dist="35921" dir="2700000" algn="ctr" rotWithShape="0">
                     <a:schemeClr val="bg2"/>
@@ -3797,7 +3797,7 @@
           <p:cNvPr id="65" name="Isosceles Triangle 64">
             <a:extLst>
               <a:ext uri="{FF2B5EF4-FFF2-40B4-BE49-F238E27FC236}">
-                <a16:creationId xmlns:a16="http://schemas.microsoft.com/office/drawing/2014/main" id="{2F961EF3-413C-4E75-B740-62DC15A766C8}"/>
+                <a16:creationId xmlns:a16="http://schemas.microsoft.com/office/drawing/2014/main" xmlns="" id="{2F961EF3-413C-4E75-B740-62DC15A766C8}"/>
               </a:ext>
             </a:extLst>
           </p:cNvPr>
@@ -3806,8 +3806,8 @@
         </p:nvSpPr>
         <p:spPr bwMode="auto">
           <a:xfrm rot="10800000">
-            <a:off x="9142231" y="21869528"/>
-            <a:ext cx="6925386" cy="10439272"/>
+            <a:off x="9155577" y="21808160"/>
+            <a:ext cx="6912040" cy="10500640"/>
           </a:xfrm>
           <a:prstGeom prst="triangle">
             <a:avLst>
@@ -3830,7 +3830,7 @@
           <a:effectLst/>
           <a:extLst>
             <a:ext uri="{AF507438-7753-43e0-B8FC-AC1667EBCBE1}">
-              <a14:hiddenEffects xmlns="" xmlns:a14="http://schemas.microsoft.com/office/drawing/2010/main">
+              <a14:hiddenEffects xmlns:a14="http://schemas.microsoft.com/office/drawing/2010/main" xmlns="">
                 <a:effectLst>
                   <a:outerShdw dist="35921" dir="2700000" algn="ctr" rotWithShape="0">
                     <a:schemeClr val="bg2"/>
@@ -3888,7 +3888,7 @@
           <p:cNvPr id="79" name="Text Box 263">
             <a:extLst>
               <a:ext uri="{FF2B5EF4-FFF2-40B4-BE49-F238E27FC236}">
-                <a16:creationId xmlns:a16="http://schemas.microsoft.com/office/drawing/2014/main" id="{DEEF7061-7B22-4636-B9EF-91C755EEA5D3}"/>
+                <a16:creationId xmlns:a16="http://schemas.microsoft.com/office/drawing/2014/main" xmlns="" id="{DEEF7061-7B22-4636-B9EF-91C755EEA5D3}"/>
               </a:ext>
             </a:extLst>
           </p:cNvPr>
@@ -4039,7 +4039,7 @@
           <p:cNvPr id="78" name="Text Box 263">
             <a:extLst>
               <a:ext uri="{FF2B5EF4-FFF2-40B4-BE49-F238E27FC236}">
-                <a16:creationId xmlns:a16="http://schemas.microsoft.com/office/drawing/2014/main" id="{F8CB70EF-F166-4A7D-B609-3B331F37F8E1}"/>
+                <a16:creationId xmlns:a16="http://schemas.microsoft.com/office/drawing/2014/main" xmlns="" id="{F8CB70EF-F166-4A7D-B609-3B331F37F8E1}"/>
               </a:ext>
             </a:extLst>
           </p:cNvPr>
@@ -4504,14 +4504,14 @@
           <a:effectLst/>
           <a:extLst>
             <a:ext uri="{909E8E84-426E-40dd-AFC4-6F175D3DCCD1}">
-              <a14:hiddenFill xmlns="" xmlns:a14="http://schemas.microsoft.com/office/drawing/2010/main">
+              <a14:hiddenFill xmlns:a14="http://schemas.microsoft.com/office/drawing/2010/main" xmlns="">
                 <a:solidFill>
                   <a:srgbClr val="000000"/>
                 </a:solidFill>
               </a14:hiddenFill>
             </a:ext>
             <a:ext uri="{91240B29-F687-4f45-9708-019B960494DF}">
-              <a14:hiddenLine xmlns="" xmlns:a14="http://schemas.microsoft.com/office/drawing/2010/main" w="9525">
+              <a14:hiddenLine xmlns:a14="http://schemas.microsoft.com/office/drawing/2010/main" xmlns="" w="9525">
                 <a:solidFill>
                   <a:schemeClr val="tx1"/>
                 </a:solidFill>
@@ -4521,7 +4521,7 @@
               </a14:hiddenLine>
             </a:ext>
             <a:ext uri="{AF507438-7753-43e0-B8FC-AC1667EBCBE1}">
-              <a14:hiddenEffects xmlns="" xmlns:a14="http://schemas.microsoft.com/office/drawing/2010/main">
+              <a14:hiddenEffects xmlns:a14="http://schemas.microsoft.com/office/drawing/2010/main" xmlns="">
                 <a:effectLst>
                   <a:outerShdw dist="35921" dir="2700000" algn="ctr" rotWithShape="0">
                     <a:srgbClr val="FFBF0B"/>
@@ -6219,6 +6219,50 @@
           </a:p>
         </p:txBody>
       </p:sp>
+      <p:cxnSp>
+        <p:nvCxnSpPr>
+          <p:cNvPr id="11" name="Straight Connector 10"/>
+          <p:cNvCxnSpPr>
+            <a:stCxn id="65" idx="4"/>
+          </p:cNvCxnSpPr>
+          <p:nvPr/>
+        </p:nvCxnSpPr>
+        <p:spPr bwMode="auto">
+          <a:xfrm>
+            <a:off x="9155577" y="21808160"/>
+            <a:ext cx="6923494" cy="10500640"/>
+          </a:xfrm>
+          <a:prstGeom prst="line">
+            <a:avLst/>
+          </a:prstGeom>
+          <a:solidFill>
+            <a:schemeClr val="accent1"/>
+          </a:solidFill>
+          <a:ln w="9525" cap="flat" cmpd="sng" algn="ctr">
+            <a:solidFill>
+              <a:schemeClr val="accent2">
+                <a:lumMod val="50000"/>
+              </a:schemeClr>
+            </a:solidFill>
+            <a:prstDash val="solid"/>
+            <a:round/>
+            <a:headEnd type="none" w="med" len="med"/>
+            <a:tailEnd type="none" w="med" len="med"/>
+          </a:ln>
+          <a:effectLst/>
+          <a:extLst>
+            <a:ext uri="{AF507438-7753-43e0-B8FC-AC1667EBCBE1}">
+              <a14:hiddenEffects xmlns:a14="http://schemas.microsoft.com/office/drawing/2010/main" xmlns="">
+                <a:effectLst>
+                  <a:outerShdw dist="35921" dir="2700000" algn="ctr" rotWithShape="0">
+                    <a:schemeClr val="bg2"/>
+                  </a:outerShdw>
+                </a:effectLst>
+              </a14:hiddenEffects>
+            </a:ext>
+          </a:extLst>
+        </p:spPr>
+      </p:cxnSp>
       <p:sp>
         <p:nvSpPr>
           <p:cNvPr id="81" name="Text Box 263"/>
@@ -6373,6 +6417,12 @@
             </a:r>
           </a:p>
           <a:p>
+            <a:r>
+              <a:rPr lang="en-US" sz="2800" dirty="0">
+                <a:effectLst/>
+              </a:rPr>
+              <a:t/>
+            </a:r>
             <a:br>
               <a:rPr lang="en-US" sz="2800" dirty="0">
                 <a:effectLst/>
@@ -6437,6 +6487,10 @@
                 <a:effectLst/>
               </a:rPr>
               <a:t>This tool allows us to see at a glance that certain characters do, indeed, have “brighter” or “darker” overall characterization to their speech.</a:t>
+            </a:r>
+            <a:r>
+              <a:rPr lang="en-US" sz="2800" dirty="0"/>
+              <a:t/>
             </a:r>
             <a:br>
               <a:rPr lang="en-US" sz="2800" dirty="0"/>
@@ -6458,7 +6512,7 @@
         <p:spPr bwMode="auto">
           <a:xfrm>
             <a:off x="1227557" y="25843212"/>
-            <a:ext cx="14568844" cy="769014"/>
+            <a:ext cx="14606202" cy="769014"/>
           </a:xfrm>
           <a:prstGeom prst="rect">
             <a:avLst/>
@@ -6605,7 +6659,7 @@
         <p:spPr bwMode="auto">
           <a:xfrm>
             <a:off x="1226969" y="26612227"/>
-            <a:ext cx="14578652" cy="2766483"/>
+            <a:ext cx="14606790" cy="2766483"/>
           </a:xfrm>
           <a:prstGeom prst="rect">
             <a:avLst/>
@@ -7309,7 +7363,7 @@
         <p:spPr bwMode="auto">
           <a:xfrm>
             <a:off x="1216733" y="30127938"/>
-            <a:ext cx="14588888" cy="2180862"/>
+            <a:ext cx="14617026" cy="2180862"/>
           </a:xfrm>
           <a:prstGeom prst="rect">
             <a:avLst/>
@@ -7326,7 +7380,7 @@
           <a:effectLst/>
           <a:extLst>
             <a:ext uri="{AF507438-7753-43e0-B8FC-AC1667EBCBE1}">
-              <a14:hiddenEffects xmlns="" xmlns:a14="http://schemas.microsoft.com/office/drawing/2010/main">
+              <a14:hiddenEffects xmlns:a14="http://schemas.microsoft.com/office/drawing/2010/main" xmlns="">
                 <a:effectLst>
                   <a:outerShdw dist="35921" dir="2700000" algn="ctr" rotWithShape="0">
                     <a:schemeClr val="bg2"/>
@@ -7578,7 +7632,7 @@
           <p:cNvPr id="20" name="Group 19">
             <a:extLst>
               <a:ext uri="{FF2B5EF4-FFF2-40B4-BE49-F238E27FC236}">
-                <a16:creationId xmlns:a16="http://schemas.microsoft.com/office/drawing/2014/main" id="{753607CC-CD60-49E7-A323-72FC13B79B7D}"/>
+                <a16:creationId xmlns:a16="http://schemas.microsoft.com/office/drawing/2014/main" xmlns="" id="{753607CC-CD60-49E7-A323-72FC13B79B7D}"/>
               </a:ext>
             </a:extLst>
           </p:cNvPr>
@@ -7621,7 +7675,7 @@
             <a:effectLst/>
             <a:extLst>
               <a:ext uri="{AF507438-7753-43e0-B8FC-AC1667EBCBE1}">
-                <a14:hiddenEffects xmlns="" xmlns:a14="http://schemas.microsoft.com/office/drawing/2010/main">
+                <a14:hiddenEffects xmlns:a14="http://schemas.microsoft.com/office/drawing/2010/main" xmlns="">
                   <a:effectLst>
                     <a:outerShdw dist="35921" dir="2700000" algn="ctr" rotWithShape="0">
                       <a:schemeClr val="bg2"/>
@@ -7910,12 +7964,56 @@
           </p:txBody>
         </p:sp>
       </p:grpSp>
+      <p:cxnSp>
+        <p:nvCxnSpPr>
+          <p:cNvPr id="86" name="Straight Connector 85"/>
+          <p:cNvCxnSpPr>
+            <a:stCxn id="63" idx="2"/>
+          </p:cNvCxnSpPr>
+          <p:nvPr/>
+        </p:nvCxnSpPr>
+        <p:spPr bwMode="auto">
+          <a:xfrm flipV="1">
+            <a:off x="9140265" y="5414043"/>
+            <a:ext cx="6901360" cy="16376901"/>
+          </a:xfrm>
+          <a:prstGeom prst="line">
+            <a:avLst/>
+          </a:prstGeom>
+          <a:solidFill>
+            <a:schemeClr val="accent1"/>
+          </a:solidFill>
+          <a:ln w="9525" cap="flat" cmpd="sng" algn="ctr">
+            <a:solidFill>
+              <a:schemeClr val="accent2">
+                <a:lumMod val="50000"/>
+              </a:schemeClr>
+            </a:solidFill>
+            <a:prstDash val="solid"/>
+            <a:round/>
+            <a:headEnd type="none" w="med" len="med"/>
+            <a:tailEnd type="none" w="med" len="med"/>
+          </a:ln>
+          <a:effectLst/>
+          <a:extLst>
+            <a:ext uri="{AF507438-7753-43e0-B8FC-AC1667EBCBE1}">
+              <a14:hiddenEffects xmlns:a14="http://schemas.microsoft.com/office/drawing/2010/main" xmlns="">
+                <a:effectLst>
+                  <a:outerShdw dist="35921" dir="2700000" algn="ctr" rotWithShape="0">
+                    <a:schemeClr val="bg2"/>
+                  </a:outerShdw>
+                </a:effectLst>
+              </a14:hiddenEffects>
+            </a:ext>
+          </a:extLst>
+        </p:spPr>
+      </p:cxnSp>
       <p:grpSp>
         <p:nvGrpSpPr>
           <p:cNvPr id="17" name="Group 16">
             <a:extLst>
               <a:ext uri="{FF2B5EF4-FFF2-40B4-BE49-F238E27FC236}">
-                <a16:creationId xmlns:a16="http://schemas.microsoft.com/office/drawing/2014/main" id="{805B18CB-5FCA-49E9-9474-93EEAF482318}"/>
+                <a16:creationId xmlns:a16="http://schemas.microsoft.com/office/drawing/2014/main" xmlns="" id="{805B18CB-5FCA-49E9-9474-93EEAF482318}"/>
               </a:ext>
             </a:extLst>
           </p:cNvPr>
@@ -7935,7 +8033,7 @@
             <p:cNvPr id="54" name="Text Box 263">
               <a:extLst>
                 <a:ext uri="{FF2B5EF4-FFF2-40B4-BE49-F238E27FC236}">
-                  <a16:creationId xmlns:a16="http://schemas.microsoft.com/office/drawing/2014/main" id="{2C460C58-64E7-4204-912A-7A9F8309B605}"/>
+                  <a16:creationId xmlns:a16="http://schemas.microsoft.com/office/drawing/2014/main" xmlns="" id="{2C460C58-64E7-4204-912A-7A9F8309B605}"/>
                 </a:ext>
               </a:extLst>
             </p:cNvPr>
@@ -8077,6 +8175,12 @@
             </a:p>
             <a:p>
               <a:pPr indent="-228600"/>
+              <a:r>
+                <a:rPr lang="en-US" sz="1000" dirty="0">
+                  <a:effectLst/>
+                </a:rPr>
+                <a:t/>
+              </a:r>
               <a:br>
                 <a:rPr lang="en-US" sz="1000" dirty="0">
                   <a:effectLst/>
@@ -8091,6 +8195,12 @@
             </a:p>
             <a:p>
               <a:pPr indent="-228600"/>
+              <a:r>
+                <a:rPr lang="en-US" sz="1000" dirty="0">
+                  <a:effectLst/>
+                </a:rPr>
+                <a:t/>
+              </a:r>
               <a:br>
                 <a:rPr lang="en-US" sz="1000" dirty="0">
                   <a:effectLst/>
@@ -8114,7 +8224,7 @@
             <p:cNvPr id="56" name="Text Box 263">
               <a:extLst>
                 <a:ext uri="{FF2B5EF4-FFF2-40B4-BE49-F238E27FC236}">
-                  <a16:creationId xmlns:a16="http://schemas.microsoft.com/office/drawing/2014/main" id="{6F1A8300-3B19-45F5-99FA-F65FB890D220}"/>
+                  <a16:creationId xmlns:a16="http://schemas.microsoft.com/office/drawing/2014/main" xmlns="" id="{6F1A8300-3B19-45F5-99FA-F65FB890D220}"/>
                 </a:ext>
               </a:extLst>
             </p:cNvPr>
@@ -8345,7 +8455,7 @@
           <p:cNvPr id="66" name="Isosceles Triangle 65">
             <a:extLst>
               <a:ext uri="{FF2B5EF4-FFF2-40B4-BE49-F238E27FC236}">
-                <a16:creationId xmlns:a16="http://schemas.microsoft.com/office/drawing/2014/main" id="{8BDCDC91-A860-4F73-A609-A050B902D6E3}"/>
+                <a16:creationId xmlns:a16="http://schemas.microsoft.com/office/drawing/2014/main" xmlns="" id="{8BDCDC91-A860-4F73-A609-A050B902D6E3}"/>
               </a:ext>
             </a:extLst>
           </p:cNvPr>
@@ -8354,12 +8464,12 @@
         </p:nvSpPr>
         <p:spPr bwMode="auto">
           <a:xfrm rot="16200000">
-            <a:off x="6508070" y="15729350"/>
-            <a:ext cx="12103703" cy="6835375"/>
+            <a:off x="6539993" y="15731288"/>
+            <a:ext cx="12087058" cy="6882575"/>
           </a:xfrm>
           <a:prstGeom prst="triangle">
             <a:avLst>
-              <a:gd name="adj" fmla="val 27961"/>
+              <a:gd name="adj" fmla="val 28237"/>
             </a:avLst>
           </a:prstGeom>
           <a:solidFill>
@@ -8378,7 +8488,7 @@
           <a:effectLst/>
           <a:extLst>
             <a:ext uri="{AF507438-7753-43e0-B8FC-AC1667EBCBE1}">
-              <a14:hiddenEffects xmlns="" xmlns:a14="http://schemas.microsoft.com/office/drawing/2010/main">
+              <a14:hiddenEffects xmlns:a14="http://schemas.microsoft.com/office/drawing/2010/main" xmlns="">
                 <a:effectLst>
                   <a:outerShdw dist="35921" dir="2700000" algn="ctr" rotWithShape="0">
                     <a:schemeClr val="bg2"/>
@@ -8431,12 +8541,56 @@
           </a:p>
         </p:txBody>
       </p:sp>
+      <p:cxnSp>
+        <p:nvCxnSpPr>
+          <p:cNvPr id="73" name="Straight Connector 72"/>
+          <p:cNvCxnSpPr>
+            <a:stCxn id="66" idx="0"/>
+          </p:cNvCxnSpPr>
+          <p:nvPr/>
+        </p:nvCxnSpPr>
+        <p:spPr bwMode="auto">
+          <a:xfrm flipV="1">
+            <a:off x="9142235" y="13094617"/>
+            <a:ext cx="6904688" cy="8708465"/>
+          </a:xfrm>
+          <a:prstGeom prst="line">
+            <a:avLst/>
+          </a:prstGeom>
+          <a:solidFill>
+            <a:schemeClr val="accent1"/>
+          </a:solidFill>
+          <a:ln w="9525" cap="flat" cmpd="sng" algn="ctr">
+            <a:solidFill>
+              <a:schemeClr val="accent2">
+                <a:lumMod val="50000"/>
+              </a:schemeClr>
+            </a:solidFill>
+            <a:prstDash val="solid"/>
+            <a:round/>
+            <a:headEnd type="none" w="med" len="med"/>
+            <a:tailEnd type="none" w="med" len="med"/>
+          </a:ln>
+          <a:effectLst/>
+          <a:extLst>
+            <a:ext uri="{AF507438-7753-43e0-B8FC-AC1667EBCBE1}">
+              <a14:hiddenEffects xmlns:a14="http://schemas.microsoft.com/office/drawing/2010/main" xmlns="">
+                <a:effectLst>
+                  <a:outerShdw dist="35921" dir="2700000" algn="ctr" rotWithShape="0">
+                    <a:schemeClr val="bg2"/>
+                  </a:outerShdw>
+                </a:effectLst>
+              </a14:hiddenEffects>
+            </a:ext>
+          </a:extLst>
+        </p:spPr>
+      </p:cxnSp>
       <p:grpSp>
         <p:nvGrpSpPr>
           <p:cNvPr id="19" name="Group 18">
             <a:extLst>
               <a:ext uri="{FF2B5EF4-FFF2-40B4-BE49-F238E27FC236}">
-                <a16:creationId xmlns:a16="http://schemas.microsoft.com/office/drawing/2014/main" id="{96D30C17-4ACB-43AB-9D65-23EFCFEF01E7}"/>
+                <a16:creationId xmlns:a16="http://schemas.microsoft.com/office/drawing/2014/main" xmlns="" id="{96D30C17-4ACB-43AB-9D65-23EFCFEF01E7}"/>
               </a:ext>
             </a:extLst>
           </p:cNvPr>
@@ -8446,9 +8600,9 @@
         <p:grpSpPr>
           <a:xfrm>
             <a:off x="1225199" y="11260472"/>
-            <a:ext cx="14984866" cy="4537358"/>
+            <a:ext cx="14984866" cy="4518053"/>
             <a:chOff x="1133918" y="11244854"/>
-            <a:chExt cx="14984866" cy="4537358"/>
+            <a:chExt cx="14984866" cy="4518053"/>
           </a:xfrm>
           <a:solidFill>
             <a:schemeClr val="bg1"/>
@@ -8459,7 +8613,7 @@
             <p:cNvPr id="50" name="Text Box 263">
               <a:extLst>
                 <a:ext uri="{FF2B5EF4-FFF2-40B4-BE49-F238E27FC236}">
-                  <a16:creationId xmlns:a16="http://schemas.microsoft.com/office/drawing/2014/main" id="{E092D375-05B1-4228-A258-8E736865B013}"/>
+                  <a16:creationId xmlns:a16="http://schemas.microsoft.com/office/drawing/2014/main" xmlns="" id="{E092D375-05B1-4228-A258-8E736865B013}"/>
                 </a:ext>
               </a:extLst>
             </p:cNvPr>
@@ -8609,7 +8763,7 @@
             <p:cNvPr id="43" name="Text Box 263">
               <a:extLst>
                 <a:ext uri="{FF2B5EF4-FFF2-40B4-BE49-F238E27FC236}">
-                  <a16:creationId xmlns:a16="http://schemas.microsoft.com/office/drawing/2014/main" id="{99FC432D-809F-4CEB-B05C-4352B08C803C}"/>
+                  <a16:creationId xmlns:a16="http://schemas.microsoft.com/office/drawing/2014/main" xmlns="" id="{99FC432D-809F-4CEB-B05C-4352B08C803C}"/>
                 </a:ext>
               </a:extLst>
             </p:cNvPr>
@@ -8867,7 +9021,7 @@
             <p:cNvPr id="9" name="Picture 8">
               <a:extLst>
                 <a:ext uri="{FF2B5EF4-FFF2-40B4-BE49-F238E27FC236}">
-                  <a16:creationId xmlns:a16="http://schemas.microsoft.com/office/drawing/2014/main" id="{530F80FF-73F5-4B97-B0D1-3AEB30FF03F8}"/>
+                  <a16:creationId xmlns:a16="http://schemas.microsoft.com/office/drawing/2014/main" xmlns="" id="{530F80FF-73F5-4B97-B0D1-3AEB30FF03F8}"/>
                 </a:ext>
               </a:extLst>
             </p:cNvPr>
@@ -8904,7 +9058,7 @@
             <p:cNvPr id="16" name="TextBox 15">
               <a:extLst>
                 <a:ext uri="{FF2B5EF4-FFF2-40B4-BE49-F238E27FC236}">
-                  <a16:creationId xmlns:a16="http://schemas.microsoft.com/office/drawing/2014/main" id="{45F0E81A-41C8-4AF1-B9DF-E1F549B787BE}"/>
+                  <a16:creationId xmlns:a16="http://schemas.microsoft.com/office/drawing/2014/main" xmlns="" id="{45F0E81A-41C8-4AF1-B9DF-E1F549B787BE}"/>
                 </a:ext>
               </a:extLst>
             </p:cNvPr>
@@ -8939,7 +9093,7 @@
             <p:cNvPr id="51" name="TextBox 50">
               <a:extLst>
                 <a:ext uri="{FF2B5EF4-FFF2-40B4-BE49-F238E27FC236}">
-                  <a16:creationId xmlns:a16="http://schemas.microsoft.com/office/drawing/2014/main" id="{9814A516-53B3-4476-8997-FBF776CECA44}"/>
+                  <a16:creationId xmlns:a16="http://schemas.microsoft.com/office/drawing/2014/main" xmlns="" id="{9814A516-53B3-4476-8997-FBF776CECA44}"/>
                 </a:ext>
               </a:extLst>
             </p:cNvPr>
@@ -8948,8 +9102,8 @@
           </p:nvSpPr>
           <p:spPr>
             <a:xfrm>
-              <a:off x="8316315" y="14951215"/>
-              <a:ext cx="7398025" cy="830997"/>
+              <a:off x="8340881" y="14925455"/>
+              <a:ext cx="7356922" cy="830997"/>
             </a:xfrm>
             <a:prstGeom prst="rect">
               <a:avLst/>
@@ -8976,7 +9130,7 @@
           <p:cNvPr id="70" name="Picture 69">
             <a:extLst>
               <a:ext uri="{FF2B5EF4-FFF2-40B4-BE49-F238E27FC236}">
-                <a16:creationId xmlns:a16="http://schemas.microsoft.com/office/drawing/2014/main" id="{12A9C63F-EBD0-4D06-A504-D824E374D8B9}"/>
+                <a16:creationId xmlns:a16="http://schemas.microsoft.com/office/drawing/2014/main" xmlns="" id="{12A9C63F-EBD0-4D06-A504-D824E374D8B9}"/>
               </a:ext>
             </a:extLst>
           </p:cNvPr>
@@ -9012,7 +9166,7 @@
           <p:cNvPr id="83" name="TextBox 82">
             <a:extLst>
               <a:ext uri="{FF2B5EF4-FFF2-40B4-BE49-F238E27FC236}">
-                <a16:creationId xmlns:a16="http://schemas.microsoft.com/office/drawing/2014/main" id="{7BC5959E-C084-4F76-8353-609093824D69}"/>
+                <a16:creationId xmlns:a16="http://schemas.microsoft.com/office/drawing/2014/main" xmlns="" id="{7BC5959E-C084-4F76-8353-609093824D69}"/>
               </a:ext>
             </a:extLst>
           </p:cNvPr>
@@ -9041,6 +9195,10 @@
             </a:r>
           </a:p>
           <a:p>
+            <a:r>
+              <a:rPr lang="en-US" dirty="0"/>
+              <a:t/>
+            </a:r>
             <a:br>
               <a:rPr lang="en-US" dirty="0"/>
             </a:br>
@@ -9053,7 +9211,7 @@
           <p:cNvPr id="85" name="TextBox 84">
             <a:extLst>
               <a:ext uri="{FF2B5EF4-FFF2-40B4-BE49-F238E27FC236}">
-                <a16:creationId xmlns:a16="http://schemas.microsoft.com/office/drawing/2014/main" id="{797ACB8E-1701-408D-98F9-FFC2BFD4783A}"/>
+                <a16:creationId xmlns:a16="http://schemas.microsoft.com/office/drawing/2014/main" xmlns="" id="{797ACB8E-1701-408D-98F9-FFC2BFD4783A}"/>
               </a:ext>
             </a:extLst>
           </p:cNvPr>
@@ -9088,7 +9246,7 @@
           <p:cNvPr id="3" name="Group 2">
             <a:extLst>
               <a:ext uri="{FF2B5EF4-FFF2-40B4-BE49-F238E27FC236}">
-                <a16:creationId xmlns:a16="http://schemas.microsoft.com/office/drawing/2014/main" id="{C2C36A0C-5609-49E1-8036-B3523FDCB596}"/>
+                <a16:creationId xmlns:a16="http://schemas.microsoft.com/office/drawing/2014/main" xmlns="" id="{C2C36A0C-5609-49E1-8036-B3523FDCB596}"/>
               </a:ext>
             </a:extLst>
           </p:cNvPr>
@@ -9108,7 +9266,7 @@
             <p:cNvPr id="84" name="Group 83">
               <a:extLst>
                 <a:ext uri="{FF2B5EF4-FFF2-40B4-BE49-F238E27FC236}">
-                  <a16:creationId xmlns:a16="http://schemas.microsoft.com/office/drawing/2014/main" id="{58C465F4-B0F9-4E58-8951-C85675715723}"/>
+                  <a16:creationId xmlns:a16="http://schemas.microsoft.com/office/drawing/2014/main" xmlns="" id="{58C465F4-B0F9-4E58-8951-C85675715723}"/>
                 </a:ext>
               </a:extLst>
             </p:cNvPr>
@@ -9128,7 +9286,7 @@
               <p:cNvPr id="75" name="Picture 74">
                 <a:extLst>
                   <a:ext uri="{FF2B5EF4-FFF2-40B4-BE49-F238E27FC236}">
-                    <a16:creationId xmlns:a16="http://schemas.microsoft.com/office/drawing/2014/main" id="{CE37A18D-44BC-4012-BC15-9652DE7C5DF0}"/>
+                    <a16:creationId xmlns:a16="http://schemas.microsoft.com/office/drawing/2014/main" xmlns="" id="{CE37A18D-44BC-4012-BC15-9652DE7C5DF0}"/>
                   </a:ext>
                 </a:extLst>
               </p:cNvPr>
@@ -9164,7 +9322,7 @@
               <p:cNvPr id="77" name="Picture 76">
                 <a:extLst>
                   <a:ext uri="{FF2B5EF4-FFF2-40B4-BE49-F238E27FC236}">
-                    <a16:creationId xmlns:a16="http://schemas.microsoft.com/office/drawing/2014/main" id="{BAE44E80-F692-4FE3-8D73-EC35C5E8CBFC}"/>
+                    <a16:creationId xmlns:a16="http://schemas.microsoft.com/office/drawing/2014/main" xmlns="" id="{BAE44E80-F692-4FE3-8D73-EC35C5E8CBFC}"/>
                   </a:ext>
                 </a:extLst>
               </p:cNvPr>
@@ -9200,7 +9358,7 @@
             <p:cNvPr id="58" name="TextBox 57">
               <a:extLst>
                 <a:ext uri="{FF2B5EF4-FFF2-40B4-BE49-F238E27FC236}">
-                  <a16:creationId xmlns:a16="http://schemas.microsoft.com/office/drawing/2014/main" id="{7E622FE0-B4BF-4456-B87B-B9290A2288C9}"/>
+                  <a16:creationId xmlns:a16="http://schemas.microsoft.com/office/drawing/2014/main" xmlns="" id="{7E622FE0-B4BF-4456-B87B-B9290A2288C9}"/>
                 </a:ext>
               </a:extLst>
             </p:cNvPr>
@@ -9229,6 +9387,10 @@
               </a:r>
             </a:p>
             <a:p>
+              <a:r>
+                <a:rPr lang="en-US" dirty="0"/>
+                <a:t/>
+              </a:r>
               <a:br>
                 <a:rPr lang="en-US" dirty="0"/>
               </a:br>
@@ -9241,7 +9403,7 @@
             <p:cNvPr id="59" name="TextBox 58">
               <a:extLst>
                 <a:ext uri="{FF2B5EF4-FFF2-40B4-BE49-F238E27FC236}">
-                  <a16:creationId xmlns:a16="http://schemas.microsoft.com/office/drawing/2014/main" id="{655D8046-4C33-4752-899F-6853C02D14AB}"/>
+                  <a16:creationId xmlns:a16="http://schemas.microsoft.com/office/drawing/2014/main" xmlns="" id="{655D8046-4C33-4752-899F-6853C02D14AB}"/>
                 </a:ext>
               </a:extLst>
             </p:cNvPr>
@@ -9270,6 +9432,10 @@
               </a:r>
             </a:p>
             <a:p>
+              <a:r>
+                <a:rPr lang="en-US" dirty="0"/>
+                <a:t/>
+              </a:r>
               <a:br>
                 <a:rPr lang="en-US" dirty="0"/>
               </a:br>
@@ -9278,6 +9444,50 @@
           </p:txBody>
         </p:sp>
       </p:grpSp>
+      <p:cxnSp>
+        <p:nvCxnSpPr>
+          <p:cNvPr id="62" name="Straight Connector 61"/>
+          <p:cNvCxnSpPr>
+            <a:stCxn id="63" idx="2"/>
+          </p:cNvCxnSpPr>
+          <p:nvPr/>
+        </p:nvCxnSpPr>
+        <p:spPr bwMode="auto">
+          <a:xfrm>
+            <a:off x="9140265" y="21790944"/>
+            <a:ext cx="6895997" cy="3425161"/>
+          </a:xfrm>
+          <a:prstGeom prst="line">
+            <a:avLst/>
+          </a:prstGeom>
+          <a:solidFill>
+            <a:schemeClr val="accent1"/>
+          </a:solidFill>
+          <a:ln w="9525" cap="flat" cmpd="sng" algn="ctr">
+            <a:solidFill>
+              <a:schemeClr val="accent2">
+                <a:lumMod val="50000"/>
+              </a:schemeClr>
+            </a:solidFill>
+            <a:prstDash val="solid"/>
+            <a:round/>
+            <a:headEnd type="none" w="med" len="med"/>
+            <a:tailEnd type="none" w="med" len="med"/>
+          </a:ln>
+          <a:effectLst/>
+          <a:extLst>
+            <a:ext uri="{AF507438-7753-43e0-B8FC-AC1667EBCBE1}">
+              <a14:hiddenEffects xmlns:a14="http://schemas.microsoft.com/office/drawing/2010/main" xmlns="">
+                <a:effectLst>
+                  <a:outerShdw dist="35921" dir="2700000" algn="ctr" rotWithShape="0">
+                    <a:schemeClr val="bg2"/>
+                  </a:outerShdw>
+                </a:effectLst>
+              </a14:hiddenEffects>
+            </a:ext>
+          </a:extLst>
+        </p:spPr>
+      </p:cxnSp>
     </p:spTree>
   </p:cSld>
   <p:clrMapOvr>
@@ -9536,7 +9746,7 @@
         <a:effectLst/>
         <a:extLst>
           <a:ext uri="{AF507438-7753-43e0-B8FC-AC1667EBCBE1}">
-            <a14:hiddenEffects xmlns="" xmlns:a14="http://schemas.microsoft.com/office/drawing/2010/main">
+            <a14:hiddenEffects xmlns:a14="http://schemas.microsoft.com/office/drawing/2010/main" xmlns="">
               <a:effectLst>
                 <a:outerShdw dist="35921" dir="2700000" algn="ctr" rotWithShape="0">
                   <a:schemeClr val="bg2"/>
@@ -9615,7 +9825,7 @@
         <a:effectLst/>
         <a:extLst>
           <a:ext uri="{AF507438-7753-43e0-B8FC-AC1667EBCBE1}">
-            <a14:hiddenEffects xmlns="" xmlns:a14="http://schemas.microsoft.com/office/drawing/2010/main">
+            <a14:hiddenEffects xmlns:a14="http://schemas.microsoft.com/office/drawing/2010/main" xmlns="">
               <a:effectLst>
                 <a:outerShdw dist="35921" dir="2700000" algn="ctr" rotWithShape="0">
                   <a:schemeClr val="bg2"/>

--- a/Poster Rough Draft.pptx
+++ b/Poster Rough Draft.pptx
@@ -290,14 +290,14 @@
           <a:effectLst/>
           <a:extLst>
             <a:ext uri="{909E8E84-426E-40dd-AFC4-6F175D3DCCD1}">
-              <a14:hiddenFill xmlns:a14="http://schemas.microsoft.com/office/drawing/2010/main" xmlns="">
+              <a14:hiddenFill xmlns="" xmlns:a14="http://schemas.microsoft.com/office/drawing/2010/main">
                 <a:solidFill>
                   <a:schemeClr val="accent1"/>
                 </a:solidFill>
               </a14:hiddenFill>
             </a:ext>
             <a:ext uri="{91240B29-F687-4f45-9708-019B960494DF}">
-              <a14:hiddenLine xmlns:a14="http://schemas.microsoft.com/office/drawing/2010/main" xmlns="" w="9525">
+              <a14:hiddenLine xmlns="" xmlns:a14="http://schemas.microsoft.com/office/drawing/2010/main" w="9525">
                 <a:solidFill>
                   <a:schemeClr val="tx1"/>
                 </a:solidFill>
@@ -307,7 +307,7 @@
               </a14:hiddenLine>
             </a:ext>
             <a:ext uri="{AF507438-7753-43e0-B8FC-AC1667EBCBE1}">
-              <a14:hiddenEffects xmlns:a14="http://schemas.microsoft.com/office/drawing/2010/main" xmlns="">
+              <a14:hiddenEffects xmlns="" xmlns:a14="http://schemas.microsoft.com/office/drawing/2010/main">
                 <a:effectLst>
                   <a:outerShdw dist="35921" dir="2700000" algn="ctr" rotWithShape="0">
                     <a:schemeClr val="bg2"/>
@@ -360,14 +360,14 @@
           <a:effectLst/>
           <a:extLst>
             <a:ext uri="{909E8E84-426E-40dd-AFC4-6F175D3DCCD1}">
-              <a14:hiddenFill xmlns:a14="http://schemas.microsoft.com/office/drawing/2010/main" xmlns="">
+              <a14:hiddenFill xmlns="" xmlns:a14="http://schemas.microsoft.com/office/drawing/2010/main">
                 <a:solidFill>
                   <a:schemeClr val="accent1"/>
                 </a:solidFill>
               </a14:hiddenFill>
             </a:ext>
             <a:ext uri="{91240B29-F687-4f45-9708-019B960494DF}">
-              <a14:hiddenLine xmlns:a14="http://schemas.microsoft.com/office/drawing/2010/main" xmlns="" w="9525">
+              <a14:hiddenLine xmlns="" xmlns:a14="http://schemas.microsoft.com/office/drawing/2010/main" w="9525">
                 <a:solidFill>
                   <a:schemeClr val="tx1"/>
                 </a:solidFill>
@@ -377,7 +377,7 @@
               </a14:hiddenLine>
             </a:ext>
             <a:ext uri="{AF507438-7753-43e0-B8FC-AC1667EBCBE1}">
-              <a14:hiddenEffects xmlns:a14="http://schemas.microsoft.com/office/drawing/2010/main" xmlns="">
+              <a14:hiddenEffects xmlns="" xmlns:a14="http://schemas.microsoft.com/office/drawing/2010/main">
                 <a:effectLst>
                   <a:outerShdw dist="35921" dir="2700000" algn="ctr" rotWithShape="0">
                     <a:schemeClr val="bg2"/>
@@ -430,14 +430,14 @@
           <a:effectLst/>
           <a:extLst>
             <a:ext uri="{909E8E84-426E-40dd-AFC4-6F175D3DCCD1}">
-              <a14:hiddenFill xmlns:a14="http://schemas.microsoft.com/office/drawing/2010/main" xmlns="">
+              <a14:hiddenFill xmlns="" xmlns:a14="http://schemas.microsoft.com/office/drawing/2010/main">
                 <a:solidFill>
                   <a:schemeClr val="accent1"/>
                 </a:solidFill>
               </a14:hiddenFill>
             </a:ext>
             <a:ext uri="{91240B29-F687-4f45-9708-019B960494DF}">
-              <a14:hiddenLine xmlns:a14="http://schemas.microsoft.com/office/drawing/2010/main" xmlns="" w="9525">
+              <a14:hiddenLine xmlns="" xmlns:a14="http://schemas.microsoft.com/office/drawing/2010/main" w="9525">
                 <a:solidFill>
                   <a:schemeClr val="tx1"/>
                 </a:solidFill>
@@ -447,7 +447,7 @@
               </a14:hiddenLine>
             </a:ext>
             <a:ext uri="{AF507438-7753-43e0-B8FC-AC1667EBCBE1}">
-              <a14:hiddenEffects xmlns:a14="http://schemas.microsoft.com/office/drawing/2010/main" xmlns="">
+              <a14:hiddenEffects xmlns="" xmlns:a14="http://schemas.microsoft.com/office/drawing/2010/main">
                 <a:effectLst>
                   <a:outerShdw dist="35921" dir="2700000" algn="ctr" rotWithShape="0">
                     <a:schemeClr val="bg2"/>
@@ -500,14 +500,14 @@
           <a:effectLst/>
           <a:extLst>
             <a:ext uri="{909E8E84-426E-40dd-AFC4-6F175D3DCCD1}">
-              <a14:hiddenFill xmlns:a14="http://schemas.microsoft.com/office/drawing/2010/main" xmlns="">
+              <a14:hiddenFill xmlns="" xmlns:a14="http://schemas.microsoft.com/office/drawing/2010/main">
                 <a:solidFill>
                   <a:schemeClr val="accent1"/>
                 </a:solidFill>
               </a14:hiddenFill>
             </a:ext>
             <a:ext uri="{91240B29-F687-4f45-9708-019B960494DF}">
-              <a14:hiddenLine xmlns:a14="http://schemas.microsoft.com/office/drawing/2010/main" xmlns="" w="9525">
+              <a14:hiddenLine xmlns="" xmlns:a14="http://schemas.microsoft.com/office/drawing/2010/main" w="9525">
                 <a:solidFill>
                   <a:schemeClr val="tx1"/>
                 </a:solidFill>
@@ -517,7 +517,7 @@
               </a14:hiddenLine>
             </a:ext>
             <a:ext uri="{AF507438-7753-43e0-B8FC-AC1667EBCBE1}">
-              <a14:hiddenEffects xmlns:a14="http://schemas.microsoft.com/office/drawing/2010/main" xmlns="">
+              <a14:hiddenEffects xmlns="" xmlns:a14="http://schemas.microsoft.com/office/drawing/2010/main">
                 <a:effectLst>
                   <a:outerShdw dist="35921" dir="2700000" algn="ctr" rotWithShape="0">
                     <a:schemeClr val="bg2"/>
@@ -611,14 +611,14 @@
           <a:effectLst/>
           <a:extLst>
             <a:ext uri="{909E8E84-426E-40dd-AFC4-6F175D3DCCD1}">
-              <a14:hiddenFill xmlns:a14="http://schemas.microsoft.com/office/drawing/2010/main" xmlns="">
+              <a14:hiddenFill xmlns="" xmlns:a14="http://schemas.microsoft.com/office/drawing/2010/main">
                 <a:solidFill>
                   <a:schemeClr val="accent1"/>
                 </a:solidFill>
               </a14:hiddenFill>
             </a:ext>
             <a:ext uri="{91240B29-F687-4f45-9708-019B960494DF}">
-              <a14:hiddenLine xmlns:a14="http://schemas.microsoft.com/office/drawing/2010/main" xmlns="" w="9525">
+              <a14:hiddenLine xmlns="" xmlns:a14="http://schemas.microsoft.com/office/drawing/2010/main" w="9525">
                 <a:solidFill>
                   <a:schemeClr val="tx1"/>
                 </a:solidFill>
@@ -628,7 +628,7 @@
               </a14:hiddenLine>
             </a:ext>
             <a:ext uri="{AF507438-7753-43e0-B8FC-AC1667EBCBE1}">
-              <a14:hiddenEffects xmlns:a14="http://schemas.microsoft.com/office/drawing/2010/main" xmlns="">
+              <a14:hiddenEffects xmlns="" xmlns:a14="http://schemas.microsoft.com/office/drawing/2010/main">
                 <a:effectLst>
                   <a:outerShdw dist="35921" dir="2700000" algn="ctr" rotWithShape="0">
                     <a:schemeClr val="bg2"/>
@@ -681,14 +681,14 @@
           <a:effectLst/>
           <a:extLst>
             <a:ext uri="{909E8E84-426E-40dd-AFC4-6F175D3DCCD1}">
-              <a14:hiddenFill xmlns:a14="http://schemas.microsoft.com/office/drawing/2010/main" xmlns="">
+              <a14:hiddenFill xmlns="" xmlns:a14="http://schemas.microsoft.com/office/drawing/2010/main">
                 <a:solidFill>
                   <a:schemeClr val="accent1"/>
                 </a:solidFill>
               </a14:hiddenFill>
             </a:ext>
             <a:ext uri="{91240B29-F687-4f45-9708-019B960494DF}">
-              <a14:hiddenLine xmlns:a14="http://schemas.microsoft.com/office/drawing/2010/main" xmlns="" w="9525">
+              <a14:hiddenLine xmlns="" xmlns:a14="http://schemas.microsoft.com/office/drawing/2010/main" w="9525">
                 <a:solidFill>
                   <a:schemeClr val="tx1"/>
                 </a:solidFill>
@@ -698,7 +698,7 @@
               </a14:hiddenLine>
             </a:ext>
             <a:ext uri="{AF507438-7753-43e0-B8FC-AC1667EBCBE1}">
-              <a14:hiddenEffects xmlns:a14="http://schemas.microsoft.com/office/drawing/2010/main" xmlns="">
+              <a14:hiddenEffects xmlns="" xmlns:a14="http://schemas.microsoft.com/office/drawing/2010/main">
                 <a:effectLst>
                   <a:outerShdw dist="35921" dir="2700000" algn="ctr" rotWithShape="0">
                     <a:schemeClr val="bg2"/>
@@ -756,14 +756,14 @@
           <a:effectLst/>
           <a:extLst>
             <a:ext uri="{909E8E84-426E-40dd-AFC4-6F175D3DCCD1}">
-              <a14:hiddenFill xmlns:a14="http://schemas.microsoft.com/office/drawing/2010/main" xmlns="">
+              <a14:hiddenFill xmlns="" xmlns:a14="http://schemas.microsoft.com/office/drawing/2010/main">
                 <a:solidFill>
                   <a:srgbClr val="FFFFFF"/>
                 </a:solidFill>
               </a14:hiddenFill>
             </a:ext>
             <a:ext uri="{AF507438-7753-43e0-B8FC-AC1667EBCBE1}">
-              <a14:hiddenEffects xmlns:a14="http://schemas.microsoft.com/office/drawing/2010/main" xmlns="">
+              <a14:hiddenEffects xmlns="" xmlns:a14="http://schemas.microsoft.com/office/drawing/2010/main">
                 <a:effectLst>
                   <a:outerShdw dist="35921" dir="2700000" algn="ctr" rotWithShape="0">
                     <a:srgbClr val="808080"/>
@@ -772,7 +772,7 @@
               </a14:hiddenEffects>
             </a:ext>
             <a:ext uri="{53640926-AAD7-44d8-BBD7-CCE9431645EC}">
-              <a14:shadowObscured xmlns:a14="http://schemas.microsoft.com/office/drawing/2010/main" xmlns="" val="1"/>
+              <a14:shadowObscured xmlns="" xmlns:a14="http://schemas.microsoft.com/office/drawing/2010/main" val="1"/>
             </a:ext>
           </a:extLst>
         </p:spPr>
@@ -802,14 +802,14 @@
           <a:effectLst/>
           <a:extLst>
             <a:ext uri="{909E8E84-426E-40dd-AFC4-6F175D3DCCD1}">
-              <a14:hiddenFill xmlns:a14="http://schemas.microsoft.com/office/drawing/2010/main" xmlns="">
+              <a14:hiddenFill xmlns="" xmlns:a14="http://schemas.microsoft.com/office/drawing/2010/main">
                 <a:solidFill>
                   <a:schemeClr val="accent1"/>
                 </a:solidFill>
               </a14:hiddenFill>
             </a:ext>
             <a:ext uri="{91240B29-F687-4f45-9708-019B960494DF}">
-              <a14:hiddenLine xmlns:a14="http://schemas.microsoft.com/office/drawing/2010/main" xmlns="" w="9525">
+              <a14:hiddenLine xmlns="" xmlns:a14="http://schemas.microsoft.com/office/drawing/2010/main" w="9525">
                 <a:solidFill>
                   <a:schemeClr val="tx1"/>
                 </a:solidFill>
@@ -819,7 +819,7 @@
               </a14:hiddenLine>
             </a:ext>
             <a:ext uri="{AF507438-7753-43e0-B8FC-AC1667EBCBE1}">
-              <a14:hiddenEffects xmlns:a14="http://schemas.microsoft.com/office/drawing/2010/main" xmlns="">
+              <a14:hiddenEffects xmlns="" xmlns:a14="http://schemas.microsoft.com/office/drawing/2010/main">
                 <a:effectLst>
                   <a:outerShdw dist="35921" dir="2700000" algn="ctr" rotWithShape="0">
                     <a:schemeClr val="bg2"/>
@@ -898,14 +898,14 @@
           <a:effectLst/>
           <a:extLst>
             <a:ext uri="{909E8E84-426E-40dd-AFC4-6F175D3DCCD1}">
-              <a14:hiddenFill xmlns:a14="http://schemas.microsoft.com/office/drawing/2010/main" xmlns="">
+              <a14:hiddenFill xmlns="" xmlns:a14="http://schemas.microsoft.com/office/drawing/2010/main">
                 <a:solidFill>
                   <a:schemeClr val="accent1"/>
                 </a:solidFill>
               </a14:hiddenFill>
             </a:ext>
             <a:ext uri="{91240B29-F687-4f45-9708-019B960494DF}">
-              <a14:hiddenLine xmlns:a14="http://schemas.microsoft.com/office/drawing/2010/main" xmlns="" w="9525">
+              <a14:hiddenLine xmlns="" xmlns:a14="http://schemas.microsoft.com/office/drawing/2010/main" w="9525">
                 <a:solidFill>
                   <a:schemeClr val="tx1"/>
                 </a:solidFill>
@@ -915,7 +915,7 @@
               </a14:hiddenLine>
             </a:ext>
             <a:ext uri="{AF507438-7753-43e0-B8FC-AC1667EBCBE1}">
-              <a14:hiddenEffects xmlns:a14="http://schemas.microsoft.com/office/drawing/2010/main" xmlns="">
+              <a14:hiddenEffects xmlns="" xmlns:a14="http://schemas.microsoft.com/office/drawing/2010/main">
                 <a:effectLst>
                   <a:outerShdw dist="35921" dir="2700000" algn="ctr" rotWithShape="0">
                     <a:schemeClr val="bg2"/>
@@ -968,14 +968,14 @@
           <a:effectLst/>
           <a:extLst>
             <a:ext uri="{909E8E84-426E-40dd-AFC4-6F175D3DCCD1}">
-              <a14:hiddenFill xmlns:a14="http://schemas.microsoft.com/office/drawing/2010/main" xmlns="">
+              <a14:hiddenFill xmlns="" xmlns:a14="http://schemas.microsoft.com/office/drawing/2010/main">
                 <a:solidFill>
                   <a:schemeClr val="accent1"/>
                 </a:solidFill>
               </a14:hiddenFill>
             </a:ext>
             <a:ext uri="{91240B29-F687-4f45-9708-019B960494DF}">
-              <a14:hiddenLine xmlns:a14="http://schemas.microsoft.com/office/drawing/2010/main" xmlns="" w="9525">
+              <a14:hiddenLine xmlns="" xmlns:a14="http://schemas.microsoft.com/office/drawing/2010/main" w="9525">
                 <a:solidFill>
                   <a:schemeClr val="tx1"/>
                 </a:solidFill>
@@ -985,7 +985,7 @@
               </a14:hiddenLine>
             </a:ext>
             <a:ext uri="{AF507438-7753-43e0-B8FC-AC1667EBCBE1}">
-              <a14:hiddenEffects xmlns:a14="http://schemas.microsoft.com/office/drawing/2010/main" xmlns="">
+              <a14:hiddenEffects xmlns="" xmlns:a14="http://schemas.microsoft.com/office/drawing/2010/main">
                 <a:effectLst>
                   <a:outerShdw dist="35921" dir="2700000" algn="ctr" rotWithShape="0">
                     <a:schemeClr val="bg2"/>
@@ -3507,7 +3507,7 @@
           <p:cNvPr id="82" name="Text Box 263">
             <a:extLst>
               <a:ext uri="{FF2B5EF4-FFF2-40B4-BE49-F238E27FC236}">
-                <a16:creationId xmlns:a16="http://schemas.microsoft.com/office/drawing/2014/main" xmlns="" id="{90F87DD5-6D3C-41E1-B458-BCC75CE85A1E}"/>
+                <a16:creationId xmlns:a16="http://schemas.microsoft.com/office/drawing/2014/main" id="{90F87DD5-6D3C-41E1-B458-BCC75CE85A1E}"/>
               </a:ext>
             </a:extLst>
           </p:cNvPr>
@@ -3518,8 +3518,8 @@
         </p:nvSpPr>
         <p:spPr bwMode="auto">
           <a:xfrm>
-            <a:off x="16067617" y="25967759"/>
-            <a:ext cx="27143163" cy="6341041"/>
+            <a:off x="16002000" y="25462371"/>
+            <a:ext cx="27366383" cy="6718892"/>
           </a:xfrm>
           <a:prstGeom prst="rect">
             <a:avLst/>
@@ -3706,7 +3706,7 @@
           <p:cNvPr id="63" name="Isosceles Triangle 62">
             <a:extLst>
               <a:ext uri="{FF2B5EF4-FFF2-40B4-BE49-F238E27FC236}">
-                <a16:creationId xmlns:a16="http://schemas.microsoft.com/office/drawing/2014/main" xmlns="" id="{3F9C176A-6E97-4DAC-88C4-191DB65B1BBD}"/>
+                <a16:creationId xmlns:a16="http://schemas.microsoft.com/office/drawing/2014/main" id="{3F9C176A-6E97-4DAC-88C4-191DB65B1BBD}"/>
               </a:ext>
             </a:extLst>
           </p:cNvPr>
@@ -3715,8 +3715,8 @@
         </p:nvSpPr>
         <p:spPr bwMode="auto">
           <a:xfrm>
-            <a:off x="9140265" y="5419121"/>
-            <a:ext cx="6927351" cy="16371823"/>
+            <a:off x="9079543" y="4913734"/>
+            <a:ext cx="6922456" cy="14629622"/>
           </a:xfrm>
           <a:prstGeom prst="triangle">
             <a:avLst>
@@ -3739,7 +3739,7 @@
           <a:effectLst/>
           <a:extLst>
             <a:ext uri="{AF507438-7753-43e0-B8FC-AC1667EBCBE1}">
-              <a14:hiddenEffects xmlns:a14="http://schemas.microsoft.com/office/drawing/2010/main" xmlns="">
+              <a14:hiddenEffects xmlns="" xmlns:a14="http://schemas.microsoft.com/office/drawing/2010/main">
                 <a:effectLst>
                   <a:outerShdw dist="35921" dir="2700000" algn="ctr" rotWithShape="0">
                     <a:schemeClr val="bg2"/>
@@ -3797,7 +3797,7 @@
           <p:cNvPr id="65" name="Isosceles Triangle 64">
             <a:extLst>
               <a:ext uri="{FF2B5EF4-FFF2-40B4-BE49-F238E27FC236}">
-                <a16:creationId xmlns:a16="http://schemas.microsoft.com/office/drawing/2014/main" xmlns="" id="{2F961EF3-413C-4E75-B740-62DC15A766C8}"/>
+                <a16:creationId xmlns:a16="http://schemas.microsoft.com/office/drawing/2014/main" id="{2F961EF3-413C-4E75-B740-62DC15A766C8}"/>
               </a:ext>
             </a:extLst>
           </p:cNvPr>
@@ -3806,8 +3806,8 @@
         </p:nvSpPr>
         <p:spPr bwMode="auto">
           <a:xfrm rot="10800000">
-            <a:off x="9155577" y="21808160"/>
-            <a:ext cx="6912040" cy="10500640"/>
+            <a:off x="9079542" y="19542047"/>
+            <a:ext cx="6922458" cy="12639215"/>
           </a:xfrm>
           <a:prstGeom prst="triangle">
             <a:avLst>
@@ -3830,7 +3830,7 @@
           <a:effectLst/>
           <a:extLst>
             <a:ext uri="{AF507438-7753-43e0-B8FC-AC1667EBCBE1}">
-              <a14:hiddenEffects xmlns:a14="http://schemas.microsoft.com/office/drawing/2010/main" xmlns="">
+              <a14:hiddenEffects xmlns="" xmlns:a14="http://schemas.microsoft.com/office/drawing/2010/main">
                 <a:effectLst>
                   <a:outerShdw dist="35921" dir="2700000" algn="ctr" rotWithShape="0">
                     <a:schemeClr val="bg2"/>
@@ -3888,7 +3888,7 @@
           <p:cNvPr id="79" name="Text Box 263">
             <a:extLst>
               <a:ext uri="{FF2B5EF4-FFF2-40B4-BE49-F238E27FC236}">
-                <a16:creationId xmlns:a16="http://schemas.microsoft.com/office/drawing/2014/main" xmlns="" id="{DEEF7061-7B22-4636-B9EF-91C755EEA5D3}"/>
+                <a16:creationId xmlns:a16="http://schemas.microsoft.com/office/drawing/2014/main" id="{DEEF7061-7B22-4636-B9EF-91C755EEA5D3}"/>
               </a:ext>
             </a:extLst>
           </p:cNvPr>
@@ -3899,7 +3899,7 @@
         </p:nvSpPr>
         <p:spPr bwMode="auto">
           <a:xfrm>
-            <a:off x="16034112" y="6094692"/>
+            <a:off x="15968495" y="5589304"/>
             <a:ext cx="27028568" cy="6986412"/>
           </a:xfrm>
           <a:prstGeom prst="rect">
@@ -4039,7 +4039,7 @@
           <p:cNvPr id="78" name="Text Box 263">
             <a:extLst>
               <a:ext uri="{FF2B5EF4-FFF2-40B4-BE49-F238E27FC236}">
-                <a16:creationId xmlns:a16="http://schemas.microsoft.com/office/drawing/2014/main" xmlns="" id="{F8CB70EF-F166-4A7D-B609-3B331F37F8E1}"/>
+                <a16:creationId xmlns:a16="http://schemas.microsoft.com/office/drawing/2014/main" id="{F8CB70EF-F166-4A7D-B609-3B331F37F8E1}"/>
               </a:ext>
             </a:extLst>
           </p:cNvPr>
@@ -4050,7 +4050,7 @@
         </p:nvSpPr>
         <p:spPr bwMode="auto">
           <a:xfrm>
-            <a:off x="15977609" y="13864628"/>
+            <a:off x="15911992" y="13359240"/>
             <a:ext cx="27148037" cy="11334262"/>
           </a:xfrm>
           <a:prstGeom prst="rect">
@@ -4193,7 +4193,7 @@
         </p:nvGrpSpPr>
         <p:grpSpPr>
           <a:xfrm>
-            <a:off x="1218766" y="648602"/>
+            <a:off x="1153149" y="143214"/>
             <a:ext cx="41794578" cy="4610100"/>
             <a:chOff x="1054474" y="495300"/>
             <a:chExt cx="41794578" cy="4610100"/>
@@ -4491,7 +4491,7 @@
         </p:nvSpPr>
         <p:spPr bwMode="auto">
           <a:xfrm>
-            <a:off x="6781800" y="869361"/>
+            <a:off x="6716183" y="363973"/>
             <a:ext cx="30175200" cy="3718814"/>
           </a:xfrm>
           <a:prstGeom prst="rect">
@@ -4504,14 +4504,14 @@
           <a:effectLst/>
           <a:extLst>
             <a:ext uri="{909E8E84-426E-40dd-AFC4-6F175D3DCCD1}">
-              <a14:hiddenFill xmlns:a14="http://schemas.microsoft.com/office/drawing/2010/main" xmlns="">
+              <a14:hiddenFill xmlns="" xmlns:a14="http://schemas.microsoft.com/office/drawing/2010/main">
                 <a:solidFill>
                   <a:srgbClr val="000000"/>
                 </a:solidFill>
               </a14:hiddenFill>
             </a:ext>
             <a:ext uri="{91240B29-F687-4f45-9708-019B960494DF}">
-              <a14:hiddenLine xmlns:a14="http://schemas.microsoft.com/office/drawing/2010/main" xmlns="" w="9525">
+              <a14:hiddenLine xmlns="" xmlns:a14="http://schemas.microsoft.com/office/drawing/2010/main" w="9525">
                 <a:solidFill>
                   <a:schemeClr val="tx1"/>
                 </a:solidFill>
@@ -4521,7 +4521,7 @@
               </a14:hiddenLine>
             </a:ext>
             <a:ext uri="{AF507438-7753-43e0-B8FC-AC1667EBCBE1}">
-              <a14:hiddenEffects xmlns:a14="http://schemas.microsoft.com/office/drawing/2010/main" xmlns="">
+              <a14:hiddenEffects xmlns="" xmlns:a14="http://schemas.microsoft.com/office/drawing/2010/main">
                 <a:effectLst>
                   <a:outerShdw dist="35921" dir="2700000" algn="ctr" rotWithShape="0">
                     <a:srgbClr val="FFBF0B"/>
@@ -4684,7 +4684,7 @@
       </p:sp>
       <p:sp>
         <p:nvSpPr>
-          <p:cNvPr id="41" name="Text Box 248"/>
+          <p:cNvPr id="44" name="Text Box 248"/>
           <p:cNvSpPr txBox="1">
             <a:spLocks noChangeArrowheads="1"/>
           </p:cNvSpPr>
@@ -4692,8 +4692,8 @@
         </p:nvSpPr>
         <p:spPr bwMode="auto">
           <a:xfrm>
-            <a:off x="1218766" y="5477442"/>
-            <a:ext cx="14545752" cy="769441"/>
+            <a:off x="1154517" y="15299575"/>
+            <a:ext cx="7925022" cy="769441"/>
           </a:xfrm>
           <a:prstGeom prst="rect">
             <a:avLst/>
@@ -4824,162 +4824,6 @@
                 <a:ea typeface="SimSun" pitchFamily="2" charset="-122"/>
                 <a:cs typeface="Lucida Sans" pitchFamily="34" charset="0"/>
               </a:rPr>
-              <a:t>Why Sonic Signatures?</a:t>
-            </a:r>
-            <a:endParaRPr lang="en-US" altLang="zh-CN" sz="3200" b="1" dirty="0">
-              <a:solidFill>
-                <a:schemeClr val="bg1"/>
-              </a:solidFill>
-              <a:effectLst/>
-              <a:latin typeface="Lucida Sans" pitchFamily="34" charset="0"/>
-              <a:ea typeface="SimSun" pitchFamily="2" charset="-122"/>
-              <a:cs typeface="Lucida Sans" pitchFamily="34" charset="0"/>
-            </a:endParaRPr>
-          </a:p>
-        </p:txBody>
-      </p:sp>
-      <p:sp>
-        <p:nvSpPr>
-          <p:cNvPr id="44" name="Text Box 248"/>
-          <p:cNvSpPr txBox="1">
-            <a:spLocks noChangeArrowheads="1"/>
-          </p:cNvSpPr>
-          <p:nvPr/>
-        </p:nvSpPr>
-        <p:spPr bwMode="auto">
-          <a:xfrm>
-            <a:off x="1218766" y="15988048"/>
-            <a:ext cx="7894002" cy="769441"/>
-          </a:xfrm>
-          <a:prstGeom prst="rect">
-            <a:avLst/>
-          </a:prstGeom>
-          <a:solidFill>
-            <a:schemeClr val="accent2">
-              <a:lumMod val="50000"/>
-            </a:schemeClr>
-          </a:solidFill>
-          <a:ln w="19050">
-            <a:noFill/>
-            <a:miter lim="800000"/>
-            <a:headEnd/>
-            <a:tailEnd/>
-          </a:ln>
-          <a:effectLst/>
-        </p:spPr>
-        <p:txBody>
-          <a:bodyPr wrap="square">
-            <a:spAutoFit/>
-          </a:bodyPr>
-          <a:lstStyle>
-            <a:lvl1pPr>
-              <a:defRPr sz="2400">
-                <a:solidFill>
-                  <a:schemeClr val="tx1"/>
-                </a:solidFill>
-                <a:latin typeface="Times New Roman" pitchFamily="18" charset="0"/>
-              </a:defRPr>
-            </a:lvl1pPr>
-            <a:lvl2pPr marL="742950" indent="-285750">
-              <a:defRPr sz="2400">
-                <a:solidFill>
-                  <a:schemeClr val="tx1"/>
-                </a:solidFill>
-                <a:latin typeface="Times New Roman" pitchFamily="18" charset="0"/>
-              </a:defRPr>
-            </a:lvl2pPr>
-            <a:lvl3pPr marL="1143000" indent="-228600">
-              <a:defRPr sz="2400">
-                <a:solidFill>
-                  <a:schemeClr val="tx1"/>
-                </a:solidFill>
-                <a:latin typeface="Times New Roman" pitchFamily="18" charset="0"/>
-              </a:defRPr>
-            </a:lvl3pPr>
-            <a:lvl4pPr marL="1600200" indent="-228600">
-              <a:defRPr sz="2400">
-                <a:solidFill>
-                  <a:schemeClr val="tx1"/>
-                </a:solidFill>
-                <a:latin typeface="Times New Roman" pitchFamily="18" charset="0"/>
-              </a:defRPr>
-            </a:lvl4pPr>
-            <a:lvl5pPr marL="2057400" indent="-228600">
-              <a:defRPr sz="2400">
-                <a:solidFill>
-                  <a:schemeClr val="tx1"/>
-                </a:solidFill>
-                <a:latin typeface="Times New Roman" pitchFamily="18" charset="0"/>
-              </a:defRPr>
-            </a:lvl5pPr>
-            <a:lvl6pPr marL="2514600" indent="-228600" eaLnBrk="0" fontAlgn="base" hangingPunct="0">
-              <a:spcBef>
-                <a:spcPct val="0"/>
-              </a:spcBef>
-              <a:spcAft>
-                <a:spcPct val="0"/>
-              </a:spcAft>
-              <a:defRPr sz="2400">
-                <a:solidFill>
-                  <a:schemeClr val="tx1"/>
-                </a:solidFill>
-                <a:latin typeface="Times New Roman" pitchFamily="18" charset="0"/>
-              </a:defRPr>
-            </a:lvl6pPr>
-            <a:lvl7pPr marL="2971800" indent="-228600" eaLnBrk="0" fontAlgn="base" hangingPunct="0">
-              <a:spcBef>
-                <a:spcPct val="0"/>
-              </a:spcBef>
-              <a:spcAft>
-                <a:spcPct val="0"/>
-              </a:spcAft>
-              <a:defRPr sz="2400">
-                <a:solidFill>
-                  <a:schemeClr val="tx1"/>
-                </a:solidFill>
-                <a:latin typeface="Times New Roman" pitchFamily="18" charset="0"/>
-              </a:defRPr>
-            </a:lvl7pPr>
-            <a:lvl8pPr marL="3429000" indent="-228600" eaLnBrk="0" fontAlgn="base" hangingPunct="0">
-              <a:spcBef>
-                <a:spcPct val="0"/>
-              </a:spcBef>
-              <a:spcAft>
-                <a:spcPct val="0"/>
-              </a:spcAft>
-              <a:defRPr sz="2400">
-                <a:solidFill>
-                  <a:schemeClr val="tx1"/>
-                </a:solidFill>
-                <a:latin typeface="Times New Roman" pitchFamily="18" charset="0"/>
-              </a:defRPr>
-            </a:lvl8pPr>
-            <a:lvl9pPr marL="3886200" indent="-228600" eaLnBrk="0" fontAlgn="base" hangingPunct="0">
-              <a:spcBef>
-                <a:spcPct val="0"/>
-              </a:spcBef>
-              <a:spcAft>
-                <a:spcPct val="0"/>
-              </a:spcAft>
-              <a:defRPr sz="2400">
-                <a:solidFill>
-                  <a:schemeClr val="tx1"/>
-                </a:solidFill>
-                <a:latin typeface="Times New Roman" pitchFamily="18" charset="0"/>
-              </a:defRPr>
-            </a:lvl9pPr>
-          </a:lstStyle>
-          <a:p>
-            <a:r>
-              <a:rPr lang="en-US" altLang="zh-CN" sz="4400" b="1" dirty="0">
-                <a:solidFill>
-                  <a:schemeClr val="bg1"/>
-                </a:solidFill>
-                <a:effectLst/>
-                <a:latin typeface="Lucida Sans" pitchFamily="34" charset="0"/>
-                <a:ea typeface="SimSun" pitchFamily="2" charset="-122"/>
-                <a:cs typeface="Lucida Sans" pitchFamily="34" charset="0"/>
-              </a:rPr>
               <a:t>Depicting Features</a:t>
             </a:r>
             <a:endParaRPr lang="en-US" altLang="zh-CN" sz="3200" b="1" dirty="0">
@@ -5004,7 +4848,7 @@
         </p:nvSpPr>
         <p:spPr bwMode="auto">
           <a:xfrm>
-            <a:off x="16030880" y="6246883"/>
+            <a:off x="15965263" y="5741495"/>
             <a:ext cx="12311440" cy="6740307"/>
           </a:xfrm>
           <a:prstGeom prst="rect">
@@ -5170,7 +5014,7 @@
                 <a:effectLst/>
                 <a:ea typeface="SimSun" pitchFamily="2" charset="-122"/>
               </a:rPr>
-              <a:t>The </a:t>
+              <a:t>We performed </a:t>
             </a:r>
             <a:r>
               <a:rPr lang="en-US" altLang="zh-CN" sz="2800" b="1" dirty="0">
@@ -5184,7 +5028,7 @@
                 <a:effectLst/>
                 <a:ea typeface="SimSun" pitchFamily="2" charset="-122"/>
               </a:rPr>
-              <a:t>Bayes classification was performed through first filtering out any character classified as “other” before re-classifying the remaining characters as antagonists, protagonists, or. Fools</a:t>
+              <a:t>Bayes classification by first filtering out any character classified as “other” before re-classifying the remaining characters as antagonists, protagonists, or fools.</a:t>
             </a:r>
           </a:p>
           <a:p>
@@ -5209,7 +5053,7 @@
                 <a:effectLst/>
                 <a:ea typeface="SimSun" pitchFamily="2" charset="-122"/>
               </a:rPr>
-              <a:t> Highest success was achieved when training data was weighted by number of speaking lines, and role determination was done iteratively. The classification results for gender are comparable to previous results based on text analysis, and </a:t>
+              <a:t> We achieved highest success when training data was weighted by number of speaking lines, and role determination was done iteratively. The classification results for gender are comparable to previous results based on text analysis, and </a:t>
             </a:r>
           </a:p>
           <a:p>
@@ -5223,7 +5067,21 @@
                 <a:effectLst/>
                 <a:ea typeface="SimSun" pitchFamily="2" charset="-122"/>
               </a:rPr>
-              <a:t>the role classification was particularly successful at filtering out “other” characters and identifying protagonists.</a:t>
+              <a:t>the role classification was particularly successful at filtering out “other”</a:t>
+            </a:r>
+          </a:p>
+          <a:p>
+            <a:pPr>
+              <a:lnSpc>
+                <a:spcPct val="125000"/>
+              </a:lnSpc>
+            </a:pPr>
+            <a:r>
+              <a:rPr lang="en-US" altLang="zh-CN" sz="2800" dirty="0">
+                <a:effectLst/>
+                <a:ea typeface="SimSun" pitchFamily="2" charset="-122"/>
+              </a:rPr>
+              <a:t>characters and identifying protagonists.</a:t>
             </a:r>
           </a:p>
         </p:txBody>
@@ -5238,7 +5096,7 @@
         </p:nvSpPr>
         <p:spPr bwMode="auto">
           <a:xfrm>
-            <a:off x="16034959" y="5419121"/>
+            <a:off x="15969342" y="4913733"/>
             <a:ext cx="26978385" cy="769441"/>
           </a:xfrm>
           <a:prstGeom prst="rect">
@@ -5404,7 +5262,7 @@
         </p:nvSpPr>
         <p:spPr bwMode="auto">
           <a:xfrm>
-            <a:off x="16036262" y="13095187"/>
+            <a:off x="15970645" y="12589799"/>
             <a:ext cx="27174519" cy="769441"/>
           </a:xfrm>
           <a:prstGeom prst="rect">
@@ -5570,7 +5428,7 @@
         </p:nvSpPr>
         <p:spPr bwMode="auto">
           <a:xfrm>
-            <a:off x="16020419" y="25194054"/>
+            <a:off x="15954802" y="24688666"/>
             <a:ext cx="26669141" cy="774848"/>
           </a:xfrm>
           <a:prstGeom prst="rect">
@@ -5728,162 +5586,6 @@
       </p:sp>
       <p:sp>
         <p:nvSpPr>
-          <p:cNvPr id="71" name="Text Box 248"/>
-          <p:cNvSpPr txBox="1">
-            <a:spLocks noChangeArrowheads="1"/>
-          </p:cNvSpPr>
-          <p:nvPr/>
-        </p:nvSpPr>
-        <p:spPr bwMode="auto">
-          <a:xfrm>
-            <a:off x="1231092" y="10507605"/>
-            <a:ext cx="14568103" cy="769441"/>
-          </a:xfrm>
-          <a:prstGeom prst="rect">
-            <a:avLst/>
-          </a:prstGeom>
-          <a:solidFill>
-            <a:schemeClr val="accent2">
-              <a:lumMod val="50000"/>
-            </a:schemeClr>
-          </a:solidFill>
-          <a:ln w="19050">
-            <a:noFill/>
-            <a:miter lim="800000"/>
-            <a:headEnd/>
-            <a:tailEnd/>
-          </a:ln>
-          <a:effectLst/>
-        </p:spPr>
-        <p:txBody>
-          <a:bodyPr wrap="square">
-            <a:spAutoFit/>
-          </a:bodyPr>
-          <a:lstStyle>
-            <a:lvl1pPr>
-              <a:defRPr sz="2400">
-                <a:solidFill>
-                  <a:schemeClr val="tx1"/>
-                </a:solidFill>
-                <a:latin typeface="Times New Roman" pitchFamily="18" charset="0"/>
-              </a:defRPr>
-            </a:lvl1pPr>
-            <a:lvl2pPr marL="742950" indent="-285750">
-              <a:defRPr sz="2400">
-                <a:solidFill>
-                  <a:schemeClr val="tx1"/>
-                </a:solidFill>
-                <a:latin typeface="Times New Roman" pitchFamily="18" charset="0"/>
-              </a:defRPr>
-            </a:lvl2pPr>
-            <a:lvl3pPr marL="1143000" indent="-228600">
-              <a:defRPr sz="2400">
-                <a:solidFill>
-                  <a:schemeClr val="tx1"/>
-                </a:solidFill>
-                <a:latin typeface="Times New Roman" pitchFamily="18" charset="0"/>
-              </a:defRPr>
-            </a:lvl3pPr>
-            <a:lvl4pPr marL="1600200" indent="-228600">
-              <a:defRPr sz="2400">
-                <a:solidFill>
-                  <a:schemeClr val="tx1"/>
-                </a:solidFill>
-                <a:latin typeface="Times New Roman" pitchFamily="18" charset="0"/>
-              </a:defRPr>
-            </a:lvl4pPr>
-            <a:lvl5pPr marL="2057400" indent="-228600">
-              <a:defRPr sz="2400">
-                <a:solidFill>
-                  <a:schemeClr val="tx1"/>
-                </a:solidFill>
-                <a:latin typeface="Times New Roman" pitchFamily="18" charset="0"/>
-              </a:defRPr>
-            </a:lvl5pPr>
-            <a:lvl6pPr marL="2514600" indent="-228600" eaLnBrk="0" fontAlgn="base" hangingPunct="0">
-              <a:spcBef>
-                <a:spcPct val="0"/>
-              </a:spcBef>
-              <a:spcAft>
-                <a:spcPct val="0"/>
-              </a:spcAft>
-              <a:defRPr sz="2400">
-                <a:solidFill>
-                  <a:schemeClr val="tx1"/>
-                </a:solidFill>
-                <a:latin typeface="Times New Roman" pitchFamily="18" charset="0"/>
-              </a:defRPr>
-            </a:lvl6pPr>
-            <a:lvl7pPr marL="2971800" indent="-228600" eaLnBrk="0" fontAlgn="base" hangingPunct="0">
-              <a:spcBef>
-                <a:spcPct val="0"/>
-              </a:spcBef>
-              <a:spcAft>
-                <a:spcPct val="0"/>
-              </a:spcAft>
-              <a:defRPr sz="2400">
-                <a:solidFill>
-                  <a:schemeClr val="tx1"/>
-                </a:solidFill>
-                <a:latin typeface="Times New Roman" pitchFamily="18" charset="0"/>
-              </a:defRPr>
-            </a:lvl7pPr>
-            <a:lvl8pPr marL="3429000" indent="-228600" eaLnBrk="0" fontAlgn="base" hangingPunct="0">
-              <a:spcBef>
-                <a:spcPct val="0"/>
-              </a:spcBef>
-              <a:spcAft>
-                <a:spcPct val="0"/>
-              </a:spcAft>
-              <a:defRPr sz="2400">
-                <a:solidFill>
-                  <a:schemeClr val="tx1"/>
-                </a:solidFill>
-                <a:latin typeface="Times New Roman" pitchFamily="18" charset="0"/>
-              </a:defRPr>
-            </a:lvl8pPr>
-            <a:lvl9pPr marL="3886200" indent="-228600" eaLnBrk="0" fontAlgn="base" hangingPunct="0">
-              <a:spcBef>
-                <a:spcPct val="0"/>
-              </a:spcBef>
-              <a:spcAft>
-                <a:spcPct val="0"/>
-              </a:spcAft>
-              <a:defRPr sz="2400">
-                <a:solidFill>
-                  <a:schemeClr val="tx1"/>
-                </a:solidFill>
-                <a:latin typeface="Times New Roman" pitchFamily="18" charset="0"/>
-              </a:defRPr>
-            </a:lvl9pPr>
-          </a:lstStyle>
-          <a:p>
-            <a:r>
-              <a:rPr lang="en-US" altLang="zh-CN" sz="4400" b="1" dirty="0">
-                <a:solidFill>
-                  <a:schemeClr val="bg1"/>
-                </a:solidFill>
-                <a:effectLst/>
-                <a:latin typeface="Lucida Sans" pitchFamily="34" charset="0"/>
-                <a:ea typeface="SimSun" pitchFamily="2" charset="-122"/>
-                <a:cs typeface="Lucida Sans" pitchFamily="34" charset="0"/>
-              </a:rPr>
-              <a:t>Quantifying “How Characters Sound”</a:t>
-            </a:r>
-            <a:endParaRPr lang="en-US" altLang="zh-CN" sz="3200" b="1" dirty="0">
-              <a:solidFill>
-                <a:schemeClr val="bg1"/>
-              </a:solidFill>
-              <a:effectLst/>
-              <a:latin typeface="Lucida Sans" pitchFamily="34" charset="0"/>
-              <a:ea typeface="SimSun" pitchFamily="2" charset="-122"/>
-              <a:cs typeface="Lucida Sans" pitchFamily="34" charset="0"/>
-            </a:endParaRPr>
-          </a:p>
-        </p:txBody>
-      </p:sp>
-      <p:sp>
-        <p:nvSpPr>
           <p:cNvPr id="80" name="Text Box 263"/>
           <p:cNvSpPr txBox="1">
             <a:spLocks noChangeArrowheads="1"/>
@@ -5892,8 +5594,8 @@
         </p:nvSpPr>
         <p:spPr bwMode="auto">
           <a:xfrm>
-            <a:off x="16029813" y="13864628"/>
-            <a:ext cx="11859387" cy="5124480"/>
+            <a:off x="15964196" y="13359240"/>
+            <a:ext cx="11859387" cy="10510570"/>
           </a:xfrm>
           <a:prstGeom prst="rect">
             <a:avLst/>
@@ -6088,9 +5790,7 @@
             <a:r>
               <a:rPr lang="en-AU" sz="2800" dirty="0">
                 <a:solidFill>
-                  <a:schemeClr val="accent2">
-                    <a:lumMod val="50000"/>
-                  </a:schemeClr>
+                  <a:srgbClr val="7030A0"/>
                 </a:solidFill>
                 <a:effectLst/>
               </a:rPr>
@@ -6215,6 +5915,76 @@
                 <a:effectLst/>
               </a:rPr>
               <a:t> for a role.</a:t>
+            </a:r>
+          </a:p>
+          <a:p>
+            <a:pPr>
+              <a:lnSpc>
+                <a:spcPct val="125000"/>
+              </a:lnSpc>
+            </a:pPr>
+            <a:endParaRPr lang="en-AU" sz="2800" dirty="0">
+              <a:effectLst/>
+            </a:endParaRPr>
+          </a:p>
+          <a:p>
+            <a:pPr>
+              <a:lnSpc>
+                <a:spcPct val="125000"/>
+              </a:lnSpc>
+            </a:pPr>
+            <a:r>
+              <a:rPr lang="en-AU" sz="2800" dirty="0">
+                <a:effectLst/>
+              </a:rPr>
+              <a:t>The central line in each chart represents an abstracted mean value for the given characteristic among all roles. The </a:t>
+            </a:r>
+            <a:r>
+              <a:rPr lang="en-AU" sz="2800" b="1" dirty="0">
+                <a:effectLst/>
+              </a:rPr>
+              <a:t>distance between this central axis and the end of a bar </a:t>
+            </a:r>
+            <a:r>
+              <a:rPr lang="en-AU" sz="2800" dirty="0">
+                <a:effectLst/>
+              </a:rPr>
+              <a:t>scales with the </a:t>
+            </a:r>
+            <a:r>
+              <a:rPr lang="en-AU" sz="2800" b="1" dirty="0">
+                <a:effectLst/>
+              </a:rPr>
+              <a:t>number of standard deviations from the mean </a:t>
+            </a:r>
+            <a:r>
+              <a:rPr lang="en-AU" sz="2800" dirty="0">
+                <a:effectLst/>
+              </a:rPr>
+              <a:t>exhibited by a specific role, on average, or a specific character. The left edge corresponds to two or more standard deviations below the mean, and the right edge to two or more standard deviations above the mean.</a:t>
+            </a:r>
+          </a:p>
+          <a:p>
+            <a:pPr>
+              <a:lnSpc>
+                <a:spcPct val="125000"/>
+              </a:lnSpc>
+            </a:pPr>
+            <a:endParaRPr lang="en-AU" sz="2800" dirty="0">
+              <a:effectLst/>
+            </a:endParaRPr>
+          </a:p>
+          <a:p>
+            <a:pPr>
+              <a:lnSpc>
+                <a:spcPct val="125000"/>
+              </a:lnSpc>
+            </a:pPr>
+            <a:r>
+              <a:rPr lang="en-AU" sz="2800" dirty="0">
+                <a:effectLst/>
+              </a:rPr>
+              <a:t>This tool allows us to explore how far any given character’s sonic signature deviates from the  role averages for protagonists, antagonists, and fools.</a:t>
             </a:r>
           </a:p>
         </p:txBody>
@@ -6223,14 +5993,16 @@
         <p:nvCxnSpPr>
           <p:cNvPr id="11" name="Straight Connector 10"/>
           <p:cNvCxnSpPr>
+            <a:cxnSpLocks/>
             <a:stCxn id="65" idx="4"/>
+            <a:endCxn id="65" idx="0"/>
           </p:cNvCxnSpPr>
           <p:nvPr/>
         </p:nvCxnSpPr>
         <p:spPr bwMode="auto">
           <a:xfrm>
-            <a:off x="9155577" y="21808160"/>
-            <a:ext cx="6923494" cy="10500640"/>
+            <a:off x="9079542" y="19542047"/>
+            <a:ext cx="6922458" cy="12639215"/>
           </a:xfrm>
           <a:prstGeom prst="line">
             <a:avLst/>
@@ -6252,7 +6024,7 @@
           <a:effectLst/>
           <a:extLst>
             <a:ext uri="{AF507438-7753-43e0-B8FC-AC1667EBCBE1}">
-              <a14:hiddenEffects xmlns:a14="http://schemas.microsoft.com/office/drawing/2010/main" xmlns="">
+              <a14:hiddenEffects xmlns="" xmlns:a14="http://schemas.microsoft.com/office/drawing/2010/main">
                 <a:effectLst>
                   <a:outerShdw dist="35921" dir="2700000" algn="ctr" rotWithShape="0">
                     <a:schemeClr val="bg2"/>
@@ -6273,8 +6045,8 @@
         </p:nvSpPr>
         <p:spPr bwMode="auto">
           <a:xfrm>
-            <a:off x="16025127" y="26064011"/>
-            <a:ext cx="11098441" cy="5878532"/>
+            <a:off x="16013454" y="25462369"/>
+            <a:ext cx="11189712" cy="6309420"/>
           </a:xfrm>
           <a:prstGeom prst="rect">
             <a:avLst/>
@@ -6401,28 +6173,10 @@
               <a:rPr lang="en-US" sz="2800" dirty="0">
                 <a:effectLst/>
               </a:rPr>
-              <a:t>Stanley Newman, in his experiments in Sound Symbolism, scaled vowels from bright to dark in how subjects perceived them. “IH” as in “Lit” sounded brightest, </a:t>
-            </a:r>
-            <a:r>
-              <a:rPr lang="en-US" dirty="0">
-                <a:effectLst/>
-              </a:rPr>
-              <a:t>while “UH </a:t>
-            </a:r>
-            <a:r>
-              <a:rPr lang="en-US" sz="2800" dirty="0">
-                <a:effectLst/>
-              </a:rPr>
-              <a:t>” as in “Put” sounded darkest and biggest. </a:t>
-            </a:r>
-          </a:p>
-          <a:p>
-            <a:r>
-              <a:rPr lang="en-US" sz="2800" dirty="0">
-                <a:effectLst/>
-              </a:rPr>
-              <a:t/>
-            </a:r>
+              <a:t>Stanley Newman, in his experiments in Sound Symbolism, scaled vowels from bright to dark in how subjects perceived them. “IH” as in “Lit” sounded brightest and smallest, while “UH ” as in “Put” sounded darkest and biggest. </a:t>
+            </a:r>
+          </a:p>
+          <a:p>
             <a:br>
               <a:rPr lang="en-US" sz="2800" dirty="0">
                 <a:effectLst/>
@@ -6432,7 +6186,7 @@
               <a:rPr lang="en-US" sz="2800" dirty="0">
                 <a:effectLst/>
               </a:rPr>
-              <a:t>We wanted to examine </a:t>
+              <a:t>We wanted to create a visualization to examine </a:t>
             </a:r>
             <a:r>
               <a:rPr lang="en-US" sz="2800" b="1" dirty="0">
@@ -6486,11 +6240,13 @@
               <a:rPr lang="en-US" sz="2800" dirty="0">
                 <a:effectLst/>
               </a:rPr>
-              <a:t>This tool allows us to see at a glance that certain characters do, indeed, have “brighter” or “darker” overall characterization to their speech.</a:t>
-            </a:r>
-            <a:r>
-              <a:rPr lang="en-US" sz="2800" dirty="0"/>
-              <a:t/>
+              <a:t>This tool allows us to see at a glance that certain characters do, indeed, have </a:t>
+            </a:r>
+            <a:r>
+              <a:rPr lang="en-US" sz="2800" b="1" dirty="0">
+                <a:effectLst/>
+              </a:rPr>
+              <a:t>“brighter” or “darker” overall characterization to their speech.</a:t>
             </a:r>
             <a:br>
               <a:rPr lang="en-US" sz="2800" dirty="0"/>
@@ -6501,387 +6257,15 @@
           </a:p>
         </p:txBody>
       </p:sp>
-      <p:sp>
-        <p:nvSpPr>
-          <p:cNvPr id="96" name="Text Box 248"/>
-          <p:cNvSpPr txBox="1">
-            <a:spLocks noChangeArrowheads="1"/>
-          </p:cNvSpPr>
-          <p:nvPr/>
-        </p:nvSpPr>
-        <p:spPr bwMode="auto">
-          <a:xfrm>
-            <a:off x="1227557" y="25843212"/>
-            <a:ext cx="14606202" cy="769014"/>
-          </a:xfrm>
-          <a:prstGeom prst="rect">
-            <a:avLst/>
-          </a:prstGeom>
-          <a:solidFill>
-            <a:schemeClr val="accent2">
-              <a:lumMod val="50000"/>
-            </a:schemeClr>
-          </a:solidFill>
-          <a:ln w="19050">
-            <a:noFill/>
-            <a:miter lim="800000"/>
-            <a:headEnd/>
-            <a:tailEnd/>
-          </a:ln>
-          <a:effectLst/>
-        </p:spPr>
-        <p:txBody>
-          <a:bodyPr wrap="square">
-            <a:spAutoFit/>
-          </a:bodyPr>
-          <a:lstStyle>
-            <a:lvl1pPr>
-              <a:defRPr sz="2400">
-                <a:solidFill>
-                  <a:schemeClr val="tx1"/>
-                </a:solidFill>
-                <a:latin typeface="Times New Roman" pitchFamily="18" charset="0"/>
-              </a:defRPr>
-            </a:lvl1pPr>
-            <a:lvl2pPr marL="742950" indent="-285750">
-              <a:defRPr sz="2400">
-                <a:solidFill>
-                  <a:schemeClr val="tx1"/>
-                </a:solidFill>
-                <a:latin typeface="Times New Roman" pitchFamily="18" charset="0"/>
-              </a:defRPr>
-            </a:lvl2pPr>
-            <a:lvl3pPr marL="1143000" indent="-228600">
-              <a:defRPr sz="2400">
-                <a:solidFill>
-                  <a:schemeClr val="tx1"/>
-                </a:solidFill>
-                <a:latin typeface="Times New Roman" pitchFamily="18" charset="0"/>
-              </a:defRPr>
-            </a:lvl3pPr>
-            <a:lvl4pPr marL="1600200" indent="-228600">
-              <a:defRPr sz="2400">
-                <a:solidFill>
-                  <a:schemeClr val="tx1"/>
-                </a:solidFill>
-                <a:latin typeface="Times New Roman" pitchFamily="18" charset="0"/>
-              </a:defRPr>
-            </a:lvl4pPr>
-            <a:lvl5pPr marL="2057400" indent="-228600">
-              <a:defRPr sz="2400">
-                <a:solidFill>
-                  <a:schemeClr val="tx1"/>
-                </a:solidFill>
-                <a:latin typeface="Times New Roman" pitchFamily="18" charset="0"/>
-              </a:defRPr>
-            </a:lvl5pPr>
-            <a:lvl6pPr marL="2514600" indent="-228600" eaLnBrk="0" fontAlgn="base" hangingPunct="0">
-              <a:spcBef>
-                <a:spcPct val="0"/>
-              </a:spcBef>
-              <a:spcAft>
-                <a:spcPct val="0"/>
-              </a:spcAft>
-              <a:defRPr sz="2400">
-                <a:solidFill>
-                  <a:schemeClr val="tx1"/>
-                </a:solidFill>
-                <a:latin typeface="Times New Roman" pitchFamily="18" charset="0"/>
-              </a:defRPr>
-            </a:lvl6pPr>
-            <a:lvl7pPr marL="2971800" indent="-228600" eaLnBrk="0" fontAlgn="base" hangingPunct="0">
-              <a:spcBef>
-                <a:spcPct val="0"/>
-              </a:spcBef>
-              <a:spcAft>
-                <a:spcPct val="0"/>
-              </a:spcAft>
-              <a:defRPr sz="2400">
-                <a:solidFill>
-                  <a:schemeClr val="tx1"/>
-                </a:solidFill>
-                <a:latin typeface="Times New Roman" pitchFamily="18" charset="0"/>
-              </a:defRPr>
-            </a:lvl7pPr>
-            <a:lvl8pPr marL="3429000" indent="-228600" eaLnBrk="0" fontAlgn="base" hangingPunct="0">
-              <a:spcBef>
-                <a:spcPct val="0"/>
-              </a:spcBef>
-              <a:spcAft>
-                <a:spcPct val="0"/>
-              </a:spcAft>
-              <a:defRPr sz="2400">
-                <a:solidFill>
-                  <a:schemeClr val="tx1"/>
-                </a:solidFill>
-                <a:latin typeface="Times New Roman" pitchFamily="18" charset="0"/>
-              </a:defRPr>
-            </a:lvl8pPr>
-            <a:lvl9pPr marL="3886200" indent="-228600" eaLnBrk="0" fontAlgn="base" hangingPunct="0">
-              <a:spcBef>
-                <a:spcPct val="0"/>
-              </a:spcBef>
-              <a:spcAft>
-                <a:spcPct val="0"/>
-              </a:spcAft>
-              <a:defRPr sz="2400">
-                <a:solidFill>
-                  <a:schemeClr val="tx1"/>
-                </a:solidFill>
-                <a:latin typeface="Times New Roman" pitchFamily="18" charset="0"/>
-              </a:defRPr>
-            </a:lvl9pPr>
-          </a:lstStyle>
-          <a:p>
-            <a:r>
-              <a:rPr lang="en-US" altLang="zh-CN" sz="4400" b="1" dirty="0">
-                <a:solidFill>
-                  <a:schemeClr val="bg1"/>
-                </a:solidFill>
-                <a:effectLst/>
-                <a:latin typeface="Lucida Sans" pitchFamily="34" charset="0"/>
-                <a:ea typeface="SimSun" pitchFamily="2" charset="-122"/>
-                <a:cs typeface="Lucida Sans" pitchFamily="34" charset="0"/>
-              </a:rPr>
-              <a:t>What Next?</a:t>
-            </a:r>
-          </a:p>
-        </p:txBody>
-      </p:sp>
-      <p:sp>
-        <p:nvSpPr>
-          <p:cNvPr id="45" name="Text Box 263"/>
-          <p:cNvSpPr txBox="1">
-            <a:spLocks noChangeArrowheads="1"/>
-          </p:cNvSpPr>
-          <p:nvPr/>
-        </p:nvSpPr>
-        <p:spPr bwMode="auto">
-          <a:xfrm>
-            <a:off x="1226969" y="26612227"/>
-            <a:ext cx="14606790" cy="2766483"/>
-          </a:xfrm>
-          <a:prstGeom prst="rect">
-            <a:avLst/>
-          </a:prstGeom>
-          <a:solidFill>
-            <a:schemeClr val="bg1"/>
-          </a:solidFill>
-          <a:ln w="57150" cmpd="thinThick">
-            <a:noFill/>
-            <a:miter lim="800000"/>
-            <a:headEnd/>
-            <a:tailEnd/>
-          </a:ln>
-          <a:effectLst/>
-          <a:extLst/>
-        </p:spPr>
-        <p:txBody>
-          <a:bodyPr wrap="square" lIns="182880" tIns="91440" rIns="182880" bIns="182880" numCol="2">
-            <a:noAutofit/>
-          </a:bodyPr>
-          <a:lstStyle>
-            <a:lvl1pPr>
-              <a:defRPr sz="2400">
-                <a:solidFill>
-                  <a:schemeClr val="tx1"/>
-                </a:solidFill>
-                <a:latin typeface="Times New Roman" pitchFamily="18" charset="0"/>
-              </a:defRPr>
-            </a:lvl1pPr>
-            <a:lvl2pPr marL="685800" indent="-228600">
-              <a:defRPr sz="2400">
-                <a:solidFill>
-                  <a:schemeClr val="tx1"/>
-                </a:solidFill>
-                <a:latin typeface="Times New Roman" pitchFamily="18" charset="0"/>
-              </a:defRPr>
-            </a:lvl2pPr>
-            <a:lvl3pPr marL="1143000" indent="-228600">
-              <a:defRPr sz="2400">
-                <a:solidFill>
-                  <a:schemeClr val="tx1"/>
-                </a:solidFill>
-                <a:latin typeface="Times New Roman" pitchFamily="18" charset="0"/>
-              </a:defRPr>
-            </a:lvl3pPr>
-            <a:lvl4pPr marL="1600200" indent="-228600">
-              <a:defRPr sz="2400">
-                <a:solidFill>
-                  <a:schemeClr val="tx1"/>
-                </a:solidFill>
-                <a:latin typeface="Times New Roman" pitchFamily="18" charset="0"/>
-              </a:defRPr>
-            </a:lvl4pPr>
-            <a:lvl5pPr marL="2057400" indent="-228600">
-              <a:defRPr sz="2400">
-                <a:solidFill>
-                  <a:schemeClr val="tx1"/>
-                </a:solidFill>
-                <a:latin typeface="Times New Roman" pitchFamily="18" charset="0"/>
-              </a:defRPr>
-            </a:lvl5pPr>
-            <a:lvl6pPr marL="2514600" indent="-228600" eaLnBrk="0" fontAlgn="base" hangingPunct="0">
-              <a:spcBef>
-                <a:spcPct val="0"/>
-              </a:spcBef>
-              <a:spcAft>
-                <a:spcPct val="0"/>
-              </a:spcAft>
-              <a:defRPr sz="2400">
-                <a:solidFill>
-                  <a:schemeClr val="tx1"/>
-                </a:solidFill>
-                <a:latin typeface="Times New Roman" pitchFamily="18" charset="0"/>
-              </a:defRPr>
-            </a:lvl6pPr>
-            <a:lvl7pPr marL="2971800" indent="-228600" eaLnBrk="0" fontAlgn="base" hangingPunct="0">
-              <a:spcBef>
-                <a:spcPct val="0"/>
-              </a:spcBef>
-              <a:spcAft>
-                <a:spcPct val="0"/>
-              </a:spcAft>
-              <a:defRPr sz="2400">
-                <a:solidFill>
-                  <a:schemeClr val="tx1"/>
-                </a:solidFill>
-                <a:latin typeface="Times New Roman" pitchFamily="18" charset="0"/>
-              </a:defRPr>
-            </a:lvl7pPr>
-            <a:lvl8pPr marL="3429000" indent="-228600" eaLnBrk="0" fontAlgn="base" hangingPunct="0">
-              <a:spcBef>
-                <a:spcPct val="0"/>
-              </a:spcBef>
-              <a:spcAft>
-                <a:spcPct val="0"/>
-              </a:spcAft>
-              <a:defRPr sz="2400">
-                <a:solidFill>
-                  <a:schemeClr val="tx1"/>
-                </a:solidFill>
-                <a:latin typeface="Times New Roman" pitchFamily="18" charset="0"/>
-              </a:defRPr>
-            </a:lvl8pPr>
-            <a:lvl9pPr marL="3886200" indent="-228600" eaLnBrk="0" fontAlgn="base" hangingPunct="0">
-              <a:spcBef>
-                <a:spcPct val="0"/>
-              </a:spcBef>
-              <a:spcAft>
-                <a:spcPct val="0"/>
-              </a:spcAft>
-              <a:defRPr sz="2400">
-                <a:solidFill>
-                  <a:schemeClr val="tx1"/>
-                </a:solidFill>
-                <a:latin typeface="Times New Roman" pitchFamily="18" charset="0"/>
-              </a:defRPr>
-            </a:lvl9pPr>
-          </a:lstStyle>
-          <a:p>
-            <a:pPr>
-              <a:lnSpc>
-                <a:spcPct val="125000"/>
-              </a:lnSpc>
-            </a:pPr>
-            <a:r>
-              <a:rPr lang="en-AU" sz="2000" b="1" dirty="0">
-                <a:effectLst/>
-              </a:rPr>
-              <a:t>Beyond Shakespeare: </a:t>
-            </a:r>
-          </a:p>
-          <a:p>
-            <a:pPr>
-              <a:lnSpc>
-                <a:spcPct val="125000"/>
-              </a:lnSpc>
-            </a:pPr>
-            <a:r>
-              <a:rPr lang="en-AU" sz="2000" dirty="0">
-                <a:effectLst/>
-              </a:rPr>
-              <a:t>Expand our analysis to other authors, not limited to playwrights </a:t>
-            </a:r>
-          </a:p>
-          <a:p>
-            <a:pPr>
-              <a:lnSpc>
-                <a:spcPct val="125000"/>
-              </a:lnSpc>
-            </a:pPr>
-            <a:r>
-              <a:rPr lang="en-AU" sz="2000" dirty="0">
-                <a:effectLst/>
-              </a:rPr>
-              <a:t>or anglophones, with a particular interest in the role of verse and prose. </a:t>
-            </a:r>
-            <a:r>
-              <a:rPr lang="en-AU" sz="2000" b="1" dirty="0">
-                <a:effectLst/>
-              </a:rPr>
-              <a:t>Does the significance of sonic signatures change across form and language?</a:t>
-            </a:r>
-          </a:p>
-          <a:p>
-            <a:pPr>
-              <a:lnSpc>
-                <a:spcPct val="125000"/>
-              </a:lnSpc>
-            </a:pPr>
-            <a:endParaRPr lang="en-AU" sz="2000" b="1" dirty="0">
-              <a:effectLst/>
-            </a:endParaRPr>
-          </a:p>
-          <a:p>
-            <a:pPr>
-              <a:lnSpc>
-                <a:spcPct val="125000"/>
-              </a:lnSpc>
-            </a:pPr>
-            <a:r>
-              <a:rPr lang="en-AU" sz="2000" b="1" dirty="0">
-                <a:effectLst/>
-              </a:rPr>
-              <a:t>Word Choice Covariance:</a:t>
-            </a:r>
-            <a:r>
-              <a:rPr lang="en-AU" sz="2000" dirty="0">
-                <a:effectLst/>
-              </a:rPr>
-              <a:t> </a:t>
-            </a:r>
-          </a:p>
-          <a:p>
-            <a:pPr>
-              <a:lnSpc>
-                <a:spcPct val="125000"/>
-              </a:lnSpc>
-            </a:pPr>
-            <a:r>
-              <a:rPr lang="en-AU" sz="2000" dirty="0">
-                <a:effectLst/>
-              </a:rPr>
-              <a:t>Previous work has shown that word-based analysis yields promising categorization results, so do sonic signatures provide unique features, or merely reflect the same information as the words they comprise? </a:t>
-            </a:r>
-            <a:r>
-              <a:rPr lang="en-AU" sz="2000" b="1" dirty="0">
-                <a:effectLst/>
-              </a:rPr>
-              <a:t>To what degree are sonic signatures covariant with word choice in determining classification?</a:t>
-            </a:r>
-          </a:p>
-        </p:txBody>
-      </p:sp>
       <p:pic>
         <p:nvPicPr>
-          <p:cNvPr id="6" name="Picture 5"/>
+          <p:cNvPr id="7" name="Picture 6"/>
           <p:cNvPicPr>
             <a:picLocks noChangeAspect="1"/>
           </p:cNvPicPr>
           <p:nvPr/>
         </p:nvPicPr>
-        <p:blipFill>
+        <p:blipFill rotWithShape="1">
           <a:blip r:embed="rId5">
             <a:extLst>
               <a:ext uri="{28A0092B-C50C-407E-A947-70E740481C1C}">
@@ -6889,23 +6273,80 @@
               </a:ext>
             </a:extLst>
           </a:blip>
-          <a:stretch>
-            <a:fillRect/>
-          </a:stretch>
+          <a:srcRect b="2118"/>
+          <a:stretch/>
         </p:blipFill>
         <p:spPr>
           <a:xfrm>
-            <a:off x="32163261" y="6258028"/>
-            <a:ext cx="5638800" cy="4229100"/>
+            <a:off x="37131785" y="5904794"/>
+            <a:ext cx="5739644" cy="4213561"/>
           </a:xfrm>
           <a:prstGeom prst="rect">
             <a:avLst/>
           </a:prstGeom>
         </p:spPr>
       </p:pic>
+      <p:sp>
+        <p:nvSpPr>
+          <p:cNvPr id="8" name="TextBox 7"/>
+          <p:cNvSpPr txBox="1"/>
+          <p:nvPr/>
+        </p:nvSpPr>
+        <p:spPr>
+          <a:xfrm>
+            <a:off x="32628813" y="10611830"/>
+            <a:ext cx="5107631" cy="1200329"/>
+          </a:xfrm>
+          <a:prstGeom prst="rect">
+            <a:avLst/>
+          </a:prstGeom>
+          <a:noFill/>
+        </p:spPr>
+        <p:txBody>
+          <a:bodyPr wrap="square" rtlCol="0">
+            <a:spAutoFit/>
+          </a:bodyPr>
+          <a:lstStyle/>
+          <a:p>
+            <a:r>
+              <a:rPr lang="en-US" dirty="0"/>
+              <a:t>Confusion matrix resulting from weighted naïve Bayes classification of gender</a:t>
+            </a:r>
+          </a:p>
+        </p:txBody>
+      </p:sp>
+      <p:sp>
+        <p:nvSpPr>
+          <p:cNvPr id="48" name="TextBox 47"/>
+          <p:cNvSpPr txBox="1"/>
+          <p:nvPr/>
+        </p:nvSpPr>
+        <p:spPr>
+          <a:xfrm>
+            <a:off x="38578144" y="10561400"/>
+            <a:ext cx="4481885" cy="1200329"/>
+          </a:xfrm>
+          <a:prstGeom prst="rect">
+            <a:avLst/>
+          </a:prstGeom>
+          <a:noFill/>
+        </p:spPr>
+        <p:txBody>
+          <a:bodyPr wrap="square" rtlCol="0">
+            <a:spAutoFit/>
+          </a:bodyPr>
+          <a:lstStyle/>
+          <a:p>
+            <a:r>
+              <a:rPr lang="en-US" dirty="0"/>
+              <a:t>Confusion matrix resulting from weighted iterative naïve Bayes classification of role</a:t>
+            </a:r>
+          </a:p>
+        </p:txBody>
+      </p:sp>
       <p:pic>
         <p:nvPicPr>
-          <p:cNvPr id="7" name="Picture 6"/>
+          <p:cNvPr id="12" name="Picture 11"/>
           <p:cNvPicPr>
             <a:picLocks noChangeAspect="1"/>
           </p:cNvPicPr>
@@ -6925,95 +6366,7 @@
         </p:blipFill>
         <p:spPr>
           <a:xfrm>
-            <a:off x="37197402" y="6410182"/>
-            <a:ext cx="5739644" cy="4304733"/>
-          </a:xfrm>
-          <a:prstGeom prst="rect">
-            <a:avLst/>
-          </a:prstGeom>
-        </p:spPr>
-      </p:pic>
-      <p:sp>
-        <p:nvSpPr>
-          <p:cNvPr id="8" name="TextBox 7"/>
-          <p:cNvSpPr txBox="1"/>
-          <p:nvPr/>
-        </p:nvSpPr>
-        <p:spPr>
-          <a:xfrm>
-            <a:off x="32694430" y="11117218"/>
-            <a:ext cx="5107631" cy="1200329"/>
-          </a:xfrm>
-          <a:prstGeom prst="rect">
-            <a:avLst/>
-          </a:prstGeom>
-          <a:noFill/>
-        </p:spPr>
-        <p:txBody>
-          <a:bodyPr wrap="square" rtlCol="0">
-            <a:spAutoFit/>
-          </a:bodyPr>
-          <a:lstStyle/>
-          <a:p>
-            <a:r>
-              <a:rPr lang="en-US" dirty="0"/>
-              <a:t>Confusion matrix resulting from weighted naïve Bayes classification of gender</a:t>
-            </a:r>
-          </a:p>
-        </p:txBody>
-      </p:sp>
-      <p:sp>
-        <p:nvSpPr>
-          <p:cNvPr id="48" name="TextBox 47"/>
-          <p:cNvSpPr txBox="1"/>
-          <p:nvPr/>
-        </p:nvSpPr>
-        <p:spPr>
-          <a:xfrm>
-            <a:off x="38643761" y="11066788"/>
-            <a:ext cx="4481885" cy="1200329"/>
-          </a:xfrm>
-          <a:prstGeom prst="rect">
-            <a:avLst/>
-          </a:prstGeom>
-          <a:noFill/>
-        </p:spPr>
-        <p:txBody>
-          <a:bodyPr wrap="square" rtlCol="0">
-            <a:spAutoFit/>
-          </a:bodyPr>
-          <a:lstStyle/>
-          <a:p>
-            <a:r>
-              <a:rPr lang="en-US" dirty="0"/>
-              <a:t>Confusion matrix resulting from weighted iterative naïve Bayes classification of role</a:t>
-            </a:r>
-          </a:p>
-        </p:txBody>
-      </p:sp>
-      <p:pic>
-        <p:nvPicPr>
-          <p:cNvPr id="12" name="Picture 11"/>
-          <p:cNvPicPr>
-            <a:picLocks noChangeAspect="1"/>
-          </p:cNvPicPr>
-          <p:nvPr/>
-        </p:nvPicPr>
-        <p:blipFill>
-          <a:blip r:embed="rId7">
-            <a:extLst>
-              <a:ext uri="{28A0092B-C50C-407E-A947-70E740481C1C}">
-                <a14:useLocalDpi xmlns:a14="http://schemas.microsoft.com/office/drawing/2010/main" val="0"/>
-              </a:ext>
-            </a:extLst>
-          </a:blip>
-          <a:stretch>
-            <a:fillRect/>
-          </a:stretch>
-        </p:blipFill>
-        <p:spPr>
-          <a:xfrm>
-            <a:off x="28645419" y="6186669"/>
+            <a:off x="28579802" y="5681281"/>
             <a:ext cx="3574895" cy="4465835"/>
           </a:xfrm>
           <a:prstGeom prst="rect">
@@ -7029,7 +6382,7 @@
         </p:nvSpPr>
         <p:spPr>
           <a:xfrm>
-            <a:off x="28028701" y="11066788"/>
+            <a:off x="27963084" y="10561400"/>
             <a:ext cx="4468063" cy="1200329"/>
           </a:xfrm>
           <a:prstGeom prst="rect">
@@ -7050,36 +6403,6 @@
           </a:p>
         </p:txBody>
       </p:sp>
-      <p:pic>
-        <p:nvPicPr>
-          <p:cNvPr id="14" name="Picture 13"/>
-          <p:cNvPicPr>
-            <a:picLocks noChangeAspect="1"/>
-          </p:cNvPicPr>
-          <p:nvPr/>
-        </p:nvPicPr>
-        <p:blipFill>
-          <a:blip r:embed="rId8">
-            <a:extLst>
-              <a:ext uri="{28A0092B-C50C-407E-A947-70E740481C1C}">
-                <a14:useLocalDpi xmlns:a14="http://schemas.microsoft.com/office/drawing/2010/main" val="0"/>
-              </a:ext>
-            </a:extLst>
-          </a:blip>
-          <a:stretch>
-            <a:fillRect/>
-          </a:stretch>
-        </p:blipFill>
-        <p:spPr>
-          <a:xfrm>
-            <a:off x="27574818" y="13958542"/>
-            <a:ext cx="15477252" cy="7905178"/>
-          </a:xfrm>
-          <a:prstGeom prst="rect">
-            <a:avLst/>
-          </a:prstGeom>
-        </p:spPr>
-      </p:pic>
       <p:sp>
         <p:nvSpPr>
           <p:cNvPr id="53" name="TextBox 52"/>
@@ -7088,8 +6411,8 @@
         </p:nvSpPr>
         <p:spPr>
           <a:xfrm>
-            <a:off x="27574818" y="22083681"/>
-            <a:ext cx="11979046" cy="461665"/>
+            <a:off x="38447370" y="20693928"/>
+            <a:ext cx="4336539" cy="1938992"/>
           </a:xfrm>
           <a:prstGeom prst="rect">
             <a:avLst/>
@@ -7112,41 +6435,11 @@
             </a:r>
             <a:r>
               <a:rPr lang="en-US" dirty="0"/>
-              <a:t>’s Hamlet and the standards for all archetypes </a:t>
+              <a:t>’s Hamlet and the standards for all archetypes, sorted by highest significance for protagonists </a:t>
             </a:r>
           </a:p>
         </p:txBody>
       </p:sp>
-      <p:pic>
-        <p:nvPicPr>
-          <p:cNvPr id="15" name="Picture 14"/>
-          <p:cNvPicPr>
-            <a:picLocks noChangeAspect="1"/>
-          </p:cNvPicPr>
-          <p:nvPr/>
-        </p:nvPicPr>
-        <p:blipFill>
-          <a:blip r:embed="rId9" cstate="print">
-            <a:extLst>
-              <a:ext uri="{28A0092B-C50C-407E-A947-70E740481C1C}">
-                <a14:useLocalDpi xmlns:a14="http://schemas.microsoft.com/office/drawing/2010/main" val="0"/>
-              </a:ext>
-            </a:extLst>
-          </a:blip>
-          <a:stretch>
-            <a:fillRect/>
-          </a:stretch>
-        </p:blipFill>
-        <p:spPr>
-          <a:xfrm>
-            <a:off x="16208452" y="19201835"/>
-            <a:ext cx="4288887" cy="2449157"/>
-          </a:xfrm>
-          <a:prstGeom prst="rect">
-            <a:avLst/>
-          </a:prstGeom>
-        </p:spPr>
-      </p:pic>
       <p:sp>
         <p:nvSpPr>
           <p:cNvPr id="55" name="TextBox 54"/>
@@ -7155,7 +6448,7 @@
         </p:nvSpPr>
         <p:spPr>
           <a:xfrm>
-            <a:off x="21142000" y="19310928"/>
+            <a:off x="38617751" y="15201362"/>
             <a:ext cx="4006192" cy="1938992"/>
           </a:xfrm>
           <a:prstGeom prst="rect">
@@ -7191,12 +6484,20 @@
             <a:r>
               <a:rPr lang="en-US" dirty="0">
                 <a:solidFill>
+                  <a:srgbClr val="7030A0"/>
+                </a:solidFill>
+              </a:rPr>
+              <a:t>features</a:t>
+            </a:r>
+            <a:r>
+              <a:rPr lang="en-US" dirty="0">
+                <a:solidFill>
                   <a:schemeClr val="accent2">
                     <a:lumMod val="50000"/>
                   </a:schemeClr>
                 </a:solidFill>
               </a:rPr>
-              <a:t>features </a:t>
+              <a:t> </a:t>
             </a:r>
             <a:r>
               <a:rPr lang="en-US" dirty="0"/>
@@ -7215,7 +6516,7 @@
         </p:nvSpPr>
         <p:spPr bwMode="auto">
           <a:xfrm>
-            <a:off x="1225198" y="29378710"/>
+            <a:off x="1159581" y="28538010"/>
             <a:ext cx="14608561" cy="769441"/>
           </a:xfrm>
           <a:prstGeom prst="rect">
@@ -7362,8 +6663,8 @@
         </p:nvSpPr>
         <p:spPr bwMode="auto">
           <a:xfrm>
-            <a:off x="1216733" y="30127938"/>
-            <a:ext cx="14617026" cy="2180862"/>
+            <a:off x="1151116" y="29283739"/>
+            <a:ext cx="14617026" cy="2897524"/>
           </a:xfrm>
           <a:prstGeom prst="rect">
             <a:avLst/>
@@ -7380,7 +6681,7 @@
           <a:effectLst/>
           <a:extLst>
             <a:ext uri="{AF507438-7753-43e0-B8FC-AC1667EBCBE1}">
-              <a14:hiddenEffects xmlns:a14="http://schemas.microsoft.com/office/drawing/2010/main" xmlns="">
+              <a14:hiddenEffects xmlns="" xmlns:a14="http://schemas.microsoft.com/office/drawing/2010/main">
                 <a:effectLst>
                   <a:outerShdw dist="35921" dir="2700000" algn="ctr" rotWithShape="0">
                     <a:schemeClr val="bg2"/>
@@ -7501,31 +6802,31 @@
               <a:buChar char="•"/>
             </a:pPr>
             <a:r>
-              <a:rPr lang="en-US" sz="2000" dirty="0">
+              <a:rPr lang="en-US" dirty="0">
                 <a:effectLst/>
               </a:rPr>
               <a:t>Scikit-learn: Machine Learning in Python, </a:t>
             </a:r>
             <a:r>
-              <a:rPr lang="en-US" sz="2000" dirty="0" err="1">
+              <a:rPr lang="en-US" dirty="0" err="1">
                 <a:effectLst/>
               </a:rPr>
               <a:t>Pedregosa</a:t>
             </a:r>
             <a:r>
-              <a:rPr lang="en-US" sz="2000" dirty="0">
+              <a:rPr lang="en-US" dirty="0">
                 <a:effectLst/>
               </a:rPr>
               <a:t> et al</a:t>
             </a:r>
             <a:r>
-              <a:rPr lang="en-US" sz="2000" i="1" dirty="0">
+              <a:rPr lang="en-US" i="1" dirty="0">
                 <a:effectLst/>
               </a:rPr>
               <a:t>.</a:t>
             </a:r>
             <a:r>
-              <a:rPr lang="en-US" sz="2000" dirty="0">
+              <a:rPr lang="en-US" dirty="0">
                 <a:effectLst/>
               </a:rPr>
               <a:t>, JMLR 12, pp. 2825-2830, 2011.</a:t>
@@ -7540,7 +6841,7 @@
               <a:buChar char="•"/>
             </a:pPr>
             <a:r>
-              <a:rPr lang="en-US" altLang="ja-JP" sz="2000" dirty="0">
+              <a:rPr lang="en-US" altLang="ja-JP" dirty="0">
                 <a:effectLst/>
                 <a:ea typeface="ＭＳ Ｐゴシック" charset="-128"/>
               </a:rPr>
@@ -7556,31 +6857,31 @@
               <a:buChar char="•"/>
             </a:pPr>
             <a:r>
-              <a:rPr lang="en-US" sz="2000" dirty="0">
+              <a:rPr lang="en-US" dirty="0">
                 <a:effectLst/>
               </a:rPr>
               <a:t>Bird, Steven, Edward </a:t>
             </a:r>
             <a:r>
-              <a:rPr lang="en-US" sz="2000" dirty="0" err="1">
+              <a:rPr lang="en-US" dirty="0" err="1">
                 <a:effectLst/>
               </a:rPr>
               <a:t>Loper</a:t>
             </a:r>
             <a:r>
-              <a:rPr lang="en-US" sz="2000" dirty="0">
+              <a:rPr lang="en-US" dirty="0">
                 <a:effectLst/>
               </a:rPr>
               <a:t> and Ewan Klein (2009), </a:t>
             </a:r>
             <a:r>
-              <a:rPr lang="en-US" sz="2000" i="1" dirty="0">
+              <a:rPr lang="en-US" i="1" dirty="0">
                 <a:effectLst/>
               </a:rPr>
               <a:t>Natural Language Processing with Python</a:t>
             </a:r>
             <a:r>
-              <a:rPr lang="en-US" sz="2000" dirty="0">
+              <a:rPr lang="en-US" dirty="0">
                 <a:effectLst/>
               </a:rPr>
               <a:t>. O’Reilly Media Inc.</a:t>
@@ -7595,31 +6896,31 @@
               <a:buChar char="•"/>
             </a:pPr>
             <a:r>
-              <a:rPr lang="en-US" sz="2000" dirty="0">
+              <a:rPr lang="en-US" dirty="0">
                 <a:effectLst/>
               </a:rPr>
               <a:t>Folger Shakespeare Library. (</a:t>
             </a:r>
             <a:r>
-              <a:rPr lang="en-US" sz="2000" dirty="0" err="1">
+              <a:rPr lang="en-US" dirty="0" err="1">
                 <a:effectLst/>
               </a:rPr>
               <a:t>n.d.</a:t>
             </a:r>
             <a:r>
-              <a:rPr lang="en-US" sz="2000" dirty="0">
+              <a:rPr lang="en-US" dirty="0">
                 <a:effectLst/>
               </a:rPr>
               <a:t>) </a:t>
             </a:r>
             <a:r>
-              <a:rPr lang="en-US" sz="2000" i="1" dirty="0">
+              <a:rPr lang="en-US" i="1" dirty="0">
                 <a:effectLst/>
               </a:rPr>
               <a:t>Shakespeare's Plays, Sonnets and Poems</a:t>
             </a:r>
             <a:r>
-              <a:rPr lang="en-US" sz="2000" dirty="0">
+              <a:rPr lang="en-US" dirty="0">
                 <a:effectLst/>
               </a:rPr>
               <a:t> from Folger Digital Texts. Retrieved from www.folgerdigitaltexts.org</a:t>
@@ -7632,7 +6933,7 @@
           <p:cNvPr id="20" name="Group 19">
             <a:extLst>
               <a:ext uri="{FF2B5EF4-FFF2-40B4-BE49-F238E27FC236}">
-                <a16:creationId xmlns:a16="http://schemas.microsoft.com/office/drawing/2014/main" xmlns="" id="{753607CC-CD60-49E7-A323-72FC13B79B7D}"/>
+                <a16:creationId xmlns:a16="http://schemas.microsoft.com/office/drawing/2014/main" id="{753607CC-CD60-49E7-A323-72FC13B79B7D}"/>
               </a:ext>
             </a:extLst>
           </p:cNvPr>
@@ -7641,10 +6942,10 @@
         </p:nvGrpSpPr>
         <p:grpSpPr>
           <a:xfrm>
-            <a:off x="1214011" y="16757489"/>
-            <a:ext cx="7898758" cy="9002785"/>
-            <a:chOff x="1145421" y="16601032"/>
-            <a:chExt cx="7808546" cy="8873469"/>
+            <a:off x="1146834" y="16039277"/>
+            <a:ext cx="7932706" cy="7330065"/>
+            <a:chOff x="1145421" y="16442739"/>
+            <a:chExt cx="7808546" cy="9031762"/>
           </a:xfrm>
         </p:grpSpPr>
         <p:sp>
@@ -7657,7 +6958,7 @@
           </p:nvSpPr>
           <p:spPr bwMode="auto">
             <a:xfrm>
-              <a:off x="1145421" y="16633077"/>
+              <a:off x="1145421" y="16442739"/>
               <a:ext cx="7808545" cy="8841424"/>
             </a:xfrm>
             <a:prstGeom prst="rect">
@@ -7675,7 +6976,7 @@
             <a:effectLst/>
             <a:extLst>
               <a:ext uri="{AF507438-7753-43e0-B8FC-AC1667EBCBE1}">
-                <a14:hiddenEffects xmlns:a14="http://schemas.microsoft.com/office/drawing/2010/main" xmlns="">
+                <a14:hiddenEffects xmlns="" xmlns:a14="http://schemas.microsoft.com/office/drawing/2010/main">
                   <a:effectLst>
                     <a:outerShdw dist="35921" dir="2700000" algn="ctr" rotWithShape="0">
                       <a:schemeClr val="bg2"/>
@@ -7817,7 +7118,7 @@
             <p:nvPr/>
           </p:nvPicPr>
           <p:blipFill rotWithShape="1">
-            <a:blip r:embed="rId10">
+            <a:blip r:embed="rId7">
               <a:extLst>
                 <a:ext uri="{28A0092B-C50C-407E-A947-70E740481C1C}">
                   <a14:useLocalDpi xmlns:a14="http://schemas.microsoft.com/office/drawing/2010/main" val="0"/>
@@ -7875,7 +7176,7 @@
           <p:spPr>
             <a:xfrm>
               <a:off x="1177306" y="16601032"/>
-              <a:ext cx="7776661" cy="1690174"/>
+              <a:ext cx="7776661" cy="1666151"/>
             </a:xfrm>
             <a:prstGeom prst="rect">
               <a:avLst/>
@@ -7888,7 +7189,7 @@
             <a:lstStyle/>
             <a:p>
               <a:r>
-                <a:rPr lang="en-US" sz="3600" dirty="0">
+                <a:rPr lang="en-US" sz="2800" dirty="0">
                   <a:solidFill>
                     <a:srgbClr val="000000"/>
                   </a:solidFill>
@@ -7898,66 +7199,26 @@
                 <a:t>We turned each character’s speech into a </a:t>
               </a:r>
               <a:r>
-                <a:rPr lang="en-US" sz="3600" b="1" dirty="0">
+                <a:rPr lang="en-US" sz="2800" b="1" dirty="0">
                   <a:solidFill>
                     <a:srgbClr val="000000"/>
                   </a:solidFill>
                   <a:effectLst/>
                   <a:latin typeface="+mj-lt"/>
                 </a:rPr>
-                <a:t>vector</a:t>
+                <a:t>vector </a:t>
               </a:r>
               <a:r>
-                <a:rPr lang="en-US" sz="3600" dirty="0">
+                <a:rPr lang="en-US" sz="2800" dirty="0">
                   <a:solidFill>
                     <a:srgbClr val="000000"/>
                   </a:solidFill>
                   <a:effectLst/>
                   <a:latin typeface="+mj-lt"/>
                 </a:rPr>
-                <a:t> and used </a:t>
+                <a:t>in order to explore and compare characters’ sonic signatures.</a:t>
               </a:r>
-              <a:r>
-                <a:rPr lang="en-US" sz="3600" b="1" dirty="0">
-                  <a:solidFill>
-                    <a:srgbClr val="000000"/>
-                  </a:solidFill>
-                  <a:effectLst/>
-                  <a:latin typeface="+mj-lt"/>
-                </a:rPr>
-                <a:t>multidimensional scaling </a:t>
-              </a:r>
-              <a:r>
-                <a:rPr lang="en-US" sz="3600" dirty="0">
-                  <a:solidFill>
-                    <a:srgbClr val="000000"/>
-                  </a:solidFill>
-                  <a:effectLst/>
-                  <a:latin typeface="+mj-lt"/>
-                </a:rPr>
-                <a:t>to look for </a:t>
-              </a:r>
-              <a:r>
-                <a:rPr lang="en-US" sz="3600" b="1" dirty="0">
-                  <a:solidFill>
-                    <a:srgbClr val="000000"/>
-                  </a:solidFill>
-                  <a:effectLst/>
-                  <a:latin typeface="+mj-lt"/>
-                </a:rPr>
-                <a:t>groups</a:t>
-              </a:r>
-              <a:r>
-                <a:rPr lang="en-US" sz="3600" dirty="0">
-                  <a:solidFill>
-                    <a:srgbClr val="000000"/>
-                  </a:solidFill>
-                  <a:effectLst/>
-                  <a:latin typeface="+mj-lt"/>
-                </a:rPr>
-                <a:t> of characters.</a:t>
-              </a:r>
-              <a:endParaRPr lang="en-US" sz="3600" dirty="0">
+              <a:endParaRPr lang="en-US" sz="2800" dirty="0">
                 <a:latin typeface="+mj-lt"/>
               </a:endParaRPr>
             </a:p>
@@ -7968,14 +7229,15 @@
         <p:nvCxnSpPr>
           <p:cNvPr id="86" name="Straight Connector 85"/>
           <p:cNvCxnSpPr>
+            <a:cxnSpLocks/>
             <a:stCxn id="63" idx="2"/>
           </p:cNvCxnSpPr>
           <p:nvPr/>
         </p:nvCxnSpPr>
         <p:spPr bwMode="auto">
           <a:xfrm flipV="1">
-            <a:off x="9140265" y="5414043"/>
-            <a:ext cx="6901360" cy="16376901"/>
+            <a:off x="9079543" y="4908656"/>
+            <a:ext cx="6896465" cy="14634700"/>
           </a:xfrm>
           <a:prstGeom prst="line">
             <a:avLst/>
@@ -7997,7 +7259,7 @@
           <a:effectLst/>
           <a:extLst>
             <a:ext uri="{AF507438-7753-43e0-B8FC-AC1667EBCBE1}">
-              <a14:hiddenEffects xmlns:a14="http://schemas.microsoft.com/office/drawing/2010/main" xmlns="">
+              <a14:hiddenEffects xmlns="" xmlns:a14="http://schemas.microsoft.com/office/drawing/2010/main">
                 <a:effectLst>
                   <a:outerShdw dist="35921" dir="2700000" algn="ctr" rotWithShape="0">
                     <a:schemeClr val="bg2"/>
@@ -8013,7 +7275,7 @@
           <p:cNvPr id="17" name="Group 16">
             <a:extLst>
               <a:ext uri="{FF2B5EF4-FFF2-40B4-BE49-F238E27FC236}">
-                <a16:creationId xmlns:a16="http://schemas.microsoft.com/office/drawing/2014/main" xmlns="" id="{805B18CB-5FCA-49E9-9474-93EEAF482318}"/>
+                <a16:creationId xmlns:a16="http://schemas.microsoft.com/office/drawing/2014/main" id="{805B18CB-5FCA-49E9-9474-93EEAF482318}"/>
               </a:ext>
             </a:extLst>
           </p:cNvPr>
@@ -8022,8 +7284,8 @@
         </p:nvGrpSpPr>
         <p:grpSpPr>
           <a:xfrm>
-            <a:off x="1220134" y="6216925"/>
-            <a:ext cx="14545752" cy="4304064"/>
+            <a:off x="1154517" y="5711536"/>
+            <a:ext cx="14545752" cy="4702553"/>
             <a:chOff x="1177306" y="6201893"/>
             <a:chExt cx="14545752" cy="4304064"/>
           </a:xfrm>
@@ -8033,7 +7295,7 @@
             <p:cNvPr id="54" name="Text Box 263">
               <a:extLst>
                 <a:ext uri="{FF2B5EF4-FFF2-40B4-BE49-F238E27FC236}">
-                  <a16:creationId xmlns:a16="http://schemas.microsoft.com/office/drawing/2014/main" xmlns="" id="{2C460C58-64E7-4204-912A-7A9F8309B605}"/>
+                  <a16:creationId xmlns:a16="http://schemas.microsoft.com/office/drawing/2014/main" id="{2C460C58-64E7-4204-912A-7A9F8309B605}"/>
                 </a:ext>
               </a:extLst>
             </p:cNvPr>
@@ -8170,47 +7432,16 @@
                 <a:rPr lang="en-US" sz="2800" dirty="0">
                   <a:effectLst/>
                 </a:rPr>
-                <a:t>The sounds that make up a word are thought to have meaning. </a:t>
+                <a:t>Linguists theorize that the sounds that make up</a:t>
               </a:r>
             </a:p>
             <a:p>
               <a:pPr indent="-228600"/>
               <a:r>
-                <a:rPr lang="en-US" sz="1000" dirty="0">
-                  <a:effectLst/>
-                </a:rPr>
-                <a:t/>
-              </a:r>
-              <a:br>
-                <a:rPr lang="en-US" sz="1000" dirty="0">
-                  <a:effectLst/>
-                </a:rPr>
-              </a:br>
-              <a:r>
                 <a:rPr lang="en-US" sz="2800" dirty="0">
                   <a:effectLst/>
                 </a:rPr>
-                <a:t>When researchers make up gibberish words for objects, people tend to agree on which gibberish words should refer to small and large objects. </a:t>
-              </a:r>
-            </a:p>
-            <a:p>
-              <a:pPr indent="-228600"/>
-              <a:r>
-                <a:rPr lang="en-US" sz="1000" dirty="0">
-                  <a:effectLst/>
-                </a:rPr>
-                <a:t/>
-              </a:r>
-              <a:br>
-                <a:rPr lang="en-US" sz="1000" dirty="0">
-                  <a:effectLst/>
-                </a:rPr>
-              </a:br>
-              <a:r>
-                <a:rPr lang="en-US" sz="2800" dirty="0">
-                  <a:effectLst/>
-                </a:rPr>
-                <a:t>When close reading a poem, readers pay attention to assonance and consonance and draw meaning from the repetition of sounds.</a:t>
+                <a:t>a word have autonomous meaning. When researchers make up gibberish words for objects, people tend to agree on which gibberish words should refer to small and large objects. When close reading a poem, readers pay attention to assonance and consonance and draw meaning from the repetition of sounds.</a:t>
               </a:r>
               <a:endParaRPr lang="en-US" altLang="zh-CN" sz="2800" dirty="0">
                 <a:effectLst/>
@@ -8224,7 +7455,7 @@
             <p:cNvPr id="56" name="Text Box 263">
               <a:extLst>
                 <a:ext uri="{FF2B5EF4-FFF2-40B4-BE49-F238E27FC236}">
-                  <a16:creationId xmlns:a16="http://schemas.microsoft.com/office/drawing/2014/main" xmlns="" id="{6F1A8300-3B19-45F5-99FA-F65FB890D220}"/>
+                  <a16:creationId xmlns:a16="http://schemas.microsoft.com/office/drawing/2014/main" id="{6F1A8300-3B19-45F5-99FA-F65FB890D220}"/>
                 </a:ext>
               </a:extLst>
             </p:cNvPr>
@@ -8379,6 +7610,9 @@
                 </a:rPr>
                 <a:t>it then possible to visualize how a character “sounds”?</a:t>
               </a:r>
+              <a:endParaRPr lang="en-US" sz="1000" b="1" dirty="0">
+                <a:effectLst/>
+              </a:endParaRPr>
             </a:p>
             <a:p>
               <a:pPr>
@@ -8455,7 +7689,7 @@
           <p:cNvPr id="66" name="Isosceles Triangle 65">
             <a:extLst>
               <a:ext uri="{FF2B5EF4-FFF2-40B4-BE49-F238E27FC236}">
-                <a16:creationId xmlns:a16="http://schemas.microsoft.com/office/drawing/2014/main" xmlns="" id="{8BDCDC91-A860-4F73-A609-A050B902D6E3}"/>
+                <a16:creationId xmlns:a16="http://schemas.microsoft.com/office/drawing/2014/main" id="{8BDCDC91-A860-4F73-A609-A050B902D6E3}"/>
               </a:ext>
             </a:extLst>
           </p:cNvPr>
@@ -8464,12 +7698,12 @@
         </p:nvSpPr>
         <p:spPr bwMode="auto">
           <a:xfrm rot="16200000">
-            <a:off x="6539993" y="15731288"/>
+            <a:off x="6474378" y="15225900"/>
             <a:ext cx="12087058" cy="6882575"/>
           </a:xfrm>
           <a:prstGeom prst="triangle">
             <a:avLst>
-              <a:gd name="adj" fmla="val 28237"/>
+              <a:gd name="adj" fmla="val 42762"/>
             </a:avLst>
           </a:prstGeom>
           <a:solidFill>
@@ -8488,7 +7722,7 @@
           <a:effectLst/>
           <a:extLst>
             <a:ext uri="{AF507438-7753-43e0-B8FC-AC1667EBCBE1}">
-              <a14:hiddenEffects xmlns:a14="http://schemas.microsoft.com/office/drawing/2010/main" xmlns="">
+              <a14:hiddenEffects xmlns="" xmlns:a14="http://schemas.microsoft.com/office/drawing/2010/main">
                 <a:effectLst>
                   <a:outerShdw dist="35921" dir="2700000" algn="ctr" rotWithShape="0">
                     <a:schemeClr val="bg2"/>
@@ -8551,8 +7785,8 @@
         </p:nvCxnSpPr>
         <p:spPr bwMode="auto">
           <a:xfrm flipV="1">
-            <a:off x="9142235" y="13094617"/>
-            <a:ext cx="6904688" cy="8708465"/>
+            <a:off x="9076619" y="12589231"/>
+            <a:ext cx="6904689" cy="6952818"/>
           </a:xfrm>
           <a:prstGeom prst="line">
             <a:avLst/>
@@ -8574,7 +7808,7 @@
           <a:effectLst/>
           <a:extLst>
             <a:ext uri="{AF507438-7753-43e0-B8FC-AC1667EBCBE1}">
-              <a14:hiddenEffects xmlns:a14="http://schemas.microsoft.com/office/drawing/2010/main" xmlns="">
+              <a14:hiddenEffects xmlns="" xmlns:a14="http://schemas.microsoft.com/office/drawing/2010/main">
                 <a:effectLst>
                   <a:outerShdw dist="35921" dir="2700000" algn="ctr" rotWithShape="0">
                     <a:schemeClr val="bg2"/>
@@ -8590,7 +7824,7 @@
           <p:cNvPr id="19" name="Group 18">
             <a:extLst>
               <a:ext uri="{FF2B5EF4-FFF2-40B4-BE49-F238E27FC236}">
-                <a16:creationId xmlns:a16="http://schemas.microsoft.com/office/drawing/2014/main" xmlns="" id="{96D30C17-4ACB-43AB-9D65-23EFCFEF01E7}"/>
+                <a16:creationId xmlns:a16="http://schemas.microsoft.com/office/drawing/2014/main" id="{96D30C17-4ACB-43AB-9D65-23EFCFEF01E7}"/>
               </a:ext>
             </a:extLst>
           </p:cNvPr>
@@ -8599,10 +7833,10 @@
         </p:nvGrpSpPr>
         <p:grpSpPr>
           <a:xfrm>
-            <a:off x="1225199" y="11260472"/>
-            <a:ext cx="14984866" cy="4518053"/>
-            <a:chOff x="1133918" y="11244854"/>
-            <a:chExt cx="14984866" cy="4518053"/>
+            <a:off x="1146835" y="10755084"/>
+            <a:ext cx="15036555" cy="4518053"/>
+            <a:chOff x="1121171" y="11244854"/>
+            <a:chExt cx="15036555" cy="4518053"/>
           </a:xfrm>
           <a:solidFill>
             <a:schemeClr val="bg1"/>
@@ -8613,7 +7847,7 @@
             <p:cNvPr id="50" name="Text Box 263">
               <a:extLst>
                 <a:ext uri="{FF2B5EF4-FFF2-40B4-BE49-F238E27FC236}">
-                  <a16:creationId xmlns:a16="http://schemas.microsoft.com/office/drawing/2014/main" xmlns="" id="{E092D375-05B1-4228-A258-8E736865B013}"/>
+                  <a16:creationId xmlns:a16="http://schemas.microsoft.com/office/drawing/2014/main" id="{E092D375-05B1-4228-A258-8E736865B013}"/>
                 </a:ext>
               </a:extLst>
             </p:cNvPr>
@@ -8763,7 +7997,7 @@
             <p:cNvPr id="43" name="Text Box 263">
               <a:extLst>
                 <a:ext uri="{FF2B5EF4-FFF2-40B4-BE49-F238E27FC236}">
-                  <a16:creationId xmlns:a16="http://schemas.microsoft.com/office/drawing/2014/main" xmlns="" id="{99FC432D-809F-4CEB-B05C-4352B08C803C}"/>
+                  <a16:creationId xmlns:a16="http://schemas.microsoft.com/office/drawing/2014/main" id="{99FC432D-809F-4CEB-B05C-4352B08C803C}"/>
                 </a:ext>
               </a:extLst>
             </p:cNvPr>
@@ -8774,8 +8008,8 @@
           </p:nvSpPr>
           <p:spPr bwMode="auto">
             <a:xfrm>
-              <a:off x="1209684" y="11272370"/>
-              <a:ext cx="7563561" cy="4316566"/>
+              <a:off x="1121171" y="11460417"/>
+              <a:ext cx="7563561" cy="2862322"/>
             </a:xfrm>
             <a:prstGeom prst="rect">
               <a:avLst/>
@@ -8893,20 +8127,15 @@
               </a:lvl9pPr>
             </a:lstStyle>
             <a:p>
-              <a:pPr>
-                <a:lnSpc>
-                  <a:spcPct val="125000"/>
-                </a:lnSpc>
-              </a:pPr>
               <a:r>
-                <a:rPr lang="en-US" altLang="zh-CN" sz="3000" dirty="0">
+                <a:rPr lang="en-US" altLang="zh-CN" sz="2800" dirty="0">
                   <a:effectLst/>
                   <a:ea typeface="SimSun" pitchFamily="2" charset="-122"/>
                 </a:rPr>
                 <a:t>Words break down into a set of fundamental elements called </a:t>
               </a:r>
               <a:r>
-                <a:rPr lang="en-US" altLang="zh-CN" sz="3000" b="1" dirty="0">
+                <a:rPr lang="en-US" altLang="zh-CN" sz="2800" b="1" dirty="0">
                   <a:solidFill>
                     <a:srgbClr val="FF0080"/>
                   </a:solidFill>
@@ -8916,18 +8145,16 @@
                 <a:t>phonemes</a:t>
               </a:r>
               <a:r>
-                <a:rPr lang="en-US" altLang="zh-CN" sz="3000" dirty="0">
+                <a:rPr lang="en-US" altLang="zh-CN" sz="2800" dirty="0">
                   <a:effectLst/>
                   <a:ea typeface="SimSun" pitchFamily="2" charset="-122"/>
                 </a:rPr>
                 <a:t>. Every phoneme has an associated list of </a:t>
               </a:r>
               <a:r>
-                <a:rPr lang="en-US" altLang="zh-CN" sz="3000" b="1" dirty="0">
+                <a:rPr lang="en-US" altLang="zh-CN" sz="2800" b="1" dirty="0">
                   <a:solidFill>
-                    <a:schemeClr val="accent2">
-                      <a:lumMod val="50000"/>
-                    </a:schemeClr>
+                    <a:srgbClr val="7030A0"/>
                   </a:solidFill>
                   <a:effectLst/>
                   <a:ea typeface="SimSun" pitchFamily="2" charset="-122"/>
@@ -8935,7 +8162,7 @@
                 <a:t>features</a:t>
               </a:r>
               <a:r>
-                <a:rPr lang="en-US" altLang="zh-CN" sz="3000" dirty="0">
+                <a:rPr lang="en-US" altLang="zh-CN" sz="2800" dirty="0">
                   <a:solidFill>
                     <a:schemeClr val="accent2">
                       <a:lumMod val="50000"/>
@@ -8947,18 +8174,16 @@
                 <a:t> </a:t>
               </a:r>
               <a:r>
-                <a:rPr lang="en-US" altLang="zh-CN" sz="3000" dirty="0">
+                <a:rPr lang="en-US" altLang="zh-CN" sz="2800" dirty="0">
                   <a:effectLst/>
                   <a:ea typeface="SimSun" pitchFamily="2" charset="-122"/>
                 </a:rPr>
                 <a:t>which describe the physical processes necessary to produce it. We analyzed characters using the </a:t>
               </a:r>
               <a:r>
-                <a:rPr lang="en-US" altLang="zh-CN" sz="3000" b="1" dirty="0">
+                <a:rPr lang="en-US" altLang="zh-CN" sz="2800" b="1" dirty="0">
                   <a:solidFill>
-                    <a:schemeClr val="accent2">
-                      <a:lumMod val="50000"/>
-                    </a:schemeClr>
+                    <a:srgbClr val="7030A0"/>
                   </a:solidFill>
                   <a:effectLst/>
                   <a:ea typeface="SimSun" pitchFamily="2" charset="-122"/>
@@ -8966,14 +8191,14 @@
                 <a:t>types of sounds </a:t>
               </a:r>
               <a:r>
-                <a:rPr lang="en-US" altLang="zh-CN" sz="3000" dirty="0">
+                <a:rPr lang="en-US" altLang="zh-CN" sz="2800" dirty="0">
                   <a:effectLst/>
                   <a:ea typeface="SimSun" pitchFamily="2" charset="-122"/>
                 </a:rPr>
                 <a:t>they made and the </a:t>
               </a:r>
               <a:r>
-                <a:rPr lang="en-US" altLang="zh-CN" sz="3000" b="1" dirty="0">
+                <a:rPr lang="en-US" altLang="zh-CN" sz="2800" b="1" dirty="0">
                   <a:solidFill>
                     <a:srgbClr val="FF0080"/>
                   </a:solidFill>
@@ -8983,7 +8208,7 @@
                 <a:t>specific sounds</a:t>
               </a:r>
               <a:r>
-                <a:rPr lang="en-US" altLang="zh-CN" sz="3000" dirty="0">
+                <a:rPr lang="en-US" altLang="zh-CN" sz="2800" dirty="0">
                   <a:solidFill>
                     <a:srgbClr val="FF0080"/>
                   </a:solidFill>
@@ -8993,18 +8218,11 @@
                 <a:t> </a:t>
               </a:r>
               <a:r>
-                <a:rPr lang="en-US" altLang="zh-CN" sz="3000" dirty="0">
-                  <a:effectLst/>
-                  <a:ea typeface="SimSun" pitchFamily="2" charset="-122"/>
-                </a:rPr>
-                <a:t>they made</a:t>
-              </a:r>
-              <a:r>
                 <a:rPr lang="en-US" altLang="zh-CN" sz="2800" dirty="0">
                   <a:effectLst/>
                   <a:ea typeface="SimSun" pitchFamily="2" charset="-122"/>
                 </a:rPr>
-                <a:t>.</a:t>
+                <a:t>they made.</a:t>
               </a:r>
               <a:endParaRPr lang="en-US" altLang="zh-CN" sz="2800" b="1" dirty="0">
                 <a:solidFill>
@@ -9021,7 +8239,7 @@
             <p:cNvPr id="9" name="Picture 8">
               <a:extLst>
                 <a:ext uri="{FF2B5EF4-FFF2-40B4-BE49-F238E27FC236}">
-                  <a16:creationId xmlns:a16="http://schemas.microsoft.com/office/drawing/2014/main" xmlns="" id="{530F80FF-73F5-4B97-B0D1-3AEB30FF03F8}"/>
+                  <a16:creationId xmlns:a16="http://schemas.microsoft.com/office/drawing/2014/main" id="{530F80FF-73F5-4B97-B0D1-3AEB30FF03F8}"/>
                 </a:ext>
               </a:extLst>
             </p:cNvPr>
@@ -9031,7 +8249,7 @@
             <p:nvPr/>
           </p:nvPicPr>
           <p:blipFill>
-            <a:blip r:embed="rId11">
+            <a:blip r:embed="rId8">
               <a:extLst>
                 <a:ext uri="{28A0092B-C50C-407E-A947-70E740481C1C}">
                   <a14:useLocalDpi xmlns:a14="http://schemas.microsoft.com/office/drawing/2010/main" val="0"/>
@@ -9044,8 +8262,8 @@
           </p:blipFill>
           <p:spPr>
             <a:xfrm>
-              <a:off x="8571007" y="11822246"/>
-              <a:ext cx="6938278" cy="3199935"/>
+              <a:off x="8731663" y="11945871"/>
+              <a:ext cx="6657967" cy="3070656"/>
             </a:xfrm>
             <a:prstGeom prst="rect">
               <a:avLst/>
@@ -9058,7 +8276,7 @@
             <p:cNvPr id="16" name="TextBox 15">
               <a:extLst>
                 <a:ext uri="{FF2B5EF4-FFF2-40B4-BE49-F238E27FC236}">
-                  <a16:creationId xmlns:a16="http://schemas.microsoft.com/office/drawing/2014/main" xmlns="" id="{45F0E81A-41C8-4AF1-B9DF-E1F549B787BE}"/>
+                  <a16:creationId xmlns:a16="http://schemas.microsoft.com/office/drawing/2014/main" id="{45F0E81A-41C8-4AF1-B9DF-E1F549B787BE}"/>
                 </a:ext>
               </a:extLst>
             </p:cNvPr>
@@ -9067,7 +8285,7 @@
           </p:nvSpPr>
           <p:spPr>
             <a:xfrm>
-              <a:off x="8342516" y="11356627"/>
+              <a:off x="8381458" y="11448029"/>
               <a:ext cx="7776268" cy="830997"/>
             </a:xfrm>
             <a:prstGeom prst="rect">
@@ -9093,7 +8311,7 @@
             <p:cNvPr id="51" name="TextBox 50">
               <a:extLst>
                 <a:ext uri="{FF2B5EF4-FFF2-40B4-BE49-F238E27FC236}">
-                  <a16:creationId xmlns:a16="http://schemas.microsoft.com/office/drawing/2014/main" xmlns="" id="{9814A516-53B3-4476-8997-FBF776CECA44}"/>
+                  <a16:creationId xmlns:a16="http://schemas.microsoft.com/office/drawing/2014/main" id="{9814A516-53B3-4476-8997-FBF776CECA44}"/>
                 </a:ext>
               </a:extLst>
             </p:cNvPr>
@@ -9102,7 +8320,7 @@
           </p:nvSpPr>
           <p:spPr>
             <a:xfrm>
-              <a:off x="8340881" y="14925455"/>
+              <a:off x="8266191" y="14925216"/>
               <a:ext cx="7356922" cy="830997"/>
             </a:xfrm>
             <a:prstGeom prst="rect">
@@ -9119,7 +8337,7 @@
               <a:pPr algn="ctr"/>
               <a:r>
                 <a:rPr lang="en-US" dirty="0"/>
-                <a:t>The phoneme “S” has the features that it is coronal, sibilant, and fricative, among other features.</a:t>
+                <a:t>The phoneme “S” has features including coronal, sibilant, and fricative.</a:t>
               </a:r>
             </a:p>
           </p:txBody>
@@ -9130,7 +8348,7 @@
           <p:cNvPr id="70" name="Picture 69">
             <a:extLst>
               <a:ext uri="{FF2B5EF4-FFF2-40B4-BE49-F238E27FC236}">
-                <a16:creationId xmlns:a16="http://schemas.microsoft.com/office/drawing/2014/main" xmlns="" id="{12A9C63F-EBD0-4D06-A504-D824E374D8B9}"/>
+                <a16:creationId xmlns:a16="http://schemas.microsoft.com/office/drawing/2014/main" id="{12A9C63F-EBD0-4D06-A504-D824E374D8B9}"/>
               </a:ext>
             </a:extLst>
           </p:cNvPr>
@@ -9140,7 +8358,7 @@
           <p:nvPr/>
         </p:nvPicPr>
         <p:blipFill>
-          <a:blip r:embed="rId12">
+          <a:blip r:embed="rId9">
             <a:extLst>
               <a:ext uri="{28A0092B-C50C-407E-A947-70E740481C1C}">
                 <a14:useLocalDpi xmlns:a14="http://schemas.microsoft.com/office/drawing/2010/main" val="0"/>
@@ -9153,7 +8371,7 @@
         </p:blipFill>
         <p:spPr>
           <a:xfrm>
-            <a:off x="32102541" y="26190424"/>
+            <a:off x="32036924" y="25685036"/>
             <a:ext cx="10980122" cy="4792172"/>
           </a:xfrm>
           <a:prstGeom prst="rect">
@@ -9166,7 +8384,7 @@
           <p:cNvPr id="83" name="TextBox 82">
             <a:extLst>
               <a:ext uri="{FF2B5EF4-FFF2-40B4-BE49-F238E27FC236}">
-                <a16:creationId xmlns:a16="http://schemas.microsoft.com/office/drawing/2014/main" xmlns="" id="{7BC5959E-C084-4F76-8353-609093824D69}"/>
+                <a16:creationId xmlns:a16="http://schemas.microsoft.com/office/drawing/2014/main" id="{7BC5959E-C084-4F76-8353-609093824D69}"/>
               </a:ext>
             </a:extLst>
           </p:cNvPr>
@@ -9175,7 +8393,7 @@
         </p:nvSpPr>
         <p:spPr>
           <a:xfrm>
-            <a:off x="32039289" y="30955962"/>
+            <a:off x="31973672" y="30450574"/>
             <a:ext cx="10440282" cy="1938992"/>
           </a:xfrm>
           <a:prstGeom prst="rect">
@@ -9195,10 +8413,6 @@
             </a:r>
           </a:p>
           <a:p>
-            <a:r>
-              <a:rPr lang="en-US" dirty="0"/>
-              <a:t/>
-            </a:r>
             <a:br>
               <a:rPr lang="en-US" dirty="0"/>
             </a:br>
@@ -9211,7 +8425,7 @@
           <p:cNvPr id="85" name="TextBox 84">
             <a:extLst>
               <a:ext uri="{FF2B5EF4-FFF2-40B4-BE49-F238E27FC236}">
-                <a16:creationId xmlns:a16="http://schemas.microsoft.com/office/drawing/2014/main" xmlns="" id="{797ACB8E-1701-408D-98F9-FFC2BFD4783A}"/>
+                <a16:creationId xmlns:a16="http://schemas.microsoft.com/office/drawing/2014/main" id="{797ACB8E-1701-408D-98F9-FFC2BFD4783A}"/>
               </a:ext>
             </a:extLst>
           </p:cNvPr>
@@ -9220,7 +8434,7 @@
         </p:nvSpPr>
         <p:spPr>
           <a:xfrm>
-            <a:off x="32090878" y="32414622"/>
+            <a:off x="34226831" y="32236595"/>
             <a:ext cx="17580429" cy="461665"/>
           </a:xfrm>
           <a:prstGeom prst="rect">
@@ -9236,7 +8450,7 @@
           <a:p>
             <a:r>
               <a:rPr lang="en-US" dirty="0"/>
-              <a:t>Thank you  to Carleton College, Eric Alexander, and Mike Tie for supporting this research</a:t>
+              <a:t>Thank you  to Carleton College and Mike Tie for supporting this research</a:t>
             </a:r>
           </a:p>
         </p:txBody>
@@ -9246,7 +8460,7 @@
           <p:cNvPr id="3" name="Group 2">
             <a:extLst>
               <a:ext uri="{FF2B5EF4-FFF2-40B4-BE49-F238E27FC236}">
-                <a16:creationId xmlns:a16="http://schemas.microsoft.com/office/drawing/2014/main" xmlns="" id="{C2C36A0C-5609-49E1-8036-B3523FDCB596}"/>
+                <a16:creationId xmlns:a16="http://schemas.microsoft.com/office/drawing/2014/main" id="{C2C36A0C-5609-49E1-8036-B3523FDCB596}"/>
               </a:ext>
             </a:extLst>
           </p:cNvPr>
@@ -9255,7 +8469,7 @@
         </p:nvGrpSpPr>
         <p:grpSpPr>
           <a:xfrm>
-            <a:off x="26976138" y="26178585"/>
+            <a:off x="26910521" y="25673197"/>
             <a:ext cx="10488351" cy="5910812"/>
             <a:chOff x="27041001" y="26157977"/>
             <a:chExt cx="10488351" cy="5910812"/>
@@ -9266,7 +8480,7 @@
             <p:cNvPr id="84" name="Group 83">
               <a:extLst>
                 <a:ext uri="{FF2B5EF4-FFF2-40B4-BE49-F238E27FC236}">
-                  <a16:creationId xmlns:a16="http://schemas.microsoft.com/office/drawing/2014/main" xmlns="" id="{58C465F4-B0F9-4E58-8951-C85675715723}"/>
+                  <a16:creationId xmlns:a16="http://schemas.microsoft.com/office/drawing/2014/main" id="{58C465F4-B0F9-4E58-8951-C85675715723}"/>
                 </a:ext>
               </a:extLst>
             </p:cNvPr>
@@ -9286,7 +8500,7 @@
               <p:cNvPr id="75" name="Picture 74">
                 <a:extLst>
                   <a:ext uri="{FF2B5EF4-FFF2-40B4-BE49-F238E27FC236}">
-                    <a16:creationId xmlns:a16="http://schemas.microsoft.com/office/drawing/2014/main" xmlns="" id="{CE37A18D-44BC-4012-BC15-9652DE7C5DF0}"/>
+                    <a16:creationId xmlns:a16="http://schemas.microsoft.com/office/drawing/2014/main" id="{CE37A18D-44BC-4012-BC15-9652DE7C5DF0}"/>
                   </a:ext>
                 </a:extLst>
               </p:cNvPr>
@@ -9296,7 +8510,7 @@
               <p:nvPr/>
             </p:nvPicPr>
             <p:blipFill>
-              <a:blip r:embed="rId13">
+              <a:blip r:embed="rId10">
                 <a:extLst>
                   <a:ext uri="{28A0092B-C50C-407E-A947-70E740481C1C}">
                     <a14:useLocalDpi xmlns:a14="http://schemas.microsoft.com/office/drawing/2010/main" val="0"/>
@@ -9322,7 +8536,7 @@
               <p:cNvPr id="77" name="Picture 76">
                 <a:extLst>
                   <a:ext uri="{FF2B5EF4-FFF2-40B4-BE49-F238E27FC236}">
-                    <a16:creationId xmlns:a16="http://schemas.microsoft.com/office/drawing/2014/main" xmlns="" id="{BAE44E80-F692-4FE3-8D73-EC35C5E8CBFC}"/>
+                    <a16:creationId xmlns:a16="http://schemas.microsoft.com/office/drawing/2014/main" id="{BAE44E80-F692-4FE3-8D73-EC35C5E8CBFC}"/>
                   </a:ext>
                 </a:extLst>
               </p:cNvPr>
@@ -9332,7 +8546,7 @@
               <p:nvPr/>
             </p:nvPicPr>
             <p:blipFill rotWithShape="1">
-              <a:blip r:embed="rId14">
+              <a:blip r:embed="rId11">
                 <a:extLst>
                   <a:ext uri="{28A0092B-C50C-407E-A947-70E740481C1C}">
                     <a14:useLocalDpi xmlns:a14="http://schemas.microsoft.com/office/drawing/2010/main" val="0"/>
@@ -9358,7 +8572,7 @@
             <p:cNvPr id="58" name="TextBox 57">
               <a:extLst>
                 <a:ext uri="{FF2B5EF4-FFF2-40B4-BE49-F238E27FC236}">
-                  <a16:creationId xmlns:a16="http://schemas.microsoft.com/office/drawing/2014/main" xmlns="" id="{7E622FE0-B4BF-4456-B87B-B9290A2288C9}"/>
+                  <a16:creationId xmlns:a16="http://schemas.microsoft.com/office/drawing/2014/main" id="{7E622FE0-B4BF-4456-B87B-B9290A2288C9}"/>
                 </a:ext>
               </a:extLst>
             </p:cNvPr>
@@ -9387,10 +8601,6 @@
               </a:r>
             </a:p>
             <a:p>
-              <a:r>
-                <a:rPr lang="en-US" dirty="0"/>
-                <a:t/>
-              </a:r>
               <a:br>
                 <a:rPr lang="en-US" dirty="0"/>
               </a:br>
@@ -9403,7 +8613,7 @@
             <p:cNvPr id="59" name="TextBox 58">
               <a:extLst>
                 <a:ext uri="{FF2B5EF4-FFF2-40B4-BE49-F238E27FC236}">
-                  <a16:creationId xmlns:a16="http://schemas.microsoft.com/office/drawing/2014/main" xmlns="" id="{655D8046-4C33-4752-899F-6853C02D14AB}"/>
+                  <a16:creationId xmlns:a16="http://schemas.microsoft.com/office/drawing/2014/main" id="{655D8046-4C33-4752-899F-6853C02D14AB}"/>
                 </a:ext>
               </a:extLst>
             </p:cNvPr>
@@ -9432,10 +8642,6 @@
               </a:r>
             </a:p>
             <a:p>
-              <a:r>
-                <a:rPr lang="en-US" dirty="0"/>
-                <a:t/>
-              </a:r>
               <a:br>
                 <a:rPr lang="en-US" dirty="0"/>
               </a:br>
@@ -9448,14 +8654,15 @@
         <p:nvCxnSpPr>
           <p:cNvPr id="62" name="Straight Connector 61"/>
           <p:cNvCxnSpPr>
+            <a:cxnSpLocks/>
             <a:stCxn id="63" idx="2"/>
           </p:cNvCxnSpPr>
           <p:nvPr/>
         </p:nvCxnSpPr>
         <p:spPr bwMode="auto">
           <a:xfrm>
-            <a:off x="9140265" y="21790944"/>
-            <a:ext cx="6895997" cy="3425161"/>
+            <a:off x="9079543" y="19543356"/>
+            <a:ext cx="6891102" cy="5167361"/>
           </a:xfrm>
           <a:prstGeom prst="line">
             <a:avLst/>
@@ -9477,7 +8684,7 @@
           <a:effectLst/>
           <a:extLst>
             <a:ext uri="{AF507438-7753-43e0-B8FC-AC1667EBCBE1}">
-              <a14:hiddenEffects xmlns:a14="http://schemas.microsoft.com/office/drawing/2010/main" xmlns="">
+              <a14:hiddenEffects xmlns="" xmlns:a14="http://schemas.microsoft.com/office/drawing/2010/main">
                 <a:effectLst>
                   <a:outerShdw dist="35921" dir="2700000" algn="ctr" rotWithShape="0">
                     <a:schemeClr val="bg2"/>
@@ -9488,6 +8695,902 @@
           </a:extLst>
         </p:spPr>
       </p:cxnSp>
+      <p:sp>
+        <p:nvSpPr>
+          <p:cNvPr id="71" name="Text Box 248"/>
+          <p:cNvSpPr txBox="1">
+            <a:spLocks noChangeArrowheads="1"/>
+          </p:cNvSpPr>
+          <p:nvPr/>
+        </p:nvSpPr>
+        <p:spPr bwMode="auto">
+          <a:xfrm>
+            <a:off x="1160845" y="10156306"/>
+            <a:ext cx="14568103" cy="769441"/>
+          </a:xfrm>
+          <a:prstGeom prst="rect">
+            <a:avLst/>
+          </a:prstGeom>
+          <a:solidFill>
+            <a:schemeClr val="accent2">
+              <a:lumMod val="50000"/>
+            </a:schemeClr>
+          </a:solidFill>
+          <a:ln w="19050">
+            <a:noFill/>
+            <a:miter lim="800000"/>
+            <a:headEnd/>
+            <a:tailEnd/>
+          </a:ln>
+          <a:effectLst/>
+        </p:spPr>
+        <p:txBody>
+          <a:bodyPr wrap="square">
+            <a:spAutoFit/>
+          </a:bodyPr>
+          <a:lstStyle>
+            <a:lvl1pPr>
+              <a:defRPr sz="2400">
+                <a:solidFill>
+                  <a:schemeClr val="tx1"/>
+                </a:solidFill>
+                <a:latin typeface="Times New Roman" pitchFamily="18" charset="0"/>
+              </a:defRPr>
+            </a:lvl1pPr>
+            <a:lvl2pPr marL="742950" indent="-285750">
+              <a:defRPr sz="2400">
+                <a:solidFill>
+                  <a:schemeClr val="tx1"/>
+                </a:solidFill>
+                <a:latin typeface="Times New Roman" pitchFamily="18" charset="0"/>
+              </a:defRPr>
+            </a:lvl2pPr>
+            <a:lvl3pPr marL="1143000" indent="-228600">
+              <a:defRPr sz="2400">
+                <a:solidFill>
+                  <a:schemeClr val="tx1"/>
+                </a:solidFill>
+                <a:latin typeface="Times New Roman" pitchFamily="18" charset="0"/>
+              </a:defRPr>
+            </a:lvl3pPr>
+            <a:lvl4pPr marL="1600200" indent="-228600">
+              <a:defRPr sz="2400">
+                <a:solidFill>
+                  <a:schemeClr val="tx1"/>
+                </a:solidFill>
+                <a:latin typeface="Times New Roman" pitchFamily="18" charset="0"/>
+              </a:defRPr>
+            </a:lvl4pPr>
+            <a:lvl5pPr marL="2057400" indent="-228600">
+              <a:defRPr sz="2400">
+                <a:solidFill>
+                  <a:schemeClr val="tx1"/>
+                </a:solidFill>
+                <a:latin typeface="Times New Roman" pitchFamily="18" charset="0"/>
+              </a:defRPr>
+            </a:lvl5pPr>
+            <a:lvl6pPr marL="2514600" indent="-228600" eaLnBrk="0" fontAlgn="base" hangingPunct="0">
+              <a:spcBef>
+                <a:spcPct val="0"/>
+              </a:spcBef>
+              <a:spcAft>
+                <a:spcPct val="0"/>
+              </a:spcAft>
+              <a:defRPr sz="2400">
+                <a:solidFill>
+                  <a:schemeClr val="tx1"/>
+                </a:solidFill>
+                <a:latin typeface="Times New Roman" pitchFamily="18" charset="0"/>
+              </a:defRPr>
+            </a:lvl6pPr>
+            <a:lvl7pPr marL="2971800" indent="-228600" eaLnBrk="0" fontAlgn="base" hangingPunct="0">
+              <a:spcBef>
+                <a:spcPct val="0"/>
+              </a:spcBef>
+              <a:spcAft>
+                <a:spcPct val="0"/>
+              </a:spcAft>
+              <a:defRPr sz="2400">
+                <a:solidFill>
+                  <a:schemeClr val="tx1"/>
+                </a:solidFill>
+                <a:latin typeface="Times New Roman" pitchFamily="18" charset="0"/>
+              </a:defRPr>
+            </a:lvl7pPr>
+            <a:lvl8pPr marL="3429000" indent="-228600" eaLnBrk="0" fontAlgn="base" hangingPunct="0">
+              <a:spcBef>
+                <a:spcPct val="0"/>
+              </a:spcBef>
+              <a:spcAft>
+                <a:spcPct val="0"/>
+              </a:spcAft>
+              <a:defRPr sz="2400">
+                <a:solidFill>
+                  <a:schemeClr val="tx1"/>
+                </a:solidFill>
+                <a:latin typeface="Times New Roman" pitchFamily="18" charset="0"/>
+              </a:defRPr>
+            </a:lvl8pPr>
+            <a:lvl9pPr marL="3886200" indent="-228600" eaLnBrk="0" fontAlgn="base" hangingPunct="0">
+              <a:spcBef>
+                <a:spcPct val="0"/>
+              </a:spcBef>
+              <a:spcAft>
+                <a:spcPct val="0"/>
+              </a:spcAft>
+              <a:defRPr sz="2400">
+                <a:solidFill>
+                  <a:schemeClr val="tx1"/>
+                </a:solidFill>
+                <a:latin typeface="Times New Roman" pitchFamily="18" charset="0"/>
+              </a:defRPr>
+            </a:lvl9pPr>
+          </a:lstStyle>
+          <a:p>
+            <a:r>
+              <a:rPr lang="en-US" altLang="zh-CN" sz="4400" b="1" dirty="0">
+                <a:solidFill>
+                  <a:schemeClr val="bg1"/>
+                </a:solidFill>
+                <a:effectLst/>
+                <a:latin typeface="Lucida Sans" pitchFamily="34" charset="0"/>
+                <a:ea typeface="SimSun" pitchFamily="2" charset="-122"/>
+                <a:cs typeface="Lucida Sans" pitchFamily="34" charset="0"/>
+              </a:rPr>
+              <a:t>Quantifying “How Characters Sound”</a:t>
+            </a:r>
+            <a:endParaRPr lang="en-US" altLang="zh-CN" sz="3200" b="1" dirty="0">
+              <a:solidFill>
+                <a:schemeClr val="bg1"/>
+              </a:solidFill>
+              <a:effectLst/>
+              <a:latin typeface="Lucida Sans" pitchFamily="34" charset="0"/>
+              <a:ea typeface="SimSun" pitchFamily="2" charset="-122"/>
+              <a:cs typeface="Lucida Sans" pitchFamily="34" charset="0"/>
+            </a:endParaRPr>
+          </a:p>
+        </p:txBody>
+      </p:sp>
+      <p:sp>
+        <p:nvSpPr>
+          <p:cNvPr id="96" name="Text Box 248"/>
+          <p:cNvSpPr txBox="1">
+            <a:spLocks noChangeArrowheads="1"/>
+          </p:cNvSpPr>
+          <p:nvPr/>
+        </p:nvSpPr>
+        <p:spPr bwMode="auto">
+          <a:xfrm>
+            <a:off x="1161940" y="23214073"/>
+            <a:ext cx="14606202" cy="769014"/>
+          </a:xfrm>
+          <a:prstGeom prst="rect">
+            <a:avLst/>
+          </a:prstGeom>
+          <a:solidFill>
+            <a:schemeClr val="accent2">
+              <a:lumMod val="50000"/>
+            </a:schemeClr>
+          </a:solidFill>
+          <a:ln w="19050">
+            <a:noFill/>
+            <a:miter lim="800000"/>
+            <a:headEnd/>
+            <a:tailEnd/>
+          </a:ln>
+          <a:effectLst/>
+        </p:spPr>
+        <p:txBody>
+          <a:bodyPr wrap="square">
+            <a:spAutoFit/>
+          </a:bodyPr>
+          <a:lstStyle>
+            <a:lvl1pPr>
+              <a:defRPr sz="2400">
+                <a:solidFill>
+                  <a:schemeClr val="tx1"/>
+                </a:solidFill>
+                <a:latin typeface="Times New Roman" pitchFamily="18" charset="0"/>
+              </a:defRPr>
+            </a:lvl1pPr>
+            <a:lvl2pPr marL="742950" indent="-285750">
+              <a:defRPr sz="2400">
+                <a:solidFill>
+                  <a:schemeClr val="tx1"/>
+                </a:solidFill>
+                <a:latin typeface="Times New Roman" pitchFamily="18" charset="0"/>
+              </a:defRPr>
+            </a:lvl2pPr>
+            <a:lvl3pPr marL="1143000" indent="-228600">
+              <a:defRPr sz="2400">
+                <a:solidFill>
+                  <a:schemeClr val="tx1"/>
+                </a:solidFill>
+                <a:latin typeface="Times New Roman" pitchFamily="18" charset="0"/>
+              </a:defRPr>
+            </a:lvl3pPr>
+            <a:lvl4pPr marL="1600200" indent="-228600">
+              <a:defRPr sz="2400">
+                <a:solidFill>
+                  <a:schemeClr val="tx1"/>
+                </a:solidFill>
+                <a:latin typeface="Times New Roman" pitchFamily="18" charset="0"/>
+              </a:defRPr>
+            </a:lvl4pPr>
+            <a:lvl5pPr marL="2057400" indent="-228600">
+              <a:defRPr sz="2400">
+                <a:solidFill>
+                  <a:schemeClr val="tx1"/>
+                </a:solidFill>
+                <a:latin typeface="Times New Roman" pitchFamily="18" charset="0"/>
+              </a:defRPr>
+            </a:lvl5pPr>
+            <a:lvl6pPr marL="2514600" indent="-228600" eaLnBrk="0" fontAlgn="base" hangingPunct="0">
+              <a:spcBef>
+                <a:spcPct val="0"/>
+              </a:spcBef>
+              <a:spcAft>
+                <a:spcPct val="0"/>
+              </a:spcAft>
+              <a:defRPr sz="2400">
+                <a:solidFill>
+                  <a:schemeClr val="tx1"/>
+                </a:solidFill>
+                <a:latin typeface="Times New Roman" pitchFamily="18" charset="0"/>
+              </a:defRPr>
+            </a:lvl6pPr>
+            <a:lvl7pPr marL="2971800" indent="-228600" eaLnBrk="0" fontAlgn="base" hangingPunct="0">
+              <a:spcBef>
+                <a:spcPct val="0"/>
+              </a:spcBef>
+              <a:spcAft>
+                <a:spcPct val="0"/>
+              </a:spcAft>
+              <a:defRPr sz="2400">
+                <a:solidFill>
+                  <a:schemeClr val="tx1"/>
+                </a:solidFill>
+                <a:latin typeface="Times New Roman" pitchFamily="18" charset="0"/>
+              </a:defRPr>
+            </a:lvl7pPr>
+            <a:lvl8pPr marL="3429000" indent="-228600" eaLnBrk="0" fontAlgn="base" hangingPunct="0">
+              <a:spcBef>
+                <a:spcPct val="0"/>
+              </a:spcBef>
+              <a:spcAft>
+                <a:spcPct val="0"/>
+              </a:spcAft>
+              <a:defRPr sz="2400">
+                <a:solidFill>
+                  <a:schemeClr val="tx1"/>
+                </a:solidFill>
+                <a:latin typeface="Times New Roman" pitchFamily="18" charset="0"/>
+              </a:defRPr>
+            </a:lvl8pPr>
+            <a:lvl9pPr marL="3886200" indent="-228600" eaLnBrk="0" fontAlgn="base" hangingPunct="0">
+              <a:spcBef>
+                <a:spcPct val="0"/>
+              </a:spcBef>
+              <a:spcAft>
+                <a:spcPct val="0"/>
+              </a:spcAft>
+              <a:defRPr sz="2400">
+                <a:solidFill>
+                  <a:schemeClr val="tx1"/>
+                </a:solidFill>
+                <a:latin typeface="Times New Roman" pitchFamily="18" charset="0"/>
+              </a:defRPr>
+            </a:lvl9pPr>
+          </a:lstStyle>
+          <a:p>
+            <a:r>
+              <a:rPr lang="en-US" altLang="zh-CN" sz="4400" b="1" dirty="0">
+                <a:solidFill>
+                  <a:schemeClr val="bg1"/>
+                </a:solidFill>
+                <a:effectLst/>
+                <a:latin typeface="Lucida Sans" pitchFamily="34" charset="0"/>
+                <a:ea typeface="SimSun" pitchFamily="2" charset="-122"/>
+                <a:cs typeface="Lucida Sans" pitchFamily="34" charset="0"/>
+              </a:rPr>
+              <a:t>What Next?</a:t>
+            </a:r>
+          </a:p>
+        </p:txBody>
+      </p:sp>
+      <p:sp>
+        <p:nvSpPr>
+          <p:cNvPr id="45" name="Text Box 263"/>
+          <p:cNvSpPr txBox="1">
+            <a:spLocks noChangeArrowheads="1"/>
+          </p:cNvSpPr>
+          <p:nvPr/>
+        </p:nvSpPr>
+        <p:spPr bwMode="auto">
+          <a:xfrm>
+            <a:off x="1161352" y="23980212"/>
+            <a:ext cx="14606790" cy="4557797"/>
+          </a:xfrm>
+          <a:prstGeom prst="rect">
+            <a:avLst/>
+          </a:prstGeom>
+          <a:solidFill>
+            <a:schemeClr val="bg1"/>
+          </a:solidFill>
+          <a:ln w="57150" cmpd="thinThick">
+            <a:noFill/>
+            <a:miter lim="800000"/>
+            <a:headEnd/>
+            <a:tailEnd/>
+          </a:ln>
+          <a:effectLst/>
+          <a:extLst/>
+        </p:spPr>
+        <p:txBody>
+          <a:bodyPr wrap="square" lIns="182880" tIns="91440" rIns="182880" bIns="182880" numCol="2">
+            <a:noAutofit/>
+          </a:bodyPr>
+          <a:lstStyle>
+            <a:lvl1pPr>
+              <a:defRPr sz="2400">
+                <a:solidFill>
+                  <a:schemeClr val="tx1"/>
+                </a:solidFill>
+                <a:latin typeface="Times New Roman" pitchFamily="18" charset="0"/>
+              </a:defRPr>
+            </a:lvl1pPr>
+            <a:lvl2pPr marL="685800" indent="-228600">
+              <a:defRPr sz="2400">
+                <a:solidFill>
+                  <a:schemeClr val="tx1"/>
+                </a:solidFill>
+                <a:latin typeface="Times New Roman" pitchFamily="18" charset="0"/>
+              </a:defRPr>
+            </a:lvl2pPr>
+            <a:lvl3pPr marL="1143000" indent="-228600">
+              <a:defRPr sz="2400">
+                <a:solidFill>
+                  <a:schemeClr val="tx1"/>
+                </a:solidFill>
+                <a:latin typeface="Times New Roman" pitchFamily="18" charset="0"/>
+              </a:defRPr>
+            </a:lvl3pPr>
+            <a:lvl4pPr marL="1600200" indent="-228600">
+              <a:defRPr sz="2400">
+                <a:solidFill>
+                  <a:schemeClr val="tx1"/>
+                </a:solidFill>
+                <a:latin typeface="Times New Roman" pitchFamily="18" charset="0"/>
+              </a:defRPr>
+            </a:lvl4pPr>
+            <a:lvl5pPr marL="2057400" indent="-228600">
+              <a:defRPr sz="2400">
+                <a:solidFill>
+                  <a:schemeClr val="tx1"/>
+                </a:solidFill>
+                <a:latin typeface="Times New Roman" pitchFamily="18" charset="0"/>
+              </a:defRPr>
+            </a:lvl5pPr>
+            <a:lvl6pPr marL="2514600" indent="-228600" eaLnBrk="0" fontAlgn="base" hangingPunct="0">
+              <a:spcBef>
+                <a:spcPct val="0"/>
+              </a:spcBef>
+              <a:spcAft>
+                <a:spcPct val="0"/>
+              </a:spcAft>
+              <a:defRPr sz="2400">
+                <a:solidFill>
+                  <a:schemeClr val="tx1"/>
+                </a:solidFill>
+                <a:latin typeface="Times New Roman" pitchFamily="18" charset="0"/>
+              </a:defRPr>
+            </a:lvl6pPr>
+            <a:lvl7pPr marL="2971800" indent="-228600" eaLnBrk="0" fontAlgn="base" hangingPunct="0">
+              <a:spcBef>
+                <a:spcPct val="0"/>
+              </a:spcBef>
+              <a:spcAft>
+                <a:spcPct val="0"/>
+              </a:spcAft>
+              <a:defRPr sz="2400">
+                <a:solidFill>
+                  <a:schemeClr val="tx1"/>
+                </a:solidFill>
+                <a:latin typeface="Times New Roman" pitchFamily="18" charset="0"/>
+              </a:defRPr>
+            </a:lvl7pPr>
+            <a:lvl8pPr marL="3429000" indent="-228600" eaLnBrk="0" fontAlgn="base" hangingPunct="0">
+              <a:spcBef>
+                <a:spcPct val="0"/>
+              </a:spcBef>
+              <a:spcAft>
+                <a:spcPct val="0"/>
+              </a:spcAft>
+              <a:defRPr sz="2400">
+                <a:solidFill>
+                  <a:schemeClr val="tx1"/>
+                </a:solidFill>
+                <a:latin typeface="Times New Roman" pitchFamily="18" charset="0"/>
+              </a:defRPr>
+            </a:lvl8pPr>
+            <a:lvl9pPr marL="3886200" indent="-228600" eaLnBrk="0" fontAlgn="base" hangingPunct="0">
+              <a:spcBef>
+                <a:spcPct val="0"/>
+              </a:spcBef>
+              <a:spcAft>
+                <a:spcPct val="0"/>
+              </a:spcAft>
+              <a:defRPr sz="2400">
+                <a:solidFill>
+                  <a:schemeClr val="tx1"/>
+                </a:solidFill>
+                <a:latin typeface="Times New Roman" pitchFamily="18" charset="0"/>
+              </a:defRPr>
+            </a:lvl9pPr>
+          </a:lstStyle>
+          <a:p>
+            <a:pPr>
+              <a:lnSpc>
+                <a:spcPct val="125000"/>
+              </a:lnSpc>
+            </a:pPr>
+            <a:r>
+              <a:rPr lang="en-AU" sz="2800" b="1" dirty="0">
+                <a:effectLst/>
+              </a:rPr>
+              <a:t>Beyond Shakespeare: </a:t>
+            </a:r>
+          </a:p>
+          <a:p>
+            <a:pPr>
+              <a:lnSpc>
+                <a:spcPct val="125000"/>
+              </a:lnSpc>
+            </a:pPr>
+            <a:r>
+              <a:rPr lang="en-AU" sz="2800" dirty="0">
+                <a:effectLst/>
+              </a:rPr>
+              <a:t>Expand our analysis to other authors, not limited to playwrights </a:t>
+            </a:r>
+          </a:p>
+          <a:p>
+            <a:pPr>
+              <a:lnSpc>
+                <a:spcPct val="125000"/>
+              </a:lnSpc>
+            </a:pPr>
+            <a:r>
+              <a:rPr lang="en-AU" sz="2800" dirty="0">
+                <a:effectLst/>
+              </a:rPr>
+              <a:t>or anglophones, with a particular interest in the role of verse and prose. </a:t>
+            </a:r>
+            <a:r>
+              <a:rPr lang="en-AU" sz="2800" b="1" dirty="0">
+                <a:effectLst/>
+              </a:rPr>
+              <a:t>Does the significance of sonic signatures change across form and language?</a:t>
+            </a:r>
+          </a:p>
+          <a:p>
+            <a:pPr>
+              <a:lnSpc>
+                <a:spcPct val="125000"/>
+              </a:lnSpc>
+            </a:pPr>
+            <a:endParaRPr lang="en-AU" sz="2800" b="1" dirty="0">
+              <a:effectLst/>
+            </a:endParaRPr>
+          </a:p>
+          <a:p>
+            <a:pPr>
+              <a:lnSpc>
+                <a:spcPct val="125000"/>
+              </a:lnSpc>
+            </a:pPr>
+            <a:r>
+              <a:rPr lang="en-AU" sz="2800" b="1" dirty="0">
+                <a:effectLst/>
+              </a:rPr>
+              <a:t>Word Choice Covariance:</a:t>
+            </a:r>
+            <a:r>
+              <a:rPr lang="en-AU" sz="2800" dirty="0">
+                <a:effectLst/>
+              </a:rPr>
+              <a:t> </a:t>
+            </a:r>
+          </a:p>
+          <a:p>
+            <a:pPr>
+              <a:lnSpc>
+                <a:spcPct val="125000"/>
+              </a:lnSpc>
+            </a:pPr>
+            <a:r>
+              <a:rPr lang="en-AU" sz="2800" dirty="0">
+                <a:effectLst/>
+              </a:rPr>
+              <a:t>Previous work has shown that word-based analysis yields promising categorization results, so do sonic signatures provide unique features, or merely reflect the same information as the words they comprise? </a:t>
+            </a:r>
+            <a:r>
+              <a:rPr lang="en-AU" sz="2800" b="1" dirty="0">
+                <a:effectLst/>
+              </a:rPr>
+              <a:t>To what degree are sonic signatures covariant with word choice in determining classification?</a:t>
+            </a:r>
+          </a:p>
+        </p:txBody>
+      </p:sp>
+      <p:pic>
+        <p:nvPicPr>
+          <p:cNvPr id="13" name="Picture 12">
+            <a:extLst>
+              <a:ext uri="{FF2B5EF4-FFF2-40B4-BE49-F238E27FC236}">
+                <a16:creationId xmlns:a16="http://schemas.microsoft.com/office/drawing/2014/main" id="{2C804434-CBD2-4B5B-926C-AD8DC66C6F8D}"/>
+              </a:ext>
+            </a:extLst>
+          </p:cNvPr>
+          <p:cNvPicPr>
+            <a:picLocks noChangeAspect="1"/>
+          </p:cNvPicPr>
+          <p:nvPr/>
+        </p:nvPicPr>
+        <p:blipFill>
+          <a:blip r:embed="rId12" cstate="print">
+            <a:extLst>
+              <a:ext uri="{28A0092B-C50C-407E-A947-70E740481C1C}">
+                <a14:useLocalDpi xmlns:a14="http://schemas.microsoft.com/office/drawing/2010/main" val="0"/>
+              </a:ext>
+            </a:extLst>
+          </a:blip>
+          <a:stretch>
+            <a:fillRect/>
+          </a:stretch>
+        </p:blipFill>
+        <p:spPr>
+          <a:xfrm>
+            <a:off x="28069564" y="19037557"/>
+            <a:ext cx="10181767" cy="5307006"/>
+          </a:xfrm>
+          <a:prstGeom prst="rect">
+            <a:avLst/>
+          </a:prstGeom>
+        </p:spPr>
+      </p:pic>
+      <p:pic>
+        <p:nvPicPr>
+          <p:cNvPr id="21" name="Picture 20">
+            <a:extLst>
+              <a:ext uri="{FF2B5EF4-FFF2-40B4-BE49-F238E27FC236}">
+                <a16:creationId xmlns:a16="http://schemas.microsoft.com/office/drawing/2014/main" id="{A9A1FF81-BAB7-4A96-ABDE-2C31563A3C39}"/>
+              </a:ext>
+            </a:extLst>
+          </p:cNvPr>
+          <p:cNvPicPr>
+            <a:picLocks noChangeAspect="1"/>
+          </p:cNvPicPr>
+          <p:nvPr/>
+        </p:nvPicPr>
+        <p:blipFill>
+          <a:blip r:embed="rId13" cstate="print">
+            <a:extLst>
+              <a:ext uri="{28A0092B-C50C-407E-A947-70E740481C1C}">
+                <a14:useLocalDpi xmlns:a14="http://schemas.microsoft.com/office/drawing/2010/main" val="0"/>
+              </a:ext>
+            </a:extLst>
+          </a:blip>
+          <a:stretch>
+            <a:fillRect/>
+          </a:stretch>
+        </p:blipFill>
+        <p:spPr>
+          <a:xfrm>
+            <a:off x="28069564" y="13507926"/>
+            <a:ext cx="10181767" cy="5331397"/>
+          </a:xfrm>
+          <a:prstGeom prst="rect">
+            <a:avLst/>
+          </a:prstGeom>
+        </p:spPr>
+      </p:pic>
+      <p:sp>
+        <p:nvSpPr>
+          <p:cNvPr id="41" name="Text Box 248"/>
+          <p:cNvSpPr txBox="1">
+            <a:spLocks noChangeArrowheads="1"/>
+          </p:cNvSpPr>
+          <p:nvPr/>
+        </p:nvSpPr>
+        <p:spPr bwMode="auto">
+          <a:xfrm>
+            <a:off x="1153149" y="4972054"/>
+            <a:ext cx="14545752" cy="769441"/>
+          </a:xfrm>
+          <a:prstGeom prst="rect">
+            <a:avLst/>
+          </a:prstGeom>
+          <a:solidFill>
+            <a:schemeClr val="accent2">
+              <a:lumMod val="50000"/>
+            </a:schemeClr>
+          </a:solidFill>
+          <a:ln w="19050">
+            <a:noFill/>
+            <a:miter lim="800000"/>
+            <a:headEnd/>
+            <a:tailEnd/>
+          </a:ln>
+          <a:effectLst/>
+        </p:spPr>
+        <p:txBody>
+          <a:bodyPr wrap="square">
+            <a:spAutoFit/>
+          </a:bodyPr>
+          <a:lstStyle>
+            <a:lvl1pPr>
+              <a:defRPr sz="2400">
+                <a:solidFill>
+                  <a:schemeClr val="tx1"/>
+                </a:solidFill>
+                <a:latin typeface="Times New Roman" pitchFamily="18" charset="0"/>
+              </a:defRPr>
+            </a:lvl1pPr>
+            <a:lvl2pPr marL="742950" indent="-285750">
+              <a:defRPr sz="2400">
+                <a:solidFill>
+                  <a:schemeClr val="tx1"/>
+                </a:solidFill>
+                <a:latin typeface="Times New Roman" pitchFamily="18" charset="0"/>
+              </a:defRPr>
+            </a:lvl2pPr>
+            <a:lvl3pPr marL="1143000" indent="-228600">
+              <a:defRPr sz="2400">
+                <a:solidFill>
+                  <a:schemeClr val="tx1"/>
+                </a:solidFill>
+                <a:latin typeface="Times New Roman" pitchFamily="18" charset="0"/>
+              </a:defRPr>
+            </a:lvl3pPr>
+            <a:lvl4pPr marL="1600200" indent="-228600">
+              <a:defRPr sz="2400">
+                <a:solidFill>
+                  <a:schemeClr val="tx1"/>
+                </a:solidFill>
+                <a:latin typeface="Times New Roman" pitchFamily="18" charset="0"/>
+              </a:defRPr>
+            </a:lvl4pPr>
+            <a:lvl5pPr marL="2057400" indent="-228600">
+              <a:defRPr sz="2400">
+                <a:solidFill>
+                  <a:schemeClr val="tx1"/>
+                </a:solidFill>
+                <a:latin typeface="Times New Roman" pitchFamily="18" charset="0"/>
+              </a:defRPr>
+            </a:lvl5pPr>
+            <a:lvl6pPr marL="2514600" indent="-228600" eaLnBrk="0" fontAlgn="base" hangingPunct="0">
+              <a:spcBef>
+                <a:spcPct val="0"/>
+              </a:spcBef>
+              <a:spcAft>
+                <a:spcPct val="0"/>
+              </a:spcAft>
+              <a:defRPr sz="2400">
+                <a:solidFill>
+                  <a:schemeClr val="tx1"/>
+                </a:solidFill>
+                <a:latin typeface="Times New Roman" pitchFamily="18" charset="0"/>
+              </a:defRPr>
+            </a:lvl6pPr>
+            <a:lvl7pPr marL="2971800" indent="-228600" eaLnBrk="0" fontAlgn="base" hangingPunct="0">
+              <a:spcBef>
+                <a:spcPct val="0"/>
+              </a:spcBef>
+              <a:spcAft>
+                <a:spcPct val="0"/>
+              </a:spcAft>
+              <a:defRPr sz="2400">
+                <a:solidFill>
+                  <a:schemeClr val="tx1"/>
+                </a:solidFill>
+                <a:latin typeface="Times New Roman" pitchFamily="18" charset="0"/>
+              </a:defRPr>
+            </a:lvl7pPr>
+            <a:lvl8pPr marL="3429000" indent="-228600" eaLnBrk="0" fontAlgn="base" hangingPunct="0">
+              <a:spcBef>
+                <a:spcPct val="0"/>
+              </a:spcBef>
+              <a:spcAft>
+                <a:spcPct val="0"/>
+              </a:spcAft>
+              <a:defRPr sz="2400">
+                <a:solidFill>
+                  <a:schemeClr val="tx1"/>
+                </a:solidFill>
+                <a:latin typeface="Times New Roman" pitchFamily="18" charset="0"/>
+              </a:defRPr>
+            </a:lvl8pPr>
+            <a:lvl9pPr marL="3886200" indent="-228600" eaLnBrk="0" fontAlgn="base" hangingPunct="0">
+              <a:spcBef>
+                <a:spcPct val="0"/>
+              </a:spcBef>
+              <a:spcAft>
+                <a:spcPct val="0"/>
+              </a:spcAft>
+              <a:defRPr sz="2400">
+                <a:solidFill>
+                  <a:schemeClr val="tx1"/>
+                </a:solidFill>
+                <a:latin typeface="Times New Roman" pitchFamily="18" charset="0"/>
+              </a:defRPr>
+            </a:lvl9pPr>
+          </a:lstStyle>
+          <a:p>
+            <a:r>
+              <a:rPr lang="en-US" altLang="zh-CN" sz="4400" b="1" dirty="0">
+                <a:solidFill>
+                  <a:schemeClr val="bg1"/>
+                </a:solidFill>
+                <a:effectLst/>
+                <a:latin typeface="Lucida Sans" pitchFamily="34" charset="0"/>
+                <a:ea typeface="SimSun" pitchFamily="2" charset="-122"/>
+                <a:cs typeface="Lucida Sans" pitchFamily="34" charset="0"/>
+              </a:rPr>
+              <a:t>Why Sonic Signatures?</a:t>
+            </a:r>
+            <a:endParaRPr lang="en-US" altLang="zh-CN" sz="3200" b="1" dirty="0">
+              <a:solidFill>
+                <a:schemeClr val="bg1"/>
+              </a:solidFill>
+              <a:effectLst/>
+              <a:latin typeface="Lucida Sans" pitchFamily="34" charset="0"/>
+              <a:ea typeface="SimSun" pitchFamily="2" charset="-122"/>
+              <a:cs typeface="Lucida Sans" pitchFamily="34" charset="0"/>
+            </a:endParaRPr>
+          </a:p>
+        </p:txBody>
+      </p:sp>
+      <p:sp>
+        <p:nvSpPr>
+          <p:cNvPr id="34" name="TextBox 33">
+            <a:extLst>
+              <a:ext uri="{FF2B5EF4-FFF2-40B4-BE49-F238E27FC236}">
+                <a16:creationId xmlns:a16="http://schemas.microsoft.com/office/drawing/2014/main" id="{A809847B-BDE4-4A1E-A910-07F3D6CA9ECC}"/>
+              </a:ext>
+            </a:extLst>
+          </p:cNvPr>
+          <p:cNvSpPr txBox="1"/>
+          <p:nvPr/>
+        </p:nvSpPr>
+        <p:spPr>
+          <a:xfrm>
+            <a:off x="39852600" y="9972554"/>
+            <a:ext cx="2286000" cy="246221"/>
+          </a:xfrm>
+          <a:prstGeom prst="rect">
+            <a:avLst/>
+          </a:prstGeom>
+          <a:noFill/>
+        </p:spPr>
+        <p:txBody>
+          <a:bodyPr wrap="square" rtlCol="0">
+            <a:spAutoFit/>
+          </a:bodyPr>
+          <a:lstStyle/>
+          <a:p>
+            <a:r>
+              <a:rPr lang="en-US" sz="1000" dirty="0">
+                <a:solidFill>
+                  <a:schemeClr val="tx1">
+                    <a:lumMod val="75000"/>
+                    <a:lumOff val="25000"/>
+                  </a:schemeClr>
+                </a:solidFill>
+                <a:effectLst/>
+                <a:latin typeface="Arial" panose="020B0604020202020204" pitchFamily="34" charset="0"/>
+                <a:cs typeface="Arial" panose="020B0604020202020204" pitchFamily="34" charset="0"/>
+              </a:rPr>
+              <a:t>Predicted label</a:t>
+            </a:r>
+          </a:p>
+        </p:txBody>
+      </p:sp>
+      <p:grpSp>
+        <p:nvGrpSpPr>
+          <p:cNvPr id="37" name="Group 36">
+            <a:extLst>
+              <a:ext uri="{FF2B5EF4-FFF2-40B4-BE49-F238E27FC236}">
+                <a16:creationId xmlns:a16="http://schemas.microsoft.com/office/drawing/2014/main" id="{BA3AF995-7F87-459A-9805-F84023901A2F}"/>
+              </a:ext>
+            </a:extLst>
+          </p:cNvPr>
+          <p:cNvGrpSpPr/>
+          <p:nvPr/>
+        </p:nvGrpSpPr>
+        <p:grpSpPr>
+          <a:xfrm>
+            <a:off x="32097644" y="5843593"/>
+            <a:ext cx="5638800" cy="4343024"/>
+            <a:chOff x="32097644" y="5752640"/>
+            <a:chExt cx="5638800" cy="4343024"/>
+          </a:xfrm>
+        </p:grpSpPr>
+        <p:pic>
+          <p:nvPicPr>
+            <p:cNvPr id="6" name="Picture 5"/>
+            <p:cNvPicPr>
+              <a:picLocks noChangeAspect="1"/>
+            </p:cNvPicPr>
+            <p:nvPr/>
+          </p:nvPicPr>
+          <p:blipFill rotWithShape="1">
+            <a:blip r:embed="rId14">
+              <a:extLst>
+                <a:ext uri="{28A0092B-C50C-407E-A947-70E740481C1C}">
+                  <a14:useLocalDpi xmlns:a14="http://schemas.microsoft.com/office/drawing/2010/main" val="0"/>
+                </a:ext>
+              </a:extLst>
+            </a:blip>
+            <a:srcRect b="1965"/>
+            <a:stretch/>
+          </p:blipFill>
+          <p:spPr>
+            <a:xfrm>
+              <a:off x="32097644" y="5752640"/>
+              <a:ext cx="5638800" cy="4145983"/>
+            </a:xfrm>
+            <a:prstGeom prst="rect">
+              <a:avLst/>
+            </a:prstGeom>
+          </p:spPr>
+        </p:pic>
+        <p:sp>
+          <p:nvSpPr>
+            <p:cNvPr id="87" name="TextBox 86">
+              <a:extLst>
+                <a:ext uri="{FF2B5EF4-FFF2-40B4-BE49-F238E27FC236}">
+                  <a16:creationId xmlns:a16="http://schemas.microsoft.com/office/drawing/2014/main" id="{CF65483D-538A-4C8E-AA7F-CE8E192EF8F8}"/>
+                </a:ext>
+              </a:extLst>
+            </p:cNvPr>
+            <p:cNvSpPr txBox="1"/>
+            <p:nvPr/>
+          </p:nvSpPr>
+          <p:spPr>
+            <a:xfrm>
+              <a:off x="34395661" y="9849443"/>
+              <a:ext cx="2286000" cy="246221"/>
+            </a:xfrm>
+            <a:prstGeom prst="rect">
+              <a:avLst/>
+            </a:prstGeom>
+            <a:noFill/>
+          </p:spPr>
+          <p:txBody>
+            <a:bodyPr wrap="square" rtlCol="0">
+              <a:spAutoFit/>
+            </a:bodyPr>
+            <a:lstStyle/>
+            <a:p>
+              <a:r>
+                <a:rPr lang="en-US" sz="1000" dirty="0">
+                  <a:solidFill>
+                    <a:schemeClr val="tx1">
+                      <a:lumMod val="75000"/>
+                      <a:lumOff val="25000"/>
+                    </a:schemeClr>
+                  </a:solidFill>
+                  <a:effectLst/>
+                  <a:latin typeface="Arial" panose="020B0604020202020204" pitchFamily="34" charset="0"/>
+                  <a:cs typeface="Arial" panose="020B0604020202020204" pitchFamily="34" charset="0"/>
+                </a:rPr>
+                <a:t>Predicted label</a:t>
+              </a:r>
+            </a:p>
+          </p:txBody>
+        </p:sp>
+      </p:grpSp>
     </p:spTree>
   </p:cSld>
   <p:clrMapOvr>
@@ -9746,7 +9849,7 @@
         <a:effectLst/>
         <a:extLst>
           <a:ext uri="{AF507438-7753-43e0-B8FC-AC1667EBCBE1}">
-            <a14:hiddenEffects xmlns:a14="http://schemas.microsoft.com/office/drawing/2010/main" xmlns="">
+            <a14:hiddenEffects xmlns="" xmlns:a14="http://schemas.microsoft.com/office/drawing/2010/main">
               <a:effectLst>
                 <a:outerShdw dist="35921" dir="2700000" algn="ctr" rotWithShape="0">
                   <a:schemeClr val="bg2"/>
@@ -9825,7 +9928,7 @@
         <a:effectLst/>
         <a:extLst>
           <a:ext uri="{AF507438-7753-43e0-B8FC-AC1667EBCBE1}">
-            <a14:hiddenEffects xmlns:a14="http://schemas.microsoft.com/office/drawing/2010/main" xmlns="">
+            <a14:hiddenEffects xmlns="" xmlns:a14="http://schemas.microsoft.com/office/drawing/2010/main">
               <a:effectLst>
                 <a:outerShdw dist="35921" dir="2700000" algn="ctr" rotWithShape="0">
                   <a:schemeClr val="bg2"/>
